--- a/강의자료(ppt)/Chap19-데이터베이스-프로그래밍.pptx
+++ b/강의자료(ppt)/Chap19-데이터베이스-프로그래밍.pptx
@@ -176,6 +176,36 @@
       </a:defRPr>
     </a:lvl9pPr>
   </p:defaultTextStyle>
+  <p:extLst>
+    <p:ext uri="{EFAFB233-063F-42B5-8137-9DF3F51BA10A}">
+      <p15:sldGuideLst xmlns:p15="http://schemas.microsoft.com/office/powerpoint/2012/main">
+        <p15:guide id="1" orient="horz" pos="2157">
+          <p15:clr>
+            <a:srgbClr val="A4A3A4"/>
+          </p15:clr>
+        </p15:guide>
+        <p15:guide id="2" pos="2878">
+          <p15:clr>
+            <a:srgbClr val="A4A3A4"/>
+          </p15:clr>
+        </p15:guide>
+      </p15:sldGuideLst>
+    </p:ext>
+    <p:ext uri="{2D200454-40CA-4A62-9FC3-DE9A4176ACB9}">
+      <p15:notesGuideLst xmlns:p15="http://schemas.microsoft.com/office/powerpoint/2012/main">
+        <p15:guide id="1" orient="horz" pos="2901">
+          <p15:clr>
+            <a:srgbClr val="A4A3A4"/>
+          </p15:clr>
+        </p15:guide>
+        <p15:guide id="2" pos="2181">
+          <p15:clr>
+            <a:srgbClr val="A4A3A4"/>
+          </p15:clr>
+        </p15:guide>
+      </p15:notesGuideLst>
+    </p:ext>
+  </p:extLst>
 </p:presentation>
 </file>
 
@@ -389,12 +419,4140 @@
     </p:spTree>
     <p:extLst>
       <p:ext uri="{BB962C8B-B14F-4D97-AF65-F5344CB8AC3E}">
-        <p14:creationId xmlns:p14="http://schemas.microsoft.com/office/powerpoint/2010/main" xmlns="" val="43436750"/>
+        <p14:creationId xmlns:p14="http://schemas.microsoft.com/office/powerpoint/2010/main" val="43436750"/>
       </p:ext>
     </p:extLst>
   </p:cSld>
   <p:clrMap bg1="lt1" tx1="dk1" bg2="lt2" tx2="dk2" accent1="accent1" accent2="accent2" accent3="accent3" accent4="accent4" accent5="accent5" accent6="accent6" hlink="hlink" folHlink="folHlink"/>
 </p:handoutMaster>
+</file>
+
+<file path=ppt/ink/ink1.xml><?xml version="1.0" encoding="utf-8"?>
+<inkml:ink xmlns:inkml="http://www.w3.org/2003/InkML">
+  <inkml:definitions>
+    <inkml:context xml:id="ctx0">
+      <inkml:inkSource xml:id="inkSrc0">
+        <inkml:traceFormat>
+          <inkml:channel name="X" type="integer" max="1920" units="cm"/>
+          <inkml:channel name="Y" type="integer" max="1080" units="cm"/>
+          <inkml:channel name="T" type="integer" max="2.14748E9" units="dev"/>
+        </inkml:traceFormat>
+        <inkml:channelProperties>
+          <inkml:channelProperty channel="X" name="resolution" value="36.85221" units="1/cm"/>
+          <inkml:channelProperty channel="Y" name="resolution" value="36.86007" units="1/cm"/>
+          <inkml:channelProperty channel="T" name="resolution" value="1" units="1/dev"/>
+        </inkml:channelProperties>
+      </inkml:inkSource>
+      <inkml:timestamp xml:id="ts0" timeString="2021-04-09T07:45:09.632"/>
+    </inkml:context>
+    <inkml:brush xml:id="br0">
+      <inkml:brushProperty name="width" value="0.06667" units="cm"/>
+      <inkml:brushProperty name="height" value="0.06667" units="cm"/>
+      <inkml:brushProperty name="color" value="#ED1C24"/>
+      <inkml:brushProperty name="fitToCurve" value="1"/>
+    </inkml:brush>
+  </inkml:definitions>
+  <inkml:traceGroup>
+    <inkml:annotationXML>
+      <emma:emma xmlns:emma="http://www.w3.org/2003/04/emma" version="1.0">
+        <emma:interpretation id="{87C6A893-EDC1-4C0A-A7BC-5DAA028886CB}" emma:medium="tactile" emma:mode="ink">
+          <msink:context xmlns:msink="http://schemas.microsoft.com/ink/2010/main" type="writingRegion" rotatedBoundingBox="17356,17291 18365,17291 18365,17306 17356,17306"/>
+        </emma:interpretation>
+      </emma:emma>
+    </inkml:annotationXML>
+    <inkml:traceGroup>
+      <inkml:annotationXML>
+        <emma:emma xmlns:emma="http://www.w3.org/2003/04/emma" version="1.0">
+          <emma:interpretation id="{3098BEEF-FA4B-4314-B405-F757D9C59220}" emma:medium="tactile" emma:mode="ink">
+            <msink:context xmlns:msink="http://schemas.microsoft.com/ink/2010/main" type="paragraph" rotatedBoundingBox="17356,17291 18365,17291 18365,17306 17356,17306" alignmentLevel="1"/>
+          </emma:interpretation>
+        </emma:emma>
+      </inkml:annotationXML>
+      <inkml:traceGroup>
+        <inkml:annotationXML>
+          <emma:emma xmlns:emma="http://www.w3.org/2003/04/emma" version="1.0">
+            <emma:interpretation id="{D5348EE4-F0F8-4EB3-9C28-A87EB2C56218}" emma:medium="tactile" emma:mode="ink">
+              <msink:context xmlns:msink="http://schemas.microsoft.com/ink/2010/main" type="line" rotatedBoundingBox="17356,17291 18365,17291 18365,17306 17356,17306"/>
+            </emma:interpretation>
+          </emma:emma>
+        </inkml:annotationXML>
+        <inkml:traceGroup>
+          <inkml:annotationXML>
+            <emma:emma xmlns:emma="http://www.w3.org/2003/04/emma" version="1.0">
+              <emma:interpretation id="{3CA6A442-5E0E-453F-A515-37BE77BA95D6}" emma:medium="tactile" emma:mode="ink">
+                <msink:context xmlns:msink="http://schemas.microsoft.com/ink/2010/main" type="inkWord" rotatedBoundingBox="17356,17291 18365,17291 18365,17306 17356,17306"/>
+              </emma:interpretation>
+              <emma:one-of disjunction-type="recognition" id="oneOf0">
+                <emma:interpretation id="interp0" emma:lang="" emma:confidence="0">
+                  <emma:literal>-</emma:literal>
+                </emma:interpretation>
+                <emma:interpretation id="interp1" emma:lang="" emma:confidence="0">
+                  <emma:literal>_</emma:literal>
+                </emma:interpretation>
+                <emma:interpretation id="interp2" emma:lang="" emma:confidence="0">
+                  <emma:literal>ㅡ</emma:literal>
+                </emma:interpretation>
+                <emma:interpretation id="interp3" emma:lang="" emma:confidence="0">
+                  <emma:literal>一</emma:literal>
+                </emma:interpretation>
+                <emma:interpretation id="interp4" emma:lang="" emma:confidence="0">
+                  <emma:literal>…</emma:literal>
+                </emma:interpretation>
+              </emma:one-of>
+            </emma:emma>
+          </inkml:annotationXML>
+          <inkml:trace contextRef="#ctx0" brushRef="#br0">0 0 0,'32'0'47,"1"0"-31,-1 0-1,34 0 1,-34 0-16,33 0 16,-32 0-16,-1 0 15,1 0-15,0 0 16,-1 0-16,33 0 16,0 0-1,-32 0-15,-1 0 16,1 0-1,0 0 1,-1 0 15,1 0 16,-1 0 0,1 0-31,-1 0-1,1 0 32,0 0-16,-1 0 1,1 0-1,-1 0-15</inkml:trace>
+        </inkml:traceGroup>
+      </inkml:traceGroup>
+    </inkml:traceGroup>
+  </inkml:traceGroup>
+</inkml:ink>
+</file>
+
+<file path=ppt/ink/ink10.xml><?xml version="1.0" encoding="utf-8"?>
+<inkml:ink xmlns:inkml="http://www.w3.org/2003/InkML">
+  <inkml:definitions>
+    <inkml:context xml:id="ctx0">
+      <inkml:inkSource xml:id="inkSrc0">
+        <inkml:traceFormat>
+          <inkml:channel name="X" type="integer" max="1920" units="cm"/>
+          <inkml:channel name="Y" type="integer" max="1080" units="cm"/>
+          <inkml:channel name="T" type="integer" max="2.14748E9" units="dev"/>
+        </inkml:traceFormat>
+        <inkml:channelProperties>
+          <inkml:channelProperty channel="X" name="resolution" value="36.85221" units="1/cm"/>
+          <inkml:channelProperty channel="Y" name="resolution" value="36.86007" units="1/cm"/>
+          <inkml:channelProperty channel="T" name="resolution" value="1" units="1/dev"/>
+        </inkml:channelProperties>
+      </inkml:inkSource>
+      <inkml:timestamp xml:id="ts0" timeString="2021-04-09T08:11:24.264"/>
+    </inkml:context>
+    <inkml:brush xml:id="br0">
+      <inkml:brushProperty name="width" value="0.06667" units="cm"/>
+      <inkml:brushProperty name="height" value="0.06667" units="cm"/>
+      <inkml:brushProperty name="color" value="#ED1C24"/>
+      <inkml:brushProperty name="fitToCurve" value="1"/>
+    </inkml:brush>
+  </inkml:definitions>
+  <inkml:traceGroup>
+    <inkml:annotationXML>
+      <emma:emma xmlns:emma="http://www.w3.org/2003/04/emma" version="1.0">
+        <emma:interpretation id="{FF66D05E-666C-446E-AF68-C52A7929643F}" emma:medium="tactile" emma:mode="ink">
+          <msink:context xmlns:msink="http://schemas.microsoft.com/ink/2010/main" type="inkDrawing" rotatedBoundingBox="10223,2554 12242,2472 12246,2553 10226,2635" shapeName="Other"/>
+        </emma:interpretation>
+      </emma:emma>
+    </inkml:annotationXML>
+    <inkml:trace contextRef="#ctx0" brushRef="#br0">0 97 0,'33'0'31,"64"0"-15,-64 0-16,65 0 15,-1 0-15,34 0 16,31 0-16,-31 0 16,64 0-16,-65 0 15,66 0-15,-66 0 16,0 0-16,1-32 16,-66-1-16,32 33 15,-32 0-15,-32-32 16,0 32-16,-1 0 15</inkml:trace>
+  </inkml:traceGroup>
+</inkml:ink>
+</file>
+
+<file path=ppt/ink/ink11.xml><?xml version="1.0" encoding="utf-8"?>
+<inkml:ink xmlns:inkml="http://www.w3.org/2003/InkML">
+  <inkml:definitions>
+    <inkml:context xml:id="ctx0">
+      <inkml:inkSource xml:id="inkSrc0">
+        <inkml:traceFormat>
+          <inkml:channel name="X" type="integer" max="1920" units="cm"/>
+          <inkml:channel name="Y" type="integer" max="1080" units="cm"/>
+          <inkml:channel name="T" type="integer" max="2.14748E9" units="dev"/>
+        </inkml:traceFormat>
+        <inkml:channelProperties>
+          <inkml:channelProperty channel="X" name="resolution" value="36.85221" units="1/cm"/>
+          <inkml:channelProperty channel="Y" name="resolution" value="36.86007" units="1/cm"/>
+          <inkml:channelProperty channel="T" name="resolution" value="1" units="1/dev"/>
+        </inkml:channelProperties>
+      </inkml:inkSource>
+      <inkml:timestamp xml:id="ts0" timeString="2021-04-09T08:14:10.624"/>
+    </inkml:context>
+    <inkml:brush xml:id="br0">
+      <inkml:brushProperty name="width" value="0.06667" units="cm"/>
+      <inkml:brushProperty name="height" value="0.06667" units="cm"/>
+      <inkml:brushProperty name="color" value="#ED1C24"/>
+      <inkml:brushProperty name="fitToCurve" value="1"/>
+    </inkml:brush>
+  </inkml:definitions>
+  <inkml:traceGroup>
+    <inkml:annotationXML>
+      <emma:emma xmlns:emma="http://www.w3.org/2003/04/emma" version="1.0">
+        <emma:interpretation id="{1AE3AA41-82F7-4C42-AD8C-882F5E12A6C7}" emma:medium="tactile" emma:mode="ink">
+          <msink:context xmlns:msink="http://schemas.microsoft.com/ink/2010/main" type="inkDrawing" rotatedBoundingBox="-2104,8022 7958,-1018 11376,2786 1314,11827" shapeName="Other"/>
+        </emma:interpretation>
+      </emma:emma>
+    </inkml:annotationXML>
+    <inkml:trace contextRef="#ctx0" brushRef="#br0">10521 0 0,'-32'0'63,"-1"33"-63,33-1 16,0 34-16,-65-1 15,0 0-15,0 0 16,-33 0-16,-32 0 15,-33 33-15,33-33 16,-66 0-16,1 33 16,0-66-16,-33 34 15,-65-1-15,32-33 16,-32 1-16,-65 64 16,0-97-16,-1 66 15,-31-1-15,-1-33 16,65-32-16,1 0 15,32 0-15,65 0 16,-33 0-16,98 0 16,-32 0-16,97 0 15,-65 0-15,66 0 16,-34 0-16,1 0 16,0 0-1,-33 0-15,65 0 16,1 0-16,-1 0 15,33-32-15,32 32 16,1 0-16,-1 0 16,1 0-16,-33 0 15,32 0-15,-65 0 16,33 0-16,-33 0 16,33 0-16,-32 0 15,31 0-15,34 0 16,-66 0-16,33 0 15,0 32-15,0-32 16,-33 0-16,66 33 16,-66-33-16,33 32 15,-33 1-15,0 0 16,33-33-16,-32 65 16,64-65-16,-32 32 15,-33 33-15,66-32 16,-34-1-16,34 1 15,-33 32-15,0-32 16,32-1 0,-32 66-16,0-33 15,32 0-15,1 33 16,-1-65-16,-32 64 16,65-64-16,-65 32 15,32-33-15,1 66 16,-1-33-16,-32 33 15,33 32-15,-34-32 16,34 32-16,-33-32 16,32 65-16,-65-33 15,98-32-15,-32 32 16,-1-65-16,33 33 16,-32-1-16,32 1 15,0-33-15,0 33 16,0-33-16,0 33 15,0-33-15,0 65 16,0 0-16,0 1 16,0 31-16,0-31 15,0-1-15,0 0 16,0 33-16,0-33 16,0 1-16,0 31 15,0-64 1,0 0-16,32 32 15,-32-32-15,33-1 16,-1 34-16,1-34 16,-33 1-16,33-33 15,-33 33-15,32 32 16,-32-32-16,0 0 16,0-33-16,0 0 15,0-33-15,0 33 16,0-32-16,0 65 15,0-33-15,0 33 16,0-1-16,0 1 16,0 0-16,0-33 15,0 32-15,0-31 16,0-1-16,33 0 16,-33 0-16,0-32 15,0 32-15,0-33 16,0 1-16,0 32 15,0 0-15,0-32 16,0-1 0,32-32 93,1 0-78,65 0-31,-66 0 16,33 0-16,0 0 16,0 0-16,-32 0 15,32 0-15</inkml:trace>
+  </inkml:traceGroup>
+</inkml:ink>
+</file>
+
+<file path=ppt/ink/ink12.xml><?xml version="1.0" encoding="utf-8"?>
+<inkml:ink xmlns:inkml="http://www.w3.org/2003/InkML">
+  <inkml:definitions>
+    <inkml:context xml:id="ctx0">
+      <inkml:inkSource xml:id="inkSrc0">
+        <inkml:traceFormat>
+          <inkml:channel name="X" type="integer" max="1920" units="cm"/>
+          <inkml:channel name="Y" type="integer" max="1080" units="cm"/>
+          <inkml:channel name="T" type="integer" max="2.14748E9" units="dev"/>
+        </inkml:traceFormat>
+        <inkml:channelProperties>
+          <inkml:channelProperty channel="X" name="resolution" value="36.85221" units="1/cm"/>
+          <inkml:channelProperty channel="Y" name="resolution" value="36.86007" units="1/cm"/>
+          <inkml:channelProperty channel="T" name="resolution" value="1" units="1/dev"/>
+        </inkml:channelProperties>
+      </inkml:inkSource>
+      <inkml:timestamp xml:id="ts0" timeString="2021-04-09T08:12:09.377"/>
+    </inkml:context>
+    <inkml:brush xml:id="br0">
+      <inkml:brushProperty name="width" value="0.06667" units="cm"/>
+      <inkml:brushProperty name="height" value="0.06667" units="cm"/>
+      <inkml:brushProperty name="color" value="#ED1C24"/>
+      <inkml:brushProperty name="fitToCurve" value="1"/>
+    </inkml:brush>
+  </inkml:definitions>
+  <inkml:traceGroup>
+    <inkml:annotationXML>
+      <emma:emma xmlns:emma="http://www.w3.org/2003/04/emma" version="1.0">
+        <emma:interpretation id="{5A7B3718-12FA-47F6-B871-64C1DFF161F4}" emma:medium="tactile" emma:mode="ink">
+          <msink:context xmlns:msink="http://schemas.microsoft.com/ink/2010/main" type="writingRegion" rotatedBoundingBox="2692,11509 7265,7884 8951,10012 4378,13636"/>
+        </emma:interpretation>
+      </emma:emma>
+    </inkml:annotationXML>
+    <inkml:traceGroup>
+      <inkml:annotationXML>
+        <emma:emma xmlns:emma="http://www.w3.org/2003/04/emma" version="1.0">
+          <emma:interpretation id="{D216E554-662A-4A45-8E23-511919ACFFBB}" emma:medium="tactile" emma:mode="ink">
+            <msink:context xmlns:msink="http://schemas.microsoft.com/ink/2010/main" type="paragraph" rotatedBoundingBox="2692,11509 7265,7884 8951,10012 4378,13636" alignmentLevel="1"/>
+          </emma:interpretation>
+        </emma:emma>
+      </inkml:annotationXML>
+      <inkml:traceGroup>
+        <inkml:annotationXML>
+          <emma:emma xmlns:emma="http://www.w3.org/2003/04/emma" version="1.0">
+            <emma:interpretation id="{8D497D6B-7455-4C71-A161-86613D8645F6}" emma:medium="tactile" emma:mode="ink">
+              <msink:context xmlns:msink="http://schemas.microsoft.com/ink/2010/main" type="line" rotatedBoundingBox="2692,11509 7265,7884 8951,10012 4378,13636"/>
+            </emma:interpretation>
+          </emma:emma>
+        </inkml:annotationXML>
+        <inkml:traceGroup>
+          <inkml:annotationXML>
+            <emma:emma xmlns:emma="http://www.w3.org/2003/04/emma" version="1.0">
+              <emma:interpretation id="{C08BF09D-2F7B-436A-AFB8-5228E6A68FEE}" emma:medium="tactile" emma:mode="ink">
+                <msink:context xmlns:msink="http://schemas.microsoft.com/ink/2010/main" type="inkWord" rotatedBoundingBox="2692,11509 7265,7884 8951,10012 4378,13636"/>
+              </emma:interpretation>
+              <emma:one-of disjunction-type="recognition" id="oneOf0">
+                <emma:interpretation id="interp0" emma:lang="" emma:confidence="1">
+                  <emma:literal/>
+                </emma:interpretation>
+              </emma:one-of>
+            </emma:emma>
+          </inkml:annotationXML>
+          <inkml:trace contextRef="#ctx0" brushRef="#br0">-1953-6187 0,'-33'0'16,"0"0"0,33 32-16,-32-32 15,-33 65-15,32-65 16,-32 65-16,32-32 15,-32-1 1,33 34-16,-1-66 16,1 65-16,-1 0 15,33-33-15,-33 1 16,1 32-16,-1 0 16,-32-32-16,33 64 15,-1-64-15,1 32 16,-1-32-16,33 32 0,0 0 15,-33-32 1,33 32-16,0-33 16,0 1-16,0-1 15,0 34-15,0-34 16,0 33 0,0 0-1,0-32-15,0 32 16,33-32-16,-33-1 15,33 66-15,-33-33 16,32 0-16,1 0 16,-33 33-16,65 0 15,-33-33 1,-32 0-16,0 0 16,33-32-16,-1 32 15,1-33-15,-33 1 16,33 32-1,-1 0 1,-32-32-16,33 64 16,-1-97-16,1 33 15,-1 65-15,1-66 16,-33 1-16,33-1 16,-1 33-16,1-32 15,-1 0 1,1-1-1,-33 1 1,32-33 0,-32 32-1,33-32 1,-33 33-16,0-1 16,33 1-1,-1-1-15,-32 1 16,33 0 15</inkml:trace>
+          <inkml:trace contextRef="#ctx0" brushRef="#br0" timeOffset="1927.9151">-1628-5862 0,'33'0'78,"32"-32"-78,0 32 16,0 0-1,33 0-15,-33 0 16,65 0-16,-32 0 15,0 0-15,-1 0 16,-32 0-16,33 0 16,-33 0-16,0 0 15,0 0-15,-32 0 16,0 0-16,-1 0 16,1 0-16,-1 0 15,1 0 1,32 0-1,-32 0 1,-1 0 31</inkml:trace>
+          <inkml:trace contextRef="#ctx0" brushRef="#br0" timeOffset="53231.4967">-3810-4527 0,'33'0'47,"-1"0"-31,1-32-16,0 32 31,32 0-31,-33 0 16,1 0-1,-1 0-15,1-33 16,0 33-16,-1 0 16,1 0-1,-1 0 1,1 0-1,-1 0 17,1 0-32,65 0 15,-66 0 1,1 0 0,32 0-16,-33 0 15,1 0 1,0 0-1,-1 0-15,1 0 16,-1 0 0,1 0-1,32 0 1,-32 0 0,32 0-1,-33 0 1,1 0-1,-1 0 17,1 0-17,-1 0-15,1 0 16,0-32-16,-1 32 16,1 0-16,-33-33 31,32 33-16</inkml:trace>
+          <inkml:trace contextRef="#ctx0" brushRef="#br0" timeOffset="59423.2766">-5047-2703 0,'32'0'31,"34"-33"-16,-34 1 1,1 32 0,-1 0-16,33 0 15,1 0-15,-1 0 16,-33 0-16,33 0 16,1 0-16,31 0 15,-64 0-15,32 0 16,-33 0-16,1 0 15,0 0-15,-1 0 16,1 0-16,-1 0 47,1 0 31,-1 0-47,1 0-15,0 0 156,-1 0-125,1 0-16,-1 0-31,1 0 16,-1 0 30,1 0-30,-1 0 0,1 0-16,0 0 156,-33-33-140,0 1-16,0-34 15,-33 1-15,33 33 16,0-33-16,-33 0 15,33-1 1,-32 34-16,32-1 0,-33-64 16,33 64-1,0 0 1,-32 1-16,32-1 16,0 1 15,-33 32 63,1 0-79,-1-33 1,1 33-16,-34 0 15,34 0-15,-33 0 16,0 0-16,-1 0 16,34 0-16,-1 0 15,1 0 1,-33 0-16,0 0 16,32 0-1,0 0-15,1 0 16,-1 0-1,1 0 17,-1 0-17,1 0-15,-1 0 16,0-32-16,1 32 156,-1 0-140,1 0 46,-1 0 173,1 0-173,-1 0-46,0-33-16,1 33 15,-1 0 64,1 0-64,-1 0 16,1 0 16,64 33 125,-32 32-156,33 0-16,-33 0 15,0-32 1,32 32-16,-32-33 16,33-32-16,-33 33 15,0-1 1,0 1-16,0 0 16,32-33-1,-32 32-15,0 1 16,33-1-16,-33 1 15,0-1-15,0 1 16,0-1-16,0 1 16,0 0-1,0-1 1</inkml:trace>
+        </inkml:traceGroup>
+      </inkml:traceGroup>
+    </inkml:traceGroup>
+  </inkml:traceGroup>
+</inkml:ink>
+</file>
+
+<file path=ppt/ink/ink13.xml><?xml version="1.0" encoding="utf-8"?>
+<inkml:ink xmlns:inkml="http://www.w3.org/2003/InkML">
+  <inkml:definitions>
+    <inkml:context xml:id="ctx0">
+      <inkml:inkSource xml:id="inkSrc0">
+        <inkml:traceFormat>
+          <inkml:channel name="X" type="integer" max="1920" units="cm"/>
+          <inkml:channel name="Y" type="integer" max="1080" units="cm"/>
+          <inkml:channel name="T" type="integer" max="2.14748E9" units="dev"/>
+        </inkml:traceFormat>
+        <inkml:channelProperties>
+          <inkml:channelProperty channel="X" name="resolution" value="36.85221" units="1/cm"/>
+          <inkml:channelProperty channel="Y" name="resolution" value="36.86007" units="1/cm"/>
+          <inkml:channelProperty channel="T" name="resolution" value="1" units="1/dev"/>
+        </inkml:channelProperties>
+      </inkml:inkSource>
+      <inkml:timestamp xml:id="ts0" timeString="2021-04-09T08:14:12.689"/>
+    </inkml:context>
+    <inkml:brush xml:id="br0">
+      <inkml:brushProperty name="width" value="0.06667" units="cm"/>
+      <inkml:brushProperty name="height" value="0.06667" units="cm"/>
+      <inkml:brushProperty name="color" value="#ED1C24"/>
+      <inkml:brushProperty name="fitToCurve" value="1"/>
+    </inkml:brush>
+  </inkml:definitions>
+  <inkml:traceGroup>
+    <inkml:annotationXML>
+      <emma:emma xmlns:emma="http://www.w3.org/2003/04/emma" version="1.0">
+        <emma:interpretation id="{1187055C-E61D-4EDF-A687-73DF07736885}" emma:medium="tactile" emma:mode="ink">
+          <msink:context xmlns:msink="http://schemas.microsoft.com/ink/2010/main" type="inkDrawing" rotatedBoundingBox="1958,7941 2636,16510 1711,16583 1032,8014" semanticType="callout" shapeName="Other">
+            <msink:sourceLink direction="with" ref="{A16CEACB-103A-4F7D-9A93-0D05458EE864}"/>
+            <msink:sourceLink direction="with" ref="{7B9FA826-E793-4D56-8808-869E409AF295}"/>
+          </msink:context>
+        </emma:interpretation>
+      </emma:emma>
+    </inkml:annotationXML>
+    <inkml:trace contextRef="#ctx0" brushRef="#br0">43 0 0,'0'130'47,"0"-32"-47,0 32 0,0 98 15,0-32-15,0 97 16,0-33-16,0 98 15,0-97-15,0-1 16,0 34 0,0 31-16,0-64 15,0 64-15,0 34 16,0 31-16,0-97 16,0 0-16,0-65 15,0 33-15,0-98 16,0 0-16,0 32 15,0-65-15,65 33 16,-65-33-16,0-32 16,33 65-16,-1-66 15,1 66-15,-33-98 16,0 1-16,0-34 16,0 1-16,0 32 15,0-33 1,0 1-16,32 0 15,-32 32-15,33-65 16,-33 32-16,0 1 16,0-1-1,0 1-15,0 65 16,0-33-16,33 32 16,-33-31-16,32-1 15,-32-33 1,0 1-16,0-1 15,0 1 1,0 32 15,0-32 1,0-1-17,0 1 1,0-1-16,0 1 15,0-1 1,0 1 0,0 0-16,0-1 15,0 1 1,0-1 0,0 1-1,33-1 1,-1 1-16,-32 32 15,0-32 1,0-1-16,0 1 16,33-1-16,-33 1 156,65-33-109,-33 0-47,1 0 15,65 0-15,-66 0 16,33 0-16,-32 0 16,0 0-1,-1 0 1,1 0-16,32 0 16,-33 0-16,1 0 15,32 0-15,-32 0 16,-1 0-16,1 0 31</inkml:trace>
+  </inkml:traceGroup>
+</inkml:ink>
+</file>
+
+<file path=ppt/ink/ink14.xml><?xml version="1.0" encoding="utf-8"?>
+<inkml:ink xmlns:inkml="http://www.w3.org/2003/InkML">
+  <inkml:definitions>
+    <inkml:context xml:id="ctx0">
+      <inkml:inkSource xml:id="inkSrc0">
+        <inkml:traceFormat>
+          <inkml:channel name="X" type="integer" max="1920" units="cm"/>
+          <inkml:channel name="Y" type="integer" max="1080" units="cm"/>
+          <inkml:channel name="T" type="integer" max="2.14748E9" units="dev"/>
+        </inkml:traceFormat>
+        <inkml:channelProperties>
+          <inkml:channelProperty channel="X" name="resolution" value="36.85221" units="1/cm"/>
+          <inkml:channelProperty channel="Y" name="resolution" value="36.86007" units="1/cm"/>
+          <inkml:channelProperty channel="T" name="resolution" value="1" units="1/dev"/>
+        </inkml:channelProperties>
+      </inkml:inkSource>
+      <inkml:timestamp xml:id="ts0" timeString="2021-04-09T08:13:24.192"/>
+    </inkml:context>
+    <inkml:brush xml:id="br0">
+      <inkml:brushProperty name="width" value="0.06667" units="cm"/>
+      <inkml:brushProperty name="height" value="0.06667" units="cm"/>
+      <inkml:brushProperty name="color" value="#ED1C24"/>
+      <inkml:brushProperty name="fitToCurve" value="1"/>
+    </inkml:brush>
+  </inkml:definitions>
+  <inkml:traceGroup>
+    <inkml:annotationXML>
+      <emma:emma xmlns:emma="http://www.w3.org/2003/04/emma" version="1.0">
+        <emma:interpretation id="{5728CBCF-ED03-4293-B8B0-EE6BF471E73B}" emma:medium="tactile" emma:mode="ink">
+          <msink:context xmlns:msink="http://schemas.microsoft.com/ink/2010/main" type="writingRegion" rotatedBoundingBox="3255,15403 5502,15403 5502,16868 3255,16868"/>
+        </emma:interpretation>
+      </emma:emma>
+    </inkml:annotationXML>
+    <inkml:traceGroup>
+      <inkml:annotationXML>
+        <emma:emma xmlns:emma="http://www.w3.org/2003/04/emma" version="1.0">
+          <emma:interpretation id="{F39AF348-6A9D-45ED-BDFC-51CA8C7825BE}" emma:medium="tactile" emma:mode="ink">
+            <msink:context xmlns:msink="http://schemas.microsoft.com/ink/2010/main" type="paragraph" rotatedBoundingBox="3255,15403 5502,15403 5502,16868 3255,16868" alignmentLevel="1"/>
+          </emma:interpretation>
+        </emma:emma>
+      </inkml:annotationXML>
+      <inkml:traceGroup>
+        <inkml:annotationXML>
+          <emma:emma xmlns:emma="http://www.w3.org/2003/04/emma" version="1.0">
+            <emma:interpretation id="{D6A17F26-D338-4700-8958-CFCC0F57AF7B}" emma:medium="tactile" emma:mode="ink">
+              <msink:context xmlns:msink="http://schemas.microsoft.com/ink/2010/main" type="line" rotatedBoundingBox="3255,15403 5502,15403 5502,16868 3255,16868"/>
+            </emma:interpretation>
+          </emma:emma>
+        </inkml:annotationXML>
+        <inkml:traceGroup>
+          <inkml:annotationXML>
+            <emma:emma xmlns:emma="http://www.w3.org/2003/04/emma" version="1.0">
+              <emma:interpretation id="{A16CEACB-103A-4F7D-9A93-0D05458EE864}" emma:medium="tactile" emma:mode="ink">
+                <msink:context xmlns:msink="http://schemas.microsoft.com/ink/2010/main" type="inkWord" rotatedBoundingBox="3255,15403 5502,15403 5502,16868 3255,16868">
+                  <msink:destinationLink direction="with" ref="{1187055C-E61D-4EDF-A687-73DF07736885}"/>
+                </msink:context>
+              </emma:interpretation>
+              <emma:one-of disjunction-type="recognition" id="oneOf0">
+                <emma:interpretation id="interp0" emma:lang="" emma:confidence="1">
+                  <emma:literal/>
+                </emma:interpretation>
+              </emma:one-of>
+            </emma:emma>
+          </inkml:annotationXML>
+          <inkml:trace contextRef="#ctx0" brushRef="#br0">-4982 1367 0,'0'-32'31,"33"32"0,-1 0-15,1 0-16,-1 0 16,66 0-16,-65 0 15,32 0-15,0 0 16,0 0-16,0 0 16,33 0-16,-33-33 15,0 33-15,-32-32 16,-1 32-16,1 0 15,-1 0 1,1 0 78,-1 0-63,1 0 0,0 0 1,-1 0-1,1 0 31,-1 0 1,1 0-63,-1 0 31,-32 65 125,0-33-140,0 1-16,0 32 16,0-32-16,0-1 15,0 1-15,0 32 16,0-33-1,0 1-15,33 0 16,-33-1 0,0 1 15,0-1 16,0 1-32,0-1 1,0 1 0,0 0 15,0-1 16,-33-32 218,1 0-249,-66 0-16,33 0 16,0 0-16,0 0 15,0 0-15,-66 0 16,99 0-16,-33 0 16,32 0-16,1 0 15,-1 0 16,0 0 1,1 0-32,-1 0 15,1 0 1,-1 0 0,1 0-1,-1 0 1,0 0-1,1 0 17,-1 0-1,1 0 219</inkml:trace>
+          <inkml:trace contextRef="#ctx0" brushRef="#br0" timeOffset="-6615.4357">-4819 521 0,'32'0'79,"1"0"-79,32 0 15,-32 0-15,64 0 16,-31 0-16,31 0 15,1 0-15,0 0 16,-1 0-16,-32 0 16,1 0-16,-1 0 15,-33 0-15,1 0 16,-1 0-16,1 0 16,-1 0-16,1 0 31,0 0-31,-1 0 15,1 0 1,-1 0 0,33 0-1,1 0 1,-1 0-16,-33 0 0,33 0 16,1 0-1,-34 0-15,1 0 16,-1 0-16,33 0 15,-32 0-15,-1 0 32,1 0 15,0 0-32,-1 0 79,1 0-63,-1 0 16,1 0-16,-1 0-15</inkml:trace>
+          <inkml:trace contextRef="#ctx0" brushRef="#br0" timeOffset="962.7106">-5015 1335 0,'33'32'110,"-33"34"-110,0-34 15,33 66-15,-33-33 16,0-33-16,0 1 16,0 65-16,32-66 31,-32 1-31,0-1 15,0 1 1,33-33-16,-33 33 31</inkml:trace>
+        </inkml:traceGroup>
+        <inkml:traceGroup>
+          <inkml:annotationXML>
+            <emma:emma xmlns:emma="http://www.w3.org/2003/04/emma" version="1.0">
+              <emma:interpretation id="{90E28E93-DD5E-482D-BE42-627D8CD82067}" emma:medium="tactile" emma:mode="ink">
+                <msink:context xmlns:msink="http://schemas.microsoft.com/ink/2010/main" type="inkWord" rotatedBoundingBox="3255,16347 3353,16347 3353,16868 3255,16868"/>
+              </emma:interpretation>
+            </emma:emma>
+          </inkml:annotationXML>
+          <inkml:trace contextRef="#ctx0" brushRef="#br0" timeOffset="-2574.9766">-5015 1465 0,'0'33'0,"0"-1"15,0 33-15,33-32 16,-33-1-16,0 1 16,0 0-1,0-1-15,33 1 16,-1-1-16,-32 1 15,0-1-15,0 34 16,0-34 15</inkml:trace>
+        </inkml:traceGroup>
+      </inkml:traceGroup>
+    </inkml:traceGroup>
+  </inkml:traceGroup>
+</inkml:ink>
+</file>
+
+<file path=ppt/ink/ink15.xml><?xml version="1.0" encoding="utf-8"?>
+<inkml:ink xmlns:inkml="http://www.w3.org/2003/InkML">
+  <inkml:definitions>
+    <inkml:context xml:id="ctx0">
+      <inkml:inkSource xml:id="inkSrc0">
+        <inkml:traceFormat>
+          <inkml:channel name="X" type="integer" max="1920" units="cm"/>
+          <inkml:channel name="Y" type="integer" max="1080" units="cm"/>
+          <inkml:channel name="T" type="integer" max="2.14748E9" units="dev"/>
+        </inkml:traceFormat>
+        <inkml:channelProperties>
+          <inkml:channelProperty channel="X" name="resolution" value="36.85221" units="1/cm"/>
+          <inkml:channelProperty channel="Y" name="resolution" value="36.86007" units="1/cm"/>
+          <inkml:channelProperty channel="T" name="resolution" value="1" units="1/dev"/>
+        </inkml:channelProperties>
+      </inkml:inkSource>
+      <inkml:timestamp xml:id="ts0" timeString="2021-04-09T08:53:49.561"/>
+    </inkml:context>
+    <inkml:brush xml:id="br0">
+      <inkml:brushProperty name="width" value="0.06667" units="cm"/>
+      <inkml:brushProperty name="height" value="0.06667" units="cm"/>
+      <inkml:brushProperty name="color" value="#ED1C24"/>
+      <inkml:brushProperty name="fitToCurve" value="1"/>
+    </inkml:brush>
+  </inkml:definitions>
+  <inkml:traceGroup>
+    <inkml:annotationXML>
+      <emma:emma xmlns:emma="http://www.w3.org/2003/04/emma" version="1.0">
+        <emma:interpretation id="{3C6767DA-75E4-484C-80BF-209A047873D4}" emma:medium="tactile" emma:mode="ink">
+          <msink:context xmlns:msink="http://schemas.microsoft.com/ink/2010/main" type="inkDrawing" rotatedBoundingBox="4886,5945 9084,6056 9079,6222 4881,6110" shapeName="Other"/>
+        </emma:interpretation>
+      </emma:emma>
+    </inkml:annotationXML>
+    <inkml:trace contextRef="#ctx0" brushRef="#br0">0 0 0,'32'0'31,"1"0"-15,-1 0-1,34 0-15,-34 0 16,33 0-16,0 0 16,0 0-16,33 33 15,0-33-15,-33 0 16,98 32-16,-33-32 15,0 0-15,33 33 16,-33-33-16,33 0 16,-33 33-16,33-33 15,-32 0-15,-1 0 16,-33 0-16,-31 0 16,64 0-16,-98 0 15,66 0-15,-33 0 16,-32 0-1,-1 0-15,1 0 16,0 0-16,32 0 16,-33 0-16,1 0 15,-1 0 1,33 0 0,-32 0-16,32 0 15,0 0-15,-32 0 16,32 0-16,-32 0 15,-1 0-15,1 0 16,-1 0 47,1 0-48,-1 0-15,1 0 16,32 0-1,-32 0 17,-1 0-17,1 0 1,-1 0 0,33 0-16,-32 0 15,0 0 1,-1 0 15,1 0 0,-1 0 16,1 0-31,-1 0 15,1 0-15,0 0 62,-1 0-63,-32-33-15,33 33 32,-1 0-17,1 0 17,-1-33-1,1 33-16,-1-32 1</inkml:trace>
+  </inkml:traceGroup>
+</inkml:ink>
+</file>
+
+<file path=ppt/ink/ink16.xml><?xml version="1.0" encoding="utf-8"?>
+<inkml:ink xmlns:inkml="http://www.w3.org/2003/InkML">
+  <inkml:definitions>
+    <inkml:context xml:id="ctx0">
+      <inkml:inkSource xml:id="inkSrc0">
+        <inkml:traceFormat>
+          <inkml:channel name="X" type="integer" max="1920" units="cm"/>
+          <inkml:channel name="Y" type="integer" max="1080" units="cm"/>
+          <inkml:channel name="T" type="integer" max="2.14748E9" units="dev"/>
+        </inkml:traceFormat>
+        <inkml:channelProperties>
+          <inkml:channelProperty channel="X" name="resolution" value="36.85221" units="1/cm"/>
+          <inkml:channelProperty channel="Y" name="resolution" value="36.86007" units="1/cm"/>
+          <inkml:channelProperty channel="T" name="resolution" value="1" units="1/dev"/>
+        </inkml:channelProperties>
+      </inkml:inkSource>
+      <inkml:timestamp xml:id="ts0" timeString="2021-04-09T08:17:53.240"/>
+    </inkml:context>
+    <inkml:brush xml:id="br0">
+      <inkml:brushProperty name="width" value="0.06667" units="cm"/>
+      <inkml:brushProperty name="height" value="0.06667" units="cm"/>
+      <inkml:brushProperty name="color" value="#ED1C24"/>
+      <inkml:brushProperty name="fitToCurve" value="1"/>
+    </inkml:brush>
+  </inkml:definitions>
+  <inkml:traceGroup>
+    <inkml:annotationXML>
+      <emma:emma xmlns:emma="http://www.w3.org/2003/04/emma" version="1.0">
+        <emma:interpretation id="{2BAF8D64-97A8-4D60-81F8-466B6746AADA}" emma:medium="tactile" emma:mode="ink">
+          <msink:context xmlns:msink="http://schemas.microsoft.com/ink/2010/main" type="writingRegion" rotatedBoundingBox="5807,9822 3322,10025 3247,9115 5732,8912"/>
+        </emma:interpretation>
+      </emma:emma>
+    </inkml:annotationXML>
+    <inkml:traceGroup>
+      <inkml:annotationXML>
+        <emma:emma xmlns:emma="http://www.w3.org/2003/04/emma" version="1.0">
+          <emma:interpretation id="{345E4758-A4D9-45B5-85BA-0EA80C9C1608}" emma:medium="tactile" emma:mode="ink">
+            <msink:context xmlns:msink="http://schemas.microsoft.com/ink/2010/main" type="paragraph" rotatedBoundingBox="5807,9822 3322,10025 3247,9115 5732,8912" alignmentLevel="1"/>
+          </emma:interpretation>
+        </emma:emma>
+      </inkml:annotationXML>
+      <inkml:traceGroup>
+        <inkml:annotationXML>
+          <emma:emma xmlns:emma="http://www.w3.org/2003/04/emma" version="1.0">
+            <emma:interpretation id="{435176AD-CAA8-4ED4-8BD7-BB7BD66EA90C}" emma:medium="tactile" emma:mode="ink">
+              <msink:context xmlns:msink="http://schemas.microsoft.com/ink/2010/main" type="line" rotatedBoundingBox="5807,9822 3322,10025 3247,9115 5732,8912"/>
+            </emma:interpretation>
+          </emma:emma>
+        </inkml:annotationXML>
+        <inkml:traceGroup>
+          <inkml:annotationXML>
+            <emma:emma xmlns:emma="http://www.w3.org/2003/04/emma" version="1.0">
+              <emma:interpretation id="{94A21819-6B3A-4EFB-BFCC-C94A7B37B158}" emma:medium="tactile" emma:mode="ink">
+                <msink:context xmlns:msink="http://schemas.microsoft.com/ink/2010/main" type="inkWord" rotatedBoundingBox="5807,9822 5201,9871 5126,8961 5732,8912"/>
+              </emma:interpretation>
+              <emma:one-of disjunction-type="recognition" id="oneOf0">
+                <emma:interpretation id="interp0" emma:lang="" emma:confidence="1">
+                  <emma:literal/>
+                </emma:interpretation>
+              </emma:one-of>
+            </emma:emma>
+          </inkml:annotationXML>
+          <inkml:trace contextRef="#ctx0" brushRef="#br0">32-130 0,'0'33'62,"0"-1"-46,0 1-16,-32 32 16,32-33-16,0 1 15,0 0-15,0-1 16,0 1-16,0 32 15,0-33 1,0 1 15,0-1 63,0 1-78,0 0 15,0-1 0,0 1 157,32-1-157,1-32-15,32 0-16,0 0 15,0 98-15,0-98 16,1 65-16,-34-32 15,1-33 1,-33 32-16,32-32 16</inkml:trace>
+          <inkml:trace contextRef="#ctx0" brushRef="#br0" timeOffset="-1167.7565">586 196 0,'0'32'15,"0"1"1,-65-33 0,32 0-16,1 32 15,-33-32-15,32 0 16,-65 33-16,33-33 16,33 0-16,-1 0 15,0 32 63</inkml:trace>
+          <inkml:trace contextRef="#ctx0" brushRef="#br0" timeOffset="-1775.7136">488 0 0,'-32'0'63,"-1"0"-48,33 33 1,-32-33-1,-1 0 1,0 32 0,1-32-1,-1 33 1,-32 0 15,33-33-31,-1 0 16,0 32-1,1 1 1,-1-33-16,1 0 16</inkml:trace>
+        </inkml:traceGroup>
+        <inkml:traceGroup>
+          <inkml:annotationXML>
+            <emma:emma xmlns:emma="http://www.w3.org/2003/04/emma" version="1.0">
+              <emma:interpretation id="{B0205F83-757B-49F3-9349-B440241D0AA9}" emma:medium="tactile" emma:mode="ink">
+                <msink:context xmlns:msink="http://schemas.microsoft.com/ink/2010/main" type="inkWord" rotatedBoundingBox="3304,9620 3289,9621 3288,9606 3302,9604"/>
+              </emma:interpretation>
+              <emma:one-of disjunction-type="recognition" id="oneOf1">
+                <emma:interpretation id="interp1" emma:lang="" emma:confidence="0">
+                  <emma:literal>!</emma:literal>
+                </emma:interpretation>
+                <emma:interpretation id="interp2" emma:lang="" emma:confidence="0">
+                  <emma:literal>'</emma:literal>
+                </emma:interpretation>
+                <emma:interpretation id="interp3" emma:lang="" emma:confidence="0">
+                  <emma:literal>1</emma:literal>
+                </emma:interpretation>
+                <emma:interpretation id="interp4" emma:lang="" emma:confidence="0">
+                  <emma:literal>‘</emma:literal>
+                </emma:interpretation>
+                <emma:interpretation id="interp5" emma:lang="" emma:confidence="0">
+                  <emma:literal>’</emma:literal>
+                </emma:interpretation>
+              </emma:one-of>
+            </emma:emma>
+          </inkml:annotationXML>
+          <inkml:trace contextRef="#ctx0" brushRef="#br0" timeOffset="2616.0889">-1889 521 0</inkml:trace>
+        </inkml:traceGroup>
+      </inkml:traceGroup>
+    </inkml:traceGroup>
+  </inkml:traceGroup>
+</inkml:ink>
+</file>
+
+<file path=ppt/ink/ink17.xml><?xml version="1.0" encoding="utf-8"?>
+<inkml:ink xmlns:inkml="http://www.w3.org/2003/InkML">
+  <inkml:definitions>
+    <inkml:context xml:id="ctx0">
+      <inkml:inkSource xml:id="inkSrc0">
+        <inkml:traceFormat>
+          <inkml:channel name="X" type="integer" max="1920" units="cm"/>
+          <inkml:channel name="Y" type="integer" max="1080" units="cm"/>
+          <inkml:channel name="T" type="integer" max="2.14748E9" units="dev"/>
+        </inkml:traceFormat>
+        <inkml:channelProperties>
+          <inkml:channelProperty channel="X" name="resolution" value="36.85221" units="1/cm"/>
+          <inkml:channelProperty channel="Y" name="resolution" value="36.86007" units="1/cm"/>
+          <inkml:channelProperty channel="T" name="resolution" value="1" units="1/dev"/>
+        </inkml:channelProperties>
+      </inkml:inkSource>
+      <inkml:timestamp xml:id="ts0" timeString="2021-04-09T08:18:52.113"/>
+    </inkml:context>
+    <inkml:brush xml:id="br0">
+      <inkml:brushProperty name="width" value="0.06667" units="cm"/>
+      <inkml:brushProperty name="height" value="0.06667" units="cm"/>
+      <inkml:brushProperty name="color" value="#ED1C24"/>
+      <inkml:brushProperty name="fitToCurve" value="1"/>
+    </inkml:brush>
+  </inkml:definitions>
+  <inkml:traceGroup>
+    <inkml:annotationXML>
+      <emma:emma xmlns:emma="http://www.w3.org/2003/04/emma" version="1.0">
+        <emma:interpretation id="{26D03497-33AB-49E9-8980-82C3A430AB41}" emma:medium="tactile" emma:mode="ink">
+          <msink:context xmlns:msink="http://schemas.microsoft.com/ink/2010/main" type="inkDrawing" rotatedBoundingBox="9736,9411 15988,9411 15988,9426 9736,9426" shapeName="Other">
+            <msink:destinationLink direction="to" ref="{0FE7B5D9-ABCA-44F0-9F3B-303B4F10AB99}"/>
+          </msink:context>
+        </emma:interpretation>
+      </emma:emma>
+    </inkml:annotationXML>
+    <inkml:trace contextRef="#ctx0" brushRef="#br0">0 0 0,'32'0'47,"1"0"-47,65 0 16,-66 0-16,66 0 15,32 0-15,33 0 16,32 0-16,-32 0 16,65 0-16,-65 0 15,32 0-15,-32 0 16,0 0-16,-33 0 16,-32 0-16,32 0 15,-32 0-15,-66 0 16,33 0-16,1 0 15,-1 0-15,0 0 16,0 0-16,33 0 16,-33 0-16,65 0 15,-97 0-15,64 0 16,34 0 0,-34 0-16,-32 0 15,66 0-15,-99 0 16,66 0-16,0 0 15,-1 0-15,1 0 16,32 0-16,1 0 16,-34 0-16,1 0 15,32 0-15,-32 0 16,-33 0-16,33 0 16,-33 0-16,0 0 15,0 0-15,-32 0 16,-1 0-16,33 0 15,-32 0-15,32 0 16,-32 0-16,-1 0 16,1 0-16,-1 0 15,1 0-15,32 0 16,-32 0 0,-1 0-1,1 0-15,32 0 16,-33 0-1,1 0-15,-1 0 32,1 0 46,0 0-63,-1 0 1,1 0 15,-1 0-15,1 0 0,32 0-1,-32 0-15,32 0 16,-33 0-1,1 0 1,-1 0 0,1 0-1,-1 0-15,1 0 16</inkml:trace>
+  </inkml:traceGroup>
+</inkml:ink>
+</file>
+
+<file path=ppt/ink/ink18.xml><?xml version="1.0" encoding="utf-8"?>
+<inkml:ink xmlns:inkml="http://www.w3.org/2003/InkML">
+  <inkml:definitions>
+    <inkml:context xml:id="ctx0">
+      <inkml:inkSource xml:id="inkSrc0">
+        <inkml:traceFormat>
+          <inkml:channel name="X" type="integer" max="1920" units="cm"/>
+          <inkml:channel name="Y" type="integer" max="1080" units="cm"/>
+          <inkml:channel name="T" type="integer" max="2.14748E9" units="dev"/>
+        </inkml:traceFormat>
+        <inkml:channelProperties>
+          <inkml:channelProperty channel="X" name="resolution" value="36.85221" units="1/cm"/>
+          <inkml:channelProperty channel="Y" name="resolution" value="36.86007" units="1/cm"/>
+          <inkml:channelProperty channel="T" name="resolution" value="1" units="1/dev"/>
+        </inkml:channelProperties>
+      </inkml:inkSource>
+      <inkml:timestamp xml:id="ts0" timeString="2021-04-09T08:18:54.369"/>
+    </inkml:context>
+    <inkml:brush xml:id="br0">
+      <inkml:brushProperty name="width" value="0.06667" units="cm"/>
+      <inkml:brushProperty name="height" value="0.06667" units="cm"/>
+      <inkml:brushProperty name="color" value="#ED1C24"/>
+      <inkml:brushProperty name="fitToCurve" value="1"/>
+    </inkml:brush>
+  </inkml:definitions>
+  <inkml:traceGroup>
+    <inkml:annotationXML>
+      <emma:emma xmlns:emma="http://www.w3.org/2003/04/emma" version="1.0">
+        <emma:interpretation id="{CA743E89-497F-4A81-88E6-1DC5CEA296BC}" emma:medium="tactile" emma:mode="ink">
+          <msink:context xmlns:msink="http://schemas.microsoft.com/ink/2010/main" type="inkDrawing" rotatedBoundingBox="17694,8219 19903,8133 19953,9407 17744,9494" semanticType="enclosure" shapeName="Other"/>
+        </emma:interpretation>
+      </emma:emma>
+    </inkml:annotationXML>
+    <inkml:trace contextRef="#ctx0" brushRef="#br0">1075 1210 0,'-66'0'16,"-31"0"-16,64-32 15,-97-1-15,65 33 16,0-32-16,0 32 16,-1 0-16,34 0 15,-1-33 1,1 1 0,-1 32-16,1 0 15,-1-66-15,0 34 16,1-33-16,-1 32 15,1 1-15,-1-1 16,1-32-16,-1 32 16,33 1-1,0-1-15,-32 1 16,32-1-16,-33 33 16,33-32-16,0-1 15,0-32 1,0 0-1,33 32-15,32 1 16,0-1-16,0 0 16,98-32-16,-66 33 15,66-1-15,33 1 16,-34-1-16,1 0 16,-32 33-16,-1 0 15,0 0-15,-65 0 16,33 0-16,-66 0 15,66 33-15,-65-33 16,32 33-16,-33 32 16,33 0-16,1 0 15,-34 0-15,1 33 16,-33 0-16,32-33 16,-32 32-16,0-32 15,0 1-15,0-34 16,-32 33-16,-1-32 15,-32 32-15,0-32 16,-33-1-16,33 33 16,-33-32-16,-32-33 15,65 32-15,-65 1 16,97-33-16,-32 32 16,33-32-1,-1 0-15,0 0 16,1 0-16</inkml:trace>
+  </inkml:traceGroup>
+</inkml:ink>
+</file>
+
+<file path=ppt/ink/ink19.xml><?xml version="1.0" encoding="utf-8"?>
+<inkml:ink xmlns:inkml="http://www.w3.org/2003/InkML">
+  <inkml:definitions>
+    <inkml:context xml:id="ctx0">
+      <inkml:inkSource xml:id="inkSrc0">
+        <inkml:traceFormat>
+          <inkml:channel name="X" type="integer" max="1920" units="cm"/>
+          <inkml:channel name="Y" type="integer" max="1080" units="cm"/>
+          <inkml:channel name="T" type="integer" max="2.14748E9" units="dev"/>
+        </inkml:traceFormat>
+        <inkml:channelProperties>
+          <inkml:channelProperty channel="X" name="resolution" value="36.85221" units="1/cm"/>
+          <inkml:channelProperty channel="Y" name="resolution" value="36.86007" units="1/cm"/>
+          <inkml:channelProperty channel="T" name="resolution" value="1" units="1/dev"/>
+        </inkml:channelProperties>
+      </inkml:inkSource>
+      <inkml:timestamp xml:id="ts0" timeString="2021-04-09T08:19:37.465"/>
+    </inkml:context>
+    <inkml:brush xml:id="br0">
+      <inkml:brushProperty name="width" value="0.06667" units="cm"/>
+      <inkml:brushProperty name="height" value="0.06667" units="cm"/>
+      <inkml:brushProperty name="color" value="#ED1C24"/>
+      <inkml:brushProperty name="fitToCurve" value="1"/>
+    </inkml:brush>
+  </inkml:definitions>
+  <inkml:traceGroup>
+    <inkml:annotationXML>
+      <emma:emma xmlns:emma="http://www.w3.org/2003/04/emma" version="1.0">
+        <emma:interpretation id="{0FE7B5D9-ABCA-44F0-9F3B-303B4F10AB99}" emma:medium="tactile" emma:mode="ink">
+          <msink:context xmlns:msink="http://schemas.microsoft.com/ink/2010/main" type="inkDrawing" rotatedBoundingBox="12351,6612 12495,8219 11941,8269 11796,6662" semanticType="callout" shapeName="Other">
+            <msink:sourceLink direction="to" ref="{26D03497-33AB-49E9-8980-82C3A430AB41}"/>
+            <msink:sourceLink direction="from" ref="{38026C0C-F65E-4598-8345-023C11581F69}"/>
+          </msink:context>
+        </emma:interpretation>
+      </emma:emma>
+    </inkml:annotationXML>
+    <inkml:trace contextRef="#ctx0" brushRef="#br0">10 0 0,'0'65'16,"0"33"-16,0-1 15,0 1-15,0 32 16,0-32 0,0 0-16,0 0 15,0-33-15,0 0 16,65 32-16,-65-64 15,0 32-15,33 33 16,-33-66-16,0 1 16,0 0-16,32-1 15</inkml:trace>
+    <inkml:trace contextRef="#ctx0" brushRef="#br0" timeOffset="936.5063">-87 1368 0,'32'32'31,"1"-32"-16,32 33 1,-33-1 0,-32 1-1,33-33-15,-1 0 16,-32 32 0,33-32 15,0 0 31,-33 33-46,32-33 0,-32 33 15,33-33 125,-1-33-140,1-32-1,-1 32-15,-32 1 16,66-33 0,-34 32-1,-32 1 32</inkml:trace>
+  </inkml:traceGroup>
+</inkml:ink>
+</file>
+
+<file path=ppt/ink/ink2.xml><?xml version="1.0" encoding="utf-8"?>
+<inkml:ink xmlns:inkml="http://www.w3.org/2003/InkML">
+  <inkml:definitions>
+    <inkml:context xml:id="ctx0">
+      <inkml:inkSource xml:id="inkSrc0">
+        <inkml:traceFormat>
+          <inkml:channel name="X" type="integer" max="1920" units="cm"/>
+          <inkml:channel name="Y" type="integer" max="1080" units="cm"/>
+          <inkml:channel name="T" type="integer" max="2.14748E9" units="dev"/>
+        </inkml:traceFormat>
+        <inkml:channelProperties>
+          <inkml:channelProperty channel="X" name="resolution" value="36.85221" units="1/cm"/>
+          <inkml:channelProperty channel="Y" name="resolution" value="36.86007" units="1/cm"/>
+          <inkml:channelProperty channel="T" name="resolution" value="1" units="1/dev"/>
+        </inkml:channelProperties>
+      </inkml:inkSource>
+      <inkml:timestamp xml:id="ts0" timeString="2021-04-09T07:45:32.689"/>
+    </inkml:context>
+    <inkml:brush xml:id="br0">
+      <inkml:brushProperty name="width" value="0.06667" units="cm"/>
+      <inkml:brushProperty name="height" value="0.06667" units="cm"/>
+      <inkml:brushProperty name="color" value="#ED1C24"/>
+      <inkml:brushProperty name="fitToCurve" value="1"/>
+    </inkml:brush>
+  </inkml:definitions>
+  <inkml:traceGroup>
+    <inkml:annotationXML>
+      <emma:emma xmlns:emma="http://www.w3.org/2003/04/emma" version="1.0">
+        <emma:interpretation id="{FF42D657-EEE0-4264-A40B-EAF951601CDD}" emma:medium="tactile" emma:mode="ink">
+          <msink:context xmlns:msink="http://schemas.microsoft.com/ink/2010/main" type="writingRegion" rotatedBoundingBox="11434,10183 13741,9994 13812,10852 11504,11041"/>
+        </emma:interpretation>
+      </emma:emma>
+    </inkml:annotationXML>
+    <inkml:traceGroup>
+      <inkml:annotationXML>
+        <emma:emma xmlns:emma="http://www.w3.org/2003/04/emma" version="1.0">
+          <emma:interpretation id="{2CE3679B-CBBE-4023-B118-B17B8BE201C5}" emma:medium="tactile" emma:mode="ink">
+            <msink:context xmlns:msink="http://schemas.microsoft.com/ink/2010/main" type="paragraph" rotatedBoundingBox="11434,10183 13741,9994 13812,10852 11504,11041" alignmentLevel="1"/>
+          </emma:interpretation>
+        </emma:emma>
+      </inkml:annotationXML>
+      <inkml:traceGroup>
+        <inkml:annotationXML>
+          <emma:emma xmlns:emma="http://www.w3.org/2003/04/emma" version="1.0">
+            <emma:interpretation id="{20C0DD09-5D8A-485A-BB65-2370957AC415}" emma:medium="tactile" emma:mode="ink">
+              <msink:context xmlns:msink="http://schemas.microsoft.com/ink/2010/main" type="line" rotatedBoundingBox="11434,10183 13741,9994 13812,10852 11504,11041"/>
+            </emma:interpretation>
+          </emma:emma>
+        </inkml:annotationXML>
+        <inkml:traceGroup>
+          <inkml:annotationXML>
+            <emma:emma xmlns:emma="http://www.w3.org/2003/04/emma" version="1.0">
+              <emma:interpretation id="{7435B4FB-DE97-4844-985F-B7A2E8F903A7}" emma:medium="tactile" emma:mode="ink">
+                <msink:context xmlns:msink="http://schemas.microsoft.com/ink/2010/main" type="inkWord" rotatedBoundingBox="11446,10324 12681,10223 12739,10940 11504,11041"/>
+              </emma:interpretation>
+              <emma:one-of disjunction-type="recognition" id="oneOf0">
+                <emma:interpretation id="interp0" emma:lang="" emma:confidence="1">
+                  <emma:literal/>
+                </emma:interpretation>
+              </emma:one-of>
+            </emma:emma>
+          </inkml:annotationXML>
+          <inkml:trace contextRef="#ctx0" brushRef="#br0">1013-862 0,'-32'0'16,"64"33"-16,-32 32 15,0-33-15,0 33 16,0 0-16,0-32 16,0 32-16,33-32 15,-33-1-15,0 1 16,0-1-1</inkml:trace>
+          <inkml:trace contextRef="#ctx0" brushRef="#br0" timeOffset="-608.6011">590-960 0,'-65'0'0,"-1"0"16,34 0-16,-33 0 15,32-32-15,-32 32 16,0 0 0,0 0-16,0 0 15,32 0-15,-32 0 16,32 0-16,1 0 15,-33 0 1,32 0 0,1 0-1,32 32 17,0 1-17,0-1-15,0 34 16,0-34-16,32 1 15,1-1-15,-1 1 16,1-1 0,32-32-1,-32 0 1,-1 0-16,1 0 31,-1 0-31,1 0 16,32 0-16,-32 0 15,-1 0 1,33 0-16,-32 0 16,32 0-1,0 0-15,-32 0 16,32 0-16,-33 0 16,1 0-16,32 0 15,-32 33 32,-33-1-47,0 34 16,0-34-1,0 1 1,0-1 0,-33-32-1,-32 33 1,32-33-1,1 0-15,-33 32 16,32-32-16,0 0 16,1 0-16,-33 0 15,32 0-15,1 0 16,-1 0 0,1 0-16,-1 0 15,0 0-15,1 0 31,-1 0-15,1 0 31</inkml:trace>
+        </inkml:traceGroup>
+        <inkml:traceGroup>
+          <inkml:annotationXML>
+            <emma:emma xmlns:emma="http://www.w3.org/2003/04/emma" version="1.0">
+              <emma:interpretation id="{FEE6F400-B119-4686-ADD2-6BECF4336B69}" emma:medium="tactile" emma:mode="ink">
+                <msink:context xmlns:msink="http://schemas.microsoft.com/ink/2010/main" type="inkWord" rotatedBoundingBox="12815,10000 13275,10304 13036,10665 12576,10361"/>
+              </emma:interpretation>
+              <emma:one-of disjunction-type="recognition" id="oneOf1">
+                <emma:interpretation id="interp1" emma:lang="" emma:confidence="0">
+                  <emma:literal>3</emma:literal>
+                </emma:interpretation>
+                <emma:interpretation id="interp2" emma:lang="" emma:confidence="0">
+                  <emma:literal>刁</emma:literal>
+                </emma:interpretation>
+                <emma:interpretation id="interp3" emma:lang="" emma:confidence="0">
+                  <emma:literal>ㄱ</emma:literal>
+                </emma:interpretation>
+                <emma:interpretation id="interp4" emma:lang="" emma:confidence="0">
+                  <emma:literal>〇</emma:literal>
+                </emma:interpretation>
+                <emma:interpretation id="interp5" emma:lang="" emma:confidence="0">
+                  <emma:literal>0</emma:literal>
+                </emma:interpretation>
+              </emma:one-of>
+            </emma:emma>
+          </inkml:annotationXML>
+          <inkml:trace contextRef="#ctx0" brushRef="#br0" timeOffset="823.6518">981-1057 0,'0'-33'15,"32"33"1,1-33 0,-1 33-1,-32-32 16,65 32-15,0 0 0,-32 0-1,0 0 1,32 0 0,-33 0-1,1 32-15,-1 1 16,1 0-1,-33-1 1,0 1 15,0-1-31,0 1 16,0-1 0,0 1-16,0 0 31,-33-1 16,1-32-32,-1 0 1,1 0 0,-1 0-16,1 0 15,-1 0 1,0 0 15,1 0-31,-1 0 31,1-32-31,-1 32 32</inkml:trace>
+        </inkml:traceGroup>
+        <inkml:traceGroup>
+          <inkml:annotationXML>
+            <emma:emma xmlns:emma="http://www.w3.org/2003/04/emma" version="1.0">
+              <emma:interpretation id="{E11A5D30-CB3F-4587-8EF3-F7392C88A759}" emma:medium="tactile" emma:mode="ink">
+                <msink:context xmlns:msink="http://schemas.microsoft.com/ink/2010/main" type="inkWord" rotatedBoundingBox="13708,9997 13809,10778 13747,10786 13647,10004"/>
+              </emma:interpretation>
+              <emma:one-of disjunction-type="recognition" id="oneOf2">
+                <emma:interpretation id="interp6" emma:lang="" emma:confidence="0">
+                  <emma:literal>:</emma:literal>
+                </emma:interpretation>
+                <emma:interpretation id="interp7" emma:lang="" emma:confidence="0">
+                  <emma:literal>ⅰ</emma:literal>
+                </emma:interpretation>
+                <emma:interpretation id="interp8" emma:lang="" emma:confidence="0">
+                  <emma:literal>i</emma:literal>
+                </emma:interpretation>
+                <emma:interpretation id="interp9" emma:lang="" emma:confidence="0">
+                  <emma:literal>;</emma:literal>
+                </emma:interpretation>
+                <emma:interpretation id="interp10" emma:lang="" emma:confidence="0">
+                  <emma:literal>(</emma:literal>
+                </emma:interpretation>
+              </emma:one-of>
+            </emma:emma>
+          </inkml:annotationXML>
+          <inkml:trace contextRef="#ctx0" brushRef="#br0" timeOffset="1303.5787">2023-1318 0</inkml:trace>
+          <inkml:trace contextRef="#ctx0" brushRef="#br0" timeOffset="1919.4603">2023-960 0,'0'33'16,"0"-1"0,0 1-1,0 0 17,32-1-32,-32 1 31,0-1-16,0 1 1,0-1 0,33 1-1,-33-1-15,0 1 32,0 0 14,32-33 1</inkml:trace>
+        </inkml:traceGroup>
+      </inkml:traceGroup>
+    </inkml:traceGroup>
+  </inkml:traceGroup>
+</inkml:ink>
+</file>
+
+<file path=ppt/ink/ink20.xml><?xml version="1.0" encoding="utf-8"?>
+<inkml:ink xmlns:inkml="http://www.w3.org/2003/InkML">
+  <inkml:definitions>
+    <inkml:context xml:id="ctx0">
+      <inkml:inkSource xml:id="inkSrc0">
+        <inkml:traceFormat>
+          <inkml:channel name="X" type="integer" max="1920" units="cm"/>
+          <inkml:channel name="Y" type="integer" max="1080" units="cm"/>
+          <inkml:channel name="T" type="integer" max="2.14748E9" units="dev"/>
+        </inkml:traceFormat>
+        <inkml:channelProperties>
+          <inkml:channelProperty channel="X" name="resolution" value="36.85221" units="1/cm"/>
+          <inkml:channelProperty channel="Y" name="resolution" value="36.86007" units="1/cm"/>
+          <inkml:channelProperty channel="T" name="resolution" value="1" units="1/dev"/>
+        </inkml:channelProperties>
+      </inkml:inkSource>
+      <inkml:timestamp xml:id="ts0" timeString="2021-04-09T08:20:50.105"/>
+    </inkml:context>
+    <inkml:brush xml:id="br0">
+      <inkml:brushProperty name="width" value="0.06667" units="cm"/>
+      <inkml:brushProperty name="height" value="0.06667" units="cm"/>
+      <inkml:brushProperty name="color" value="#ED1C24"/>
+      <inkml:brushProperty name="fitToCurve" value="1"/>
+    </inkml:brush>
+  </inkml:definitions>
+  <inkml:traceGroup>
+    <inkml:annotationXML>
+      <emma:emma xmlns:emma="http://www.w3.org/2003/04/emma" version="1.0">
+        <emma:interpretation id="{043F8E2E-B0F8-467A-8CB7-496C5919639D}" emma:medium="tactile" emma:mode="ink">
+          <msink:context xmlns:msink="http://schemas.microsoft.com/ink/2010/main" type="writingRegion" rotatedBoundingBox="6352,4974 14494,5021 14488,6037 6346,5989"/>
+        </emma:interpretation>
+      </emma:emma>
+    </inkml:annotationXML>
+    <inkml:traceGroup>
+      <inkml:annotationXML>
+        <emma:emma xmlns:emma="http://www.w3.org/2003/04/emma" version="1.0">
+          <emma:interpretation id="{F2DE82BA-9DC2-4326-8FB8-DBD99C93F1C3}" emma:medium="tactile" emma:mode="ink">
+            <msink:context xmlns:msink="http://schemas.microsoft.com/ink/2010/main" type="paragraph" rotatedBoundingBox="6352,4974 14494,5021 14488,6037 6346,5989" alignmentLevel="1"/>
+          </emma:interpretation>
+        </emma:emma>
+      </inkml:annotationXML>
+      <inkml:traceGroup>
+        <inkml:annotationXML>
+          <emma:emma xmlns:emma="http://www.w3.org/2003/04/emma" version="1.0">
+            <emma:interpretation id="{7415B535-871B-493D-A929-FD45ED18374E}" emma:medium="tactile" emma:mode="ink">
+              <msink:context xmlns:msink="http://schemas.microsoft.com/ink/2010/main" type="line" rotatedBoundingBox="6352,4974 14494,5021 14488,6037 6346,5989"/>
+            </emma:interpretation>
+          </emma:emma>
+        </inkml:annotationXML>
+        <inkml:traceGroup>
+          <inkml:annotationXML>
+            <emma:emma xmlns:emma="http://www.w3.org/2003/04/emma" version="1.0">
+              <emma:interpretation id="{B1F4C7AB-6E24-4877-A470-AD7369FE18ED}" emma:medium="tactile" emma:mode="ink">
+                <msink:context xmlns:msink="http://schemas.microsoft.com/ink/2010/main" type="inkWord" rotatedBoundingBox="6352,5037 8143,5047 8137,5999 6346,5989">
+                  <msink:destinationLink direction="with" ref="{3AFA1632-6B39-4F89-A73E-69E095A5CB61}"/>
+                </msink:context>
+              </emma:interpretation>
+              <emma:one-of disjunction-type="recognition" id="oneOf0">
+                <emma:interpretation id="interp0" emma:lang="" emma:confidence="1">
+                  <emma:literal/>
+                </emma:interpretation>
+              </emma:one-of>
+            </emma:emma>
+          </inkml:annotationXML>
+          <inkml:trace contextRef="#ctx0" brushRef="#br0">-4201 131 0,'0'-33'16,"32"33"-16,1-32 15,32 32-15,0 0 16,-32 0-16,32 0 16,-33 0-16,1 0 15,0 0 1,-33 65 62,0-33-62,0 1-16,0-1 15</inkml:trace>
+          <inkml:trace contextRef="#ctx0" brushRef="#br0" timeOffset="240.1848">-4136 228 0,'0'33'16,"0"0"-16,0-1 16,0 1 15,0-1-15</inkml:trace>
+          <inkml:trace contextRef="#ctx0" brushRef="#br0" timeOffset="616.2249">-4299 456 0,'33'0'31,"32"0"-31,0 0 16,0 0-16,0 0 15,0 0-15,-32 0 16,32 0-1,-32 0 1,-1 0-16,33 0 16,0 0-16,0 0 15,1 0-15,-34 0 16,1 0-16</inkml:trace>
+          <inkml:trace contextRef="#ctx0" brushRef="#br0" timeOffset="1735.4808">-4038 587 0,'32'0'31,"33"0"-31,-32 0 16,-1 0-16,1 0 16,0 0-16,-1 0 15,1 0 1,-1 32 15,-32 1 0,0-1 1,0 1-17,-32-33 17,-1 0-32,1 0 31,32 32-16,-33-32 1,0 0 0,1 0-1,-1 0-15,1 0 16,-1 0-16,1 0 16,32 66 109,0-34-94,32-32-16,1 0 1,-1 0 0,33 0-1,-65 33 1,66-33 0,-1 0-1,-33 0-15,1 0 16,-1 0-16,1 0 15,-1 0-15,1 0 16</inkml:trace>
+          <inkml:trace contextRef="#ctx0" brushRef="#br0" timeOffset="3032.0878">-3387 163 0,'0'-32'16,"32"32"-1,1 0 1,32 0-1,-32 0-15,-1 0 16,33 0-16,-32 0 16,0 0-16,-1 0 15,-32 65 79,0-33-63,0 1 1,-32-33-32,-1 0 15,0 0 1,-32 0-1,0 0 1,33 0 0,-1 0 15,33 33 63,0 32-79,0 0 1,33-65 0,-1 32-16,-32 1 15,0-1 1,0 34-1,65-66 64,-32 0-64,-1 0 1,1 0-16,65 0 15,-66 0-15,1 0 16,-1 0-16,1 0 16,-1 0 62,-32-33-63</inkml:trace>
+          <inkml:trace contextRef="#ctx0" brushRef="#br0" timeOffset="3455.5727">-2638-65 0,'0'33'16,"0"-1"-16,0 1 15,0 32-15,0 33 16,0-66-16,0 66 16,0-33-16,0 0 15,32 0-15,-32 1 16,0-1-16,0-33 16,0 1-1</inkml:trace>
+          <inkml:trace contextRef="#ctx0" brushRef="#br0" timeOffset="3736.0128">-2606 521 0,'33'-32'31,"0"32"-15,-1 0-1</inkml:trace>
+        </inkml:traceGroup>
+        <inkml:traceGroup>
+          <inkml:annotationXML>
+            <emma:emma xmlns:emma="http://www.w3.org/2003/04/emma" version="1.0">
+              <emma:interpretation id="{38026C0C-F65E-4598-8345-023C11581F69}" emma:medium="tactile" emma:mode="ink">
+                <msink:context xmlns:msink="http://schemas.microsoft.com/ink/2010/main" type="inkWord" rotatedBoundingBox="10648,4999 14494,5021 14488,6014 10643,5991">
+                  <msink:destinationLink direction="from" ref="{0FE7B5D9-ABCA-44F0-9F3B-303B4F10AB99}"/>
+                  <msink:destinationLink direction="to" ref="{D8508A32-F2BC-413D-B4B8-DA8DEA810F5C}"/>
+                  <msink:destinationLink direction="with" ref="{E19C963A-8276-406E-9006-0C6672920B20}"/>
+                </msink:context>
+              </emma:interpretation>
+              <emma:one-of disjunction-type="recognition" id="oneOf1">
+                <emma:interpretation id="interp1" emma:lang="" emma:confidence="1">
+                  <emma:literal/>
+                </emma:interpretation>
+              </emma:one-of>
+            </emma:emma>
+          </inkml:annotationXML>
+          <inkml:trace contextRef="#ctx0" brushRef="#br0" timeOffset="-61919.8634">2377 131 0,'65'0'63,"-33"0"-47,1 0-16,0 0 15,-1 0 1</inkml:trace>
+          <inkml:trace contextRef="#ctx0" brushRef="#br0" timeOffset="-62383.8178">2474-65 0,'33'65'31,"-33"1"-16,0-1-15,33 32 16,-33-64-16,0 32 16,0-32-16,0 64 15,0-32 1,32-32-16,-32 0 16,0-1-1,33 1 1,-33-1-16,0 1 31,32-33-15,1 0 15,-1 0 0,1 0 0,-1 0 16</inkml:trace>
+          <inkml:trace contextRef="#ctx0" brushRef="#br0" timeOffset="-65528.0389">1302 326 0,'0'33'16,"0"-1"-16,33 1 15,-33-1-15,32-32 16,-32 33-16,0-1 15,0 1 1,0 0 15,0-1 1,0 1 14,0-1-30,-32-32 0,32 33-16,-33-33 15,33 32-15,-32-32 63,-1 33-48,0-33 32,1 0-31</inkml:trace>
+          <inkml:trace contextRef="#ctx0" brushRef="#br0" timeOffset="-66072.0378">1204 66 0</inkml:trace>
+          <inkml:trace contextRef="#ctx0" brushRef="#br0" timeOffset="-64511.1104">1465 521 0,'32'0'16,"34"0"-1,-34 0-15,1 0 16,-1 0 0,1 0-1,-1 0 1,1 0-1,0 0 1,-1 0 0,-32-32 15,0-1-31,0 1 16,0-1-1,0 1 16,0-1-31,-32 33 32,-1 0-32,0-32 15,-32 32 1,33 0 0,-1 0-1,1 0 16,-1 0 16,0 32-31,33 33 0,0 0-1,0-32 1,0-1-1,0 34-15,0-34 16,0 1-16,0 32 16,33-33-1,-33 1-15,33-33 16,-1 0 0,-32 33-16,33-33 15,-1 0 16,1 0 32,-33-33-47</inkml:trace>
+          <inkml:trace contextRef="#ctx0" brushRef="#br0" timeOffset="-63160.1711">2214 294 0,'0'-33'16,"-33"33"62,1 0-31,-1 0-16,1 0 32,-1 0-48,1 0 1,-1 33 0,0-33 46,33 32-46,0 1 31,0-1-32,0 1 16,0-1-31,0 1 16,0-1 0,0 1-1,33 0 1,0-33 0,-33 32-1,32-32 1,1 33-1,-1-33 1,33 32 0,-32-32 15,-1 0 0,1 0-15,0 0-1</inkml:trace>
+          <inkml:trace contextRef="#ctx0" brushRef="#br0" timeOffset="-61439.105">2735-97 0,'0'32'63</inkml:trace>
+          <inkml:trace contextRef="#ctx0" brushRef="#br0" timeOffset="-61192.08">2865 424 0,'33'0'0,"-33"32"16,0 1-16,0-1 16,0 34-16,0-34 15,0 1-15,32-1 16,-32 1-16,0-1 16,0 1-16,0 0 15,0-1 1</inkml:trace>
+          <inkml:trace contextRef="#ctx0" brushRef="#br0" timeOffset="-60320.0973">3061 359 0,'0'32'63,"0"1"-48,0-1 1,0 33-16,0-32 15,0 0-15,0 32 16,32-65 0,1 32-16,-33 1 0,32-1 15,1-32-15,-33 33 16,32-33 0,1 0 15,0 0 0,-1 0 0,-32-65-15,0 32 0,0 1-16,0-1 15,0 1-15,-32-1 16,32 0-1,-33 1-15,33-1 32,-33 1-32,1 32 31,-1 0 0,1 0 0</inkml:trace>
+          <inkml:trace contextRef="#ctx0" brushRef="#br0" timeOffset="-59000.0245">3419 359 0,'32'0'16,"-32"32"-1,0 1 1,0 32-16,33 0 16,-33-32-1,0-1 1,32 1-16,-32-1 15,0-64 110,0-33-125,0 32 16,0-32-16,0 0 16,0 0-16,0 32 15,33 1-15,-33-34 16,33 1 0,-33 33-1,32 32 1,1 0 15,-1 0-15,1 32-1,-1 33-15,-32-32 16,33 32-16,-33 33 16,33-66-1,-33 1-15,0 32 16,0-32-1,0-1 1,0 1 0,32-1-1,-32 1 32</inkml:trace>
+          <inkml:trace contextRef="#ctx0" brushRef="#br0" timeOffset="-68824.2538">0 66 0,'0'-33'0,"97"0"31,-64 33-15,-1 0-1,1 0 17,-1 33-32,1 0 15,-33 32 1,0-33-1,0 1-15,0-1 16,0 34-16,0-34 16,-33 1-16,33-1 15,-32-32-15,32 33 16,-33-33-16,1 0 16,-1 0-1,1 0-15,-1 0 16</inkml:trace>
+          <inkml:trace contextRef="#ctx0" brushRef="#br0" timeOffset="-69424.641">32 98 0,'0'65'0,"0"33"16,0 65-16,0-66 15,0 1-15,0-33 16,-32 33-16,32-65 15,0-1-15,0 1 16</inkml:trace>
+          <inkml:trace contextRef="#ctx0" brushRef="#br0" timeOffset="-67688.4147">325 228 0,'0'33'16,"0"65"-16,0-66 15,0 33-15,0-32 16,33 65-16,-33-66 16,0 1-1,0-1 1,0-64 156,32 32-157,-32-33 1,0 1 0,0-1-1,0 0-15,0 1 16,0-1 15,0 1-15,0-1 15,33 33-15,-1 0-1,1 0 16,0 0 1,-1 0-32,1 0 31,-1 0-15</inkml:trace>
+          <inkml:trace contextRef="#ctx0" brushRef="#br0" timeOffset="-66816.0339">716 391 0,'-33'0'15,"1"0"1,32 33 15,0-1-15,0 33-1,0-32 1,0 0 0,32-1-16,1 1 15,0-1 1,-1-32 31,1 0-16,-1 0-15,-32-32 31,0-33-32,0 32 1,0 0-1,0 1-15,-32 32 16,-1-33 0,1 33 15,-1 0-15,0 0-1,1 0 16,-1 0-15</inkml:trace>
+        </inkml:traceGroup>
+      </inkml:traceGroup>
+    </inkml:traceGroup>
+  </inkml:traceGroup>
+</inkml:ink>
+</file>
+
+<file path=ppt/ink/ink21.xml><?xml version="1.0" encoding="utf-8"?>
+<inkml:ink xmlns:inkml="http://www.w3.org/2003/InkML">
+  <inkml:definitions>
+    <inkml:context xml:id="ctx0">
+      <inkml:inkSource xml:id="inkSrc0">
+        <inkml:traceFormat>
+          <inkml:channel name="X" type="integer" max="1920" units="cm"/>
+          <inkml:channel name="Y" type="integer" max="1080" units="cm"/>
+          <inkml:channel name="T" type="integer" max="2.14748E9" units="dev"/>
+        </inkml:traceFormat>
+        <inkml:channelProperties>
+          <inkml:channelProperty channel="X" name="resolution" value="36.85221" units="1/cm"/>
+          <inkml:channelProperty channel="Y" name="resolution" value="36.86007" units="1/cm"/>
+          <inkml:channelProperty channel="T" name="resolution" value="1" units="1/dev"/>
+        </inkml:channelProperties>
+      </inkml:inkSource>
+      <inkml:timestamp xml:id="ts0" timeString="2021-04-09T08:20:57.305"/>
+    </inkml:context>
+    <inkml:brush xml:id="br0">
+      <inkml:brushProperty name="width" value="0.06667" units="cm"/>
+      <inkml:brushProperty name="height" value="0.06667" units="cm"/>
+      <inkml:brushProperty name="color" value="#ED1C24"/>
+      <inkml:brushProperty name="fitToCurve" value="1"/>
+    </inkml:brush>
+  </inkml:definitions>
+  <inkml:traceGroup>
+    <inkml:annotationXML>
+      <emma:emma xmlns:emma="http://www.w3.org/2003/04/emma" version="1.0">
+        <emma:interpretation id="{3AFA1632-6B39-4F89-A73E-69E095A5CB61}" emma:medium="tactile" emma:mode="ink">
+          <msink:context xmlns:msink="http://schemas.microsoft.com/ink/2010/main" type="inkDrawing" rotatedBoundingBox="7455,6528 8000,8597 7880,8629 7335,6559" semanticType="callout" shapeName="Other">
+            <msink:sourceLink direction="with" ref="{B1F4C7AB-6E24-4877-A470-AD7369FE18ED}"/>
+          </msink:context>
+        </emma:interpretation>
+      </emma:emma>
+    </inkml:annotationXML>
+    <inkml:trace contextRef="#ctx0" brushRef="#br0">489 2084 0,'32'-32'31,"-32"-66"-15,0 0-16,0 1 15,-32-66-15,-34-32 16,1-33-16,0 65 16,0 0-16,33 33 15,-1 32-15,0 33 16,33 32-16,0-32 15,0 33-15,0-34 16,-32 1-16,-1 33 16,33-1 93,0 1-15,0-1-63,0 1-31,0-1 16,-32 0-1,-1-32 32</inkml:trace>
+  </inkml:traceGroup>
+</inkml:ink>
+</file>
+
+<file path=ppt/ink/ink22.xml><?xml version="1.0" encoding="utf-8"?>
+<inkml:ink xmlns:inkml="http://www.w3.org/2003/InkML">
+  <inkml:definitions>
+    <inkml:context xml:id="ctx0">
+      <inkml:inkSource xml:id="inkSrc0">
+        <inkml:traceFormat>
+          <inkml:channel name="X" type="integer" max="1920" units="cm"/>
+          <inkml:channel name="Y" type="integer" max="1080" units="cm"/>
+          <inkml:channel name="T" type="integer" max="2.14748E9" units="dev"/>
+        </inkml:traceFormat>
+        <inkml:channelProperties>
+          <inkml:channelProperty channel="X" name="resolution" value="36.85221" units="1/cm"/>
+          <inkml:channelProperty channel="Y" name="resolution" value="36.86007" units="1/cm"/>
+          <inkml:channelProperty channel="T" name="resolution" value="1" units="1/dev"/>
+        </inkml:channelProperties>
+      </inkml:inkSource>
+      <inkml:timestamp xml:id="ts0" timeString="2021-04-09T08:21:07.689"/>
+    </inkml:context>
+    <inkml:brush xml:id="br0">
+      <inkml:brushProperty name="width" value="0.06667" units="cm"/>
+      <inkml:brushProperty name="height" value="0.06667" units="cm"/>
+      <inkml:brushProperty name="color" value="#ED1C24"/>
+      <inkml:brushProperty name="fitToCurve" value="1"/>
+    </inkml:brush>
+  </inkml:definitions>
+  <inkml:traceGroup>
+    <inkml:annotationXML>
+      <emma:emma xmlns:emma="http://www.w3.org/2003/04/emma" version="1.0">
+        <emma:interpretation id="{E900F39C-AD8A-4B01-9FE7-CD4EEE33C38F}" emma:medium="tactile" emma:mode="ink">
+          <msink:context xmlns:msink="http://schemas.microsoft.com/ink/2010/main" type="writingRegion" rotatedBoundingBox="18196,6369 19928,6274 19978,7196 18247,7290"/>
+        </emma:interpretation>
+      </emma:emma>
+    </inkml:annotationXML>
+    <inkml:traceGroup>
+      <inkml:annotationXML>
+        <emma:emma xmlns:emma="http://www.w3.org/2003/04/emma" version="1.0">
+          <emma:interpretation id="{A4643C72-FCB5-4C3D-AD77-D34D5CB2CCC2}" emma:medium="tactile" emma:mode="ink">
+            <msink:context xmlns:msink="http://schemas.microsoft.com/ink/2010/main" type="paragraph" rotatedBoundingBox="18196,6369 19928,6274 19978,7196 18247,7290" alignmentLevel="1"/>
+          </emma:interpretation>
+        </emma:emma>
+      </inkml:annotationXML>
+      <inkml:traceGroup>
+        <inkml:annotationXML>
+          <emma:emma xmlns:emma="http://www.w3.org/2003/04/emma" version="1.0">
+            <emma:interpretation id="{39ED5495-044F-4115-AB4F-9BDC98D10ACD}" emma:medium="tactile" emma:mode="ink">
+              <msink:context xmlns:msink="http://schemas.microsoft.com/ink/2010/main" type="line" rotatedBoundingBox="18196,6369 19928,6274 19978,7196 18247,7290"/>
+            </emma:interpretation>
+          </emma:emma>
+        </inkml:annotationXML>
+        <inkml:traceGroup>
+          <inkml:annotationXML>
+            <emma:emma xmlns:emma="http://www.w3.org/2003/04/emma" version="1.0">
+              <emma:interpretation id="{79F9F46D-EDEC-481C-A8CB-DB109393FC54}" emma:medium="tactile" emma:mode="ink">
+                <msink:context xmlns:msink="http://schemas.microsoft.com/ink/2010/main" type="inkWord" rotatedBoundingBox="18201,6451 19630,6373 19673,7159 18244,7237"/>
+              </emma:interpretation>
+              <emma:one-of disjunction-type="recognition" id="oneOf0">
+                <emma:interpretation id="interp0" emma:lang="" emma:confidence="1">
+                  <emma:literal/>
+                </emma:interpretation>
+              </emma:one-of>
+            </emma:emma>
+          </inkml:annotationXML>
+          <inkml:trace contextRef="#ctx0" brushRef="#br0">0 0 0,'0'32'15,"0"1"-15,0 0 16,0-1 0,0 1-16,0-1 62,32-32-31,1 0-31,32 0 16,-32 0-16,-1 0 16,1 0-16,32 0 15,-33 0-15,1 0 16,0 0-16,-1 0 16,1 0-1</inkml:trace>
+          <inkml:trace contextRef="#ctx0" brushRef="#br0" timeOffset="432.4109">293-65 0,'0'65'16,"0"-33"-1,0 1-15,0 65 16,32-66-16,-32 33 16,0-32-16,0-1 15,0 1-15</inkml:trace>
+          <inkml:trace contextRef="#ctx0" brushRef="#br0" timeOffset="1528.1444">553-33 0,'33'0'16,"-1"0"31,1 0-47,0 0 15,-1 0 17,-32 33 186,0-1-202,0 1-16,0 0 31,0-1 16,0 1 94</inkml:trace>
+          <inkml:trace contextRef="#ctx0" brushRef="#br0" timeOffset="1920.3509">716 65 0,'33'0'15,"-1"0"16,1 0-31,-1-33 16</inkml:trace>
+          <inkml:trace contextRef="#ctx0" brushRef="#br0" timeOffset="3168.1259">684 423 0,'0'33'63,"0"-1"-63,0 1 15,0-1 16,32-32 48,33 0-33,-32 0-14,-1 0-17,1 0 1,0-32-16,-1 32 16,1 0-1,-1 0 1,-32-33-1,33 33-15</inkml:trace>
+          <inkml:trace contextRef="#ctx0" brushRef="#br0" timeOffset="2272.6335">846-130 0,'0'32'16,"0"1"-1,0 32-15,0-33 16,0 34-16,33-1 15,-33-33-15,0 1 16,0-1 0</inkml:trace>
+          <inkml:trace contextRef="#ctx0" brushRef="#br0" timeOffset="4775.7279">-358-130 0,'32'0'15,"-32"32"1,0 1 15,0-1-31,0 1 16,-32-1-16,32 1 16,0 0-1,-33-1-15,33 1 16,0-1-1,0 1 1,0-1-16,0 1 16,0-1-1,0 34 1,0-34-16,0 1 16,0-1-1,33 1-15,-33-1 16,32-32-16,-32 33 15,33-33-15,-33 33 16,32-33-16,-32 32 16,33-32-1</inkml:trace>
+        </inkml:traceGroup>
+        <inkml:traceGroup>
+          <inkml:annotationXML>
+            <emma:emma xmlns:emma="http://www.w3.org/2003/04/emma" version="1.0">
+              <emma:interpretation id="{33B6FEE5-0615-4DC1-8D44-BB56167BDDA4}" emma:medium="tactile" emma:mode="ink">
+                <msink:context xmlns:msink="http://schemas.microsoft.com/ink/2010/main" type="inkWord" rotatedBoundingBox="19733,6285 19928,6274 19978,7196 19783,7206"/>
+              </emma:interpretation>
+              <emma:one-of disjunction-type="recognition" id="oneOf1">
+                <emma:interpretation id="interp1" emma:lang="" emma:confidence="0">
+                  <emma:literal>1</emma:literal>
+                </emma:interpretation>
+                <emma:interpretation id="interp2" emma:lang="" emma:confidence="0">
+                  <emma:literal>Ⅰ</emma:literal>
+                </emma:interpretation>
+                <emma:interpretation id="interp3" emma:lang="" emma:confidence="0">
+                  <emma:literal>|</emma:literal>
+                </emma:interpretation>
+                <emma:interpretation id="interp4" emma:lang="" emma:confidence="0">
+                  <emma:literal>ㅣ</emma:literal>
+                </emma:interpretation>
+                <emma:interpretation id="interp5" emma:lang="" emma:confidence="0">
+                  <emma:literal>ⅰ</emma:literal>
+                </emma:interpretation>
+              </emma:one-of>
+            </emma:emma>
+          </inkml:annotationXML>
+          <inkml:trace contextRef="#ctx0" brushRef="#br0" timeOffset="5696.2346">1107-293 0,'32'0'16,"1"32"15,0 1-15,-33-1-16,32 1 15,-32 0-15,0-1 16,0 33-16,33-32 16,-33-1-16,0 34 15,0-34-15,32 1 16,-32 32-16,0-33 16,33 1-16,-33-1 15,0 34-15,0-1 16,0 0-1,0-33 1,0 1 0,0 0 62</inkml:trace>
+        </inkml:traceGroup>
+      </inkml:traceGroup>
+    </inkml:traceGroup>
+  </inkml:traceGroup>
+</inkml:ink>
+</file>
+
+<file path=ppt/ink/ink23.xml><?xml version="1.0" encoding="utf-8"?>
+<inkml:ink xmlns:inkml="http://www.w3.org/2003/InkML">
+  <inkml:definitions>
+    <inkml:context xml:id="ctx0">
+      <inkml:inkSource xml:id="inkSrc0">
+        <inkml:traceFormat>
+          <inkml:channel name="X" type="integer" max="1920" units="cm"/>
+          <inkml:channel name="Y" type="integer" max="1080" units="cm"/>
+          <inkml:channel name="T" type="integer" max="2.14748E9" units="dev"/>
+        </inkml:traceFormat>
+        <inkml:channelProperties>
+          <inkml:channelProperty channel="X" name="resolution" value="36.85221" units="1/cm"/>
+          <inkml:channelProperty channel="Y" name="resolution" value="36.86007" units="1/cm"/>
+          <inkml:channelProperty channel="T" name="resolution" value="1" units="1/dev"/>
+        </inkml:channelProperties>
+      </inkml:inkSource>
+      <inkml:timestamp xml:id="ts0" timeString="2021-04-09T08:42:04.553"/>
+    </inkml:context>
+    <inkml:brush xml:id="br0">
+      <inkml:brushProperty name="width" value="0.06667" units="cm"/>
+      <inkml:brushProperty name="height" value="0.06667" units="cm"/>
+      <inkml:brushProperty name="color" value="#ED1C24"/>
+      <inkml:brushProperty name="fitToCurve" value="1"/>
+    </inkml:brush>
+  </inkml:definitions>
+  <inkml:traceGroup>
+    <inkml:annotationXML>
+      <emma:emma xmlns:emma="http://www.w3.org/2003/04/emma" version="1.0">
+        <emma:interpretation id="{B98D2652-F1C9-49A7-B1B1-54EBD32433C9}" emma:medium="tactile" emma:mode="ink">
+          <msink:context xmlns:msink="http://schemas.microsoft.com/ink/2010/main" type="inkDrawing" rotatedBoundingBox="16248,9727 20676,9633 20678,9697 16250,9791" shapeName="Other">
+            <msink:destinationLink direction="to" ref="{D8508A32-F2BC-413D-B4B8-DA8DEA810F5C}"/>
+          </msink:context>
+        </emma:interpretation>
+      </emma:emma>
+    </inkml:annotationXML>
+    <inkml:trace contextRef="#ctx0" brushRef="#br0">0 102 0,'32'0'46,"33"0"-30,66 0-16,31 0 16,-31 0-16,64 0 15,33 0-15,-33 0 16,1 0-16,32 0 16,32 0-16,-64 0 15,-1 0-15,0 0 16,-32 0-16,33-33 15,-34 33-15,-64 0 16,32 0-16,-32 0 16,32 0-1,-32 0-15,-33 0 16,65 0-16,-65 0 16,33 0-16,-33 0 15,0 0-15,1-33 16,-34 33-16,33 0 15,-32-32 1,-1 32-16,1 0 16,-1 0-16,1 0 15,0 0 1,-1 0 0,1 0-16,-1 0 31</inkml:trace>
+  </inkml:traceGroup>
+</inkml:ink>
+</file>
+
+<file path=ppt/ink/ink24.xml><?xml version="1.0" encoding="utf-8"?>
+<inkml:ink xmlns:inkml="http://www.w3.org/2003/InkML">
+  <inkml:definitions>
+    <inkml:context xml:id="ctx0">
+      <inkml:inkSource xml:id="inkSrc0">
+        <inkml:traceFormat>
+          <inkml:channel name="X" type="integer" max="1920" units="cm"/>
+          <inkml:channel name="Y" type="integer" max="1080" units="cm"/>
+          <inkml:channel name="T" type="integer" max="2.14748E9" units="dev"/>
+        </inkml:traceFormat>
+        <inkml:channelProperties>
+          <inkml:channelProperty channel="X" name="resolution" value="36.85221" units="1/cm"/>
+          <inkml:channelProperty channel="Y" name="resolution" value="36.86007" units="1/cm"/>
+          <inkml:channelProperty channel="T" name="resolution" value="1" units="1/dev"/>
+        </inkml:channelProperties>
+      </inkml:inkSource>
+      <inkml:timestamp xml:id="ts0" timeString="2021-04-09T08:42:07.570"/>
+    </inkml:context>
+    <inkml:brush xml:id="br0">
+      <inkml:brushProperty name="width" value="0.06667" units="cm"/>
+      <inkml:brushProperty name="height" value="0.06667" units="cm"/>
+      <inkml:brushProperty name="color" value="#ED1C24"/>
+      <inkml:brushProperty name="fitToCurve" value="1"/>
+    </inkml:brush>
+  </inkml:definitions>
+  <inkml:traceGroup>
+    <inkml:annotationXML>
+      <emma:emma xmlns:emma="http://www.w3.org/2003/04/emma" version="1.0">
+        <emma:interpretation id="{64C7C004-2D5F-4E4D-83F7-32CA86394D9E}" emma:medium="tactile" emma:mode="ink">
+          <msink:context xmlns:msink="http://schemas.microsoft.com/ink/2010/main" type="inkDrawing" rotatedBoundingBox="9442,9770 15824,9746 15825,9842 9443,9867" shapeName="Other">
+            <msink:destinationLink direction="from" ref="{77CBD412-233F-433D-884E-A830C22C377E}"/>
+          </msink:context>
+        </emma:interpretation>
+      </emma:emma>
+    </inkml:annotationXML>
+    <inkml:trace contextRef="#ctx0" brushRef="#br0">0 110 0,'97'-33'78,"34"1"-63,97-1 1,0 33-16,-1 0 16,-31 0-16,64 0 15,1 0-15,-33 0 16,-33 0-16,66 0 16,-33 0-16,0 0 15,-33 0-15,33 0 16,-33 0-16,1 0 15,32 0-15,-98 0 16,33 0-16,-66 0 16,1 0-16,-33 0 15,0 0-15,1 0 16,-34 0 0,1 0-16,-1 0 15,1 0 1,-1 0-1,1 0-15,32 0 16,-32 0 0,-1 0-1,1 0 1,32 0 0,-33 0-16,1 0 15,32 0-15,-32 0 16,-1 0-16,1 0 15,32 0-15,-33 0 16,1 0-16,0 0 16,-1 0-16,1 0 15,-1 0-15,1 0 16,-1 0-16,1 0 16,0 0-16,32 0 15,-33 0-15,1 0 16,-1 0-16,1 0 15,0 0-15,-1 0 16,1 0-16,-1 0 16,1 0-16,-1 0 15,1 0 17,-1 0-17,1 0-15,0 0 31,-1 0 1,1 0-32,-1 0 15,33 0 1,-32 0 0,0 0-1,-1 0 16,1 0 1,-1 0-1</inkml:trace>
+  </inkml:traceGroup>
+</inkml:ink>
+</file>
+
+<file path=ppt/ink/ink25.xml><?xml version="1.0" encoding="utf-8"?>
+<inkml:ink xmlns:inkml="http://www.w3.org/2003/InkML">
+  <inkml:definitions>
+    <inkml:context xml:id="ctx0">
+      <inkml:inkSource xml:id="inkSrc0">
+        <inkml:traceFormat>
+          <inkml:channel name="X" type="integer" max="1920" units="cm"/>
+          <inkml:channel name="Y" type="integer" max="1080" units="cm"/>
+          <inkml:channel name="T" type="integer" max="2.14748E9" units="dev"/>
+        </inkml:traceFormat>
+        <inkml:channelProperties>
+          <inkml:channelProperty channel="X" name="resolution" value="36.85221" units="1/cm"/>
+          <inkml:channelProperty channel="Y" name="resolution" value="36.86007" units="1/cm"/>
+          <inkml:channelProperty channel="T" name="resolution" value="1" units="1/dev"/>
+        </inkml:channelProperties>
+      </inkml:inkSource>
+      <inkml:timestamp xml:id="ts0" timeString="2021-04-09T08:20:56.176"/>
+    </inkml:context>
+    <inkml:brush xml:id="br0">
+      <inkml:brushProperty name="width" value="0.06667" units="cm"/>
+      <inkml:brushProperty name="height" value="0.06667" units="cm"/>
+      <inkml:brushProperty name="color" value="#ED1C24"/>
+      <inkml:brushProperty name="fitToCurve" value="1"/>
+    </inkml:brush>
+  </inkml:definitions>
+  <inkml:traceGroup>
+    <inkml:annotationXML>
+      <emma:emma xmlns:emma="http://www.w3.org/2003/04/emma" version="1.0">
+        <emma:interpretation id="{B5DAEFC1-0E47-4C7C-810A-5760288B2A50}" emma:medium="tactile" emma:mode="ink">
+          <msink:context xmlns:msink="http://schemas.microsoft.com/ink/2010/main" type="inkDrawing" rotatedBoundingBox="7227,9118 8667,9186 8655,9431 7216,9363" semanticType="callout" shapeName="Other">
+            <msink:sourceLink direction="to" ref="{3C460D1B-F7B0-47DD-BA1E-F3681CD8B06D}"/>
+          </msink:context>
+        </emma:interpretation>
+      </emma:emma>
+    </inkml:annotationXML>
+    <inkml:trace contextRef="#ctx0" brushRef="#br0">1439 195 0,'0'-32'16,"-32"32"15,-1 32-15,0-32-1,1 0 1,-1 33-16,1-33 16,-1 0-16,1 0 15,-1 0-15,-32 32 16,0-32-16,32 0 15,1 0-15,-66 0 16,65 0-16,-32 0 16,0 0-16,0 0 15,0 0 1,32 0-16,1 0 16,-1 0-16,1 0 15,-1 0 1,1 0-1,-1 0 1,0 0-16,1-32 16,-66 32-16,66-33 15,-34 1-15,1-1 16,65 1-16,0-1 31,0 0-15,0 1 31</inkml:trace>
+  </inkml:traceGroup>
+</inkml:ink>
+</file>
+
+<file path=ppt/ink/ink26.xml><?xml version="1.0" encoding="utf-8"?>
+<inkml:ink xmlns:inkml="http://www.w3.org/2003/InkML">
+  <inkml:definitions>
+    <inkml:context xml:id="ctx0">
+      <inkml:inkSource xml:id="inkSrc0">
+        <inkml:traceFormat>
+          <inkml:channel name="X" type="integer" max="1920" units="cm"/>
+          <inkml:channel name="Y" type="integer" max="1080" units="cm"/>
+          <inkml:channel name="T" type="integer" max="2.14748E9" units="dev"/>
+        </inkml:traceFormat>
+        <inkml:channelProperties>
+          <inkml:channelProperty channel="X" name="resolution" value="36.85221" units="1/cm"/>
+          <inkml:channelProperty channel="Y" name="resolution" value="36.86007" units="1/cm"/>
+          <inkml:channelProperty channel="T" name="resolution" value="1" units="1/dev"/>
+        </inkml:channelProperties>
+      </inkml:inkSource>
+      <inkml:timestamp xml:id="ts0" timeString="2021-04-09T08:42:09.081"/>
+    </inkml:context>
+    <inkml:brush xml:id="br0">
+      <inkml:brushProperty name="width" value="0.06667" units="cm"/>
+      <inkml:brushProperty name="height" value="0.06667" units="cm"/>
+      <inkml:brushProperty name="color" value="#ED1C24"/>
+      <inkml:brushProperty name="fitToCurve" value="1"/>
+    </inkml:brush>
+  </inkml:definitions>
+  <inkml:traceGroup>
+    <inkml:annotationXML>
+      <emma:emma xmlns:emma="http://www.w3.org/2003/04/emma" version="1.0">
+        <emma:interpretation id="{3C460D1B-F7B0-47DD-BA1E-F3681CD8B06D}" emma:medium="tactile" emma:mode="ink">
+          <msink:context xmlns:msink="http://schemas.microsoft.com/ink/2010/main" type="inkDrawing" rotatedBoundingBox="6934,9967 8921,9947 8922,9979 6935,9998" shapeName="Other">
+            <msink:destinationLink direction="to" ref="{B5DAEFC1-0E47-4C7C-810A-5760288B2A50}"/>
+            <msink:destinationLink direction="to" ref="{77CBD412-233F-433D-884E-A830C22C377E}"/>
+          </msink:context>
+        </emma:interpretation>
+      </emma:emma>
+    </inkml:annotationXML>
+    <inkml:trace contextRef="#ctx0" brushRef="#br0">0 75 0,'33'0'16,"-1"0"-16,33 0 15,-32 0-15,32-32 16,0 32-16,0 0 16,1 0-16,-34 0 15,33 0-15,-32 0 16,32 0-1,0 0-15,0 0 16,0 0-16,0 0 16,33 0-16,0 0 15,0 0-15,32 0 16,-65 0-16,0 0 16,0 0-16,0 0 15,-32 0-15,32 0 16,0 0-1,-32 0-15,-1 0 16,1 0-16,-1 0 16,1 0-1,0 0 1,-1 0 46,1 0-30</inkml:trace>
+  </inkml:traceGroup>
+</inkml:ink>
+</file>
+
+<file path=ppt/ink/ink27.xml><?xml version="1.0" encoding="utf-8"?>
+<inkml:ink xmlns:inkml="http://www.w3.org/2003/InkML">
+  <inkml:definitions>
+    <inkml:context xml:id="ctx0">
+      <inkml:inkSource xml:id="inkSrc0">
+        <inkml:traceFormat>
+          <inkml:channel name="X" type="integer" max="1920" units="cm"/>
+          <inkml:channel name="Y" type="integer" max="1080" units="cm"/>
+          <inkml:channel name="T" type="integer" max="2.14748E9" units="dev"/>
+        </inkml:traceFormat>
+        <inkml:channelProperties>
+          <inkml:channelProperty channel="X" name="resolution" value="36.85221" units="1/cm"/>
+          <inkml:channelProperty channel="Y" name="resolution" value="36.86007" units="1/cm"/>
+          <inkml:channelProperty channel="T" name="resolution" value="1" units="1/dev"/>
+        </inkml:channelProperties>
+      </inkml:inkSource>
+      <inkml:timestamp xml:id="ts0" timeString="2021-04-09T08:42:14.841"/>
+    </inkml:context>
+    <inkml:brush xml:id="br0">
+      <inkml:brushProperty name="width" value="0.06667" units="cm"/>
+      <inkml:brushProperty name="height" value="0.06667" units="cm"/>
+      <inkml:brushProperty name="color" value="#ED1C24"/>
+      <inkml:brushProperty name="fitToCurve" value="1"/>
+    </inkml:brush>
+  </inkml:definitions>
+  <inkml:traceGroup>
+    <inkml:annotationXML>
+      <emma:emma xmlns:emma="http://www.w3.org/2003/04/emma" version="1.0">
+        <emma:interpretation id="{D8508A32-F2BC-413D-B4B8-DA8DEA810F5C}" emma:medium="tactile" emma:mode="ink">
+          <msink:context xmlns:msink="http://schemas.microsoft.com/ink/2010/main" type="inkDrawing" rotatedBoundingBox="13511,9944 18587,9897 18596,10778 13519,10825" semanticType="callout" shapeName="Other">
+            <msink:sourceLink direction="to" ref="{B98D2652-F1C9-49A7-B1B1-54EBD32433C9}"/>
+            <msink:sourceLink direction="to" ref="{38026C0C-F65E-4598-8345-023C11581F69}"/>
+          </msink:context>
+        </emma:interpretation>
+      </emma:emma>
+    </inkml:annotationXML>
+    <inkml:trace contextRef="#ctx0" brushRef="#br0">4885 0 0,'32'33'78,"-32"0"-63,33-1-15,-1 33 16,-32-32-16,33-1 16,-33 1-16,0 32 15,0-32 1,0-1 0,33 1-1,-33-1-15,0 1 16,0-1-16,0 1 15,32-33-15,-32 33 16,0-1 0,0 1-1,0-1 235,0 1-250,0 32 16,0 0-16,0-32 344,-32-33-329,-1 0-15,-32 0 16,0 0-16,32 0 16,-97 0-16,0 0 15,-66 0-15,-64 0 16,-1 0-1,33 0-15,-32 0 16,-33 0-16,0 0 16,32 0-16,66 0 15,-1 0-15,34 0 16,31 0-16,34 0 16,-1 0-16,0 0 15,66 0-15,-66 0 16,65 0-16,1 0 15,-33 0-15,32 0 16,1 0 0,-1 0-16,-32 0 15,32 0-15,1 0 16,-1 0-16,-32 0 16,33 0-16,-1 0 15,-32 0 1,32 0-16,1 0 15,-33 0-15,-1 0 16,1 0-16,0 0 16,0 0-16,33 0 15,-66 0-15,65 0 32,1 0-17,-1 0 1,1 0 15,-1 0-15,33 32-16,0-64 140,0-1-140,0-32 16,0 0-16,33 0 16,-33 0-16,0 32 15,32 0-15,-32-32 16,0 33-1,0-1-15,0 1 32,0-1-17,0 0 17,0 1-17,0-1 1,0 1-1,0-1 32,33 1-15,-33-1-17,-33 33 141,1 0-156,-66 0 16,65 33-16,1-1 16,-1 1 15</inkml:trace>
+  </inkml:traceGroup>
+</inkml:ink>
+</file>
+
+<file path=ppt/ink/ink28.xml><?xml version="1.0" encoding="utf-8"?>
+<inkml:ink xmlns:inkml="http://www.w3.org/2003/InkML">
+  <inkml:definitions>
+    <inkml:context xml:id="ctx0">
+      <inkml:inkSource xml:id="inkSrc0">
+        <inkml:traceFormat>
+          <inkml:channel name="X" type="integer" max="1920" units="cm"/>
+          <inkml:channel name="Y" type="integer" max="1080" units="cm"/>
+          <inkml:channel name="T" type="integer" max="2.14748E9" units="dev"/>
+        </inkml:traceFormat>
+        <inkml:channelProperties>
+          <inkml:channelProperty channel="X" name="resolution" value="36.85221" units="1/cm"/>
+          <inkml:channelProperty channel="Y" name="resolution" value="36.86007" units="1/cm"/>
+          <inkml:channelProperty channel="T" name="resolution" value="1" units="1/dev"/>
+        </inkml:channelProperties>
+      </inkml:inkSource>
+      <inkml:timestamp xml:id="ts0" timeString="2021-04-09T08:42:16.129"/>
+    </inkml:context>
+    <inkml:brush xml:id="br0">
+      <inkml:brushProperty name="width" value="0.06667" units="cm"/>
+      <inkml:brushProperty name="height" value="0.06667" units="cm"/>
+      <inkml:brushProperty name="color" value="#ED1C24"/>
+      <inkml:brushProperty name="fitToCurve" value="1"/>
+    </inkml:brush>
+  </inkml:definitions>
+  <inkml:traceGroup>
+    <inkml:annotationXML>
+      <emma:emma xmlns:emma="http://www.w3.org/2003/04/emma" version="1.0">
+        <emma:interpretation id="{E19C963A-8276-406E-9006-0C6672920B20}" emma:medium="tactile" emma:mode="ink">
+          <msink:context xmlns:msink="http://schemas.microsoft.com/ink/2010/main" type="inkDrawing" rotatedBoundingBox="13277,9975 14189,9952 14197,10289 13286,10313" semanticType="callout" shapeName="Other">
+            <msink:sourceLink direction="with" ref="{38026C0C-F65E-4598-8345-023C11581F69}"/>
+          </msink:context>
+        </emma:interpretation>
+      </emma:emma>
+    </inkml:annotationXML>
+    <inkml:trace contextRef="#ctx0" brushRef="#br0">508 0 0,'33'0'16,"-1"0"0,1 32-1,0 1-15,-1-1 16,1-32-16,-1 65 16,1-32-16,-1-1 15,1-32-15,-1 33 16,1 0-1,-33-1 1,-65-32 125,32 0-126,1 0-15,-1 0 16,-32 0-16,0 0 16,32 0-1,1 0 1,-33 0-16,0 0 15,32 0-15,-32 0 16,-33 0-16,66 0 16,-1 0-16,-32 0 15,32 0-15,1-32 32,-1 32-1,66 0 219,-1-33-235,1 33-15,-1-33 16,1 33-16,0-32 16,-1-1-16,1 1 15,-1 32-15,1 0 16,-33-33 0,32 1-16,-32-1 31,33 33-31,0-32 31</inkml:trace>
+  </inkml:traceGroup>
+</inkml:ink>
+</file>
+
+<file path=ppt/ink/ink29.xml><?xml version="1.0" encoding="utf-8"?>
+<inkml:ink xmlns:inkml="http://www.w3.org/2003/InkML">
+  <inkml:definitions>
+    <inkml:context xml:id="ctx0">
+      <inkml:inkSource xml:id="inkSrc0">
+        <inkml:traceFormat>
+          <inkml:channel name="X" type="integer" max="1920" units="cm"/>
+          <inkml:channel name="Y" type="integer" max="1080" units="cm"/>
+          <inkml:channel name="T" type="integer" max="2.14748E9" units="dev"/>
+        </inkml:traceFormat>
+        <inkml:channelProperties>
+          <inkml:channelProperty channel="X" name="resolution" value="36.85221" units="1/cm"/>
+          <inkml:channelProperty channel="Y" name="resolution" value="36.86007" units="1/cm"/>
+          <inkml:channelProperty channel="T" name="resolution" value="1" units="1/dev"/>
+        </inkml:channelProperties>
+      </inkml:inkSource>
+      <inkml:timestamp xml:id="ts0" timeString="2021-04-09T08:42:21.721"/>
+    </inkml:context>
+    <inkml:brush xml:id="br0">
+      <inkml:brushProperty name="width" value="0.06667" units="cm"/>
+      <inkml:brushProperty name="height" value="0.06667" units="cm"/>
+      <inkml:brushProperty name="color" value="#ED1C24"/>
+      <inkml:brushProperty name="fitToCurve" value="1"/>
+    </inkml:brush>
+  </inkml:definitions>
+  <inkml:traceGroup>
+    <inkml:annotationXML>
+      <emma:emma xmlns:emma="http://www.w3.org/2003/04/emma" version="1.0">
+        <emma:interpretation id="{77CBD412-233F-433D-884E-A830C22C377E}" emma:medium="tactile" emma:mode="ink">
+          <msink:context xmlns:msink="http://schemas.microsoft.com/ink/2010/main" type="inkDrawing" rotatedBoundingBox="7292,9621 10348,10292 10077,11528 7020,10857" semanticType="callout" shapeName="Other">
+            <msink:sourceLink direction="from" ref="{64C7C004-2D5F-4E4D-83F7-32CA86394D9E}"/>
+            <msink:sourceLink direction="to" ref="{3C460D1B-F7B0-47DD-BA1E-F3681CD8B06D}"/>
+          </msink:context>
+        </emma:interpretation>
+      </emma:emma>
+    </inkml:annotationXML>
+    <inkml:trace contextRef="#ctx0" brushRef="#br0">3061 196 0,'0'32'47,"0"33"-47,0 0 15,0 33-15,0 0 16,0-33-16,0 33 16,0-33-16,0 0 15,0-33-15,0 34 16,-33-34-16,1-32 109,-34 0-93,1 0-16,33 0 15,-33 0-15,-33 0 16,33 0-16,-33 0 16,0 0-16,1 0 15,-1 0-15,-32 0 16,-1 0-16,34 0 16,-66 0-16,33 0 15,32 0-15,0 0 16,-32 0-16,32 0 15,33 0-15,0 0 16,0 0-16,0 0 16,32 0-16,1 0 15,-1 0-15,1 0 32,-1 0 61,0-65 32,33 0-125,-32 0 16,32-33-16,-33-32 16,33 65-16,0 0 15,0 32-15,-32-32 16,32 32-16,0 1 15,0-1 32,0 1 47,0-1-47,-33 33 47,33-33-16,-32 1-63,32-1-15,-33 1 16,1 32 156,-34 32-172,1 1 16,0-1-16,65 1 15,-65 0-15,32-33 16,-32 65-16,33-65 15,-1 32-15,1-32 16,64 0 125,33 0-141,-32 0 15,32 0-15,-32 0 16,64 0-16,1-32 16,-65 32-1,-1 0-15,1 0 16,-1 0-1,33 0-15,0 0 16,-32 0-16,32 0 16,-32 0-16,32 0 15,-33 0 1,1 0 15,0-33 110,-66 33-110,0-32-15,-64-1-1,64 0-15,-32 1 16,32-1-16,1 1 16,-1 32-16,1 0 31,32-33-16,-33 33 173</inkml:trace>
+  </inkml:traceGroup>
+</inkml:ink>
+</file>
+
+<file path=ppt/ink/ink3.xml><?xml version="1.0" encoding="utf-8"?>
+<inkml:ink xmlns:inkml="http://www.w3.org/2003/InkML">
+  <inkml:definitions>
+    <inkml:context xml:id="ctx0">
+      <inkml:inkSource xml:id="inkSrc0">
+        <inkml:traceFormat>
+          <inkml:channel name="X" type="integer" max="1920" units="cm"/>
+          <inkml:channel name="Y" type="integer" max="1080" units="cm"/>
+          <inkml:channel name="T" type="integer" max="2.14748E9" units="dev"/>
+        </inkml:traceFormat>
+        <inkml:channelProperties>
+          <inkml:channelProperty channel="X" name="resolution" value="36.85221" units="1/cm"/>
+          <inkml:channelProperty channel="Y" name="resolution" value="36.86007" units="1/cm"/>
+          <inkml:channelProperty channel="T" name="resolution" value="1" units="1/dev"/>
+        </inkml:channelProperties>
+      </inkml:inkSource>
+      <inkml:timestamp xml:id="ts0" timeString="2021-04-09T07:45:30.768"/>
+    </inkml:context>
+    <inkml:brush xml:id="br0">
+      <inkml:brushProperty name="width" value="0.06667" units="cm"/>
+      <inkml:brushProperty name="height" value="0.06667" units="cm"/>
+      <inkml:brushProperty name="color" value="#ED1C24"/>
+      <inkml:brushProperty name="fitToCurve" value="1"/>
+    </inkml:brush>
+  </inkml:definitions>
+  <inkml:traceGroup>
+    <inkml:annotationXML>
+      <emma:emma xmlns:emma="http://www.w3.org/2003/04/emma" version="1.0">
+        <emma:interpretation id="{BD8FAF13-3563-4A98-B986-88C186BA3078}" emma:medium="tactile" emma:mode="ink">
+          <msink:context xmlns:msink="http://schemas.microsoft.com/ink/2010/main" type="inkDrawing" rotatedBoundingBox="11655,11447 14426,11214 14516,12289 11746,12522" hotPoints="14691,11756 13056,12313 11379,11900 13014,11343" semanticType="enclosure" shapeName="Ellipse"/>
+        </emma:interpretation>
+      </emma:emma>
+    </inkml:annotationXML>
+    <inkml:trace contextRef="#ctx0" brushRef="#br0">427 929 0,'-65'-33'15,"32"33"1,1 0 15,-1 0-15,1-32 0,-1-1-1,-32 33 1,65-32-16,-33-1 15,33 1 1,-32 32-16,32-33 16,0 0-1,0 1 1,-33 32 0,33-33-16,-32-32 15,32 33 1,0-1-1,0 1 1,0-1 0,0 0 15,0 1-31,0-1 16,65 1-16,0 32 15,-33-33-15,34 33 16,64-32-16,-98 32 15,33-33-15,1 0 16,-1 33-16,0 0 16,-33 0-1,34 0-15,-34-32 16,1-1 0,-1 33-16,1 0 15,-1 0-15,1-32 16,0 32-16,-1 0 15,33 0-15,-32 0 16,-1 0-16,66 0 16,-65 0-16,-1 0 15,33 0-15,33 0 16,-65 0-16,64 0 16,1 0-16,-33 0 15,-32 0-15,32 0 16,0 0-16,-33 0 15,34 0-15,-1 0 16,0 0-16,0 0 16,0 0-16,-32 0 15,-1 0-15,1 0 16,-1 0 0,1 0-16,-1 0 15,1 0 1,0 32-1,-1-32 17,1 33-32,-1-1 15,1-32-15,-1 33 16,1 0-16,-33-1 16,33 1-1,-33-1 1,0 1-1,0-1-15,0 1 16,0 32 0,0-32-1,0-1-15,0 1 16,0-1 0,0 1-1,-33-33-15,33 32 16,-33-32-16,33 33 15,-32 0-15,-1-33 16,1 32 0,-33 33-16,32-65 15,-32 33-15,0-1 16,0 1-16,32-33 16,-32 0-16,0 33 15,32-33 1,-32 0-16,0 32 15,0 1-15,32-33 16,-32 32-16,33-32 16,-34 0-16,1 0 15,33 0-15,-1 0 16,-32 0-16,33 0 16,-66 0-16,33 0 15,0 0-15,-1 0 16,-31 0-16,64 0 15,-32 0-15,0 0 16,32 0-16,-32 0 16,0 0-1,33 0 1,-1 0-16,-32 0 16,32-32-16,1 32 15,-33 0 1,65-33-1,-33 33-15,-32 0 16,32 0 15,-32 0-31,33-32 78</inkml:trace>
+  </inkml:traceGroup>
+</inkml:ink>
+</file>
+
+<file path=ppt/ink/ink30.xml><?xml version="1.0" encoding="utf-8"?>
+<inkml:ink xmlns:inkml="http://www.w3.org/2003/InkML">
+  <inkml:definitions>
+    <inkml:context xml:id="ctx0">
+      <inkml:inkSource xml:id="inkSrc0">
+        <inkml:traceFormat>
+          <inkml:channel name="X" type="integer" max="1920" units="cm"/>
+          <inkml:channel name="Y" type="integer" max="1080" units="cm"/>
+          <inkml:channel name="T" type="integer" max="2.14748E9" units="dev"/>
+        </inkml:traceFormat>
+        <inkml:channelProperties>
+          <inkml:channelProperty channel="X" name="resolution" value="36.85221" units="1/cm"/>
+          <inkml:channelProperty channel="Y" name="resolution" value="36.86007" units="1/cm"/>
+          <inkml:channelProperty channel="T" name="resolution" value="1" units="1/dev"/>
+        </inkml:channelProperties>
+      </inkml:inkSource>
+      <inkml:timestamp xml:id="ts0" timeString="2021-04-09T08:43:57.705"/>
+    </inkml:context>
+    <inkml:brush xml:id="br0">
+      <inkml:brushProperty name="width" value="0.06667" units="cm"/>
+      <inkml:brushProperty name="height" value="0.06667" units="cm"/>
+      <inkml:brushProperty name="color" value="#ED1C24"/>
+      <inkml:brushProperty name="fitToCurve" value="1"/>
+    </inkml:brush>
+  </inkml:definitions>
+  <inkml:traceGroup>
+    <inkml:annotationXML>
+      <emma:emma xmlns:emma="http://www.w3.org/2003/04/emma" version="1.0">
+        <emma:interpretation id="{A6115FEF-9F96-43B3-963A-443D0C6F5490}" emma:medium="tactile" emma:mode="ink">
+          <msink:context xmlns:msink="http://schemas.microsoft.com/ink/2010/main" type="writingRegion" rotatedBoundingBox="15467,6838 16737,6838 16737,7946 15467,7946"/>
+        </emma:interpretation>
+      </emma:emma>
+    </inkml:annotationXML>
+    <inkml:traceGroup>
+      <inkml:annotationXML>
+        <emma:emma xmlns:emma="http://www.w3.org/2003/04/emma" version="1.0">
+          <emma:interpretation id="{6564047E-5658-493A-97E1-A454B46D1FE5}" emma:medium="tactile" emma:mode="ink">
+            <msink:context xmlns:msink="http://schemas.microsoft.com/ink/2010/main" type="paragraph" rotatedBoundingBox="15467,6838 16737,6838 16737,7946 15467,7946" alignmentLevel="1"/>
+          </emma:interpretation>
+        </emma:emma>
+      </inkml:annotationXML>
+      <inkml:traceGroup>
+        <inkml:annotationXML>
+          <emma:emma xmlns:emma="http://www.w3.org/2003/04/emma" version="1.0">
+            <emma:interpretation id="{55ACACC4-C99A-4F4E-8BC4-62F5C1D8DB9C}" emma:medium="tactile" emma:mode="ink">
+              <msink:context xmlns:msink="http://schemas.microsoft.com/ink/2010/main" type="line" rotatedBoundingBox="15467,6838 16737,6838 16737,7946 15467,7946"/>
+            </emma:interpretation>
+          </emma:emma>
+        </inkml:annotationXML>
+        <inkml:traceGroup>
+          <inkml:annotationXML>
+            <emma:emma xmlns:emma="http://www.w3.org/2003/04/emma" version="1.0">
+              <emma:interpretation id="{F38A8B4B-C61E-458F-B140-B4883B2A1C22}" emma:medium="tactile" emma:mode="ink">
+                <msink:context xmlns:msink="http://schemas.microsoft.com/ink/2010/main" type="inkWord" rotatedBoundingBox="15467,6838 16737,6838 16737,7946 15467,7946"/>
+              </emma:interpretation>
+              <emma:one-of disjunction-type="recognition" id="oneOf0">
+                <emma:interpretation id="interp0" emma:lang="" emma:confidence="0">
+                  <emma:literal>9</emma:literal>
+                </emma:interpretation>
+                <emma:interpretation id="interp1" emma:lang="" emma:confidence="0">
+                  <emma:literal>〇</emma:literal>
+                </emma:interpretation>
+                <emma:interpretation id="interp2" emma:lang="" emma:confidence="0">
+                  <emma:literal>0</emma:literal>
+                </emma:interpretation>
+                <emma:interpretation id="interp3" emma:lang="" emma:confidence="0">
+                  <emma:literal>3</emma:literal>
+                </emma:interpretation>
+                <emma:interpretation id="interp4" emma:lang="" emma:confidence="0">
+                  <emma:literal>J</emma:literal>
+                </emma:interpretation>
+              </emma:one-of>
+            </emma:emma>
+          </inkml:annotationXML>
+          <inkml:trace contextRef="#ctx0" brushRef="#br0">333 1043 0,'-33'0'0,"33"-32"47,-32 32-32,32-33-15,-33-32 16,0 65-1,33-32-15,-32-1 16,-1 0 0,1 1-16,32-1 15,-33-32-15,1 65 16,32-65-16,-33 33 16,33-34-1,0 34-15,0-1 16,0 1-1,0-1 1,0 1-16,0-1 16,0 0-1,0 1-15,33-1 16,32-32 0,-33 65-16,-32-32 15,33 32 1,-1-33-16,1 0 15,0 1-15,32 32 16,-33 0-16,33-33 16,-32 33-16,-1 0 15,1 0-15,32 0 16,0 0-16,0 0 16,1 0-16,-1 0 15,-33 0-15,33 65 16,-32-65-16,0 0 15,-1 33-15,1 0 16,-1-33 0,1 32-1,-33 1 1,32-1-16,1 1 16,-33 32-16,32-32 15,-32-1-15,0 1 16,33-1-16,-33 1 15,0-1-15,0 1 16,0 65-16,0-66 16,0 1-1,0 32-15,0-33 16,0 34-16,0-1 16,0-33-1,-33 1 16,33-1-31,-65-32 16,33 0-16,-1 33 16,-32-33-16,33 0 15,-34 33-15,34-33 16,-1 0-16,1 0 16,-1 0-1,1 0 1,-1 0-16,-32 0 15,32 0-15,-32 0 16,0 0 0,32 0-16,1 0 15,-1 0 1,-32 0 0,33 0-1,-1 0 16,33-33 1,-32 33-1</inkml:trace>
+        </inkml:traceGroup>
+      </inkml:traceGroup>
+    </inkml:traceGroup>
+  </inkml:traceGroup>
+</inkml:ink>
+</file>
+
+<file path=ppt/ink/ink31.xml><?xml version="1.0" encoding="utf-8"?>
+<inkml:ink xmlns:inkml="http://www.w3.org/2003/InkML">
+  <inkml:definitions>
+    <inkml:context xml:id="ctx0">
+      <inkml:inkSource xml:id="inkSrc0">
+        <inkml:traceFormat>
+          <inkml:channel name="X" type="integer" max="1920" units="cm"/>
+          <inkml:channel name="Y" type="integer" max="1080" units="cm"/>
+          <inkml:channel name="T" type="integer" max="2.14748E9" units="dev"/>
+        </inkml:traceFormat>
+        <inkml:channelProperties>
+          <inkml:channelProperty channel="X" name="resolution" value="36.85221" units="1/cm"/>
+          <inkml:channelProperty channel="Y" name="resolution" value="36.86007" units="1/cm"/>
+          <inkml:channelProperty channel="T" name="resolution" value="1" units="1/dev"/>
+        </inkml:channelProperties>
+      </inkml:inkSource>
+      <inkml:timestamp xml:id="ts0" timeString="2021-04-09T08:44:32.218"/>
+    </inkml:context>
+    <inkml:brush xml:id="br0">
+      <inkml:brushProperty name="width" value="0.06667" units="cm"/>
+      <inkml:brushProperty name="height" value="0.06667" units="cm"/>
+      <inkml:brushProperty name="color" value="#ED1C24"/>
+      <inkml:brushProperty name="fitToCurve" value="1"/>
+    </inkml:brush>
+  </inkml:definitions>
+  <inkml:traceGroup>
+    <inkml:annotationXML>
+      <emma:emma xmlns:emma="http://www.w3.org/2003/04/emma" version="1.0">
+        <emma:interpretation id="{C590E871-1E33-41C7-972C-442BC4A439F9}" emma:medium="tactile" emma:mode="ink">
+          <msink:context xmlns:msink="http://schemas.microsoft.com/ink/2010/main" type="inkDrawing" rotatedBoundingBox="17694,6227 18110,7350 17160,7703 16743,6580" hotPoints="17974,6878 17410,7442 16846,6878 17410,6313" semanticType="enclosure" shapeName="Circle"/>
+        </emma:interpretation>
+      </emma:emma>
+    </inkml:annotationXML>
+    <inkml:trace contextRef="#ctx0" brushRef="#br0">399 988 0,'-33'0'47,"1"0"-31,-1 0-16,1 0 15,-1-32-15,1 32 32,32-33-32,-33 33 15,33-32 1,-32 32-16,-1-33 16,33 0-1,0 1-15,-33-1 16,33 1-16,-32-1 15,32 1-15,0-1 16,0 0-16,-33 33 16,33-32-16,0-33 31,0 32-15,0 1 15,0-1-16,0 1-15,0-1 16,33 33 0,-1-33-16,34 1 15,-34-1-15,33 1 16,-32 32-16,-1-33 16,1 33-16,-1 0 15,1-65-15,0 65 16,-1-33-1,1 33 1,-1-32-16,1 32 16,-1 0-1,-32-33-15,33 33 32,0 0-17,-1 0 16,1 0-15,-1 0 0,33 0-1,-32 33 1,0-1-16,-33 34 16,32-34-16,-32 1 15,33-1-15,-33 33 16,0-32-16,0 0 15,0 32-15,0-33 16,0 1-16,32-1 16,-32 1-16,0-1 15,0 1-15,0 0 16,0 32-16,0-33 31,0 1-31,0-1 16,0 34-16,0-34 15,0 1 1,-32-1-16,32 33 16,-33-65-16,33 33 15,-32 0-15,-1-33 16,0 65-16,1-65 31,32 32-31,-33-32 31,1 0-15,-1 0 0,1 0 15</inkml:trace>
+    <inkml:trace contextRef="#ctx0" brushRef="#br0" timeOffset="1255.5301">399 956 0,'33'32'47,"-1"1"-31,33-33-16,0 32 15,-32 1-15,0-33 16,-1 0-16,1 0 15,-1 0-15,1 0 16,-1 0 15,1-33-15,-33 1 0,33-1-1</inkml:trace>
+  </inkml:traceGroup>
+</inkml:ink>
+</file>
+
+<file path=ppt/ink/ink32.xml><?xml version="1.0" encoding="utf-8"?>
+<inkml:ink xmlns:inkml="http://www.w3.org/2003/InkML">
+  <inkml:definitions>
+    <inkml:context xml:id="ctx0">
+      <inkml:inkSource xml:id="inkSrc0">
+        <inkml:traceFormat>
+          <inkml:channel name="X" type="integer" max="1920" units="cm"/>
+          <inkml:channel name="Y" type="integer" max="1080" units="cm"/>
+          <inkml:channel name="T" type="integer" max="2.14748E9" units="dev"/>
+        </inkml:traceFormat>
+        <inkml:channelProperties>
+          <inkml:channelProperty channel="X" name="resolution" value="36.85221" units="1/cm"/>
+          <inkml:channelProperty channel="Y" name="resolution" value="36.86007" units="1/cm"/>
+          <inkml:channelProperty channel="T" name="resolution" value="1" units="1/dev"/>
+        </inkml:channelProperties>
+      </inkml:inkSource>
+      <inkml:timestamp xml:id="ts0" timeString="2021-04-09T08:44:50.265"/>
+    </inkml:context>
+    <inkml:brush xml:id="br0">
+      <inkml:brushProperty name="width" value="0.06667" units="cm"/>
+      <inkml:brushProperty name="height" value="0.06667" units="cm"/>
+      <inkml:brushProperty name="color" value="#ED1C24"/>
+      <inkml:brushProperty name="fitToCurve" value="1"/>
+    </inkml:brush>
+  </inkml:definitions>
+  <inkml:traceGroup>
+    <inkml:annotationXML>
+      <emma:emma xmlns:emma="http://www.w3.org/2003/04/emma" version="1.0">
+        <emma:interpretation id="{6F8631CC-5387-4386-B3D2-DB313EC5AE69}" emma:medium="tactile" emma:mode="ink">
+          <msink:context xmlns:msink="http://schemas.microsoft.com/ink/2010/main" type="inkDrawing" rotatedBoundingBox="22517,8166 23133,11787 21480,12069 20863,8448" hotPoints="21968,11688 21034,9850 21686,7894 22620,9732" semanticType="enclosure" shapeName="Ellipse"/>
+        </emma:interpretation>
+      </emma:emma>
+    </inkml:annotationXML>
+    <inkml:trace contextRef="#ctx0" brushRef="#br0">1043 3592 0,'-33'0'16,"0"0"0,-32-32-16,33-33 15,-1 0-15,1 32 16,-1 0-16,-32-64 16,0 32-16,32-66 15,1 66-15,-1 0 16,-32-33-16,32-64 15,1 96-15,-33-96 16,0 31-16,-1 1 16,66 32-16,-32-64 15,-1 64-15,-32-32 16,65 65-16,0-66 16,-32 34-16,32-1 15,0 0 1,-33-32-16,0 65 15,33-33-15,0 33 16,0 0-16,0 32 16,0-32-16,0 0 15,33 0-15,-33-33 16,65 33-16,0-33 16,-32 33-16,32 33 15,-65-1-15,65 1 16,-32-1-16,-33 0 15,65 33-15,0-32 16,-65-1-16,33 33 16,-1 0-16,1 0 15,-1 0-15,33 0 16,-32 0 0,32 33-16,33-1 15,-1 66-15,34-65 16,-66 32-16,32 0 15,1 0-15,0 0 16,-33 0-16,-32 66 16,-1-34-16,33 66 15,-32 0-15,-33-33 16,0 66 0,0-66-16,0-32 15,0 32-15,0-33 16,0 1-16,0 32 15,0-64-15,-65 64 16,0-33-16,32 34 16,-32-1-16,32-32 15,-32 32-15,0 0 16,32-32-16,33-33 16,0 0-16,-32-32 15,32 32-15,-33-33 16,33 1-16,0 0 15,-32 32-15,-1-33 16,33 1-16,0 32 16,-32-65-16</inkml:trace>
+  </inkml:traceGroup>
+</inkml:ink>
+</file>
+
+<file path=ppt/ink/ink33.xml><?xml version="1.0" encoding="utf-8"?>
+<inkml:ink xmlns:inkml="http://www.w3.org/2003/InkML">
+  <inkml:definitions>
+    <inkml:context xml:id="ctx0">
+      <inkml:inkSource xml:id="inkSrc0">
+        <inkml:traceFormat>
+          <inkml:channel name="X" type="integer" max="1920" units="cm"/>
+          <inkml:channel name="Y" type="integer" max="1080" units="cm"/>
+          <inkml:channel name="T" type="integer" max="2.14748E9" units="dev"/>
+        </inkml:traceFormat>
+        <inkml:channelProperties>
+          <inkml:channelProperty channel="X" name="resolution" value="36.85221" units="1/cm"/>
+          <inkml:channelProperty channel="Y" name="resolution" value="36.86007" units="1/cm"/>
+          <inkml:channelProperty channel="T" name="resolution" value="1" units="1/dev"/>
+        </inkml:channelProperties>
+      </inkml:inkSource>
+      <inkml:timestamp xml:id="ts0" timeString="2021-04-09T08:46:29.897"/>
+    </inkml:context>
+    <inkml:brush xml:id="br0">
+      <inkml:brushProperty name="width" value="0.06667" units="cm"/>
+      <inkml:brushProperty name="height" value="0.06667" units="cm"/>
+      <inkml:brushProperty name="color" value="#ED1C24"/>
+      <inkml:brushProperty name="fitToCurve" value="1"/>
+    </inkml:brush>
+  </inkml:definitions>
+  <inkml:traceGroup>
+    <inkml:annotationXML>
+      <emma:emma xmlns:emma="http://www.w3.org/2003/04/emma" version="1.0">
+        <emma:interpretation id="{AEB6AA31-7425-4236-87F8-73736B7E16CA}" emma:medium="tactile" emma:mode="ink">
+          <msink:context xmlns:msink="http://schemas.microsoft.com/ink/2010/main" type="writingRegion" rotatedBoundingBox="19179,15272 21947,15272 21947,15370 19179,15370"/>
+        </emma:interpretation>
+      </emma:emma>
+    </inkml:annotationXML>
+    <inkml:traceGroup>
+      <inkml:annotationXML>
+        <emma:emma xmlns:emma="http://www.w3.org/2003/04/emma" version="1.0">
+          <emma:interpretation id="{C242DF55-A6F4-4F4E-AF03-63A61220B846}" emma:medium="tactile" emma:mode="ink">
+            <msink:context xmlns:msink="http://schemas.microsoft.com/ink/2010/main" type="paragraph" rotatedBoundingBox="19179,15272 21947,15272 21947,15370 19179,15370" alignmentLevel="1"/>
+          </emma:interpretation>
+        </emma:emma>
+      </inkml:annotationXML>
+      <inkml:traceGroup>
+        <inkml:annotationXML>
+          <emma:emma xmlns:emma="http://www.w3.org/2003/04/emma" version="1.0">
+            <emma:interpretation id="{C095DF29-A2F7-4B3B-A362-DC8947AFB296}" emma:medium="tactile" emma:mode="ink">
+              <msink:context xmlns:msink="http://schemas.microsoft.com/ink/2010/main" type="line" rotatedBoundingBox="19179,15272 21947,15272 21947,15370 19179,15370"/>
+            </emma:interpretation>
+          </emma:emma>
+        </inkml:annotationXML>
+        <inkml:traceGroup>
+          <inkml:annotationXML>
+            <emma:emma xmlns:emma="http://www.w3.org/2003/04/emma" version="1.0">
+              <emma:interpretation id="{E122D4AD-30AB-406B-AED5-A098DAADF163}" emma:medium="tactile" emma:mode="ink">
+                <msink:context xmlns:msink="http://schemas.microsoft.com/ink/2010/main" type="inkWord" rotatedBoundingBox="19179,15272 19407,15272 19407,15287 19179,15287"/>
+              </emma:interpretation>
+              <emma:one-of disjunction-type="recognition" id="oneOf0">
+                <emma:interpretation id="interp0" emma:lang="" emma:confidence="0">
+                  <emma:literal>_</emma:literal>
+                </emma:interpretation>
+                <emma:interpretation id="interp1" emma:lang="" emma:confidence="0">
+                  <emma:literal>.</emma:literal>
+                </emma:interpretation>
+                <emma:interpretation id="interp2" emma:lang="" emma:confidence="0">
+                  <emma:literal>-</emma:literal>
+                </emma:interpretation>
+                <emma:interpretation id="interp3" emma:lang="" emma:confidence="0">
+                  <emma:literal>一</emma:literal>
+                </emma:interpretation>
+                <emma:interpretation id="interp4" emma:lang="" emma:confidence="0">
+                  <emma:literal>ㅡ</emma:literal>
+                </emma:interpretation>
+              </emma:one-of>
+            </emma:emma>
+          </inkml:annotationXML>
+          <inkml:trace contextRef="#ctx0" brushRef="#br0">0 0 0,'33'0'93,"-1"0"-93,1 0 16,0 0 0,-1 0-1,1 0 16,-1 0 1</inkml:trace>
+        </inkml:traceGroup>
+        <inkml:traceGroup>
+          <inkml:annotationXML>
+            <emma:emma xmlns:emma="http://www.w3.org/2003/04/emma" version="1.0">
+              <emma:interpretation id="{1246E5B5-FA7E-4199-A437-AA63766414EE}" emma:medium="tactile" emma:mode="ink">
+                <msink:context xmlns:msink="http://schemas.microsoft.com/ink/2010/main" type="inkWord" rotatedBoundingBox="20775,15272 21947,15272 21947,15370 20775,15370"/>
+              </emma:interpretation>
+              <emma:one-of disjunction-type="recognition" id="oneOf1">
+                <emma:interpretation id="interp5" emma:lang="" emma:confidence="0">
+                  <emma:literal>_</emma:literal>
+                </emma:interpretation>
+                <emma:interpretation id="interp6" emma:lang="" emma:confidence="0">
+                  <emma:literal>ㅡ</emma:literal>
+                </emma:interpretation>
+                <emma:interpretation id="interp7" emma:lang="" emma:confidence="0">
+                  <emma:literal>-</emma:literal>
+                </emma:interpretation>
+                <emma:interpretation id="interp8" emma:lang="" emma:confidence="0">
+                  <emma:literal>一</emma:literal>
+                </emma:interpretation>
+                <emma:interpretation id="interp9" emma:lang="" emma:confidence="0">
+                  <emma:literal>…</emma:literal>
+                </emma:interpretation>
+              </emma:one-of>
+            </emma:emma>
+          </inkml:annotationXML>
+          <inkml:trace contextRef="#ctx0" brushRef="#br0" timeOffset="2960.3671">1596 98 0,'33'0'46,"-1"0"-46,1 0 16,32 0-16,0 0 16,0 0-16,-32-32 15,64 32-15,-64 0 16,97-33-16,-65 33 16,33 0-16,-65 0 15,64-33-15,-64 33 16,-1 0-16,1 0 78,32 0-62,-32 0 15,-1 0 0,1 0 0,-1 0 16</inkml:trace>
+        </inkml:traceGroup>
+      </inkml:traceGroup>
+    </inkml:traceGroup>
+  </inkml:traceGroup>
+</inkml:ink>
+</file>
+
+<file path=ppt/ink/ink34.xml><?xml version="1.0" encoding="utf-8"?>
+<inkml:ink xmlns:inkml="http://www.w3.org/2003/InkML">
+  <inkml:definitions>
+    <inkml:context xml:id="ctx0">
+      <inkml:inkSource xml:id="inkSrc0">
+        <inkml:traceFormat>
+          <inkml:channel name="X" type="integer" max="1920" units="cm"/>
+          <inkml:channel name="Y" type="integer" max="1080" units="cm"/>
+          <inkml:channel name="T" type="integer" max="2.14748E9" units="dev"/>
+        </inkml:traceFormat>
+        <inkml:channelProperties>
+          <inkml:channelProperty channel="X" name="resolution" value="36.85221" units="1/cm"/>
+          <inkml:channelProperty channel="Y" name="resolution" value="36.86007" units="1/cm"/>
+          <inkml:channelProperty channel="T" name="resolution" value="1" units="1/dev"/>
+        </inkml:channelProperties>
+      </inkml:inkSource>
+      <inkml:timestamp xml:id="ts0" timeString="2021-04-09T08:47:39.467"/>
+    </inkml:context>
+    <inkml:brush xml:id="br0">
+      <inkml:brushProperty name="width" value="0.06667" units="cm"/>
+      <inkml:brushProperty name="height" value="0.06667" units="cm"/>
+      <inkml:brushProperty name="color" value="#ED1C24"/>
+      <inkml:brushProperty name="fitToCurve" value="1"/>
+    </inkml:brush>
+  </inkml:definitions>
+  <inkml:traceGroup>
+    <inkml:annotationXML>
+      <emma:emma xmlns:emma="http://www.w3.org/2003/04/emma" version="1.0">
+        <emma:interpretation id="{23EDDAF6-F24E-4579-A975-E34AC93302A3}" emma:medium="tactile" emma:mode="ink">
+          <msink:context xmlns:msink="http://schemas.microsoft.com/ink/2010/main" type="inkDrawing" rotatedBoundingBox="1623,11023 4907,10594 4998,11291 1714,11720" semanticType="callout" shapeName="Other">
+            <msink:sourceLink direction="from" ref="{BCE00E16-FB8B-4D49-8DD1-23AE6A972936}"/>
+            <msink:sourceLink direction="to" ref="{4C66C106-D3D3-42A8-A3F8-1CAF426C9084}"/>
+          </msink:context>
+        </emma:interpretation>
+      </emma:emma>
+    </inkml:annotationXML>
+    <inkml:trace contextRef="#ctx0" brushRef="#br0">1498 490 0,'-163'0'0,"33"0"15,-33 0-15,33 0 16,32 0-16,-65 0 16,65 0-16,33 0 15,33 0-15,-66 0 16,33 0-16,32 0 16,1 0-16,-1 0 15,1 0-15,-33 0 16,32-32-1,0 32 1,1-33 15,32 1 1,0-1-1,0 0-16,32 33-15,66-32 16,-33-1-16,98-32 16,-33 65-16,66-65 15,-33 32 1,-1 1-16,1-1 16,0 1-16,32 32 15,-32 0-15,33 0 16,-1 0-16,-65 0 15,66 0-15,-66 0 16,33 0-16,-66 0 16,34 0-16,-34 0 15,-64 0-15,65 0 16,-66 32-16,1-32 16,-1 0-16,-32 33 15,33-33 1,-33 32-1,0 1 1,0 32 0,-33-32-1,-32 32-15,0-65 16,32 32-16,1-32 16,-66 0-16,66 0 15,-99 66-15,34-66 16,-34 65-1,34-65-15,-34 32 16,-31 1-16,31-1 16,-31 1-16,64-33 15,0 32-15,-65 34 16,66-66-16,32 0 16,-66 0-16,34 32 15,31-32-15,-31 0 16,32 0-16,0 0 15,32 0-15,-32 0 16,32 0-16,1 0 16,-1 0 265,1 0-265,-34 0-1,34 0 1,-1 0-16,1 0 15,-33 0-15,32 0 16,33-32-16,-33 32 16,1 0-16,-1-33 15,-32 33 17,33-33-1,-1 33-16,33-32 1,-32 32 31,32-33-31,-33 1-16,0-1 15,1 1 79,32-1-78</inkml:trace>
+  </inkml:traceGroup>
+</inkml:ink>
+</file>
+
+<file path=ppt/ink/ink35.xml><?xml version="1.0" encoding="utf-8"?>
+<inkml:ink xmlns:inkml="http://www.w3.org/2003/InkML">
+  <inkml:definitions>
+    <inkml:context xml:id="ctx0">
+      <inkml:inkSource xml:id="inkSrc0">
+        <inkml:traceFormat>
+          <inkml:channel name="X" type="integer" max="1920" units="cm"/>
+          <inkml:channel name="Y" type="integer" max="1080" units="cm"/>
+          <inkml:channel name="T" type="integer" max="2.14748E9" units="dev"/>
+        </inkml:traceFormat>
+        <inkml:channelProperties>
+          <inkml:channelProperty channel="X" name="resolution" value="36.85221" units="1/cm"/>
+          <inkml:channelProperty channel="Y" name="resolution" value="36.86007" units="1/cm"/>
+          <inkml:channelProperty channel="T" name="resolution" value="1" units="1/dev"/>
+        </inkml:channelProperties>
+      </inkml:inkSource>
+      <inkml:timestamp xml:id="ts0" timeString="2021-04-09T08:47:43.857"/>
+    </inkml:context>
+    <inkml:brush xml:id="br0">
+      <inkml:brushProperty name="width" value="0.06667" units="cm"/>
+      <inkml:brushProperty name="height" value="0.06667" units="cm"/>
+      <inkml:brushProperty name="color" value="#ED1C24"/>
+      <inkml:brushProperty name="fitToCurve" value="1"/>
+    </inkml:brush>
+  </inkml:definitions>
+  <inkml:traceGroup>
+    <inkml:annotationXML>
+      <emma:emma xmlns:emma="http://www.w3.org/2003/04/emma" version="1.0">
+        <emma:interpretation id="{4C66C106-D3D3-42A8-A3F8-1CAF426C9084}" emma:medium="tactile" emma:mode="ink">
+          <msink:context xmlns:msink="http://schemas.microsoft.com/ink/2010/main" type="inkDrawing" rotatedBoundingBox="547,11218 16411,8299 17892,16349 2028,19268" hotPoints="19731,13172 11044,17441 2050,13865 10737,9596" semanticType="enclosure" shapeName="Ellipse">
+            <msink:sourceLink direction="with" ref="{8E20FC5B-CA45-4DA3-924F-8E2D94A787FB}"/>
+            <msink:sourceLink direction="with" ref="{20E74FA8-B09C-403D-B081-3852A2205C31}"/>
+            <msink:destinationLink direction="to" ref="{23EDDAF6-F24E-4579-A975-E34AC93302A3}"/>
+          </msink:context>
+        </emma:interpretation>
+      </emma:emma>
+    </inkml:annotationXML>
+    <inkml:trace contextRef="#ctx0" brushRef="#br0">0 1857 0,'97'-33'47,"1"33"-31,130-65-16,-65 65 15,65-33 1,65 33-16,32-32 16,34 32-16,-66 0 15,32 0-15,-64 0 16,-1 0-16,-64 0 15,-99 0-15,1 0 16,-33 0-16,-32 0 16,-33-33-16,32 33 62,1 0-31,0-32 1,-1 32-32,1 0 15,-1 0-15,1 0 16,-1 0 0,-32-33 124,0 1-124,0-1-16,0 0 15,0-32-15,0-32 16,0 31-16,0-31 16,0-131-16,-32 32 15,-1-31-15,1-1 16,32 97-16,0 34 16,0 31-16</inkml:trace>
+    <inkml:trace contextRef="#ctx0" brushRef="#br0" timeOffset="-2791.5381">195-3028 0,'0'33'47,"0"64"-32,0 66-15,0 32 16,0 66-16,0 0 16,0-1-16,0 1 15,0-1-15,0-32 16,-65 33-16,32-66 15,33-32-15,-32 65 16,-1-33-16,33 0 16,0 1-16,0-66 15,0 33-15,0 0 16,0-66-16,0 1 16,0 32-1,0-32-15,0 32 16,0-65-16,0 1 15,0-34-15,0 1 16,0-1-16</inkml:trace>
+    <inkml:trace contextRef="#ctx0" brushRef="#br0" timeOffset="94007.9953">1367-3647 0,'33'-32'31,"65"-1"-15,32 1-16,98-34 15,32 1-15,98 0 16,196 33-1,-33-66-15,33 33 16,32 32-16,65-32 16,-65 65-16,-65 0 15,33 0-15,-33 0 16,0 0-16,0-65 16,-65 32-16,0-64 15,-98 64-15,-98 1 16,-32 32-16,-32-65 15,-1 65-15,1 0 16,-66 0-16,65 0 16,-65 0-16,33 0 15,-32 0-15,-66 0 16,65 0-16,-98 0 16,1 0-16,0 0 15,-1 0-15,1 0 16,-1 0-16,1 0 15,-1 0 1,1 0-16,32 0 31,-32 0-15,32 0-16,-33 32 16,66 1-16,32 32 15,-97-65-15,65 65 16,32-33-16,-65 1 15,0 0-15,33 32 16,-66-33-16,1-32 16,32 65-16,0-32 15,-32-33-15,32 65 16,0 0-16,65 0 16,-32 0-16,32 33 15,0 0-15,33-33 16,-98-32-16,98 64 15,-98-32-15,33 1 16,-65-1-16,32 0 16,32 0-16,-31 0 15,31 0-15,-32 0 16,1 66-16,31-34 16,-32 1-16,0 32 15,33 0-15,-33-32 16,0-33-16,1 98 15,-66-130-15,65 32 16,-33 32 0,33 1-16,-32-33 15,-1 33-15,1-33 16,0 33-16,-1-1 16,-32-31-16,0 64 15,33-32-15,-33 32 16,0 33-16,0-66 15,0 1-15,0-33 16,0 33-16,0 0 16,0-33-16,0 32 15,0 1-15,0-33 16,0 65-16,0 1 16,0-66-16,0 33 15,0 32-15,0 0 16,0 0-16,0 1 15,0-34-15,0-32 16,0 33-16,0-65 16,0 64-16,0-64 15,0 65-15,-33-66 16,33 1-16,-32 32 16,-34 0-16,34-65 15,-1 65 1,-64-32-16,64-33 15,-32 65-15,0-33 16,0-32-16,-66 65 16,66-32-16,-32-33 15,-1 33-15,-32-1 16,32-32-16,-32 33 16,32-33-16,-32 32 15,-33-32-15,33 33 16,-33-33-16,33 32 15,-66 1-15,66-33 16,-65 33-16,-1-1 16,33 1-16,1-1 15,-34-32-15,33 33 16,1-1-16,31-32 16,-64 65-16,65-65 15,-66 66-15,1-66 16,32 0-16,-97 65 15,32-65-15,0 65 16,0-65-16,-33 65 16,1-65-16,32 0 15,-33 65 1,1-65-16,-33 0 16,65 0-16,-33 0 15,-64 0-15,-1 0 16,65 0-16,-32 0 15,33 0-15,-1 0 16,33 0-16,-32 0 16,64 0-16,-32 0 15,1 0-15,64 0 16,-33 0-16,34 0 16,-1 0-16,32 0 15,34 0-15,-34 0 16,66 0-16,-32 0 15,32 0-15,-33 0 16,65 0-16,-32 0 16,0 0-16,32 0 15,-32 0-15,33 0 16,-1 0-16,1 0 16,-33 0-16,-1 0 15,1 0-15,0 0 16,33 0-16,-66 0 15,0-32-15,0 32 16,-32 0-16,33-33 16,-34-32-16,34 32 15,31 33 1,-31-32-16,-33 32 16,64-33-16,-64-32 15,65 65-15,-65-33 16,65 1-16,-66-1 15,66 1-15,0 32 16,-33-33-16,66 1 16,-33-1-16,32 33 15,1-32 1,-34 32 0,34-33-16,-1 33 15,1-33 1,-33 33-16,32-32 15,-65-1-15,66 1 16,-33 32-16,-33-65 16,33 32-16,32 33 15,1 0-15,-1 0 16,1-33 31,-1 33-32,0 0 1,-32-32-16,0-1 16,0 1-16,33 32 15,-34 0-15,34 0 16,-1 0-16,-32-33 16,33 33-1,32-32 32,-33 32-31,33-33 31</inkml:trace>
+  </inkml:traceGroup>
+</inkml:ink>
+</file>
+
+<file path=ppt/ink/ink36.xml><?xml version="1.0" encoding="utf-8"?>
+<inkml:ink xmlns:inkml="http://www.w3.org/2003/InkML">
+  <inkml:definitions>
+    <inkml:context xml:id="ctx0">
+      <inkml:inkSource xml:id="inkSrc0">
+        <inkml:traceFormat>
+          <inkml:channel name="X" type="integer" max="1920" units="cm"/>
+          <inkml:channel name="Y" type="integer" max="1080" units="cm"/>
+          <inkml:channel name="T" type="integer" max="2.14748E9" units="dev"/>
+        </inkml:traceFormat>
+        <inkml:channelProperties>
+          <inkml:channelProperty channel="X" name="resolution" value="36.85221" units="1/cm"/>
+          <inkml:channelProperty channel="Y" name="resolution" value="36.86007" units="1/cm"/>
+          <inkml:channelProperty channel="T" name="resolution" value="1" units="1/dev"/>
+        </inkml:channelProperties>
+      </inkml:inkSource>
+      <inkml:timestamp xml:id="ts0" timeString="2021-04-09T08:47:42.409"/>
+    </inkml:context>
+    <inkml:brush xml:id="br0">
+      <inkml:brushProperty name="width" value="0.06667" units="cm"/>
+      <inkml:brushProperty name="height" value="0.06667" units="cm"/>
+      <inkml:brushProperty name="color" value="#ED1C24"/>
+      <inkml:brushProperty name="fitToCurve" value="1"/>
+    </inkml:brush>
+  </inkml:definitions>
+  <inkml:traceGroup>
+    <inkml:annotationXML>
+      <emma:emma xmlns:emma="http://www.w3.org/2003/04/emma" version="1.0">
+        <emma:interpretation id="{BCE00E16-FB8B-4D49-8DD1-23AE6A972936}" emma:medium="tactile" emma:mode="ink">
+          <msink:context xmlns:msink="http://schemas.microsoft.com/ink/2010/main" type="inkDrawing" rotatedBoundingBox="5083,11006 5111,15207 5072,15207 5044,11007" semanticType="callout" shapeName="Line">
+            <msink:destinationLink direction="from" ref="{23EDDAF6-F24E-4579-A975-E34AC93302A3}"/>
+          </msink:context>
+        </emma:interpretation>
+      </emma:emma>
+    </inkml:annotationXML>
+    <inkml:trace contextRef="#ctx0" brushRef="#br0">106 0 0,'0'65'47,"0"65"-47,0 65 16,32 33-16,-32 33 15,0 32-15,0-33 16,0 1303 31,0-1367-31,0-33-16,0-33 15,0 33-15,0-98 16,0 33-16,0-33 15,0 0-15,0 0 16,0 0-16,0-32 16,0-1-16,33 33 15</inkml:trace>
+  </inkml:traceGroup>
+</inkml:ink>
+</file>
+
+<file path=ppt/ink/ink37.xml><?xml version="1.0" encoding="utf-8"?>
+<inkml:ink xmlns:inkml="http://www.w3.org/2003/InkML">
+  <inkml:definitions>
+    <inkml:context xml:id="ctx0">
+      <inkml:inkSource xml:id="inkSrc0">
+        <inkml:traceFormat>
+          <inkml:channel name="X" type="integer" max="1920" units="cm"/>
+          <inkml:channel name="Y" type="integer" max="1080" units="cm"/>
+          <inkml:channel name="T" type="integer" max="2.14748E9" units="dev"/>
+        </inkml:traceFormat>
+        <inkml:channelProperties>
+          <inkml:channelProperty channel="X" name="resolution" value="36.85221" units="1/cm"/>
+          <inkml:channelProperty channel="Y" name="resolution" value="36.86007" units="1/cm"/>
+          <inkml:channelProperty channel="T" name="resolution" value="1" units="1/dev"/>
+        </inkml:channelProperties>
+      </inkml:inkSource>
+      <inkml:timestamp xml:id="ts0" timeString="2021-04-09T08:48:30.377"/>
+    </inkml:context>
+    <inkml:brush xml:id="br0">
+      <inkml:brushProperty name="width" value="0.06667" units="cm"/>
+      <inkml:brushProperty name="height" value="0.06667" units="cm"/>
+      <inkml:brushProperty name="color" value="#ED1C24"/>
+      <inkml:brushProperty name="fitToCurve" value="1"/>
+    </inkml:brush>
+  </inkml:definitions>
+  <inkml:traceGroup>
+    <inkml:annotationXML>
+      <emma:emma xmlns:emma="http://www.w3.org/2003/04/emma" version="1.0">
+        <emma:interpretation id="{20E74FA8-B09C-403D-B081-3852A2205C31}" emma:medium="tactile" emma:mode="ink">
+          <msink:context xmlns:msink="http://schemas.microsoft.com/ink/2010/main" type="writingRegion" rotatedBoundingBox="3484,11760 3471,15342 2039,15337 2052,11755">
+            <msink:destinationLink direction="with" ref="{4C66C106-D3D3-42A8-A3F8-1CAF426C9084}"/>
+          </msink:context>
+        </emma:interpretation>
+      </emma:emma>
+    </inkml:annotationXML>
+    <inkml:traceGroup>
+      <inkml:annotationXML>
+        <emma:emma xmlns:emma="http://www.w3.org/2003/04/emma" version="1.0">
+          <emma:interpretation id="{1AAE8DDF-067A-4A1A-B9AF-145AEEB3961B}" emma:medium="tactile" emma:mode="ink">
+            <msink:context xmlns:msink="http://schemas.microsoft.com/ink/2010/main" type="paragraph" rotatedBoundingBox="3484,11760 3471,15342 2039,15337 2052,11755" alignmentLevel="1"/>
+          </emma:interpretation>
+        </emma:emma>
+      </inkml:annotationXML>
+      <inkml:traceGroup>
+        <inkml:annotationXML>
+          <emma:emma xmlns:emma="http://www.w3.org/2003/04/emma" version="1.0">
+            <emma:interpretation id="{0AFCBB81-3DE5-445F-8706-7AEE1E7ADF01}" emma:medium="tactile" emma:mode="ink">
+              <msink:context xmlns:msink="http://schemas.microsoft.com/ink/2010/main" type="line" rotatedBoundingBox="3484,11760 3471,15342 2039,15337 2052,11755"/>
+            </emma:interpretation>
+          </emma:emma>
+        </inkml:annotationXML>
+        <inkml:traceGroup>
+          <inkml:annotationXML>
+            <emma:emma xmlns:emma="http://www.w3.org/2003/04/emma" version="1.0">
+              <emma:interpretation id="{06450084-B9E8-45AC-A315-3CC52D741148}" emma:medium="tactile" emma:mode="ink">
+                <msink:context xmlns:msink="http://schemas.microsoft.com/ink/2010/main" type="inkWord" rotatedBoundingBox="2079,11750 3131,11840 3082,12411 2030,12321"/>
+              </emma:interpretation>
+              <emma:one-of disjunction-type="recognition" id="oneOf0">
+                <emma:interpretation id="interp0" emma:lang="" emma:confidence="1">
+                  <emma:literal/>
+                </emma:interpretation>
+              </emma:one-of>
+            </emma:emma>
+          </inkml:annotationXML>
+          <inkml:trace contextRef="#ctx0" brushRef="#br0">618-180 0,'-32'32'125,"32"1"-109,0-1 0,0 1-16,0 0 15,0-1 1,32-32 0,-32 33-1,33-33 1,0 32-1,-1-32-15,1 0 47,-33-32-15,0-1-17,0 1 1,0-1-1,0 0-15,-33 1 32,1-1-17,-1 33 17</inkml:trace>
+          <inkml:trace contextRef="#ctx0" brushRef="#br0" timeOffset="-1847.1759">32-310 0,'0'32'47,"0"33"-47,0-32 15,0-1-15,0 33 16,0-32 0,0 0-16,0-1 31,0-64 172,33 32-172,-33 32 94,0 1-78,0-1-31,-33-32 15,1 0-15,-1 0 30,1 0 33,32-32-48,0-1-16,32 1 1,1 32 0,-1 0-1,-32-33 1,33 33 0,-1 0-1,-32-33-15,33 33 16,0 0 15,-1 0 16,1 0-31,-1 0 46,1 0-31,-33 33-15,32-33 0,-32 33-1,0-1 1,-32-32 15,-1 0-31,-32 0 31,33 0-15,-1 0 15,0 0 16,1 0 16</inkml:trace>
+          <inkml:trace contextRef="#ctx0" brushRef="#br0" timeOffset="888.5979">781-245 0,'0'65'16,"0"0"-16,33-33 16,-33 34-16,0-1 15,32 0-15,-32-33 16,0 1 0,0 0-16,0-1 15,33 1-15,-33-1 16,33 1-16,-33-261 140,0 195-124,0 1 0,0-1-1,0-32 1,32 32 15,1 1-15,-1-1 15</inkml:trace>
+        </inkml:traceGroup>
+        <inkml:traceGroup>
+          <inkml:annotationXML>
+            <emma:emma xmlns:emma="http://www.w3.org/2003/04/emma" version="1.0">
+              <emma:interpretation id="{223199B9-A356-4F3C-9E19-5260F5B22DA6}" emma:medium="tactile" emma:mode="ink">
+                <msink:context xmlns:msink="http://schemas.microsoft.com/ink/2010/main" type="inkWord" rotatedBoundingBox="3483,11918 3482,12146 3320,12145 3321,11917"/>
+              </emma:interpretation>
+              <emma:one-of disjunction-type="recognition" id="oneOf1">
+                <emma:interpretation id="interp1" emma:lang="" emma:confidence="0">
+                  <emma:literal>V</emma:literal>
+                </emma:interpretation>
+                <emma:interpretation id="interp2" emma:lang="" emma:confidence="0">
+                  <emma:literal>~</emma:literal>
+                </emma:interpretation>
+                <emma:interpretation id="interp3" emma:lang="" emma:confidence="0">
+                  <emma:literal>U</emma:literal>
+                </emma:interpretation>
+                <emma:interpretation id="interp4" emma:lang="" emma:confidence="0">
+                  <emma:literal>Ⅴ</emma:literal>
+                </emma:interpretation>
+                <emma:interpretation id="interp5" emma:lang="" emma:confidence="0">
+                  <emma:literal>W</emma:literal>
+                </emma:interpretation>
+              </emma:one-of>
+            </emma:emma>
+          </inkml:annotationXML>
+          <inkml:trace contextRef="#ctx0" brushRef="#br0" timeOffset="94576.1527">1302-148 0,'0'33'93,"-32"-33"-77,32 32-16,-33 1 16,33 0-1,-32-33 1,32 32 171,32 1-171,1-33 0,-1 32-1,1-32-15,-1 0 16</inkml:trace>
+        </inkml:traceGroup>
+        <inkml:traceGroup>
+          <inkml:annotationXML>
+            <emma:emma xmlns:emma="http://www.w3.org/2003/04/emma" version="1.0">
+              <emma:interpretation id="{CC834A5F-42D0-4ED3-B23D-890C4BFCA52C}" emma:medium="tactile" emma:mode="ink">
+                <msink:context xmlns:msink="http://schemas.microsoft.com/ink/2010/main" type="inkWord" rotatedBoundingBox="3192,11920 3189,12670 2049,12666 2052,11915"/>
+              </emma:interpretation>
+              <emma:one-of disjunction-type="recognition" id="oneOf2">
+                <emma:interpretation id="interp6" emma:lang="" emma:confidence="1">
+                  <emma:literal/>
+                </emma:interpretation>
+              </emma:one-of>
+            </emma:emma>
+          </inkml:annotationXML>
+          <inkml:trace contextRef="#ctx0" brushRef="#br0" timeOffset="-21103.7814">-65 178 0,'32'0'47,"-32"33"-31,33-1-16,-33 1 15,0-1 1,0 1 0</inkml:trace>
+          <inkml:trace contextRef="#ctx0" brushRef="#br0" timeOffset="-759.6304">521-115 0,'-33'-33'16,"1"33"30,-1 0-14,1 0-17,-1 0 1,0 0 0,1 0-16,-1 0 31,33 33 16,0-1-47,0 1 15,33 0 1,-1-33 0,1 0-1,0 32-15,-1-32 16,-32 33-1,33-33-15,-1 0 16,1 0 47,-33-131-1,0 99-46,-33 32-1,33-33 1,-32 33 15</inkml:trace>
+          <inkml:trace contextRef="#ctx0" brushRef="#br0" timeOffset="-19695.0619">0 113 0,'0'-33'47,"32"33"-47,1 0 16,-1 0-1,34-32-15,-1 32 16,-33 0-16,66-33 16,-33 33-16,33 0 15,-66 0-15,33 0 16,1 0-16,-1 0 16,-33 0-1,1 0 48,-1 0-48,1 0 1,32 0 0,0 0-1,-32 0 1,-1 0 109,-32 33-110,0 32-15,0-33 16,0 34-16,0-1 16,0 0-16,0-33 15,0 1-15,0 32 16,-32 0-16,32-32 16,0-1 46,-33-32-31,1 0-31,-1 0 16,1 0-16,-1 0 16,-293 0 46,294 0-62,-1 0 16,1 0-16,-33 0 15,32 0 1,-32 0 0,32 0-1,1 0 1,-1 0-16,1 0 15,-1 0-15,0 0 16,1 0 31,-1 0-16,33-32 125,0-1-140,0-32-16,0 33 16,0-1-16,0 0 15,0-32-15</inkml:trace>
+          <inkml:trace contextRef="#ctx0" brushRef="#br0" timeOffset="1184.2681">912 48 0,'0'32'0,"32"1"16,-32-1-16,0 1 16,65 0-16,-65-1 15,0 1-15,33-1 16,-33 1-1,32-1 1</inkml:trace>
+        </inkml:traceGroup>
+        <inkml:traceGroup>
+          <inkml:annotationXML>
+            <emma:emma xmlns:emma="http://www.w3.org/2003/04/emma" version="1.0">
+              <emma:interpretation id="{A8D32A49-4A49-4BE5-8320-F018C8AD6D8E}" emma:medium="tactile" emma:mode="ink">
+                <msink:context xmlns:msink="http://schemas.microsoft.com/ink/2010/main" type="inkWord" rotatedBoundingBox="3160,13384 3157,14038 2100,14034 2102,13380"/>
+              </emma:interpretation>
+              <emma:one-of disjunction-type="recognition" id="oneOf3">
+                <emma:interpretation id="interp7" emma:lang="" emma:confidence="1">
+                  <emma:literal/>
+                </emma:interpretation>
+              </emma:one-of>
+            </emma:emma>
+          </inkml:annotationXML>
+          <inkml:trace contextRef="#ctx0" brushRef="#br0" timeOffset="-17551.514">0 1318 0,'32'0'47,"1"0"-32,-1 0-15,34 0 16,-34 0-16,33 0 16,0 0-16,1 0 15,-1 0-15,0 0 16,32 0-16,1 0 16,-33 0-16,-32 0 15,-1 0-15,1 0 16,0 0 46,-1 0 32,1 0-78,-1 0 15,-32 32 47,0 33-62,0 1-1,0-34-15,0 1 16,0 32 0,0-33-16,0 131 78,0-130-78,33-33 31,-33 32-15,-65-32 93,32 0-93,1 0-16,-1 0 15,-32 0-15,32 0 16,-32 0-16,33 0 15,-34 0-15,1 0 16,33 0-16,-33 0 16,32 0-16,1 0 15,-34 0-15,34 0 16,-1 0 0,1 33-1,-1-33 32,1 0-47,-1 0 16,0 32-1,1-32 1,-1 0 0,1 33-1</inkml:trace>
+          <inkml:trace contextRef="#ctx0" brushRef="#br0" timeOffset="-18935.8223">32 1318 0,'0'65'47,"0"0"-47,0-32 16,0 32-16,0-33 15,0 1-15,0 32 16,0-32-1,0-1 1</inkml:trace>
+          <inkml:trace contextRef="#ctx0" brushRef="#br0" timeOffset="-17166.5925">0 1969 0,'0'-33'62,"0"1"-62,0-1 16,0 1-16,0-1 16,0 1-16,0-1 15,0 1-15,0-1 16,0 0 0</inkml:trace>
+        </inkml:traceGroup>
+        <inkml:traceGroup>
+          <inkml:annotationXML>
+            <emma:emma xmlns:emma="http://www.w3.org/2003/04/emma" version="1.0">
+              <emma:interpretation id="{5F182E29-03B5-45AF-8D43-F04F6C54135E}" emma:medium="tactile" emma:mode="ink">
+                <msink:context xmlns:msink="http://schemas.microsoft.com/ink/2010/main" type="inkWord" rotatedBoundingBox="3290,14589 3287,15341 2145,15337 2148,14585"/>
+              </emma:interpretation>
+              <emma:one-of disjunction-type="recognition" id="oneOf4">
+                <emma:interpretation id="interp8" emma:lang="" emma:confidence="1">
+                  <emma:literal/>
+                </emma:interpretation>
+              </emma:one-of>
+            </emma:emma>
+          </inkml:annotationXML>
+          <inkml:trace contextRef="#ctx0" brushRef="#br0" timeOffset="-14215.1528">32 2555 0,'0'-32'63,"65"32"-47,1 0-1,-34 0-15,33 0 16,0 0-16,1 0 15,-1 0-15,0 0 16,0 0-16,0 0 16,-32 0-16,32 0 15,-33 0-15,1 0 16,-1 0 15,1 0-15,0 0-1,-1 0 79,1 0-78,-1 0-16,1 0 15,-1 130 235,1-65-234,-33-32-16,0 32 16,0-33-1,0 33-15,0-32 16,0 0-16,32-1 16,-32 33-16,0-32 15,0-1-15,0 1 16,33-1-16,-33 1 15,0 0 17,-33-33 124,-32 0-140,33 0-1,-33 0-15,0 0 16,32 0-1,-32 0-15,-33 0 16,66 0 0,-1 0-16,-32 0 15,32 0 1,1 0-16,-1 0 16,1 0-1,-1 0-15,1 0 16,-34 0-16,34 0 15,-33 0-15,32 0 16,1 0-16,-1 0 16,0 0 218,33-33-218,0-32-1,0 32-15,0-32 16,0 33-16,0-33 16,0 32-16,0 0 15,0-32-15,0 33 16,0-1-1,0 1 1,0-1 0</inkml:trace>
+          <inkml:trace contextRef="#ctx0" brushRef="#br0" timeOffset="-16103.3379">32 2718 0,'0'33'15,"0"-1"1,0 1-1,0-1-15,0 33 16,33-65-16,-33 33 16,0 0-1,0-1 17</inkml:trace>
+        </inkml:traceGroup>
+      </inkml:traceGroup>
+    </inkml:traceGroup>
+  </inkml:traceGroup>
+</inkml:ink>
+</file>
+
+<file path=ppt/ink/ink38.xml><?xml version="1.0" encoding="utf-8"?>
+<inkml:ink xmlns:inkml="http://www.w3.org/2003/InkML">
+  <inkml:definitions>
+    <inkml:context xml:id="ctx0">
+      <inkml:inkSource xml:id="inkSrc0">
+        <inkml:traceFormat>
+          <inkml:channel name="X" type="integer" max="1920" units="cm"/>
+          <inkml:channel name="Y" type="integer" max="1080" units="cm"/>
+          <inkml:channel name="T" type="integer" max="2.14748E9" units="dev"/>
+        </inkml:traceFormat>
+        <inkml:channelProperties>
+          <inkml:channelProperty channel="X" name="resolution" value="36.85221" units="1/cm"/>
+          <inkml:channelProperty channel="Y" name="resolution" value="36.86007" units="1/cm"/>
+          <inkml:channelProperty channel="T" name="resolution" value="1" units="1/dev"/>
+        </inkml:channelProperties>
+      </inkml:inkSource>
+      <inkml:timestamp xml:id="ts0" timeString="2021-04-09T08:49:06.586"/>
+    </inkml:context>
+    <inkml:brush xml:id="br0">
+      <inkml:brushProperty name="width" value="0.06667" units="cm"/>
+      <inkml:brushProperty name="height" value="0.06667" units="cm"/>
+      <inkml:brushProperty name="color" value="#ED1C24"/>
+      <inkml:brushProperty name="fitToCurve" value="1"/>
+    </inkml:brush>
+  </inkml:definitions>
+  <inkml:traceGroup>
+    <inkml:annotationXML>
+      <emma:emma xmlns:emma="http://www.w3.org/2003/04/emma" version="1.0">
+        <emma:interpretation id="{3C6094C3-9AF4-40AA-8828-A15CEDCE9EDA}" emma:medium="tactile" emma:mode="ink">
+          <msink:context xmlns:msink="http://schemas.microsoft.com/ink/2010/main" type="inkDrawing"/>
+        </emma:interpretation>
+      </emma:emma>
+    </inkml:annotationXML>
+    <inkml:trace contextRef="#ctx0" brushRef="#br0">0 0 0</inkml:trace>
+  </inkml:traceGroup>
+</inkml:ink>
+</file>
+
+<file path=ppt/ink/ink39.xml><?xml version="1.0" encoding="utf-8"?>
+<inkml:ink xmlns:inkml="http://www.w3.org/2003/InkML">
+  <inkml:definitions>
+    <inkml:context xml:id="ctx0">
+      <inkml:inkSource xml:id="inkSrc0">
+        <inkml:traceFormat>
+          <inkml:channel name="X" type="integer" max="1920" units="cm"/>
+          <inkml:channel name="Y" type="integer" max="1080" units="cm"/>
+          <inkml:channel name="T" type="integer" max="2.14748E9" units="dev"/>
+        </inkml:traceFormat>
+        <inkml:channelProperties>
+          <inkml:channelProperty channel="X" name="resolution" value="36.85221" units="1/cm"/>
+          <inkml:channelProperty channel="Y" name="resolution" value="36.86007" units="1/cm"/>
+          <inkml:channelProperty channel="T" name="resolution" value="1" units="1/dev"/>
+        </inkml:channelProperties>
+      </inkml:inkSource>
+      <inkml:timestamp xml:id="ts0" timeString="2021-04-09T08:49:08.401"/>
+    </inkml:context>
+    <inkml:brush xml:id="br0">
+      <inkml:brushProperty name="width" value="0.06667" units="cm"/>
+      <inkml:brushProperty name="height" value="0.06667" units="cm"/>
+      <inkml:brushProperty name="color" value="#ED1C24"/>
+      <inkml:brushProperty name="fitToCurve" value="1"/>
+    </inkml:brush>
+  </inkml:definitions>
+  <inkml:traceGroup>
+    <inkml:annotationXML>
+      <emma:emma xmlns:emma="http://www.w3.org/2003/04/emma" version="1.0">
+        <emma:interpretation id="{7E8F46A5-8F3C-44D8-96DC-27023FF76376}" emma:medium="tactile" emma:mode="ink">
+          <msink:context xmlns:msink="http://schemas.microsoft.com/ink/2010/main" type="inkDrawing"/>
+        </emma:interpretation>
+      </emma:emma>
+    </inkml:annotationXML>
+    <inkml:trace contextRef="#ctx0" brushRef="#br0">0 0 0,'33'0'16,"-1"0"0,1 0-1,-1 0 17,1 0-32</inkml:trace>
+  </inkml:traceGroup>
+</inkml:ink>
+</file>
+
+<file path=ppt/ink/ink4.xml><?xml version="1.0" encoding="utf-8"?>
+<inkml:ink xmlns:inkml="http://www.w3.org/2003/InkML">
+  <inkml:definitions>
+    <inkml:context xml:id="ctx0">
+      <inkml:inkSource xml:id="inkSrc0">
+        <inkml:traceFormat>
+          <inkml:channel name="X" type="integer" max="1920" units="cm"/>
+          <inkml:channel name="Y" type="integer" max="1080" units="cm"/>
+          <inkml:channel name="T" type="integer" max="2.14748E9" units="dev"/>
+        </inkml:traceFormat>
+        <inkml:channelProperties>
+          <inkml:channelProperty channel="X" name="resolution" value="36.85221" units="1/cm"/>
+          <inkml:channelProperty channel="Y" name="resolution" value="36.86007" units="1/cm"/>
+          <inkml:channelProperty channel="T" name="resolution" value="1" units="1/dev"/>
+        </inkml:channelProperties>
+      </inkml:inkSource>
+      <inkml:timestamp xml:id="ts0" timeString="2021-04-09T08:00:58.865"/>
+    </inkml:context>
+    <inkml:brush xml:id="br0">
+      <inkml:brushProperty name="width" value="0.06667" units="cm"/>
+      <inkml:brushProperty name="height" value="0.06667" units="cm"/>
+      <inkml:brushProperty name="color" value="#ED1C24"/>
+      <inkml:brushProperty name="fitToCurve" value="1"/>
+    </inkml:brush>
+  </inkml:definitions>
+  <inkml:traceGroup>
+    <inkml:annotationXML>
+      <emma:emma xmlns:emma="http://www.w3.org/2003/04/emma" version="1.0">
+        <emma:interpretation id="{DB8D974D-E40C-480F-8474-444D03E58851}" emma:medium="tactile" emma:mode="ink">
+          <msink:context xmlns:msink="http://schemas.microsoft.com/ink/2010/main" type="writingRegion" rotatedBoundingBox="5878,11028 9319,9366 9873,10512 6431,12174"/>
+        </emma:interpretation>
+      </emma:emma>
+    </inkml:annotationXML>
+    <inkml:traceGroup>
+      <inkml:annotationXML>
+        <emma:emma xmlns:emma="http://www.w3.org/2003/04/emma" version="1.0">
+          <emma:interpretation id="{D99A2200-10B4-4299-9975-4C9578D08296}" emma:medium="tactile" emma:mode="ink">
+            <msink:context xmlns:msink="http://schemas.microsoft.com/ink/2010/main" type="paragraph" rotatedBoundingBox="5878,11028 9319,9366 9873,10512 6431,12174" alignmentLevel="1"/>
+          </emma:interpretation>
+        </emma:emma>
+      </inkml:annotationXML>
+      <inkml:traceGroup>
+        <inkml:annotationXML>
+          <emma:emma xmlns:emma="http://www.w3.org/2003/04/emma" version="1.0">
+            <emma:interpretation id="{9535AD7B-CA4F-4D03-AB75-9C885B2A6496}" emma:medium="tactile" emma:mode="ink">
+              <msink:context xmlns:msink="http://schemas.microsoft.com/ink/2010/main" type="line" rotatedBoundingBox="5878,11028 9319,9366 9873,10512 6431,12174"/>
+            </emma:interpretation>
+          </emma:emma>
+        </inkml:annotationXML>
+        <inkml:traceGroup>
+          <inkml:annotationXML>
+            <emma:emma xmlns:emma="http://www.w3.org/2003/04/emma" version="1.0">
+              <emma:interpretation id="{951E64AA-3B56-4316-A3F4-CD49028E91B4}" emma:medium="tactile" emma:mode="ink">
+                <msink:context xmlns:msink="http://schemas.microsoft.com/ink/2010/main" type="inkWord" rotatedBoundingBox="5878,11028 9319,9366 9873,10512 6431,12174"/>
+              </emma:interpretation>
+              <emma:one-of disjunction-type="recognition" id="oneOf0">
+                <emma:interpretation id="interp0" emma:lang="" emma:confidence="1">
+                  <emma:literal/>
+                </emma:interpretation>
+              </emma:one-of>
+            </emma:emma>
+          </inkml:annotationXML>
+          <inkml:trace contextRef="#ctx0" brushRef="#br0">1276 200 0,'0'-33'15,"0"1"-15,0-1 16,65 0-16,-32-32 16,32 0-16,0 33 15,0-34-15,0 34 16,-32-1-16,-33 1 16,32 32-16</inkml:trace>
+          <inkml:trace contextRef="#ctx0" brushRef="#br0" timeOffset="319.5263">1504 265 0,'33'0'47,"32"-98"-47,-33 33 16,1 32-16,-1 1 15,1-1-15,32 1 16,-65-1 0,33 33-1</inkml:trace>
+          <inkml:trace contextRef="#ctx0" brushRef="#br0" timeOffset="-559.7563">755 753 0,'0'33'31,"-33"-33"-31,1 0 32,-1 0-1,1 0-16,-1 0 1,-32 0 0,32 0-16,1 0 15,-1 0-15,-32 0 32,33-33-32,-1 1 15,1 32-15,-1 0 16,0-33-1,1 1 1,-1 32-16,-32-33 16,65 0-1,-32 33-15,32-65 32,-33 65-17,33-32 1,0-33-1,33 32 1,-1 1-16,-32-1 16,33 0-16,-33 1 15,65-1-15,-33 1 16,1-1 0,0 1-1,-33-1 1,32 33-16,1-65 31,-1 32-15,1 33-16,-1 0 15,33 0 1,-32 0 0,0 0-1,32 0 1,0 0-1,0 33 1,-32-33-16,-1 65 16,66-32-16,-66-1 15,33 1-15,-32-1 16,0 33 0,-1-32-16,1 0 15,-33-1 16,32-32-31,-32 33 16,0 32 0,0-33-1,0 1 1,0-1 0,0 1-16,0 0 15,0-1 1,0 1-16,0-1 15,0 1 1,0-1-16,0 1 16,-32 0-1,-1-1 1,33 1 0,-65-33-1,65 32-15,-33-32 16,-32 33-1,33-33 1,-1 0 0,1 32-16,-1-32 15,1 0-15,-1 0 16,0 0 0,1 0-16,-1 0 15,-32 0 1,33 0-1,-1 0 1,33-32 0,-33-1-16,33 1 15</inkml:trace>
+          <inkml:trace contextRef="#ctx0" brushRef="#br0" timeOffset="1487.813">1862-810 0,'-32'0'15,"-1"33"79,33-1-78,0 1-1,0-1-15,0 1 16,0 0 0,0-1-1,0 1-15,0-1 16,33-32-1,-1 33-15,1-1 16,-1-32 0,1 0 15,-1 33-15,1-33-1,0 0 1,-1 0 31,1 0-47</inkml:trace>
+          <inkml:trace contextRef="#ctx0" brushRef="#br0" timeOffset="1871.7825">2220-842 0,'0'97'31,"0"-64"-15,0 65 0,0-33-16,0-33 15,0 1-15,0-1 16</inkml:trace>
+          <inkml:trace contextRef="#ctx0" brushRef="#br0" timeOffset="2935.9189">2448-647 0,'-32'0'110,"32"65"-79,0-32-15,0-1-1,0 1 1,0-1 0,32 1-1,1 0 1,-1-66 46,1-32-46,-33 32-16,0 1 16,0-1-16,0-32 15,0 32 1,0 66 109,0 0-110,33-1-15,-33 1 16,32-33 15,-32 32-31,33-32 32</inkml:trace>
+          <inkml:trace contextRef="#ctx0" brushRef="#br0" timeOffset="4152.0949">3100-777 0,'-33'-33'15,"0"33"1,1 0 15,-1 0 16,1 0-31,-1 0-1,33 33 110,0-1-109,0 1 0,0-1-1,0 1 1,33-33 31,-1 0-16,1 0-15,-1 0-1,1 0 16,-33 33 1,33-1 15,-33 1-32,0-1 48,-33-32-16,0 0-16,1 0 16</inkml:trace>
+          <inkml:trace contextRef="#ctx0" brushRef="#br0" timeOffset="5543.7767">3653-712 0,'-32'0'32,"-1"0"-32,0 0 31,1 0-16,-1 0 1,1 0-16,-1 0 16,1 0-16,-1 0 15,1 0 1,-1 0 31,33 32 31,33 1-78,-33 0 16,32-33-1,-32 32 1,33-32 15,-1 0 16,1 0-16,-33 33-15,32-33-1,1 0 1,-1 0 0,-32 32 124,0 1-124,-32-1 15,32 1 0,-33-33 1,1 0-17,-1 0 1,1 0 15,-1 0 0,1 0 1</inkml:trace>
+        </inkml:traceGroup>
+      </inkml:traceGroup>
+    </inkml:traceGroup>
+  </inkml:traceGroup>
+</inkml:ink>
+</file>
+
+<file path=ppt/ink/ink40.xml><?xml version="1.0" encoding="utf-8"?>
+<inkml:ink xmlns:inkml="http://www.w3.org/2003/InkML">
+  <inkml:definitions>
+    <inkml:context xml:id="ctx0">
+      <inkml:inkSource xml:id="inkSrc0">
+        <inkml:traceFormat>
+          <inkml:channel name="X" type="integer" max="1920" units="cm"/>
+          <inkml:channel name="Y" type="integer" max="1080" units="cm"/>
+          <inkml:channel name="T" type="integer" max="2.14748E9" units="dev"/>
+        </inkml:traceFormat>
+        <inkml:channelProperties>
+          <inkml:channelProperty channel="X" name="resolution" value="36.85221" units="1/cm"/>
+          <inkml:channelProperty channel="Y" name="resolution" value="36.86007" units="1/cm"/>
+          <inkml:channelProperty channel="T" name="resolution" value="1" units="1/dev"/>
+        </inkml:channelProperties>
+      </inkml:inkSource>
+      <inkml:timestamp xml:id="ts0" timeString="2021-04-09T08:49:08.721"/>
+    </inkml:context>
+    <inkml:brush xml:id="br0">
+      <inkml:brushProperty name="width" value="0.06667" units="cm"/>
+      <inkml:brushProperty name="height" value="0.06667" units="cm"/>
+      <inkml:brushProperty name="color" value="#ED1C24"/>
+      <inkml:brushProperty name="fitToCurve" value="1"/>
+    </inkml:brush>
+  </inkml:definitions>
+  <inkml:traceGroup>
+    <inkml:annotationXML>
+      <emma:emma xmlns:emma="http://www.w3.org/2003/04/emma" version="1.0">
+        <emma:interpretation id="{D3D7A084-3312-4E3F-B943-1011E8587521}" emma:medium="tactile" emma:mode="ink">
+          <msink:context xmlns:msink="http://schemas.microsoft.com/ink/2010/main" type="inkDrawing"/>
+        </emma:interpretation>
+      </emma:emma>
+    </inkml:annotationXML>
+    <inkml:trace contextRef="#ctx0" brushRef="#br0">0 0 0,'0'97'0,"33"-31"15,-33 31-15,0 1 16,0-33-16,0 0 15,33-32 1,-33 32-16,32-33 16,-32 1-1</inkml:trace>
+  </inkml:traceGroup>
+</inkml:ink>
+</file>
+
+<file path=ppt/ink/ink41.xml><?xml version="1.0" encoding="utf-8"?>
+<inkml:ink xmlns:inkml="http://www.w3.org/2003/InkML">
+  <inkml:definitions>
+    <inkml:context xml:id="ctx0">
+      <inkml:inkSource xml:id="inkSrc0">
+        <inkml:traceFormat>
+          <inkml:channel name="X" type="integer" max="1920" units="cm"/>
+          <inkml:channel name="Y" type="integer" max="1080" units="cm"/>
+          <inkml:channel name="T" type="integer" max="2.14748E9" units="dev"/>
+        </inkml:traceFormat>
+        <inkml:channelProperties>
+          <inkml:channelProperty channel="X" name="resolution" value="36.85221" units="1/cm"/>
+          <inkml:channelProperty channel="Y" name="resolution" value="36.86007" units="1/cm"/>
+          <inkml:channelProperty channel="T" name="resolution" value="1" units="1/dev"/>
+        </inkml:channelProperties>
+      </inkml:inkSource>
+      <inkml:timestamp xml:id="ts0" timeString="2021-04-09T08:49:09.049"/>
+    </inkml:context>
+    <inkml:brush xml:id="br0">
+      <inkml:brushProperty name="width" value="0.06667" units="cm"/>
+      <inkml:brushProperty name="height" value="0.06667" units="cm"/>
+      <inkml:brushProperty name="color" value="#ED1C24"/>
+      <inkml:brushProperty name="fitToCurve" value="1"/>
+    </inkml:brush>
+  </inkml:definitions>
+  <inkml:traceGroup>
+    <inkml:annotationXML>
+      <emma:emma xmlns:emma="http://www.w3.org/2003/04/emma" version="1.0">
+        <emma:interpretation id="{791D7D1B-E005-430A-9CFE-F9E21DE7CFB2}" emma:medium="tactile" emma:mode="ink">
+          <msink:context xmlns:msink="http://schemas.microsoft.com/ink/2010/main" type="inkDrawing"/>
+        </emma:interpretation>
+      </emma:emma>
+    </inkml:annotationXML>
+    <inkml:trace contextRef="#ctx0" brushRef="#br0">0 0 0,'33'98'31,"-33"32"-15,32-65-16,1 33 15,-33-33-15,32 32 16,-32-64-16,0 0 15,0-1 1</inkml:trace>
+  </inkml:traceGroup>
+</inkml:ink>
+</file>
+
+<file path=ppt/ink/ink42.xml><?xml version="1.0" encoding="utf-8"?>
+<inkml:ink xmlns:inkml="http://www.w3.org/2003/InkML">
+  <inkml:definitions>
+    <inkml:context xml:id="ctx0">
+      <inkml:inkSource xml:id="inkSrc0">
+        <inkml:traceFormat>
+          <inkml:channel name="X" type="integer" max="1920" units="cm"/>
+          <inkml:channel name="Y" type="integer" max="1080" units="cm"/>
+          <inkml:channel name="T" type="integer" max="2.14748E9" units="dev"/>
+        </inkml:traceFormat>
+        <inkml:channelProperties>
+          <inkml:channelProperty channel="X" name="resolution" value="36.85221" units="1/cm"/>
+          <inkml:channelProperty channel="Y" name="resolution" value="36.86007" units="1/cm"/>
+          <inkml:channelProperty channel="T" name="resolution" value="1" units="1/dev"/>
+        </inkml:channelProperties>
+      </inkml:inkSource>
+      <inkml:timestamp xml:id="ts0" timeString="2021-04-09T08:49:09.593"/>
+    </inkml:context>
+    <inkml:brush xml:id="br0">
+      <inkml:brushProperty name="width" value="0.06667" units="cm"/>
+      <inkml:brushProperty name="height" value="0.06667" units="cm"/>
+      <inkml:brushProperty name="color" value="#ED1C24"/>
+      <inkml:brushProperty name="fitToCurve" value="1"/>
+    </inkml:brush>
+  </inkml:definitions>
+  <inkml:traceGroup>
+    <inkml:annotationXML>
+      <emma:emma xmlns:emma="http://www.w3.org/2003/04/emma" version="1.0">
+        <emma:interpretation id="{E2FAA4A0-85CC-4D5C-A36A-9E68D834CD8B}" emma:medium="tactile" emma:mode="ink">
+          <msink:context xmlns:msink="http://schemas.microsoft.com/ink/2010/main" type="inkDrawing"/>
+        </emma:interpretation>
+      </emma:emma>
+    </inkml:annotationXML>
+    <inkml:trace contextRef="#ctx0" brushRef="#br0">0 0 0,'0'32'16,"0"1"-16,0 32 15,33-32-15,-33 32 16</inkml:trace>
+  </inkml:traceGroup>
+</inkml:ink>
+</file>
+
+<file path=ppt/ink/ink43.xml><?xml version="1.0" encoding="utf-8"?>
+<inkml:ink xmlns:inkml="http://www.w3.org/2003/InkML">
+  <inkml:definitions>
+    <inkml:context xml:id="ctx0">
+      <inkml:inkSource xml:id="inkSrc0">
+        <inkml:traceFormat>
+          <inkml:channel name="X" type="integer" max="1920" units="cm"/>
+          <inkml:channel name="Y" type="integer" max="1080" units="cm"/>
+          <inkml:channel name="T" type="integer" max="2.14748E9" units="dev"/>
+        </inkml:traceFormat>
+        <inkml:channelProperties>
+          <inkml:channelProperty channel="X" name="resolution" value="36.85221" units="1/cm"/>
+          <inkml:channelProperty channel="Y" name="resolution" value="36.86007" units="1/cm"/>
+          <inkml:channelProperty channel="T" name="resolution" value="1" units="1/dev"/>
+        </inkml:channelProperties>
+      </inkml:inkSource>
+      <inkml:timestamp xml:id="ts0" timeString="2021-04-09T08:49:10.066"/>
+    </inkml:context>
+    <inkml:brush xml:id="br0">
+      <inkml:brushProperty name="width" value="0.06667" units="cm"/>
+      <inkml:brushProperty name="height" value="0.06667" units="cm"/>
+      <inkml:brushProperty name="color" value="#ED1C24"/>
+      <inkml:brushProperty name="fitToCurve" value="1"/>
+    </inkml:brush>
+  </inkml:definitions>
+  <inkml:traceGroup>
+    <inkml:annotationXML>
+      <emma:emma xmlns:emma="http://www.w3.org/2003/04/emma" version="1.0">
+        <emma:interpretation id="{D3DE1B52-13A0-4254-ACD7-6A232E18A1DC}" emma:medium="tactile" emma:mode="ink">
+          <msink:context xmlns:msink="http://schemas.microsoft.com/ink/2010/main" type="inkDrawing"/>
+        </emma:interpretation>
+      </emma:emma>
+    </inkml:annotationXML>
+    <inkml:trace contextRef="#ctx0" brushRef="#br0">0 0 0,'65'0'16,"-32"0"-16,32 0 15,-32 0 1,-33 33 93,0 32-93,0-32-16,0-1 16,0 1-1,0-1-15,0 1 16,-33-1 31,1-32-32,-1 0 1</inkml:trace>
+  </inkml:traceGroup>
+</inkml:ink>
+</file>
+
+<file path=ppt/ink/ink44.xml><?xml version="1.0" encoding="utf-8"?>
+<inkml:ink xmlns:inkml="http://www.w3.org/2003/InkML">
+  <inkml:definitions>
+    <inkml:context xml:id="ctx0">
+      <inkml:inkSource xml:id="inkSrc0">
+        <inkml:traceFormat>
+          <inkml:channel name="X" type="integer" max="1920" units="cm"/>
+          <inkml:channel name="Y" type="integer" max="1080" units="cm"/>
+          <inkml:channel name="T" type="integer" max="2.14748E9" units="dev"/>
+        </inkml:traceFormat>
+        <inkml:channelProperties>
+          <inkml:channelProperty channel="X" name="resolution" value="36.85221" units="1/cm"/>
+          <inkml:channelProperty channel="Y" name="resolution" value="36.86007" units="1/cm"/>
+          <inkml:channelProperty channel="T" name="resolution" value="1" units="1/dev"/>
+        </inkml:channelProperties>
+      </inkml:inkSource>
+      <inkml:timestamp xml:id="ts0" timeString="2021-04-09T08:49:10.441"/>
+    </inkml:context>
+    <inkml:brush xml:id="br0">
+      <inkml:brushProperty name="width" value="0.06667" units="cm"/>
+      <inkml:brushProperty name="height" value="0.06667" units="cm"/>
+      <inkml:brushProperty name="color" value="#ED1C24"/>
+      <inkml:brushProperty name="fitToCurve" value="1"/>
+    </inkml:brush>
+  </inkml:definitions>
+  <inkml:traceGroup>
+    <inkml:annotationXML>
+      <emma:emma xmlns:emma="http://www.w3.org/2003/04/emma" version="1.0">
+        <emma:interpretation id="{407E4883-6770-4BC2-8C33-DD6AE423B659}" emma:medium="tactile" emma:mode="ink">
+          <msink:context xmlns:msink="http://schemas.microsoft.com/ink/2010/main" type="inkDrawing"/>
+        </emma:interpretation>
+      </emma:emma>
+    </inkml:annotationXML>
+    <inkml:trace contextRef="#ctx0" brushRef="#br0">0 0 0,'32'0'16,"1"0"0,32 0-1,-32 0-15,-1 0 16,33 0-16,-32 0 15,-1 0-15,1 0 16</inkml:trace>
+  </inkml:traceGroup>
+</inkml:ink>
+</file>
+
+<file path=ppt/ink/ink45.xml><?xml version="1.0" encoding="utf-8"?>
+<inkml:ink xmlns:inkml="http://www.w3.org/2003/InkML">
+  <inkml:definitions>
+    <inkml:context xml:id="ctx0">
+      <inkml:inkSource xml:id="inkSrc0">
+        <inkml:traceFormat>
+          <inkml:channel name="X" type="integer" max="1920" units="cm"/>
+          <inkml:channel name="Y" type="integer" max="1080" units="cm"/>
+          <inkml:channel name="T" type="integer" max="2.14748E9" units="dev"/>
+        </inkml:traceFormat>
+        <inkml:channelProperties>
+          <inkml:channelProperty channel="X" name="resolution" value="36.85221" units="1/cm"/>
+          <inkml:channelProperty channel="Y" name="resolution" value="36.86007" units="1/cm"/>
+          <inkml:channelProperty channel="T" name="resolution" value="1" units="1/dev"/>
+        </inkml:channelProperties>
+      </inkml:inkSource>
+      <inkml:timestamp xml:id="ts0" timeString="2021-04-09T08:49:10.746"/>
+    </inkml:context>
+    <inkml:brush xml:id="br0">
+      <inkml:brushProperty name="width" value="0.06667" units="cm"/>
+      <inkml:brushProperty name="height" value="0.06667" units="cm"/>
+      <inkml:brushProperty name="color" value="#ED1C24"/>
+      <inkml:brushProperty name="fitToCurve" value="1"/>
+    </inkml:brush>
+  </inkml:definitions>
+  <inkml:traceGroup>
+    <inkml:annotationXML>
+      <emma:emma xmlns:emma="http://www.w3.org/2003/04/emma" version="1.0">
+        <emma:interpretation id="{5EF38A74-AB67-47AC-87B8-042208E68280}" emma:medium="tactile" emma:mode="ink">
+          <msink:context xmlns:msink="http://schemas.microsoft.com/ink/2010/main" type="inkDrawing"/>
+        </emma:interpretation>
+      </emma:emma>
+    </inkml:annotationXML>
+    <inkml:trace contextRef="#ctx0" brushRef="#br0">0 0 0,'0'65'16,"0"-32"0,0-1-1,0 1-15,0 0 16,0-1-16,0 1 16</inkml:trace>
+  </inkml:traceGroup>
+</inkml:ink>
+</file>
+
+<file path=ppt/ink/ink46.xml><?xml version="1.0" encoding="utf-8"?>
+<inkml:ink xmlns:inkml="http://www.w3.org/2003/InkML">
+  <inkml:definitions>
+    <inkml:context xml:id="ctx0">
+      <inkml:inkSource xml:id="inkSrc0">
+        <inkml:traceFormat>
+          <inkml:channel name="X" type="integer" max="1920" units="cm"/>
+          <inkml:channel name="Y" type="integer" max="1080" units="cm"/>
+          <inkml:channel name="T" type="integer" max="2.14748E9" units="dev"/>
+        </inkml:traceFormat>
+        <inkml:channelProperties>
+          <inkml:channelProperty channel="X" name="resolution" value="36.85221" units="1/cm"/>
+          <inkml:channelProperty channel="Y" name="resolution" value="36.86007" units="1/cm"/>
+          <inkml:channelProperty channel="T" name="resolution" value="1" units="1/dev"/>
+        </inkml:channelProperties>
+      </inkml:inkSource>
+      <inkml:timestamp xml:id="ts0" timeString="2021-04-09T08:49:11.121"/>
+    </inkml:context>
+    <inkml:brush xml:id="br0">
+      <inkml:brushProperty name="width" value="0.06667" units="cm"/>
+      <inkml:brushProperty name="height" value="0.06667" units="cm"/>
+      <inkml:brushProperty name="color" value="#ED1C24"/>
+      <inkml:brushProperty name="fitToCurve" value="1"/>
+    </inkml:brush>
+  </inkml:definitions>
+  <inkml:traceGroup>
+    <inkml:annotationXML>
+      <emma:emma xmlns:emma="http://www.w3.org/2003/04/emma" version="1.0">
+        <emma:interpretation id="{9DCD2956-7B07-4AB2-9F93-5AFCFBE9E3D8}" emma:medium="tactile" emma:mode="ink">
+          <msink:context xmlns:msink="http://schemas.microsoft.com/ink/2010/main" type="inkDrawing"/>
+        </emma:interpretation>
+      </emma:emma>
+    </inkml:annotationXML>
+    <inkml:trace contextRef="#ctx0" brushRef="#br0">0 32 0,'32'0'47,"1"0"-32,32 0-15,0 0 16,0 0-16,0 0 16,0 0-16,-32 0 15,0 0-15,-1-32 63</inkml:trace>
+  </inkml:traceGroup>
+</inkml:ink>
+</file>
+
+<file path=ppt/ink/ink47.xml><?xml version="1.0" encoding="utf-8"?>
+<inkml:ink xmlns:inkml="http://www.w3.org/2003/InkML">
+  <inkml:definitions>
+    <inkml:context xml:id="ctx0">
+      <inkml:inkSource xml:id="inkSrc0">
+        <inkml:traceFormat>
+          <inkml:channel name="X" type="integer" max="1920" units="cm"/>
+          <inkml:channel name="Y" type="integer" max="1080" units="cm"/>
+          <inkml:channel name="T" type="integer" max="2.14748E9" units="dev"/>
+        </inkml:traceFormat>
+        <inkml:channelProperties>
+          <inkml:channelProperty channel="X" name="resolution" value="36.85221" units="1/cm"/>
+          <inkml:channelProperty channel="Y" name="resolution" value="36.86007" units="1/cm"/>
+          <inkml:channelProperty channel="T" name="resolution" value="1" units="1/dev"/>
+        </inkml:channelProperties>
+      </inkml:inkSource>
+      <inkml:timestamp xml:id="ts0" timeString="2021-04-09T08:49:12.233"/>
+    </inkml:context>
+    <inkml:brush xml:id="br0">
+      <inkml:brushProperty name="width" value="0.06667" units="cm"/>
+      <inkml:brushProperty name="height" value="0.06667" units="cm"/>
+      <inkml:brushProperty name="color" value="#ED1C24"/>
+      <inkml:brushProperty name="fitToCurve" value="1"/>
+    </inkml:brush>
+  </inkml:definitions>
+  <inkml:traceGroup>
+    <inkml:annotationXML>
+      <emma:emma xmlns:emma="http://www.w3.org/2003/04/emma" version="1.0">
+        <emma:interpretation id="{1EAD95BC-04FD-4024-AE7C-15FB9FDEC0AA}" emma:medium="tactile" emma:mode="ink">
+          <msink:context xmlns:msink="http://schemas.microsoft.com/ink/2010/main" type="inkDrawing"/>
+        </emma:interpretation>
+      </emma:emma>
+    </inkml:annotationXML>
+    <inkml:trace contextRef="#ctx0" brushRef="#br0">0 0 0,'33'0'16,"32"0"-1,-33 0-15,1 0 16,32 0-16,0 0 15,-32 0-15,64 0 16,-64 0-16,0 0 16,-1 0-1,-32 33 63,0-1-78,0 1 16,0-1-16,-32 1 16,-1-1-16,33 1 15,-33 0 1,1-33 0,-1 0-1,1 0 1,-1 0-16,1 0 15,-34 0-15,34 0 16,-1 0-16,1 0 16,32 32 62,0 1-63,0-1-15,0 1 16,0-1 0,0 1-16,0-1 15,32-32 110,1 0-125,-1 0 16,1 0-16,0 0 16,-1 0-16,1 0 15,-1 0 1,1 0-16,-1 0 15,1 0 1,0 0 62,-33-32-78</inkml:trace>
+  </inkml:traceGroup>
+</inkml:ink>
+</file>
+
+<file path=ppt/ink/ink48.xml><?xml version="1.0" encoding="utf-8"?>
+<inkml:ink xmlns:inkml="http://www.w3.org/2003/InkML">
+  <inkml:definitions>
+    <inkml:context xml:id="ctx0">
+      <inkml:inkSource xml:id="inkSrc0">
+        <inkml:traceFormat>
+          <inkml:channel name="X" type="integer" max="1920" units="cm"/>
+          <inkml:channel name="Y" type="integer" max="1080" units="cm"/>
+          <inkml:channel name="T" type="integer" max="2.14748E9" units="dev"/>
+        </inkml:traceFormat>
+        <inkml:channelProperties>
+          <inkml:channelProperty channel="X" name="resolution" value="36.85221" units="1/cm"/>
+          <inkml:channelProperty channel="Y" name="resolution" value="36.86007" units="1/cm"/>
+          <inkml:channelProperty channel="T" name="resolution" value="1" units="1/dev"/>
+        </inkml:channelProperties>
+      </inkml:inkSource>
+      <inkml:timestamp xml:id="ts0" timeString="2021-04-09T08:49:12.841"/>
+    </inkml:context>
+    <inkml:brush xml:id="br0">
+      <inkml:brushProperty name="width" value="0.06667" units="cm"/>
+      <inkml:brushProperty name="height" value="0.06667" units="cm"/>
+      <inkml:brushProperty name="color" value="#ED1C24"/>
+      <inkml:brushProperty name="fitToCurve" value="1"/>
+    </inkml:brush>
+  </inkml:definitions>
+  <inkml:traceGroup>
+    <inkml:annotationXML>
+      <emma:emma xmlns:emma="http://www.w3.org/2003/04/emma" version="1.0">
+        <emma:interpretation id="{6399481A-BB47-491A-8C23-77907C035D7B}" emma:medium="tactile" emma:mode="ink">
+          <msink:context xmlns:msink="http://schemas.microsoft.com/ink/2010/main" type="inkDrawing"/>
+        </emma:interpretation>
+      </emma:emma>
+    </inkml:annotationXML>
+    <inkml:trace contextRef="#ctx0" brushRef="#br0">0 0 0,'0'32'15,"33"33"-15,-1 33 16,-32-65-16,0 64 16,33 1-16,-33-33 15,33 0-15,-33 0 16,0 33-16,0-33 15,0 0 1,32-65 0</inkml:trace>
+  </inkml:traceGroup>
+</inkml:ink>
+</file>
+
+<file path=ppt/ink/ink49.xml><?xml version="1.0" encoding="utf-8"?>
+<inkml:ink xmlns:inkml="http://www.w3.org/2003/InkML">
+  <inkml:definitions>
+    <inkml:context xml:id="ctx0">
+      <inkml:inkSource xml:id="inkSrc0">
+        <inkml:traceFormat>
+          <inkml:channel name="X" type="integer" max="1920" units="cm"/>
+          <inkml:channel name="Y" type="integer" max="1080" units="cm"/>
+          <inkml:channel name="T" type="integer" max="2.14748E9" units="dev"/>
+        </inkml:traceFormat>
+        <inkml:channelProperties>
+          <inkml:channelProperty channel="X" name="resolution" value="36.85221" units="1/cm"/>
+          <inkml:channelProperty channel="Y" name="resolution" value="36.86007" units="1/cm"/>
+          <inkml:channelProperty channel="T" name="resolution" value="1" units="1/dev"/>
+        </inkml:channelProperties>
+      </inkml:inkSource>
+      <inkml:timestamp xml:id="ts0" timeString="2021-04-09T08:49:34.225"/>
+    </inkml:context>
+    <inkml:brush xml:id="br0">
+      <inkml:brushProperty name="width" value="0.06667" units="cm"/>
+      <inkml:brushProperty name="height" value="0.06667" units="cm"/>
+      <inkml:brushProperty name="color" value="#ED1C24"/>
+      <inkml:brushProperty name="fitToCurve" value="1"/>
+    </inkml:brush>
+  </inkml:definitions>
+  <inkml:traceGroup>
+    <inkml:annotationXML>
+      <emma:emma xmlns:emma="http://www.w3.org/2003/04/emma" version="1.0">
+        <emma:interpretation id="{B3AFFD79-FD65-415E-93E6-92ECE3922924}" emma:medium="tactile" emma:mode="ink">
+          <msink:context xmlns:msink="http://schemas.microsoft.com/ink/2010/main" type="inkDrawing"/>
+        </emma:interpretation>
+      </emma:emma>
+    </inkml:annotationXML>
+    <inkml:trace contextRef="#ctx0" brushRef="#br0">0 0 0,'65'0'79,"1"0"-79,-1 0 15,65 0-15,33 0 16,0 0-16,32 0 15,66 0-15,-34 0 16,-31 0-16,-1 0 16,-32 0-16,32 0 15,1 0-15,-66 0 16,-65 0-16,33 0 16,0 0-16,-33 0 15,-33 0-15,1 0 16,32 0-16,-32 0 15,-1 0 1,1 0 0</inkml:trace>
+  </inkml:traceGroup>
+</inkml:ink>
+</file>
+
+<file path=ppt/ink/ink5.xml><?xml version="1.0" encoding="utf-8"?>
+<inkml:ink xmlns:inkml="http://www.w3.org/2003/InkML">
+  <inkml:definitions>
+    <inkml:context xml:id="ctx0">
+      <inkml:inkSource xml:id="inkSrc0">
+        <inkml:traceFormat>
+          <inkml:channel name="X" type="integer" max="1920" units="cm"/>
+          <inkml:channel name="Y" type="integer" max="1080" units="cm"/>
+          <inkml:channel name="T" type="integer" max="2.14748E9" units="dev"/>
+        </inkml:traceFormat>
+        <inkml:channelProperties>
+          <inkml:channelProperty channel="X" name="resolution" value="36.85221" units="1/cm"/>
+          <inkml:channelProperty channel="Y" name="resolution" value="36.86007" units="1/cm"/>
+          <inkml:channelProperty channel="T" name="resolution" value="1" units="1/dev"/>
+        </inkml:channelProperties>
+      </inkml:inkSource>
+      <inkml:timestamp xml:id="ts0" timeString="2021-04-09T08:02:53.257"/>
+    </inkml:context>
+    <inkml:brush xml:id="br0">
+      <inkml:brushProperty name="width" value="0.06667" units="cm"/>
+      <inkml:brushProperty name="height" value="0.06667" units="cm"/>
+      <inkml:brushProperty name="color" value="#ED1C24"/>
+      <inkml:brushProperty name="fitToCurve" value="1"/>
+    </inkml:brush>
+  </inkml:definitions>
+  <inkml:traceGroup>
+    <inkml:annotationXML>
+      <emma:emma xmlns:emma="http://www.w3.org/2003/04/emma" version="1.0">
+        <emma:interpretation id="{CEF6D5BD-0D94-4438-A118-82B5E2BA08BB}" emma:medium="tactile" emma:mode="ink">
+          <msink:context xmlns:msink="http://schemas.microsoft.com/ink/2010/main" type="writingRegion" rotatedBoundingBox="1536,12106 5077,12340 5014,13288 1474,13054"/>
+        </emma:interpretation>
+      </emma:emma>
+    </inkml:annotationXML>
+    <inkml:traceGroup>
+      <inkml:annotationXML>
+        <emma:emma xmlns:emma="http://www.w3.org/2003/04/emma" version="1.0">
+          <emma:interpretation id="{894308C4-FDC6-4527-BD9F-867E905718AC}" emma:medium="tactile" emma:mode="ink">
+            <msink:context xmlns:msink="http://schemas.microsoft.com/ink/2010/main" type="paragraph" rotatedBoundingBox="1536,12106 5077,12340 5014,13288 1474,13054" alignmentLevel="1"/>
+          </emma:interpretation>
+        </emma:emma>
+      </inkml:annotationXML>
+      <inkml:traceGroup>
+        <inkml:annotationXML>
+          <emma:emma xmlns:emma="http://www.w3.org/2003/04/emma" version="1.0">
+            <emma:interpretation id="{80E6C7BE-67B9-4039-A902-AA7CD805690D}" emma:medium="tactile" emma:mode="ink">
+              <msink:context xmlns:msink="http://schemas.microsoft.com/ink/2010/main" type="line" rotatedBoundingBox="1536,12106 5077,12340 5014,13288 1474,13054"/>
+            </emma:interpretation>
+          </emma:emma>
+        </inkml:annotationXML>
+        <inkml:traceGroup>
+          <inkml:annotationXML>
+            <emma:emma xmlns:emma="http://www.w3.org/2003/04/emma" version="1.0">
+              <emma:interpretation id="{388CE40D-4494-411A-B375-446A47C2DF68}" emma:medium="tactile" emma:mode="ink">
+                <msink:context xmlns:msink="http://schemas.microsoft.com/ink/2010/main" type="inkWord" rotatedBoundingBox="1536,12106 3090,12208 3027,13157 1474,13054"/>
+              </emma:interpretation>
+              <emma:one-of disjunction-type="recognition" id="oneOf0">
+                <emma:interpretation id="interp0" emma:lang="" emma:confidence="1">
+                  <emma:literal/>
+                </emma:interpretation>
+              </emma:one-of>
+            </emma:emma>
+          </inkml:annotationXML>
+          <inkml:trace contextRef="#ctx0" brushRef="#br0">-4520 1926 0,'0'32'16,"0"1"-16,0 32 16,0-33-1,0 34 1,0-34 0</inkml:trace>
+          <inkml:trace contextRef="#ctx0" brushRef="#br0" timeOffset="-288.6143">-4520 1339 0</inkml:trace>
+          <inkml:trace contextRef="#ctx0" brushRef="#br0" timeOffset="808.0404">-4292 1633 0,'32'0'15,"1"32"1,-33 33-16,0 0 15,0-32-15,0-1 16,0 34 0,0-34-16,0-64 93,0-1-77,0-32-16,0-33 16,0 66-16,0-1 15,0 1-15,0-1 16,32 33 0,-32-33-16,33 33 15,-1 0 16,1 0 1,-1 98-17,-32-65-15,0 32 16,0-33-16,0 1 16,0-1-16,0 1 31,0 0-31,0-1 31</inkml:trace>
+          <inkml:trace contextRef="#ctx0" brushRef="#br0" timeOffset="1567.3283">-3641 1600 0,'-33'0'16,"1"0"-1,-1 0-15,1 0 16,-34 0-1,34 0-15,32 33 63,0-1-47,0 1-1,32-33 16,-32 32-31,33-32 16,0 0 0,-33 33-1,32-33 1,1 32 15,-1 1-15,-32-1-1,0 1 17,0 0-1,0-1-15,0 1 15,-32-33-16,-1 0-15,1 0 16,-1 0-16,0 0 16,1 0-1,-1 0 1</inkml:trace>
+          <inkml:trace contextRef="#ctx0" brushRef="#br0" timeOffset="2463.7416">-3706 1828 0,'32'0'16,"1"0"-16,32 0 15,-32 0-15,32 0 16,32 0-16,-64 0 15,65 0-15,-33 0 16,0 0 0,-33 0-16,34-33 15,-34 33 1</inkml:trace>
+          <inkml:trace contextRef="#ctx0" brushRef="#br0" timeOffset="2127.6047">-3413 1307 0,'0'32'16,"0"66"-16,0-65 15,0 64-15,-33-31 16,33-34-16,-32 66 16,32-33-16,-33 0 15,1-32-15,32 32 16,0-33 0,0 1-1,0-1 1,0 1 46,32-33-30</inkml:trace>
+        </inkml:traceGroup>
+        <inkml:traceGroup>
+          <inkml:annotationXML>
+            <emma:emma xmlns:emma="http://www.w3.org/2003/04/emma" version="1.0">
+              <emma:interpretation id="{612141A2-BBFE-4E2A-BAD5-ADD92C249534}" emma:medium="tactile" emma:mode="ink">
+                <msink:context xmlns:msink="http://schemas.microsoft.com/ink/2010/main" type="inkWord" rotatedBoundingBox="2936,12570 4245,12657 4221,13020 2912,12933"/>
+              </emma:interpretation>
+              <emma:one-of disjunction-type="recognition" id="oneOf1">
+                <emma:interpretation id="interp1" emma:lang="" emma:confidence="0">
+                  <emma:literal>…</emma:literal>
+                </emma:interpretation>
+                <emma:interpretation id="interp2" emma:lang="" emma:confidence="0">
+                  <emma:literal>빠</emma:literal>
+                </emma:interpretation>
+                <emma:interpretation id="interp3" emma:lang="" emma:confidence="0">
+                  <emma:literal>뺘</emma:literal>
+                </emma:interpretation>
+                <emma:interpretation id="interp4" emma:lang="" emma:confidence="0">
+                  <emma:literal>열</emma:literal>
+                </emma:interpretation>
+                <emma:interpretation id="interp5" emma:lang="" emma:confidence="0">
+                  <emma:literal>예</emma:literal>
+                </emma:interpretation>
+              </emma:one-of>
+            </emma:emma>
+          </inkml:annotationXML>
+          <inkml:trace contextRef="#ctx0" brushRef="#br0" timeOffset="4785.1263">-2990 1763 0,'-32'0'0,"-1"0"31,-32 32-16,65 1 17,0-1-17,0 1-15,0 0 16,0-1 15,32-32 16,1 0-31,0-32-1,-33-1 1,0 0 0,0 1-16,0-1 15,0 66 63,0-1-62,32 1 0,1 0-1,-1-33 63,-32-33-78,0 0 16,0-32-16,33 65 16,-33-32 30,32 32-30,1 0-16,-1 65 16,-32 0-16,0-32 15,0-1-15,0 1 16,0-66 62,0 1-78,0-34 16,33 1-1,0 65 1,-1 0 31,1 0-47,-33 33 15,32-1-15,-32 66 16,33-65-16,-33 32 16,0-33-16,0-64 93,32-1-93,1-32 16,0 0-16,-1 32 16,1 33-16,-1-32 15,33-1-15,-32 33 16,0-32-16,32 32 16,-33 0-16,1 0 15,-66 0 126,1 0-126,-1 0 17,33 32-17,0 1 1,0-1 0,0 34-16,0-34 15,0 1 1,0-1-16,0 1 15,0-1 1,0 1 0,33-33-1,-1 0 17,1 0-17,-1 0 16,1 0-15,-33-33 15,0 1-15,0-1 0,32 1 77,-32-1-30,0 1-63,0-1 15,0 0 1,0 1-16,0-1 31,-32 66 63,32-1-78,0 1-1,0 0 1,0-1 0,0 1-1,0-1-15,32 1 16,-32-1-1,33-32 1,0 0 0,-1 0-1,1 0 32,-1 0-16,-32-32-15,33-1-16,-1 1 16</inkml:trace>
+        </inkml:traceGroup>
+        <inkml:traceGroup>
+          <inkml:annotationXML>
+            <emma:emma xmlns:emma="http://www.w3.org/2003/04/emma" version="1.0">
+              <emma:interpretation id="{6C27F0AE-483C-438E-9469-AEB085D5400E}" emma:medium="tactile" emma:mode="ink">
+                <msink:context xmlns:msink="http://schemas.microsoft.com/ink/2010/main" type="inkWord" rotatedBoundingBox="3988,12542 5059,12613 5028,13076 3958,13005"/>
+              </emma:interpretation>
+              <emma:one-of disjunction-type="recognition" id="oneOf2">
+                <emma:interpretation id="interp6" emma:lang="" emma:confidence="1">
+                  <emma:literal/>
+                </emma:interpretation>
+              </emma:one-of>
+            </emma:emma>
+          </inkml:annotationXML>
+          <inkml:trace contextRef="#ctx0" brushRef="#br0" timeOffset="-3064.1544">-2078 1926 0,'32'0'47,"1"0"-31,0 0-16,-1 0 15,1 0 1,-1 0-16,1 0 16,-1 0-16,1 0 15,0 0-15,-1 0 16,33 0-16,-32 0 15,-1 0-15,1 0 16,-1 0 0,1 0 31,0 0-32,-1 0 32,1 0-31,32 0-1,0 0-15,-32 0 16,-1 0-16,33 0 16</inkml:trace>
+          <inkml:trace contextRef="#ctx0" brushRef="#br0" timeOffset="-2224.0235">-1199 1730 0,'33'0'15,"-1"33"1,1-1 0,-1-32-16,-32 33 15,33-33 1,0 0-16,-33 32 16,0 1 109,0 0-110,-33-33-15,33 32 16,-33-32-16,33 33 15,-32-1-15,-1 1 16,33-1-16,-32 1 16,-1 0-16,1-33 15,32 32-15,-33-32 16,0 0 0</inkml:trace>
+        </inkml:traceGroup>
+      </inkml:traceGroup>
+    </inkml:traceGroup>
+  </inkml:traceGroup>
+</inkml:ink>
+</file>
+
+<file path=ppt/ink/ink50.xml><?xml version="1.0" encoding="utf-8"?>
+<inkml:ink xmlns:inkml="http://www.w3.org/2003/InkML">
+  <inkml:definitions>
+    <inkml:context xml:id="ctx0">
+      <inkml:inkSource xml:id="inkSrc0">
+        <inkml:traceFormat>
+          <inkml:channel name="X" type="integer" max="1920" units="cm"/>
+          <inkml:channel name="Y" type="integer" max="1080" units="cm"/>
+          <inkml:channel name="T" type="integer" max="2.14748E9" units="dev"/>
+        </inkml:traceFormat>
+        <inkml:channelProperties>
+          <inkml:channelProperty channel="X" name="resolution" value="36.85221" units="1/cm"/>
+          <inkml:channelProperty channel="Y" name="resolution" value="36.86007" units="1/cm"/>
+          <inkml:channelProperty channel="T" name="resolution" value="1" units="1/dev"/>
+        </inkml:channelProperties>
+      </inkml:inkSource>
+      <inkml:timestamp xml:id="ts0" timeString="2021-04-09T08:50:05.594"/>
+    </inkml:context>
+    <inkml:brush xml:id="br0">
+      <inkml:brushProperty name="width" value="0.06667" units="cm"/>
+      <inkml:brushProperty name="height" value="0.06667" units="cm"/>
+      <inkml:brushProperty name="color" value="#ED1C24"/>
+      <inkml:brushProperty name="fitToCurve" value="1"/>
+    </inkml:brush>
+  </inkml:definitions>
+  <inkml:trace contextRef="#ctx0" brushRef="#br0">0 400 0,'0'-32'62,"98"-1"-62,0 33 16,-33-33-16,98 1 16,-33-1-16,33 1 15,-1-1-15,1 1 16,0 32-16,0-33 15,-33 33-15,33 0 16,-33-65-16,0 65 16,1-33-16,-66 33 15,0 0-15,-32 0 16,-1 0-16,1 0 16,-1 0-1,1 0 1,-1 0-16,33 0 15,1 0 1,-34 0-16,1 0 16,-1 0-1</inkml:trace>
+</inkml:ink>
+</file>
+
+<file path=ppt/ink/ink51.xml><?xml version="1.0" encoding="utf-8"?>
+<inkml:ink xmlns:inkml="http://www.w3.org/2003/InkML">
+  <inkml:definitions>
+    <inkml:context xml:id="ctx0">
+      <inkml:inkSource xml:id="inkSrc0">
+        <inkml:traceFormat>
+          <inkml:channel name="X" type="integer" max="1920" units="cm"/>
+          <inkml:channel name="Y" type="integer" max="1080" units="cm"/>
+          <inkml:channel name="T" type="integer" max="2.14748E9" units="dev"/>
+        </inkml:traceFormat>
+        <inkml:channelProperties>
+          <inkml:channelProperty channel="X" name="resolution" value="36.85221" units="1/cm"/>
+          <inkml:channelProperty channel="Y" name="resolution" value="36.86007" units="1/cm"/>
+          <inkml:channelProperty channel="T" name="resolution" value="1" units="1/dev"/>
+        </inkml:channelProperties>
+      </inkml:inkSource>
+      <inkml:timestamp xml:id="ts0" timeString="2021-04-09T08:49:06.217"/>
+    </inkml:context>
+    <inkml:brush xml:id="br0">
+      <inkml:brushProperty name="width" value="0.06667" units="cm"/>
+      <inkml:brushProperty name="height" value="0.06667" units="cm"/>
+      <inkml:brushProperty name="color" value="#ED1C24"/>
+      <inkml:brushProperty name="fitToCurve" value="1"/>
+    </inkml:brush>
+  </inkml:definitions>
+  <inkml:traceGroup>
+    <inkml:annotationXML>
+      <emma:emma xmlns:emma="http://www.w3.org/2003/04/emma" version="1.0">
+        <emma:interpretation id="{8E20FC5B-CA45-4DA3-924F-8E2D94A787FB}" emma:medium="tactile" emma:mode="ink">
+          <msink:context xmlns:msink="http://schemas.microsoft.com/ink/2010/main" type="writingRegion" rotatedBoundingBox="8335,11430 8889,11430 8889,11918 8335,11918">
+            <msink:destinationLink direction="with" ref="{4C66C106-D3D3-42A8-A3F8-1CAF426C9084}"/>
+          </msink:context>
+        </emma:interpretation>
+      </emma:emma>
+    </inkml:annotationXML>
+    <inkml:traceGroup>
+      <inkml:annotationXML>
+        <emma:emma xmlns:emma="http://www.w3.org/2003/04/emma" version="1.0">
+          <emma:interpretation id="{5CED7572-5080-428B-A0F5-FB9CE27128DC}" emma:medium="tactile" emma:mode="ink">
+            <msink:context xmlns:msink="http://schemas.microsoft.com/ink/2010/main" type="paragraph" rotatedBoundingBox="8335,11430 8889,11430 8889,11918 8335,11918" alignmentLevel="1"/>
+          </emma:interpretation>
+        </emma:emma>
+      </inkml:annotationXML>
+      <inkml:traceGroup>
+        <inkml:annotationXML>
+          <emma:emma xmlns:emma="http://www.w3.org/2003/04/emma" version="1.0">
+            <emma:interpretation id="{FB5B7945-AB20-4389-AA6F-E95247A0C8DC}" emma:medium="tactile" emma:mode="ink">
+              <msink:context xmlns:msink="http://schemas.microsoft.com/ink/2010/main" type="line" rotatedBoundingBox="8335,11430 8889,11430 8889,11918 8335,11918"/>
+            </emma:interpretation>
+          </emma:emma>
+        </inkml:annotationXML>
+        <inkml:traceGroup>
+          <inkml:annotationXML>
+            <emma:emma xmlns:emma="http://www.w3.org/2003/04/emma" version="1.0">
+              <emma:interpretation id="{6C461E04-181A-4AE3-B568-A16AC0EDCFC8}" emma:medium="tactile" emma:mode="ink">
+                <msink:context xmlns:msink="http://schemas.microsoft.com/ink/2010/main" type="inkWord" rotatedBoundingBox="8360,11522 8440,11916 8402,11924 8322,11530"/>
+              </emma:interpretation>
+              <emma:one-of disjunction-type="recognition" id="oneOf0">
+                <emma:interpretation id="interp0" emma:lang="" emma:confidence="0">
+                  <emma:literal>1</emma:literal>
+                </emma:interpretation>
+                <emma:interpretation id="interp1" emma:lang="" emma:confidence="0">
+                  <emma:literal>Ⅰ</emma:literal>
+                </emma:interpretation>
+                <emma:interpretation id="interp2" emma:lang="" emma:confidence="0">
+                  <emma:literal>l</emma:literal>
+                </emma:interpretation>
+                <emma:interpretation id="interp3" emma:lang="" emma:confidence="0">
+                  <emma:literal>I</emma:literal>
+                </emma:interpretation>
+                <emma:interpretation id="interp4" emma:lang="" emma:confidence="0">
+                  <emma:literal>ㅣ</emma:literal>
+                </emma:interpretation>
+              </emma:one-of>
+            </emma:emma>
+          </inkml:annotationXML>
+          <inkml:trace contextRef="#ctx0" brushRef="#br0">-131 98 0,'0'32'0,"33"33"16,-33 0-16,33-32 15,-33 32-15,0 0 16,0-32-16,0-1 16,32-32-16</inkml:trace>
+        </inkml:traceGroup>
+        <inkml:traceGroup>
+          <inkml:annotationXML>
+            <emma:emma xmlns:emma="http://www.w3.org/2003/04/emma" version="1.0">
+              <emma:interpretation id="{3456B52C-F935-4CB4-B746-B00391906B6C}" emma:medium="tactile" emma:mode="ink">
+                <msink:context xmlns:msink="http://schemas.microsoft.com/ink/2010/main" type="inkWord" rotatedBoundingBox="8763,11339 8917,11844 8590,11943 8436,11438"/>
+              </emma:interpretation>
+              <emma:one-of disjunction-type="recognition" id="oneOf1">
+                <emma:interpretation id="interp5" emma:lang="" emma:confidence="0">
+                  <emma:literal>3</emma:literal>
+                </emma:interpretation>
+                <emma:interpretation id="interp6" emma:lang="" emma:confidence="0">
+                  <emma:literal>]</emma:literal>
+                </emma:interpretation>
+                <emma:interpretation id="interp7" emma:lang="" emma:confidence="0">
+                  <emma:literal>J</emma:literal>
+                </emma:interpretation>
+                <emma:interpretation id="interp8" emma:lang="" emma:confidence="0">
+                  <emma:literal>)</emma:literal>
+                </emma:interpretation>
+                <emma:interpretation id="interp9" emma:lang="" emma:confidence="0">
+                  <emma:literal>}</emma:literal>
+                </emma:interpretation>
+              </emma:one-of>
+            </emma:emma>
+          </inkml:annotationXML>
+          <inkml:trace contextRef="#ctx0" brushRef="#br0" timeOffset="1719.82">0 0 0,'32'0'47,"1"0"-47,-1 0 15,34 0 1,-34 0-16,1 0 16,-1 0-16,1 0 15,-1 0 110,-32 32-109,0 1-16,0 32 15,33-32 1,-33-1-16,0 1 16,33-1-16,-33 34 15,0-1 1,32-33 0,-64-32 109,-1 0-125,0 0 15,1 0 1,-1 0-16,1 0 31,-1 0-15,1 0 15,-1 0 16,0 0-47</inkml:trace>
+        </inkml:traceGroup>
+      </inkml:traceGroup>
+    </inkml:traceGroup>
+  </inkml:traceGroup>
+</inkml:ink>
+</file>
+
+<file path=ppt/ink/ink52.xml><?xml version="1.0" encoding="utf-8"?>
+<inkml:ink xmlns:inkml="http://www.w3.org/2003/InkML">
+  <inkml:definitions>
+    <inkml:context xml:id="ctx0">
+      <inkml:inkSource xml:id="inkSrc0">
+        <inkml:traceFormat>
+          <inkml:channel name="X" type="integer" max="1920" units="cm"/>
+          <inkml:channel name="Y" type="integer" max="1080" units="cm"/>
+          <inkml:channel name="T" type="integer" max="2.14748E9" units="dev"/>
+        </inkml:traceFormat>
+        <inkml:channelProperties>
+          <inkml:channelProperty channel="X" name="resolution" value="36.85221" units="1/cm"/>
+          <inkml:channelProperty channel="Y" name="resolution" value="36.86007" units="1/cm"/>
+          <inkml:channelProperty channel="T" name="resolution" value="1" units="1/dev"/>
+        </inkml:channelProperties>
+      </inkml:inkSource>
+      <inkml:timestamp xml:id="ts0" timeString="2021-04-09T08:50:07.545"/>
+    </inkml:context>
+    <inkml:brush xml:id="br0">
+      <inkml:brushProperty name="width" value="0.06667" units="cm"/>
+      <inkml:brushProperty name="height" value="0.06667" units="cm"/>
+      <inkml:brushProperty name="color" value="#ED1C24"/>
+      <inkml:brushProperty name="fitToCurve" value="1"/>
+    </inkml:brush>
+  </inkml:definitions>
+  <inkml:trace contextRef="#ctx0" brushRef="#br0">683 34 0,'-32'-33'16,"-1"33"0,-32 0-16,33 0 15,-1 0-15,-65 0 16,66 0-16,-1 0 15,1 0-15,-1 0 16,0 0 0,1 0-16,-1 0 15,1 0-15,-1 0 16,1 0 0,-1 0-1,1 0 1,32 33 31,0-1-32,32 1 17,-32 0-17,33-33 1,-1 0-16,1 0 15,-1 0 1,1 0 0,-1 0-1,34 0-15,-34 0 16,1 0-16,32 0 16,-33 0-1,-32 32 48,33-32-32,-33 33-15,0-1-1,0 1 16,0-1-15,0 1 31,-33-33-16,-32 0-15,33 0-1,-1 0-15,1 0 16,-1 0 0,0 0-16,1 0 15,-1-33-15,1 33 32</inkml:trace>
+</inkml:ink>
+</file>
+
+<file path=ppt/ink/ink53.xml><?xml version="1.0" encoding="utf-8"?>
+<inkml:ink xmlns:inkml="http://www.w3.org/2003/InkML">
+  <inkml:definitions>
+    <inkml:context xml:id="ctx0">
+      <inkml:inkSource xml:id="inkSrc0">
+        <inkml:traceFormat>
+          <inkml:channel name="X" type="integer" max="1920" units="cm"/>
+          <inkml:channel name="Y" type="integer" max="1080" units="cm"/>
+          <inkml:channel name="T" type="integer" max="2.14748E9" units="dev"/>
+        </inkml:traceFormat>
+        <inkml:channelProperties>
+          <inkml:channelProperty channel="X" name="resolution" value="36.85221" units="1/cm"/>
+          <inkml:channelProperty channel="Y" name="resolution" value="36.86007" units="1/cm"/>
+          <inkml:channelProperty channel="T" name="resolution" value="1" units="1/dev"/>
+        </inkml:channelProperties>
+      </inkml:inkSource>
+      <inkml:timestamp xml:id="ts0" timeString="2021-04-09T08:51:01.602"/>
+    </inkml:context>
+    <inkml:brush xml:id="br0">
+      <inkml:brushProperty name="width" value="0.06667" units="cm"/>
+      <inkml:brushProperty name="height" value="0.06667" units="cm"/>
+      <inkml:brushProperty name="color" value="#ED1C24"/>
+      <inkml:brushProperty name="fitToCurve" value="1"/>
+    </inkml:brush>
+  </inkml:definitions>
+  <inkml:trace contextRef="#ctx0" brushRef="#br0">0 0 0,'33'0'62,"32"0"-62,-32 33 16,-1-33-1,33 32 1,1-32-16,-34 0 16,1 0-1,-1 0-15,1 0 16,-1 0-16,1 0 16,0 0-16,-1 0 15,1 0-15,-1 0 16,1 0-16,-1 0 15,33 0 1,-32 0 31,0 0-31,-1-32-1</inkml:trace>
+</inkml:ink>
+</file>
+
+<file path=ppt/ink/ink54.xml><?xml version="1.0" encoding="utf-8"?>
+<inkml:ink xmlns:inkml="http://www.w3.org/2003/InkML">
+  <inkml:definitions>
+    <inkml:context xml:id="ctx0">
+      <inkml:inkSource xml:id="inkSrc0">
+        <inkml:traceFormat>
+          <inkml:channel name="X" type="integer" max="1920" units="cm"/>
+          <inkml:channel name="Y" type="integer" max="1080" units="cm"/>
+          <inkml:channel name="T" type="integer" max="2.14748E9" units="dev"/>
+        </inkml:traceFormat>
+        <inkml:channelProperties>
+          <inkml:channelProperty channel="X" name="resolution" value="36.85221" units="1/cm"/>
+          <inkml:channelProperty channel="Y" name="resolution" value="36.86007" units="1/cm"/>
+          <inkml:channelProperty channel="T" name="resolution" value="1" units="1/dev"/>
+        </inkml:channelProperties>
+      </inkml:inkSource>
+      <inkml:timestamp xml:id="ts0" timeString="2021-04-09T08:51:14.489"/>
+    </inkml:context>
+    <inkml:brush xml:id="br0">
+      <inkml:brushProperty name="width" value="0.06667" units="cm"/>
+      <inkml:brushProperty name="height" value="0.06667" units="cm"/>
+      <inkml:brushProperty name="color" value="#ED1C24"/>
+      <inkml:brushProperty name="fitToCurve" value="1"/>
+    </inkml:brush>
+  </inkml:definitions>
+  <inkml:trace contextRef="#ctx0" brushRef="#br0">0 0 0,'0'33'47,"0"0"-47,0-1 16,0 1-1</inkml:trace>
+</inkml:ink>
+</file>
+
+<file path=ppt/ink/ink55.xml><?xml version="1.0" encoding="utf-8"?>
+<inkml:ink xmlns:inkml="http://www.w3.org/2003/InkML">
+  <inkml:definitions>
+    <inkml:context xml:id="ctx0">
+      <inkml:inkSource xml:id="inkSrc0">
+        <inkml:traceFormat>
+          <inkml:channel name="X" type="integer" max="1920" units="cm"/>
+          <inkml:channel name="Y" type="integer" max="1080" units="cm"/>
+          <inkml:channel name="T" type="integer" max="2.14748E9" units="dev"/>
+        </inkml:traceFormat>
+        <inkml:channelProperties>
+          <inkml:channelProperty channel="X" name="resolution" value="36.85221" units="1/cm"/>
+          <inkml:channelProperty channel="Y" name="resolution" value="36.86007" units="1/cm"/>
+          <inkml:channelProperty channel="T" name="resolution" value="1" units="1/dev"/>
+        </inkml:channelProperties>
+      </inkml:inkSource>
+      <inkml:timestamp xml:id="ts0" timeString="2021-04-09T08:51:15.473"/>
+    </inkml:context>
+    <inkml:brush xml:id="br0">
+      <inkml:brushProperty name="width" value="0.06667" units="cm"/>
+      <inkml:brushProperty name="height" value="0.06667" units="cm"/>
+      <inkml:brushProperty name="color" value="#ED1C24"/>
+      <inkml:brushProperty name="fitToCurve" value="1"/>
+    </inkml:brush>
+  </inkml:definitions>
+  <inkml:trace contextRef="#ctx0" brushRef="#br0">0 0 0,'0'32'110,"0"1"-95,0 0 1,0-1-16</inkml:trace>
+</inkml:ink>
+</file>
+
+<file path=ppt/ink/ink56.xml><?xml version="1.0" encoding="utf-8"?>
+<inkml:ink xmlns:inkml="http://www.w3.org/2003/InkML">
+  <inkml:definitions>
+    <inkml:context xml:id="ctx0">
+      <inkml:inkSource xml:id="inkSrc0">
+        <inkml:traceFormat>
+          <inkml:channel name="X" type="integer" max="1920" units="cm"/>
+          <inkml:channel name="Y" type="integer" max="1080" units="cm"/>
+          <inkml:channel name="T" type="integer" max="2.14748E9" units="dev"/>
+        </inkml:traceFormat>
+        <inkml:channelProperties>
+          <inkml:channelProperty channel="X" name="resolution" value="36.85221" units="1/cm"/>
+          <inkml:channelProperty channel="Y" name="resolution" value="36.86007" units="1/cm"/>
+          <inkml:channelProperty channel="T" name="resolution" value="1" units="1/dev"/>
+        </inkml:channelProperties>
+      </inkml:inkSource>
+      <inkml:timestamp xml:id="ts0" timeString="2021-04-09T08:55:09.874"/>
+    </inkml:context>
+    <inkml:brush xml:id="br0">
+      <inkml:brushProperty name="width" value="0.06667" units="cm"/>
+      <inkml:brushProperty name="height" value="0.06667" units="cm"/>
+      <inkml:brushProperty name="color" value="#ED1C24"/>
+      <inkml:brushProperty name="fitToCurve" value="1"/>
+    </inkml:brush>
+  </inkml:definitions>
+  <inkml:traceGroup>
+    <inkml:annotationXML>
+      <emma:emma xmlns:emma="http://www.w3.org/2003/04/emma" version="1.0">
+        <emma:interpretation id="{3933AAE9-9B2F-4DE5-8E01-85FB1C69435F}" emma:medium="tactile" emma:mode="ink">
+          <msink:context xmlns:msink="http://schemas.microsoft.com/ink/2010/main" type="inkDrawing" rotatedBoundingBox="8205,5503 12601,5503 12601,5518 8205,5518" shapeName="Other"/>
+        </emma:interpretation>
+      </emma:emma>
+    </inkml:annotationXML>
+    <inkml:trace contextRef="#ctx0" brushRef="#br0">0 0 0,'98'0'78,"-66"0"-78,66 0 16,32 0-16,33 0 15,-32 0-15,-1 0 16,0 0-16,0 0 15,1 0-15,31 0 16,-64 0-16,65 0 16,-33 0-16,-32 0 15,0 0-15,64 0 16,-64 0-16,32 0 16,33 0-16,-33 0 15,33 0-15,0 0 16,0 0-16,0 0 15,-33 0-15,0 0 16,0 0-16,-32 0 16,-33 0-16,-32 0 15,32 0-15,-33 0 16,34 0-16,-34 0 16,1 0-1,-1 0 1,1 0 15,-1 0-15,1 0-1,32 0 1,0 0 0,-32 0-1,-1 0 1</inkml:trace>
+  </inkml:traceGroup>
+</inkml:ink>
+</file>
+
+<file path=ppt/ink/ink57.xml><?xml version="1.0" encoding="utf-8"?>
+<inkml:ink xmlns:inkml="http://www.w3.org/2003/InkML">
+  <inkml:definitions>
+    <inkml:context xml:id="ctx0">
+      <inkml:inkSource xml:id="inkSrc0">
+        <inkml:traceFormat>
+          <inkml:channel name="X" type="integer" max="1920" units="cm"/>
+          <inkml:channel name="Y" type="integer" max="1080" units="cm"/>
+          <inkml:channel name="T" type="integer" max="2.14748E9" units="dev"/>
+        </inkml:traceFormat>
+        <inkml:channelProperties>
+          <inkml:channelProperty channel="X" name="resolution" value="36.85221" units="1/cm"/>
+          <inkml:channelProperty channel="Y" name="resolution" value="36.86007" units="1/cm"/>
+          <inkml:channelProperty channel="T" name="resolution" value="1" units="1/dev"/>
+        </inkml:channelProperties>
+      </inkml:inkSource>
+      <inkml:timestamp xml:id="ts0" timeString="2021-04-09T08:55:28.249"/>
+    </inkml:context>
+    <inkml:brush xml:id="br0">
+      <inkml:brushProperty name="width" value="0.06667" units="cm"/>
+      <inkml:brushProperty name="height" value="0.06667" units="cm"/>
+      <inkml:brushProperty name="color" value="#ED1C24"/>
+      <inkml:brushProperty name="fitToCurve" value="1"/>
+    </inkml:brush>
+  </inkml:definitions>
+  <inkml:traceGroup>
+    <inkml:annotationXML>
+      <emma:emma xmlns:emma="http://www.w3.org/2003/04/emma" version="1.0">
+        <emma:interpretation id="{4126CEC2-EF52-478F-96FC-AE6031272AED}" emma:medium="tactile" emma:mode="ink">
+          <msink:context xmlns:msink="http://schemas.microsoft.com/ink/2010/main" type="inkDrawing" rotatedBoundingBox="4916,9313 7293,9313 7293,9328 4916,9328" shapeName="Other"/>
+        </emma:interpretation>
+      </emma:emma>
+    </inkml:annotationXML>
+    <inkml:trace contextRef="#ctx0" brushRef="#br0">0 0 0,'33'0'94,"32"0"-78,-32 0-1,-1 0-15,1 0 16,-1 0-16,1 0 16,32 0-16,-33 0 15,34 0-15,-1 0 16,-33 0-16,33 0 16,1 0-16,31 0 15,-64 0-15,64 0 16,-31 0-16,-34 0 15,33 0-15,0 0 16,1 0-16,31 0 16,-32 0-16,33 0 15,-65 0-15,64 0 16,-64 0-16,32 0 16,33 0-16,-66 0 15,33 0-15,1 0 16,-34 0-16,33 0 15,-32 0-15,-1 0 16,1 0 0,-1 0-16,1 0 15,0 0 1,-1 0 0,1 0-16,-1 0 15,1 0 16,-1 0 1</inkml:trace>
+  </inkml:traceGroup>
+</inkml:ink>
+</file>
+
+<file path=ppt/ink/ink58.xml><?xml version="1.0" encoding="utf-8"?>
+<inkml:ink xmlns:inkml="http://www.w3.org/2003/InkML">
+  <inkml:definitions>
+    <inkml:context xml:id="ctx0">
+      <inkml:inkSource xml:id="inkSrc0">
+        <inkml:traceFormat>
+          <inkml:channel name="X" type="integer" max="1920" units="cm"/>
+          <inkml:channel name="Y" type="integer" max="1080" units="cm"/>
+          <inkml:channel name="T" type="integer" max="2.14748E9" units="dev"/>
+        </inkml:traceFormat>
+        <inkml:channelProperties>
+          <inkml:channelProperty channel="X" name="resolution" value="36.85221" units="1/cm"/>
+          <inkml:channelProperty channel="Y" name="resolution" value="36.86007" units="1/cm"/>
+          <inkml:channelProperty channel="T" name="resolution" value="1" units="1/dev"/>
+        </inkml:channelProperties>
+      </inkml:inkSource>
+      <inkml:timestamp xml:id="ts0" timeString="2021-04-09T08:55:33.218"/>
+    </inkml:context>
+    <inkml:brush xml:id="br0">
+      <inkml:brushProperty name="width" value="0.06667" units="cm"/>
+      <inkml:brushProperty name="height" value="0.06667" units="cm"/>
+      <inkml:brushProperty name="color" value="#ED1C24"/>
+      <inkml:brushProperty name="fitToCurve" value="1"/>
+    </inkml:brush>
+  </inkml:definitions>
+  <inkml:traceGroup>
+    <inkml:annotationXML>
+      <emma:emma xmlns:emma="http://www.w3.org/2003/04/emma" version="1.0">
+        <emma:interpretation id="{1E272C08-C152-4586-88EB-3DE20C690C5E}" emma:medium="tactile" emma:mode="ink">
+          <msink:context xmlns:msink="http://schemas.microsoft.com/ink/2010/main" type="inkDrawing" rotatedBoundingBox="7846,9378 10484,9373 10485,9406 7847,9411" shapeName="Other"/>
+        </emma:interpretation>
+      </emma:emma>
+    </inkml:annotationXML>
+    <inkml:trace contextRef="#ctx0" brushRef="#br0">0 33 0,'0'-33'63,"33"33"-48,32 0 1,0 0 0,0 0-16,0 0 15,33 0-15,32 0 16,-32 0-16,-1 0 15,1 0-15,32 0 16,-32 0-16,0 0 16,-1 0-16,-31 0 15,31 0-15,1 0 16,-33 0-16,0 0 16,0 0-16,-32 0 15,65 0-15,-66 0 16,66 0-1,0 0-15,-33 0 16,0 0-16,0 0 16,0 0-16,0 0 15,-32 0-15,32 0 16,0 0 15,-32 0-15,-1 0-1,1 0 1</inkml:trace>
+  </inkml:traceGroup>
+</inkml:ink>
+</file>
+
+<file path=ppt/ink/ink59.xml><?xml version="1.0" encoding="utf-8"?>
+<inkml:ink xmlns:inkml="http://www.w3.org/2003/InkML">
+  <inkml:definitions>
+    <inkml:context xml:id="ctx0">
+      <inkml:inkSource xml:id="inkSrc0">
+        <inkml:traceFormat>
+          <inkml:channel name="X" type="integer" max="1920" units="cm"/>
+          <inkml:channel name="Y" type="integer" max="1080" units="cm"/>
+          <inkml:channel name="T" type="integer" max="2.14748E9" units="dev"/>
+        </inkml:traceFormat>
+        <inkml:channelProperties>
+          <inkml:channelProperty channel="X" name="resolution" value="36.85221" units="1/cm"/>
+          <inkml:channelProperty channel="Y" name="resolution" value="36.86007" units="1/cm"/>
+          <inkml:channelProperty channel="T" name="resolution" value="1" units="1/dev"/>
+        </inkml:channelProperties>
+      </inkml:inkSource>
+      <inkml:timestamp xml:id="ts0" timeString="2021-04-09T08:56:11.330"/>
+    </inkml:context>
+    <inkml:brush xml:id="br0">
+      <inkml:brushProperty name="width" value="0.06667" units="cm"/>
+      <inkml:brushProperty name="height" value="0.06667" units="cm"/>
+      <inkml:brushProperty name="color" value="#ED1C24"/>
+      <inkml:brushProperty name="fitToCurve" value="1"/>
+    </inkml:brush>
+  </inkml:definitions>
+  <inkml:traceGroup>
+    <inkml:annotationXML>
+      <emma:emma xmlns:emma="http://www.w3.org/2003/04/emma" version="1.0">
+        <emma:interpretation id="{178248AC-509B-434C-8048-4C530CCD8E1B}" emma:medium="tactile" emma:mode="ink">
+          <msink:context xmlns:msink="http://schemas.microsoft.com/ink/2010/main" type="inkDrawing" rotatedBoundingBox="9086,13179 13122,13318 13116,13478 9081,13339" shapeName="Other"/>
+        </emma:interpretation>
+      </emma:emma>
+    </inkml:annotationXML>
+    <inkml:trace contextRef="#ctx0" brushRef="#br0">0 0 0,'66'0'109,"-34"0"-93,66 0-16,0 0 16,-1 0-16,33 33 15,-32-33-15,0 0 16,65 33-16,-66-33 15,34 0-15,-66 0 16,32 32-16,-64-32 16,65 0-16,-66 0 15,66 0-15,-65 0 16,32 0-16,-33 0 16,1 0-16,-1 0 15,1 0-15,-1 0 16,1 0-16,0 0 15,-1 0-15,1 0 16,32 0-16,0 33 16,0-33-1,-32 0-15,32 32 16,0-32-16,-32 0 16,32 0-16,0 0 15,-33 0-15,1 0 16,32 0-16,0 0 15,0 0 1,-32 0-16,32 0 16,-32 0-16,32 0 15,-33 0-15,1 0 16,32 0 0,-33 0-16,1 0 15,0 0 1,-1 0-16,33 0 15,0 0 1,-32 0-16,0 0 16,32 0-16,-33 0 15,1 0 1,-1 0-16,1 0 16,0 0-1,-1 0 16,1 0-15,-1 0 0,1 0 31,-1 0 31,1 0-47,-1-32-15,1 32 15,0 0-31,-1 0 31,1-33-31,-1 1 31,1 32 1,-1 0-1</inkml:trace>
+  </inkml:traceGroup>
+</inkml:ink>
+</file>
+
+<file path=ppt/ink/ink6.xml><?xml version="1.0" encoding="utf-8"?>
+<inkml:ink xmlns:inkml="http://www.w3.org/2003/InkML">
+  <inkml:definitions>
+    <inkml:context xml:id="ctx0">
+      <inkml:inkSource xml:id="inkSrc0">
+        <inkml:traceFormat>
+          <inkml:channel name="X" type="integer" max="1920" units="cm"/>
+          <inkml:channel name="Y" type="integer" max="1080" units="cm"/>
+          <inkml:channel name="T" type="integer" max="2.14748E9" units="dev"/>
+        </inkml:traceFormat>
+        <inkml:channelProperties>
+          <inkml:channelProperty channel="X" name="resolution" value="36.85221" units="1/cm"/>
+          <inkml:channelProperty channel="Y" name="resolution" value="36.86007" units="1/cm"/>
+          <inkml:channelProperty channel="T" name="resolution" value="1" units="1/dev"/>
+        </inkml:channelProperties>
+      </inkml:inkSource>
+      <inkml:timestamp xml:id="ts0" timeString="2021-04-09T08:05:38.097"/>
+    </inkml:context>
+    <inkml:brush xml:id="br0">
+      <inkml:brushProperty name="width" value="0.06667" units="cm"/>
+      <inkml:brushProperty name="height" value="0.06667" units="cm"/>
+      <inkml:brushProperty name="color" value="#ED1C24"/>
+      <inkml:brushProperty name="fitToCurve" value="1"/>
+    </inkml:brush>
+  </inkml:definitions>
+  <inkml:traceGroup>
+    <inkml:annotationXML>
+      <emma:emma xmlns:emma="http://www.w3.org/2003/04/emma" version="1.0">
+        <emma:interpretation id="{E6F34927-8724-4A0B-98BB-96F795499923}" emma:medium="tactile" emma:mode="ink">
+          <msink:context xmlns:msink="http://schemas.microsoft.com/ink/2010/main" type="writingRegion" rotatedBoundingBox="11497,14214 13327,14013 13499,15578 11669,15780"/>
+        </emma:interpretation>
+      </emma:emma>
+    </inkml:annotationXML>
+    <inkml:traceGroup>
+      <inkml:annotationXML>
+        <emma:emma xmlns:emma="http://www.w3.org/2003/04/emma" version="1.0">
+          <emma:interpretation id="{9FBBA728-45E8-4454-9018-3B1DCF97A9DF}" emma:medium="tactile" emma:mode="ink">
+            <msink:context xmlns:msink="http://schemas.microsoft.com/ink/2010/main" type="paragraph" rotatedBoundingBox="11497,14214 13327,14013 13499,15578 11669,15780" alignmentLevel="1"/>
+          </emma:interpretation>
+        </emma:emma>
+      </inkml:annotationXML>
+      <inkml:traceGroup>
+        <inkml:annotationXML>
+          <emma:emma xmlns:emma="http://www.w3.org/2003/04/emma" version="1.0">
+            <emma:interpretation id="{8C1988C3-486B-4A17-AED6-1320F7CC8CAD}" emma:medium="tactile" emma:mode="ink">
+              <msink:context xmlns:msink="http://schemas.microsoft.com/ink/2010/main" type="line" rotatedBoundingBox="11497,14214 13327,14013 13499,15578 11669,15780"/>
+            </emma:interpretation>
+          </emma:emma>
+        </inkml:annotationXML>
+        <inkml:traceGroup>
+          <inkml:annotationXML>
+            <emma:emma xmlns:emma="http://www.w3.org/2003/04/emma" version="1.0">
+              <emma:interpretation id="{AB1FC396-7AE6-45F7-8325-A5A22031A320}" emma:medium="tactile" emma:mode="ink">
+                <msink:context xmlns:msink="http://schemas.microsoft.com/ink/2010/main" type="inkWord" rotatedBoundingBox="11497,14214 13294,14016 13467,15582 11669,15780"/>
+              </emma:interpretation>
+              <emma:one-of disjunction-type="recognition" id="oneOf0">
+                <emma:interpretation id="interp0" emma:lang="" emma:confidence="1">
+                  <emma:literal/>
+                </emma:interpretation>
+              </emma:one-of>
+            </emma:emma>
+          </inkml:annotationXML>
+          <inkml:trace contextRef="#ctx0" brushRef="#br0">261-554 0,'32'0'16,"1"33"-16,-1-33 16,1 65-16,-33-32 15,32-1-15</inkml:trace>
+          <inkml:trace contextRef="#ctx0" brushRef="#br0" timeOffset="-232.4634">293-1075 0,'0'33'16,"0"32"-1,-32-32-15,32 32 16,0 32-16,-33-32 16,33 1-16,-33-1 15,1-33-15,32 1 16</inkml:trace>
+          <inkml:trace contextRef="#ctx0" brushRef="#br0" timeOffset="255.5489">521-879 0,'0'65'0,"33"65"16,-33-65-16,65-32 16,-65 32-16,0-33 15</inkml:trace>
+          <inkml:trace contextRef="#ctx0" brushRef="#br0" timeOffset="431.2704">619-619 0,'0'-32'31,"32"32"-15</inkml:trace>
+          <inkml:trace contextRef="#ctx0" brushRef="#br0" timeOffset="-1208.6283">554 32 0,'-33'0'31,"0"33"-15,1 0 0,-33-1-1,32-32-15,1 33 16,-1-33-16,1 32 16,-1 1-16,0-1 15,1 1 1,-33 0-1,65-1-15,-33-32 16,1 33 0,-1-1 31</inkml:trace>
+          <inkml:trace contextRef="#ctx0" brushRef="#br0" timeOffset="-824.6128">0 0 0,'33'0'0,"-1"0"16,1 32-16,32 34 15,0-1-15,-32-33 16,-1 33-16,1-32 16,-1 32-16,1-65 15,-1 33-15,1-1 16,-1 1 0,-32-1-16</inkml:trace>
+          <inkml:trace contextRef="#ctx0" brushRef="#br0" timeOffset="1001.0927">521-423 0,'0'65'16,"-33"-65"-1,33 32 1,0 1 15,0-1-15,0 1 0,33-33-16,-33 33 15,33-33-15,-1 32 16,1-32-1,-1 0 1,1 0 0,-1 0 15,1 0-15,-33-32-16,0-1 15,0 0 1,0 1-1,0-1 1,0 1 0,0-1-1,-33 33-15,1 0 16,-1-32 0,1 32-1</inkml:trace>
+          <inkml:trace contextRef="#ctx0" brushRef="#br0" timeOffset="2119.3503">879-814 0,'0'32'15,"0"33"-15,0-32 16,0 0 0</inkml:trace>
+          <inkml:trace contextRef="#ctx0" brushRef="#br0" timeOffset="3255.4024">912-423 0,'65'0'31,"0"0"-31,33 0 16,-1 0-16,34 0 15,-1 0-15,-97 0 16,64 0-16,-64 0 16,-1 0-16,1 0 15</inkml:trace>
+          <inkml:trace contextRef="#ctx0" brushRef="#br0" timeOffset="2663.8787">912-489 0,'32'-32'31,"66"32"-15,32 0-16,-32 0 15,-33-33-15,0 33 16,0-32-16</inkml:trace>
+        </inkml:traceGroup>
+        <inkml:traceGroup>
+          <inkml:annotationXML>
+            <emma:emma xmlns:emma="http://www.w3.org/2003/04/emma" version="1.0">
+              <emma:interpretation id="{974B78C4-52AA-4FA1-A87F-206DDB30186C}" emma:medium="tactile" emma:mode="ink">
+                <msink:context xmlns:msink="http://schemas.microsoft.com/ink/2010/main" type="inkWord" rotatedBoundingBox="12644,15097 13436,15009 13468,15295 12675,15382"/>
+              </emma:interpretation>
+              <emma:one-of disjunction-type="recognition" id="oneOf1">
+                <emma:interpretation id="interp1" emma:lang="" emma:confidence="0">
+                  <emma:literal>&gt;</emma:literal>
+                </emma:interpretation>
+                <emma:interpretation id="interp2" emma:lang="" emma:confidence="0">
+                  <emma:literal>0</emma:literal>
+                </emma:interpretation>
+                <emma:interpretation id="interp3" emma:lang="" emma:confidence="0">
+                  <emma:literal>ㄱ</emma:literal>
+                </emma:interpretation>
+                <emma:interpretation id="interp4" emma:lang="" emma:confidence="0">
+                  <emma:literal>’</emma:literal>
+                </emma:interpretation>
+                <emma:interpretation id="interp5" emma:lang="" emma:confidence="0">
+                  <emma:literal>.</emma:literal>
+                </emma:interpretation>
+              </emma:one-of>
+            </emma:emma>
+          </inkml:annotationXML>
+          <inkml:trace contextRef="#ctx0" brushRef="#br0" timeOffset="4351.3976">1172-163 0,'33'0'16,"-1"0"-16,34 0 16,-1 0-16,0 0 15,0 0-15,0 0 16,-32 0-16,64 33 15,-64-33-15,-1 0 16,1 0-16,-33 32 78,0 1-62,0-1-1,-33 1 1,33-1-16,-32 1 63,-1-33-32,1 0-31,-1 0 15,-32 0-15,0 0 16,-65 0-16,32 0 16,33 0-16,-65 0 15,97 0-15,1 0 16</inkml:trace>
+        </inkml:traceGroup>
+        <inkml:traceGroup>
+          <inkml:annotationXML>
+            <emma:emma xmlns:emma="http://www.w3.org/2003/04/emma" version="1.0">
+              <emma:interpretation id="{F8565536-9EE7-4A31-8785-4A9D3311A81A}" emma:medium="tactile" emma:mode="ink">
+                <msink:context xmlns:msink="http://schemas.microsoft.com/ink/2010/main" type="inkWord" rotatedBoundingBox="12569,14263 12825,14234 12876,14695 12619,14724"/>
+              </emma:interpretation>
+              <emma:one-of disjunction-type="recognition" id="oneOf2">
+                <emma:interpretation id="interp6" emma:lang="" emma:confidence="1">
+                  <emma:literal/>
+                </emma:interpretation>
+              </emma:one-of>
+            </emma:emma>
+          </inkml:annotationXML>
+          <inkml:trace contextRef="#ctx0" brushRef="#br0" timeOffset="1784.1626">912-977 0,'65'0'15,"33"0"-15,-66 0 16,1 0-16,-1 0 16</inkml:trace>
+          <inkml:trace contextRef="#ctx0" brushRef="#br0" timeOffset="2344.9507">1010-684 0,'0'33'31,"0"-1"-15,0 1-16,0-1 15,0 1 1</inkml:trace>
+        </inkml:traceGroup>
+        <inkml:traceGroup>
+          <inkml:annotationXML>
+            <emma:emma xmlns:emma="http://www.w3.org/2003/04/emma" version="1.0">
+              <emma:interpretation id="{D80F1344-B908-47EB-B3BD-7B138F657125}" emma:medium="tactile" emma:mode="ink">
+                <msink:context xmlns:msink="http://schemas.microsoft.com/ink/2010/main" type="inkWord" rotatedBoundingBox="12763,15077 12817,15071 12832,15206 12778,15212"/>
+              </emma:interpretation>
+              <emma:one-of disjunction-type="recognition" id="oneOf3">
+                <emma:interpretation id="interp7" emma:lang="" emma:confidence="0">
+                  <emma:literal>〉</emma:literal>
+                </emma:interpretation>
+                <emma:interpretation id="interp8" emma:lang="" emma:confidence="0">
+                  <emma:literal>〈</emma:literal>
+                </emma:interpretation>
+                <emma:interpretation id="interp9" emma:lang="" emma:confidence="0">
+                  <emma:literal>)</emma:literal>
+                </emma:interpretation>
+                <emma:interpretation id="interp10" emma:lang="" emma:confidence="0">
+                  <emma:literal>〕</emma:literal>
+                </emma:interpretation>
+                <emma:interpretation id="interp11" emma:lang="" emma:confidence="0">
+                  <emma:literal>!</emma:literal>
+                </emma:interpretation>
+              </emma:one-of>
+            </emma:emma>
+          </inkml:annotationXML>
+          <inkml:trace contextRef="#ctx0" brushRef="#br0" timeOffset="3815.664">1107-163 0,'33'33'0,"-33"-1"16,32 1-16,-32-1 16</inkml:trace>
+        </inkml:traceGroup>
+        <inkml:traceGroup>
+          <inkml:annotationXML>
+            <emma:emma xmlns:emma="http://www.w3.org/2003/04/emma" version="1.0">
+              <emma:interpretation id="{A919E469-8E14-460E-85E8-A1E39D7AFDBE}" emma:medium="tactile" emma:mode="ink">
+                <msink:context xmlns:msink="http://schemas.microsoft.com/ink/2010/main" type="inkWord" rotatedBoundingBox="12870,14916 12893,14914 12911,15075 12888,15077"/>
+              </emma:interpretation>
+              <emma:one-of disjunction-type="recognition" id="oneOf4">
+                <emma:interpretation id="interp12" emma:lang="" emma:confidence="1">
+                  <emma:literal/>
+                </emma:interpretation>
+              </emma:one-of>
+            </emma:emma>
+          </inkml:annotationXML>
+          <inkml:trace contextRef="#ctx0" brushRef="#br0" timeOffset="3520.2082">1237-326 0,'0'33'0,"0"-1"15,0 1 1,0 0 0,0-1-1</inkml:trace>
+        </inkml:traceGroup>
+      </inkml:traceGroup>
+    </inkml:traceGroup>
+  </inkml:traceGroup>
+</inkml:ink>
+</file>
+
+<file path=ppt/ink/ink60.xml><?xml version="1.0" encoding="utf-8"?>
+<inkml:ink xmlns:inkml="http://www.w3.org/2003/InkML">
+  <inkml:definitions>
+    <inkml:context xml:id="ctx0">
+      <inkml:inkSource xml:id="inkSrc0">
+        <inkml:traceFormat>
+          <inkml:channel name="X" type="integer" max="1920" units="cm"/>
+          <inkml:channel name="Y" type="integer" max="1080" units="cm"/>
+          <inkml:channel name="T" type="integer" max="2.14748E9" units="dev"/>
+        </inkml:traceFormat>
+        <inkml:channelProperties>
+          <inkml:channelProperty channel="X" name="resolution" value="36.85221" units="1/cm"/>
+          <inkml:channelProperty channel="Y" name="resolution" value="36.86007" units="1/cm"/>
+          <inkml:channelProperty channel="T" name="resolution" value="1" units="1/dev"/>
+        </inkml:channelProperties>
+      </inkml:inkSource>
+      <inkml:timestamp xml:id="ts0" timeString="2021-04-09T08:56:58.666"/>
+    </inkml:context>
+    <inkml:brush xml:id="br0">
+      <inkml:brushProperty name="width" value="0.06667" units="cm"/>
+      <inkml:brushProperty name="height" value="0.06667" units="cm"/>
+      <inkml:brushProperty name="color" value="#ED1C24"/>
+      <inkml:brushProperty name="fitToCurve" value="1"/>
+    </inkml:brush>
+  </inkml:definitions>
+  <inkml:traceGroup>
+    <inkml:annotationXML>
+      <emma:emma xmlns:emma="http://www.w3.org/2003/04/emma" version="1.0">
+        <emma:interpretation id="{7435556F-3375-4E96-A404-5D60E5D59D89}" emma:medium="tactile" emma:mode="ink">
+          <msink:context xmlns:msink="http://schemas.microsoft.com/ink/2010/main" type="writingRegion" rotatedBoundingBox="7131,15793 7587,15793 7587,15808 7131,15808"/>
+        </emma:interpretation>
+      </emma:emma>
+    </inkml:annotationXML>
+    <inkml:traceGroup>
+      <inkml:annotationXML>
+        <emma:emma xmlns:emma="http://www.w3.org/2003/04/emma" version="1.0">
+          <emma:interpretation id="{48186B03-8273-4844-9846-841F7AA04DCE}" emma:medium="tactile" emma:mode="ink">
+            <msink:context xmlns:msink="http://schemas.microsoft.com/ink/2010/main" type="paragraph" rotatedBoundingBox="7131,15793 7587,15793 7587,15808 7131,15808" alignmentLevel="1"/>
+          </emma:interpretation>
+        </emma:emma>
+      </inkml:annotationXML>
+      <inkml:traceGroup>
+        <inkml:annotationXML>
+          <emma:emma xmlns:emma="http://www.w3.org/2003/04/emma" version="1.0">
+            <emma:interpretation id="{7C017371-5758-4BFA-A0E8-BCAFC72B0E32}" emma:medium="tactile" emma:mode="ink">
+              <msink:context xmlns:msink="http://schemas.microsoft.com/ink/2010/main" type="line" rotatedBoundingBox="7131,15793 7587,15793 7587,15808 7131,15808"/>
+            </emma:interpretation>
+          </emma:emma>
+        </inkml:annotationXML>
+        <inkml:traceGroup>
+          <inkml:annotationXML>
+            <emma:emma xmlns:emma="http://www.w3.org/2003/04/emma" version="1.0">
+              <emma:interpretation id="{D4E5EA27-6B7B-4EA5-BA5A-E11C87013A66}" emma:medium="tactile" emma:mode="ink">
+                <msink:context xmlns:msink="http://schemas.microsoft.com/ink/2010/main" type="inkWord" rotatedBoundingBox="7131,15793 7587,15793 7587,15808 7131,15808"/>
+              </emma:interpretation>
+              <emma:one-of disjunction-type="recognition" id="oneOf0">
+                <emma:interpretation id="interp0" emma:lang="" emma:confidence="0">
+                  <emma:literal>-</emma:literal>
+                </emma:interpretation>
+                <emma:interpretation id="interp1" emma:lang="" emma:confidence="0">
+                  <emma:literal>_</emma:literal>
+                </emma:interpretation>
+                <emma:interpretation id="interp2" emma:lang="" emma:confidence="0">
+                  <emma:literal>ㅡ</emma:literal>
+                </emma:interpretation>
+                <emma:interpretation id="interp3" emma:lang="" emma:confidence="0">
+                  <emma:literal>一</emma:literal>
+                </emma:interpretation>
+                <emma:interpretation id="interp4" emma:lang="" emma:confidence="0">
+                  <emma:literal>…</emma:literal>
+                </emma:interpretation>
+              </emma:one-of>
+            </emma:emma>
+          </inkml:annotationXML>
+          <inkml:trace contextRef="#ctx0" brushRef="#br0">0 0 0,'65'0'140,"-33"0"-140,1 0 16,32 0-16,-32 0 16,32 0-16,-33 0 15,1 0-15,-1 0 31,1 0 16,0 0 16</inkml:trace>
+        </inkml:traceGroup>
+      </inkml:traceGroup>
+    </inkml:traceGroup>
+  </inkml:traceGroup>
+</inkml:ink>
+</file>
+
+<file path=ppt/ink/ink61.xml><?xml version="1.0" encoding="utf-8"?>
+<inkml:ink xmlns:inkml="http://www.w3.org/2003/InkML">
+  <inkml:definitions>
+    <inkml:context xml:id="ctx0">
+      <inkml:inkSource xml:id="inkSrc0">
+        <inkml:traceFormat>
+          <inkml:channel name="X" type="integer" max="1920" units="cm"/>
+          <inkml:channel name="Y" type="integer" max="1080" units="cm"/>
+          <inkml:channel name="T" type="integer" max="2.14748E9" units="dev"/>
+        </inkml:traceFormat>
+        <inkml:channelProperties>
+          <inkml:channelProperty channel="X" name="resolution" value="36.85221" units="1/cm"/>
+          <inkml:channelProperty channel="Y" name="resolution" value="36.86007" units="1/cm"/>
+          <inkml:channelProperty channel="T" name="resolution" value="1" units="1/dev"/>
+        </inkml:channelProperties>
+      </inkml:inkSource>
+      <inkml:timestamp xml:id="ts0" timeString="2021-04-09T09:00:56.610"/>
+    </inkml:context>
+    <inkml:brush xml:id="br0">
+      <inkml:brushProperty name="width" value="0.06667" units="cm"/>
+      <inkml:brushProperty name="height" value="0.06667" units="cm"/>
+      <inkml:brushProperty name="color" value="#ED1C24"/>
+      <inkml:brushProperty name="fitToCurve" value="1"/>
+    </inkml:brush>
+  </inkml:definitions>
+  <inkml:traceGroup>
+    <inkml:annotationXML>
+      <emma:emma xmlns:emma="http://www.w3.org/2003/04/emma" version="1.0">
+        <emma:interpretation id="{D7E2F986-D2E4-4843-AAC9-102381B18C25}" emma:medium="tactile" emma:mode="ink">
+          <msink:context xmlns:msink="http://schemas.microsoft.com/ink/2010/main" type="inkDrawing" rotatedBoundingBox="4329,2670 15888,2500 15890,2637 4331,2806" shapeName="Other"/>
+        </emma:interpretation>
+      </emma:emma>
+    </inkml:annotationXML>
+    <inkml:trace contextRef="#ctx0" brushRef="#br0">0 152 0,'0'33'16,"98"-33"0,65 0-1,32 0-15,66 0 16,32 0-16,130 0 16,33 0-16,0 0 15,130 0-15,-33 0 16,34 0-16,-66 0 15,-33 0-15,-32 0 16,-65 0-16,-98 0 16,65 0-16,-97 0 15,-1 0-15,-32-33 16,-33 1 0,1-1-16,-1 0 15,-97 33-15,0 0 16,-1 0-16,-64 0 15,65 0-15,-33 0 16,-33 0-16,1 0 16,64 0-16,-64 0 15,32 0-15,0 0 16,0 0-16,33 0 16,65 0-16,-33 0 15,33 0-15,-33 0 16,-65 0-16,66 0 15,-34 0-15,1 0 16,-33 0-16,0 0 16,-32 0-16,-1 0 15,1 0 1,0 0 0,-1 0-1,1 0-15,-1 0 16,33 0-16,0 0 15,-32 0-15,0 0 16,32 0-16,-33 0 16,1 0-1,32 0-15,-32 0 16,32 0-16,32 0 16,1 0-16,0 0 15,32 0-15,-65 0 16,0 0-16,0 0 15,1 0-15,-34 0 16,1 0-16,-1 0 94,1 33-79,-1-33 1</inkml:trace>
+  </inkml:traceGroup>
+</inkml:ink>
+</file>
+
+<file path=ppt/ink/ink62.xml><?xml version="1.0" encoding="utf-8"?>
+<inkml:ink xmlns:inkml="http://www.w3.org/2003/InkML">
+  <inkml:definitions>
+    <inkml:context xml:id="ctx0">
+      <inkml:inkSource xml:id="inkSrc0">
+        <inkml:traceFormat>
+          <inkml:channel name="X" type="integer" max="1920" units="cm"/>
+          <inkml:channel name="Y" type="integer" max="1080" units="cm"/>
+          <inkml:channel name="T" type="integer" max="2.14748E9" units="dev"/>
+        </inkml:traceFormat>
+        <inkml:channelProperties>
+          <inkml:channelProperty channel="X" name="resolution" value="36.85221" units="1/cm"/>
+          <inkml:channelProperty channel="Y" name="resolution" value="36.86007" units="1/cm"/>
+          <inkml:channelProperty channel="T" name="resolution" value="1" units="1/dev"/>
+        </inkml:channelProperties>
+      </inkml:inkSource>
+      <inkml:timestamp xml:id="ts0" timeString="2021-04-09T09:00:59.930"/>
+    </inkml:context>
+    <inkml:brush xml:id="br0">
+      <inkml:brushProperty name="width" value="0.06667" units="cm"/>
+      <inkml:brushProperty name="height" value="0.06667" units="cm"/>
+      <inkml:brushProperty name="color" value="#ED1C24"/>
+      <inkml:brushProperty name="fitToCurve" value="1"/>
+    </inkml:brush>
+  </inkml:definitions>
+  <inkml:traceGroup>
+    <inkml:annotationXML>
+      <emma:emma xmlns:emma="http://www.w3.org/2003/04/emma" version="1.0">
+        <emma:interpretation id="{746A3812-10EF-4DA1-B891-25FD51E00592}" emma:medium="tactile" emma:mode="ink">
+          <msink:context xmlns:msink="http://schemas.microsoft.com/ink/2010/main" type="inkDrawing" rotatedBoundingBox="2238,351 5128,-35 5341,1557 2451,1944" shapeName="Other"/>
+        </emma:interpretation>
+      </emma:emma>
+    </inkml:annotationXML>
+    <inkml:trace contextRef="#ctx0" brushRef="#br0">0 977 0,'0'-33'0,"65"33"16,65 0-16,98-65 15,65 32-15,-32 1 16,97-1-16,-65 33 16,33-97-16,-33 97 15,-65 0-15,-33 0 16,-65 0-16,-32-33 16,-163 33 46,-33 0-62,-65 65 16,0-32-16,-32 64 15,-33-31-15,0 31 16,65-32-16,1 33 16,-34-33-16,33 65 15,0-64-15,1 64 16,31-33-16,66-64 15,33 0 1,32-66 78,32-65-79,33-97-15,66 0 16,-1-1-16,0-32 16,-65 33-16,0 32 15,1 0-15,-1 66 16,-33 31-16,-32 1 16,0 33-16,33 32 46,32 32-30,33 164 0,-1-1-16,-64-32 15,97 0-15,-65-33 16,33 33-16,0-66 16,-66-64-16,1 0 15,-66-33 79,-32 0-78,33 0-16,-66 0 15,-32-66-15,32 34 16,-97-33-16,-1 0 15,66 0-15,-33 32 16,65 33-16,-32-33 16,98 1-16,-99 32 15,66 0-15,0-33 16,-33 33-16,66 0 16,-33 0-16,0 0 15,32 0 32,0 0-31</inkml:trace>
+  </inkml:traceGroup>
+</inkml:ink>
+</file>
+
+<file path=ppt/ink/ink63.xml><?xml version="1.0" encoding="utf-8"?>
+<inkml:ink xmlns:inkml="http://www.w3.org/2003/InkML">
+  <inkml:definitions>
+    <inkml:context xml:id="ctx0">
+      <inkml:inkSource xml:id="inkSrc0">
+        <inkml:traceFormat>
+          <inkml:channel name="X" type="integer" max="1920" units="cm"/>
+          <inkml:channel name="Y" type="integer" max="1080" units="cm"/>
+          <inkml:channel name="T" type="integer" max="2.14748E9" units="dev"/>
+        </inkml:traceFormat>
+        <inkml:channelProperties>
+          <inkml:channelProperty channel="X" name="resolution" value="36.85221" units="1/cm"/>
+          <inkml:channelProperty channel="Y" name="resolution" value="36.86007" units="1/cm"/>
+          <inkml:channelProperty channel="T" name="resolution" value="1" units="1/dev"/>
+        </inkml:channelProperties>
+      </inkml:inkSource>
+      <inkml:timestamp xml:id="ts0" timeString="2021-04-09T09:01:49.490"/>
+    </inkml:context>
+    <inkml:brush xml:id="br0">
+      <inkml:brushProperty name="width" value="0.06667" units="cm"/>
+      <inkml:brushProperty name="height" value="0.06667" units="cm"/>
+      <inkml:brushProperty name="color" value="#ED1C24"/>
+      <inkml:brushProperty name="fitToCurve" value="1"/>
+    </inkml:brush>
+  </inkml:definitions>
+  <inkml:traceGroup>
+    <inkml:annotationXML>
+      <emma:emma xmlns:emma="http://www.w3.org/2003/04/emma" version="1.0">
+        <emma:interpretation id="{68949B25-404A-445E-B986-9D87326E10F1}" emma:medium="tactile" emma:mode="ink">
+          <msink:context xmlns:msink="http://schemas.microsoft.com/ink/2010/main" type="inkDrawing" rotatedBoundingBox="8693,6969 14132,6990 14131,7054 8693,7033" shapeName="Other"/>
+        </emma:interpretation>
+      </emma:emma>
+    </inkml:annotationXML>
+    <inkml:trace contextRef="#ctx0" brushRef="#br0">0 0 0,'0'32'16,"32"-32"-16,66 0 15,-33 33-15,65-33 16,1 0-16,64 0 16,33 0-16,32 0 15,34 0-15,129 0 16,0 0 0,98 0-16,-32 0 15,97 0-15,-33 0 16,-260 0-16,1 0 15,-99 0-15,-97 0 16,-33 0-16,0 0 16</inkml:trace>
+  </inkml:traceGroup>
+</inkml:ink>
+</file>
+
+<file path=ppt/ink/ink64.xml><?xml version="1.0" encoding="utf-8"?>
+<inkml:ink xmlns:inkml="http://www.w3.org/2003/InkML">
+  <inkml:definitions>
+    <inkml:context xml:id="ctx0">
+      <inkml:inkSource xml:id="inkSrc0">
+        <inkml:traceFormat>
+          <inkml:channel name="X" type="integer" max="1920" units="cm"/>
+          <inkml:channel name="Y" type="integer" max="1080" units="cm"/>
+          <inkml:channel name="T" type="integer" max="2.14748E9" units="dev"/>
+        </inkml:traceFormat>
+        <inkml:channelProperties>
+          <inkml:channelProperty channel="X" name="resolution" value="36.85221" units="1/cm"/>
+          <inkml:channelProperty channel="Y" name="resolution" value="36.86007" units="1/cm"/>
+          <inkml:channelProperty channel="T" name="resolution" value="1" units="1/dev"/>
+        </inkml:channelProperties>
+      </inkml:inkSource>
+      <inkml:timestamp xml:id="ts0" timeString="2021-04-09T09:01:55.042"/>
+    </inkml:context>
+    <inkml:brush xml:id="br0">
+      <inkml:brushProperty name="width" value="0.06667" units="cm"/>
+      <inkml:brushProperty name="height" value="0.06667" units="cm"/>
+      <inkml:brushProperty name="color" value="#ED1C24"/>
+      <inkml:brushProperty name="fitToCurve" value="1"/>
+    </inkml:brush>
+  </inkml:definitions>
+  <inkml:traceGroup>
+    <inkml:annotationXML>
+      <emma:emma xmlns:emma="http://www.w3.org/2003/04/emma" version="1.0">
+        <emma:interpretation id="{9F5E5580-8147-4282-97C5-B226B255CF95}" emma:medium="tactile" emma:mode="ink">
+          <msink:context xmlns:msink="http://schemas.microsoft.com/ink/2010/main" type="inkDrawing" rotatedBoundingBox="17257,6028 22044,5957 22045,5999 17258,6070" shapeName="Other"/>
+        </emma:interpretation>
+      </emma:emma>
+    </inkml:annotationXML>
+    <inkml:trace contextRef="#ctx0" brushRef="#br0">0 83 0,'98'0'46,"32"0"-46,0 0 16,98 0-16,-65 0 16,0 0-1,65-33-15,0 33 16,-33 0-16,33 0 16,33 0-16,-99 0 15,66-32-15,-32 32 16,-33 0-16,-1 0 15,-31 0-15,-1 0 16,0 0-16,-32 0 16,-33 0-16,0 0 15,-32 0-15,32 0 16,-33 0-16,1 0 16,-1 0-16,1 0 15,0 0-15,-1 0 16,1 0-16,-1 0 15,1 0 1,-1 0 0,1 0-1,0 0 1,32 0-16,-33 0 16,33 0-16,-32 0 15,0 0 1,-1 0-16,1 0 15,-1 0 32,1 0 0,-1 0-31,1 0-16,32 0 15,-32 0 1,-1 0 0,1 0 15,-1 0-15,1 0 15,-1 0 47,1 0-62</inkml:trace>
+  </inkml:traceGroup>
+</inkml:ink>
+</file>
+
+<file path=ppt/ink/ink65.xml><?xml version="1.0" encoding="utf-8"?>
+<inkml:ink xmlns:inkml="http://www.w3.org/2003/InkML">
+  <inkml:definitions>
+    <inkml:context xml:id="ctx0">
+      <inkml:inkSource xml:id="inkSrc0">
+        <inkml:traceFormat>
+          <inkml:channel name="X" type="integer" max="1920" units="cm"/>
+          <inkml:channel name="Y" type="integer" max="1080" units="cm"/>
+          <inkml:channel name="T" type="integer" max="2.14748E9" units="dev"/>
+        </inkml:traceFormat>
+        <inkml:channelProperties>
+          <inkml:channelProperty channel="X" name="resolution" value="36.85221" units="1/cm"/>
+          <inkml:channelProperty channel="Y" name="resolution" value="36.86007" units="1/cm"/>
+          <inkml:channelProperty channel="T" name="resolution" value="1" units="1/dev"/>
+        </inkml:channelProperties>
+      </inkml:inkSource>
+      <inkml:timestamp xml:id="ts0" timeString="2021-04-09T09:01:55.874"/>
+    </inkml:context>
+    <inkml:brush xml:id="br0">
+      <inkml:brushProperty name="width" value="0.06667" units="cm"/>
+      <inkml:brushProperty name="height" value="0.06667" units="cm"/>
+      <inkml:brushProperty name="color" value="#ED1C24"/>
+      <inkml:brushProperty name="fitToCurve" value="1"/>
+    </inkml:brush>
+  </inkml:definitions>
+  <inkml:traceGroup>
+    <inkml:annotationXML>
+      <emma:emma xmlns:emma="http://www.w3.org/2003/04/emma" version="1.0">
+        <emma:interpretation id="{A0BA73A8-036D-4533-BCE6-DA66F3373B60}" emma:medium="tactile" emma:mode="ink">
+          <msink:context xmlns:msink="http://schemas.microsoft.com/ink/2010/main" type="inkDrawing" rotatedBoundingBox="16379,7001 17453,7001 17453,7016 16379,7016" shapeName="Other"/>
+        </emma:interpretation>
+      </emma:emma>
+    </inkml:annotationXML>
+    <inkml:trace contextRef="#ctx0" brushRef="#br0">0 0 0,'65'0'32,"-32"0"-32,-1 0 15,33 0-15,33 0 16,0 0-16,-33 0 15,32 0-15,1 0 16,-33 0-16,0 0 16,33 0-16,-33 0 15,-32 0-15,-1 0 16,1 0-16,-1 0 16</inkml:trace>
+  </inkml:traceGroup>
+</inkml:ink>
+</file>
+
+<file path=ppt/ink/ink66.xml><?xml version="1.0" encoding="utf-8"?>
+<inkml:ink xmlns:inkml="http://www.w3.org/2003/InkML">
+  <inkml:definitions>
+    <inkml:context xml:id="ctx0">
+      <inkml:inkSource xml:id="inkSrc0">
+        <inkml:traceFormat>
+          <inkml:channel name="X" type="integer" max="1920" units="cm"/>
+          <inkml:channel name="Y" type="integer" max="1080" units="cm"/>
+          <inkml:channel name="T" type="integer" max="2.14748E9" units="dev"/>
+        </inkml:traceFormat>
+        <inkml:channelProperties>
+          <inkml:channelProperty channel="X" name="resolution" value="36.85221" units="1/cm"/>
+          <inkml:channelProperty channel="Y" name="resolution" value="36.86007" units="1/cm"/>
+          <inkml:channelProperty channel="T" name="resolution" value="1" units="1/dev"/>
+        </inkml:channelProperties>
+      </inkml:inkSource>
+      <inkml:timestamp xml:id="ts0" timeString="2021-04-09T09:02:15.026"/>
+    </inkml:context>
+    <inkml:brush xml:id="br0">
+      <inkml:brushProperty name="width" value="0.06667" units="cm"/>
+      <inkml:brushProperty name="height" value="0.06667" units="cm"/>
+      <inkml:brushProperty name="color" value="#ED1C24"/>
+      <inkml:brushProperty name="fitToCurve" value="1"/>
+    </inkml:brush>
+  </inkml:definitions>
+  <inkml:traceGroup>
+    <inkml:annotationXML>
+      <emma:emma xmlns:emma="http://www.w3.org/2003/04/emma" version="1.0">
+        <emma:interpretation id="{16A3C8E6-9D8E-4767-B408-29143E8B6D75}" emma:medium="tactile" emma:mode="ink">
+          <msink:context xmlns:msink="http://schemas.microsoft.com/ink/2010/main" type="inkDrawing" rotatedBoundingBox="2702,8760 8401,8760 8401,8775 2702,8775" semanticType="underline" shapeName="Other"/>
+        </emma:interpretation>
+      </emma:emma>
+    </inkml:annotationXML>
+    <inkml:trace contextRef="#ctx0" brushRef="#br0">0 0 0,'65'0'32,"65"0"-17,66 0-15,32 0 16,0 0-16,97 0 16,66 0-16,97 0 15,-64 0 1,-66 0-16,130 0 15,-64 0-15,-99 0 16,-32 0-16,-32 0 16,0 0-16,-99 0 15,34 0-15,-33 0 16,-66 0-16,-32 0 16,-32 0-16,-1 0 15,34 0-15</inkml:trace>
+  </inkml:traceGroup>
+</inkml:ink>
+</file>
+
+<file path=ppt/ink/ink67.xml><?xml version="1.0" encoding="utf-8"?>
+<inkml:ink xmlns:inkml="http://www.w3.org/2003/InkML">
+  <inkml:definitions>
+    <inkml:context xml:id="ctx0">
+      <inkml:inkSource xml:id="inkSrc0">
+        <inkml:traceFormat>
+          <inkml:channel name="X" type="integer" max="1920" units="cm"/>
+          <inkml:channel name="Y" type="integer" max="1080" units="cm"/>
+          <inkml:channel name="T" type="integer" max="2.14748E9" units="dev"/>
+        </inkml:traceFormat>
+        <inkml:channelProperties>
+          <inkml:channelProperty channel="X" name="resolution" value="36.85221" units="1/cm"/>
+          <inkml:channelProperty channel="Y" name="resolution" value="36.86007" units="1/cm"/>
+          <inkml:channelProperty channel="T" name="resolution" value="1" units="1/dev"/>
+        </inkml:channelProperties>
+      </inkml:inkSource>
+      <inkml:timestamp xml:id="ts0" timeString="2021-04-09T09:02:59.226"/>
+    </inkml:context>
+    <inkml:brush xml:id="br0">
+      <inkml:brushProperty name="width" value="0.06667" units="cm"/>
+      <inkml:brushProperty name="height" value="0.06667" units="cm"/>
+      <inkml:brushProperty name="color" value="#ED1C24"/>
+      <inkml:brushProperty name="fitToCurve" value="1"/>
+    </inkml:brush>
+  </inkml:definitions>
+  <inkml:traceGroup>
+    <inkml:annotationXML>
+      <emma:emma xmlns:emma="http://www.w3.org/2003/04/emma" version="1.0">
+        <emma:interpretation id="{E1ACFAD9-C8EB-4BF9-9FAC-1E9C839152AA}" emma:medium="tactile" emma:mode="ink">
+          <msink:context xmlns:msink="http://schemas.microsoft.com/ink/2010/main" type="inkDrawing" rotatedBoundingBox="17453,8857 23348,8857 23348,8872 17453,8872" shapeName="Other"/>
+        </emma:interpretation>
+      </emma:emma>
+    </inkml:annotationXML>
+    <inkml:trace contextRef="#ctx0" brushRef="#br0">0 0 0,'33'0'16,"0"0"1109,-1 0-1109,1 0 30,-1 0 1,1 0 0,-1 0-16,1 0 1,0 0-1,-1 0-15,1 0-1,-1 0 1,1 0-1,-1 0 1,1 0-16,-1 0 16,1 0-16,0 0 15,-1 0 1,33 0-16,-32 0 16,-1 0-16,1 0 15,0 0-15,-1 0 16,1 0-16,-1 0 15,1 0-15,-1 0 16,1 0 0,-1 0-16,1 0 15,0 0-15,-1 0 16,1 0 0,-1 0-16,1 0 15,-1 0 1,1 0-1,32 0 1,-32 0-16,-1 0 16,1 0-16,-1 0 15,1 0 17,0 0-17,-1 0-15,33 0 16,-32 0-1,-1 0-15,33 0 16,-32 0-16,0 0 16,32 0-16,-33 0 15,1 0 1,-1 0 0,1 0-1,0 0 1,-1 0-1,1 0 1,-1 0 0,1 0-1,-1 0 1,1 0 15,-1 0-31,1 0 47,0 0-31,-1 0-1,1 0 17,-1 0-32,1 0 15,-1 0 1,1 0-1,0 0 1,-1 0-16,1 0 16,-1 0-16,1 0 15,-1 0-15,1 0 16,32 0 0,-32 0-16,-1 0 15,33 0-15,0 0 16,1 0-16,-34 0 15,33 0-15,-32 0 16,32 0-16,-32 0 16,-1 0-16,33 0 15,-32 0-15,-1 0 16,1 0 0,-1 0-16,1 0 15,0 0 1,-1 0-16,1 0 15,-1 0 1,1 0-16,32 0 16,-32 0-16,-1 0 15,1 0-15,-1 0 16,1 0-16,-1 0 16,1 0-16,0 0 15,32 0 1,-33 0-16,1 0 15,-1 0-15,1 0 16,32 0-16,-32 0 16,64 0-16,-32 0 15,-32 0-15,0 0 16,64 0-16,-64 0 16,-1 0-16,1 0 15,32 0-15,-32 0 16,-1 0-1,1 0-15,-1 0 16,1 0-16,-1 0 16,1 0-16,32 0 15,0 0 1,0 0 0,1 0-1,-34 0-15,1 0 16,-1 0-16,1 0 15,-1 0-15,1 0 16,-1 0 0,1 0-16,0 0 15,-1 0-15,1 0 16,-1 0-16,1 0 16,-1 0-16,1 0 15,0 0 16</inkml:trace>
+  </inkml:traceGroup>
+</inkml:ink>
+</file>
+
+<file path=ppt/ink/ink68.xml><?xml version="1.0" encoding="utf-8"?>
+<inkml:ink xmlns:inkml="http://www.w3.org/2003/InkML">
+  <inkml:definitions>
+    <inkml:context xml:id="ctx0">
+      <inkml:inkSource xml:id="inkSrc0">
+        <inkml:traceFormat>
+          <inkml:channel name="X" type="integer" max="1920" units="cm"/>
+          <inkml:channel name="Y" type="integer" max="1080" units="cm"/>
+          <inkml:channel name="T" type="integer" max="2.14748E9" units="dev"/>
+        </inkml:traceFormat>
+        <inkml:channelProperties>
+          <inkml:channelProperty channel="X" name="resolution" value="36.85221" units="1/cm"/>
+          <inkml:channelProperty channel="Y" name="resolution" value="36.86007" units="1/cm"/>
+          <inkml:channelProperty channel="T" name="resolution" value="1" units="1/dev"/>
+        </inkml:channelProperties>
+      </inkml:inkSource>
+      <inkml:timestamp xml:id="ts0" timeString="2021-04-09T09:03:01.553"/>
+    </inkml:context>
+    <inkml:brush xml:id="br0">
+      <inkml:brushProperty name="width" value="0.06667" units="cm"/>
+      <inkml:brushProperty name="height" value="0.06667" units="cm"/>
+      <inkml:brushProperty name="color" value="#ED1C24"/>
+      <inkml:brushProperty name="fitToCurve" value="1"/>
+    </inkml:brush>
+  </inkml:definitions>
+  <inkml:traceGroup>
+    <inkml:annotationXML>
+      <emma:emma xmlns:emma="http://www.w3.org/2003/04/emma" version="1.0">
+        <emma:interpretation id="{469E0115-60EE-41E1-8713-FBD7D1FB8561}" emma:medium="tactile" emma:mode="ink">
+          <msink:context xmlns:msink="http://schemas.microsoft.com/ink/2010/main" type="inkDrawing" rotatedBoundingBox="13284,8999 18397,8920 18399,9040 13286,9119" shapeName="Other"/>
+        </emma:interpretation>
+      </emma:emma>
+    </inkml:annotationXML>
+    <inkml:trace contextRef="#ctx0" brushRef="#br0">0 131 0,'33'0'62,"32"0"-62,33 0 16,32 0-16,-32 0 15,64 0-15,34 0 16,32 0-16,0 0 16,0 0-16,32 0 15,-64 0-15,31 0 16,1 0-16,0 0 16,-65 0-16,0 0 15,0 0-15,0 0 16,-33 0-16,-32 0 15,-1 0-15,-64 0 16,32 0-16,0 0 16,0 0-16,-32 0 15,-1 0-15,66 0 16,-33 0-16,0 0 16,-32 0-16,32 0 15,0 0-15,0 0 16,0-33-16,-32 33 15,0 0-15,32 0 16,-33 0 0,1 0-16,32-32 15,0 32 1,-32 0 0,-1 0-1,1 0 1,-1-33-1,1 33 17,32 0-32,0-33 15,-32 33 1,-1 0 0,1 0-1</inkml:trace>
+  </inkml:traceGroup>
+</inkml:ink>
+</file>
+
+<file path=ppt/ink/ink69.xml><?xml version="1.0" encoding="utf-8"?>
+<inkml:ink xmlns:inkml="http://www.w3.org/2003/InkML">
+  <inkml:definitions>
+    <inkml:context xml:id="ctx0">
+      <inkml:inkSource xml:id="inkSrc0">
+        <inkml:traceFormat>
+          <inkml:channel name="X" type="integer" max="1920" units="cm"/>
+          <inkml:channel name="Y" type="integer" max="1080" units="cm"/>
+          <inkml:channel name="T" type="integer" max="2.14748E9" units="dev"/>
+        </inkml:traceFormat>
+        <inkml:channelProperties>
+          <inkml:channelProperty channel="X" name="resolution" value="36.85221" units="1/cm"/>
+          <inkml:channelProperty channel="Y" name="resolution" value="36.86007" units="1/cm"/>
+          <inkml:channelProperty channel="T" name="resolution" value="1" units="1/dev"/>
+        </inkml:channelProperties>
+      </inkml:inkSource>
+      <inkml:timestamp xml:id="ts0" timeString="2021-04-09T09:03:05.618"/>
+    </inkml:context>
+    <inkml:brush xml:id="br0">
+      <inkml:brushProperty name="width" value="0.06667" units="cm"/>
+      <inkml:brushProperty name="height" value="0.06667" units="cm"/>
+      <inkml:brushProperty name="color" value="#ED1C24"/>
+      <inkml:brushProperty name="fitToCurve" value="1"/>
+    </inkml:brush>
+  </inkml:definitions>
+  <inkml:traceGroup>
+    <inkml:annotationXML>
+      <emma:emma xmlns:emma="http://www.w3.org/2003/04/emma" version="1.0">
+        <emma:interpretation id="{4DD9A09D-EEC9-4E1B-A9C4-4B679C99B33E}" emma:medium="tactile" emma:mode="ink">
+          <msink:context xmlns:msink="http://schemas.microsoft.com/ink/2010/main" type="inkDrawing" rotatedBoundingBox="3896,8729 6135,8841 6066,10213 3828,10101" hotPoints="6045,9544 4762,9996 3667,9190 4950,8738" semanticType="enclosure" shapeName="Ellipse"/>
+        </emma:interpretation>
+      </emma:emma>
+    </inkml:annotationXML>
+    <inkml:trace contextRef="#ctx0" brushRef="#br0">465 1351 0,'-32'-65'0,"-1"65"16,0-65-16,33 33 16,0-1-16,0-32 15,0 32-15,0 1 16,0-1-16,0 1 15,0-34-15,0 34 16,0-33-16,0 32 16,33-32-16,-33 0 15,65 32 1,-32 1-16,32-33 16,-65 32-16,65 1 15,0-1-15,0 0 16,0 1-16,33 32 15,-65 0-15,64-33 16,1 1-16,0 32 16,-33-33-16,32 33 15,-64 0-15,32 0 16,0 0-16,0 0 16,33 0-16,-65 33 15,64 32-15,1 0 16,0 0-16,-66-32 15,1-1-15,32 1 16,-65-1-16,33-32 16,-33 33-16,0-1 15,0 1 1,0 0-16,0 32 16,0-33-1,0 1-15,0 32 16,0-32-16,0-1 15,-33 1-15,0-1 16,1 1-16,-1-33 31,1 32-31,-1-32 16,1 33-16,-1 0 16,0-33-16,1 32 15,-1-32-15,1 0 16,-1 0-16,-64 33 15,64-33-15,-32 0 16,0 0-16,-33 65 16,33-65-16,-33 0 15,1 0-15,31 0 16,-31 0-16,-1 0 16,0 0-16,1 0 15,64 0-15,-65 0 16,33-33-16,0 33 15,0 0-15,32-32 16,1-1 0,-1 33-16,1-65 15,-1 0-15,1 0 16,-1-33-16,33 33 16,-33-33-16,33 0 15,0 33-15,0 33 16,0-33-1,0 32-15,0-32 16,0 32 0,0 1-1,0-1-15,33 1 16,-33-1 0,33 1-16,-1-1 15,33 0-15,-32 33 16,-1-32-16,66-1 15,-33 33-15,-32 0 16,64-32-16,-64 32 16,32-33-16,-32 33 15,32 0-15,0 0 16,-32 0-16,32 0 16,-33 0-16,1 0 15,65 0-15,-66 0 16,33 0-16,0 33 15,33-1-15,-33 1 16,33-1-16,-33 1 16,0 0-16,0-1 15,-32 1 1,-1-1-16,33 1 16,-32-33-16,0 32 15,-33 1 1,32 32-1,1 0 1,-33-32 0,0 32-16,0-33 15,0 1 1,0 0-16,0-1 16,0 33-16,0-32 15,0-1-15,0 1 16,0 0-16,-33-1 15,1 1-15,-1-1 16,0 1-16,1-1 16,-1-32-1,1 33-15,-33 0 16,32-1 0,-32-32-1,32 0 1,-32 0-16,33 0 15,-1 0-15,-65 0 16,66 0 0,-66 0-16,-32 0 15,32 0-15,33 0 16,-65 0-16,65 0 16,0-32-16,-33 32 15,65-33-15,1 33 16,-33-33-16,32 33 15,-32 0-15,0-32 16,32-1-16,-32 33 16,0-32-16,32-1 15,1 33 1,-1-32 0,1-34-1,32 1 1,-33 0-1,33 33-15,0-34 16,0 34-16,0-33 16,0 32-16,0-32 15,0 0-15,65 0 16,-32 32 0,-33 1-16,32-1 15</inkml:trace>
+  </inkml:traceGroup>
+</inkml:ink>
+</file>
+
+<file path=ppt/ink/ink7.xml><?xml version="1.0" encoding="utf-8"?>
+<inkml:ink xmlns:inkml="http://www.w3.org/2003/InkML">
+  <inkml:definitions>
+    <inkml:context xml:id="ctx0">
+      <inkml:inkSource xml:id="inkSrc0">
+        <inkml:traceFormat>
+          <inkml:channel name="X" type="integer" max="1920" units="cm"/>
+          <inkml:channel name="Y" type="integer" max="1080" units="cm"/>
+          <inkml:channel name="T" type="integer" max="2.14748E9" units="dev"/>
+        </inkml:traceFormat>
+        <inkml:channelProperties>
+          <inkml:channelProperty channel="X" name="resolution" value="36.85221" units="1/cm"/>
+          <inkml:channelProperty channel="Y" name="resolution" value="36.86007" units="1/cm"/>
+          <inkml:channelProperty channel="T" name="resolution" value="1" units="1/dev"/>
+        </inkml:channelProperties>
+      </inkml:inkSource>
+      <inkml:timestamp xml:id="ts0" timeString="2021-04-09T08:09:56.817"/>
+    </inkml:context>
+    <inkml:brush xml:id="br0">
+      <inkml:brushProperty name="width" value="0.06667" units="cm"/>
+      <inkml:brushProperty name="height" value="0.06667" units="cm"/>
+      <inkml:brushProperty name="color" value="#ED1C24"/>
+      <inkml:brushProperty name="fitToCurve" value="1"/>
+    </inkml:brush>
+  </inkml:definitions>
+  <inkml:traceGroup>
+    <inkml:annotationXML>
+      <emma:emma xmlns:emma="http://www.w3.org/2003/04/emma" version="1.0">
+        <emma:interpretation id="{C6611F92-BD46-466D-B8A1-571D0B72325C}" emma:medium="tactile" emma:mode="ink">
+          <msink:context xmlns:msink="http://schemas.microsoft.com/ink/2010/main" type="writingRegion" rotatedBoundingBox="1557,13224 7197,9657 8763,12133 3123,15700"/>
+        </emma:interpretation>
+      </emma:emma>
+    </inkml:annotationXML>
+    <inkml:traceGroup>
+      <inkml:annotationXML>
+        <emma:emma xmlns:emma="http://www.w3.org/2003/04/emma" version="1.0">
+          <emma:interpretation id="{67C2AA99-2458-4CDF-A0FF-E887E6694D29}" emma:medium="tactile" emma:mode="ink">
+            <msink:context xmlns:msink="http://schemas.microsoft.com/ink/2010/main" type="paragraph" rotatedBoundingBox="1557,13224 7197,9657 8763,12133 3123,15700" alignmentLevel="1"/>
+          </emma:interpretation>
+        </emma:emma>
+      </inkml:annotationXML>
+      <inkml:traceGroup>
+        <inkml:annotationXML>
+          <emma:emma xmlns:emma="http://www.w3.org/2003/04/emma" version="1.0">
+            <emma:interpretation id="{8A73D8B1-183A-43CC-BEC8-1F4CEC119531}" emma:medium="tactile" emma:mode="ink">
+              <msink:context xmlns:msink="http://schemas.microsoft.com/ink/2010/main" type="line" rotatedBoundingBox="1557,13224 7197,9657 8763,12133 3123,15700"/>
+            </emma:interpretation>
+          </emma:emma>
+        </inkml:annotationXML>
+        <inkml:traceGroup>
+          <inkml:annotationXML>
+            <emma:emma xmlns:emma="http://www.w3.org/2003/04/emma" version="1.0">
+              <emma:interpretation id="{5BF68AF5-1586-41CA-9C8A-8A37C84B225A}" emma:medium="tactile" emma:mode="ink">
+                <msink:context xmlns:msink="http://schemas.microsoft.com/ink/2010/main" type="inkWord" rotatedBoundingBox="1557,13224 3690,11875 5256,14351 3123,15700"/>
+              </emma:interpretation>
+              <emma:one-of disjunction-type="recognition" id="oneOf0">
+                <emma:interpretation id="interp0" emma:lang="" emma:confidence="0">
+                  <emma:literal>9</emma:literal>
+                </emma:interpretation>
+                <emma:interpretation id="interp1" emma:lang="" emma:confidence="0">
+                  <emma:literal>刁</emma:literal>
+                </emma:interpretation>
+                <emma:interpretation id="interp2" emma:lang="" emma:confidence="0">
+                  <emma:literal>g</emma:literal>
+                </emma:interpretation>
+                <emma:interpretation id="interp3" emma:lang="" emma:confidence="0">
+                  <emma:literal>3</emma:literal>
+                </emma:interpretation>
+                <emma:interpretation id="interp4" emma:lang="" emma:confidence="0">
+                  <emma:literal>0</emma:literal>
+                </emma:interpretation>
+              </emma:one-of>
+            </emma:emma>
+          </inkml:annotationXML>
+          <inkml:trace contextRef="#ctx0" brushRef="#br0">-326 1694 0,'-33'0'31,"33"-33"-16,-32 33-15,-33-65 16,0 32-16,-33-64 16,33 31-16,-33 1 15,33 33-15,32-1 16,1-65-16,-33 33 16,32-32-16,33-1 15,-32 0-15,32 1 16,0-1-16,0 0 15,0-32 1,0 0-16,0 32 16,0-65-16,32 65 15,-32-32-15,33 33 16,32-34-16,33 1 16,-66 97-16,33-64 15,-32 64-15,-1 1 16,33-33-16,-32 32 15,0 0-15,-1 33 16,66 0-16,-66 0 16,34 0-16,-34 0 15,66 0-15,-66 0 16,66 0-16,0 0 16,-1 0-16,-31 0 15,64 0-15,-32 0 16,-1 33-16,1 32 15,0-32-15,-66-1 16,33 33-16,-65-32 16,65-1-16,-32 34 15,-33-34-15,65 66 16,-65-33 0,33-32-16,32 64 15,-33-32-15,1 0 16,-1 1-16,1-34 15,-33 1-15,33-1 16,-33 1-16,32 32 16,1 33-16,-1-66 15,-32 33-15,0 1 16,0-1-16,0 32 16,0 1-16,0 0 15,0-1-15,0-64 16,0 32-16,0-32 15,0-1-15,0 33 16,-32-32-16,32-1 16,-33 34-16,33-1 15,-65 0-15,32 0 16,1-65-16,-33 65 16,0 0-16,-33 0 15,33-32 1,-33-33-16,33 33 15,32-33 1,-32 0-16,0 0 16,33 0-16,-1 0 15,1 0-15,-34 0 16,34 0-16,-33 0 16,-33 0-16,0-33 15,1 33-15,64 0 16,-32 0-16,32 0 15,1 0 1</inkml:trace>
+        </inkml:traceGroup>
+        <inkml:traceGroup>
+          <inkml:annotationXML>
+            <emma:emma xmlns:emma="http://www.w3.org/2003/04/emma" version="1.0">
+              <emma:interpretation id="{53752AB6-B05C-4BF3-A326-47A69181285A}" emma:medium="tactile" emma:mode="ink">
+                <msink:context xmlns:msink="http://schemas.microsoft.com/ink/2010/main" type="inkWord" rotatedBoundingBox="2929,13598 3506,13233 4060,14109 3483,14474"/>
+              </emma:interpretation>
+              <emma:one-of disjunction-type="recognition" id="oneOf1">
+                <emma:interpretation id="interp5" emma:lang="" emma:confidence="1">
+                  <emma:literal/>
+                </emma:interpretation>
+              </emma:one-of>
+            </emma:emma>
+          </inkml:annotationXML>
+          <inkml:trace contextRef="#ctx0" brushRef="#br0" timeOffset="-194743.8695">-33 814 0,'98'0'0,"-66"0"16,1 0-16,-1 0 16,34 0-16,-34 0 15,33 0 1,-32 0-16,-1 0 15,34 0-15,-34 0 32,1 0-1,-1 0-15,1 0-1,-1 0 1,1 0 15</inkml:trace>
+          <inkml:trace contextRef="#ctx0" brushRef="#br0" timeOffset="-195864.0793">0 0 0,'32'0'16,"1"0"0,-1 0-16,33 0 15,1 0 1,-34 0 15</inkml:trace>
+        </inkml:traceGroup>
+        <inkml:traceGroup>
+          <inkml:annotationXML>
+            <emma:emma xmlns:emma="http://www.w3.org/2003/04/emma" version="1.0">
+              <emma:interpretation id="{4A4D6C3F-0E87-4DC6-94DC-13034F026183}" emma:medium="tactile" emma:mode="ink">
+                <msink:context xmlns:msink="http://schemas.microsoft.com/ink/2010/main" type="inkWord" rotatedBoundingBox="6607,11187 7720,10483 8401,11560 7288,12263"/>
+              </emma:interpretation>
+              <emma:one-of disjunction-type="recognition" id="oneOf2">
+                <emma:interpretation id="interp6" emma:lang="" emma:confidence="1">
+                  <emma:literal/>
+                </emma:interpretation>
+              </emma:one-of>
+            </emma:emma>
+          </inkml:annotationXML>
+          <inkml:trace contextRef="#ctx0" brushRef="#br0" timeOffset="-160423.9322">4233-1661 0,'-33'0'16,"-32"0"-16,33 0 15,-1 0 1,1 0-16,-34 0 16,34-32-1,-1 32 1,1 0-16,-1-33 16,-32 33-1,32-32 1,1 32-1,-33-33-15,32 1 16,1 32 0,-1-33-16,1 0 15,-34 1 1,34-1 0,32 1-1,-33-1 1,33 1-1,0-1 1,0 1 0,0-1 15,0 0-15,0 1-16,33-1 15,-1 33-15,1 0 16,32-65-1,0 65-15,0 0 16,0-32-16,1 32 16,31 0-16,-64 0 15,65 0-15,-66 0 16,33 0-16,-32 0 16,-1 0-16,34 0 15,-1 32-15,-33 1 16,1-33-16,32 32 15,-33 1-15,1-1 16,32-32-16,-32 33 16,-1 0-16,1-1 15,-1-32-15,-32 33 16,33-1-16,0-32 16,-33 33-1,0-1 16,0 1-15,0-1 0,0 1 15,-66 0-31,34-33 16,-1 32-1,-32-32-15,33 0 16,-66 33-16,65-33 15,-32 32-15,0 1 16</inkml:trace>
+          <inkml:trace contextRef="#ctx0" brushRef="#br0" timeOffset="-52856.0356">4819-1791 0,'33'0'47,"-1"0"-32,1 0 1,-1 0 0,1 0-1,-1 0 1,1 0 0,0 0 46</inkml:trace>
+        </inkml:traceGroup>
+      </inkml:traceGroup>
+    </inkml:traceGroup>
+  </inkml:traceGroup>
+</inkml:ink>
+</file>
+
+<file path=ppt/ink/ink70.xml><?xml version="1.0" encoding="utf-8"?>
+<inkml:ink xmlns:inkml="http://www.w3.org/2003/InkML">
+  <inkml:definitions>
+    <inkml:context xml:id="ctx0">
+      <inkml:inkSource xml:id="inkSrc0">
+        <inkml:traceFormat>
+          <inkml:channel name="X" type="integer" max="1920" units="cm"/>
+          <inkml:channel name="Y" type="integer" max="1080" units="cm"/>
+          <inkml:channel name="T" type="integer" max="2.14748E9" units="dev"/>
+        </inkml:traceFormat>
+        <inkml:channelProperties>
+          <inkml:channelProperty channel="X" name="resolution" value="36.85221" units="1/cm"/>
+          <inkml:channelProperty channel="Y" name="resolution" value="36.86007" units="1/cm"/>
+          <inkml:channelProperty channel="T" name="resolution" value="1" units="1/dev"/>
+        </inkml:channelProperties>
+      </inkml:inkSource>
+      <inkml:timestamp xml:id="ts0" timeString="2021-04-09T09:03:14.081"/>
+    </inkml:context>
+    <inkml:brush xml:id="br0">
+      <inkml:brushProperty name="width" value="0.06667" units="cm"/>
+      <inkml:brushProperty name="height" value="0.06667" units="cm"/>
+      <inkml:brushProperty name="color" value="#ED1C24"/>
+      <inkml:brushProperty name="fitToCurve" value="1"/>
+    </inkml:brush>
+  </inkml:definitions>
+  <inkml:traceGroup>
+    <inkml:annotationXML>
+      <emma:emma xmlns:emma="http://www.w3.org/2003/04/emma" version="1.0">
+        <emma:interpretation id="{EBB78793-CDB7-4D6E-AC61-CF67E52C0D5B}" emma:medium="tactile" emma:mode="ink">
+          <msink:context xmlns:msink="http://schemas.microsoft.com/ink/2010/main" type="inkDrawing" rotatedBoundingBox="2038,9867 9151,10938 8175,17422 1062,16351" hotPoints="8182,10893 8320,16774 2440,16912 2302,11032" semanticType="enclosure" shapeName="Square">
+            <msink:sourceLink direction="with" ref="{3BFE7487-1DA2-4BCA-8C08-A05A22D7D79B}"/>
+          </msink:context>
+        </emma:interpretation>
+      </emma:emma>
+    </inkml:annotationXML>
+    <inkml:trace contextRef="#ctx0" brushRef="#br0">0 0 0,'0'33'0,"65"97"15,0 33-15,-65 65 16,65 32-16,-65-32 16,65 33-16,-65-1 15,0 1 1,0-33-16,0-1 0,0 1 16,0-65-1,-32 33-15,-33 32 16,32-33-16,0 33 15,1 0-15,32-65 16,0 32-16,0-65 16,0-32-16,0-65 15,0-1 1</inkml:trace>
+    <inkml:trace contextRef="#ctx0" brushRef="#br0" timeOffset="4976.0149">-131 261 0,'33'0'16,"-33"-33"0,33 33-1,32-33 1,32 1-16,-31 32 16,31 0-16,1-33 15,65 1-15,-66 32 16,99 0-16,-66 0 15,65 0-15,-32 0 16,33 0-16,-33 0 16,32-65-16,33 65 15,0 0-15,0 0 16,-33-66-16,66 66 16,-66 0-16,33 0 15,0 0-15,0 0 16,-33 0-16,33 0 15,-32-65-15,-1 65 16,-32 0-16,97-65 16,-129 65-16,-1 0 15,-32 0-15,-1 0 16,-64 0-16,32 0 16,-33 0-1,1 0 32,260 0 31,-228 0-78,-32 0 0,-1 0 16,1 0-1,-33 98 95,0 0-110,0-1 15,0 1-15,0-33 16,0 33-16,0-1 16,0 34-1,0 32-15,0-33 16,0-33-16,0 66 16,0-32-16,0-1 15,0 33-15,0-33 16,-33 33-16,33-66 15,0 1-15,0 0 16,0-66-16,0 33 16,0 1-16,0-1 15,0 0-15,0 0 16,0 33-16,0-1 16,0 1-16,0-33 15,0 33-15,-32-33 16,32 65-16,-33-97 15,33 32-15,0 0 16,0-32-16,0 32 16,0-33-16,0 66 15,0-33-15,0-32 16,0 32-16,0 33 16,0-33-16,0 0 15,0 65-15,0-65 16,0 0-1,0 0-15,0 33 16,0-65-16,0 64 16,0-64-16,0 32 15,0 0-15,0-32 16,0 64-16,0-31 16,33 31-16,-33-32 15,32-32-15,-32 65 16,33-66-16,-33 33 15,0-32 1,0 0-16,0-1 16,0 1-1,0-1 1,0 1-16,0-1 94,0 1-79,0-1 17,0 1 14,-33-33-14,1 0-17,-1 0-15,1 0 16,-1 0-16,-65-33 16,1 33-16,32 0 15,-98 0-15,-33-32 16,34 32-16,-66 0 15,0 0-15,-33 0 16,1 0-16,97 0 16,-65 0-16,0 0 15,65 0-15,0 0 16,0-33-16,66 33 16,-1 0-16,-32 0 15,65 0-15,0 0 16,-1 0-16,1 0 15,33 0-15,-66 0 16,65 0 0,1 0-16,-33 0 15,32 0 1,1 0-16,-33 0 16,32 0-16,-32 0 15,0 0-15,0 0 16,-1 0-1,34 0-15,-1 0 16,1 0-16,-33 0 16,32 0-16,1 0 15,-1 0-15,0 0 16,1 0-16,-1 0 16,1 0-1,-1 0-15,-32 0 16,0 0-1,0 0-15,32 0 16,1 0-16,-1 0 16,0 0-16,1 0 15,-1 0 1,1 0 0,-1 0 30,1 0-14,-1 0-32,1 0 15,-1 0-15,0 0 16,-32 0-16,33 0 16,-1 0-16,1 0 15,-1 0-15,0 0 31,1 0-31,-1 0 16,1 0 0,-33 0-16,0 0 15,32 0-15,-32 0 16,32 0-16,1 0 16,-1 0-1,1 0-15,-1 0 16,0 0-16,1 33 15,-1-33 1,1 0 172,32-33-173,0 1 1,0-33-16,0 32 15,-33-65 1,33 66-16,0-1 16,0 1-16,0-1 15,-32-32 1,32 32 0,0 1-1,0-1 1,0 1-16,0-1 31,0 1 0,0-1-15,0 0 0,0 1-1,0-1-15,0 1 16,0-33-1,0 32 17,0-32-17,0 32 1,0 1 0,0-1-1,0 1 1,0-1-16,0 1 15,0-1-15,0 0 16,-33 1-16,33-1 16,0 1-16,0-1 15,0 1-15,0-1 16,0-32 0,0 32-1,0 1 1,0-1-16,0 1 15,0-1 1,0-32-16,0 32 16,0 1-16,0-1 15,0-32-15,0 33 16,0-1-16,0 0 16,0 1-16,0-33 15,0 32-15,0-32 16,0 33-16,0-1 15,0-32-15,0 0 16,0 0-16,0 32 16,0-32-16,0 0 15,0-33-15,0 66 16,0-66-16,0 65 16,0 1-16,0-33 15,0 32 1,0 0-16,0-32 15,0 33-15,-33-66 16,33 65-16,-32-32 16,32 33-16,0-66 15,0 66 1,0-1-16,0 0 16,0-32-16,-33 33 15,33-1-15,0-32 16,-32 32-16,32 1 15,-33-66-15,33 33 16,0 0 0,0 0-1,0 32 1,0-32 0,0 33-16,0-1 15,0 0-15,0 1 16,0-1-16,0 1 15,0-1-15,-32 1 16,32-1 0,0-32-1,0 32-15,0 1 16,0-1-16,0 1 16,0-1-1,0-32 1,0 32-1,0 1 1,0-1 15,0 1 1,0-1-17,0 1-15,0-1 16,0 0 15,0 1 0,0-1-15,0 1 62,0-1-62,0 1-16,32 32 250,1 0-235,-1 0-15,33 0 16,-32 0-16,0 0 16,32 0-16,-33 0 15,66 0-15,-33 0 16,0-33-16,-32 33 15,32 0-15,-32-32 16,32 32-16,-33 0 16,1 0-1,-1 0 1,1-33 0,-1 33-1</inkml:trace>
+  </inkml:traceGroup>
+</inkml:ink>
+</file>
+
+<file path=ppt/ink/ink71.xml><?xml version="1.0" encoding="utf-8"?>
+<inkml:ink xmlns:inkml="http://www.w3.org/2003/InkML">
+  <inkml:definitions>
+    <inkml:context xml:id="ctx0">
+      <inkml:inkSource xml:id="inkSrc0">
+        <inkml:traceFormat>
+          <inkml:channel name="X" type="integer" max="1920" units="cm"/>
+          <inkml:channel name="Y" type="integer" max="1080" units="cm"/>
+          <inkml:channel name="T" type="integer" max="2.14748E9" units="dev"/>
+        </inkml:traceFormat>
+        <inkml:channelProperties>
+          <inkml:channelProperty channel="X" name="resolution" value="36.85221" units="1/cm"/>
+          <inkml:channelProperty channel="Y" name="resolution" value="36.86007" units="1/cm"/>
+          <inkml:channelProperty channel="T" name="resolution" value="1" units="1/dev"/>
+        </inkml:channelProperties>
+      </inkml:inkSource>
+      <inkml:timestamp xml:id="ts0" timeString="2021-04-09T09:03:21.802"/>
+    </inkml:context>
+    <inkml:brush xml:id="br0">
+      <inkml:brushProperty name="width" value="0.06667" units="cm"/>
+      <inkml:brushProperty name="height" value="0.06667" units="cm"/>
+      <inkml:brushProperty name="color" value="#ED1C24"/>
+      <inkml:brushProperty name="fitToCurve" value="1"/>
+    </inkml:brush>
+  </inkml:definitions>
+  <inkml:traceGroup>
+    <inkml:annotationXML>
+      <emma:emma xmlns:emma="http://www.w3.org/2003/04/emma" version="1.0">
+        <emma:interpretation id="{3BFE7487-1DA2-4BCA-8C08-A05A22D7D79B}" emma:medium="tactile" emma:mode="ink">
+          <msink:context xmlns:msink="http://schemas.microsoft.com/ink/2010/main" type="writingRegion" rotatedBoundingBox="3829,11244 5386,11288 5351,12539 3794,12495">
+            <msink:destinationLink direction="with" ref="{EBB78793-CDB7-4D6E-AC61-CF67E52C0D5B}"/>
+          </msink:context>
+        </emma:interpretation>
+      </emma:emma>
+    </inkml:annotationXML>
+    <inkml:traceGroup>
+      <inkml:annotationXML>
+        <emma:emma xmlns:emma="http://www.w3.org/2003/04/emma" version="1.0">
+          <emma:interpretation id="{AB02C5F9-5B62-4456-A8BC-C9DA8F90CBE4}" emma:medium="tactile" emma:mode="ink">
+            <msink:context xmlns:msink="http://schemas.microsoft.com/ink/2010/main" type="paragraph" rotatedBoundingBox="3829,11244 5386,11288 5351,12539 3794,12495" alignmentLevel="1"/>
+          </emma:interpretation>
+        </emma:emma>
+      </inkml:annotationXML>
+      <inkml:traceGroup>
+        <inkml:annotationXML>
+          <emma:emma xmlns:emma="http://www.w3.org/2003/04/emma" version="1.0">
+            <emma:interpretation id="{32609765-D53B-4D09-BBFF-E42D88B9E363}" emma:medium="tactile" emma:mode="ink">
+              <msink:context xmlns:msink="http://schemas.microsoft.com/ink/2010/main" type="line" rotatedBoundingBox="3829,11244 5386,11288 5351,12539 3794,12495"/>
+            </emma:interpretation>
+          </emma:emma>
+        </inkml:annotationXML>
+        <inkml:traceGroup>
+          <inkml:annotationXML>
+            <emma:emma xmlns:emma="http://www.w3.org/2003/04/emma" version="1.0">
+              <emma:interpretation id="{A8CC185F-312D-41F5-A929-E2B5B64D7C06}" emma:medium="tactile" emma:mode="ink">
+                <msink:context xmlns:msink="http://schemas.microsoft.com/ink/2010/main" type="inkWord" rotatedBoundingBox="3829,11244 5386,11288 5351,12539 3794,12495"/>
+              </emma:interpretation>
+              <emma:one-of disjunction-type="recognition" id="oneOf0">
+                <emma:interpretation id="interp0" emma:lang="" emma:confidence="1">
+                  <emma:literal/>
+                </emma:interpretation>
+              </emma:one-of>
+            </emma:emma>
+          </inkml:annotationXML>
+          <inkml:trace contextRef="#ctx0" brushRef="#br0">489-65 0,'0'33'16,"32"97"0,1 0-16,-33-32 15,32 0-15,-32-66 16,0 66-16,33-66 16,-33 1-16,0 0 15,0-1-15,0 1 16,0-1-1</inkml:trace>
+          <inkml:trace contextRef="#ctx0" brushRef="#br0" timeOffset="-311.6938">261 391 0,'65'0'15,"-33"0"1,1 0-16,-1 0 16,1 0-16,0 0 15,-33-32 32</inkml:trace>
+          <inkml:trace contextRef="#ctx0" brushRef="#br0" timeOffset="-871.535">195 0 0,'0'33'47,"0"97"-47,0-65 16,-65 66-16,33-66 16,-1 0-16,1 0 15,-1-33 1</inkml:trace>
+          <inkml:trace contextRef="#ctx0" brushRef="#br0" timeOffset="-607.7828">130 424 0,'65'65'15,"-65"-33"-15,33 1 16,0-1-16,-33 34 15</inkml:trace>
+          <inkml:trace contextRef="#ctx0" brushRef="#br0" timeOffset="744.0033">489 782 0,'-33'0'16,"0"0"0,1 0-1,-1 32 1,1-32 0,-1 0-1,33 33 16,0 32-15,0-32 0,0-1-16,0 1 15,0-1-15,0 1 16,33 0-16,-1-33 16,33 0-1,-32 0 1,0 0-1,-1 0 17,1 0-17,-1 0-15,1-33 16,-33 0-16,0 1 16,32-1-16,-32 1 15,-32-131 63,-1 163-62,1 0 15,-1 0-15</inkml:trace>
+          <inkml:trace contextRef="#ctx0" brushRef="#br0" timeOffset="2175.715">782 424 0,'32'0'15,"1"0"1,-1 0-16,33 0 16,-32 0-16,32 0 15,0 0-15,0 0 16,-32 0-16,0 0 16,64 0-16,-64 0 15,-1 0-15,33 0 16,-32 0-16,0 0 15,-1 0 17</inkml:trace>
+          <inkml:trace contextRef="#ctx0" brushRef="#br0" timeOffset="3383.9697">1172 619 0,'0'33'31,"-32"-33"-15,-1 32 0,33 66 77,0-66-77,33-32 0,-1 0-1,-32 33-15,33-33 16,0 0-16,-1 0 15,1 0 1,-1 33 0,1-33 15,-1 0 0,1 0 0,-1-33 1,-32 0-17,0 1-15,0-1 16,0 1 0,0-1-16,-32 33 15,32-32 1,-33 32-1,1 0-15,-1 0 16,1 0 15,-1 0 1,1 0-1,-1 0 0,0 0 94,1 0-62</inkml:trace>
+          <inkml:trace contextRef="#ctx0" brushRef="#br0" timeOffset="1544.4801">814-130 0,'0'65'31,"0"0"-31,0-32 16,0-1-16,0 34 16,0-34-16,0 1 15,0-1 1,0 1 46,33-33-62,32 0 32,-33 0-17,1 0 1,0 0-16,-1 0 15</inkml:trace>
+        </inkml:traceGroup>
+      </inkml:traceGroup>
+    </inkml:traceGroup>
+  </inkml:traceGroup>
+</inkml:ink>
+</file>
+
+<file path=ppt/ink/ink72.xml><?xml version="1.0" encoding="utf-8"?>
+<inkml:ink xmlns:inkml="http://www.w3.org/2003/InkML">
+  <inkml:definitions>
+    <inkml:context xml:id="ctx0">
+      <inkml:inkSource xml:id="inkSrc0">
+        <inkml:traceFormat>
+          <inkml:channel name="X" type="integer" max="1920" units="cm"/>
+          <inkml:channel name="Y" type="integer" max="1080" units="cm"/>
+          <inkml:channel name="T" type="integer" max="2.14748E9" units="dev"/>
+        </inkml:traceFormat>
+        <inkml:channelProperties>
+          <inkml:channelProperty channel="X" name="resolution" value="36.85221" units="1/cm"/>
+          <inkml:channelProperty channel="Y" name="resolution" value="36.86007" units="1/cm"/>
+          <inkml:channelProperty channel="T" name="resolution" value="1" units="1/dev"/>
+        </inkml:channelProperties>
+      </inkml:inkSource>
+      <inkml:timestamp xml:id="ts0" timeString="2021-04-09T09:03:44.250"/>
+    </inkml:context>
+    <inkml:brush xml:id="br0">
+      <inkml:brushProperty name="width" value="0.06667" units="cm"/>
+      <inkml:brushProperty name="height" value="0.06667" units="cm"/>
+      <inkml:brushProperty name="color" value="#ED1C24"/>
+      <inkml:brushProperty name="fitToCurve" value="1"/>
+    </inkml:brush>
+  </inkml:definitions>
+  <inkml:traceGroup>
+    <inkml:annotationXML>
+      <emma:emma xmlns:emma="http://www.w3.org/2003/04/emma" version="1.0">
+        <emma:interpretation id="{9DE5E404-04B3-4847-97F6-FBEBB6A6ED1F}" emma:medium="tactile" emma:mode="ink">
+          <msink:context xmlns:msink="http://schemas.microsoft.com/ink/2010/main" type="inkDrawing" rotatedBoundingBox="2475,13328 3029,13355 3027,13387 2473,13359" shapeName="Other"/>
+        </emma:interpretation>
+      </emma:emma>
+    </inkml:annotationXML>
+    <inkml:trace contextRef="#ctx0" brushRef="#br0">0 2 0,'33'0'16,"-1"0"-16,1 0 16,32 0-1,-33 0-15,33 0 16,1 0-16,-34 0 15,33 0 1,-32 0-16,-1 33 16,1-33-1,0 0 48</inkml:trace>
+  </inkml:traceGroup>
+</inkml:ink>
+</file>
+
+<file path=ppt/ink/ink73.xml><?xml version="1.0" encoding="utf-8"?>
+<inkml:ink xmlns:inkml="http://www.w3.org/2003/InkML">
+  <inkml:definitions>
+    <inkml:context xml:id="ctx0">
+      <inkml:inkSource xml:id="inkSrc0">
+        <inkml:traceFormat>
+          <inkml:channel name="X" type="integer" max="1920" units="cm"/>
+          <inkml:channel name="Y" type="integer" max="1080" units="cm"/>
+          <inkml:channel name="T" type="integer" max="2.14748E9" units="dev"/>
+        </inkml:traceFormat>
+        <inkml:channelProperties>
+          <inkml:channelProperty channel="X" name="resolution" value="36.85221" units="1/cm"/>
+          <inkml:channelProperty channel="Y" name="resolution" value="36.86007" units="1/cm"/>
+          <inkml:channelProperty channel="T" name="resolution" value="1" units="1/dev"/>
+        </inkml:channelProperties>
+      </inkml:inkSource>
+      <inkml:timestamp xml:id="ts0" timeString="2021-04-09T09:03:45.035"/>
+    </inkml:context>
+    <inkml:brush xml:id="br0">
+      <inkml:brushProperty name="width" value="0.06667" units="cm"/>
+      <inkml:brushProperty name="height" value="0.06667" units="cm"/>
+      <inkml:brushProperty name="color" value="#ED1C24"/>
+      <inkml:brushProperty name="fitToCurve" value="1"/>
+    </inkml:brush>
+  </inkml:definitions>
+  <inkml:traceGroup>
+    <inkml:annotationXML>
+      <emma:emma xmlns:emma="http://www.w3.org/2003/04/emma" version="1.0">
+        <emma:interpretation id="{6047FDF9-632D-41CD-B881-BFD0F6C418DA}" emma:medium="tactile" emma:mode="ink">
+          <msink:context xmlns:msink="http://schemas.microsoft.com/ink/2010/main" type="inkDrawing" rotatedBoundingBox="3002,13674 3028,13351 3105,13357 3079,13681" shapeName="Other"/>
+        </emma:interpretation>
+      </emma:emma>
+    </inkml:annotationXML>
+    <inkml:trace contextRef="#ctx0" brushRef="#br0">0 0 0,'0'33'31,"32"-1"-15,-32 1 0,33-33-16,-33 32 281,0 1-281,-33-33 31,1 0 32,32 33-48,0-1 1,0 33-1,0-32 17</inkml:trace>
+  </inkml:traceGroup>
+</inkml:ink>
+</file>
+
+<file path=ppt/ink/ink74.xml><?xml version="1.0" encoding="utf-8"?>
+<inkml:ink xmlns:inkml="http://www.w3.org/2003/InkML">
+  <inkml:definitions>
+    <inkml:context xml:id="ctx0">
+      <inkml:inkSource xml:id="inkSrc0">
+        <inkml:traceFormat>
+          <inkml:channel name="X" type="integer" max="1920" units="cm"/>
+          <inkml:channel name="Y" type="integer" max="1080" units="cm"/>
+          <inkml:channel name="T" type="integer" max="2.14748E9" units="dev"/>
+        </inkml:traceFormat>
+        <inkml:channelProperties>
+          <inkml:channelProperty channel="X" name="resolution" value="36.85221" units="1/cm"/>
+          <inkml:channelProperty channel="Y" name="resolution" value="36.86007" units="1/cm"/>
+          <inkml:channelProperty channel="T" name="resolution" value="1" units="1/dev"/>
+        </inkml:channelProperties>
+      </inkml:inkSource>
+      <inkml:timestamp xml:id="ts0" timeString="2021-04-09T09:25:14.194"/>
+    </inkml:context>
+    <inkml:brush xml:id="br0">
+      <inkml:brushProperty name="width" value="0.06667" units="cm"/>
+      <inkml:brushProperty name="height" value="0.06667" units="cm"/>
+      <inkml:brushProperty name="color" value="#ED1C24"/>
+      <inkml:brushProperty name="fitToCurve" value="1"/>
+    </inkml:brush>
+  </inkml:definitions>
+  <inkml:trace contextRef="#ctx0" brushRef="#br0">2121 703 0,'-33'0'0,"1"0"16,-1 0-1,-64 0-15,64 0 16,-32 0-1,32 0-15,-64 0 16,-1 65-16,0-65 16,-32 0-16,-33 0 15,0 0-15,33 0 16,0 0-16,32 0 16,-32 0-16,32 0 15,66 0-15,-34 0 16,34 0-16,-33 0 15,0-32 1,32-1 0,-32 33-1,32-32 1,1 32 0,32-33-16,0 1 15,-33 32 1,33-33-1,0 1 1,0-1 0,0 0-1,33-32 1,32 33-16,33-33 16,32-1-16,-65 66 15,98-65-15,0 0 16,-66 33-16,1-1 15,65 1-15,-98 32 16,65 0-16,-32 0 16,-33 0-16,65 0 15,-97 0-15,65 0 16,-66 0-16,1 0 16,32 0-1,-33 0 1,1 0-1,0 0-15,32 0 16,0 0-16,0 0 16,0 32-16,-32-32 15,-1 33-15,1-33 16,-33 32 0,0 1-1,0-1 1,32 1-1,-32-1 1,0 34 0,0-34-1,0 1 1,0-1 15,-32 1 0,-1-1-15,1-32 15,-1 33-31,0-33 32,-32 33-17,33-1 1,-1-32-16,1 33 15,-1-33-15,-32 32 16,65 1-16,-33-33 16,33 32-1,-32-32 17,-1 33-17,-32-33 1,33 32-1,-1-32-15,0 0 16</inkml:trace>
+</inkml:ink>
+</file>
+
+<file path=ppt/ink/ink75.xml><?xml version="1.0" encoding="utf-8"?>
+<inkml:ink xmlns:inkml="http://www.w3.org/2003/InkML">
+  <inkml:definitions>
+    <inkml:context xml:id="ctx0">
+      <inkml:inkSource xml:id="inkSrc0">
+        <inkml:traceFormat>
+          <inkml:channel name="X" type="integer" max="1920" units="cm"/>
+          <inkml:channel name="Y" type="integer" max="1080" units="cm"/>
+          <inkml:channel name="T" type="integer" max="2.14748E9" units="dev"/>
+        </inkml:traceFormat>
+        <inkml:channelProperties>
+          <inkml:channelProperty channel="X" name="resolution" value="36.85221" units="1/cm"/>
+          <inkml:channelProperty channel="Y" name="resolution" value="36.86007" units="1/cm"/>
+          <inkml:channelProperty channel="T" name="resolution" value="1" units="1/dev"/>
+        </inkml:channelProperties>
+      </inkml:inkSource>
+      <inkml:timestamp xml:id="ts0" timeString="2021-04-09T09:25:35.530"/>
+    </inkml:context>
+    <inkml:brush xml:id="br0">
+      <inkml:brushProperty name="width" value="0.06667" units="cm"/>
+      <inkml:brushProperty name="height" value="0.06667" units="cm"/>
+      <inkml:brushProperty name="color" value="#ED1C24"/>
+      <inkml:brushProperty name="fitToCurve" value="1"/>
+    </inkml:brush>
+  </inkml:definitions>
+  <inkml:trace contextRef="#ctx0" brushRef="#br0">363 0 0,'0'32'16,"0"1"15,0 0 1,-32-33-17,-1 0 1,-32 32-1,33-32 1,-34 33 0,34-1-1,-1-32 1,1 0 0,32 33-16,-33-33 15,1 0 1,64 0 218,1 65-218,-1-65-16,33 65 15,-32-65-15,-33 33 16,33-1-16,-1-32 16,1 33-1,-1-33 17</inkml:trace>
+</inkml:ink>
+</file>
+
+<file path=ppt/ink/ink8.xml><?xml version="1.0" encoding="utf-8"?>
+<inkml:ink xmlns:inkml="http://www.w3.org/2003/InkML">
+  <inkml:definitions>
+    <inkml:context xml:id="ctx0">
+      <inkml:inkSource xml:id="inkSrc0">
+        <inkml:traceFormat>
+          <inkml:channel name="X" type="integer" max="1920" units="cm"/>
+          <inkml:channel name="Y" type="integer" max="1080" units="cm"/>
+          <inkml:channel name="T" type="integer" max="2.14748E9" units="dev"/>
+        </inkml:traceFormat>
+        <inkml:channelProperties>
+          <inkml:channelProperty channel="X" name="resolution" value="36.85221" units="1/cm"/>
+          <inkml:channelProperty channel="Y" name="resolution" value="36.86007" units="1/cm"/>
+          <inkml:channelProperty channel="T" name="resolution" value="1" units="1/dev"/>
+        </inkml:channelProperties>
+      </inkml:inkSource>
+      <inkml:timestamp xml:id="ts0" timeString="2021-04-09T08:14:13.321"/>
+    </inkml:context>
+    <inkml:brush xml:id="br0">
+      <inkml:brushProperty name="width" value="0.06667" units="cm"/>
+      <inkml:brushProperty name="height" value="0.06667" units="cm"/>
+      <inkml:brushProperty name="color" value="#ED1C24"/>
+      <inkml:brushProperty name="fitToCurve" value="1"/>
+    </inkml:brush>
+  </inkml:definitions>
+  <inkml:traceGroup>
+    <inkml:annotationXML>
+      <emma:emma xmlns:emma="http://www.w3.org/2003/04/emma" version="1.0">
+        <emma:interpretation id="{59A11B92-A659-40F6-8EEC-6B857939ADEE}" emma:medium="tactile" emma:mode="ink">
+          <msink:context xmlns:msink="http://schemas.microsoft.com/ink/2010/main" type="writingRegion" rotatedBoundingBox="2807,9509 17697,18496 15396,22308 506,13321"/>
+        </emma:interpretation>
+      </emma:emma>
+    </inkml:annotationXML>
+    <inkml:traceGroup>
+      <inkml:annotationXML>
+        <emma:emma xmlns:emma="http://www.w3.org/2003/04/emma" version="1.0">
+          <emma:interpretation id="{9FCF11A7-6AE7-4B5C-9F7D-A2FF7A3EA279}" emma:medium="tactile" emma:mode="ink">
+            <msink:context xmlns:msink="http://schemas.microsoft.com/ink/2010/main" type="paragraph" rotatedBoundingBox="2807,9509 17697,18496 15396,22308 506,13321" alignmentLevel="1"/>
+          </emma:interpretation>
+        </emma:emma>
+      </inkml:annotationXML>
+      <inkml:traceGroup>
+        <inkml:annotationXML>
+          <emma:emma xmlns:emma="http://www.w3.org/2003/04/emma" version="1.0">
+            <emma:interpretation id="{5F2B3394-8B4B-4003-9E95-74C577B606CA}" emma:medium="tactile" emma:mode="ink">
+              <msink:context xmlns:msink="http://schemas.microsoft.com/ink/2010/main" type="line" rotatedBoundingBox="2807,9509 17697,18496 15396,22308 506,13321"/>
+            </emma:interpretation>
+          </emma:emma>
+        </inkml:annotationXML>
+        <inkml:traceGroup>
+          <inkml:annotationXML>
+            <emma:emma xmlns:emma="http://www.w3.org/2003/04/emma" version="1.0">
+              <emma:interpretation id="{953EF7B1-38CD-4569-BA37-492EBA7E27AB}" emma:medium="tactile" emma:mode="ink">
+                <msink:context xmlns:msink="http://schemas.microsoft.com/ink/2010/main" type="inkWord" rotatedBoundingBox="1704,11336 2382,11745 2208,12034 1529,11625"/>
+              </emma:interpretation>
+              <emma:one-of disjunction-type="recognition" id="oneOf0">
+                <emma:interpretation id="interp0" emma:lang="" emma:confidence="1">
+                  <emma:literal/>
+                </emma:interpretation>
+              </emma:one-of>
+            </emma:emma>
+          </inkml:annotationXML>
+          <inkml:trace contextRef="#ctx0" brushRef="#br0">-6740-3257 0,'32'0'16,"33"0"0,-32 0-16,65 0 15,-1 0-15,66 33 16,-33-1-16,-65 1 16,33-33-16,-65 0 15,-1 33-15</inkml:trace>
+        </inkml:traceGroup>
+        <inkml:traceGroup>
+          <inkml:annotationXML>
+            <emma:emma xmlns:emma="http://www.w3.org/2003/04/emma" version="1.0">
+              <emma:interpretation id="{F5204591-E4E8-4AEB-B717-D39A702D8DF0}" emma:medium="tactile" emma:mode="ink">
+                <msink:context xmlns:msink="http://schemas.microsoft.com/ink/2010/main" type="inkWord" rotatedBoundingBox="6416,12574 9733,14577 7825,17739 4507,15736"/>
+              </emma:interpretation>
+              <emma:one-of disjunction-type="recognition" id="oneOf1">
+                <emma:interpretation id="interp1" emma:lang="" emma:confidence="1">
+                  <emma:literal/>
+                </emma:interpretation>
+              </emma:one-of>
+            </emma:emma>
+          </inkml:annotationXML>
+          <inkml:trace contextRef="#ctx0" brushRef="#br0" timeOffset="-145304.3655">-32 1107 0</inkml:trace>
+          <inkml:trace contextRef="#ctx0" brushRef="#br0" timeOffset="-144440.1994">359 1498 0</inkml:trace>
+          <inkml:trace contextRef="#ctx0" brushRef="#br0" timeOffset="-145672.4685">-65 1823 0,'0'33'16</inkml:trace>
+          <inkml:trace contextRef="#ctx0" brushRef="#br0" timeOffset="-160496.1841">-1888-1726 0,'-33'0'62,"1"32"-62,-34 33 16,1-32-1,33-33-15,-33 65 16,32-32 0,0-1-16,-32 1 15,65-1-15,-32 1 16,-1-33 0,33 33-16,-32-1 15,-1 1 16,0-1-31,1 1 16,32 32 0,-33-65-16,1 65 15,32-32-15,-65-1 16,65 33-16,0-32 16,-33-1-16,33 34 15,-32-34-15,32 1 16,0-1-16,0 1 15,0 32-15,0-32 16,0 64-16,0-32 16,0-32-16,0 32 15,0 0-15,0-32 16,0 32-16,0-33 16,0 1-16,0 0 15,0-1-15,0 33 16,0-32-1,0-1 1,0 34-16,0-34 16,0 33-16,0-32 15,0 32-15,0-33 16,0 1-16,32 0 16,-32-1-16,0 1 15,0-1 1,0 33-1,33 1-15,-33-1 16,0-33 0,32 33-1,1-32 1,-33-1 0,0 1-16,32 32 31,1 0-16,-33-32-15,0-1 16,32 34-16,-32-34 16,33 1-1,0-1 1,-33 1-16,0-1 16,32-32-1,-32 33 1,33 0-16,-33-1 15,0 1 1,32-1 0,1 1-16,-33-1 15,32-32 1,1 33-16,-33-1 16,33-32-1,-33 33 1,32 0-1,-32-1-15,33-32 16,-1 33-16,1-1 31,-1-32-31,1 33 16,-33-1 0,33-32 15,-33 33 0,32-33-15,1 33-16,-33-1 15,32-32 1</inkml:trace>
+          <inkml:trace contextRef="#ctx0" brushRef="#br0" timeOffset="-146616.0296">0 0 0</inkml:trace>
+          <inkml:trace contextRef="#ctx0" brushRef="#br0" timeOffset="-146232.0132">65-1140 0</inkml:trace>
+        </inkml:traceGroup>
+        <inkml:traceGroup>
+          <inkml:annotationXML>
+            <emma:emma xmlns:emma="http://www.w3.org/2003/04/emma" version="1.0">
+              <emma:interpretation id="{200E46D7-F95B-4018-B66A-DBE1A5A3FB71}" emma:medium="tactile" emma:mode="ink">
+                <msink:context xmlns:msink="http://schemas.microsoft.com/ink/2010/main" type="inkWord" rotatedBoundingBox="10709,17182 12617,18333 12001,19354 10093,18203"/>
+              </emma:interpretation>
+              <emma:one-of disjunction-type="recognition" id="oneOf2">
+                <emma:interpretation id="interp2" emma:lang="" emma:confidence="1">
+                  <emma:literal/>
+                </emma:interpretation>
+              </emma:one-of>
+            </emma:emma>
+          </inkml:annotationXML>
+          <inkml:trace contextRef="#ctx0" brushRef="#br0" timeOffset="2.39178E6">4331 3451 0</inkml:trace>
+          <inkml:trace contextRef="#ctx0" brushRef="#br0" timeOffset="-139351.5855">1824 3321 0,'33'0'63,"-1"0"-47,1 0-16,-1 0 15,33-32-15,33 32 16,-65 0-16,64 0 15,-64 0-15,32 0 16,-32 0-16,-1 0 16,1 0-16,-1 0 15,1 0 32,-1 0 0,1 0-16,-1 0-15,1 0-16,0 0 31,-1 0 16,1 0-31,-1 0 15,1 0 0,-1 0 0,1 0 32,0 0-16,-1 0-16,1 0 32,-1 0 30,1 0-30</inkml:trace>
+        </inkml:traceGroup>
+        <inkml:traceGroup>
+          <inkml:annotationXML>
+            <emma:emma xmlns:emma="http://www.w3.org/2003/04/emma" version="1.0">
+              <emma:interpretation id="{9CC74F25-9F3B-44B6-86A7-93066B58BA8D}" emma:medium="tactile" emma:mode="ink">
+                <msink:context xmlns:msink="http://schemas.microsoft.com/ink/2010/main" type="inkWord" rotatedBoundingBox="14071,18424 14083,18431 14074,18445 14062,18438"/>
+              </emma:interpretation>
+              <emma:one-of disjunction-type="recognition" id="oneOf3">
+                <emma:interpretation id="interp3" emma:lang="" emma:confidence="1">
+                  <emma:literal/>
+                </emma:interpretation>
+              </emma:one-of>
+            </emma:emma>
+          </inkml:annotationXML>
+          <inkml:trace contextRef="#ctx0" brushRef="#br0" timeOffset="2.39264E6">5797 3549 0</inkml:trace>
+        </inkml:traceGroup>
+        <inkml:traceGroup>
+          <inkml:annotationXML>
+            <emma:emma xmlns:emma="http://www.w3.org/2003/04/emma" version="1.0">
+              <emma:interpretation id="{FA553F0B-B008-4966-86E2-2192AE320BC9}" emma:medium="tactile" emma:mode="ink">
+                <msink:context xmlns:msink="http://schemas.microsoft.com/ink/2010/main" type="inkWord" rotatedBoundingBox="15959,18424 15971,18431 15962,18445 15950,18438"/>
+              </emma:interpretation>
+              <emma:one-of disjunction-type="recognition" id="oneOf4">
+                <emma:interpretation id="interp4" emma:lang="" emma:confidence="0">
+                  <emma:literal>.</emma:literal>
+                </emma:interpretation>
+                <emma:interpretation id="interp5" emma:lang="" emma:confidence="0">
+                  <emma:literal>,</emma:literal>
+                </emma:interpretation>
+                <emma:interpretation id="interp6" emma:lang="" emma:confidence="0">
+                  <emma:literal>`</emma:literal>
+                </emma:interpretation>
+                <emma:interpretation id="interp7" emma:lang="" emma:confidence="0">
+                  <emma:literal>‘</emma:literal>
+                </emma:interpretation>
+                <emma:interpretation id="interp8" emma:lang="" emma:confidence="0">
+                  <emma:literal>'</emma:literal>
+                </emma:interpretation>
+              </emma:one-of>
+            </emma:emma>
+          </inkml:annotationXML>
+          <inkml:trace contextRef="#ctx0" brushRef="#br0" timeOffset="2.39433E6">7685 3549 0</inkml:trace>
+        </inkml:traceGroup>
+        <inkml:traceGroup>
+          <inkml:annotationXML>
+            <emma:emma xmlns:emma="http://www.w3.org/2003/04/emma" version="1.0">
+              <emma:interpretation id="{07749AC9-3548-4D2F-8E9F-C882E327F892}" emma:medium="tactile" emma:mode="ink">
+                <msink:context xmlns:msink="http://schemas.microsoft.com/ink/2010/main" type="inkWord" rotatedBoundingBox="17685,18489 17697,18496 17688,18510 17676,18503"/>
+              </emma:interpretation>
+              <emma:one-of disjunction-type="recognition" id="oneOf5">
+                <emma:interpretation id="interp9" emma:lang="" emma:confidence="0">
+                  <emma:literal>'</emma:literal>
+                </emma:interpretation>
+                <emma:interpretation id="interp10" emma:lang="" emma:confidence="0">
+                  <emma:literal>`</emma:literal>
+                </emma:interpretation>
+                <emma:interpretation id="interp11" emma:lang="" emma:confidence="0">
+                  <emma:literal>‘</emma:literal>
+                </emma:interpretation>
+                <emma:interpretation id="interp12" emma:lang="" emma:confidence="0">
+                  <emma:literal>′</emma:literal>
+                </emma:interpretation>
+                <emma:interpretation id="interp13" emma:lang="" emma:confidence="0">
+                  <emma:literal>’</emma:literal>
+                </emma:interpretation>
+              </emma:one-of>
+            </emma:emma>
+          </inkml:annotationXML>
+          <inkml:trace contextRef="#ctx0" brushRef="#br0" timeOffset="2.39512E6">9411 3614 0</inkml:trace>
+        </inkml:traceGroup>
+      </inkml:traceGroup>
+    </inkml:traceGroup>
+  </inkml:traceGroup>
+</inkml:ink>
+</file>
+
+<file path=ppt/ink/ink9.xml><?xml version="1.0" encoding="utf-8"?>
+<inkml:ink xmlns:inkml="http://www.w3.org/2003/InkML">
+  <inkml:definitions>
+    <inkml:context xml:id="ctx0">
+      <inkml:inkSource xml:id="inkSrc0">
+        <inkml:traceFormat>
+          <inkml:channel name="X" type="integer" max="1920" units="cm"/>
+          <inkml:channel name="Y" type="integer" max="1080" units="cm"/>
+          <inkml:channel name="T" type="integer" max="2.14748E9" units="dev"/>
+        </inkml:traceFormat>
+        <inkml:channelProperties>
+          <inkml:channelProperty channel="X" name="resolution" value="36.85221" units="1/cm"/>
+          <inkml:channelProperty channel="Y" name="resolution" value="36.86007" units="1/cm"/>
+          <inkml:channelProperty channel="T" name="resolution" value="1" units="1/dev"/>
+        </inkml:channelProperties>
+      </inkml:inkSource>
+      <inkml:timestamp xml:id="ts0" timeString="2021-04-09T08:13:28.616"/>
+    </inkml:context>
+    <inkml:brush xml:id="br0">
+      <inkml:brushProperty name="width" value="0.06667" units="cm"/>
+      <inkml:brushProperty name="height" value="0.06667" units="cm"/>
+      <inkml:brushProperty name="color" value="#ED1C24"/>
+      <inkml:brushProperty name="fitToCurve" value="1"/>
+    </inkml:brush>
+  </inkml:definitions>
+  <inkml:traceGroup>
+    <inkml:annotationXML>
+      <emma:emma xmlns:emma="http://www.w3.org/2003/04/emma" version="1.0">
+        <emma:interpretation id="{970D2F8E-2EE9-4C79-B95E-D9B1E3D5AC23}" emma:medium="tactile" emma:mode="ink">
+          <msink:context xmlns:msink="http://schemas.microsoft.com/ink/2010/main" type="writingRegion" rotatedBoundingBox="1602,7399 4397,7493 4359,8631 1564,8537"/>
+        </emma:interpretation>
+      </emma:emma>
+    </inkml:annotationXML>
+    <inkml:traceGroup>
+      <inkml:annotationXML>
+        <emma:emma xmlns:emma="http://www.w3.org/2003/04/emma" version="1.0">
+          <emma:interpretation id="{7B54FFB3-C321-4307-9F25-6E13F61D3A04}" emma:medium="tactile" emma:mode="ink">
+            <msink:context xmlns:msink="http://schemas.microsoft.com/ink/2010/main" type="paragraph" rotatedBoundingBox="1602,7399 4397,7493 4359,8631 1564,8537" alignmentLevel="1"/>
+          </emma:interpretation>
+        </emma:emma>
+      </inkml:annotationXML>
+      <inkml:traceGroup>
+        <inkml:annotationXML>
+          <emma:emma xmlns:emma="http://www.w3.org/2003/04/emma" version="1.0">
+            <emma:interpretation id="{6214C1F8-AA56-4BA8-AA61-7147617097A5}" emma:medium="tactile" emma:mode="ink">
+              <msink:context xmlns:msink="http://schemas.microsoft.com/ink/2010/main" type="line" rotatedBoundingBox="1602,7399 4397,7493 4359,8631 1564,8537"/>
+            </emma:interpretation>
+          </emma:emma>
+        </inkml:annotationXML>
+        <inkml:traceGroup>
+          <inkml:annotationXML>
+            <emma:emma xmlns:emma="http://www.w3.org/2003/04/emma" version="1.0">
+              <emma:interpretation id="{7B9FA826-E793-4D56-8808-869E409AF295}" emma:medium="tactile" emma:mode="ink">
+                <msink:context xmlns:msink="http://schemas.microsoft.com/ink/2010/main" type="inkWord" rotatedBoundingBox="1602,7399 4397,7493 4359,8631 1564,8537">
+                  <msink:destinationLink direction="with" ref="{1187055C-E61D-4EDF-A687-73DF07736885}"/>
+                </msink:context>
+              </emma:interpretation>
+              <emma:one-of disjunction-type="recognition" id="oneOf0">
+                <emma:interpretation id="interp0" emma:lang="" emma:confidence="1">
+                  <emma:literal/>
+                </emma:interpretation>
+              </emma:one-of>
+            </emma:emma>
+          </inkml:annotationXML>
+          <inkml:trace contextRef="#ctx0" brushRef="#br0">196 0 0,'-33'65'46,"1"66"-46,-33-34 16,65-32-16,-33 0 16,0-32-1</inkml:trace>
+          <inkml:trace contextRef="#ctx0" brushRef="#br0" timeOffset="1080.417">196 65 0,'32'0'16,"-32"-32"30,33 32-14,-1-33-17,1 33 17,0 0-32,-1 0 31,1 0 0,-33 33-15,32-1-1,-32 1 1,0-1-16,0 1 16,0 0-1,0-1 16,0 1-31,0-1 32,-32-32-32,-1 33 47,1-33-16,32 32-16,-33 1 17,0-33-1,1 0-31,-1 0 31,1 32-31,-1-32 31,33 33 16,-32-33-15,-1 0 14,1 0-14</inkml:trace>
+          <inkml:trace contextRef="#ctx0" brushRef="#br0" timeOffset="5288.9168">-130-130 0,'-32'0'16,"32"65"31,0 0-32,0 0-15,0 0 16,0 1-16,0-34 15,0 66-15,0-66 16,0 33-16,-33 1 16,33-1-16,0-33 15,0 1 1,0-1-16,0 1 31</inkml:trace>
+          <inkml:trace contextRef="#ctx0" brushRef="#br0" timeOffset="6520.8857">-162-195 0,'32'0'31,"33"-65"-15,-32 65-16,32 0 15,65 0-15,0 0 16,33 0-16,-32 0 16,-1 0-16,0 0 15,0 0-15,-32 0 16,-33 0-16,0 0 15,0 0-15,-32 0 16,0 0-16,-1 0 16,1 0-16,-1 0 15,1 0-15,32 0 16,-33 0-16,1 0 16,0 0-16,-1 0 15,1 0-15,-1 0 16,1 0-16,32 0 15,-32 0 17,-33 32 140,0 1-157,0 32 1,0 0-16,0 0 0,0 0 15,32-32-15,-32 65 16,0-66-16,0 33 16,0 0-1,0-32 1,0-1 0,0 1-1,0 32 1,0-32-1,0-1 1,0 1 78</inkml:trace>
+          <inkml:trace contextRef="#ctx0" brushRef="#br0" timeOffset="7928.199">-97 814 0,'32'0'62,"1"0"-46,32 0-1,33 0-15,-1 0 16,34 0-16,31 0 16,-31 0-16,31 0 15,-64 0-15,32 0 16,-32 0-16,-65 0 16,32 0-16,-33 0 15,1 0 1,0 0-16,-1 0 15,33 0 1,0 0-16,-32 0 16,32 0-16,-32 0 15,32 0-15,-33 0 16,1 0-16,-1 0 16,1 0-16,0 0 15,-1 0 16,1-32 235,-33-1-203,0 1 140</inkml:trace>
+          <inkml:trace contextRef="#ctx0" brushRef="#br0" timeOffset="2192.8454">1010 65 0,'-33'-32'47,"1"32"-16,-1 0-15,1 0-16,-1 0 16,0 0-1,1 0 1,-1 0-1,1 0 1,32 32 62,-33-32-62,33 33-1,0-1 1,-32 1-16,32 0 16,0-1-1,0 1 17,0-1-17,0 1 1,0-1-1,0 33 1,0-32 15,32-33-31,1 0 16,-1 33 0,1-33-1,-1 0 1,1 0 15,0 0-15,-1 0-1,1 0 1,-1 0 0,1 0-16,-1 0 15,1-33-15,-33 0 47</inkml:trace>
+          <inkml:trace contextRef="#ctx0" brushRef="#br0" timeOffset="3416.3574">1238 33 0,'0'32'47,"0"33"-31,32 1-16,-32-1 15,0-33 1,0 1-16,0-1 15,0 1 32,33-33 0,-33 32 0,0 1 47,0 0-79,33-33 220,-1 0-235,33 0 15,-32 0 1,-1 0-16,1 0 16,-1-33-1,1 33-15,0 0 16,-1 0 0,1-33 46</inkml:trace>
+          <inkml:trace contextRef="#ctx0" brushRef="#br0" timeOffset="42656.4024">-781 228 0,'32'0'46,"1"0"-46,0 0 16,-1 0 0,1 0-16,-1 0 15,1 0 1,-1 0 46</inkml:trace>
+          <inkml:trace contextRef="#ctx0" brushRef="#br0" timeOffset="46536.7907">-846 391 0,'0'-33'47,"0"1"-16,0-1 0,0 1 47</inkml:trace>
+        </inkml:traceGroup>
+      </inkml:traceGroup>
+    </inkml:traceGroup>
+  </inkml:traceGroup>
+</inkml:ink>
 </file>
 
 <file path=ppt/notesMasters/notesMaster1.xml><?xml version="1.0" encoding="utf-8"?>
@@ -711,7 +4869,7 @@
     </p:spTree>
     <p:extLst>
       <p:ext uri="{BB962C8B-B14F-4D97-AF65-F5344CB8AC3E}">
-        <p14:creationId xmlns:p14="http://schemas.microsoft.com/office/powerpoint/2010/main" xmlns="" val="3307674194"/>
+        <p14:creationId xmlns:p14="http://schemas.microsoft.com/office/powerpoint/2010/main" val="3307674194"/>
       </p:ext>
     </p:extLst>
   </p:cSld>
@@ -2544,7 +6702,7 @@
             <a:fld id="{11B2AAEE-0ECC-4F9E-94C1-A5210D63F3AE}" type="datetimeFigureOut">
               <a:rPr lang="en-US" smtClean="0"/>
               <a:pPr/>
-              <a:t>8/6/2017</a:t>
+              <a:t>4/9/2021</a:t>
             </a:fld>
             <a:endParaRPr lang="en-US"/>
           </a:p>
@@ -2601,7 +6759,7 @@
     </p:spTree>
     <p:extLst>
       <p:ext uri="{BB962C8B-B14F-4D97-AF65-F5344CB8AC3E}">
-        <p14:creationId xmlns:p14="http://schemas.microsoft.com/office/powerpoint/2010/main" xmlns="" val="947387432"/>
+        <p14:creationId xmlns:p14="http://schemas.microsoft.com/office/powerpoint/2010/main" val="947387432"/>
       </p:ext>
     </p:extLst>
   </p:cSld>
@@ -4230,7 +8388,7 @@
             <a:fld id="{11B2AAEE-0ECC-4F9E-94C1-A5210D63F3AE}" type="datetimeFigureOut">
               <a:rPr lang="en-US" smtClean="0"/>
               <a:pPr/>
-              <a:t>8/6/2017</a:t>
+              <a:t>4/9/2021</a:t>
             </a:fld>
             <a:endParaRPr lang="en-US"/>
           </a:p>
@@ -4287,7 +8445,7 @@
     </p:spTree>
     <p:extLst>
       <p:ext uri="{BB962C8B-B14F-4D97-AF65-F5344CB8AC3E}">
-        <p14:creationId xmlns:p14="http://schemas.microsoft.com/office/powerpoint/2010/main" xmlns="" val="210100193"/>
+        <p14:creationId xmlns:p14="http://schemas.microsoft.com/office/powerpoint/2010/main" val="210100193"/>
       </p:ext>
     </p:extLst>
   </p:cSld>
@@ -5924,7 +10082,7 @@
             <a:fld id="{11B2AAEE-0ECC-4F9E-94C1-A5210D63F3AE}" type="datetimeFigureOut">
               <a:rPr lang="en-US" smtClean="0"/>
               <a:pPr/>
-              <a:t>8/6/2017</a:t>
+              <a:t>4/9/2021</a:t>
             </a:fld>
             <a:endParaRPr lang="en-US"/>
           </a:p>
@@ -5997,7 +10155,7 @@
     </p:spTree>
     <p:extLst>
       <p:ext uri="{BB962C8B-B14F-4D97-AF65-F5344CB8AC3E}">
-        <p14:creationId xmlns:p14="http://schemas.microsoft.com/office/powerpoint/2010/main" xmlns="" val="2583259103"/>
+        <p14:creationId xmlns:p14="http://schemas.microsoft.com/office/powerpoint/2010/main" val="2583259103"/>
       </p:ext>
     </p:extLst>
   </p:cSld>
@@ -6258,7 +10416,7 @@
             <a:fld id="{11B2AAEE-0ECC-4F9E-94C1-A5210D63F3AE}" type="datetimeFigureOut">
               <a:rPr lang="en-US" smtClean="0"/>
               <a:pPr/>
-              <a:t>8/6/2017</a:t>
+              <a:t>4/9/2021</a:t>
             </a:fld>
             <a:endParaRPr lang="en-US"/>
           </a:p>
@@ -6632,7 +10790,7 @@
     </p:spTree>
     <p:extLst>
       <p:ext uri="{BB962C8B-B14F-4D97-AF65-F5344CB8AC3E}">
-        <p14:creationId xmlns:p14="http://schemas.microsoft.com/office/powerpoint/2010/main" xmlns="" val="1668913289"/>
+        <p14:creationId xmlns:p14="http://schemas.microsoft.com/office/powerpoint/2010/main" val="1668913289"/>
       </p:ext>
     </p:extLst>
   </p:cSld>
@@ -8019,7 +12177,7 @@
             <a:fld id="{11B2AAEE-0ECC-4F9E-94C1-A5210D63F3AE}" type="datetimeFigureOut">
               <a:rPr lang="en-US" smtClean="0"/>
               <a:pPr/>
-              <a:t>8/6/2017</a:t>
+              <a:t>4/9/2021</a:t>
             </a:fld>
             <a:endParaRPr lang="en-US"/>
           </a:p>
@@ -8076,7 +12234,7 @@
     </p:spTree>
     <p:extLst>
       <p:ext uri="{BB962C8B-B14F-4D97-AF65-F5344CB8AC3E}">
-        <p14:creationId xmlns:p14="http://schemas.microsoft.com/office/powerpoint/2010/main" xmlns="" val="2344075942"/>
+        <p14:creationId xmlns:p14="http://schemas.microsoft.com/office/powerpoint/2010/main" val="2344075942"/>
       </p:ext>
     </p:extLst>
   </p:cSld>
@@ -9019,7 +13177,7 @@
             <a:fld id="{11B2AAEE-0ECC-4F9E-94C1-A5210D63F3AE}" type="datetimeFigureOut">
               <a:rPr lang="en-US" smtClean="0"/>
               <a:pPr/>
-              <a:t>8/6/2017</a:t>
+              <a:t>4/9/2021</a:t>
             </a:fld>
             <a:endParaRPr lang="en-US"/>
           </a:p>
@@ -9076,7 +13234,7 @@
     </p:spTree>
     <p:extLst>
       <p:ext uri="{BB962C8B-B14F-4D97-AF65-F5344CB8AC3E}">
-        <p14:creationId xmlns:p14="http://schemas.microsoft.com/office/powerpoint/2010/main" xmlns="" val="1157945477"/>
+        <p14:creationId xmlns:p14="http://schemas.microsoft.com/office/powerpoint/2010/main" val="1157945477"/>
       </p:ext>
     </p:extLst>
   </p:cSld>
@@ -9297,7 +13455,7 @@
             <a:fld id="{11B2AAEE-0ECC-4F9E-94C1-A5210D63F3AE}" type="datetimeFigureOut">
               <a:rPr lang="en-US" smtClean="0"/>
               <a:pPr/>
-              <a:t>8/6/2017</a:t>
+              <a:t>4/9/2021</a:t>
             </a:fld>
             <a:endParaRPr lang="en-US"/>
           </a:p>
@@ -9713,7 +13871,7 @@
     </p:spTree>
     <p:extLst>
       <p:ext uri="{BB962C8B-B14F-4D97-AF65-F5344CB8AC3E}">
-        <p14:creationId xmlns:p14="http://schemas.microsoft.com/office/powerpoint/2010/main" xmlns="" val="449413840"/>
+        <p14:creationId xmlns:p14="http://schemas.microsoft.com/office/powerpoint/2010/main" val="449413840"/>
       </p:ext>
     </p:extLst>
   </p:cSld>
@@ -10407,7 +14565,7 @@
             <a:fld id="{11B2AAEE-0ECC-4F9E-94C1-A5210D63F3AE}" type="datetimeFigureOut">
               <a:rPr lang="en-US" smtClean="0"/>
               <a:pPr/>
-              <a:t>8/6/2017</a:t>
+              <a:t>4/9/2021</a:t>
             </a:fld>
             <a:endParaRPr lang="en-US"/>
           </a:p>
@@ -11348,7 +15506,7 @@
     </p:spTree>
     <p:extLst>
       <p:ext uri="{BB962C8B-B14F-4D97-AF65-F5344CB8AC3E}">
-        <p14:creationId xmlns:p14="http://schemas.microsoft.com/office/powerpoint/2010/main" xmlns="" val="3932453460"/>
+        <p14:creationId xmlns:p14="http://schemas.microsoft.com/office/powerpoint/2010/main" val="3932453460"/>
       </p:ext>
     </p:extLst>
   </p:cSld>
@@ -11393,7 +15551,7 @@
             <a:fld id="{11B2AAEE-0ECC-4F9E-94C1-A5210D63F3AE}" type="datetimeFigureOut">
               <a:rPr lang="en-US" smtClean="0"/>
               <a:pPr/>
-              <a:t>8/6/2017</a:t>
+              <a:t>4/9/2021</a:t>
             </a:fld>
             <a:endParaRPr lang="en-US"/>
           </a:p>
@@ -12953,7 +17111,7 @@
     </p:spTree>
     <p:extLst>
       <p:ext uri="{BB962C8B-B14F-4D97-AF65-F5344CB8AC3E}">
-        <p14:creationId xmlns:p14="http://schemas.microsoft.com/office/powerpoint/2010/main" xmlns="" val="1130809479"/>
+        <p14:creationId xmlns:p14="http://schemas.microsoft.com/office/powerpoint/2010/main" val="1130809479"/>
       </p:ext>
     </p:extLst>
   </p:cSld>
@@ -14913,7 +19071,7 @@
             <a:fld id="{11B2AAEE-0ECC-4F9E-94C1-A5210D63F3AE}" type="datetimeFigureOut">
               <a:rPr lang="en-US" smtClean="0"/>
               <a:pPr/>
-              <a:t>8/6/2017</a:t>
+              <a:t>4/9/2021</a:t>
             </a:fld>
             <a:endParaRPr lang="en-US"/>
           </a:p>
@@ -14970,7 +19128,7 @@
     </p:spTree>
     <p:extLst>
       <p:ext uri="{BB962C8B-B14F-4D97-AF65-F5344CB8AC3E}">
-        <p14:creationId xmlns:p14="http://schemas.microsoft.com/office/powerpoint/2010/main" xmlns="" val="3398977628"/>
+        <p14:creationId xmlns:p14="http://schemas.microsoft.com/office/powerpoint/2010/main" val="3398977628"/>
       </p:ext>
     </p:extLst>
   </p:cSld>
@@ -15192,7 +19350,7 @@
             <a:fld id="{11B2AAEE-0ECC-4F9E-94C1-A5210D63F3AE}" type="datetimeFigureOut">
               <a:rPr lang="en-US" smtClean="0"/>
               <a:pPr/>
-              <a:t>8/6/2017</a:t>
+              <a:t>4/9/2021</a:t>
             </a:fld>
             <a:endParaRPr lang="en-US"/>
           </a:p>
@@ -17146,7 +21304,7 @@
     </p:spTree>
     <p:extLst>
       <p:ext uri="{BB962C8B-B14F-4D97-AF65-F5344CB8AC3E}">
-        <p14:creationId xmlns:p14="http://schemas.microsoft.com/office/powerpoint/2010/main" xmlns="" val="430621435"/>
+        <p14:creationId xmlns:p14="http://schemas.microsoft.com/office/powerpoint/2010/main" val="430621435"/>
       </p:ext>
     </p:extLst>
   </p:cSld>
@@ -17962,7 +22120,7 @@
               <a:pPr lvl="0">
                 <a:defRPr lang="ko-KR" altLang="en-US"/>
               </a:pPr>
-              <a:t>8/6/2017</a:t>
+              <a:t>4/9/2021</a:t>
             </a:fld>
             <a:endParaRPr lang="en-US"/>
           </a:p>
@@ -19016,7 +23174,7 @@
           <a:blip r:embed="rId2">
             <a:extLst>
               <a:ext uri="{28A0092B-C50C-407E-A947-70E740481C1C}">
-                <a14:useLocalDpi xmlns:a14="http://schemas.microsoft.com/office/drawing/2010/main" xmlns="" val="0"/>
+                <a14:useLocalDpi xmlns:a14="http://schemas.microsoft.com/office/drawing/2010/main" val="0"/>
               </a:ext>
             </a:extLst>
           </a:blip>
@@ -19039,14 +23197,14 @@
           </a:ln>
           <a:extLst>
             <a:ext uri="{909E8E84-426E-40DD-AFC4-6F175D3DCCD1}">
-              <a14:hiddenFill xmlns:a14="http://schemas.microsoft.com/office/drawing/2010/main" xmlns="">
+              <a14:hiddenFill xmlns:a14="http://schemas.microsoft.com/office/drawing/2010/main">
                 <a:solidFill>
                   <a:schemeClr val="accent1"/>
                 </a:solidFill>
               </a14:hiddenFill>
             </a:ext>
             <a:ext uri="{91240B29-F687-4F45-9708-019B960494DF}">
-              <a14:hiddenLine xmlns:a14="http://schemas.microsoft.com/office/drawing/2010/main" xmlns="" w="9525">
+              <a14:hiddenLine xmlns:a14="http://schemas.microsoft.com/office/drawing/2010/main" w="9525">
                 <a:solidFill>
                   <a:schemeClr val="tx1"/>
                 </a:solidFill>
@@ -19118,7 +23276,7 @@
           <a:blip r:embed="rId2">
             <a:extLst>
               <a:ext uri="{28A0092B-C50C-407E-A947-70E740481C1C}">
-                <a14:useLocalDpi xmlns:a14="http://schemas.microsoft.com/office/drawing/2010/main" xmlns="" val="0"/>
+                <a14:useLocalDpi xmlns:a14="http://schemas.microsoft.com/office/drawing/2010/main" val="0"/>
               </a:ext>
             </a:extLst>
           </a:blip>
@@ -19141,14 +23299,14 @@
           </a:ln>
           <a:extLst>
             <a:ext uri="{909E8E84-426E-40DD-AFC4-6F175D3DCCD1}">
-              <a14:hiddenFill xmlns:a14="http://schemas.microsoft.com/office/drawing/2010/main" xmlns="">
+              <a14:hiddenFill xmlns:a14="http://schemas.microsoft.com/office/drawing/2010/main">
                 <a:solidFill>
                   <a:schemeClr val="accent1"/>
                 </a:solidFill>
               </a14:hiddenFill>
             </a:ext>
             <a:ext uri="{91240B29-F687-4F45-9708-019B960494DF}">
-              <a14:hiddenLine xmlns:a14="http://schemas.microsoft.com/office/drawing/2010/main" xmlns="" w="9525">
+              <a14:hiddenLine xmlns:a14="http://schemas.microsoft.com/office/drawing/2010/main" w="9525">
                 <a:solidFill>
                   <a:schemeClr val="tx1"/>
                 </a:solidFill>
@@ -19163,18 +23321,18 @@
     </p:spTree>
     <p:extLst>
       <p:ext uri="{BB962C8B-B14F-4D97-AF65-F5344CB8AC3E}">
-        <p14:creationId xmlns:p14="http://schemas.microsoft.com/office/powerpoint/2010/main" xmlns="" val="2440538262"/>
+        <p14:creationId xmlns:p14="http://schemas.microsoft.com/office/powerpoint/2010/main" val="2440538262"/>
       </p:ext>
     </p:extLst>
   </p:cSld>
   <p:clrMapOvr>
     <a:masterClrMapping/>
   </p:clrMapOvr>
-  <mc:AlternateContent xmlns:mc="http://schemas.openxmlformats.org/markup-compatibility/2006">
-    <mc:Choice xmlns:p14="http://schemas.microsoft.com/office/powerpoint/2010/main" xmlns="" Requires="p14">
+  <mc:AlternateContent xmlns:mc="http://schemas.openxmlformats.org/markup-compatibility/2006" xmlns:p14="http://schemas.microsoft.com/office/powerpoint/2010/main">
+    <mc:Choice Requires="p14">
       <p:transition spd="slow" p14:dur="2000"/>
     </mc:Choice>
-    <mc:Fallback>
+    <mc:Fallback xmlns="">
       <p:transition spd="slow"/>
     </mc:Fallback>
   </mc:AlternateContent>
@@ -19214,7 +23372,7 @@
           <a:lstStyle/>
           <a:p>
             <a:r>
-              <a:rPr lang="ko-KR" altLang="en-US" sz="3600"/>
+              <a:rPr lang="ko-KR" altLang="en-US" sz="3600" dirty="0"/>
               <a:t>레코드 추가하기</a:t>
             </a:r>
           </a:p>
@@ -19232,7 +23390,7 @@
           <a:blip r:embed="rId2">
             <a:extLst>
               <a:ext uri="{28A0092B-C50C-407E-A947-70E740481C1C}">
-                <a14:useLocalDpi xmlns:a14="http://schemas.microsoft.com/office/drawing/2010/main" xmlns="" val="0"/>
+                <a14:useLocalDpi xmlns:a14="http://schemas.microsoft.com/office/drawing/2010/main" val="0"/>
               </a:ext>
             </a:extLst>
           </a:blip>
@@ -19255,14 +23413,14 @@
           </a:ln>
           <a:extLst>
             <a:ext uri="{909E8E84-426E-40DD-AFC4-6F175D3DCCD1}">
-              <a14:hiddenFill xmlns:a14="http://schemas.microsoft.com/office/drawing/2010/main" xmlns="">
+              <a14:hiddenFill xmlns:a14="http://schemas.microsoft.com/office/drawing/2010/main">
                 <a:solidFill>
                   <a:schemeClr val="accent1"/>
                 </a:solidFill>
               </a14:hiddenFill>
             </a:ext>
             <a:ext uri="{91240B29-F687-4F45-9708-019B960494DF}">
-              <a14:hiddenLine xmlns:a14="http://schemas.microsoft.com/office/drawing/2010/main" xmlns="" w="9525">
+              <a14:hiddenLine xmlns:a14="http://schemas.microsoft.com/office/drawing/2010/main" w="9525">
                 <a:solidFill>
                   <a:schemeClr val="tx1"/>
                 </a:solidFill>
@@ -19274,21 +23432,103 @@
           </a:extLst>
         </p:spPr>
       </p:pic>
+      <p:sp>
+        <p:nvSpPr>
+          <p:cNvPr id="2" name="TextBox 1"/>
+          <p:cNvSpPr txBox="1"/>
+          <p:nvPr/>
+        </p:nvSpPr>
+        <p:spPr>
+          <a:xfrm>
+            <a:off x="152400" y="3247293"/>
+            <a:ext cx="1729961" cy="338554"/>
+          </a:xfrm>
+          <a:prstGeom prst="rect">
+            <a:avLst/>
+          </a:prstGeom>
+          <a:noFill/>
+        </p:spPr>
+        <p:txBody>
+          <a:bodyPr wrap="none" rtlCol="0">
+            <a:spAutoFit/>
+          </a:bodyPr>
+          <a:lstStyle/>
+          <a:p>
+            <a:r>
+              <a:rPr lang="en-US" altLang="ko-KR" sz="1600" dirty="0" smtClean="0">
+                <a:latin typeface="HY바다L" pitchFamily="18" charset="-127"/>
+                <a:ea typeface="HY바다L" pitchFamily="18" charset="-127"/>
+              </a:rPr>
+              <a:t>New Book( ) </a:t>
+            </a:r>
+            <a:r>
+              <a:rPr lang="ko-KR" altLang="en-US" sz="1600" dirty="0" smtClean="0">
+                <a:latin typeface="HY바다L" pitchFamily="18" charset="-127"/>
+                <a:ea typeface="HY바다L" pitchFamily="18" charset="-127"/>
+              </a:rPr>
+              <a:t>느낌</a:t>
+            </a:r>
+            <a:endParaRPr lang="ko-KR" altLang="en-US" sz="1600" dirty="0" smtClean="0">
+              <a:latin typeface="HY바다L" pitchFamily="18" charset="-127"/>
+              <a:ea typeface="HY바다L" pitchFamily="18" charset="-127"/>
+            </a:endParaRPr>
+          </a:p>
+        </p:txBody>
+      </p:sp>
+      <mc:AlternateContent xmlns:mc="http://schemas.openxmlformats.org/markup-compatibility/2006">
+        <mc:Choice xmlns:p14="http://schemas.microsoft.com/office/powerpoint/2010/main" Requires="p14">
+          <p:contentPart p14:bwMode="auto" r:id="rId3">
+            <p14:nvContentPartPr>
+              <p14:cNvPr id="5" name="잉크 4"/>
+              <p14:cNvContentPartPr/>
+              <p14:nvPr/>
+            </p14:nvContentPartPr>
+            <p14:xfrm>
+              <a:off x="1184012" y="3223837"/>
+              <a:ext cx="891360" cy="318240"/>
+            </p14:xfrm>
+          </p:contentPart>
+        </mc:Choice>
+        <mc:Fallback>
+          <p:pic>
+            <p:nvPicPr>
+              <p:cNvPr id="5" name="잉크 4"/>
+              <p:cNvPicPr/>
+              <p:nvPr/>
+            </p:nvPicPr>
+            <p:blipFill>
+              <a:blip r:embed="rId4"/>
+              <a:stretch>
+                <a:fillRect/>
+              </a:stretch>
+            </p:blipFill>
+            <p:spPr>
+              <a:xfrm>
+                <a:off x="1172132" y="3211957"/>
+                <a:ext cx="915120" cy="342000"/>
+              </a:xfrm>
+              <a:prstGeom prst="rect">
+                <a:avLst/>
+              </a:prstGeom>
+            </p:spPr>
+          </p:pic>
+        </mc:Fallback>
+      </mc:AlternateContent>
     </p:spTree>
     <p:extLst>
       <p:ext uri="{BB962C8B-B14F-4D97-AF65-F5344CB8AC3E}">
-        <p14:creationId xmlns:p14="http://schemas.microsoft.com/office/powerpoint/2010/main" xmlns="" val="365175962"/>
+        <p14:creationId xmlns:p14="http://schemas.microsoft.com/office/powerpoint/2010/main" val="365175962"/>
       </p:ext>
     </p:extLst>
   </p:cSld>
   <p:clrMapOvr>
     <a:masterClrMapping/>
   </p:clrMapOvr>
-  <mc:AlternateContent xmlns:mc="http://schemas.openxmlformats.org/markup-compatibility/2006">
-    <mc:Choice xmlns:p14="http://schemas.microsoft.com/office/powerpoint/2010/main" xmlns="" Requires="p14">
+  <mc:AlternateContent xmlns:mc="http://schemas.openxmlformats.org/markup-compatibility/2006" xmlns:p14="http://schemas.microsoft.com/office/powerpoint/2010/main">
+    <mc:Choice Requires="p14">
       <p:transition spd="slow" p14:dur="2000"/>
     </mc:Choice>
-    <mc:Fallback>
+    <mc:Fallback xmlns="">
       <p:transition spd="slow"/>
     </mc:Fallback>
   </mc:AlternateContent>
@@ -19346,7 +23586,7 @@
           <a:blip r:embed="rId2">
             <a:extLst>
               <a:ext uri="{28A0092B-C50C-407E-A947-70E740481C1C}">
-                <a14:useLocalDpi xmlns:a14="http://schemas.microsoft.com/office/drawing/2010/main" xmlns="" val="0"/>
+                <a14:useLocalDpi xmlns:a14="http://schemas.microsoft.com/office/drawing/2010/main" val="0"/>
               </a:ext>
             </a:extLst>
           </a:blip>
@@ -19369,14 +23609,14 @@
           </a:ln>
           <a:extLst>
             <a:ext uri="{909E8E84-426E-40DD-AFC4-6F175D3DCCD1}">
-              <a14:hiddenFill xmlns:a14="http://schemas.microsoft.com/office/drawing/2010/main" xmlns="">
+              <a14:hiddenFill xmlns:a14="http://schemas.microsoft.com/office/drawing/2010/main">
                 <a:solidFill>
                   <a:schemeClr val="accent1"/>
                 </a:solidFill>
               </a14:hiddenFill>
             </a:ext>
             <a:ext uri="{91240B29-F687-4F45-9708-019B960494DF}">
-              <a14:hiddenLine xmlns:a14="http://schemas.microsoft.com/office/drawing/2010/main" xmlns="" w="9525">
+              <a14:hiddenLine xmlns:a14="http://schemas.microsoft.com/office/drawing/2010/main" w="9525">
                 <a:solidFill>
                   <a:schemeClr val="tx1"/>
                 </a:solidFill>
@@ -19388,21 +23628,570 @@
           </a:extLst>
         </p:spPr>
       </p:pic>
+      <mc:AlternateContent xmlns:mc="http://schemas.openxmlformats.org/markup-compatibility/2006">
+        <mc:Choice xmlns:p14="http://schemas.microsoft.com/office/powerpoint/2010/main" Requires="p14">
+          <p:contentPart p14:bwMode="auto" r:id="rId3">
+            <p14:nvContentPartPr>
+              <p14:cNvPr id="3" name="잉크 2"/>
+              <p14:cNvContentPartPr/>
+              <p14:nvPr/>
+            </p14:nvContentPartPr>
+            <p14:xfrm>
+              <a:off x="3505292" y="3387997"/>
+              <a:ext cx="2251080" cy="360"/>
+            </p14:xfrm>
+          </p:contentPart>
+        </mc:Choice>
+        <mc:Fallback>
+          <p:pic>
+            <p:nvPicPr>
+              <p:cNvPr id="3" name="잉크 2"/>
+              <p:cNvPicPr/>
+              <p:nvPr/>
+            </p:nvPicPr>
+            <p:blipFill>
+              <a:blip r:embed="rId4"/>
+              <a:stretch>
+                <a:fillRect/>
+              </a:stretch>
+            </p:blipFill>
+            <p:spPr>
+              <a:xfrm>
+                <a:off x="3493412" y="3376117"/>
+                <a:ext cx="2274840" cy="24120"/>
+              </a:xfrm>
+              <a:prstGeom prst="rect">
+                <a:avLst/>
+              </a:prstGeom>
+            </p:spPr>
+          </p:pic>
+        </mc:Fallback>
+      </mc:AlternateContent>
+      <mc:AlternateContent xmlns:mc="http://schemas.openxmlformats.org/markup-compatibility/2006">
+        <mc:Choice xmlns:p14="http://schemas.microsoft.com/office/powerpoint/2010/main" Requires="p14">
+          <p:contentPart p14:bwMode="auto" r:id="rId5">
+            <p14:nvContentPartPr>
+              <p14:cNvPr id="5" name="잉크 4"/>
+              <p14:cNvContentPartPr/>
+              <p14:nvPr/>
+            </p14:nvContentPartPr>
+            <p14:xfrm>
+              <a:off x="6377372" y="2940517"/>
+              <a:ext cx="799920" cy="459360"/>
+            </p14:xfrm>
+          </p:contentPart>
+        </mc:Choice>
+        <mc:Fallback>
+          <p:pic>
+            <p:nvPicPr>
+              <p:cNvPr id="5" name="잉크 4"/>
+              <p:cNvPicPr/>
+              <p:nvPr/>
+            </p:nvPicPr>
+            <p:blipFill>
+              <a:blip r:embed="rId6"/>
+              <a:stretch>
+                <a:fillRect/>
+              </a:stretch>
+            </p:blipFill>
+            <p:spPr>
+              <a:xfrm>
+                <a:off x="6365492" y="2928637"/>
+                <a:ext cx="823680" cy="483120"/>
+              </a:xfrm>
+              <a:prstGeom prst="rect">
+                <a:avLst/>
+              </a:prstGeom>
+            </p:spPr>
+          </p:pic>
+        </mc:Fallback>
+      </mc:AlternateContent>
+      <p:sp>
+        <p:nvSpPr>
+          <p:cNvPr id="6" name="TextBox 5"/>
+          <p:cNvSpPr txBox="1"/>
+          <p:nvPr/>
+        </p:nvSpPr>
+        <p:spPr>
+          <a:xfrm>
+            <a:off x="6271846" y="2601963"/>
+            <a:ext cx="2169184" cy="338554"/>
+          </a:xfrm>
+          <a:prstGeom prst="rect">
+            <a:avLst/>
+          </a:prstGeom>
+          <a:noFill/>
+        </p:spPr>
+        <p:txBody>
+          <a:bodyPr wrap="none" rtlCol="0">
+            <a:spAutoFit/>
+          </a:bodyPr>
+          <a:lstStyle/>
+          <a:p>
+            <a:r>
+              <a:rPr lang="ko-KR" altLang="en-US" sz="1600" dirty="0" smtClean="0">
+                <a:solidFill>
+                  <a:srgbClr val="FF0000"/>
+                </a:solidFill>
+                <a:latin typeface="HY바다L" pitchFamily="18" charset="-127"/>
+                <a:ea typeface="HY바다L" pitchFamily="18" charset="-127"/>
+              </a:rPr>
+              <a:t>전체 레코드에 대하여</a:t>
+            </a:r>
+            <a:endParaRPr lang="ko-KR" altLang="en-US" sz="1600" dirty="0" smtClean="0">
+              <a:solidFill>
+                <a:srgbClr val="FF0000"/>
+              </a:solidFill>
+              <a:latin typeface="HY바다L" pitchFamily="18" charset="-127"/>
+              <a:ea typeface="HY바다L" pitchFamily="18" charset="-127"/>
+            </a:endParaRPr>
+          </a:p>
+        </p:txBody>
+      </p:sp>
+      <mc:AlternateContent xmlns:mc="http://schemas.openxmlformats.org/markup-compatibility/2006">
+        <mc:Choice xmlns:p14="http://schemas.microsoft.com/office/powerpoint/2010/main" Requires="p14">
+          <p:contentPart p14:bwMode="auto" r:id="rId7">
+            <p14:nvContentPartPr>
+              <p14:cNvPr id="9" name="잉크 8"/>
+              <p14:cNvContentPartPr/>
+              <p14:nvPr/>
+            </p14:nvContentPartPr>
+            <p14:xfrm>
+              <a:off x="4290812" y="2391517"/>
+              <a:ext cx="200160" cy="575280"/>
+            </p14:xfrm>
+          </p:contentPart>
+        </mc:Choice>
+        <mc:Fallback>
+          <p:pic>
+            <p:nvPicPr>
+              <p:cNvPr id="9" name="잉크 8"/>
+              <p:cNvPicPr/>
+              <p:nvPr/>
+            </p:nvPicPr>
+            <p:blipFill>
+              <a:blip r:embed="rId8"/>
+              <a:stretch>
+                <a:fillRect/>
+              </a:stretch>
+            </p:blipFill>
+            <p:spPr>
+              <a:xfrm>
+                <a:off x="4278932" y="2379637"/>
+                <a:ext cx="223920" cy="599040"/>
+              </a:xfrm>
+              <a:prstGeom prst="rect">
+                <a:avLst/>
+              </a:prstGeom>
+            </p:spPr>
+          </p:pic>
+        </mc:Fallback>
+      </mc:AlternateContent>
+      <mc:AlternateContent xmlns:mc="http://schemas.openxmlformats.org/markup-compatibility/2006">
+        <mc:Choice xmlns:p14="http://schemas.microsoft.com/office/powerpoint/2010/main" Requires="p14">
+          <p:contentPart p14:bwMode="auto" r:id="rId9">
+            <p14:nvContentPartPr>
+              <p14:cNvPr id="12" name="잉크 11"/>
+              <p14:cNvContentPartPr/>
+              <p14:nvPr/>
+            </p14:nvContentPartPr>
+            <p14:xfrm>
+              <a:off x="2285972" y="1805437"/>
+              <a:ext cx="2931120" cy="352800"/>
+            </p14:xfrm>
+          </p:contentPart>
+        </mc:Choice>
+        <mc:Fallback>
+          <p:pic>
+            <p:nvPicPr>
+              <p:cNvPr id="12" name="잉크 11"/>
+              <p:cNvPicPr/>
+              <p:nvPr/>
+            </p:nvPicPr>
+            <p:blipFill>
+              <a:blip r:embed="rId10"/>
+              <a:stretch>
+                <a:fillRect/>
+              </a:stretch>
+            </p:blipFill>
+            <p:spPr>
+              <a:xfrm>
+                <a:off x="2274092" y="1793557"/>
+                <a:ext cx="2954880" cy="376560"/>
+              </a:xfrm>
+              <a:prstGeom prst="rect">
+                <a:avLst/>
+              </a:prstGeom>
+            </p:spPr>
+          </p:pic>
+        </mc:Fallback>
+      </mc:AlternateContent>
+      <mc:AlternateContent xmlns:mc="http://schemas.openxmlformats.org/markup-compatibility/2006">
+        <mc:Choice xmlns:p14="http://schemas.microsoft.com/office/powerpoint/2010/main" Requires="p14">
+          <p:contentPart p14:bwMode="auto" r:id="rId11">
+            <p14:nvContentPartPr>
+              <p14:cNvPr id="35" name="잉크 34"/>
+              <p14:cNvContentPartPr/>
+              <p14:nvPr/>
+            </p14:nvContentPartPr>
+            <p14:xfrm>
+              <a:off x="2661092" y="2356237"/>
+              <a:ext cx="190440" cy="750600"/>
+            </p14:xfrm>
+          </p:contentPart>
+        </mc:Choice>
+        <mc:Fallback>
+          <p:pic>
+            <p:nvPicPr>
+              <p:cNvPr id="35" name="잉크 34"/>
+              <p:cNvPicPr/>
+              <p:nvPr/>
+            </p:nvPicPr>
+            <p:blipFill>
+              <a:blip r:embed="rId12"/>
+              <a:stretch>
+                <a:fillRect/>
+              </a:stretch>
+            </p:blipFill>
+            <p:spPr>
+              <a:xfrm>
+                <a:off x="2649212" y="2344357"/>
+                <a:ext cx="214200" cy="774360"/>
+              </a:xfrm>
+              <a:prstGeom prst="rect">
+                <a:avLst/>
+              </a:prstGeom>
+            </p:spPr>
+          </p:pic>
+        </mc:Fallback>
+      </mc:AlternateContent>
+      <mc:AlternateContent xmlns:mc="http://schemas.openxmlformats.org/markup-compatibility/2006">
+        <mc:Choice xmlns:p14="http://schemas.microsoft.com/office/powerpoint/2010/main" Requires="p14">
+          <p:contentPart p14:bwMode="auto" r:id="rId13">
+            <p14:nvContentPartPr>
+              <p14:cNvPr id="38" name="잉크 37"/>
+              <p14:cNvContentPartPr/>
+              <p14:nvPr/>
+            </p14:nvContentPartPr>
+            <p14:xfrm>
+              <a:off x="6562772" y="2262637"/>
+              <a:ext cx="628560" cy="340200"/>
+            </p14:xfrm>
+          </p:contentPart>
+        </mc:Choice>
+        <mc:Fallback>
+          <p:pic>
+            <p:nvPicPr>
+              <p:cNvPr id="38" name="잉크 37"/>
+              <p:cNvPicPr/>
+              <p:nvPr/>
+            </p:nvPicPr>
+            <p:blipFill>
+              <a:blip r:embed="rId14"/>
+              <a:stretch>
+                <a:fillRect/>
+              </a:stretch>
+            </p:blipFill>
+            <p:spPr>
+              <a:xfrm>
+                <a:off x="6550892" y="2250757"/>
+                <a:ext cx="652320" cy="363960"/>
+              </a:xfrm>
+              <a:prstGeom prst="rect">
+                <a:avLst/>
+              </a:prstGeom>
+            </p:spPr>
+          </p:pic>
+        </mc:Fallback>
+      </mc:AlternateContent>
+      <mc:AlternateContent xmlns:mc="http://schemas.openxmlformats.org/markup-compatibility/2006">
+        <mc:Choice xmlns:p14="http://schemas.microsoft.com/office/powerpoint/2010/main" Requires="p14">
+          <p:contentPart p14:bwMode="auto" r:id="rId15">
+            <p14:nvContentPartPr>
+              <p14:cNvPr id="46" name="잉크 45"/>
+              <p14:cNvContentPartPr/>
+              <p14:nvPr/>
+            </p14:nvContentPartPr>
+            <p14:xfrm>
+              <a:off x="5849972" y="3468637"/>
+              <a:ext cx="1594440" cy="38880"/>
+            </p14:xfrm>
+          </p:contentPart>
+        </mc:Choice>
+        <mc:Fallback>
+          <p:pic>
+            <p:nvPicPr>
+              <p:cNvPr id="46" name="잉크 45"/>
+              <p:cNvPicPr/>
+              <p:nvPr/>
+            </p:nvPicPr>
+            <p:blipFill>
+              <a:blip r:embed="rId16"/>
+              <a:stretch>
+                <a:fillRect/>
+              </a:stretch>
+            </p:blipFill>
+            <p:spPr>
+              <a:xfrm>
+                <a:off x="5838092" y="3456757"/>
+                <a:ext cx="1618200" cy="62640"/>
+              </a:xfrm>
+              <a:prstGeom prst="rect">
+                <a:avLst/>
+              </a:prstGeom>
+            </p:spPr>
+          </p:pic>
+        </mc:Fallback>
+      </mc:AlternateContent>
+      <mc:AlternateContent xmlns:mc="http://schemas.openxmlformats.org/markup-compatibility/2006">
+        <mc:Choice xmlns:p14="http://schemas.microsoft.com/office/powerpoint/2010/main" Requires="p14">
+          <p:contentPart p14:bwMode="auto" r:id="rId17">
+            <p14:nvContentPartPr>
+              <p14:cNvPr id="48" name="잉크 47"/>
+              <p14:cNvContentPartPr/>
+              <p14:nvPr/>
+            </p14:nvContentPartPr>
+            <p14:xfrm>
+              <a:off x="3399812" y="3512557"/>
+              <a:ext cx="2297880" cy="39960"/>
+            </p14:xfrm>
+          </p:contentPart>
+        </mc:Choice>
+        <mc:Fallback>
+          <p:pic>
+            <p:nvPicPr>
+              <p:cNvPr id="48" name="잉크 47"/>
+              <p:cNvPicPr/>
+              <p:nvPr/>
+            </p:nvPicPr>
+            <p:blipFill>
+              <a:blip r:embed="rId18"/>
+              <a:stretch>
+                <a:fillRect/>
+              </a:stretch>
+            </p:blipFill>
+            <p:spPr>
+              <a:xfrm>
+                <a:off x="3387932" y="3500677"/>
+                <a:ext cx="2321640" cy="63720"/>
+              </a:xfrm>
+              <a:prstGeom prst="rect">
+                <a:avLst/>
+              </a:prstGeom>
+            </p:spPr>
+          </p:pic>
+        </mc:Fallback>
+      </mc:AlternateContent>
+      <mc:AlternateContent xmlns:mc="http://schemas.openxmlformats.org/markup-compatibility/2006">
+        <mc:Choice xmlns:p14="http://schemas.microsoft.com/office/powerpoint/2010/main" Requires="p14">
+          <p:contentPart p14:bwMode="auto" r:id="rId19">
+            <p14:nvContentPartPr>
+              <p14:cNvPr id="50" name="잉크 49"/>
+              <p14:cNvContentPartPr/>
+              <p14:nvPr/>
+            </p14:nvContentPartPr>
+            <p14:xfrm>
+              <a:off x="2600252" y="3282517"/>
+              <a:ext cx="518400" cy="93960"/>
+            </p14:xfrm>
+          </p:contentPart>
+        </mc:Choice>
+        <mc:Fallback>
+          <p:pic>
+            <p:nvPicPr>
+              <p:cNvPr id="50" name="잉크 49"/>
+              <p:cNvPicPr/>
+              <p:nvPr/>
+            </p:nvPicPr>
+            <p:blipFill>
+              <a:blip r:embed="rId20"/>
+              <a:stretch>
+                <a:fillRect/>
+              </a:stretch>
+            </p:blipFill>
+            <p:spPr>
+              <a:xfrm>
+                <a:off x="2588372" y="3270637"/>
+                <a:ext cx="542160" cy="117720"/>
+              </a:xfrm>
+              <a:prstGeom prst="rect">
+                <a:avLst/>
+              </a:prstGeom>
+            </p:spPr>
+          </p:pic>
+        </mc:Fallback>
+      </mc:AlternateContent>
+      <mc:AlternateContent xmlns:mc="http://schemas.openxmlformats.org/markup-compatibility/2006">
+        <mc:Choice xmlns:p14="http://schemas.microsoft.com/office/powerpoint/2010/main" Requires="p14">
+          <p:contentPart p14:bwMode="auto" r:id="rId21">
+            <p14:nvContentPartPr>
+              <p14:cNvPr id="51" name="잉크 50"/>
+              <p14:cNvContentPartPr/>
+              <p14:nvPr/>
+            </p14:nvContentPartPr>
+            <p14:xfrm>
+              <a:off x="2496932" y="3571957"/>
+              <a:ext cx="715680" cy="27360"/>
+            </p14:xfrm>
+          </p:contentPart>
+        </mc:Choice>
+        <mc:Fallback>
+          <p:pic>
+            <p:nvPicPr>
+              <p:cNvPr id="51" name="잉크 50"/>
+              <p:cNvPicPr/>
+              <p:nvPr/>
+            </p:nvPicPr>
+            <p:blipFill>
+              <a:blip r:embed="rId22"/>
+              <a:stretch>
+                <a:fillRect/>
+              </a:stretch>
+            </p:blipFill>
+            <p:spPr>
+              <a:xfrm>
+                <a:off x="2485052" y="3560077"/>
+                <a:ext cx="739440" cy="51120"/>
+              </a:xfrm>
+              <a:prstGeom prst="rect">
+                <a:avLst/>
+              </a:prstGeom>
+            </p:spPr>
+          </p:pic>
+        </mc:Fallback>
+      </mc:AlternateContent>
+      <mc:AlternateContent xmlns:mc="http://schemas.openxmlformats.org/markup-compatibility/2006">
+        <mc:Choice xmlns:p14="http://schemas.microsoft.com/office/powerpoint/2010/main" Requires="p14">
+          <p:contentPart p14:bwMode="auto" r:id="rId23">
+            <p14:nvContentPartPr>
+              <p14:cNvPr id="53" name="잉크 52"/>
+              <p14:cNvContentPartPr/>
+              <p14:nvPr/>
+            </p14:nvContentPartPr>
+            <p14:xfrm>
+              <a:off x="4865012" y="3563677"/>
+              <a:ext cx="1831680" cy="374760"/>
+            </p14:xfrm>
+          </p:contentPart>
+        </mc:Choice>
+        <mc:Fallback>
+          <p:pic>
+            <p:nvPicPr>
+              <p:cNvPr id="53" name="잉크 52"/>
+              <p:cNvPicPr/>
+              <p:nvPr/>
+            </p:nvPicPr>
+            <p:blipFill>
+              <a:blip r:embed="rId24"/>
+              <a:stretch>
+                <a:fillRect/>
+              </a:stretch>
+            </p:blipFill>
+            <p:spPr>
+              <a:xfrm>
+                <a:off x="4853132" y="3551797"/>
+                <a:ext cx="1855440" cy="398520"/>
+              </a:xfrm>
+              <a:prstGeom prst="rect">
+                <a:avLst/>
+              </a:prstGeom>
+            </p:spPr>
+          </p:pic>
+        </mc:Fallback>
+      </mc:AlternateContent>
+      <mc:AlternateContent xmlns:mc="http://schemas.openxmlformats.org/markup-compatibility/2006">
+        <mc:Choice xmlns:p14="http://schemas.microsoft.com/office/powerpoint/2010/main" Requires="p14">
+          <p:contentPart p14:bwMode="auto" r:id="rId25">
+            <p14:nvContentPartPr>
+              <p14:cNvPr id="55" name="잉크 54"/>
+              <p14:cNvContentPartPr/>
+              <p14:nvPr/>
+            </p14:nvContentPartPr>
+            <p14:xfrm>
+              <a:off x="4787612" y="3587437"/>
+              <a:ext cx="324000" cy="122760"/>
+            </p14:xfrm>
+          </p:contentPart>
+        </mc:Choice>
+        <mc:Fallback>
+          <p:pic>
+            <p:nvPicPr>
+              <p:cNvPr id="55" name="잉크 54"/>
+              <p:cNvPicPr/>
+              <p:nvPr/>
+            </p:nvPicPr>
+            <p:blipFill>
+              <a:blip r:embed="rId26"/>
+              <a:stretch>
+                <a:fillRect/>
+              </a:stretch>
+            </p:blipFill>
+            <p:spPr>
+              <a:xfrm>
+                <a:off x="4775732" y="3575557"/>
+                <a:ext cx="347760" cy="146520"/>
+              </a:xfrm>
+              <a:prstGeom prst="rect">
+                <a:avLst/>
+              </a:prstGeom>
+            </p:spPr>
+          </p:pic>
+        </mc:Fallback>
+      </mc:AlternateContent>
+      <mc:AlternateContent xmlns:mc="http://schemas.openxmlformats.org/markup-compatibility/2006">
+        <mc:Choice xmlns:p14="http://schemas.microsoft.com/office/powerpoint/2010/main" Requires="p14">
+          <p:contentPart p14:bwMode="auto" r:id="rId27">
+            <p14:nvContentPartPr>
+              <p14:cNvPr id="57" name="잉크 56"/>
+              <p14:cNvContentPartPr/>
+              <p14:nvPr/>
+            </p14:nvContentPartPr>
+            <p14:xfrm>
+              <a:off x="2567492" y="3622357"/>
+              <a:ext cx="1112400" cy="378360"/>
+            </p14:xfrm>
+          </p:contentPart>
+        </mc:Choice>
+        <mc:Fallback>
+          <p:pic>
+            <p:nvPicPr>
+              <p:cNvPr id="57" name="잉크 56"/>
+              <p:cNvPicPr/>
+              <p:nvPr/>
+            </p:nvPicPr>
+            <p:blipFill>
+              <a:blip r:embed="rId28"/>
+              <a:stretch>
+                <a:fillRect/>
+              </a:stretch>
+            </p:blipFill>
+            <p:spPr>
+              <a:xfrm>
+                <a:off x="2555612" y="3610477"/>
+                <a:ext cx="1136160" cy="402120"/>
+              </a:xfrm>
+              <a:prstGeom prst="rect">
+                <a:avLst/>
+              </a:prstGeom>
+            </p:spPr>
+          </p:pic>
+        </mc:Fallback>
+      </mc:AlternateContent>
     </p:spTree>
     <p:extLst>
       <p:ext uri="{BB962C8B-B14F-4D97-AF65-F5344CB8AC3E}">
-        <p14:creationId xmlns:p14="http://schemas.microsoft.com/office/powerpoint/2010/main" xmlns="" val="4224561051"/>
+        <p14:creationId xmlns:p14="http://schemas.microsoft.com/office/powerpoint/2010/main" val="4224561051"/>
       </p:ext>
     </p:extLst>
   </p:cSld>
   <p:clrMapOvr>
     <a:masterClrMapping/>
   </p:clrMapOvr>
-  <mc:AlternateContent xmlns:mc="http://schemas.openxmlformats.org/markup-compatibility/2006">
-    <mc:Choice xmlns:p14="http://schemas.microsoft.com/office/powerpoint/2010/main" xmlns="" Requires="p14">
+  <mc:AlternateContent xmlns:mc="http://schemas.openxmlformats.org/markup-compatibility/2006" xmlns:p14="http://schemas.microsoft.com/office/powerpoint/2010/main">
+    <mc:Choice Requires="p14">
       <p:transition spd="slow" p14:dur="2000"/>
     </mc:Choice>
-    <mc:Fallback>
+    <mc:Fallback xmlns="">
       <p:transition spd="slow"/>
     </mc:Fallback>
   </mc:AlternateContent>
@@ -19460,7 +24249,7 @@
           <a:blip r:embed="rId2">
             <a:extLst>
               <a:ext uri="{28A0092B-C50C-407E-A947-70E740481C1C}">
-                <a14:useLocalDpi xmlns:a14="http://schemas.microsoft.com/office/drawing/2010/main" xmlns="" val="0"/>
+                <a14:useLocalDpi xmlns:a14="http://schemas.microsoft.com/office/drawing/2010/main" val="0"/>
               </a:ext>
             </a:extLst>
           </a:blip>
@@ -19483,14 +24272,14 @@
           </a:ln>
           <a:extLst>
             <a:ext uri="{909E8E84-426E-40DD-AFC4-6F175D3DCCD1}">
-              <a14:hiddenFill xmlns:a14="http://schemas.microsoft.com/office/drawing/2010/main" xmlns="">
+              <a14:hiddenFill xmlns:a14="http://schemas.microsoft.com/office/drawing/2010/main">
                 <a:solidFill>
                   <a:schemeClr val="accent1"/>
                 </a:solidFill>
               </a14:hiddenFill>
             </a:ext>
             <a:ext uri="{91240B29-F687-4F45-9708-019B960494DF}">
-              <a14:hiddenLine xmlns:a14="http://schemas.microsoft.com/office/drawing/2010/main" xmlns="" w="9525">
+              <a14:hiddenLine xmlns:a14="http://schemas.microsoft.com/office/drawing/2010/main" w="9525">
                 <a:solidFill>
                   <a:schemeClr val="tx1"/>
                 </a:solidFill>
@@ -19502,21 +24291,60 @@
           </a:extLst>
         </p:spPr>
       </p:pic>
+      <mc:AlternateContent xmlns:mc="http://schemas.openxmlformats.org/markup-compatibility/2006">
+        <mc:Choice xmlns:p14="http://schemas.microsoft.com/office/powerpoint/2010/main" Requires="p14">
+          <p:contentPart p14:bwMode="auto" r:id="rId3">
+            <p14:nvContentPartPr>
+              <p14:cNvPr id="3" name="잉크 2"/>
+              <p14:cNvContentPartPr/>
+              <p14:nvPr/>
+            </p14:nvContentPartPr>
+            <p14:xfrm>
+              <a:off x="5565932" y="2461357"/>
+              <a:ext cx="465480" cy="403920"/>
+            </p14:xfrm>
+          </p:contentPart>
+        </mc:Choice>
+        <mc:Fallback>
+          <p:pic>
+            <p:nvPicPr>
+              <p:cNvPr id="3" name="잉크 2"/>
+              <p:cNvPicPr/>
+              <p:nvPr/>
+            </p:nvPicPr>
+            <p:blipFill>
+              <a:blip r:embed="rId4"/>
+              <a:stretch>
+                <a:fillRect/>
+              </a:stretch>
+            </p:blipFill>
+            <p:spPr>
+              <a:xfrm>
+                <a:off x="5554052" y="2449477"/>
+                <a:ext cx="489240" cy="427680"/>
+              </a:xfrm>
+              <a:prstGeom prst="rect">
+                <a:avLst/>
+              </a:prstGeom>
+            </p:spPr>
+          </p:pic>
+        </mc:Fallback>
+      </mc:AlternateContent>
     </p:spTree>
     <p:extLst>
       <p:ext uri="{BB962C8B-B14F-4D97-AF65-F5344CB8AC3E}">
-        <p14:creationId xmlns:p14="http://schemas.microsoft.com/office/powerpoint/2010/main" xmlns="" val="3096575998"/>
+        <p14:creationId xmlns:p14="http://schemas.microsoft.com/office/powerpoint/2010/main" val="3096575998"/>
       </p:ext>
     </p:extLst>
   </p:cSld>
   <p:clrMapOvr>
     <a:masterClrMapping/>
   </p:clrMapOvr>
-  <mc:AlternateContent xmlns:mc="http://schemas.openxmlformats.org/markup-compatibility/2006">
-    <mc:Choice xmlns:p14="http://schemas.microsoft.com/office/powerpoint/2010/main" xmlns="" Requires="p14">
+  <mc:AlternateContent xmlns:mc="http://schemas.openxmlformats.org/markup-compatibility/2006" xmlns:p14="http://schemas.microsoft.com/office/powerpoint/2010/main">
+    <mc:Choice Requires="p14">
       <p:transition spd="slow" p14:dur="2000"/>
     </mc:Choice>
-    <mc:Fallback>
+    <mc:Fallback xmlns="">
       <p:transition spd="slow"/>
     </mc:Fallback>
   </mc:AlternateContent>
@@ -19583,7 +24411,7 @@
           <a:blip r:embed="rId2">
             <a:extLst>
               <a:ext uri="{28A0092B-C50C-407E-A947-70E740481C1C}">
-                <a14:useLocalDpi xmlns:a14="http://schemas.microsoft.com/office/drawing/2010/main" xmlns="" val="0"/>
+                <a14:useLocalDpi xmlns:a14="http://schemas.microsoft.com/office/drawing/2010/main" val="0"/>
               </a:ext>
             </a:extLst>
           </a:blip>
@@ -19606,14 +24434,14 @@
           </a:ln>
           <a:extLst>
             <a:ext uri="{909E8E84-426E-40DD-AFC4-6F175D3DCCD1}">
-              <a14:hiddenFill xmlns:a14="http://schemas.microsoft.com/office/drawing/2010/main" xmlns="">
+              <a14:hiddenFill xmlns:a14="http://schemas.microsoft.com/office/drawing/2010/main">
                 <a:solidFill>
                   <a:schemeClr val="accent1"/>
                 </a:solidFill>
               </a14:hiddenFill>
             </a:ext>
             <a:ext uri="{91240B29-F687-4F45-9708-019B960494DF}">
-              <a14:hiddenLine xmlns:a14="http://schemas.microsoft.com/office/drawing/2010/main" xmlns="" w="9525">
+              <a14:hiddenLine xmlns:a14="http://schemas.microsoft.com/office/drawing/2010/main" w="9525">
                 <a:solidFill>
                   <a:schemeClr val="tx1"/>
                 </a:solidFill>
@@ -19625,21 +24453,99 @@
           </a:extLst>
         </p:spPr>
       </p:pic>
+      <mc:AlternateContent xmlns:mc="http://schemas.openxmlformats.org/markup-compatibility/2006">
+        <mc:Choice xmlns:p14="http://schemas.microsoft.com/office/powerpoint/2010/main" Requires="p14">
+          <p:contentPart p14:bwMode="auto" r:id="rId3">
+            <p14:nvContentPartPr>
+              <p14:cNvPr id="6" name="잉크 5"/>
+              <p14:cNvContentPartPr/>
+              <p14:nvPr/>
+            </p14:nvContentPartPr>
+            <p14:xfrm>
+              <a:off x="6069572" y="2270197"/>
+              <a:ext cx="360720" cy="440280"/>
+            </p14:xfrm>
+          </p:contentPart>
+        </mc:Choice>
+        <mc:Fallback>
+          <p:pic>
+            <p:nvPicPr>
+              <p:cNvPr id="6" name="잉크 5"/>
+              <p:cNvPicPr/>
+              <p:nvPr/>
+            </p:nvPicPr>
+            <p:blipFill>
+              <a:blip r:embed="rId4"/>
+              <a:stretch>
+                <a:fillRect/>
+              </a:stretch>
+            </p:blipFill>
+            <p:spPr>
+              <a:xfrm>
+                <a:off x="6057692" y="2258317"/>
+                <a:ext cx="384480" cy="464040"/>
+              </a:xfrm>
+              <a:prstGeom prst="rect">
+                <a:avLst/>
+              </a:prstGeom>
+            </p:spPr>
+          </p:pic>
+        </mc:Fallback>
+      </mc:AlternateContent>
+      <mc:AlternateContent xmlns:mc="http://schemas.openxmlformats.org/markup-compatibility/2006">
+        <mc:Choice xmlns:p14="http://schemas.microsoft.com/office/powerpoint/2010/main" Requires="p14">
+          <p:contentPart p14:bwMode="auto" r:id="rId5">
+            <p14:nvContentPartPr>
+              <p14:cNvPr id="7" name="잉크 6"/>
+              <p14:cNvContentPartPr/>
+              <p14:nvPr/>
+            </p14:nvContentPartPr>
+            <p14:xfrm>
+              <a:off x="7572932" y="2997397"/>
+              <a:ext cx="623160" cy="1305360"/>
+            </p14:xfrm>
+          </p:contentPart>
+        </mc:Choice>
+        <mc:Fallback>
+          <p:pic>
+            <p:nvPicPr>
+              <p:cNvPr id="7" name="잉크 6"/>
+              <p:cNvPicPr/>
+              <p:nvPr/>
+            </p:nvPicPr>
+            <p:blipFill>
+              <a:blip r:embed="rId6"/>
+              <a:stretch>
+                <a:fillRect/>
+              </a:stretch>
+            </p:blipFill>
+            <p:spPr>
+              <a:xfrm>
+                <a:off x="7561052" y="2985517"/>
+                <a:ext cx="646920" cy="1329120"/>
+              </a:xfrm>
+              <a:prstGeom prst="rect">
+                <a:avLst/>
+              </a:prstGeom>
+            </p:spPr>
+          </p:pic>
+        </mc:Fallback>
+      </mc:AlternateContent>
     </p:spTree>
     <p:extLst>
       <p:ext uri="{BB962C8B-B14F-4D97-AF65-F5344CB8AC3E}">
-        <p14:creationId xmlns:p14="http://schemas.microsoft.com/office/powerpoint/2010/main" xmlns="" val="1640186280"/>
+        <p14:creationId xmlns:p14="http://schemas.microsoft.com/office/powerpoint/2010/main" val="1640186280"/>
       </p:ext>
     </p:extLst>
   </p:cSld>
   <p:clrMapOvr>
     <a:masterClrMapping/>
   </p:clrMapOvr>
-  <mc:AlternateContent xmlns:mc="http://schemas.openxmlformats.org/markup-compatibility/2006">
-    <mc:Choice xmlns:p14="http://schemas.microsoft.com/office/powerpoint/2010/main" xmlns="" Requires="p14">
+  <mc:AlternateContent xmlns:mc="http://schemas.openxmlformats.org/markup-compatibility/2006" xmlns:p14="http://schemas.microsoft.com/office/powerpoint/2010/main">
+    <mc:Choice Requires="p14">
       <p:transition spd="slow" p14:dur="2000"/>
     </mc:Choice>
-    <mc:Fallback>
+    <mc:Fallback xmlns="">
       <p:transition spd="slow"/>
     </mc:Fallback>
   </mc:AlternateContent>
@@ -19698,7 +24604,7 @@
           <a:blip r:embed="rId2">
             <a:extLst>
               <a:ext uri="{28A0092B-C50C-407E-A947-70E740481C1C}">
-                <a14:useLocalDpi xmlns:a14="http://schemas.microsoft.com/office/drawing/2010/main" xmlns="" val="0"/>
+                <a14:useLocalDpi xmlns:a14="http://schemas.microsoft.com/office/drawing/2010/main" val="0"/>
               </a:ext>
             </a:extLst>
           </a:blip>
@@ -19721,14 +24627,14 @@
           </a:ln>
           <a:extLst>
             <a:ext uri="{909E8E84-426E-40DD-AFC4-6F175D3DCCD1}">
-              <a14:hiddenFill xmlns:a14="http://schemas.microsoft.com/office/drawing/2010/main" xmlns="">
+              <a14:hiddenFill xmlns:a14="http://schemas.microsoft.com/office/drawing/2010/main">
                 <a:solidFill>
                   <a:schemeClr val="accent1"/>
                 </a:solidFill>
               </a14:hiddenFill>
             </a:ext>
             <a:ext uri="{91240B29-F687-4F45-9708-019B960494DF}">
-              <a14:hiddenLine xmlns:a14="http://schemas.microsoft.com/office/drawing/2010/main" xmlns="" w="9525">
+              <a14:hiddenLine xmlns:a14="http://schemas.microsoft.com/office/drawing/2010/main" w="9525">
                 <a:solidFill>
                   <a:schemeClr val="tx1"/>
                 </a:solidFill>
@@ -19740,21 +24646,60 @@
           </a:extLst>
         </p:spPr>
       </p:pic>
+      <mc:AlternateContent xmlns:mc="http://schemas.openxmlformats.org/markup-compatibility/2006">
+        <mc:Choice xmlns:p14="http://schemas.microsoft.com/office/powerpoint/2010/main" Requires="p14">
+          <p:contentPart p14:bwMode="auto" r:id="rId3">
+            <p14:nvContentPartPr>
+              <p14:cNvPr id="4" name="잉크 3"/>
+              <p14:cNvContentPartPr/>
+              <p14:nvPr/>
+            </p14:nvContentPartPr>
+            <p14:xfrm>
+              <a:off x="6904772" y="5496517"/>
+              <a:ext cx="996840" cy="37080"/>
+            </p14:xfrm>
+          </p:contentPart>
+        </mc:Choice>
+        <mc:Fallback>
+          <p:pic>
+            <p:nvPicPr>
+              <p:cNvPr id="4" name="잉크 3"/>
+              <p:cNvPicPr/>
+              <p:nvPr/>
+            </p:nvPicPr>
+            <p:blipFill>
+              <a:blip r:embed="rId4"/>
+              <a:stretch>
+                <a:fillRect/>
+              </a:stretch>
+            </p:blipFill>
+            <p:spPr>
+              <a:xfrm>
+                <a:off x="6892892" y="5484637"/>
+                <a:ext cx="1020600" cy="60840"/>
+              </a:xfrm>
+              <a:prstGeom prst="rect">
+                <a:avLst/>
+              </a:prstGeom>
+            </p:spPr>
+          </p:pic>
+        </mc:Fallback>
+      </mc:AlternateContent>
     </p:spTree>
     <p:extLst>
       <p:ext uri="{BB962C8B-B14F-4D97-AF65-F5344CB8AC3E}">
-        <p14:creationId xmlns:p14="http://schemas.microsoft.com/office/powerpoint/2010/main" xmlns="" val="2341176075"/>
+        <p14:creationId xmlns:p14="http://schemas.microsoft.com/office/powerpoint/2010/main" val="2341176075"/>
       </p:ext>
     </p:extLst>
   </p:cSld>
   <p:clrMapOvr>
     <a:masterClrMapping/>
   </p:clrMapOvr>
-  <mc:AlternateContent xmlns:mc="http://schemas.openxmlformats.org/markup-compatibility/2006">
-    <mc:Choice xmlns:p14="http://schemas.microsoft.com/office/powerpoint/2010/main" xmlns="" Requires="p14">
+  <mc:AlternateContent xmlns:mc="http://schemas.openxmlformats.org/markup-compatibility/2006" xmlns:p14="http://schemas.microsoft.com/office/powerpoint/2010/main">
+    <mc:Choice Requires="p14">
       <p:transition spd="slow" p14:dur="2000"/>
     </mc:Choice>
-    <mc:Fallback>
+    <mc:Fallback xmlns="">
       <p:transition spd="slow"/>
     </mc:Fallback>
   </mc:AlternateContent>
@@ -19812,7 +24757,7 @@
           <a:blip r:embed="rId2">
             <a:extLst>
               <a:ext uri="{28A0092B-C50C-407E-A947-70E740481C1C}">
-                <a14:useLocalDpi xmlns:a14="http://schemas.microsoft.com/office/drawing/2010/main" xmlns="" val="0"/>
+                <a14:useLocalDpi xmlns:a14="http://schemas.microsoft.com/office/drawing/2010/main" val="0"/>
               </a:ext>
             </a:extLst>
           </a:blip>
@@ -19835,14 +24780,14 @@
           </a:ln>
           <a:extLst>
             <a:ext uri="{909E8E84-426E-40DD-AFC4-6F175D3DCCD1}">
-              <a14:hiddenFill xmlns:a14="http://schemas.microsoft.com/office/drawing/2010/main" xmlns="">
+              <a14:hiddenFill xmlns:a14="http://schemas.microsoft.com/office/drawing/2010/main">
                 <a:solidFill>
                   <a:schemeClr val="accent1"/>
                 </a:solidFill>
               </a14:hiddenFill>
             </a:ext>
             <a:ext uri="{91240B29-F687-4F45-9708-019B960494DF}">
-              <a14:hiddenLine xmlns:a14="http://schemas.microsoft.com/office/drawing/2010/main" xmlns="" w="9525">
+              <a14:hiddenLine xmlns:a14="http://schemas.microsoft.com/office/drawing/2010/main" w="9525">
                 <a:solidFill>
                   <a:schemeClr val="tx1"/>
                 </a:solidFill>
@@ -19857,18 +24802,18 @@
     </p:spTree>
     <p:extLst>
       <p:ext uri="{BB962C8B-B14F-4D97-AF65-F5344CB8AC3E}">
-        <p14:creationId xmlns:p14="http://schemas.microsoft.com/office/powerpoint/2010/main" xmlns="" val="3146597500"/>
+        <p14:creationId xmlns:p14="http://schemas.microsoft.com/office/powerpoint/2010/main" val="3146597500"/>
       </p:ext>
     </p:extLst>
   </p:cSld>
   <p:clrMapOvr>
     <a:masterClrMapping/>
   </p:clrMapOvr>
-  <mc:AlternateContent xmlns:mc="http://schemas.openxmlformats.org/markup-compatibility/2006">
-    <mc:Choice xmlns:p14="http://schemas.microsoft.com/office/powerpoint/2010/main" xmlns="" Requires="p14">
+  <mc:AlternateContent xmlns:mc="http://schemas.openxmlformats.org/markup-compatibility/2006" xmlns:p14="http://schemas.microsoft.com/office/powerpoint/2010/main">
+    <mc:Choice Requires="p14">
       <p:transition spd="slow" p14:dur="2000"/>
     </mc:Choice>
-    <mc:Fallback>
+    <mc:Fallback xmlns="">
       <p:transition spd="slow"/>
     </mc:Fallback>
   </mc:AlternateContent>
@@ -19964,7 +24909,7 @@
               <a:t>포인터</a:t>
             </a:r>
             <a:r>
-              <a:rPr altLang="ko-KR" smtClean="0"/>
+              <a:rPr altLang="ko-KR" dirty="0" smtClean="0"/>
               <a:t>. </a:t>
             </a:r>
           </a:p>
@@ -20123,7 +25068,7 @@
           <a:effectLst/>
           <a:extLst>
             <a:ext uri="{AF507438-7753-43E0-B8FC-AC1667EBCBE1}">
-              <a14:hiddenEffects xmlns:a14="http://schemas.microsoft.com/office/drawing/2010/main" xmlns="">
+              <a14:hiddenEffects xmlns:a14="http://schemas.microsoft.com/office/drawing/2010/main">
                 <a:effectLst>
                   <a:outerShdw dist="35921" dir="2700000" algn="ctr" rotWithShape="0">
                     <a:schemeClr val="bg2"/>
@@ -20173,7 +25118,7 @@
           <a:effectLst/>
           <a:extLst>
             <a:ext uri="{AF507438-7753-43E0-B8FC-AC1667EBCBE1}">
-              <a14:hiddenEffects xmlns:a14="http://schemas.microsoft.com/office/drawing/2010/main" xmlns="">
+              <a14:hiddenEffects xmlns:a14="http://schemas.microsoft.com/office/drawing/2010/main">
                 <a:effectLst>
                   <a:outerShdw dist="35921" dir="2700000" algn="ctr" rotWithShape="0">
                     <a:schemeClr val="bg2"/>
@@ -20253,7 +25198,7 @@
           <a:effectLst/>
           <a:extLst>
             <a:ext uri="{AF507438-7753-43E0-B8FC-AC1667EBCBE1}">
-              <a14:hiddenEffects xmlns:a14="http://schemas.microsoft.com/office/drawing/2010/main" xmlns="">
+              <a14:hiddenEffects xmlns:a14="http://schemas.microsoft.com/office/drawing/2010/main">
                 <a:effectLst>
                   <a:outerShdw dist="35921" dir="2700000" algn="ctr" rotWithShape="0">
                     <a:schemeClr val="bg2"/>
@@ -20333,7 +25278,7 @@
           <a:effectLst/>
           <a:extLst>
             <a:ext uri="{AF507438-7753-43E0-B8FC-AC1667EBCBE1}">
-              <a14:hiddenEffects xmlns:a14="http://schemas.microsoft.com/office/drawing/2010/main" xmlns="">
+              <a14:hiddenEffects xmlns:a14="http://schemas.microsoft.com/office/drawing/2010/main">
                 <a:effectLst>
                   <a:outerShdw dist="35921" dir="2700000" algn="ctr" rotWithShape="0">
                     <a:schemeClr val="bg2"/>
@@ -20413,7 +25358,7 @@
           <a:effectLst/>
           <a:extLst>
             <a:ext uri="{AF507438-7753-43E0-B8FC-AC1667EBCBE1}">
-              <a14:hiddenEffects xmlns:a14="http://schemas.microsoft.com/office/drawing/2010/main" xmlns="">
+              <a14:hiddenEffects xmlns:a14="http://schemas.microsoft.com/office/drawing/2010/main">
                 <a:effectLst>
                   <a:outerShdw dist="35921" dir="2700000" algn="ctr" rotWithShape="0">
                     <a:schemeClr val="bg2"/>
@@ -20494,7 +25439,7 @@
           <a:effectLst/>
           <a:extLst>
             <a:ext uri="{AF507438-7753-43E0-B8FC-AC1667EBCBE1}">
-              <a14:hiddenEffects xmlns:a14="http://schemas.microsoft.com/office/drawing/2010/main" xmlns="">
+              <a14:hiddenEffects xmlns:a14="http://schemas.microsoft.com/office/drawing/2010/main">
                 <a:effectLst>
                   <a:outerShdw dist="35921" dir="2700000" algn="ctr" rotWithShape="0">
                     <a:schemeClr val="bg2"/>
@@ -20535,14 +25480,14 @@
           <a:effectLst/>
           <a:extLst>
             <a:ext uri="{909E8E84-426E-40DD-AFC4-6F175D3DCCD1}">
-              <a14:hiddenFill xmlns:a14="http://schemas.microsoft.com/office/drawing/2010/main" xmlns="">
+              <a14:hiddenFill xmlns:a14="http://schemas.microsoft.com/office/drawing/2010/main">
                 <a:solidFill>
                   <a:schemeClr val="accent1"/>
                 </a:solidFill>
               </a14:hiddenFill>
             </a:ext>
             <a:ext uri="{91240B29-F687-4F45-9708-019B960494DF}">
-              <a14:hiddenLine xmlns:a14="http://schemas.microsoft.com/office/drawing/2010/main" xmlns="" w="9525">
+              <a14:hiddenLine xmlns:a14="http://schemas.microsoft.com/office/drawing/2010/main" w="9525">
                 <a:solidFill>
                   <a:schemeClr val="tx1"/>
                 </a:solidFill>
@@ -20552,7 +25497,7 @@
               </a14:hiddenLine>
             </a:ext>
             <a:ext uri="{AF507438-7753-43E0-B8FC-AC1667EBCBE1}">
-              <a14:hiddenEffects xmlns:a14="http://schemas.microsoft.com/office/drawing/2010/main" xmlns="">
+              <a14:hiddenEffects xmlns:a14="http://schemas.microsoft.com/office/drawing/2010/main">
                 <a:effectLst>
                   <a:outerShdw dist="35921" dir="2700000" algn="ctr" rotWithShape="0">
                     <a:schemeClr val="bg2"/>
@@ -20603,14 +25548,14 @@
           <a:effectLst/>
           <a:extLst>
             <a:ext uri="{909E8E84-426E-40DD-AFC4-6F175D3DCCD1}">
-              <a14:hiddenFill xmlns:a14="http://schemas.microsoft.com/office/drawing/2010/main" xmlns="">
+              <a14:hiddenFill xmlns:a14="http://schemas.microsoft.com/office/drawing/2010/main">
                 <a:solidFill>
                   <a:schemeClr val="accent1"/>
                 </a:solidFill>
               </a14:hiddenFill>
             </a:ext>
             <a:ext uri="{91240B29-F687-4F45-9708-019B960494DF}">
-              <a14:hiddenLine xmlns:a14="http://schemas.microsoft.com/office/drawing/2010/main" xmlns="" w="9525">
+              <a14:hiddenLine xmlns:a14="http://schemas.microsoft.com/office/drawing/2010/main" w="9525">
                 <a:solidFill>
                   <a:schemeClr val="tx1"/>
                 </a:solidFill>
@@ -20620,7 +25565,7 @@
               </a14:hiddenLine>
             </a:ext>
             <a:ext uri="{AF507438-7753-43E0-B8FC-AC1667EBCBE1}">
-              <a14:hiddenEffects xmlns:a14="http://schemas.microsoft.com/office/drawing/2010/main" xmlns="">
+              <a14:hiddenEffects xmlns:a14="http://schemas.microsoft.com/office/drawing/2010/main">
                 <a:effectLst>
                   <a:outerShdw dist="35921" dir="2700000" algn="ctr" rotWithShape="0">
                     <a:schemeClr val="bg2"/>
@@ -20671,14 +25616,14 @@
           <a:effectLst/>
           <a:extLst>
             <a:ext uri="{909E8E84-426E-40DD-AFC4-6F175D3DCCD1}">
-              <a14:hiddenFill xmlns:a14="http://schemas.microsoft.com/office/drawing/2010/main" xmlns="">
+              <a14:hiddenFill xmlns:a14="http://schemas.microsoft.com/office/drawing/2010/main">
                 <a:solidFill>
                   <a:schemeClr val="accent1"/>
                 </a:solidFill>
               </a14:hiddenFill>
             </a:ext>
             <a:ext uri="{91240B29-F687-4F45-9708-019B960494DF}">
-              <a14:hiddenLine xmlns:a14="http://schemas.microsoft.com/office/drawing/2010/main" xmlns="" w="9525">
+              <a14:hiddenLine xmlns:a14="http://schemas.microsoft.com/office/drawing/2010/main" w="9525">
                 <a:solidFill>
                   <a:schemeClr val="tx1"/>
                 </a:solidFill>
@@ -20688,7 +25633,7 @@
               </a14:hiddenLine>
             </a:ext>
             <a:ext uri="{AF507438-7753-43E0-B8FC-AC1667EBCBE1}">
-              <a14:hiddenEffects xmlns:a14="http://schemas.microsoft.com/office/drawing/2010/main" xmlns="">
+              <a14:hiddenEffects xmlns:a14="http://schemas.microsoft.com/office/drawing/2010/main">
                 <a:effectLst>
                   <a:outerShdw dist="35921" dir="2700000" algn="ctr" rotWithShape="0">
                     <a:schemeClr val="bg2"/>
@@ -20744,12 +25689,12 @@
           <a:effectLst/>
           <a:extLst>
             <a:ext uri="{909E8E84-426E-40DD-AFC4-6F175D3DCCD1}">
-              <a14:hiddenFill xmlns:a14="http://schemas.microsoft.com/office/drawing/2010/main" xmlns="">
+              <a14:hiddenFill xmlns:a14="http://schemas.microsoft.com/office/drawing/2010/main">
                 <a:noFill/>
               </a14:hiddenFill>
             </a:ext>
             <a:ext uri="{AF507438-7753-43E0-B8FC-AC1667EBCBE1}">
-              <a14:hiddenEffects xmlns:a14="http://schemas.microsoft.com/office/drawing/2010/main" xmlns="">
+              <a14:hiddenEffects xmlns:a14="http://schemas.microsoft.com/office/drawing/2010/main">
                 <a:effectLst>
                   <a:outerShdw dist="35921" dir="2700000" algn="ctr" rotWithShape="0">
                     <a:schemeClr val="bg2"/>
@@ -20795,12 +25740,12 @@
           <a:effectLst/>
           <a:extLst>
             <a:ext uri="{909E8E84-426E-40DD-AFC4-6F175D3DCCD1}">
-              <a14:hiddenFill xmlns:a14="http://schemas.microsoft.com/office/drawing/2010/main" xmlns="">
+              <a14:hiddenFill xmlns:a14="http://schemas.microsoft.com/office/drawing/2010/main">
                 <a:noFill/>
               </a14:hiddenFill>
             </a:ext>
             <a:ext uri="{AF507438-7753-43E0-B8FC-AC1667EBCBE1}">
-              <a14:hiddenEffects xmlns:a14="http://schemas.microsoft.com/office/drawing/2010/main" xmlns="">
+              <a14:hiddenEffects xmlns:a14="http://schemas.microsoft.com/office/drawing/2010/main">
                 <a:effectLst>
                   <a:outerShdw dist="35921" dir="2700000" algn="ctr" rotWithShape="0">
                     <a:schemeClr val="bg2"/>
@@ -20846,12 +25791,12 @@
           <a:effectLst/>
           <a:extLst>
             <a:ext uri="{909E8E84-426E-40DD-AFC4-6F175D3DCCD1}">
-              <a14:hiddenFill xmlns:a14="http://schemas.microsoft.com/office/drawing/2010/main" xmlns="">
+              <a14:hiddenFill xmlns:a14="http://schemas.microsoft.com/office/drawing/2010/main">
                 <a:noFill/>
               </a14:hiddenFill>
             </a:ext>
             <a:ext uri="{AF507438-7753-43E0-B8FC-AC1667EBCBE1}">
-              <a14:hiddenEffects xmlns:a14="http://schemas.microsoft.com/office/drawing/2010/main" xmlns="">
+              <a14:hiddenEffects xmlns:a14="http://schemas.microsoft.com/office/drawing/2010/main">
                 <a:effectLst>
                   <a:outerShdw dist="35921" dir="2700000" algn="ctr" rotWithShape="0">
                     <a:schemeClr val="bg2"/>
@@ -20869,21 +25814,917 @@
           </a:p>
         </p:txBody>
       </p:sp>
+      <mc:AlternateContent xmlns:mc="http://schemas.openxmlformats.org/markup-compatibility/2006">
+        <mc:Choice xmlns:p14="http://schemas.microsoft.com/office/powerpoint/2010/main" Requires="p14">
+          <p:contentPart p14:bwMode="auto" r:id="rId2">
+            <p14:nvContentPartPr>
+              <p14:cNvPr id="4" name="잉크 3"/>
+              <p14:cNvContentPartPr/>
+              <p14:nvPr/>
+            </p14:nvContentPartPr>
+            <p14:xfrm>
+              <a:off x="597932" y="3903157"/>
+              <a:ext cx="1187280" cy="258840"/>
+            </p14:xfrm>
+          </p:contentPart>
+        </mc:Choice>
+        <mc:Fallback>
+          <p:pic>
+            <p:nvPicPr>
+              <p:cNvPr id="4" name="잉크 3"/>
+              <p:cNvPicPr/>
+              <p:nvPr/>
+            </p:nvPicPr>
+            <p:blipFill>
+              <a:blip r:embed="rId3"/>
+              <a:stretch>
+                <a:fillRect/>
+              </a:stretch>
+            </p:blipFill>
+            <p:spPr>
+              <a:xfrm>
+                <a:off x="586052" y="3891277"/>
+                <a:ext cx="1211040" cy="282600"/>
+              </a:xfrm>
+              <a:prstGeom prst="rect">
+                <a:avLst/>
+              </a:prstGeom>
+            </p:spPr>
+          </p:pic>
+        </mc:Fallback>
+      </mc:AlternateContent>
+      <mc:AlternateContent xmlns:mc="http://schemas.openxmlformats.org/markup-compatibility/2006">
+        <mc:Choice xmlns:p14="http://schemas.microsoft.com/office/powerpoint/2010/main" Requires="p14">
+          <p:contentPart p14:bwMode="auto" r:id="rId4">
+            <p14:nvContentPartPr>
+              <p14:cNvPr id="10" name="잉크 9"/>
+              <p14:cNvContentPartPr/>
+              <p14:nvPr/>
+            </p14:nvContentPartPr>
+            <p14:xfrm>
+              <a:off x="539252" y="3572317"/>
+              <a:ext cx="5750280" cy="2726640"/>
+            </p14:xfrm>
+          </p:contentPart>
+        </mc:Choice>
+        <mc:Fallback>
+          <p:pic>
+            <p:nvPicPr>
+              <p:cNvPr id="10" name="잉크 9"/>
+              <p:cNvPicPr/>
+              <p:nvPr/>
+            </p:nvPicPr>
+            <p:blipFill>
+              <a:blip r:embed="rId5"/>
+              <a:stretch>
+                <a:fillRect/>
+              </a:stretch>
+            </p:blipFill>
+            <p:spPr>
+              <a:xfrm>
+                <a:off x="527372" y="3560437"/>
+                <a:ext cx="5774040" cy="2750400"/>
+              </a:xfrm>
+              <a:prstGeom prst="rect">
+                <a:avLst/>
+              </a:prstGeom>
+            </p:spPr>
+          </p:pic>
+        </mc:Fallback>
+      </mc:AlternateContent>
+      <mc:AlternateContent xmlns:mc="http://schemas.openxmlformats.org/markup-compatibility/2006">
+        <mc:Choice xmlns:p14="http://schemas.microsoft.com/office/powerpoint/2010/main" Requires="p14">
+          <p:contentPart p14:bwMode="auto" r:id="rId6">
+            <p14:nvContentPartPr>
+              <p14:cNvPr id="11" name="잉크 10"/>
+              <p14:cNvContentPartPr/>
+              <p14:nvPr/>
+            </p14:nvContentPartPr>
+            <p14:xfrm>
+              <a:off x="1779092" y="3962557"/>
+              <a:ext cx="61920" cy="1512360"/>
+            </p14:xfrm>
+          </p:contentPart>
+        </mc:Choice>
+        <mc:Fallback>
+          <p:pic>
+            <p:nvPicPr>
+              <p:cNvPr id="11" name="잉크 10"/>
+              <p:cNvPicPr/>
+              <p:nvPr/>
+            </p:nvPicPr>
+            <p:blipFill>
+              <a:blip r:embed="rId7"/>
+              <a:stretch>
+                <a:fillRect/>
+              </a:stretch>
+            </p:blipFill>
+            <p:spPr>
+              <a:xfrm>
+                <a:off x="1767212" y="3950677"/>
+                <a:ext cx="85680" cy="1536120"/>
+              </a:xfrm>
+              <a:prstGeom prst="rect">
+                <a:avLst/>
+              </a:prstGeom>
+            </p:spPr>
+          </p:pic>
+        </mc:Fallback>
+      </mc:AlternateContent>
+      <mc:AlternateContent xmlns:mc="http://schemas.openxmlformats.org/markup-compatibility/2006">
+        <mc:Choice xmlns:p14="http://schemas.microsoft.com/office/powerpoint/2010/main" Requires="p14">
+          <p:contentPart p14:bwMode="auto" r:id="rId8">
+            <p14:nvContentPartPr>
+              <p14:cNvPr id="14" name="잉크 13"/>
+              <p14:cNvContentPartPr/>
+              <p14:nvPr/>
+            </p14:nvContentPartPr>
+            <p14:xfrm>
+              <a:off x="738332" y="4232197"/>
+              <a:ext cx="516240" cy="1289880"/>
+            </p14:xfrm>
+          </p:contentPart>
+        </mc:Choice>
+        <mc:Fallback>
+          <p:pic>
+            <p:nvPicPr>
+              <p:cNvPr id="14" name="잉크 13"/>
+              <p:cNvPicPr/>
+              <p:nvPr/>
+            </p:nvPicPr>
+            <p:blipFill>
+              <a:blip r:embed="rId9"/>
+              <a:stretch>
+                <a:fillRect/>
+              </a:stretch>
+            </p:blipFill>
+            <p:spPr>
+              <a:xfrm>
+                <a:off x="726452" y="4220317"/>
+                <a:ext cx="540000" cy="1313640"/>
+              </a:xfrm>
+              <a:prstGeom prst="rect">
+                <a:avLst/>
+              </a:prstGeom>
+            </p:spPr>
+          </p:pic>
+        </mc:Fallback>
+      </mc:AlternateContent>
+      <mc:AlternateContent xmlns:mc="http://schemas.openxmlformats.org/markup-compatibility/2006">
+        <mc:Choice xmlns:p14="http://schemas.microsoft.com/office/powerpoint/2010/main" Requires="p14">
+          <p:contentPart p14:bwMode="auto" r:id="rId10">
+            <p14:nvContentPartPr>
+              <p14:cNvPr id="25" name="잉크 24"/>
+              <p14:cNvContentPartPr/>
+              <p14:nvPr/>
+            </p14:nvContentPartPr>
+            <p14:xfrm>
+              <a:off x="3153572" y="4138237"/>
+              <a:ext cx="360" cy="360"/>
+            </p14:xfrm>
+          </p:contentPart>
+        </mc:Choice>
+        <mc:Fallback>
+          <p:pic>
+            <p:nvPicPr>
+              <p:cNvPr id="25" name="잉크 24"/>
+              <p:cNvPicPr/>
+              <p:nvPr/>
+            </p:nvPicPr>
+            <p:blipFill>
+              <a:blip r:embed="rId11"/>
+              <a:stretch>
+                <a:fillRect/>
+              </a:stretch>
+            </p:blipFill>
+            <p:spPr>
+              <a:xfrm>
+                <a:off x="3141692" y="4126357"/>
+                <a:ext cx="24120" cy="24120"/>
+              </a:xfrm>
+              <a:prstGeom prst="rect">
+                <a:avLst/>
+              </a:prstGeom>
+            </p:spPr>
+          </p:pic>
+        </mc:Fallback>
+      </mc:AlternateContent>
+      <mc:AlternateContent xmlns:mc="http://schemas.openxmlformats.org/markup-compatibility/2006">
+        <mc:Choice xmlns:p14="http://schemas.microsoft.com/office/powerpoint/2010/main" Requires="p14">
+          <p:contentPart p14:bwMode="auto" r:id="rId12">
+            <p14:nvContentPartPr>
+              <p14:cNvPr id="27" name="잉크 26"/>
+              <p14:cNvContentPartPr/>
+              <p14:nvPr/>
+            </p14:nvContentPartPr>
+            <p14:xfrm>
+              <a:off x="3176972" y="4208437"/>
+              <a:ext cx="59040" cy="360"/>
+            </p14:xfrm>
+          </p:contentPart>
+        </mc:Choice>
+        <mc:Fallback>
+          <p:pic>
+            <p:nvPicPr>
+              <p:cNvPr id="27" name="잉크 26"/>
+              <p:cNvPicPr/>
+              <p:nvPr/>
+            </p:nvPicPr>
+            <p:blipFill>
+              <a:blip r:embed="rId13"/>
+              <a:stretch>
+                <a:fillRect/>
+              </a:stretch>
+            </p:blipFill>
+            <p:spPr>
+              <a:xfrm>
+                <a:off x="3165092" y="4196557"/>
+                <a:ext cx="82800" cy="24120"/>
+              </a:xfrm>
+              <a:prstGeom prst="rect">
+                <a:avLst/>
+              </a:prstGeom>
+            </p:spPr>
+          </p:pic>
+        </mc:Fallback>
+      </mc:AlternateContent>
+      <mc:AlternateContent xmlns:mc="http://schemas.openxmlformats.org/markup-compatibility/2006">
+        <mc:Choice xmlns:p14="http://schemas.microsoft.com/office/powerpoint/2010/main" Requires="p14">
+          <p:contentPart p14:bwMode="auto" r:id="rId14">
+            <p14:nvContentPartPr>
+              <p14:cNvPr id="28" name="잉크 27"/>
+              <p14:cNvContentPartPr/>
+              <p14:nvPr/>
+            </p14:nvContentPartPr>
+            <p14:xfrm>
+              <a:off x="3270572" y="4091437"/>
+              <a:ext cx="36360" cy="234720"/>
+            </p14:xfrm>
+          </p:contentPart>
+        </mc:Choice>
+        <mc:Fallback>
+          <p:pic>
+            <p:nvPicPr>
+              <p:cNvPr id="28" name="잉크 27"/>
+              <p:cNvPicPr/>
+              <p:nvPr/>
+            </p:nvPicPr>
+            <p:blipFill>
+              <a:blip r:embed="rId15"/>
+              <a:stretch>
+                <a:fillRect/>
+              </a:stretch>
+            </p:blipFill>
+            <p:spPr>
+              <a:xfrm>
+                <a:off x="3258692" y="4079557"/>
+                <a:ext cx="60120" cy="258480"/>
+              </a:xfrm>
+              <a:prstGeom prst="rect">
+                <a:avLst/>
+              </a:prstGeom>
+            </p:spPr>
+          </p:pic>
+        </mc:Fallback>
+      </mc:AlternateContent>
+      <mc:AlternateContent xmlns:mc="http://schemas.openxmlformats.org/markup-compatibility/2006">
+        <mc:Choice xmlns:p14="http://schemas.microsoft.com/office/powerpoint/2010/main" Requires="p14">
+          <p:contentPart p14:bwMode="auto" r:id="rId16">
+            <p14:nvContentPartPr>
+              <p14:cNvPr id="29" name="잉크 28"/>
+              <p14:cNvContentPartPr/>
+              <p14:nvPr/>
+            </p14:nvContentPartPr>
+            <p14:xfrm>
+              <a:off x="3305852" y="4114837"/>
+              <a:ext cx="47160" cy="234720"/>
+            </p14:xfrm>
+          </p:contentPart>
+        </mc:Choice>
+        <mc:Fallback>
+          <p:pic>
+            <p:nvPicPr>
+              <p:cNvPr id="29" name="잉크 28"/>
+              <p:cNvPicPr/>
+              <p:nvPr/>
+            </p:nvPicPr>
+            <p:blipFill>
+              <a:blip r:embed="rId17"/>
+              <a:stretch>
+                <a:fillRect/>
+              </a:stretch>
+            </p:blipFill>
+            <p:spPr>
+              <a:xfrm>
+                <a:off x="3293972" y="4102957"/>
+                <a:ext cx="70920" cy="258480"/>
+              </a:xfrm>
+              <a:prstGeom prst="rect">
+                <a:avLst/>
+              </a:prstGeom>
+            </p:spPr>
+          </p:pic>
+        </mc:Fallback>
+      </mc:AlternateContent>
+      <mc:AlternateContent xmlns:mc="http://schemas.openxmlformats.org/markup-compatibility/2006">
+        <mc:Choice xmlns:p14="http://schemas.microsoft.com/office/powerpoint/2010/main" Requires="p14">
+          <p:contentPart p14:bwMode="auto" r:id="rId18">
+            <p14:nvContentPartPr>
+              <p14:cNvPr id="30" name="잉크 29"/>
+              <p14:cNvContentPartPr/>
+              <p14:nvPr/>
+            </p14:nvContentPartPr>
+            <p14:xfrm>
+              <a:off x="3411332" y="4091437"/>
+              <a:ext cx="12240" cy="82440"/>
+            </p14:xfrm>
+          </p:contentPart>
+        </mc:Choice>
+        <mc:Fallback>
+          <p:pic>
+            <p:nvPicPr>
+              <p:cNvPr id="30" name="잉크 29"/>
+              <p:cNvPicPr/>
+              <p:nvPr/>
+            </p:nvPicPr>
+            <p:blipFill>
+              <a:blip r:embed="rId19"/>
+              <a:stretch>
+                <a:fillRect/>
+              </a:stretch>
+            </p:blipFill>
+            <p:spPr>
+              <a:xfrm>
+                <a:off x="3399452" y="4079557"/>
+                <a:ext cx="36000" cy="106200"/>
+              </a:xfrm>
+              <a:prstGeom prst="rect">
+                <a:avLst/>
+              </a:prstGeom>
+            </p:spPr>
+          </p:pic>
+        </mc:Fallback>
+      </mc:AlternateContent>
+      <mc:AlternateContent xmlns:mc="http://schemas.openxmlformats.org/markup-compatibility/2006">
+        <mc:Choice xmlns:p14="http://schemas.microsoft.com/office/powerpoint/2010/main" Requires="p14">
+          <p:contentPart p14:bwMode="auto" r:id="rId20">
+            <p14:nvContentPartPr>
+              <p14:cNvPr id="31" name="잉크 30"/>
+              <p14:cNvContentPartPr/>
+              <p14:nvPr/>
+            </p14:nvContentPartPr>
+            <p14:xfrm>
+              <a:off x="3516812" y="4102957"/>
+              <a:ext cx="73800" cy="105840"/>
+            </p14:xfrm>
+          </p:contentPart>
+        </mc:Choice>
+        <mc:Fallback>
+          <p:pic>
+            <p:nvPicPr>
+              <p:cNvPr id="31" name="잉크 30"/>
+              <p:cNvPicPr/>
+              <p:nvPr/>
+            </p:nvPicPr>
+            <p:blipFill>
+              <a:blip r:embed="rId21"/>
+              <a:stretch>
+                <a:fillRect/>
+              </a:stretch>
+            </p:blipFill>
+            <p:spPr>
+              <a:xfrm>
+                <a:off x="3504932" y="4091077"/>
+                <a:ext cx="97560" cy="129600"/>
+              </a:xfrm>
+              <a:prstGeom prst="rect">
+                <a:avLst/>
+              </a:prstGeom>
+            </p:spPr>
+          </p:pic>
+        </mc:Fallback>
+      </mc:AlternateContent>
+      <mc:AlternateContent xmlns:mc="http://schemas.openxmlformats.org/markup-compatibility/2006">
+        <mc:Choice xmlns:p14="http://schemas.microsoft.com/office/powerpoint/2010/main" Requires="p14">
+          <p:contentPart p14:bwMode="auto" r:id="rId22">
+            <p14:nvContentPartPr>
+              <p14:cNvPr id="32" name="잉크 31"/>
+              <p14:cNvContentPartPr/>
+              <p14:nvPr/>
+            </p14:nvContentPartPr>
+            <p14:xfrm>
+              <a:off x="3423212" y="4208437"/>
+              <a:ext cx="129240" cy="360"/>
+            </p14:xfrm>
+          </p:contentPart>
+        </mc:Choice>
+        <mc:Fallback>
+          <p:pic>
+            <p:nvPicPr>
+              <p:cNvPr id="32" name="잉크 31"/>
+              <p:cNvPicPr/>
+              <p:nvPr/>
+            </p:nvPicPr>
+            <p:blipFill>
+              <a:blip r:embed="rId23"/>
+              <a:stretch>
+                <a:fillRect/>
+              </a:stretch>
+            </p:blipFill>
+            <p:spPr>
+              <a:xfrm>
+                <a:off x="3411332" y="4196557"/>
+                <a:ext cx="153000" cy="24120"/>
+              </a:xfrm>
+              <a:prstGeom prst="rect">
+                <a:avLst/>
+              </a:prstGeom>
+            </p:spPr>
+          </p:pic>
+        </mc:Fallback>
+      </mc:AlternateContent>
+      <mc:AlternateContent xmlns:mc="http://schemas.openxmlformats.org/markup-compatibility/2006">
+        <mc:Choice xmlns:p14="http://schemas.microsoft.com/office/powerpoint/2010/main" Requires="p14">
+          <p:contentPart p14:bwMode="auto" r:id="rId24">
+            <p14:nvContentPartPr>
+              <p14:cNvPr id="33" name="잉크 32"/>
+              <p14:cNvContentPartPr/>
+              <p14:nvPr/>
+            </p14:nvContentPartPr>
+            <p14:xfrm>
+              <a:off x="3516812" y="4267117"/>
+              <a:ext cx="360" cy="94320"/>
+            </p14:xfrm>
+          </p:contentPart>
+        </mc:Choice>
+        <mc:Fallback>
+          <p:pic>
+            <p:nvPicPr>
+              <p:cNvPr id="33" name="잉크 32"/>
+              <p:cNvPicPr/>
+              <p:nvPr/>
+            </p:nvPicPr>
+            <p:blipFill>
+              <a:blip r:embed="rId25"/>
+              <a:stretch>
+                <a:fillRect/>
+              </a:stretch>
+            </p:blipFill>
+            <p:spPr>
+              <a:xfrm>
+                <a:off x="3504932" y="4255237"/>
+                <a:ext cx="24120" cy="118080"/>
+              </a:xfrm>
+              <a:prstGeom prst="rect">
+                <a:avLst/>
+              </a:prstGeom>
+            </p:spPr>
+          </p:pic>
+        </mc:Fallback>
+      </mc:AlternateContent>
+      <mc:AlternateContent xmlns:mc="http://schemas.openxmlformats.org/markup-compatibility/2006">
+        <mc:Choice xmlns:p14="http://schemas.microsoft.com/office/powerpoint/2010/main" Requires="p14">
+          <p:contentPart p14:bwMode="auto" r:id="rId26">
+            <p14:nvContentPartPr>
+              <p14:cNvPr id="34" name="잉크 33"/>
+              <p14:cNvContentPartPr/>
+              <p14:nvPr/>
+            </p14:nvContentPartPr>
+            <p14:xfrm>
+              <a:off x="3481892" y="4361077"/>
+              <a:ext cx="176040" cy="17280"/>
+            </p14:xfrm>
+          </p:contentPart>
+        </mc:Choice>
+        <mc:Fallback>
+          <p:pic>
+            <p:nvPicPr>
+              <p:cNvPr id="34" name="잉크 33"/>
+              <p:cNvPicPr/>
+              <p:nvPr/>
+            </p:nvPicPr>
+            <p:blipFill>
+              <a:blip r:embed="rId27"/>
+              <a:stretch>
+                <a:fillRect/>
+              </a:stretch>
+            </p:blipFill>
+            <p:spPr>
+              <a:xfrm>
+                <a:off x="3470012" y="4349197"/>
+                <a:ext cx="199800" cy="41040"/>
+              </a:xfrm>
+              <a:prstGeom prst="rect">
+                <a:avLst/>
+              </a:prstGeom>
+            </p:spPr>
+          </p:pic>
+        </mc:Fallback>
+      </mc:AlternateContent>
+      <mc:AlternateContent xmlns:mc="http://schemas.openxmlformats.org/markup-compatibility/2006">
+        <mc:Choice xmlns:p14="http://schemas.microsoft.com/office/powerpoint/2010/main" Requires="p14">
+          <p:contentPart p14:bwMode="auto" r:id="rId28">
+            <p14:nvContentPartPr>
+              <p14:cNvPr id="35" name="잉크 34"/>
+              <p14:cNvContentPartPr/>
+              <p14:nvPr/>
+            </p14:nvContentPartPr>
+            <p14:xfrm>
+              <a:off x="3657572" y="4138237"/>
+              <a:ext cx="188640" cy="178920"/>
+            </p14:xfrm>
+          </p:contentPart>
+        </mc:Choice>
+        <mc:Fallback>
+          <p:pic>
+            <p:nvPicPr>
+              <p:cNvPr id="35" name="잉크 34"/>
+              <p:cNvPicPr/>
+              <p:nvPr/>
+            </p:nvPicPr>
+            <p:blipFill>
+              <a:blip r:embed="rId29"/>
+              <a:stretch>
+                <a:fillRect/>
+              </a:stretch>
+            </p:blipFill>
+            <p:spPr>
+              <a:xfrm>
+                <a:off x="3645692" y="4126357"/>
+                <a:ext cx="212400" cy="202680"/>
+              </a:xfrm>
+              <a:prstGeom prst="rect">
+                <a:avLst/>
+              </a:prstGeom>
+            </p:spPr>
+          </p:pic>
+        </mc:Fallback>
+      </mc:AlternateContent>
+      <mc:AlternateContent xmlns:mc="http://schemas.openxmlformats.org/markup-compatibility/2006">
+        <mc:Choice xmlns:p14="http://schemas.microsoft.com/office/powerpoint/2010/main" Requires="p14">
+          <p:contentPart p14:bwMode="auto" r:id="rId30">
+            <p14:nvContentPartPr>
+              <p14:cNvPr id="36" name="잉크 35"/>
+              <p14:cNvContentPartPr/>
+              <p14:nvPr/>
+            </p14:nvContentPartPr>
+            <p14:xfrm>
+              <a:off x="3891932" y="4068037"/>
+              <a:ext cx="59040" cy="304920"/>
+            </p14:xfrm>
+          </p:contentPart>
+        </mc:Choice>
+        <mc:Fallback>
+          <p:pic>
+            <p:nvPicPr>
+              <p:cNvPr id="36" name="잉크 35"/>
+              <p:cNvPicPr/>
+              <p:nvPr/>
+            </p:nvPicPr>
+            <p:blipFill>
+              <a:blip r:embed="rId31"/>
+              <a:stretch>
+                <a:fillRect/>
+              </a:stretch>
+            </p:blipFill>
+            <p:spPr>
+              <a:xfrm>
+                <a:off x="3880052" y="4056157"/>
+                <a:ext cx="82800" cy="328680"/>
+              </a:xfrm>
+              <a:prstGeom prst="rect">
+                <a:avLst/>
+              </a:prstGeom>
+            </p:spPr>
+          </p:pic>
+        </mc:Fallback>
+      </mc:AlternateContent>
+      <mc:AlternateContent xmlns:mc="http://schemas.openxmlformats.org/markup-compatibility/2006">
+        <mc:Choice xmlns:p14="http://schemas.microsoft.com/office/powerpoint/2010/main" Requires="p14">
+          <p:contentPart p14:bwMode="auto" r:id="rId32">
+            <p14:nvContentPartPr>
+              <p14:cNvPr id="38" name="잉크 37"/>
+              <p14:cNvContentPartPr/>
+              <p14:nvPr/>
+            </p14:nvContentPartPr>
+            <p14:xfrm>
+              <a:off x="5263532" y="6013837"/>
+              <a:ext cx="1067400" cy="360"/>
+            </p14:xfrm>
+          </p:contentPart>
+        </mc:Choice>
+        <mc:Fallback>
+          <p:pic>
+            <p:nvPicPr>
+              <p:cNvPr id="38" name="잉크 37"/>
+              <p:cNvPicPr/>
+              <p:nvPr/>
+            </p:nvPicPr>
+            <p:blipFill>
+              <a:blip r:embed="rId33"/>
+              <a:stretch>
+                <a:fillRect/>
+              </a:stretch>
+            </p:blipFill>
+            <p:spPr>
+              <a:xfrm>
+                <a:off x="5251652" y="6001957"/>
+                <a:ext cx="1091160" cy="24120"/>
+              </a:xfrm>
+              <a:prstGeom prst="rect">
+                <a:avLst/>
+              </a:prstGeom>
+            </p:spPr>
+          </p:pic>
+        </mc:Fallback>
+      </mc:AlternateContent>
+      <mc:AlternateContent xmlns:mc="http://schemas.openxmlformats.org/markup-compatibility/2006">
+        <mc:Choice xmlns:p14="http://schemas.microsoft.com/office/powerpoint/2010/main" Requires="p14">
+          <p:contentPart p14:bwMode="auto" r:id="rId34">
+            <p14:nvContentPartPr>
+              <p14:cNvPr id="40" name="잉크 39"/>
+              <p14:cNvContentPartPr/>
+              <p14:nvPr/>
+            </p14:nvContentPartPr>
+            <p14:xfrm>
+              <a:off x="1207412" y="4205197"/>
+              <a:ext cx="938160" cy="144360"/>
+            </p14:xfrm>
+          </p:contentPart>
+        </mc:Choice>
+        <mc:Fallback>
+          <p:pic>
+            <p:nvPicPr>
+              <p:cNvPr id="40" name="잉크 39"/>
+              <p:cNvPicPr/>
+              <p:nvPr/>
+            </p:nvPicPr>
+            <p:blipFill>
+              <a:blip r:embed="rId35"/>
+              <a:stretch>
+                <a:fillRect/>
+              </a:stretch>
+            </p:blipFill>
+            <p:spPr>
+              <a:xfrm>
+                <a:off x="1195532" y="4193317"/>
+                <a:ext cx="961920" cy="168120"/>
+              </a:xfrm>
+              <a:prstGeom prst="rect">
+                <a:avLst/>
+              </a:prstGeom>
+            </p:spPr>
+          </p:pic>
+        </mc:Fallback>
+      </mc:AlternateContent>
+      <mc:AlternateContent xmlns:mc="http://schemas.openxmlformats.org/markup-compatibility/2006">
+        <mc:Choice xmlns:p14="http://schemas.microsoft.com/office/powerpoint/2010/main" Requires="p14">
+          <p:contentPart p14:bwMode="auto" r:id="rId36">
+            <p14:nvContentPartPr>
+              <p14:cNvPr id="41" name="잉크 40"/>
+              <p14:cNvContentPartPr/>
+              <p14:nvPr/>
+            </p14:nvContentPartPr>
+            <p14:xfrm>
+              <a:off x="3000932" y="4114837"/>
+              <a:ext cx="199800" cy="176040"/>
+            </p14:xfrm>
+          </p:contentPart>
+        </mc:Choice>
+        <mc:Fallback>
+          <p:pic>
+            <p:nvPicPr>
+              <p:cNvPr id="41" name="잉크 40"/>
+              <p:cNvPicPr/>
+              <p:nvPr/>
+            </p:nvPicPr>
+            <p:blipFill>
+              <a:blip r:embed="rId37"/>
+              <a:stretch>
+                <a:fillRect/>
+              </a:stretch>
+            </p:blipFill>
+            <p:spPr>
+              <a:xfrm>
+                <a:off x="2989052" y="4102957"/>
+                <a:ext cx="223560" cy="199800"/>
+              </a:xfrm>
+              <a:prstGeom prst="rect">
+                <a:avLst/>
+              </a:prstGeom>
+            </p:spPr>
+          </p:pic>
+        </mc:Fallback>
+      </mc:AlternateContent>
+      <mc:AlternateContent xmlns:mc="http://schemas.openxmlformats.org/markup-compatibility/2006">
+        <mc:Choice xmlns:p14="http://schemas.microsoft.com/office/powerpoint/2010/main" Requires="p14">
+          <p:contentPart p14:bwMode="auto" r:id="rId38">
+            <p14:nvContentPartPr>
+              <p14:cNvPr id="42" name="잉크 41"/>
+              <p14:cNvContentPartPr/>
+              <p14:nvPr/>
+            </p14:nvContentPartPr>
+            <p14:xfrm>
+              <a:off x="1547612" y="4372237"/>
+              <a:ext cx="246240" cy="118080"/>
+            </p14:xfrm>
+          </p:contentPart>
+        </mc:Choice>
+        <mc:Fallback>
+          <p:pic>
+            <p:nvPicPr>
+              <p:cNvPr id="42" name="잉크 41"/>
+              <p:cNvPicPr/>
+              <p:nvPr/>
+            </p:nvPicPr>
+            <p:blipFill>
+              <a:blip r:embed="rId39"/>
+              <a:stretch>
+                <a:fillRect/>
+              </a:stretch>
+            </p:blipFill>
+            <p:spPr>
+              <a:xfrm>
+                <a:off x="1535732" y="4360357"/>
+                <a:ext cx="270000" cy="141840"/>
+              </a:xfrm>
+              <a:prstGeom prst="rect">
+                <a:avLst/>
+              </a:prstGeom>
+            </p:spPr>
+          </p:pic>
+        </mc:Fallback>
+      </mc:AlternateContent>
+      <mc:AlternateContent xmlns:mc="http://schemas.openxmlformats.org/markup-compatibility/2006">
+        <mc:Choice xmlns:p14="http://schemas.microsoft.com/office/powerpoint/2010/main" Requires="p14">
+          <p:contentPart p14:bwMode="auto" r:id="rId40">
+            <p14:nvContentPartPr>
+              <p14:cNvPr id="43" name="잉크 42"/>
+              <p14:cNvContentPartPr/>
+              <p14:nvPr/>
+            </p14:nvContentPartPr>
+            <p14:xfrm>
+              <a:off x="5744132" y="4618837"/>
+              <a:ext cx="305280" cy="28440"/>
+            </p14:xfrm>
+          </p:contentPart>
+        </mc:Choice>
+        <mc:Fallback>
+          <p:pic>
+            <p:nvPicPr>
+              <p:cNvPr id="43" name="잉크 42"/>
+              <p:cNvPicPr/>
+              <p:nvPr/>
+            </p:nvPicPr>
+            <p:blipFill>
+              <a:blip r:embed="rId41"/>
+              <a:stretch>
+                <a:fillRect/>
+              </a:stretch>
+            </p:blipFill>
+            <p:spPr>
+              <a:xfrm>
+                <a:off x="5732252" y="4606957"/>
+                <a:ext cx="329040" cy="52200"/>
+              </a:xfrm>
+              <a:prstGeom prst="rect">
+                <a:avLst/>
+              </a:prstGeom>
+            </p:spPr>
+          </p:pic>
+        </mc:Fallback>
+      </mc:AlternateContent>
+      <mc:AlternateContent xmlns:mc="http://schemas.openxmlformats.org/markup-compatibility/2006">
+        <mc:Choice xmlns:p14="http://schemas.microsoft.com/office/powerpoint/2010/main" Requires="p14">
+          <p:contentPart p14:bwMode="auto" r:id="rId42">
+            <p14:nvContentPartPr>
+              <p14:cNvPr id="44" name="잉크 43"/>
+              <p14:cNvContentPartPr/>
+              <p14:nvPr/>
+            </p14:nvContentPartPr>
+            <p14:xfrm>
+              <a:off x="5896772" y="4771117"/>
+              <a:ext cx="360" cy="47520"/>
+            </p14:xfrm>
+          </p:contentPart>
+        </mc:Choice>
+        <mc:Fallback>
+          <p:pic>
+            <p:nvPicPr>
+              <p:cNvPr id="44" name="잉크 43"/>
+              <p:cNvPicPr/>
+              <p:nvPr/>
+            </p:nvPicPr>
+            <p:blipFill>
+              <a:blip r:embed="rId43"/>
+              <a:stretch>
+                <a:fillRect/>
+              </a:stretch>
+            </p:blipFill>
+            <p:spPr>
+              <a:xfrm>
+                <a:off x="5884892" y="4759237"/>
+                <a:ext cx="24120" cy="71280"/>
+              </a:xfrm>
+              <a:prstGeom prst="rect">
+                <a:avLst/>
+              </a:prstGeom>
+            </p:spPr>
+          </p:pic>
+        </mc:Fallback>
+      </mc:AlternateContent>
+      <mc:AlternateContent xmlns:mc="http://schemas.openxmlformats.org/markup-compatibility/2006">
+        <mc:Choice xmlns:p14="http://schemas.microsoft.com/office/powerpoint/2010/main" Requires="p14">
+          <p:contentPart p14:bwMode="auto" r:id="rId44">
+            <p14:nvContentPartPr>
+              <p14:cNvPr id="45" name="잉크 44"/>
+              <p14:cNvContentPartPr/>
+              <p14:nvPr/>
+            </p14:nvContentPartPr>
+            <p14:xfrm>
+              <a:off x="5955452" y="4759597"/>
+              <a:ext cx="360" cy="47160"/>
+            </p14:xfrm>
+          </p:contentPart>
+        </mc:Choice>
+        <mc:Fallback>
+          <p:pic>
+            <p:nvPicPr>
+              <p:cNvPr id="45" name="잉크 44"/>
+              <p:cNvPicPr/>
+              <p:nvPr/>
+            </p:nvPicPr>
+            <p:blipFill>
+              <a:blip r:embed="rId45"/>
+              <a:stretch>
+                <a:fillRect/>
+              </a:stretch>
+            </p:blipFill>
+            <p:spPr>
+              <a:xfrm>
+                <a:off x="5943572" y="4747717"/>
+                <a:ext cx="24120" cy="70920"/>
+              </a:xfrm>
+              <a:prstGeom prst="rect">
+                <a:avLst/>
+              </a:prstGeom>
+            </p:spPr>
+          </p:pic>
+        </mc:Fallback>
+      </mc:AlternateContent>
+      <p:sp>
+        <p:nvSpPr>
+          <p:cNvPr id="46" name="TextBox 45"/>
+          <p:cNvSpPr txBox="1"/>
+          <p:nvPr/>
+        </p:nvSpPr>
+        <p:spPr>
+          <a:xfrm>
+            <a:off x="5617044" y="4830958"/>
+            <a:ext cx="1016625" cy="584775"/>
+          </a:xfrm>
+          <a:prstGeom prst="rect">
+            <a:avLst/>
+          </a:prstGeom>
+          <a:noFill/>
+        </p:spPr>
+        <p:txBody>
+          <a:bodyPr wrap="none" rtlCol="0">
+            <a:spAutoFit/>
+          </a:bodyPr>
+          <a:lstStyle/>
+          <a:p>
+            <a:r>
+              <a:rPr lang="en-US" altLang="ko-KR" sz="1600" dirty="0" smtClean="0">
+                <a:latin typeface="HY바다L" pitchFamily="18" charset="-127"/>
+                <a:ea typeface="HY바다L" pitchFamily="18" charset="-127"/>
+              </a:rPr>
+              <a:t>Iterator</a:t>
+            </a:r>
+          </a:p>
+          <a:p>
+            <a:endParaRPr lang="ko-KR" altLang="en-US" sz="1600" dirty="0" smtClean="0">
+              <a:latin typeface="HY바다L" pitchFamily="18" charset="-127"/>
+              <a:ea typeface="HY바다L" pitchFamily="18" charset="-127"/>
+            </a:endParaRPr>
+          </a:p>
+        </p:txBody>
+      </p:sp>
     </p:spTree>
     <p:extLst>
       <p:ext uri="{BB962C8B-B14F-4D97-AF65-F5344CB8AC3E}">
-        <p14:creationId xmlns:p14="http://schemas.microsoft.com/office/powerpoint/2010/main" xmlns="" val="1557330046"/>
+        <p14:creationId xmlns:p14="http://schemas.microsoft.com/office/powerpoint/2010/main" val="1557330046"/>
       </p:ext>
     </p:extLst>
   </p:cSld>
   <p:clrMapOvr>
     <a:masterClrMapping/>
   </p:clrMapOvr>
-  <mc:AlternateContent xmlns:mc="http://schemas.openxmlformats.org/markup-compatibility/2006">
-    <mc:Choice xmlns:p14="http://schemas.microsoft.com/office/powerpoint/2010/main" xmlns="" Requires="p14">
+  <mc:AlternateContent xmlns:mc="http://schemas.openxmlformats.org/markup-compatibility/2006" xmlns:p14="http://schemas.microsoft.com/office/powerpoint/2010/main">
+    <mc:Choice Requires="p14">
       <p:transition spd="slow" p14:dur="2000"/>
     </mc:Choice>
-    <mc:Fallback>
+    <mc:Fallback xmlns="">
       <p:transition spd="slow"/>
     </mc:Fallback>
   </mc:AlternateContent>
@@ -21068,7 +26909,7 @@
           <a:blip r:embed="rId2">
             <a:extLst>
               <a:ext uri="{28A0092B-C50C-407E-A947-70E740481C1C}">
-                <a14:useLocalDpi xmlns:a14="http://schemas.microsoft.com/office/drawing/2010/main" xmlns="" val="0"/>
+                <a14:useLocalDpi xmlns:a14="http://schemas.microsoft.com/office/drawing/2010/main" val="0"/>
               </a:ext>
             </a:extLst>
           </a:blip>
@@ -21091,14 +26932,14 @@
           </a:ln>
           <a:extLst>
             <a:ext uri="{909E8E84-426E-40DD-AFC4-6F175D3DCCD1}">
-              <a14:hiddenFill xmlns:a14="http://schemas.microsoft.com/office/drawing/2010/main" xmlns="">
+              <a14:hiddenFill xmlns:a14="http://schemas.microsoft.com/office/drawing/2010/main">
                 <a:solidFill>
                   <a:schemeClr val="accent1"/>
                 </a:solidFill>
               </a14:hiddenFill>
             </a:ext>
             <a:ext uri="{91240B29-F687-4F45-9708-019B960494DF}">
-              <a14:hiddenLine xmlns:a14="http://schemas.microsoft.com/office/drawing/2010/main" xmlns="" w="9525">
+              <a14:hiddenLine xmlns:a14="http://schemas.microsoft.com/office/drawing/2010/main" w="9525">
                 <a:solidFill>
                   <a:schemeClr val="tx1"/>
                 </a:solidFill>
@@ -21113,18 +26954,18 @@
     </p:spTree>
     <p:extLst>
       <p:ext uri="{BB962C8B-B14F-4D97-AF65-F5344CB8AC3E}">
-        <p14:creationId xmlns:p14="http://schemas.microsoft.com/office/powerpoint/2010/main" xmlns="" val="1934049038"/>
+        <p14:creationId xmlns:p14="http://schemas.microsoft.com/office/powerpoint/2010/main" val="1934049038"/>
       </p:ext>
     </p:extLst>
   </p:cSld>
   <p:clrMapOvr>
     <a:masterClrMapping/>
   </p:clrMapOvr>
-  <mc:AlternateContent xmlns:mc="http://schemas.openxmlformats.org/markup-compatibility/2006">
-    <mc:Choice xmlns:p14="http://schemas.microsoft.com/office/powerpoint/2010/main" xmlns="" Requires="p14">
+  <mc:AlternateContent xmlns:mc="http://schemas.openxmlformats.org/markup-compatibility/2006" xmlns:p14="http://schemas.microsoft.com/office/powerpoint/2010/main">
+    <mc:Choice Requires="p14">
       <p:transition spd="slow" p14:dur="2000"/>
     </mc:Choice>
-    <mc:Fallback>
+    <mc:Fallback xmlns="">
       <p:transition spd="slow"/>
     </mc:Fallback>
   </mc:AlternateContent>
@@ -21160,7 +27001,7 @@
           <a:blip r:embed="rId2">
             <a:extLst>
               <a:ext uri="{28A0092B-C50C-407E-A947-70E740481C1C}">
-                <a14:useLocalDpi xmlns:a14="http://schemas.microsoft.com/office/drawing/2010/main" xmlns="" val="0"/>
+                <a14:useLocalDpi xmlns:a14="http://schemas.microsoft.com/office/drawing/2010/main" val="0"/>
               </a:ext>
             </a:extLst>
           </a:blip>
@@ -21183,14 +27024,14 @@
           </a:ln>
           <a:extLst>
             <a:ext uri="{909E8E84-426E-40DD-AFC4-6F175D3DCCD1}">
-              <a14:hiddenFill xmlns:a14="http://schemas.microsoft.com/office/drawing/2010/main" xmlns="">
+              <a14:hiddenFill xmlns:a14="http://schemas.microsoft.com/office/drawing/2010/main">
                 <a:solidFill>
                   <a:schemeClr val="accent1"/>
                 </a:solidFill>
               </a14:hiddenFill>
             </a:ext>
             <a:ext uri="{91240B29-F687-4F45-9708-019B960494DF}">
-              <a14:hiddenLine xmlns:a14="http://schemas.microsoft.com/office/drawing/2010/main" xmlns="" w="9525">
+              <a14:hiddenLine xmlns:a14="http://schemas.microsoft.com/office/drawing/2010/main" w="9525">
                 <a:solidFill>
                   <a:schemeClr val="tx1"/>
                 </a:solidFill>
@@ -21202,21 +27043,216 @@
           </a:extLst>
         </p:spPr>
       </p:pic>
+      <mc:AlternateContent xmlns:mc="http://schemas.openxmlformats.org/markup-compatibility/2006">
+        <mc:Choice xmlns:p14="http://schemas.microsoft.com/office/powerpoint/2010/main" Requires="p14">
+          <p:contentPart p14:bwMode="auto" r:id="rId3">
+            <p14:nvContentPartPr>
+              <p14:cNvPr id="3" name="잉크 2"/>
+              <p14:cNvContentPartPr/>
+              <p14:nvPr/>
+            </p14:nvContentPartPr>
+            <p14:xfrm>
+              <a:off x="2954132" y="1981117"/>
+              <a:ext cx="1582920" cy="360"/>
+            </p14:xfrm>
+          </p:contentPart>
+        </mc:Choice>
+        <mc:Fallback>
+          <p:pic>
+            <p:nvPicPr>
+              <p:cNvPr id="3" name="잉크 2"/>
+              <p:cNvPicPr/>
+              <p:nvPr/>
+            </p:nvPicPr>
+            <p:blipFill>
+              <a:blip r:embed="rId4"/>
+              <a:stretch>
+                <a:fillRect/>
+              </a:stretch>
+            </p:blipFill>
+            <p:spPr>
+              <a:xfrm>
+                <a:off x="2942252" y="1969237"/>
+                <a:ext cx="1606680" cy="24120"/>
+              </a:xfrm>
+              <a:prstGeom prst="rect">
+                <a:avLst/>
+              </a:prstGeom>
+            </p:spPr>
+          </p:pic>
+        </mc:Fallback>
+      </mc:AlternateContent>
+      <mc:AlternateContent xmlns:mc="http://schemas.openxmlformats.org/markup-compatibility/2006">
+        <mc:Choice xmlns:p14="http://schemas.microsoft.com/office/powerpoint/2010/main" Requires="p14">
+          <p:contentPart p14:bwMode="auto" r:id="rId5">
+            <p14:nvContentPartPr>
+              <p14:cNvPr id="5" name="잉크 4"/>
+              <p14:cNvContentPartPr/>
+              <p14:nvPr/>
+            </p14:nvContentPartPr>
+            <p14:xfrm>
+              <a:off x="1770092" y="3352717"/>
+              <a:ext cx="856080" cy="360"/>
+            </p14:xfrm>
+          </p:contentPart>
+        </mc:Choice>
+        <mc:Fallback>
+          <p:pic>
+            <p:nvPicPr>
+              <p:cNvPr id="5" name="잉크 4"/>
+              <p:cNvPicPr/>
+              <p:nvPr/>
+            </p:nvPicPr>
+            <p:blipFill>
+              <a:blip r:embed="rId6"/>
+              <a:stretch>
+                <a:fillRect/>
+              </a:stretch>
+            </p:blipFill>
+            <p:spPr>
+              <a:xfrm>
+                <a:off x="1758212" y="3340837"/>
+                <a:ext cx="879840" cy="24120"/>
+              </a:xfrm>
+              <a:prstGeom prst="rect">
+                <a:avLst/>
+              </a:prstGeom>
+            </p:spPr>
+          </p:pic>
+        </mc:Fallback>
+      </mc:AlternateContent>
+      <mc:AlternateContent xmlns:mc="http://schemas.openxmlformats.org/markup-compatibility/2006">
+        <mc:Choice xmlns:p14="http://schemas.microsoft.com/office/powerpoint/2010/main" Requires="p14">
+          <p:contentPart p14:bwMode="auto" r:id="rId7">
+            <p14:nvContentPartPr>
+              <p14:cNvPr id="7" name="잉크 6"/>
+              <p14:cNvContentPartPr/>
+              <p14:nvPr/>
+            </p14:nvContentPartPr>
+            <p14:xfrm>
+              <a:off x="2825252" y="3376117"/>
+              <a:ext cx="950040" cy="12240"/>
+            </p14:xfrm>
+          </p:contentPart>
+        </mc:Choice>
+        <mc:Fallback>
+          <p:pic>
+            <p:nvPicPr>
+              <p:cNvPr id="7" name="잉크 6"/>
+              <p:cNvPicPr/>
+              <p:nvPr/>
+            </p:nvPicPr>
+            <p:blipFill>
+              <a:blip r:embed="rId8"/>
+              <a:stretch>
+                <a:fillRect/>
+              </a:stretch>
+            </p:blipFill>
+            <p:spPr>
+              <a:xfrm>
+                <a:off x="2813372" y="3364237"/>
+                <a:ext cx="973800" cy="36000"/>
+              </a:xfrm>
+              <a:prstGeom prst="rect">
+                <a:avLst/>
+              </a:prstGeom>
+            </p:spPr>
+          </p:pic>
+        </mc:Fallback>
+      </mc:AlternateContent>
+      <mc:AlternateContent xmlns:mc="http://schemas.openxmlformats.org/markup-compatibility/2006">
+        <mc:Choice xmlns:p14="http://schemas.microsoft.com/office/powerpoint/2010/main" Requires="p14">
+          <p:contentPart p14:bwMode="auto" r:id="rId9">
+            <p14:nvContentPartPr>
+              <p14:cNvPr id="9" name="잉크 8"/>
+              <p14:cNvContentPartPr/>
+              <p14:nvPr/>
+            </p14:nvContentPartPr>
+            <p14:xfrm>
+              <a:off x="3270572" y="4771117"/>
+              <a:ext cx="1454040" cy="66240"/>
+            </p14:xfrm>
+          </p:contentPart>
+        </mc:Choice>
+        <mc:Fallback>
+          <p:pic>
+            <p:nvPicPr>
+              <p:cNvPr id="9" name="잉크 8"/>
+              <p:cNvPicPr/>
+              <p:nvPr/>
+            </p:nvPicPr>
+            <p:blipFill>
+              <a:blip r:embed="rId10"/>
+              <a:stretch>
+                <a:fillRect/>
+              </a:stretch>
+            </p:blipFill>
+            <p:spPr>
+              <a:xfrm>
+                <a:off x="3258692" y="4759237"/>
+                <a:ext cx="1477800" cy="90000"/>
+              </a:xfrm>
+              <a:prstGeom prst="rect">
+                <a:avLst/>
+              </a:prstGeom>
+            </p:spPr>
+          </p:pic>
+        </mc:Fallback>
+      </mc:AlternateContent>
+      <mc:AlternateContent xmlns:mc="http://schemas.openxmlformats.org/markup-compatibility/2006">
+        <mc:Choice xmlns:p14="http://schemas.microsoft.com/office/powerpoint/2010/main" Requires="p14">
+          <p:contentPart p14:bwMode="auto" r:id="rId11">
+            <p14:nvContentPartPr>
+              <p14:cNvPr id="11" name="잉크 10"/>
+              <p14:cNvContentPartPr/>
+              <p14:nvPr/>
+            </p14:nvContentPartPr>
+            <p14:xfrm>
+              <a:off x="2567492" y="5685517"/>
+              <a:ext cx="164520" cy="360"/>
+            </p14:xfrm>
+          </p:contentPart>
+        </mc:Choice>
+        <mc:Fallback>
+          <p:pic>
+            <p:nvPicPr>
+              <p:cNvPr id="11" name="잉크 10"/>
+              <p:cNvPicPr/>
+              <p:nvPr/>
+            </p:nvPicPr>
+            <p:blipFill>
+              <a:blip r:embed="rId12"/>
+              <a:stretch>
+                <a:fillRect/>
+              </a:stretch>
+            </p:blipFill>
+            <p:spPr>
+              <a:xfrm>
+                <a:off x="2555612" y="5673637"/>
+                <a:ext cx="188280" cy="24120"/>
+              </a:xfrm>
+              <a:prstGeom prst="rect">
+                <a:avLst/>
+              </a:prstGeom>
+            </p:spPr>
+          </p:pic>
+        </mc:Fallback>
+      </mc:AlternateContent>
     </p:spTree>
     <p:extLst>
       <p:ext uri="{BB962C8B-B14F-4D97-AF65-F5344CB8AC3E}">
-        <p14:creationId xmlns:p14="http://schemas.microsoft.com/office/powerpoint/2010/main" xmlns="" val="4277977085"/>
+        <p14:creationId xmlns:p14="http://schemas.microsoft.com/office/powerpoint/2010/main" val="4277977085"/>
       </p:ext>
     </p:extLst>
   </p:cSld>
   <p:clrMapOvr>
     <a:masterClrMapping/>
   </p:clrMapOvr>
-  <mc:AlternateContent xmlns:mc="http://schemas.openxmlformats.org/markup-compatibility/2006">
-    <mc:Choice xmlns:p14="http://schemas.microsoft.com/office/powerpoint/2010/main" xmlns="" Requires="p14">
+  <mc:AlternateContent xmlns:mc="http://schemas.openxmlformats.org/markup-compatibility/2006" xmlns:p14="http://schemas.microsoft.com/office/powerpoint/2010/main">
+    <mc:Choice Requires="p14">
       <p:transition spd="slow" p14:dur="2000"/>
     </mc:Choice>
-    <mc:Fallback>
+    <mc:Fallback xmlns="">
       <p:transition spd="slow"/>
     </mc:Fallback>
   </mc:AlternateContent>
@@ -21275,7 +27311,7 @@
           <a:blip r:embed="rId2">
             <a:extLst>
               <a:ext uri="{28A0092B-C50C-407E-A947-70E740481C1C}">
-                <a14:useLocalDpi xmlns:a14="http://schemas.microsoft.com/office/drawing/2010/main" xmlns="" val="0"/>
+                <a14:useLocalDpi xmlns:a14="http://schemas.microsoft.com/office/drawing/2010/main" val="0"/>
               </a:ext>
             </a:extLst>
           </a:blip>
@@ -21298,14 +27334,14 @@
           </a:ln>
           <a:extLst>
             <a:ext uri="{909E8E84-426E-40DD-AFC4-6F175D3DCCD1}">
-              <a14:hiddenFill xmlns:a14="http://schemas.microsoft.com/office/drawing/2010/main" xmlns="">
+              <a14:hiddenFill xmlns:a14="http://schemas.microsoft.com/office/drawing/2010/main">
                 <a:solidFill>
                   <a:schemeClr val="accent1"/>
                 </a:solidFill>
               </a14:hiddenFill>
             </a:ext>
             <a:ext uri="{91240B29-F687-4F45-9708-019B960494DF}">
-              <a14:hiddenLine xmlns:a14="http://schemas.microsoft.com/office/drawing/2010/main" xmlns="" w="9525">
+              <a14:hiddenLine xmlns:a14="http://schemas.microsoft.com/office/drawing/2010/main" w="9525">
                 <a:solidFill>
                   <a:schemeClr val="tx1"/>
                 </a:solidFill>
@@ -21391,10 +27427,49 @@
           </a:p>
         </p:txBody>
       </p:sp>
+      <mc:AlternateContent xmlns:mc="http://schemas.openxmlformats.org/markup-compatibility/2006">
+        <mc:Choice xmlns:p14="http://schemas.microsoft.com/office/powerpoint/2010/main" Requires="p14">
+          <p:contentPart p14:bwMode="auto" r:id="rId3">
+            <p14:nvContentPartPr>
+              <p14:cNvPr id="3" name="잉크 2"/>
+              <p14:cNvContentPartPr/>
+              <p14:nvPr/>
+            </p14:nvContentPartPr>
+            <p14:xfrm>
+              <a:off x="6248492" y="6224797"/>
+              <a:ext cx="363600" cy="360"/>
+            </p14:xfrm>
+          </p:contentPart>
+        </mc:Choice>
+        <mc:Fallback>
+          <p:pic>
+            <p:nvPicPr>
+              <p:cNvPr id="3" name="잉크 2"/>
+              <p:cNvPicPr/>
+              <p:nvPr/>
+            </p:nvPicPr>
+            <p:blipFill>
+              <a:blip r:embed="rId4"/>
+              <a:stretch>
+                <a:fillRect/>
+              </a:stretch>
+            </p:blipFill>
+            <p:spPr>
+              <a:xfrm>
+                <a:off x="6236612" y="6212917"/>
+                <a:ext cx="387360" cy="24120"/>
+              </a:xfrm>
+              <a:prstGeom prst="rect">
+                <a:avLst/>
+              </a:prstGeom>
+            </p:spPr>
+          </p:pic>
+        </mc:Fallback>
+      </mc:AlternateContent>
     </p:spTree>
     <p:extLst>
       <p:ext uri="{BB962C8B-B14F-4D97-AF65-F5344CB8AC3E}">
-        <p14:creationId xmlns:p14="http://schemas.microsoft.com/office/powerpoint/2010/main" xmlns="" val="971484620"/>
+        <p14:creationId xmlns:p14="http://schemas.microsoft.com/office/powerpoint/2010/main" val="971484620"/>
       </p:ext>
     </p:extLst>
   </p:cSld>
@@ -21835,12 +27910,12 @@
           <a:effectLst/>
           <a:extLst>
             <a:ext uri="{909E8E84-426E-40DD-AFC4-6F175D3DCCD1}">
-              <a14:hiddenFill xmlns:a14="http://schemas.microsoft.com/office/drawing/2010/main" xmlns="">
+              <a14:hiddenFill xmlns:a14="http://schemas.microsoft.com/office/drawing/2010/main">
                 <a:noFill/>
               </a14:hiddenFill>
             </a:ext>
             <a:ext uri="{AF507438-7753-43E0-B8FC-AC1667EBCBE1}">
-              <a14:hiddenEffects xmlns:a14="http://schemas.microsoft.com/office/drawing/2010/main" xmlns="">
+              <a14:hiddenEffects xmlns:a14="http://schemas.microsoft.com/office/drawing/2010/main">
                 <a:effectLst>
                   <a:outerShdw dist="35921" dir="2700000" algn="ctr" rotWithShape="0">
                     <a:schemeClr val="bg2"/>
@@ -21895,7 +27970,7 @@
           <a:effectLst/>
           <a:extLst>
             <a:ext uri="{AF507438-7753-43E0-B8FC-AC1667EBCBE1}">
-              <a14:hiddenEffects xmlns:a14="http://schemas.microsoft.com/office/drawing/2010/main" xmlns="">
+              <a14:hiddenEffects xmlns:a14="http://schemas.microsoft.com/office/drawing/2010/main">
                 <a:effectLst>
                   <a:outerShdw dist="35921" dir="2700000" algn="ctr" rotWithShape="0">
                     <a:schemeClr val="bg2"/>
@@ -21936,18 +28011,18 @@
     </p:spTree>
     <p:extLst>
       <p:ext uri="{BB962C8B-B14F-4D97-AF65-F5344CB8AC3E}">
-        <p14:creationId xmlns:p14="http://schemas.microsoft.com/office/powerpoint/2010/main" xmlns="" val="1485126115"/>
+        <p14:creationId xmlns:p14="http://schemas.microsoft.com/office/powerpoint/2010/main" val="1485126115"/>
       </p:ext>
     </p:extLst>
   </p:cSld>
   <p:clrMapOvr>
     <a:masterClrMapping/>
   </p:clrMapOvr>
-  <mc:AlternateContent xmlns:mc="http://schemas.openxmlformats.org/markup-compatibility/2006">
-    <mc:Choice xmlns:p14="http://schemas.microsoft.com/office/powerpoint/2010/main" xmlns="" Requires="p14">
+  <mc:AlternateContent xmlns:mc="http://schemas.openxmlformats.org/markup-compatibility/2006" xmlns:p14="http://schemas.microsoft.com/office/powerpoint/2010/main">
+    <mc:Choice Requires="p14">
       <p:transition spd="slow" p14:dur="2000"/>
     </mc:Choice>
-    <mc:Fallback>
+    <mc:Fallback xmlns="">
       <p:transition spd="slow"/>
     </mc:Fallback>
   </mc:AlternateContent>
@@ -22318,7 +28393,7 @@
           <a:effectLst/>
           <a:extLst>
             <a:ext uri="{AF507438-7753-43E0-B8FC-AC1667EBCBE1}">
-              <a14:hiddenEffects xmlns:a14="http://schemas.microsoft.com/office/drawing/2010/main" xmlns="">
+              <a14:hiddenEffects xmlns:a14="http://schemas.microsoft.com/office/drawing/2010/main">
                 <a:effectLst>
                   <a:outerShdw dist="35921" dir="2700000" algn="ctr" rotWithShape="0">
                     <a:schemeClr val="bg2"/>
@@ -22384,12 +28459,12 @@
           <a:effectLst/>
           <a:extLst>
             <a:ext uri="{909E8E84-426E-40DD-AFC4-6F175D3DCCD1}">
-              <a14:hiddenFill xmlns:a14="http://schemas.microsoft.com/office/drawing/2010/main" xmlns="">
+              <a14:hiddenFill xmlns:a14="http://schemas.microsoft.com/office/drawing/2010/main">
                 <a:noFill/>
               </a14:hiddenFill>
             </a:ext>
             <a:ext uri="{AF507438-7753-43E0-B8FC-AC1667EBCBE1}">
-              <a14:hiddenEffects xmlns:a14="http://schemas.microsoft.com/office/drawing/2010/main" xmlns="">
+              <a14:hiddenEffects xmlns:a14="http://schemas.microsoft.com/office/drawing/2010/main">
                 <a:effectLst>
                   <a:outerShdw dist="35921" dir="2700000" algn="ctr" rotWithShape="0">
                     <a:schemeClr val="bg2"/>
@@ -22410,18 +28485,18 @@
     </p:spTree>
     <p:extLst>
       <p:ext uri="{BB962C8B-B14F-4D97-AF65-F5344CB8AC3E}">
-        <p14:creationId xmlns:p14="http://schemas.microsoft.com/office/powerpoint/2010/main" xmlns="" val="2361825635"/>
+        <p14:creationId xmlns:p14="http://schemas.microsoft.com/office/powerpoint/2010/main" val="2361825635"/>
       </p:ext>
     </p:extLst>
   </p:cSld>
   <p:clrMapOvr>
     <a:masterClrMapping/>
   </p:clrMapOvr>
-  <mc:AlternateContent xmlns:mc="http://schemas.openxmlformats.org/markup-compatibility/2006">
-    <mc:Choice xmlns:p14="http://schemas.microsoft.com/office/powerpoint/2010/main" xmlns="" Requires="p14">
+  <mc:AlternateContent xmlns:mc="http://schemas.openxmlformats.org/markup-compatibility/2006" xmlns:p14="http://schemas.microsoft.com/office/powerpoint/2010/main">
+    <mc:Choice Requires="p14">
       <p:transition spd="slow" p14:dur="2000"/>
     </mc:Choice>
-    <mc:Fallback>
+    <mc:Fallback xmlns="">
       <p:transition spd="slow"/>
     </mc:Fallback>
   </mc:AlternateContent>
@@ -23455,18 +29530,18 @@
     </p:spTree>
     <p:extLst>
       <p:ext uri="{BB962C8B-B14F-4D97-AF65-F5344CB8AC3E}">
-        <p14:creationId xmlns:p14="http://schemas.microsoft.com/office/powerpoint/2010/main" xmlns="" val="2016794086"/>
+        <p14:creationId xmlns:p14="http://schemas.microsoft.com/office/powerpoint/2010/main" val="2016794086"/>
       </p:ext>
     </p:extLst>
   </p:cSld>
   <p:clrMapOvr>
     <a:masterClrMapping/>
   </p:clrMapOvr>
-  <mc:AlternateContent xmlns:mc="http://schemas.openxmlformats.org/markup-compatibility/2006">
-    <mc:Choice xmlns:p14="http://schemas.microsoft.com/office/powerpoint/2010/main" xmlns="" Requires="p14">
+  <mc:AlternateContent xmlns:mc="http://schemas.openxmlformats.org/markup-compatibility/2006" xmlns:p14="http://schemas.microsoft.com/office/powerpoint/2010/main">
+    <mc:Choice Requires="p14">
       <p:transition spd="slow" p14:dur="2000"/>
     </mc:Choice>
-    <mc:Fallback>
+    <mc:Fallback xmlns="">
       <p:transition spd="slow"/>
     </mc:Fallback>
   </mc:AlternateContent>
@@ -23909,7 +29984,7 @@
           <a:blip r:embed="rId2">
             <a:extLst>
               <a:ext uri="{28A0092B-C50C-407E-A947-70E740481C1C}">
-                <a14:useLocalDpi xmlns:a14="http://schemas.microsoft.com/office/drawing/2010/main" xmlns="" val="0"/>
+                <a14:useLocalDpi xmlns:a14="http://schemas.microsoft.com/office/drawing/2010/main" val="0"/>
               </a:ext>
             </a:extLst>
           </a:blip>
@@ -23932,14 +30007,14 @@
           </a:ln>
           <a:extLst>
             <a:ext uri="{909E8E84-426E-40DD-AFC4-6F175D3DCCD1}">
-              <a14:hiddenFill xmlns:a14="http://schemas.microsoft.com/office/drawing/2010/main" xmlns="">
+              <a14:hiddenFill xmlns:a14="http://schemas.microsoft.com/office/drawing/2010/main">
                 <a:solidFill>
                   <a:schemeClr val="accent1"/>
                 </a:solidFill>
               </a14:hiddenFill>
             </a:ext>
             <a:ext uri="{91240B29-F687-4F45-9708-019B960494DF}">
-              <a14:hiddenLine xmlns:a14="http://schemas.microsoft.com/office/drawing/2010/main" xmlns="" w="9525">
+              <a14:hiddenLine xmlns:a14="http://schemas.microsoft.com/office/drawing/2010/main" w="9525">
                 <a:solidFill>
                   <a:schemeClr val="tx1"/>
                 </a:solidFill>
@@ -23954,18 +30029,18 @@
     </p:spTree>
     <p:extLst>
       <p:ext uri="{BB962C8B-B14F-4D97-AF65-F5344CB8AC3E}">
-        <p14:creationId xmlns:p14="http://schemas.microsoft.com/office/powerpoint/2010/main" xmlns="" val="1491947267"/>
+        <p14:creationId xmlns:p14="http://schemas.microsoft.com/office/powerpoint/2010/main" val="1491947267"/>
       </p:ext>
     </p:extLst>
   </p:cSld>
   <p:clrMapOvr>
     <a:masterClrMapping/>
   </p:clrMapOvr>
-  <mc:AlternateContent xmlns:mc="http://schemas.openxmlformats.org/markup-compatibility/2006">
-    <mc:Choice xmlns:p14="http://schemas.microsoft.com/office/powerpoint/2010/main" xmlns="" Requires="p14">
+  <mc:AlternateContent xmlns:mc="http://schemas.openxmlformats.org/markup-compatibility/2006" xmlns:p14="http://schemas.microsoft.com/office/powerpoint/2010/main">
+    <mc:Choice Requires="p14">
       <p:transition spd="slow" p14:dur="2000"/>
     </mc:Choice>
-    <mc:Fallback>
+    <mc:Fallback xmlns="">
       <p:transition spd="slow"/>
     </mc:Fallback>
   </mc:AlternateContent>
@@ -24105,7 +30180,7 @@
           <a:blip r:embed="rId2">
             <a:extLst>
               <a:ext uri="{28A0092B-C50C-407E-A947-70E740481C1C}">
-                <a14:useLocalDpi xmlns:a14="http://schemas.microsoft.com/office/drawing/2010/main" xmlns="" val="0"/>
+                <a14:useLocalDpi xmlns:a14="http://schemas.microsoft.com/office/drawing/2010/main" val="0"/>
               </a:ext>
             </a:extLst>
           </a:blip>
@@ -24128,14 +30203,14 @@
           </a:ln>
           <a:extLst>
             <a:ext uri="{909E8E84-426E-40DD-AFC4-6F175D3DCCD1}">
-              <a14:hiddenFill xmlns:a14="http://schemas.microsoft.com/office/drawing/2010/main" xmlns="">
+              <a14:hiddenFill xmlns:a14="http://schemas.microsoft.com/office/drawing/2010/main">
                 <a:solidFill>
                   <a:schemeClr val="accent1"/>
                 </a:solidFill>
               </a14:hiddenFill>
             </a:ext>
             <a:ext uri="{91240B29-F687-4F45-9708-019B960494DF}">
-              <a14:hiddenLine xmlns:a14="http://schemas.microsoft.com/office/drawing/2010/main" xmlns="" w="9525">
+              <a14:hiddenLine xmlns:a14="http://schemas.microsoft.com/office/drawing/2010/main" w="9525">
                 <a:solidFill>
                   <a:schemeClr val="tx1"/>
                 </a:solidFill>
@@ -24150,18 +30225,18 @@
     </p:spTree>
     <p:extLst>
       <p:ext uri="{BB962C8B-B14F-4D97-AF65-F5344CB8AC3E}">
-        <p14:creationId xmlns:p14="http://schemas.microsoft.com/office/powerpoint/2010/main" xmlns="" val="2402500040"/>
+        <p14:creationId xmlns:p14="http://schemas.microsoft.com/office/powerpoint/2010/main" val="2402500040"/>
       </p:ext>
     </p:extLst>
   </p:cSld>
   <p:clrMapOvr>
     <a:masterClrMapping/>
   </p:clrMapOvr>
-  <mc:AlternateContent xmlns:mc="http://schemas.openxmlformats.org/markup-compatibility/2006">
-    <mc:Choice xmlns:p14="http://schemas.microsoft.com/office/powerpoint/2010/main" xmlns="" Requires="p14">
+  <mc:AlternateContent xmlns:mc="http://schemas.openxmlformats.org/markup-compatibility/2006" xmlns:p14="http://schemas.microsoft.com/office/powerpoint/2010/main">
+    <mc:Choice Requires="p14">
       <p:transition spd="slow" p14:dur="2000"/>
     </mc:Choice>
-    <mc:Fallback>
+    <mc:Fallback xmlns="">
       <p:transition spd="slow"/>
     </mc:Fallback>
   </mc:AlternateContent>
@@ -24539,7 +30614,7 @@
           <a:effectLst/>
           <a:extLst>
             <a:ext uri="{AF507438-7753-43E0-B8FC-AC1667EBCBE1}">
-              <a14:hiddenEffects xmlns:a14="http://schemas.microsoft.com/office/drawing/2010/main" xmlns="">
+              <a14:hiddenEffects xmlns:a14="http://schemas.microsoft.com/office/drawing/2010/main">
                 <a:effectLst>
                   <a:outerShdw dist="35921" dir="2700000" algn="ctr" rotWithShape="0">
                     <a:schemeClr val="bg2"/>
@@ -24615,12 +30690,12 @@
           <a:effectLst/>
           <a:extLst>
             <a:ext uri="{909E8E84-426E-40DD-AFC4-6F175D3DCCD1}">
-              <a14:hiddenFill xmlns:a14="http://schemas.microsoft.com/office/drawing/2010/main" xmlns="">
+              <a14:hiddenFill xmlns:a14="http://schemas.microsoft.com/office/drawing/2010/main">
                 <a:noFill/>
               </a14:hiddenFill>
             </a:ext>
             <a:ext uri="{AF507438-7753-43E0-B8FC-AC1667EBCBE1}">
-              <a14:hiddenEffects xmlns:a14="http://schemas.microsoft.com/office/drawing/2010/main" xmlns="">
+              <a14:hiddenEffects xmlns:a14="http://schemas.microsoft.com/office/drawing/2010/main">
                 <a:effectLst>
                   <a:outerShdw dist="35921" dir="2700000" algn="ctr" rotWithShape="0">
                     <a:schemeClr val="bg2"/>
@@ -24641,18 +30716,18 @@
     </p:spTree>
     <p:extLst>
       <p:ext uri="{BB962C8B-B14F-4D97-AF65-F5344CB8AC3E}">
-        <p14:creationId xmlns:p14="http://schemas.microsoft.com/office/powerpoint/2010/main" xmlns="" val="3690460445"/>
+        <p14:creationId xmlns:p14="http://schemas.microsoft.com/office/powerpoint/2010/main" val="3690460445"/>
       </p:ext>
     </p:extLst>
   </p:cSld>
   <p:clrMapOvr>
     <a:masterClrMapping/>
   </p:clrMapOvr>
-  <mc:AlternateContent xmlns:mc="http://schemas.openxmlformats.org/markup-compatibility/2006">
-    <mc:Choice xmlns:p14="http://schemas.microsoft.com/office/powerpoint/2010/main" xmlns="" Requires="p14">
+  <mc:AlternateContent xmlns:mc="http://schemas.openxmlformats.org/markup-compatibility/2006" xmlns:p14="http://schemas.microsoft.com/office/powerpoint/2010/main">
+    <mc:Choice Requires="p14">
       <p:transition spd="slow" p14:dur="2000"/>
     </mc:Choice>
-    <mc:Fallback>
+    <mc:Fallback xmlns="">
       <p:transition spd="slow"/>
     </mc:Fallback>
   </mc:AlternateContent>
@@ -25472,7 +31547,7 @@
           <a:effectLst/>
           <a:extLst>
             <a:ext uri="{AF507438-7753-43E0-B8FC-AC1667EBCBE1}">
-              <a14:hiddenEffects xmlns:a14="http://schemas.microsoft.com/office/drawing/2010/main" xmlns="">
+              <a14:hiddenEffects xmlns:a14="http://schemas.microsoft.com/office/drawing/2010/main">
                 <a:effectLst>
                   <a:outerShdw dist="35921" dir="2700000" algn="ctr" rotWithShape="0">
                     <a:schemeClr val="bg2"/>
@@ -25538,12 +31613,12 @@
           <a:effectLst/>
           <a:extLst>
             <a:ext uri="{909E8E84-426E-40DD-AFC4-6F175D3DCCD1}">
-              <a14:hiddenFill xmlns:a14="http://schemas.microsoft.com/office/drawing/2010/main" xmlns="">
+              <a14:hiddenFill xmlns:a14="http://schemas.microsoft.com/office/drawing/2010/main">
                 <a:noFill/>
               </a14:hiddenFill>
             </a:ext>
             <a:ext uri="{AF507438-7753-43E0-B8FC-AC1667EBCBE1}">
-              <a14:hiddenEffects xmlns:a14="http://schemas.microsoft.com/office/drawing/2010/main" xmlns="">
+              <a14:hiddenEffects xmlns:a14="http://schemas.microsoft.com/office/drawing/2010/main">
                 <a:effectLst>
                   <a:outerShdw dist="35921" dir="2700000" algn="ctr" rotWithShape="0">
                     <a:schemeClr val="bg2"/>
@@ -25598,7 +31673,7 @@
           <a:effectLst/>
           <a:extLst>
             <a:ext uri="{AF507438-7753-43E0-B8FC-AC1667EBCBE1}">
-              <a14:hiddenEffects xmlns:a14="http://schemas.microsoft.com/office/drawing/2010/main" xmlns="">
+              <a14:hiddenEffects xmlns:a14="http://schemas.microsoft.com/office/drawing/2010/main">
                 <a:effectLst>
                   <a:outerShdw dist="35921" dir="2700000" algn="ctr" rotWithShape="0">
                     <a:schemeClr val="bg2"/>
@@ -25664,12 +31739,12 @@
           <a:effectLst/>
           <a:extLst>
             <a:ext uri="{909E8E84-426E-40DD-AFC4-6F175D3DCCD1}">
-              <a14:hiddenFill xmlns:a14="http://schemas.microsoft.com/office/drawing/2010/main" xmlns="">
+              <a14:hiddenFill xmlns:a14="http://schemas.microsoft.com/office/drawing/2010/main">
                 <a:noFill/>
               </a14:hiddenFill>
             </a:ext>
             <a:ext uri="{AF507438-7753-43E0-B8FC-AC1667EBCBE1}">
-              <a14:hiddenEffects xmlns:a14="http://schemas.microsoft.com/office/drawing/2010/main" xmlns="">
+              <a14:hiddenEffects xmlns:a14="http://schemas.microsoft.com/office/drawing/2010/main">
                 <a:effectLst>
                   <a:outerShdw dist="35921" dir="2700000" algn="ctr" rotWithShape="0">
                     <a:schemeClr val="bg2"/>
@@ -25690,18 +31765,18 @@
     </p:spTree>
     <p:extLst>
       <p:ext uri="{BB962C8B-B14F-4D97-AF65-F5344CB8AC3E}">
-        <p14:creationId xmlns:p14="http://schemas.microsoft.com/office/powerpoint/2010/main" xmlns="" val="2664822943"/>
+        <p14:creationId xmlns:p14="http://schemas.microsoft.com/office/powerpoint/2010/main" val="2664822943"/>
       </p:ext>
     </p:extLst>
   </p:cSld>
   <p:clrMapOvr>
     <a:masterClrMapping/>
   </p:clrMapOvr>
-  <mc:AlternateContent xmlns:mc="http://schemas.openxmlformats.org/markup-compatibility/2006">
-    <mc:Choice xmlns:p14="http://schemas.microsoft.com/office/powerpoint/2010/main" xmlns="" Requires="p14">
+  <mc:AlternateContent xmlns:mc="http://schemas.openxmlformats.org/markup-compatibility/2006" xmlns:p14="http://schemas.microsoft.com/office/powerpoint/2010/main">
+    <mc:Choice Requires="p14">
       <p:transition spd="slow" p14:dur="2000"/>
     </mc:Choice>
-    <mc:Fallback>
+    <mc:Fallback xmlns="">
       <p:transition spd="slow"/>
     </mc:Fallback>
   </mc:AlternateContent>
@@ -25876,7 +31951,7 @@
           <a:blip r:embed="rId2">
             <a:extLst>
               <a:ext uri="{28A0092B-C50C-407E-A947-70E740481C1C}">
-                <a14:useLocalDpi xmlns:a14="http://schemas.microsoft.com/office/drawing/2010/main" xmlns="" val="0"/>
+                <a14:useLocalDpi xmlns:a14="http://schemas.microsoft.com/office/drawing/2010/main" val="0"/>
               </a:ext>
             </a:extLst>
           </a:blip>
@@ -25899,14 +31974,14 @@
           </a:ln>
           <a:extLst>
             <a:ext uri="{909E8E84-426E-40DD-AFC4-6F175D3DCCD1}">
-              <a14:hiddenFill xmlns:a14="http://schemas.microsoft.com/office/drawing/2010/main" xmlns="">
+              <a14:hiddenFill xmlns:a14="http://schemas.microsoft.com/office/drawing/2010/main">
                 <a:solidFill>
                   <a:schemeClr val="accent1"/>
                 </a:solidFill>
               </a14:hiddenFill>
             </a:ext>
             <a:ext uri="{91240B29-F687-4F45-9708-019B960494DF}">
-              <a14:hiddenLine xmlns:a14="http://schemas.microsoft.com/office/drawing/2010/main" xmlns="" w="9525">
+              <a14:hiddenLine xmlns:a14="http://schemas.microsoft.com/office/drawing/2010/main" w="9525">
                 <a:solidFill>
                   <a:schemeClr val="tx1"/>
                 </a:solidFill>
@@ -25921,18 +31996,18 @@
     </p:spTree>
     <p:extLst>
       <p:ext uri="{BB962C8B-B14F-4D97-AF65-F5344CB8AC3E}">
-        <p14:creationId xmlns:p14="http://schemas.microsoft.com/office/powerpoint/2010/main" xmlns="" val="1655955209"/>
+        <p14:creationId xmlns:p14="http://schemas.microsoft.com/office/powerpoint/2010/main" val="1655955209"/>
       </p:ext>
     </p:extLst>
   </p:cSld>
   <p:clrMapOvr>
     <a:masterClrMapping/>
   </p:clrMapOvr>
-  <mc:AlternateContent xmlns:mc="http://schemas.openxmlformats.org/markup-compatibility/2006">
-    <mc:Choice xmlns:p14="http://schemas.microsoft.com/office/powerpoint/2010/main" xmlns="" Requires="p14">
+  <mc:AlternateContent xmlns:mc="http://schemas.openxmlformats.org/markup-compatibility/2006" xmlns:p14="http://schemas.microsoft.com/office/powerpoint/2010/main">
+    <mc:Choice Requires="p14">
       <p:transition spd="slow" p14:dur="2000"/>
     </mc:Choice>
-    <mc:Fallback>
+    <mc:Fallback xmlns="">
       <p:transition spd="slow"/>
     </mc:Fallback>
   </mc:AlternateContent>
@@ -26692,18 +32767,18 @@
     </p:spTree>
     <p:extLst>
       <p:ext uri="{BB962C8B-B14F-4D97-AF65-F5344CB8AC3E}">
-        <p14:creationId xmlns:p14="http://schemas.microsoft.com/office/powerpoint/2010/main" xmlns="" val="879367077"/>
+        <p14:creationId xmlns:p14="http://schemas.microsoft.com/office/powerpoint/2010/main" val="879367077"/>
       </p:ext>
     </p:extLst>
   </p:cSld>
   <p:clrMapOvr>
     <a:masterClrMapping/>
   </p:clrMapOvr>
-  <mc:AlternateContent xmlns:mc="http://schemas.openxmlformats.org/markup-compatibility/2006">
-    <mc:Choice xmlns:p14="http://schemas.microsoft.com/office/powerpoint/2010/main" xmlns="" Requires="p14">
+  <mc:AlternateContent xmlns:mc="http://schemas.openxmlformats.org/markup-compatibility/2006" xmlns:p14="http://schemas.microsoft.com/office/powerpoint/2010/main">
+    <mc:Choice Requires="p14">
       <p:transition spd="slow" p14:dur="2000"/>
     </mc:Choice>
-    <mc:Fallback>
+    <mc:Fallback xmlns="">
       <p:transition spd="slow"/>
     </mc:Fallback>
   </mc:AlternateContent>
@@ -27678,7 +33753,7 @@
           <a:effectLst/>
           <a:extLst>
             <a:ext uri="{AF507438-7753-43E0-B8FC-AC1667EBCBE1}">
-              <a14:hiddenEffects xmlns:a14="http://schemas.microsoft.com/office/drawing/2010/main" xmlns="">
+              <a14:hiddenEffects xmlns:a14="http://schemas.microsoft.com/office/drawing/2010/main">
                 <a:effectLst>
                   <a:outerShdw dist="35921" dir="2700000" algn="ctr" rotWithShape="0">
                     <a:schemeClr val="bg2"/>
@@ -27744,12 +33819,12 @@
           <a:effectLst/>
           <a:extLst>
             <a:ext uri="{909E8E84-426E-40DD-AFC4-6F175D3DCCD1}">
-              <a14:hiddenFill xmlns:a14="http://schemas.microsoft.com/office/drawing/2010/main" xmlns="">
+              <a14:hiddenFill xmlns:a14="http://schemas.microsoft.com/office/drawing/2010/main">
                 <a:noFill/>
               </a14:hiddenFill>
             </a:ext>
             <a:ext uri="{AF507438-7753-43E0-B8FC-AC1667EBCBE1}">
-              <a14:hiddenEffects xmlns:a14="http://schemas.microsoft.com/office/drawing/2010/main" xmlns="">
+              <a14:hiddenEffects xmlns:a14="http://schemas.microsoft.com/office/drawing/2010/main">
                 <a:effectLst>
                   <a:outerShdw dist="35921" dir="2700000" algn="ctr" rotWithShape="0">
                     <a:schemeClr val="bg2"/>
@@ -27770,18 +33845,18 @@
     </p:spTree>
     <p:extLst>
       <p:ext uri="{BB962C8B-B14F-4D97-AF65-F5344CB8AC3E}">
-        <p14:creationId xmlns:p14="http://schemas.microsoft.com/office/powerpoint/2010/main" xmlns="" val="2711650513"/>
+        <p14:creationId xmlns:p14="http://schemas.microsoft.com/office/powerpoint/2010/main" val="2711650513"/>
       </p:ext>
     </p:extLst>
   </p:cSld>
   <p:clrMapOvr>
     <a:masterClrMapping/>
   </p:clrMapOvr>
-  <mc:AlternateContent xmlns:mc="http://schemas.openxmlformats.org/markup-compatibility/2006">
-    <mc:Choice xmlns:p14="http://schemas.microsoft.com/office/powerpoint/2010/main" xmlns="" Requires="p14">
+  <mc:AlternateContent xmlns:mc="http://schemas.openxmlformats.org/markup-compatibility/2006" xmlns:p14="http://schemas.microsoft.com/office/powerpoint/2010/main">
+    <mc:Choice Requires="p14">
       <p:transition spd="slow" p14:dur="2000"/>
     </mc:Choice>
-    <mc:Fallback>
+    <mc:Fallback xmlns="">
       <p:transition spd="slow"/>
     </mc:Fallback>
   </mc:AlternateContent>
@@ -27878,7 +33953,7 @@
           <a:blip r:embed="rId2">
             <a:extLst>
               <a:ext uri="{28A0092B-C50C-407E-A947-70E740481C1C}">
-                <a14:useLocalDpi xmlns:a14="http://schemas.microsoft.com/office/drawing/2010/main" xmlns="" val="0"/>
+                <a14:useLocalDpi xmlns:a14="http://schemas.microsoft.com/office/drawing/2010/main" val="0"/>
               </a:ext>
             </a:extLst>
           </a:blip>
@@ -27901,14 +33976,14 @@
           </a:ln>
           <a:extLst>
             <a:ext uri="{909E8E84-426E-40DD-AFC4-6F175D3DCCD1}">
-              <a14:hiddenFill xmlns:a14="http://schemas.microsoft.com/office/drawing/2010/main" xmlns="">
+              <a14:hiddenFill xmlns:a14="http://schemas.microsoft.com/office/drawing/2010/main">
                 <a:solidFill>
                   <a:schemeClr val="accent1"/>
                 </a:solidFill>
               </a14:hiddenFill>
             </a:ext>
             <a:ext uri="{91240B29-F687-4F45-9708-019B960494DF}">
-              <a14:hiddenLine xmlns:a14="http://schemas.microsoft.com/office/drawing/2010/main" xmlns="" w="9525">
+              <a14:hiddenLine xmlns:a14="http://schemas.microsoft.com/office/drawing/2010/main" w="9525">
                 <a:solidFill>
                   <a:schemeClr val="tx1"/>
                 </a:solidFill>
@@ -28049,21 +34124,99 @@
           </a:p>
         </p:txBody>
       </p:sp>
+      <mc:AlternateContent xmlns:mc="http://schemas.openxmlformats.org/markup-compatibility/2006">
+        <mc:Choice xmlns:p14="http://schemas.microsoft.com/office/powerpoint/2010/main" Requires="p14">
+          <p:contentPart p14:bwMode="auto" r:id="rId3">
+            <p14:nvContentPartPr>
+              <p14:cNvPr id="10" name="잉크 9"/>
+              <p14:cNvContentPartPr/>
+              <p14:nvPr/>
+            </p14:nvContentPartPr>
+            <p14:xfrm>
+              <a:off x="4125212" y="3598957"/>
+              <a:ext cx="845640" cy="342360"/>
+            </p14:xfrm>
+          </p:contentPart>
+        </mc:Choice>
+        <mc:Fallback>
+          <p:pic>
+            <p:nvPicPr>
+              <p:cNvPr id="10" name="잉크 9"/>
+              <p:cNvPicPr/>
+              <p:nvPr/>
+            </p:nvPicPr>
+            <p:blipFill>
+              <a:blip r:embed="rId4"/>
+              <a:stretch>
+                <a:fillRect/>
+              </a:stretch>
+            </p:blipFill>
+            <p:spPr>
+              <a:xfrm>
+                <a:off x="4113332" y="3587077"/>
+                <a:ext cx="869400" cy="366120"/>
+              </a:xfrm>
+              <a:prstGeom prst="rect">
+                <a:avLst/>
+              </a:prstGeom>
+            </p:spPr>
+          </p:pic>
+        </mc:Fallback>
+      </mc:AlternateContent>
+      <mc:AlternateContent xmlns:mc="http://schemas.openxmlformats.org/markup-compatibility/2006">
+        <mc:Choice xmlns:p14="http://schemas.microsoft.com/office/powerpoint/2010/main" Requires="p14">
+          <p:contentPart p14:bwMode="auto" r:id="rId5">
+            <p14:nvContentPartPr>
+              <p14:cNvPr id="13" name="잉크 12"/>
+              <p14:cNvContentPartPr/>
+              <p14:nvPr/>
+            </p14:nvContentPartPr>
+            <p14:xfrm>
+              <a:off x="4207292" y="4073437"/>
+              <a:ext cx="1001880" cy="391680"/>
+            </p14:xfrm>
+          </p:contentPart>
+        </mc:Choice>
+        <mc:Fallback>
+          <p:pic>
+            <p:nvPicPr>
+              <p:cNvPr id="13" name="잉크 12"/>
+              <p:cNvPicPr/>
+              <p:nvPr/>
+            </p:nvPicPr>
+            <p:blipFill>
+              <a:blip r:embed="rId6"/>
+              <a:stretch>
+                <a:fillRect/>
+              </a:stretch>
+            </p:blipFill>
+            <p:spPr>
+              <a:xfrm>
+                <a:off x="4195412" y="4061557"/>
+                <a:ext cx="1025640" cy="415440"/>
+              </a:xfrm>
+              <a:prstGeom prst="rect">
+                <a:avLst/>
+              </a:prstGeom>
+            </p:spPr>
+          </p:pic>
+        </mc:Fallback>
+      </mc:AlternateContent>
     </p:spTree>
     <p:extLst>
       <p:ext uri="{BB962C8B-B14F-4D97-AF65-F5344CB8AC3E}">
-        <p14:creationId xmlns:p14="http://schemas.microsoft.com/office/powerpoint/2010/main" xmlns="" val="1769032074"/>
+        <p14:creationId xmlns:p14="http://schemas.microsoft.com/office/powerpoint/2010/main" val="1769032074"/>
       </p:ext>
     </p:extLst>
   </p:cSld>
   <p:clrMapOvr>
     <a:masterClrMapping/>
   </p:clrMapOvr>
-  <mc:AlternateContent xmlns:mc="http://schemas.openxmlformats.org/markup-compatibility/2006">
-    <mc:Choice xmlns:p14="http://schemas.microsoft.com/office/powerpoint/2010/main" xmlns="" Requires="p14">
+  <mc:AlternateContent xmlns:mc="http://schemas.openxmlformats.org/markup-compatibility/2006" xmlns:p14="http://schemas.microsoft.com/office/powerpoint/2010/main">
+    <mc:Choice Requires="p14">
       <p:transition spd="slow" p14:dur="2000"/>
     </mc:Choice>
-    <mc:Fallback>
+    <mc:Fallback xmlns="">
       <p:transition spd="slow"/>
     </mc:Fallback>
   </mc:AlternateContent>
@@ -28214,7 +34367,7 @@
           <a:blip r:embed="rId2">
             <a:extLst>
               <a:ext uri="{28A0092B-C50C-407E-A947-70E740481C1C}">
-                <a14:useLocalDpi xmlns:a14="http://schemas.microsoft.com/office/drawing/2010/main" xmlns="" val="0"/>
+                <a14:useLocalDpi xmlns:a14="http://schemas.microsoft.com/office/drawing/2010/main" val="0"/>
               </a:ext>
             </a:extLst>
           </a:blip>
@@ -28237,14 +34390,14 @@
           </a:ln>
           <a:extLst>
             <a:ext uri="{909E8E84-426E-40DD-AFC4-6F175D3DCCD1}">
-              <a14:hiddenFill xmlns:a14="http://schemas.microsoft.com/office/drawing/2010/main" xmlns="">
+              <a14:hiddenFill xmlns:a14="http://schemas.microsoft.com/office/drawing/2010/main">
                 <a:solidFill>
                   <a:schemeClr val="accent1"/>
                 </a:solidFill>
               </a14:hiddenFill>
             </a:ext>
             <a:ext uri="{91240B29-F687-4F45-9708-019B960494DF}">
-              <a14:hiddenLine xmlns:a14="http://schemas.microsoft.com/office/drawing/2010/main" xmlns="" w="9525">
+              <a14:hiddenLine xmlns:a14="http://schemas.microsoft.com/office/drawing/2010/main" w="9525">
                 <a:solidFill>
                   <a:schemeClr val="tx1"/>
                 </a:solidFill>
@@ -28259,18 +34412,18 @@
     </p:spTree>
     <p:extLst>
       <p:ext uri="{BB962C8B-B14F-4D97-AF65-F5344CB8AC3E}">
-        <p14:creationId xmlns:p14="http://schemas.microsoft.com/office/powerpoint/2010/main" xmlns="" val="2078220205"/>
+        <p14:creationId xmlns:p14="http://schemas.microsoft.com/office/powerpoint/2010/main" val="2078220205"/>
       </p:ext>
     </p:extLst>
   </p:cSld>
   <p:clrMapOvr>
     <a:masterClrMapping/>
   </p:clrMapOvr>
-  <mc:AlternateContent xmlns:mc="http://schemas.openxmlformats.org/markup-compatibility/2006">
-    <mc:Choice xmlns:p14="http://schemas.microsoft.com/office/powerpoint/2010/main" xmlns="" Requires="p14">
+  <mc:AlternateContent xmlns:mc="http://schemas.openxmlformats.org/markup-compatibility/2006" xmlns:p14="http://schemas.microsoft.com/office/powerpoint/2010/main">
+    <mc:Choice Requires="p14">
       <p:transition spd="slow" p14:dur="2000"/>
     </mc:Choice>
-    <mc:Fallback>
+    <mc:Fallback xmlns="">
       <p:transition spd="slow"/>
     </mc:Fallback>
   </mc:AlternateContent>
@@ -28388,7 +34541,7 @@
           <a:lstStyle/>
           <a:p>
             <a:r>
-              <a:rPr altLang="ko-KR" smtClean="0"/>
+              <a:rPr altLang="ko-KR" dirty="0" smtClean="0"/>
               <a:t>DBMS</a:t>
             </a:r>
             <a:r>
@@ -28396,7 +34549,7 @@
               <a:t>에게 전달된 </a:t>
             </a:r>
             <a:r>
-              <a:rPr altLang="ko-KR" smtClean="0"/>
+              <a:rPr altLang="ko-KR" dirty="0" smtClean="0"/>
               <a:t>SQL </a:t>
             </a:r>
             <a:r>
@@ -28404,7 +34557,7 @@
               <a:t>문장은 </a:t>
             </a:r>
             <a:r>
-              <a:rPr altLang="ko-KR" smtClean="0"/>
+              <a:rPr altLang="ko-KR" dirty="0" smtClean="0"/>
               <a:t>DBMS </a:t>
             </a:r>
             <a:r>
@@ -28412,7 +34565,7 @@
               <a:t>내부에서 </a:t>
             </a:r>
             <a:r>
-              <a:rPr altLang="ko-KR" smtClean="0"/>
+              <a:rPr altLang="ko-KR" dirty="0" smtClean="0"/>
               <a:t>Parsing, </a:t>
             </a:r>
             <a:r>
@@ -28420,13 +34573,13 @@
               <a:t>최적화 등 여러 과정을 거쳐 실행 준비 단계와 실질 실행 단계로 이루어 진다</a:t>
             </a:r>
             <a:r>
-              <a:rPr altLang="ko-KR" smtClean="0"/>
+              <a:rPr altLang="ko-KR" dirty="0" smtClean="0"/>
               <a:t>.</a:t>
             </a:r>
           </a:p>
           <a:p>
             <a:r>
-              <a:rPr altLang="ko-KR" smtClean="0"/>
+              <a:rPr altLang="ko-KR" dirty="0" smtClean="0"/>
               <a:t>PreparedStatement</a:t>
             </a:r>
             <a:r>
@@ -28438,7 +34591,7 @@
               <a:t> 사용하면 준비 단계를 한번만 하도록 하여 전체 성능을 높이는 방안이다</a:t>
             </a:r>
             <a:r>
-              <a:rPr altLang="ko-KR" smtClean="0"/>
+              <a:rPr altLang="ko-KR" dirty="0" smtClean="0"/>
               <a:t>.</a:t>
             </a:r>
             <a:endParaRPr lang="ko-KR" altLang="en-US" dirty="0"/>
@@ -28472,10 +34625,667 @@
           </a:p>
         </p:txBody>
       </p:sp>
+      <mc:AlternateContent xmlns:mc="http://schemas.openxmlformats.org/markup-compatibility/2006">
+        <mc:Choice xmlns:p14="http://schemas.microsoft.com/office/powerpoint/2010/main" Requires="p14">
+          <p:contentPart p14:bwMode="auto" r:id="rId2">
+            <p14:nvContentPartPr>
+              <p14:cNvPr id="5" name="잉크 4"/>
+              <p14:cNvContentPartPr/>
+              <p14:nvPr/>
+            </p14:nvContentPartPr>
+            <p14:xfrm>
+              <a:off x="1559132" y="906517"/>
+              <a:ext cx="4161960" cy="106200"/>
+            </p14:xfrm>
+          </p:contentPart>
+        </mc:Choice>
+        <mc:Fallback>
+          <p:pic>
+            <p:nvPicPr>
+              <p:cNvPr id="5" name="잉크 4"/>
+              <p:cNvPicPr/>
+              <p:nvPr/>
+            </p:nvPicPr>
+            <p:blipFill>
+              <a:blip r:embed="rId3"/>
+              <a:stretch>
+                <a:fillRect/>
+              </a:stretch>
+            </p:blipFill>
+            <p:spPr>
+              <a:xfrm>
+                <a:off x="1547252" y="894637"/>
+                <a:ext cx="4185720" cy="129960"/>
+              </a:xfrm>
+              <a:prstGeom prst="rect">
+                <a:avLst/>
+              </a:prstGeom>
+            </p:spPr>
+          </p:pic>
+        </mc:Fallback>
+      </mc:AlternateContent>
+      <mc:AlternateContent xmlns:mc="http://schemas.openxmlformats.org/markup-compatibility/2006">
+        <mc:Choice xmlns:p14="http://schemas.microsoft.com/office/powerpoint/2010/main" Requires="p14">
+          <p:contentPart p14:bwMode="auto" r:id="rId4">
+            <p14:nvContentPartPr>
+              <p14:cNvPr id="7" name="잉크 6"/>
+              <p14:cNvContentPartPr/>
+              <p14:nvPr/>
+            </p14:nvContentPartPr>
+            <p14:xfrm>
+              <a:off x="844172" y="58717"/>
+              <a:ext cx="1043640" cy="621720"/>
+            </p14:xfrm>
+          </p:contentPart>
+        </mc:Choice>
+        <mc:Fallback>
+          <p:pic>
+            <p:nvPicPr>
+              <p:cNvPr id="7" name="잉크 6"/>
+              <p:cNvPicPr/>
+              <p:nvPr/>
+            </p:nvPicPr>
+            <p:blipFill>
+              <a:blip r:embed="rId5"/>
+              <a:stretch>
+                <a:fillRect/>
+              </a:stretch>
+            </p:blipFill>
+            <p:spPr>
+              <a:xfrm>
+                <a:off x="832292" y="46837"/>
+                <a:ext cx="1067400" cy="645480"/>
+              </a:xfrm>
+              <a:prstGeom prst="rect">
+                <a:avLst/>
+              </a:prstGeom>
+            </p:spPr>
+          </p:pic>
+        </mc:Fallback>
+      </mc:AlternateContent>
+      <mc:AlternateContent xmlns:mc="http://schemas.openxmlformats.org/markup-compatibility/2006">
+        <mc:Choice xmlns:p14="http://schemas.microsoft.com/office/powerpoint/2010/main" Requires="p14">
+          <p:contentPart p14:bwMode="auto" r:id="rId6">
+            <p14:nvContentPartPr>
+              <p14:cNvPr id="9" name="잉크 8"/>
+              <p14:cNvContentPartPr/>
+              <p14:nvPr/>
+            </p14:nvContentPartPr>
+            <p14:xfrm>
+              <a:off x="3130172" y="2508877"/>
+              <a:ext cx="1958040" cy="54360"/>
+            </p14:xfrm>
+          </p:contentPart>
+        </mc:Choice>
+        <mc:Fallback>
+          <p:pic>
+            <p:nvPicPr>
+              <p:cNvPr id="9" name="잉크 8"/>
+              <p:cNvPicPr/>
+              <p:nvPr/>
+            </p:nvPicPr>
+            <p:blipFill>
+              <a:blip r:embed="rId7"/>
+              <a:stretch>
+                <a:fillRect/>
+              </a:stretch>
+            </p:blipFill>
+            <p:spPr>
+              <a:xfrm>
+                <a:off x="3118292" y="2496997"/>
+                <a:ext cx="1981800" cy="78120"/>
+              </a:xfrm>
+              <a:prstGeom prst="rect">
+                <a:avLst/>
+              </a:prstGeom>
+            </p:spPr>
+          </p:pic>
+        </mc:Fallback>
+      </mc:AlternateContent>
+      <mc:AlternateContent xmlns:mc="http://schemas.openxmlformats.org/markup-compatibility/2006">
+        <mc:Choice xmlns:p14="http://schemas.microsoft.com/office/powerpoint/2010/main" Requires="p14">
+          <p:contentPart p14:bwMode="auto" r:id="rId8">
+            <p14:nvContentPartPr>
+              <p14:cNvPr id="12" name="잉크 11"/>
+              <p14:cNvContentPartPr/>
+              <p14:nvPr/>
+            </p14:nvContentPartPr>
+            <p14:xfrm>
+              <a:off x="6213212" y="2150677"/>
+              <a:ext cx="1723680" cy="30240"/>
+            </p14:xfrm>
+          </p:contentPart>
+        </mc:Choice>
+        <mc:Fallback>
+          <p:pic>
+            <p:nvPicPr>
+              <p:cNvPr id="12" name="잉크 11"/>
+              <p:cNvPicPr/>
+              <p:nvPr/>
+            </p:nvPicPr>
+            <p:blipFill>
+              <a:blip r:embed="rId9"/>
+              <a:stretch>
+                <a:fillRect/>
+              </a:stretch>
+            </p:blipFill>
+            <p:spPr>
+              <a:xfrm>
+                <a:off x="6201332" y="2138797"/>
+                <a:ext cx="1747440" cy="54000"/>
+              </a:xfrm>
+              <a:prstGeom prst="rect">
+                <a:avLst/>
+              </a:prstGeom>
+            </p:spPr>
+          </p:pic>
+        </mc:Fallback>
+      </mc:AlternateContent>
+      <mc:AlternateContent xmlns:mc="http://schemas.openxmlformats.org/markup-compatibility/2006">
+        <mc:Choice xmlns:p14="http://schemas.microsoft.com/office/powerpoint/2010/main" Requires="p14">
+          <p:contentPart p14:bwMode="auto" r:id="rId10">
+            <p14:nvContentPartPr>
+              <p14:cNvPr id="13" name="잉크 12"/>
+              <p14:cNvContentPartPr/>
+              <p14:nvPr/>
+            </p14:nvContentPartPr>
+            <p14:xfrm>
+              <a:off x="5896772" y="2520397"/>
+              <a:ext cx="387000" cy="360"/>
+            </p14:xfrm>
+          </p:contentPart>
+        </mc:Choice>
+        <mc:Fallback>
+          <p:pic>
+            <p:nvPicPr>
+              <p:cNvPr id="13" name="잉크 12"/>
+              <p:cNvPicPr/>
+              <p:nvPr/>
+            </p:nvPicPr>
+            <p:blipFill>
+              <a:blip r:embed="rId11"/>
+              <a:stretch>
+                <a:fillRect/>
+              </a:stretch>
+            </p:blipFill>
+            <p:spPr>
+              <a:xfrm>
+                <a:off x="5884892" y="2508517"/>
+                <a:ext cx="410760" cy="24120"/>
+              </a:xfrm>
+              <a:prstGeom prst="rect">
+                <a:avLst/>
+              </a:prstGeom>
+            </p:spPr>
+          </p:pic>
+        </mc:Fallback>
+      </mc:AlternateContent>
+      <mc:AlternateContent xmlns:mc="http://schemas.openxmlformats.org/markup-compatibility/2006">
+        <mc:Choice xmlns:p14="http://schemas.microsoft.com/office/powerpoint/2010/main" Requires="p14">
+          <p:contentPart p14:bwMode="auto" r:id="rId12">
+            <p14:nvContentPartPr>
+              <p14:cNvPr id="15" name="잉크 14"/>
+              <p14:cNvContentPartPr/>
+              <p14:nvPr/>
+            </p14:nvContentPartPr>
+            <p14:xfrm>
+              <a:off x="973052" y="3153637"/>
+              <a:ext cx="2052000" cy="360"/>
+            </p14:xfrm>
+          </p:contentPart>
+        </mc:Choice>
+        <mc:Fallback>
+          <p:pic>
+            <p:nvPicPr>
+              <p:cNvPr id="15" name="잉크 14"/>
+              <p:cNvPicPr/>
+              <p:nvPr/>
+            </p:nvPicPr>
+            <p:blipFill>
+              <a:blip r:embed="rId13"/>
+              <a:stretch>
+                <a:fillRect/>
+              </a:stretch>
+            </p:blipFill>
+            <p:spPr>
+              <a:xfrm>
+                <a:off x="961172" y="3141757"/>
+                <a:ext cx="2075760" cy="24120"/>
+              </a:xfrm>
+              <a:prstGeom prst="rect">
+                <a:avLst/>
+              </a:prstGeom>
+            </p:spPr>
+          </p:pic>
+        </mc:Fallback>
+      </mc:AlternateContent>
+      <mc:AlternateContent xmlns:mc="http://schemas.openxmlformats.org/markup-compatibility/2006">
+        <mc:Choice xmlns:p14="http://schemas.microsoft.com/office/powerpoint/2010/main" Requires="p14">
+          <p:contentPart p14:bwMode="auto" r:id="rId14">
+            <p14:nvContentPartPr>
+              <p14:cNvPr id="18" name="잉크 17"/>
+              <p14:cNvContentPartPr/>
+              <p14:nvPr/>
+            </p14:nvContentPartPr>
+            <p14:xfrm>
+              <a:off x="6283412" y="3188557"/>
+              <a:ext cx="2122560" cy="360"/>
+            </p14:xfrm>
+          </p:contentPart>
+        </mc:Choice>
+        <mc:Fallback>
+          <p:pic>
+            <p:nvPicPr>
+              <p:cNvPr id="18" name="잉크 17"/>
+              <p:cNvPicPr/>
+              <p:nvPr/>
+            </p:nvPicPr>
+            <p:blipFill>
+              <a:blip r:embed="rId15"/>
+              <a:stretch>
+                <a:fillRect/>
+              </a:stretch>
+            </p:blipFill>
+            <p:spPr>
+              <a:xfrm>
+                <a:off x="6271532" y="3176677"/>
+                <a:ext cx="2146320" cy="24120"/>
+              </a:xfrm>
+              <a:prstGeom prst="rect">
+                <a:avLst/>
+              </a:prstGeom>
+            </p:spPr>
+          </p:pic>
+        </mc:Fallback>
+      </mc:AlternateContent>
+      <mc:AlternateContent xmlns:mc="http://schemas.openxmlformats.org/markup-compatibility/2006">
+        <mc:Choice xmlns:p14="http://schemas.microsoft.com/office/powerpoint/2010/main" Requires="p14">
+          <p:contentPart p14:bwMode="auto" r:id="rId16">
+            <p14:nvContentPartPr>
+              <p14:cNvPr id="19" name="잉크 18"/>
+              <p14:cNvContentPartPr/>
+              <p14:nvPr/>
+            </p14:nvContentPartPr>
+            <p14:xfrm>
+              <a:off x="4782932" y="3211957"/>
+              <a:ext cx="1841040" cy="58680"/>
+            </p14:xfrm>
+          </p:contentPart>
+        </mc:Choice>
+        <mc:Fallback>
+          <p:pic>
+            <p:nvPicPr>
+              <p:cNvPr id="19" name="잉크 18"/>
+              <p:cNvPicPr/>
+              <p:nvPr/>
+            </p:nvPicPr>
+            <p:blipFill>
+              <a:blip r:embed="rId17"/>
+              <a:stretch>
+                <a:fillRect/>
+              </a:stretch>
+            </p:blipFill>
+            <p:spPr>
+              <a:xfrm>
+                <a:off x="4771052" y="3200077"/>
+                <a:ext cx="1864800" cy="82440"/>
+              </a:xfrm>
+              <a:prstGeom prst="rect">
+                <a:avLst/>
+              </a:prstGeom>
+            </p:spPr>
+          </p:pic>
+        </mc:Fallback>
+      </mc:AlternateContent>
+      <mc:AlternateContent xmlns:mc="http://schemas.openxmlformats.org/markup-compatibility/2006">
+        <mc:Choice xmlns:p14="http://schemas.microsoft.com/office/powerpoint/2010/main" Requires="p14">
+          <p:contentPart p14:bwMode="auto" r:id="rId18">
+            <p14:nvContentPartPr>
+              <p14:cNvPr id="23" name="잉크 22"/>
+              <p14:cNvContentPartPr/>
+              <p14:nvPr/>
+            </p14:nvContentPartPr>
+            <p14:xfrm>
+              <a:off x="1391732" y="3159397"/>
+              <a:ext cx="807480" cy="486720"/>
+            </p14:xfrm>
+          </p:contentPart>
+        </mc:Choice>
+        <mc:Fallback>
+          <p:pic>
+            <p:nvPicPr>
+              <p:cNvPr id="23" name="잉크 22"/>
+              <p:cNvPicPr/>
+              <p:nvPr/>
+            </p:nvPicPr>
+            <p:blipFill>
+              <a:blip r:embed="rId19"/>
+              <a:stretch>
+                <a:fillRect/>
+              </a:stretch>
+            </p:blipFill>
+            <p:spPr>
+              <a:xfrm>
+                <a:off x="1379852" y="3147517"/>
+                <a:ext cx="831240" cy="510480"/>
+              </a:xfrm>
+              <a:prstGeom prst="rect">
+                <a:avLst/>
+              </a:prstGeom>
+            </p:spPr>
+          </p:pic>
+        </mc:Fallback>
+      </mc:AlternateContent>
+      <mc:AlternateContent xmlns:mc="http://schemas.openxmlformats.org/markup-compatibility/2006">
+        <mc:Choice xmlns:p14="http://schemas.microsoft.com/office/powerpoint/2010/main" Requires="p14">
+          <p:contentPart p14:bwMode="auto" r:id="rId20">
+            <p14:nvContentPartPr>
+              <p14:cNvPr id="24" name="잉크 23"/>
+              <p14:cNvContentPartPr/>
+              <p14:nvPr/>
+            </p14:nvContentPartPr>
+            <p14:xfrm>
+              <a:off x="654452" y="3888397"/>
+              <a:ext cx="2336760" cy="2079000"/>
+            </p14:xfrm>
+          </p:contentPart>
+        </mc:Choice>
+        <mc:Fallback>
+          <p:pic>
+            <p:nvPicPr>
+              <p:cNvPr id="24" name="잉크 23"/>
+              <p:cNvPicPr/>
+              <p:nvPr/>
+            </p:nvPicPr>
+            <p:blipFill>
+              <a:blip r:embed="rId21"/>
+              <a:stretch>
+                <a:fillRect/>
+              </a:stretch>
+            </p:blipFill>
+            <p:spPr>
+              <a:xfrm>
+                <a:off x="642572" y="3876517"/>
+                <a:ext cx="2360520" cy="2102760"/>
+              </a:xfrm>
+              <a:prstGeom prst="rect">
+                <a:avLst/>
+              </a:prstGeom>
+            </p:spPr>
+          </p:pic>
+        </mc:Fallback>
+      </mc:AlternateContent>
+      <mc:AlternateContent xmlns:mc="http://schemas.openxmlformats.org/markup-compatibility/2006">
+        <mc:Choice xmlns:p14="http://schemas.microsoft.com/office/powerpoint/2010/main" Requires="p14">
+          <p:contentPart p14:bwMode="auto" r:id="rId22">
+            <p14:nvContentPartPr>
+              <p14:cNvPr id="30" name="잉크 29"/>
+              <p14:cNvContentPartPr/>
+              <p14:nvPr/>
+            </p14:nvContentPartPr>
+            <p14:xfrm>
+              <a:off x="1371572" y="4056157"/>
+              <a:ext cx="563040" cy="450000"/>
+            </p14:xfrm>
+          </p:contentPart>
+        </mc:Choice>
+        <mc:Fallback>
+          <p:pic>
+            <p:nvPicPr>
+              <p:cNvPr id="30" name="잉크 29"/>
+              <p:cNvPicPr/>
+              <p:nvPr/>
+            </p:nvPicPr>
+            <p:blipFill>
+              <a:blip r:embed="rId23"/>
+              <a:stretch>
+                <a:fillRect/>
+              </a:stretch>
+            </p:blipFill>
+            <p:spPr>
+              <a:xfrm>
+                <a:off x="1359692" y="4044277"/>
+                <a:ext cx="586800" cy="473760"/>
+              </a:xfrm>
+              <a:prstGeom prst="rect">
+                <a:avLst/>
+              </a:prstGeom>
+            </p:spPr>
+          </p:pic>
+        </mc:Fallback>
+      </mc:AlternateContent>
+      <mc:AlternateContent xmlns:mc="http://schemas.openxmlformats.org/markup-compatibility/2006">
+        <mc:Choice xmlns:p14="http://schemas.microsoft.com/office/powerpoint/2010/main" Requires="p14">
+          <p:contentPart p14:bwMode="auto" r:id="rId24">
+            <p14:nvContentPartPr>
+              <p14:cNvPr id="37" name="잉크 36"/>
+              <p14:cNvContentPartPr/>
+              <p14:nvPr/>
+            </p14:nvContentPartPr>
+            <p14:xfrm>
+              <a:off x="890972" y="4805677"/>
+              <a:ext cx="199800" cy="12960"/>
+            </p14:xfrm>
+          </p:contentPart>
+        </mc:Choice>
+        <mc:Fallback>
+          <p:pic>
+            <p:nvPicPr>
+              <p:cNvPr id="37" name="잉크 36"/>
+              <p:cNvPicPr/>
+              <p:nvPr/>
+            </p:nvPicPr>
+            <p:blipFill>
+              <a:blip r:embed="rId25"/>
+              <a:stretch>
+                <a:fillRect/>
+              </a:stretch>
+            </p:blipFill>
+            <p:spPr>
+              <a:xfrm>
+                <a:off x="879092" y="4793797"/>
+                <a:ext cx="223560" cy="36720"/>
+              </a:xfrm>
+              <a:prstGeom prst="rect">
+                <a:avLst/>
+              </a:prstGeom>
+            </p:spPr>
+          </p:pic>
+        </mc:Fallback>
+      </mc:AlternateContent>
+      <mc:AlternateContent xmlns:mc="http://schemas.openxmlformats.org/markup-compatibility/2006">
+        <mc:Choice xmlns:p14="http://schemas.microsoft.com/office/powerpoint/2010/main" Requires="p14">
+          <p:contentPart p14:bwMode="auto" r:id="rId26">
+            <p14:nvContentPartPr>
+              <p14:cNvPr id="38" name="잉크 37"/>
+              <p14:cNvContentPartPr/>
+              <p14:nvPr/>
+            </p14:nvContentPartPr>
+            <p14:xfrm>
+              <a:off x="1090412" y="4806397"/>
+              <a:ext cx="24480" cy="117720"/>
+            </p14:xfrm>
+          </p:contentPart>
+        </mc:Choice>
+        <mc:Fallback>
+          <p:pic>
+            <p:nvPicPr>
+              <p:cNvPr id="38" name="잉크 37"/>
+              <p:cNvPicPr/>
+              <p:nvPr/>
+            </p:nvPicPr>
+            <p:blipFill>
+              <a:blip r:embed="rId27"/>
+              <a:stretch>
+                <a:fillRect/>
+              </a:stretch>
+            </p:blipFill>
+            <p:spPr>
+              <a:xfrm>
+                <a:off x="1078532" y="4794517"/>
+                <a:ext cx="48240" cy="141480"/>
+              </a:xfrm>
+              <a:prstGeom prst="rect">
+                <a:avLst/>
+              </a:prstGeom>
+            </p:spPr>
+          </p:pic>
+        </mc:Fallback>
+      </mc:AlternateContent>
+      <p:sp>
+        <p:nvSpPr>
+          <p:cNvPr id="39" name="TextBox 38"/>
+          <p:cNvSpPr txBox="1"/>
+          <p:nvPr/>
+        </p:nvSpPr>
+        <p:spPr>
+          <a:xfrm>
+            <a:off x="3130172" y="4056157"/>
+            <a:ext cx="2183611" cy="2062103"/>
+          </a:xfrm>
+          <a:prstGeom prst="rect">
+            <a:avLst/>
+          </a:prstGeom>
+          <a:noFill/>
+        </p:spPr>
+        <p:txBody>
+          <a:bodyPr wrap="none" rtlCol="0">
+            <a:spAutoFit/>
+          </a:bodyPr>
+          <a:lstStyle/>
+          <a:p>
+            <a:r>
+              <a:rPr lang="en-US" altLang="ko-KR" sz="1600" dirty="0" smtClean="0">
+                <a:latin typeface="HY바다L" pitchFamily="18" charset="-127"/>
+                <a:ea typeface="HY바다L" pitchFamily="18" charset="-127"/>
+              </a:rPr>
+              <a:t>&lt;</a:t>
+            </a:r>
+            <a:r>
+              <a:rPr lang="ko-KR" altLang="en-US" sz="1600" dirty="0" err="1" smtClean="0">
+                <a:latin typeface="HY바다L" pitchFamily="18" charset="-127"/>
+                <a:ea typeface="HY바다L" pitchFamily="18" charset="-127"/>
+              </a:rPr>
+              <a:t>자바세상</a:t>
+            </a:r>
+            <a:r>
+              <a:rPr lang="en-US" altLang="ko-KR" sz="1600" dirty="0" smtClean="0">
+                <a:latin typeface="HY바다L" pitchFamily="18" charset="-127"/>
+                <a:ea typeface="HY바다L" pitchFamily="18" charset="-127"/>
+              </a:rPr>
+              <a:t>&gt;</a:t>
+            </a:r>
+          </a:p>
+          <a:p>
+            <a:r>
+              <a:rPr lang="en-US" altLang="ko-KR" sz="1600" dirty="0" smtClean="0">
+                <a:latin typeface="HY바다L" pitchFamily="18" charset="-127"/>
+                <a:ea typeface="HY바다L" pitchFamily="18" charset="-127"/>
+              </a:rPr>
+              <a:t>-Thread</a:t>
+            </a:r>
+          </a:p>
+          <a:p>
+            <a:r>
+              <a:rPr lang="en-US" altLang="ko-KR" sz="1600" dirty="0" smtClean="0">
+                <a:latin typeface="HY바다L" pitchFamily="18" charset="-127"/>
+                <a:ea typeface="HY바다L" pitchFamily="18" charset="-127"/>
+              </a:rPr>
+              <a:t>-buffer</a:t>
+            </a:r>
+          </a:p>
+          <a:p>
+            <a:pPr marL="285750" indent="-285750">
+              <a:buFontTx/>
+              <a:buChar char="-"/>
+            </a:pPr>
+            <a:r>
+              <a:rPr lang="en-US" altLang="ko-KR" sz="1600" dirty="0" smtClean="0">
+                <a:latin typeface="HY바다L" pitchFamily="18" charset="-127"/>
+                <a:ea typeface="HY바다L" pitchFamily="18" charset="-127"/>
+              </a:rPr>
+              <a:t>&gt;&gt; &lt;&lt;</a:t>
+            </a:r>
+          </a:p>
+          <a:p>
+            <a:pPr marL="285750" indent="-285750">
+              <a:buFontTx/>
+              <a:buChar char="-"/>
+            </a:pPr>
+            <a:r>
+              <a:rPr lang="ko-KR" altLang="en-US" sz="1600" dirty="0" smtClean="0">
+                <a:latin typeface="HY바다L" pitchFamily="18" charset="-127"/>
+                <a:ea typeface="HY바다L" pitchFamily="18" charset="-127"/>
+              </a:rPr>
+              <a:t>정렬</a:t>
+            </a:r>
+            <a:r>
+              <a:rPr lang="en-US" altLang="ko-KR" sz="1600" dirty="0" smtClean="0">
+                <a:latin typeface="HY바다L" pitchFamily="18" charset="-127"/>
+                <a:ea typeface="HY바다L" pitchFamily="18" charset="-127"/>
+              </a:rPr>
+              <a:t>(</a:t>
+            </a:r>
+            <a:r>
+              <a:rPr lang="en-US" altLang="ko-KR" sz="1600" dirty="0" smtClean="0">
+                <a:latin typeface="HY바다L" pitchFamily="18" charset="-127"/>
+                <a:ea typeface="HY바다L" pitchFamily="18" charset="-127"/>
+              </a:rPr>
+              <a:t>sort)</a:t>
+            </a:r>
+          </a:p>
+          <a:p>
+            <a:pPr marL="285750" indent="-285750">
+              <a:buFontTx/>
+              <a:buChar char="-"/>
+            </a:pPr>
+            <a:r>
+              <a:rPr lang="ko-KR" altLang="en-US" sz="1600" dirty="0" err="1" smtClean="0">
+                <a:latin typeface="HY바다L" pitchFamily="18" charset="-127"/>
+                <a:ea typeface="HY바다L" pitchFamily="18" charset="-127"/>
+              </a:rPr>
+              <a:t>연산복잡도</a:t>
+            </a:r>
+            <a:r>
+              <a:rPr lang="ko-KR" altLang="en-US" sz="1600" dirty="0" smtClean="0">
+                <a:latin typeface="HY바다L" pitchFamily="18" charset="-127"/>
+                <a:ea typeface="HY바다L" pitchFamily="18" charset="-127"/>
+              </a:rPr>
+              <a:t> 낮추기</a:t>
+            </a:r>
+            <a:endParaRPr lang="en-US" altLang="ko-KR" sz="1600" dirty="0" smtClean="0">
+              <a:latin typeface="HY바다L" pitchFamily="18" charset="-127"/>
+              <a:ea typeface="HY바다L" pitchFamily="18" charset="-127"/>
+            </a:endParaRPr>
+          </a:p>
+          <a:p>
+            <a:r>
+              <a:rPr lang="en-US" altLang="ko-KR" sz="1600" dirty="0" smtClean="0">
+                <a:latin typeface="HY바다L" pitchFamily="18" charset="-127"/>
+                <a:ea typeface="HY바다L" pitchFamily="18" charset="-127"/>
+              </a:rPr>
+              <a:t>&lt;DB&gt;</a:t>
+            </a:r>
+          </a:p>
+          <a:p>
+            <a:r>
+              <a:rPr lang="en-US" altLang="ko-KR" sz="1600" dirty="0" smtClean="0">
+                <a:latin typeface="HY바다L" pitchFamily="18" charset="-127"/>
+                <a:ea typeface="HY바다L" pitchFamily="18" charset="-127"/>
+              </a:rPr>
+              <a:t>-PreparedStatement</a:t>
+            </a:r>
+            <a:endParaRPr lang="ko-KR" altLang="en-US" sz="1600" dirty="0" smtClean="0">
+              <a:latin typeface="HY바다L" pitchFamily="18" charset="-127"/>
+              <a:ea typeface="HY바다L" pitchFamily="18" charset="-127"/>
+            </a:endParaRPr>
+          </a:p>
+        </p:txBody>
+      </p:sp>
     </p:spTree>
     <p:extLst>
       <p:ext uri="{BB962C8B-B14F-4D97-AF65-F5344CB8AC3E}">
-        <p14:creationId xmlns:p14="http://schemas.microsoft.com/office/powerpoint/2010/main" xmlns="" val="2809664091"/>
+        <p14:creationId xmlns:p14="http://schemas.microsoft.com/office/powerpoint/2010/main" val="2809664091"/>
       </p:ext>
     </p:extLst>
   </p:cSld>
@@ -28584,7 +35394,7 @@
           <a:blip r:embed="rId2">
             <a:extLst>
               <a:ext uri="{28A0092B-C50C-407E-A947-70E740481C1C}">
-                <a14:useLocalDpi xmlns:a14="http://schemas.microsoft.com/office/drawing/2010/main" xmlns="" val="0"/>
+                <a14:useLocalDpi xmlns:a14="http://schemas.microsoft.com/office/drawing/2010/main" val="0"/>
               </a:ext>
             </a:extLst>
           </a:blip>
@@ -28607,14 +35417,14 @@
           </a:ln>
           <a:extLst>
             <a:ext uri="{909E8E84-426E-40DD-AFC4-6F175D3DCCD1}">
-              <a14:hiddenFill xmlns:a14="http://schemas.microsoft.com/office/drawing/2010/main" xmlns="">
+              <a14:hiddenFill xmlns:a14="http://schemas.microsoft.com/office/drawing/2010/main">
                 <a:solidFill>
                   <a:schemeClr val="accent1"/>
                 </a:solidFill>
               </a14:hiddenFill>
             </a:ext>
             <a:ext uri="{91240B29-F687-4F45-9708-019B960494DF}">
-              <a14:hiddenLine xmlns:a14="http://schemas.microsoft.com/office/drawing/2010/main" xmlns="" w="9525">
+              <a14:hiddenLine xmlns:a14="http://schemas.microsoft.com/office/drawing/2010/main" w="9525">
                 <a:solidFill>
                   <a:schemeClr val="tx1"/>
                 </a:solidFill>
@@ -28629,7 +35439,7 @@
     </p:spTree>
     <p:extLst>
       <p:ext uri="{BB962C8B-B14F-4D97-AF65-F5344CB8AC3E}">
-        <p14:creationId xmlns:p14="http://schemas.microsoft.com/office/powerpoint/2010/main" xmlns="" val="2809664091"/>
+        <p14:creationId xmlns:p14="http://schemas.microsoft.com/office/powerpoint/2010/main" val="2809664091"/>
       </p:ext>
     </p:extLst>
   </p:cSld>
@@ -29887,21 +36697,99 @@
           </a:p>
         </p:txBody>
       </p:sp>
+      <mc:AlternateContent xmlns:mc="http://schemas.openxmlformats.org/markup-compatibility/2006">
+        <mc:Choice xmlns:p14="http://schemas.microsoft.com/office/powerpoint/2010/main" Requires="p14">
+          <p:contentPart p14:bwMode="auto" r:id="rId2">
+            <p14:nvContentPartPr>
+              <p14:cNvPr id="2" name="잉크 1"/>
+              <p14:cNvContentPartPr/>
+              <p14:nvPr/>
+            </p14:nvContentPartPr>
+            <p14:xfrm>
+              <a:off x="1581092" y="1763160"/>
+              <a:ext cx="836280" cy="299880"/>
+            </p14:xfrm>
+          </p:contentPart>
+        </mc:Choice>
+        <mc:Fallback>
+          <p:pic>
+            <p:nvPicPr>
+              <p:cNvPr id="2" name="잉크 1"/>
+              <p:cNvPicPr/>
+              <p:nvPr/>
+            </p:nvPicPr>
+            <p:blipFill>
+              <a:blip r:embed="rId3"/>
+              <a:stretch>
+                <a:fillRect/>
+              </a:stretch>
+            </p:blipFill>
+            <p:spPr>
+              <a:xfrm>
+                <a:off x="1569212" y="1751280"/>
+                <a:ext cx="860040" cy="323640"/>
+              </a:xfrm>
+              <a:prstGeom prst="rect">
+                <a:avLst/>
+              </a:prstGeom>
+            </p:spPr>
+          </p:pic>
+        </mc:Fallback>
+      </mc:AlternateContent>
+      <mc:AlternateContent xmlns:mc="http://schemas.openxmlformats.org/markup-compatibility/2006">
+        <mc:Choice xmlns:p14="http://schemas.microsoft.com/office/powerpoint/2010/main" Requires="p14">
+          <p:contentPart p14:bwMode="auto" r:id="rId4">
+            <p14:nvContentPartPr>
+              <p14:cNvPr id="3" name="잉크 2"/>
+              <p14:cNvContentPartPr/>
+              <p14:nvPr/>
+            </p14:nvContentPartPr>
+            <p14:xfrm>
+              <a:off x="2495132" y="3939000"/>
+              <a:ext cx="131040" cy="164520"/>
+            </p14:xfrm>
+          </p:contentPart>
+        </mc:Choice>
+        <mc:Fallback>
+          <p:pic>
+            <p:nvPicPr>
+              <p:cNvPr id="3" name="잉크 2"/>
+              <p:cNvPicPr/>
+              <p:nvPr/>
+            </p:nvPicPr>
+            <p:blipFill>
+              <a:blip r:embed="rId5"/>
+              <a:stretch>
+                <a:fillRect/>
+              </a:stretch>
+            </p:blipFill>
+            <p:spPr>
+              <a:xfrm>
+                <a:off x="2483252" y="3927120"/>
+                <a:ext cx="154800" cy="188280"/>
+              </a:xfrm>
+              <a:prstGeom prst="rect">
+                <a:avLst/>
+              </a:prstGeom>
+            </p:spPr>
+          </p:pic>
+        </mc:Fallback>
+      </mc:AlternateContent>
     </p:spTree>
     <p:extLst>
       <p:ext uri="{BB962C8B-B14F-4D97-AF65-F5344CB8AC3E}">
-        <p14:creationId xmlns:p14="http://schemas.microsoft.com/office/powerpoint/2010/main" xmlns="" val="3810378254"/>
+        <p14:creationId xmlns:p14="http://schemas.microsoft.com/office/powerpoint/2010/main" val="3810378254"/>
       </p:ext>
     </p:extLst>
   </p:cSld>
   <p:clrMapOvr>
     <a:masterClrMapping/>
   </p:clrMapOvr>
-  <mc:AlternateContent xmlns:mc="http://schemas.openxmlformats.org/markup-compatibility/2006">
-    <mc:Choice xmlns:p14="http://schemas.microsoft.com/office/powerpoint/2010/main" xmlns="" Requires="p14">
+  <mc:AlternateContent xmlns:mc="http://schemas.openxmlformats.org/markup-compatibility/2006" xmlns:p14="http://schemas.microsoft.com/office/powerpoint/2010/main">
+    <mc:Choice Requires="p14">
       <p:transition spd="slow" p14:dur="2000"/>
     </mc:Choice>
-    <mc:Fallback>
+    <mc:Fallback xmlns="">
       <p:transition spd="slow"/>
     </mc:Fallback>
   </mc:AlternateContent>
@@ -30646,18 +37534,18 @@
     </p:spTree>
     <p:extLst>
       <p:ext uri="{BB962C8B-B14F-4D97-AF65-F5344CB8AC3E}">
-        <p14:creationId xmlns:p14="http://schemas.microsoft.com/office/powerpoint/2010/main" xmlns="" val="803500781"/>
+        <p14:creationId xmlns:p14="http://schemas.microsoft.com/office/powerpoint/2010/main" val="803500781"/>
       </p:ext>
     </p:extLst>
   </p:cSld>
   <p:clrMapOvr>
     <a:masterClrMapping/>
   </p:clrMapOvr>
-  <mc:AlternateContent xmlns:mc="http://schemas.openxmlformats.org/markup-compatibility/2006">
-    <mc:Choice xmlns:p14="http://schemas.microsoft.com/office/powerpoint/2010/main" xmlns="" Requires="p14">
+  <mc:AlternateContent xmlns:mc="http://schemas.openxmlformats.org/markup-compatibility/2006" xmlns:p14="http://schemas.microsoft.com/office/powerpoint/2010/main">
+    <mc:Choice Requires="p14">
       <p:transition spd="slow" p14:dur="2000"/>
     </mc:Choice>
-    <mc:Fallback>
+    <mc:Fallback xmlns="">
       <p:transition spd="slow"/>
     </mc:Fallback>
   </mc:AlternateContent>
@@ -31569,18 +38457,18 @@
     </p:spTree>
     <p:extLst>
       <p:ext uri="{BB962C8B-B14F-4D97-AF65-F5344CB8AC3E}">
-        <p14:creationId xmlns:p14="http://schemas.microsoft.com/office/powerpoint/2010/main" xmlns="" val="1849653141"/>
+        <p14:creationId xmlns:p14="http://schemas.microsoft.com/office/powerpoint/2010/main" val="1849653141"/>
       </p:ext>
     </p:extLst>
   </p:cSld>
   <p:clrMapOvr>
     <a:masterClrMapping/>
   </p:clrMapOvr>
-  <mc:AlternateContent xmlns:mc="http://schemas.openxmlformats.org/markup-compatibility/2006">
-    <mc:Choice xmlns:p14="http://schemas.microsoft.com/office/powerpoint/2010/main" xmlns="" Requires="p14">
+  <mc:AlternateContent xmlns:mc="http://schemas.openxmlformats.org/markup-compatibility/2006" xmlns:p14="http://schemas.microsoft.com/office/powerpoint/2010/main">
+    <mc:Choice Requires="p14">
       <p:transition spd="slow" p14:dur="2000"/>
     </mc:Choice>
-    <mc:Fallback>
+    <mc:Fallback xmlns="">
       <p:transition spd="slow"/>
     </mc:Fallback>
   </mc:AlternateContent>
@@ -32626,18 +39514,18 @@
     </p:spTree>
     <p:extLst>
       <p:ext uri="{BB962C8B-B14F-4D97-AF65-F5344CB8AC3E}">
-        <p14:creationId xmlns:p14="http://schemas.microsoft.com/office/powerpoint/2010/main" xmlns="" val="44024085"/>
+        <p14:creationId xmlns:p14="http://schemas.microsoft.com/office/powerpoint/2010/main" val="44024085"/>
       </p:ext>
     </p:extLst>
   </p:cSld>
   <p:clrMapOvr>
     <a:masterClrMapping/>
   </p:clrMapOvr>
-  <mc:AlternateContent xmlns:mc="http://schemas.openxmlformats.org/markup-compatibility/2006">
-    <mc:Choice xmlns:p14="http://schemas.microsoft.com/office/powerpoint/2010/main" xmlns="" Requires="p14">
+  <mc:AlternateContent xmlns:mc="http://schemas.openxmlformats.org/markup-compatibility/2006" xmlns:p14="http://schemas.microsoft.com/office/powerpoint/2010/main">
+    <mc:Choice Requires="p14">
       <p:transition spd="slow" p14:dur="2000"/>
     </mc:Choice>
-    <mc:Fallback>
+    <mc:Fallback xmlns="">
       <p:transition spd="slow"/>
     </mc:Fallback>
   </mc:AlternateContent>
@@ -32700,7 +39588,7 @@
           <a:blip r:embed="rId2" cstate="print">
             <a:extLst>
               <a:ext uri="{28A0092B-C50C-407E-A947-70E740481C1C}">
-                <a14:useLocalDpi xmlns:a14="http://schemas.microsoft.com/office/drawing/2010/main" xmlns="" val="0"/>
+                <a14:useLocalDpi xmlns:a14="http://schemas.microsoft.com/office/drawing/2010/main" val="0"/>
               </a:ext>
             </a:extLst>
           </a:blip>
@@ -32720,7 +39608,7 @@
           <a:noFill/>
           <a:extLst>
             <a:ext uri="{909E8E84-426E-40DD-AFC4-6F175D3DCCD1}">
-              <a14:hiddenFill xmlns:a14="http://schemas.microsoft.com/office/drawing/2010/main" xmlns="">
+              <a14:hiddenFill xmlns:a14="http://schemas.microsoft.com/office/drawing/2010/main">
                 <a:solidFill>
                   <a:srgbClr val="FFFFFF"/>
                 </a:solidFill>
@@ -32741,7 +39629,7 @@
           <a:blip r:embed="rId3" cstate="print">
             <a:extLst>
               <a:ext uri="{28A0092B-C50C-407E-A947-70E740481C1C}">
-                <a14:useLocalDpi xmlns:a14="http://schemas.microsoft.com/office/drawing/2010/main" xmlns="" val="0"/>
+                <a14:useLocalDpi xmlns:a14="http://schemas.microsoft.com/office/drawing/2010/main" val="0"/>
               </a:ext>
             </a:extLst>
           </a:blip>
@@ -32761,7 +39649,7 @@
           <a:noFill/>
           <a:extLst>
             <a:ext uri="{909E8E84-426E-40DD-AFC4-6F175D3DCCD1}">
-              <a14:hiddenFill xmlns:a14="http://schemas.microsoft.com/office/drawing/2010/main" xmlns="">
+              <a14:hiddenFill xmlns:a14="http://schemas.microsoft.com/office/drawing/2010/main">
                 <a:solidFill>
                   <a:srgbClr val="FFFFFF"/>
                 </a:solidFill>
@@ -32773,18 +39661,18 @@
     </p:spTree>
     <p:extLst>
       <p:ext uri="{BB962C8B-B14F-4D97-AF65-F5344CB8AC3E}">
-        <p14:creationId xmlns:p14="http://schemas.microsoft.com/office/powerpoint/2010/main" xmlns="" val="1845429857"/>
+        <p14:creationId xmlns:p14="http://schemas.microsoft.com/office/powerpoint/2010/main" val="1845429857"/>
       </p:ext>
     </p:extLst>
   </p:cSld>
   <p:clrMapOvr>
     <a:masterClrMapping/>
   </p:clrMapOvr>
-  <mc:AlternateContent xmlns:mc="http://schemas.openxmlformats.org/markup-compatibility/2006">
-    <mc:Choice xmlns:p14="http://schemas.microsoft.com/office/powerpoint/2010/main" xmlns="" Requires="p14">
+  <mc:AlternateContent xmlns:mc="http://schemas.openxmlformats.org/markup-compatibility/2006" xmlns:p14="http://schemas.microsoft.com/office/powerpoint/2010/main">
+    <mc:Choice Requires="p14">
       <p:transition spd="slow" p14:dur="2000"/>
     </mc:Choice>
-    <mc:Fallback>
+    <mc:Fallback xmlns="">
       <p:transition spd="slow"/>
     </mc:Fallback>
   </mc:AlternateContent>
@@ -32957,7 +39845,7 @@
           <a:effectLst/>
           <a:extLst>
             <a:ext uri="{AF507438-7753-43E0-B8FC-AC1667EBCBE1}">
-              <a14:hiddenEffects xmlns:a14="http://schemas.microsoft.com/office/drawing/2010/main" xmlns="">
+              <a14:hiddenEffects xmlns:a14="http://schemas.microsoft.com/office/drawing/2010/main">
                 <a:effectLst>
                   <a:outerShdw dist="35921" dir="2700000" algn="ctr" rotWithShape="0">
                     <a:schemeClr val="bg2"/>
@@ -33033,12 +39921,12 @@
           <a:effectLst/>
           <a:extLst>
             <a:ext uri="{909E8E84-426E-40DD-AFC4-6F175D3DCCD1}">
-              <a14:hiddenFill xmlns:a14="http://schemas.microsoft.com/office/drawing/2010/main" xmlns="">
+              <a14:hiddenFill xmlns:a14="http://schemas.microsoft.com/office/drawing/2010/main">
                 <a:noFill/>
               </a14:hiddenFill>
             </a:ext>
             <a:ext uri="{AF507438-7753-43E0-B8FC-AC1667EBCBE1}">
-              <a14:hiddenEffects xmlns:a14="http://schemas.microsoft.com/office/drawing/2010/main" xmlns="">
+              <a14:hiddenEffects xmlns:a14="http://schemas.microsoft.com/office/drawing/2010/main">
                 <a:effectLst>
                   <a:outerShdw dist="35921" dir="2700000" algn="ctr" rotWithShape="0">
                     <a:schemeClr val="bg2"/>
@@ -33085,18 +39973,18 @@
     </p:spTree>
     <p:extLst>
       <p:ext uri="{BB962C8B-B14F-4D97-AF65-F5344CB8AC3E}">
-        <p14:creationId xmlns:p14="http://schemas.microsoft.com/office/powerpoint/2010/main" xmlns="" val="1358909587"/>
+        <p14:creationId xmlns:p14="http://schemas.microsoft.com/office/powerpoint/2010/main" val="1358909587"/>
       </p:ext>
     </p:extLst>
   </p:cSld>
   <p:clrMapOvr>
     <a:masterClrMapping/>
   </p:clrMapOvr>
-  <mc:AlternateContent xmlns:mc="http://schemas.openxmlformats.org/markup-compatibility/2006">
-    <mc:Choice xmlns:p14="http://schemas.microsoft.com/office/powerpoint/2010/main" xmlns="" Requires="p14">
+  <mc:AlternateContent xmlns:mc="http://schemas.openxmlformats.org/markup-compatibility/2006" xmlns:p14="http://schemas.microsoft.com/office/powerpoint/2010/main">
+    <mc:Choice Requires="p14">
       <p:transition spd="slow" p14:dur="2000"/>
     </mc:Choice>
-    <mc:Fallback>
+    <mc:Fallback xmlns="">
       <p:transition spd="slow"/>
     </mc:Fallback>
   </mc:AlternateContent>
@@ -33227,7 +40115,7 @@
           <a:blip r:embed="rId2">
             <a:extLst>
               <a:ext uri="{28A0092B-C50C-407E-A947-70E740481C1C}">
-                <a14:useLocalDpi xmlns:a14="http://schemas.microsoft.com/office/drawing/2010/main" xmlns="" val="0"/>
+                <a14:useLocalDpi xmlns:a14="http://schemas.microsoft.com/office/drawing/2010/main" val="0"/>
               </a:ext>
             </a:extLst>
           </a:blip>
@@ -33250,14 +40138,14 @@
           </a:ln>
           <a:extLst>
             <a:ext uri="{909E8E84-426E-40DD-AFC4-6F175D3DCCD1}">
-              <a14:hiddenFill xmlns:a14="http://schemas.microsoft.com/office/drawing/2010/main" xmlns="">
+              <a14:hiddenFill xmlns:a14="http://schemas.microsoft.com/office/drawing/2010/main">
                 <a:solidFill>
                   <a:schemeClr val="accent1"/>
                 </a:solidFill>
               </a14:hiddenFill>
             </a:ext>
             <a:ext uri="{91240B29-F687-4F45-9708-019B960494DF}">
-              <a14:hiddenLine xmlns:a14="http://schemas.microsoft.com/office/drawing/2010/main" xmlns="" w="9525">
+              <a14:hiddenLine xmlns:a14="http://schemas.microsoft.com/office/drawing/2010/main" w="9525">
                 <a:solidFill>
                   <a:schemeClr val="tx1"/>
                 </a:solidFill>
@@ -33269,21 +40157,138 @@
           </a:extLst>
         </p:spPr>
       </p:pic>
+      <mc:AlternateContent xmlns:mc="http://schemas.openxmlformats.org/markup-compatibility/2006">
+        <mc:Choice xmlns:p14="http://schemas.microsoft.com/office/powerpoint/2010/main" Requires="p14">
+          <p:contentPart p14:bwMode="auto" r:id="rId3">
+            <p14:nvContentPartPr>
+              <p14:cNvPr id="5" name="잉크 4"/>
+              <p14:cNvContentPartPr/>
+              <p14:nvPr/>
+            </p14:nvContentPartPr>
+            <p14:xfrm>
+              <a:off x="2178332" y="3610837"/>
+              <a:ext cx="1315440" cy="680760"/>
+            </p14:xfrm>
+          </p:contentPart>
+        </mc:Choice>
+        <mc:Fallback>
+          <p:pic>
+            <p:nvPicPr>
+              <p:cNvPr id="5" name="잉크 4"/>
+              <p:cNvPicPr/>
+              <p:nvPr/>
+            </p:nvPicPr>
+            <p:blipFill>
+              <a:blip r:embed="rId4"/>
+              <a:stretch>
+                <a:fillRect/>
+              </a:stretch>
+            </p:blipFill>
+            <p:spPr>
+              <a:xfrm>
+                <a:off x="2166452" y="3598957"/>
+                <a:ext cx="1339200" cy="704520"/>
+              </a:xfrm>
+              <a:prstGeom prst="rect">
+                <a:avLst/>
+              </a:prstGeom>
+            </p:spPr>
+          </p:pic>
+        </mc:Fallback>
+      </mc:AlternateContent>
+      <mc:AlternateContent xmlns:mc="http://schemas.openxmlformats.org/markup-compatibility/2006">
+        <mc:Choice xmlns:p14="http://schemas.microsoft.com/office/powerpoint/2010/main" Requires="p14">
+          <p:contentPart p14:bwMode="auto" r:id="rId5">
+            <p14:nvContentPartPr>
+              <p14:cNvPr id="18" name="잉크 17"/>
+              <p14:cNvContentPartPr/>
+              <p14:nvPr/>
+            </p14:nvContentPartPr>
+            <p14:xfrm>
+              <a:off x="551132" y="4384477"/>
+              <a:ext cx="1266480" cy="317520"/>
+            </p14:xfrm>
+          </p:contentPart>
+        </mc:Choice>
+        <mc:Fallback>
+          <p:pic>
+            <p:nvPicPr>
+              <p:cNvPr id="18" name="잉크 17"/>
+              <p:cNvPicPr/>
+              <p:nvPr/>
+            </p:nvPicPr>
+            <p:blipFill>
+              <a:blip r:embed="rId6"/>
+              <a:stretch>
+                <a:fillRect/>
+              </a:stretch>
+            </p:blipFill>
+            <p:spPr>
+              <a:xfrm>
+                <a:off x="539252" y="4372597"/>
+                <a:ext cx="1290240" cy="341280"/>
+              </a:xfrm>
+              <a:prstGeom prst="rect">
+                <a:avLst/>
+              </a:prstGeom>
+            </p:spPr>
+          </p:pic>
+        </mc:Fallback>
+      </mc:AlternateContent>
+      <mc:AlternateContent xmlns:mc="http://schemas.openxmlformats.org/markup-compatibility/2006">
+        <mc:Choice xmlns:p14="http://schemas.microsoft.com/office/powerpoint/2010/main" Requires="p14">
+          <p:contentPart p14:bwMode="auto" r:id="rId7">
+            <p14:nvContentPartPr>
+              <p14:cNvPr id="24" name="잉크 23"/>
+              <p14:cNvContentPartPr/>
+              <p14:nvPr/>
+            </p14:nvContentPartPr>
+            <p14:xfrm>
+              <a:off x="4196852" y="5099437"/>
+              <a:ext cx="645120" cy="563040"/>
+            </p14:xfrm>
+          </p:contentPart>
+        </mc:Choice>
+        <mc:Fallback>
+          <p:pic>
+            <p:nvPicPr>
+              <p:cNvPr id="24" name="잉크 23"/>
+              <p:cNvPicPr/>
+              <p:nvPr/>
+            </p:nvPicPr>
+            <p:blipFill>
+              <a:blip r:embed="rId8"/>
+              <a:stretch>
+                <a:fillRect/>
+              </a:stretch>
+            </p:blipFill>
+            <p:spPr>
+              <a:xfrm>
+                <a:off x="4184972" y="5087557"/>
+                <a:ext cx="668880" cy="586800"/>
+              </a:xfrm>
+              <a:prstGeom prst="rect">
+                <a:avLst/>
+              </a:prstGeom>
+            </p:spPr>
+          </p:pic>
+        </mc:Fallback>
+      </mc:AlternateContent>
     </p:spTree>
     <p:extLst>
       <p:ext uri="{BB962C8B-B14F-4D97-AF65-F5344CB8AC3E}">
-        <p14:creationId xmlns:p14="http://schemas.microsoft.com/office/powerpoint/2010/main" xmlns="" val="4140581862"/>
+        <p14:creationId xmlns:p14="http://schemas.microsoft.com/office/powerpoint/2010/main" val="4140581862"/>
       </p:ext>
     </p:extLst>
   </p:cSld>
   <p:clrMapOvr>
     <a:masterClrMapping/>
   </p:clrMapOvr>
-  <mc:AlternateContent xmlns:mc="http://schemas.openxmlformats.org/markup-compatibility/2006">
-    <mc:Choice xmlns:p14="http://schemas.microsoft.com/office/powerpoint/2010/main" xmlns="" Requires="p14">
+  <mc:AlternateContent xmlns:mc="http://schemas.openxmlformats.org/markup-compatibility/2006" xmlns:p14="http://schemas.microsoft.com/office/powerpoint/2010/main">
+    <mc:Choice Requires="p14">
       <p:transition spd="slow" p14:dur="2000"/>
     </mc:Choice>
-    <mc:Fallback>
+    <mc:Fallback xmlns="">
       <p:transition spd="slow"/>
     </mc:Fallback>
   </mc:AlternateContent>
@@ -33328,7 +40333,7 @@
           <a:lstStyle/>
           <a:p>
             <a:r>
-              <a:rPr altLang="ko-KR" smtClean="0"/>
+              <a:rPr altLang="ko-KR" dirty="0" smtClean="0"/>
               <a:t>OR-Mapping</a:t>
             </a:r>
           </a:p>
@@ -33434,7 +40439,7 @@
           <a:blip r:embed="rId2">
             <a:extLst>
               <a:ext uri="{28A0092B-C50C-407E-A947-70E740481C1C}">
-                <a14:useLocalDpi xmlns:a14="http://schemas.microsoft.com/office/drawing/2010/main" xmlns="" val="0"/>
+                <a14:useLocalDpi xmlns:a14="http://schemas.microsoft.com/office/drawing/2010/main" val="0"/>
               </a:ext>
             </a:extLst>
           </a:blip>
@@ -33457,14 +40462,14 @@
           </a:ln>
           <a:extLst>
             <a:ext uri="{909E8E84-426E-40DD-AFC4-6F175D3DCCD1}">
-              <a14:hiddenFill xmlns:a14="http://schemas.microsoft.com/office/drawing/2010/main" xmlns="">
+              <a14:hiddenFill xmlns:a14="http://schemas.microsoft.com/office/drawing/2010/main">
                 <a:solidFill>
                   <a:schemeClr val="accent1"/>
                 </a:solidFill>
               </a14:hiddenFill>
             </a:ext>
             <a:ext uri="{91240B29-F687-4F45-9708-019B960494DF}">
-              <a14:hiddenLine xmlns:a14="http://schemas.microsoft.com/office/drawing/2010/main" xmlns="" w="9525">
+              <a14:hiddenLine xmlns:a14="http://schemas.microsoft.com/office/drawing/2010/main" w="9525">
                 <a:solidFill>
                   <a:schemeClr val="tx1"/>
                 </a:solidFill>
@@ -33476,21 +40481,131 @@
           </a:extLst>
         </p:spPr>
       </p:pic>
+      <mc:AlternateContent xmlns:mc="http://schemas.openxmlformats.org/markup-compatibility/2006">
+        <mc:Choice xmlns:p14="http://schemas.microsoft.com/office/powerpoint/2010/main" Requires="p14">
+          <p:contentPart p14:bwMode="auto" r:id="rId3">
+            <p14:nvContentPartPr>
+              <p14:cNvPr id="4" name="잉크 3"/>
+              <p14:cNvContentPartPr/>
+              <p14:nvPr/>
+            </p14:nvContentPartPr>
+            <p14:xfrm>
+              <a:off x="820772" y="3959317"/>
+              <a:ext cx="2204280" cy="1461600"/>
+            </p14:xfrm>
+          </p:contentPart>
+        </mc:Choice>
+        <mc:Fallback>
+          <p:pic>
+            <p:nvPicPr>
+              <p:cNvPr id="4" name="잉크 3"/>
+              <p:cNvPicPr/>
+              <p:nvPr/>
+            </p:nvPicPr>
+            <p:blipFill>
+              <a:blip r:embed="rId4"/>
+              <a:stretch>
+                <a:fillRect/>
+              </a:stretch>
+            </p:blipFill>
+            <p:spPr>
+              <a:xfrm>
+                <a:off x="808892" y="3947437"/>
+                <a:ext cx="2228040" cy="1485360"/>
+              </a:xfrm>
+              <a:prstGeom prst="rect">
+                <a:avLst/>
+              </a:prstGeom>
+            </p:spPr>
+          </p:pic>
+        </mc:Fallback>
+      </mc:AlternateContent>
+      <p:sp>
+        <p:nvSpPr>
+          <p:cNvPr id="10" name="TextBox 9"/>
+          <p:cNvSpPr txBox="1"/>
+          <p:nvPr/>
+        </p:nvSpPr>
+        <p:spPr>
+          <a:xfrm>
+            <a:off x="164123" y="5688739"/>
+            <a:ext cx="2746265" cy="338554"/>
+          </a:xfrm>
+          <a:prstGeom prst="rect">
+            <a:avLst/>
+          </a:prstGeom>
+          <a:noFill/>
+        </p:spPr>
+        <p:txBody>
+          <a:bodyPr wrap="none" rtlCol="0">
+            <a:spAutoFit/>
+          </a:bodyPr>
+          <a:lstStyle/>
+          <a:p>
+            <a:r>
+              <a:rPr lang="ko-KR" altLang="en-US" sz="1600" dirty="0" smtClean="0">
+                <a:latin typeface="HY바다L" pitchFamily="18" charset="-127"/>
+                <a:ea typeface="HY바다L" pitchFamily="18" charset="-127"/>
+              </a:rPr>
+              <a:t>행 </a:t>
+            </a:r>
+            <a:r>
+              <a:rPr lang="en-US" altLang="ko-KR" sz="1600" dirty="0" smtClean="0">
+                <a:latin typeface="HY바다L" pitchFamily="18" charset="-127"/>
+                <a:ea typeface="HY바다L" pitchFamily="18" charset="-127"/>
+              </a:rPr>
+              <a:t>= </a:t>
+            </a:r>
+            <a:r>
+              <a:rPr lang="ko-KR" altLang="en-US" sz="1600" dirty="0">
+                <a:latin typeface="HY바다L" pitchFamily="18" charset="-127"/>
+                <a:ea typeface="HY바다L" pitchFamily="18" charset="-127"/>
+              </a:rPr>
+              <a:t>레</a:t>
+            </a:r>
+            <a:r>
+              <a:rPr lang="ko-KR" altLang="en-US" sz="1600" dirty="0" smtClean="0">
+                <a:latin typeface="HY바다L" pitchFamily="18" charset="-127"/>
+                <a:ea typeface="HY바다L" pitchFamily="18" charset="-127"/>
+              </a:rPr>
+              <a:t>코드 </a:t>
+            </a:r>
+            <a:r>
+              <a:rPr lang="en-US" altLang="ko-KR" sz="1600" dirty="0" smtClean="0">
+                <a:latin typeface="HY바다L" pitchFamily="18" charset="-127"/>
+                <a:ea typeface="HY바다L" pitchFamily="18" charset="-127"/>
+              </a:rPr>
+              <a:t>= instance </a:t>
+            </a:r>
+            <a:r>
+              <a:rPr lang="ko-KR" altLang="en-US" sz="1600" dirty="0" smtClean="0">
+                <a:latin typeface="HY바다L" pitchFamily="18" charset="-127"/>
+                <a:ea typeface="HY바다L" pitchFamily="18" charset="-127"/>
+              </a:rPr>
+              <a:t>객체</a:t>
+            </a:r>
+            <a:endParaRPr lang="ko-KR" altLang="en-US" sz="1600" dirty="0" smtClean="0">
+              <a:latin typeface="HY바다L" pitchFamily="18" charset="-127"/>
+              <a:ea typeface="HY바다L" pitchFamily="18" charset="-127"/>
+            </a:endParaRPr>
+          </a:p>
+        </p:txBody>
+      </p:sp>
     </p:spTree>
     <p:extLst>
       <p:ext uri="{BB962C8B-B14F-4D97-AF65-F5344CB8AC3E}">
-        <p14:creationId xmlns:p14="http://schemas.microsoft.com/office/powerpoint/2010/main" xmlns="" val="1384890742"/>
+        <p14:creationId xmlns:p14="http://schemas.microsoft.com/office/powerpoint/2010/main" val="1384890742"/>
       </p:ext>
     </p:extLst>
   </p:cSld>
   <p:clrMapOvr>
     <a:masterClrMapping/>
   </p:clrMapOvr>
-  <mc:AlternateContent xmlns:mc="http://schemas.openxmlformats.org/markup-compatibility/2006">
-    <mc:Choice xmlns:p14="http://schemas.microsoft.com/office/powerpoint/2010/main" xmlns="" Requires="p14">
+  <mc:AlternateContent xmlns:mc="http://schemas.openxmlformats.org/markup-compatibility/2006" xmlns:p14="http://schemas.microsoft.com/office/powerpoint/2010/main">
+    <mc:Choice Requires="p14">
       <p:transition spd="slow" p14:dur="2000"/>
     </mc:Choice>
-    <mc:Fallback>
+    <mc:Fallback xmlns="">
       <p:transition spd="slow"/>
     </mc:Fallback>
   </mc:AlternateContent>
@@ -33591,7 +40706,7 @@
           <a:blip r:embed="rId2">
             <a:extLst>
               <a:ext uri="{28A0092B-C50C-407E-A947-70E740481C1C}">
-                <a14:useLocalDpi xmlns:a14="http://schemas.microsoft.com/office/drawing/2010/main" xmlns="" val="0"/>
+                <a14:useLocalDpi xmlns:a14="http://schemas.microsoft.com/office/drawing/2010/main" val="0"/>
               </a:ext>
             </a:extLst>
           </a:blip>
@@ -33614,14 +40729,14 @@
           </a:ln>
           <a:extLst>
             <a:ext uri="{909E8E84-426E-40DD-AFC4-6F175D3DCCD1}">
-              <a14:hiddenFill xmlns:a14="http://schemas.microsoft.com/office/drawing/2010/main" xmlns="">
+              <a14:hiddenFill xmlns:a14="http://schemas.microsoft.com/office/drawing/2010/main">
                 <a:solidFill>
                   <a:schemeClr val="accent1"/>
                 </a:solidFill>
               </a14:hiddenFill>
             </a:ext>
             <a:ext uri="{91240B29-F687-4F45-9708-019B960494DF}">
-              <a14:hiddenLine xmlns:a14="http://schemas.microsoft.com/office/drawing/2010/main" xmlns="" w="9525">
+              <a14:hiddenLine xmlns:a14="http://schemas.microsoft.com/office/drawing/2010/main" w="9525">
                 <a:solidFill>
                   <a:schemeClr val="tx1"/>
                 </a:solidFill>
@@ -33633,21 +40748,63 @@
           </a:extLst>
         </p:spPr>
       </p:pic>
+      <p:sp>
+        <p:nvSpPr>
+          <p:cNvPr id="2" name="TextBox 1"/>
+          <p:cNvSpPr txBox="1"/>
+          <p:nvPr/>
+        </p:nvSpPr>
+        <p:spPr>
+          <a:xfrm>
+            <a:off x="1267670" y="527538"/>
+            <a:ext cx="1979622" cy="523220"/>
+          </a:xfrm>
+          <a:prstGeom prst="rect">
+            <a:avLst/>
+          </a:prstGeom>
+          <a:noFill/>
+        </p:spPr>
+        <p:txBody>
+          <a:bodyPr wrap="square" rtlCol="0">
+            <a:spAutoFit/>
+          </a:bodyPr>
+          <a:lstStyle/>
+          <a:p>
+            <a:r>
+              <a:rPr lang="en-US" altLang="ko-KR" sz="2800" dirty="0" smtClean="0">
+                <a:solidFill>
+                  <a:srgbClr val="FF0000"/>
+                </a:solidFill>
+                <a:latin typeface="HY바다L" pitchFamily="18" charset="-127"/>
+                <a:ea typeface="HY바다L" pitchFamily="18" charset="-127"/>
+              </a:rPr>
+              <a:t>Postgres</a:t>
+            </a:r>
+            <a:endParaRPr lang="ko-KR" altLang="en-US" sz="2800" dirty="0" smtClean="0">
+              <a:solidFill>
+                <a:srgbClr val="FF0000"/>
+              </a:solidFill>
+              <a:latin typeface="HY바다L" pitchFamily="18" charset="-127"/>
+              <a:ea typeface="HY바다L" pitchFamily="18" charset="-127"/>
+            </a:endParaRPr>
+          </a:p>
+        </p:txBody>
+      </p:sp>
     </p:spTree>
     <p:extLst>
       <p:ext uri="{BB962C8B-B14F-4D97-AF65-F5344CB8AC3E}">
-        <p14:creationId xmlns:p14="http://schemas.microsoft.com/office/powerpoint/2010/main" xmlns="" val="1660296412"/>
+        <p14:creationId xmlns:p14="http://schemas.microsoft.com/office/powerpoint/2010/main" val="1660296412"/>
       </p:ext>
     </p:extLst>
   </p:cSld>
   <p:clrMapOvr>
     <a:masterClrMapping/>
   </p:clrMapOvr>
-  <mc:AlternateContent xmlns:mc="http://schemas.openxmlformats.org/markup-compatibility/2006">
-    <mc:Choice xmlns:p14="http://schemas.microsoft.com/office/powerpoint/2010/main" xmlns="" Requires="p14">
+  <mc:AlternateContent xmlns:mc="http://schemas.openxmlformats.org/markup-compatibility/2006" xmlns:p14="http://schemas.microsoft.com/office/powerpoint/2010/main">
+    <mc:Choice Requires="p14">
       <p:transition spd="slow" p14:dur="2000"/>
     </mc:Choice>
-    <mc:Fallback>
+    <mc:Fallback xmlns="">
       <p:transition spd="slow"/>
     </mc:Fallback>
   </mc:AlternateContent>
@@ -33735,7 +40892,7 @@
           <a:blip r:embed="rId2">
             <a:extLst>
               <a:ext uri="{28A0092B-C50C-407E-A947-70E740481C1C}">
-                <a14:useLocalDpi xmlns:a14="http://schemas.microsoft.com/office/drawing/2010/main" xmlns="" val="0"/>
+                <a14:useLocalDpi xmlns:a14="http://schemas.microsoft.com/office/drawing/2010/main" val="0"/>
               </a:ext>
             </a:extLst>
           </a:blip>
@@ -33758,14 +40915,14 @@
           </a:ln>
           <a:extLst>
             <a:ext uri="{909E8E84-426E-40DD-AFC4-6F175D3DCCD1}">
-              <a14:hiddenFill xmlns:a14="http://schemas.microsoft.com/office/drawing/2010/main" xmlns="">
+              <a14:hiddenFill xmlns:a14="http://schemas.microsoft.com/office/drawing/2010/main">
                 <a:solidFill>
                   <a:schemeClr val="accent1"/>
                 </a:solidFill>
               </a14:hiddenFill>
             </a:ext>
             <a:ext uri="{91240B29-F687-4F45-9708-019B960494DF}">
-              <a14:hiddenLine xmlns:a14="http://schemas.microsoft.com/office/drawing/2010/main" xmlns="" w="9525">
+              <a14:hiddenLine xmlns:a14="http://schemas.microsoft.com/office/drawing/2010/main" w="9525">
                 <a:solidFill>
                   <a:schemeClr val="tx1"/>
                 </a:solidFill>
@@ -33885,21 +41042,377 @@
           </a:p>
         </p:txBody>
       </p:sp>
+      <mc:AlternateContent xmlns:mc="http://schemas.openxmlformats.org/markup-compatibility/2006">
+        <mc:Choice xmlns:p14="http://schemas.microsoft.com/office/powerpoint/2010/main" Requires="p14">
+          <p:contentPart p14:bwMode="auto" r:id="rId3">
+            <p14:nvContentPartPr>
+              <p14:cNvPr id="20" name="잉크 19"/>
+              <p14:cNvContentPartPr/>
+              <p14:nvPr/>
+            </p14:nvContentPartPr>
+            <p14:xfrm>
+              <a:off x="551132" y="4185037"/>
+              <a:ext cx="5814720" cy="2473920"/>
+            </p14:xfrm>
+          </p:contentPart>
+        </mc:Choice>
+        <mc:Fallback>
+          <p:pic>
+            <p:nvPicPr>
+              <p:cNvPr id="20" name="잉크 19"/>
+              <p:cNvPicPr/>
+              <p:nvPr/>
+            </p:nvPicPr>
+            <p:blipFill>
+              <a:blip r:embed="rId4"/>
+              <a:stretch>
+                <a:fillRect/>
+              </a:stretch>
+            </p:blipFill>
+            <p:spPr>
+              <a:xfrm>
+                <a:off x="539252" y="4173157"/>
+                <a:ext cx="5838480" cy="2497680"/>
+              </a:xfrm>
+              <a:prstGeom prst="rect">
+                <a:avLst/>
+              </a:prstGeom>
+            </p:spPr>
+          </p:pic>
+        </mc:Fallback>
+      </mc:AlternateContent>
+      <mc:AlternateContent xmlns:mc="http://schemas.openxmlformats.org/markup-compatibility/2006">
+        <mc:Choice xmlns:p14="http://schemas.microsoft.com/office/powerpoint/2010/main" Requires="p14">
+          <p:contentPart p14:bwMode="auto" r:id="rId5">
+            <p14:nvContentPartPr>
+              <p14:cNvPr id="28" name="잉크 27"/>
+              <p14:cNvContentPartPr/>
+              <p14:nvPr/>
+            </p14:nvContentPartPr>
+            <p14:xfrm>
+              <a:off x="574532" y="2689957"/>
+              <a:ext cx="996840" cy="415800"/>
+            </p14:xfrm>
+          </p:contentPart>
+        </mc:Choice>
+        <mc:Fallback>
+          <p:pic>
+            <p:nvPicPr>
+              <p:cNvPr id="28" name="잉크 27"/>
+              <p:cNvPicPr/>
+              <p:nvPr/>
+            </p:nvPicPr>
+            <p:blipFill>
+              <a:blip r:embed="rId6"/>
+              <a:stretch>
+                <a:fillRect/>
+              </a:stretch>
+            </p:blipFill>
+            <p:spPr>
+              <a:xfrm>
+                <a:off x="562652" y="2678077"/>
+                <a:ext cx="1020600" cy="439560"/>
+              </a:xfrm>
+              <a:prstGeom prst="rect">
+                <a:avLst/>
+              </a:prstGeom>
+            </p:spPr>
+          </p:pic>
+        </mc:Fallback>
+      </mc:AlternateContent>
+      <mc:AlternateContent xmlns:mc="http://schemas.openxmlformats.org/markup-compatibility/2006">
+        <mc:Choice xmlns:p14="http://schemas.microsoft.com/office/powerpoint/2010/main" Requires="p14">
+          <p:contentPart p14:bwMode="auto" r:id="rId7">
+            <p14:nvContentPartPr>
+              <p14:cNvPr id="37" name="잉크 36"/>
+              <p14:cNvContentPartPr/>
+              <p14:nvPr/>
+            </p14:nvContentPartPr>
+            <p14:xfrm>
+              <a:off x="3680972" y="891037"/>
+              <a:ext cx="727200" cy="51840"/>
+            </p14:xfrm>
+          </p:contentPart>
+        </mc:Choice>
+        <mc:Fallback>
+          <p:pic>
+            <p:nvPicPr>
+              <p:cNvPr id="37" name="잉크 36"/>
+              <p:cNvPicPr/>
+              <p:nvPr/>
+            </p:nvPicPr>
+            <p:blipFill>
+              <a:blip r:embed="rId8"/>
+              <a:stretch>
+                <a:fillRect/>
+              </a:stretch>
+            </p:blipFill>
+            <p:spPr>
+              <a:xfrm>
+                <a:off x="3669092" y="879157"/>
+                <a:ext cx="750960" cy="75600"/>
+              </a:xfrm>
+              <a:prstGeom prst="rect">
+                <a:avLst/>
+              </a:prstGeom>
+            </p:spPr>
+          </p:pic>
+        </mc:Fallback>
+      </mc:AlternateContent>
+      <mc:AlternateContent xmlns:mc="http://schemas.openxmlformats.org/markup-compatibility/2006">
+        <mc:Choice xmlns:p14="http://schemas.microsoft.com/office/powerpoint/2010/main" Requires="p14">
+          <p:contentPart p14:bwMode="auto" r:id="rId9">
+            <p14:nvContentPartPr>
+              <p14:cNvPr id="38" name="잉크 37"/>
+              <p14:cNvContentPartPr/>
+              <p14:nvPr/>
+            </p14:nvContentPartPr>
+            <p14:xfrm>
+              <a:off x="291932" y="984637"/>
+              <a:ext cx="3787920" cy="3177360"/>
+            </p14:xfrm>
+          </p:contentPart>
+        </mc:Choice>
+        <mc:Fallback>
+          <p:pic>
+            <p:nvPicPr>
+              <p:cNvPr id="38" name="잉크 37"/>
+              <p:cNvPicPr/>
+              <p:nvPr/>
+            </p:nvPicPr>
+            <p:blipFill>
+              <a:blip r:embed="rId10"/>
+              <a:stretch>
+                <a:fillRect/>
+              </a:stretch>
+            </p:blipFill>
+            <p:spPr>
+              <a:xfrm>
+                <a:off x="280052" y="972757"/>
+                <a:ext cx="3811680" cy="3201120"/>
+              </a:xfrm>
+              <a:prstGeom prst="rect">
+                <a:avLst/>
+              </a:prstGeom>
+            </p:spPr>
+          </p:pic>
+        </mc:Fallback>
+      </mc:AlternateContent>
+      <mc:AlternateContent xmlns:mc="http://schemas.openxmlformats.org/markup-compatibility/2006">
+        <mc:Choice xmlns:p14="http://schemas.microsoft.com/office/powerpoint/2010/main" Requires="p14">
+          <p:contentPart p14:bwMode="auto" r:id="rId11">
+            <p14:nvContentPartPr>
+              <p14:cNvPr id="39" name="잉크 38"/>
+              <p14:cNvContentPartPr/>
+              <p14:nvPr/>
+            </p14:nvContentPartPr>
+            <p14:xfrm>
+              <a:off x="1113812" y="3130237"/>
+              <a:ext cx="1817280" cy="1254600"/>
+            </p14:xfrm>
+          </p:contentPart>
+        </mc:Choice>
+        <mc:Fallback>
+          <p:pic>
+            <p:nvPicPr>
+              <p:cNvPr id="39" name="잉크 38"/>
+              <p:cNvPicPr/>
+              <p:nvPr/>
+            </p:nvPicPr>
+            <p:blipFill>
+              <a:blip r:embed="rId12"/>
+              <a:stretch>
+                <a:fillRect/>
+              </a:stretch>
+            </p:blipFill>
+            <p:spPr>
+              <a:xfrm>
+                <a:off x="1101932" y="3118357"/>
+                <a:ext cx="1841040" cy="1278360"/>
+              </a:xfrm>
+              <a:prstGeom prst="rect">
+                <a:avLst/>
+              </a:prstGeom>
+            </p:spPr>
+          </p:pic>
+        </mc:Fallback>
+      </mc:AlternateContent>
+      <mc:AlternateContent xmlns:mc="http://schemas.openxmlformats.org/markup-compatibility/2006">
+        <mc:Choice xmlns:p14="http://schemas.microsoft.com/office/powerpoint/2010/main" Requires="p14">
+          <p:contentPart p14:bwMode="auto" r:id="rId13">
+            <p14:nvContentPartPr>
+              <p14:cNvPr id="42" name="잉크 41"/>
+              <p14:cNvContentPartPr/>
+              <p14:nvPr/>
+            </p14:nvContentPartPr>
+            <p14:xfrm>
+              <a:off x="523772" y="2872117"/>
+              <a:ext cx="426240" cy="3080160"/>
+            </p14:xfrm>
+          </p:contentPart>
+        </mc:Choice>
+        <mc:Fallback>
+          <p:pic>
+            <p:nvPicPr>
+              <p:cNvPr id="42" name="잉크 41"/>
+              <p:cNvPicPr/>
+              <p:nvPr/>
+            </p:nvPicPr>
+            <p:blipFill>
+              <a:blip r:embed="rId14"/>
+              <a:stretch>
+                <a:fillRect/>
+              </a:stretch>
+            </p:blipFill>
+            <p:spPr>
+              <a:xfrm>
+                <a:off x="511892" y="2860237"/>
+                <a:ext cx="450000" cy="3103920"/>
+              </a:xfrm>
+              <a:prstGeom prst="rect">
+                <a:avLst/>
+              </a:prstGeom>
+            </p:spPr>
+          </p:pic>
+        </mc:Fallback>
+      </mc:AlternateContent>
+      <mc:AlternateContent xmlns:mc="http://schemas.openxmlformats.org/markup-compatibility/2006">
+        <mc:Choice xmlns:p14="http://schemas.microsoft.com/office/powerpoint/2010/main" Requires="p14">
+          <p:contentPart p14:bwMode="auto" r:id="rId15">
+            <p14:nvContentPartPr>
+              <p14:cNvPr id="44" name="잉크 43"/>
+              <p14:cNvContentPartPr/>
+              <p14:nvPr/>
+            </p14:nvContentPartPr>
+            <p14:xfrm>
+              <a:off x="1172132" y="5545117"/>
+              <a:ext cx="809280" cy="527760"/>
+            </p14:xfrm>
+          </p:contentPart>
+        </mc:Choice>
+        <mc:Fallback>
+          <p:pic>
+            <p:nvPicPr>
+              <p:cNvPr id="44" name="잉크 43"/>
+              <p:cNvPicPr/>
+              <p:nvPr/>
+            </p:nvPicPr>
+            <p:blipFill>
+              <a:blip r:embed="rId16"/>
+              <a:stretch>
+                <a:fillRect/>
+              </a:stretch>
+            </p:blipFill>
+            <p:spPr>
+              <a:xfrm>
+                <a:off x="1160252" y="5533237"/>
+                <a:ext cx="833040" cy="551520"/>
+              </a:xfrm>
+              <a:prstGeom prst="rect">
+                <a:avLst/>
+              </a:prstGeom>
+            </p:spPr>
+          </p:pic>
+        </mc:Fallback>
+      </mc:AlternateContent>
+      <p:sp>
+        <p:nvSpPr>
+          <p:cNvPr id="45" name="TextBox 44"/>
+          <p:cNvSpPr txBox="1"/>
+          <p:nvPr/>
+        </p:nvSpPr>
+        <p:spPr>
+          <a:xfrm>
+            <a:off x="2077641" y="1517939"/>
+            <a:ext cx="923651" cy="707886"/>
+          </a:xfrm>
+          <a:prstGeom prst="rect">
+            <a:avLst/>
+          </a:prstGeom>
+          <a:noFill/>
+        </p:spPr>
+        <p:txBody>
+          <a:bodyPr wrap="none" rtlCol="0">
+            <a:spAutoFit/>
+          </a:bodyPr>
+          <a:lstStyle/>
+          <a:p>
+            <a:r>
+              <a:rPr lang="en-US" altLang="ko-KR" sz="2000" dirty="0" smtClean="0">
+                <a:solidFill>
+                  <a:srgbClr val="FF0000"/>
+                </a:solidFill>
+                <a:latin typeface="HY바다L" pitchFamily="18" charset="-127"/>
+                <a:ea typeface="HY바다L" pitchFamily="18" charset="-127"/>
+              </a:rPr>
+              <a:t>RDBMS</a:t>
+            </a:r>
+          </a:p>
+          <a:p>
+            <a:endParaRPr lang="ko-KR" altLang="en-US" sz="2000" dirty="0" smtClean="0">
+              <a:solidFill>
+                <a:srgbClr val="FF0000"/>
+              </a:solidFill>
+              <a:latin typeface="HY바다L" pitchFamily="18" charset="-127"/>
+              <a:ea typeface="HY바다L" pitchFamily="18" charset="-127"/>
+            </a:endParaRPr>
+          </a:p>
+        </p:txBody>
+      </p:sp>
+      <mc:AlternateContent xmlns:mc="http://schemas.openxmlformats.org/markup-compatibility/2006">
+        <mc:Choice xmlns:p14="http://schemas.microsoft.com/office/powerpoint/2010/main" Requires="p14">
+          <p:contentPart p14:bwMode="auto" r:id="rId17">
+            <p14:nvContentPartPr>
+              <p14:cNvPr id="47" name="잉크 46"/>
+              <p14:cNvContentPartPr/>
+              <p14:nvPr/>
+            </p14:nvContentPartPr>
+            <p14:xfrm>
+              <a:off x="1758572" y="2168677"/>
+              <a:ext cx="1512360" cy="57240"/>
+            </p14:xfrm>
+          </p:contentPart>
+        </mc:Choice>
+        <mc:Fallback>
+          <p:pic>
+            <p:nvPicPr>
+              <p:cNvPr id="47" name="잉크 46"/>
+              <p:cNvPicPr/>
+              <p:nvPr/>
+            </p:nvPicPr>
+            <p:blipFill>
+              <a:blip r:embed="rId18"/>
+              <a:stretch>
+                <a:fillRect/>
+              </a:stretch>
+            </p:blipFill>
+            <p:spPr>
+              <a:xfrm>
+                <a:off x="1746692" y="2156797"/>
+                <a:ext cx="1536120" cy="81000"/>
+              </a:xfrm>
+              <a:prstGeom prst="rect">
+                <a:avLst/>
+              </a:prstGeom>
+            </p:spPr>
+          </p:pic>
+        </mc:Fallback>
+      </mc:AlternateContent>
     </p:spTree>
     <p:extLst>
       <p:ext uri="{BB962C8B-B14F-4D97-AF65-F5344CB8AC3E}">
-        <p14:creationId xmlns:p14="http://schemas.microsoft.com/office/powerpoint/2010/main" xmlns="" val="3836853764"/>
+        <p14:creationId xmlns:p14="http://schemas.microsoft.com/office/powerpoint/2010/main" val="3836853764"/>
       </p:ext>
     </p:extLst>
   </p:cSld>
   <p:clrMapOvr>
     <a:masterClrMapping/>
   </p:clrMapOvr>
-  <mc:AlternateContent xmlns:mc="http://schemas.openxmlformats.org/markup-compatibility/2006">
-    <mc:Choice xmlns:p14="http://schemas.microsoft.com/office/powerpoint/2010/main" xmlns="" Requires="p14">
+  <mc:AlternateContent xmlns:mc="http://schemas.openxmlformats.org/markup-compatibility/2006" xmlns:p14="http://schemas.microsoft.com/office/powerpoint/2010/main">
+    <mc:Choice Requires="p14">
       <p:transition spd="slow" p14:dur="2000"/>
     </mc:Choice>
-    <mc:Fallback>
+    <mc:Fallback xmlns="">
       <p:transition spd="slow"/>
     </mc:Fallback>
   </mc:AlternateContent>
@@ -34011,14 +41524,14 @@
           <a:effectLst/>
           <a:extLst>
             <a:ext uri="{909E8E84-426E-40DD-AFC4-6F175D3DCCD1}">
-              <a14:hiddenFill xmlns:a14="http://schemas.microsoft.com/office/drawing/2010/main" xmlns="">
+              <a14:hiddenFill xmlns:a14="http://schemas.microsoft.com/office/drawing/2010/main">
                 <a:solidFill>
                   <a:schemeClr val="accent1"/>
                 </a:solidFill>
               </a14:hiddenFill>
             </a:ext>
             <a:ext uri="{91240B29-F687-4F45-9708-019B960494DF}">
-              <a14:hiddenLine xmlns:a14="http://schemas.microsoft.com/office/drawing/2010/main" xmlns="" w="9525">
+              <a14:hiddenLine xmlns:a14="http://schemas.microsoft.com/office/drawing/2010/main" w="9525">
                 <a:solidFill>
                   <a:schemeClr val="tx1"/>
                 </a:solidFill>
@@ -34028,7 +41541,7 @@
               </a14:hiddenLine>
             </a:ext>
             <a:ext uri="{AF507438-7753-43E0-B8FC-AC1667EBCBE1}">
-              <a14:hiddenEffects xmlns:a14="http://schemas.microsoft.com/office/drawing/2010/main" xmlns="">
+              <a14:hiddenEffects xmlns:a14="http://schemas.microsoft.com/office/drawing/2010/main">
                 <a:effectLst>
                   <a:outerShdw dist="35921" dir="2700000" algn="ctr" rotWithShape="0">
                     <a:schemeClr val="bg2"/>
@@ -34060,7 +41573,7 @@
           <a:blip r:embed="rId2">
             <a:extLst>
               <a:ext uri="{28A0092B-C50C-407E-A947-70E740481C1C}">
-                <a14:useLocalDpi xmlns:a14="http://schemas.microsoft.com/office/drawing/2010/main" xmlns="" val="0"/>
+                <a14:useLocalDpi xmlns:a14="http://schemas.microsoft.com/office/drawing/2010/main" val="0"/>
               </a:ext>
             </a:extLst>
           </a:blip>
@@ -34083,14 +41596,14 @@
           </a:ln>
           <a:extLst>
             <a:ext uri="{909E8E84-426E-40DD-AFC4-6F175D3DCCD1}">
-              <a14:hiddenFill xmlns:a14="http://schemas.microsoft.com/office/drawing/2010/main" xmlns="">
+              <a14:hiddenFill xmlns:a14="http://schemas.microsoft.com/office/drawing/2010/main">
                 <a:solidFill>
                   <a:schemeClr val="accent1"/>
                 </a:solidFill>
               </a14:hiddenFill>
             </a:ext>
             <a:ext uri="{91240B29-F687-4F45-9708-019B960494DF}">
-              <a14:hiddenLine xmlns:a14="http://schemas.microsoft.com/office/drawing/2010/main" xmlns="" w="9525">
+              <a14:hiddenLine xmlns:a14="http://schemas.microsoft.com/office/drawing/2010/main" w="9525">
                 <a:solidFill>
                   <a:schemeClr val="tx1"/>
                 </a:solidFill>
@@ -34105,18 +41618,18 @@
     </p:spTree>
     <p:extLst>
       <p:ext uri="{BB962C8B-B14F-4D97-AF65-F5344CB8AC3E}">
-        <p14:creationId xmlns:p14="http://schemas.microsoft.com/office/powerpoint/2010/main" xmlns="" val="393196037"/>
+        <p14:creationId xmlns:p14="http://schemas.microsoft.com/office/powerpoint/2010/main" val="393196037"/>
       </p:ext>
     </p:extLst>
   </p:cSld>
   <p:clrMapOvr>
     <a:masterClrMapping/>
   </p:clrMapOvr>
-  <mc:AlternateContent xmlns:mc="http://schemas.openxmlformats.org/markup-compatibility/2006">
-    <mc:Choice xmlns:p14="http://schemas.microsoft.com/office/powerpoint/2010/main" xmlns="" Requires="p14">
+  <mc:AlternateContent xmlns:mc="http://schemas.openxmlformats.org/markup-compatibility/2006" xmlns:p14="http://schemas.microsoft.com/office/powerpoint/2010/main">
+    <mc:Choice Requires="p14">
       <p:transition spd="slow" p14:dur="2000"/>
     </mc:Choice>
-    <mc:Fallback>
+    <mc:Fallback xmlns="">
       <p:transition spd="slow"/>
     </mc:Fallback>
   </mc:AlternateContent>

--- a/강의자료(ppt)/Chap19-데이터베이스-프로그래밍.pptx
+++ b/강의자료(ppt)/Chap19-데이터베이스-프로그래밍.pptx
@@ -648,9 +648,9 @@
             </emma:emma>
           </inkml:annotationXML>
           <inkml:trace contextRef="#ctx0" brushRef="#br0">-1953-6187 0,'-33'0'16,"0"0"0,33 32-16,-32-32 15,-33 65-15,32-65 16,-32 65-16,32-32 15,-32-1 1,33 34-16,-1-66 16,1 65-16,-1 0 15,33-33-15,-33 1 16,1 32-16,-1 0 16,-32-32-16,33 64 15,-1-64-15,1 32 16,-1-32-16,33 32 0,0 0 15,-33-32 1,33 32-16,0-33 16,0 1-16,0-1 15,0 34-15,0-34 16,0 33 0,0 0-1,0-32-15,0 32 16,33-32-16,-33-1 15,33 66-15,-33-33 16,32 0-16,1 0 16,-33 33-16,65 0 15,-33-33 1,-32 0-16,0 0 16,33-32-16,-1 32 15,1-33-15,-33 1 16,33 32-1,-1 0 1,-32-32-16,33 64 16,-1-97-16,1 33 15,-1 65-15,1-66 16,-33 1-16,33-1 16,-1 33-16,1-32 15,-1 0 1,1-1-1,-33 1 1,32-33 0,-32 32-1,33-32 1,-33 33-16,0-1 16,33 1-1,-1-1-15,-32 1 16,33 0 15</inkml:trace>
-          <inkml:trace contextRef="#ctx0" brushRef="#br0" timeOffset="1927.9151">-1628-5862 0,'33'0'78,"32"-32"-78,0 32 16,0 0-1,33 0-15,-33 0 16,65 0-16,-32 0 15,0 0-15,-1 0 16,-32 0-16,33 0 16,-33 0-16,0 0 15,0 0-15,-32 0 16,0 0-16,-1 0 16,1 0-16,-1 0 15,1 0 1,32 0-1,-32 0 1,-1 0 31</inkml:trace>
-          <inkml:trace contextRef="#ctx0" brushRef="#br0" timeOffset="53231.4967">-3810-4527 0,'33'0'47,"-1"0"-31,1-32-16,0 32 31,32 0-31,-33 0 16,1 0-1,-1 0-15,1-33 16,0 33-16,-1 0 16,1 0-1,-1 0 1,1 0-1,-1 0 17,1 0-32,65 0 15,-66 0 1,1 0 0,32 0-16,-33 0 15,1 0 1,0 0-1,-1 0-15,1 0 16,-1 0 0,1 0-1,32 0 1,-32 0 0,32 0-1,-33 0 1,1 0-1,-1 0 17,1 0-17,-1 0-15,1 0 16,0-32-16,-1 32 16,1 0-16,-33-33 31,32 33-16</inkml:trace>
-          <inkml:trace contextRef="#ctx0" brushRef="#br0" timeOffset="59423.2766">-5047-2703 0,'32'0'31,"34"-33"-16,-34 1 1,1 32 0,-1 0-16,33 0 15,1 0-15,-1 0 16,-33 0-16,33 0 16,1 0-16,31 0 15,-64 0-15,32 0 16,-33 0-16,1 0 15,0 0-15,-1 0 16,1 0-16,-1 0 47,1 0 31,-1 0-47,1 0-15,0 0 156,-1 0-125,1 0-16,-1 0-31,1 0 16,-1 0 30,1 0-30,-1 0 0,1 0-16,0 0 156,-33-33-140,0 1-16,0-34 15,-33 1-15,33 33 16,0-33-16,-33 0 15,33-1 1,-32 34-16,32-1 0,-33-64 16,33 64-1,0 0 1,-32 1-16,32-1 16,0 1 15,-33 32 63,1 0-79,-1-33 1,1 33-16,-34 0 15,34 0-15,-33 0 16,0 0-16,-1 0 16,34 0-16,-1 0 15,1 0 1,-33 0-16,0 0 16,32 0-1,0 0-15,1 0 16,-1 0-1,1 0 17,-1 0-17,1 0-15,-1 0 16,0-32-16,1 32 156,-1 0-140,1 0 46,-1 0 173,1 0-173,-1 0-46,0-33-16,1 33 15,-1 0 64,1 0-64,-1 0 16,1 0 16,64 33 125,-32 32-156,33 0-16,-33 0 15,0-32 1,32 32-16,-32-33 16,33-32-16,-33 33 15,0-1 1,0 1-16,0 0 16,32-33-1,-32 32-15,0 1 16,33-1-16,-33 1 15,0-1-15,0 1 16,0-1-16,0 1 16,0 0-1,0-1 1</inkml:trace>
+          <inkml:trace contextRef="#ctx0" brushRef="#br0" timeOffset="1927.91">-1628-5862 0,'33'0'78,"32"-32"-78,0 32 16,0 0-1,33 0-15,-33 0 16,65 0-16,-32 0 15,0 0-15,-1 0 16,-32 0-16,33 0 16,-33 0-16,0 0 15,0 0-15,-32 0 16,0 0-16,-1 0 16,1 0-16,-1 0 15,1 0 1,32 0-1,-32 0 1,-1 0 31</inkml:trace>
+          <inkml:trace contextRef="#ctx0" brushRef="#br0" timeOffset="53231.49">-3810-4527 0,'33'0'47,"-1"0"-31,1-32-16,0 32 31,32 0-31,-33 0 16,1 0-1,-1 0-15,1-33 16,0 33-16,-1 0 16,1 0-1,-1 0 1,1 0-1,-1 0 17,1 0-32,65 0 15,-66 0 1,1 0 0,32 0-16,-33 0 15,1 0 1,0 0-1,-1 0-15,1 0 16,-1 0 0,1 0-1,32 0 1,-32 0 0,32 0-1,-33 0 1,1 0-1,-1 0 17,1 0-17,-1 0-15,1 0 16,0-32-16,-1 32 16,1 0-16,-33-33 31,32 33-16</inkml:trace>
+          <inkml:trace contextRef="#ctx0" brushRef="#br0" timeOffset="59423.27">-5047-2703 0,'32'0'31,"34"-33"-16,-34 1 1,1 32 0,-1 0-16,33 0 15,1 0-15,-1 0 16,-33 0-16,33 0 16,1 0-16,31 0 15,-64 0-15,32 0 16,-33 0-16,1 0 15,0 0-15,-1 0 16,1 0-16,-1 0 47,1 0 31,-1 0-47,1 0-15,0 0 156,-1 0-125,1 0-16,-1 0-31,1 0 16,-1 0 30,1 0-30,-1 0 0,1 0-16,0 0 156,-33-33-140,0 1-16,0-34 15,-33 1-15,33 33 16,0-33-16,-33 0 15,33-1 1,-32 34-16,32-1 0,-33-64 16,33 64-1,0 0 1,-32 1-16,32-1 16,0 1 15,-33 32 63,1 0-79,-1-33 1,1 33-16,-34 0 15,34 0-15,-33 0 16,0 0-16,-1 0 16,34 0-16,-1 0 15,1 0 1,-33 0-16,0 0 16,32 0-1,0 0-15,1 0 16,-1 0-1,1 0 17,-1 0-17,1 0-15,-1 0 16,0-32-16,1 32 156,-1 0-140,1 0 46,-1 0 173,1 0-173,-1 0-46,0-33-16,1 33 15,-1 0 64,1 0-64,-1 0 16,1 0 16,64 33 125,-32 32-156,33 0-16,-33 0 15,0-32 1,32 32-16,-32-33 16,33-32-16,-33 33 15,0-1 1,0 1-16,0 0 16,32-33-1,-32 32-15,0 1 16,33-1-16,-33 1 15,0-1-15,0 1 16,0-1-16,0 1 16,0 0-1,0-1 1</inkml:trace>
         </inkml:traceGroup>
       </inkml:traceGroup>
     </inkml:traceGroup>
@@ -688,8 +688,8 @@
       <emma:emma xmlns:emma="http://www.w3.org/2003/04/emma" version="1.0">
         <emma:interpretation id="{1187055C-E61D-4EDF-A687-73DF07736885}" emma:medium="tactile" emma:mode="ink">
           <msink:context xmlns:msink="http://schemas.microsoft.com/ink/2010/main" type="inkDrawing" rotatedBoundingBox="1958,7941 2636,16510 1711,16583 1032,8014" semanticType="callout" shapeName="Other">
+            <msink:sourceLink direction="with" ref="{7B9FA826-E793-4D56-8808-869E409AF295}"/>
             <msink:sourceLink direction="with" ref="{A16CEACB-103A-4F7D-9A93-0D05458EE864}"/>
-            <msink:sourceLink direction="with" ref="{7B9FA826-E793-4D56-8808-869E409AF295}"/>
           </msink:context>
         </emma:interpretation>
       </emma:emma>
@@ -764,8 +764,8 @@
             </emma:emma>
           </inkml:annotationXML>
           <inkml:trace contextRef="#ctx0" brushRef="#br0">-4982 1367 0,'0'-32'31,"33"32"0,-1 0-15,1 0-16,-1 0 16,66 0-16,-65 0 15,32 0-15,0 0 16,0 0-16,0 0 16,33 0-16,-33-33 15,0 33-15,-32-32 16,-1 32-16,1 0 15,-1 0 1,1 0 78,-1 0-63,1 0 0,0 0 1,-1 0-1,1 0 31,-1 0 1,1 0-63,-1 0 31,-32 65 125,0-33-140,0 1-16,0 32 16,0-32-16,0-1 15,0 1-15,0 32 16,0-33-1,0 1-15,33 0 16,-33-1 0,0 1 15,0-1 16,0 1-32,0-1 1,0 1 0,0 0 15,0-1 16,-33-32 218,1 0-249,-66 0-16,33 0 16,0 0-16,0 0 15,0 0-15,-66 0 16,99 0-16,-33 0 16,32 0-16,1 0 15,-1 0 16,0 0 1,1 0-32,-1 0 15,1 0 1,-1 0 0,1 0-1,-1 0 1,0 0-1,1 0 17,-1 0-1,1 0 219</inkml:trace>
-          <inkml:trace contextRef="#ctx0" brushRef="#br0" timeOffset="-6615.4357">-4819 521 0,'32'0'79,"1"0"-79,32 0 15,-32 0-15,64 0 16,-31 0-16,31 0 15,1 0-15,0 0 16,-1 0-16,-32 0 16,1 0-16,-1 0 15,-33 0-15,1 0 16,-1 0-16,1 0 16,-1 0-16,1 0 31,0 0-31,-1 0 15,1 0 1,-1 0 0,33 0-1,1 0 1,-1 0-16,-33 0 0,33 0 16,1 0-1,-34 0-15,1 0 16,-1 0-16,33 0 15,-32 0-15,-1 0 32,1 0 15,0 0-32,-1 0 79,1 0-63,-1 0 16,1 0-16,-1 0-15</inkml:trace>
-          <inkml:trace contextRef="#ctx0" brushRef="#br0" timeOffset="962.7106">-5015 1335 0,'33'32'110,"-33"34"-110,0-34 15,33 66-15,-33-33 16,0-33-16,0 1 16,0 65-16,32-66 31,-32 1-31,0-1 15,0 1 1,33-33-16,-33 33 31</inkml:trace>
+          <inkml:trace contextRef="#ctx0" brushRef="#br0" timeOffset="-6615.44">-4819 521 0,'32'0'79,"1"0"-79,32 0 15,-32 0-15,64 0 16,-31 0-16,31 0 15,1 0-15,0 0 16,-1 0-16,-32 0 16,1 0-16,-1 0 15,-33 0-15,1 0 16,-1 0-16,1 0 16,-1 0-16,1 0 31,0 0-31,-1 0 15,1 0 1,-1 0 0,33 0-1,1 0 1,-1 0-16,-33 0 0,33 0 16,1 0-1,-34 0-15,1 0 16,-1 0-16,33 0 15,-32 0-15,-1 0 32,1 0 15,0 0-32,-1 0 79,1 0-63,-1 0 16,1 0-16,-1 0-15</inkml:trace>
+          <inkml:trace contextRef="#ctx0" brushRef="#br0" timeOffset="962.71">-5015 1335 0,'33'32'110,"-33"34"-110,0-34 15,33 66-15,-33-33 16,0-33-16,0 1 16,0 65-16,32-66 31,-32 1-31,0-1 15,0 1 1,33-33-16,-33 33 31</inkml:trace>
         </inkml:traceGroup>
         <inkml:traceGroup>
           <inkml:annotationXML>
@@ -775,7 +775,7 @@
               </emma:interpretation>
             </emma:emma>
           </inkml:annotationXML>
-          <inkml:trace contextRef="#ctx0" brushRef="#br0" timeOffset="-2574.9766">-5015 1465 0,'0'33'0,"0"-1"15,0 33-15,33-32 16,-33-1-16,0 1 16,0 0-1,0-1-15,33 1 16,-1-1-16,-32 1 15,0-1-15,0 34 16,0-34 15</inkml:trace>
+          <inkml:trace contextRef="#ctx0" brushRef="#br0" timeOffset="-2574.98">-5015 1465 0,'0'33'0,"0"-1"15,0 33-15,33-32 16,-33-1-16,0 1 16,0 0-1,0-1-15,33 1 16,-1-1-16,-32 1 15,0-1-15,0 34 16,0-34 15</inkml:trace>
         </inkml:traceGroup>
       </inkml:traceGroup>
     </inkml:traceGroup>
@@ -822,6 +822,87 @@
 </file>
 
 <file path=ppt/ink/ink16.xml><?xml version="1.0" encoding="utf-8"?>
+<inkml:ink xmlns:inkml="http://www.w3.org/2003/InkML">
+  <inkml:definitions>
+    <inkml:context xml:id="ctx0">
+      <inkml:inkSource xml:id="inkSrc0">
+        <inkml:traceFormat>
+          <inkml:channel name="X" type="integer" max="1920" units="cm"/>
+          <inkml:channel name="Y" type="integer" max="1080" units="cm"/>
+          <inkml:channel name="T" type="integer" max="2.14748E9" units="dev"/>
+        </inkml:traceFormat>
+        <inkml:channelProperties>
+          <inkml:channelProperty channel="X" name="resolution" value="36.43264" units="1/cm"/>
+          <inkml:channelProperty channel="Y" name="resolution" value="36.48649" units="1/cm"/>
+          <inkml:channelProperty channel="T" name="resolution" value="1" units="1/dev"/>
+        </inkml:channelProperties>
+      </inkml:inkSource>
+      <inkml:timestamp xml:id="ts0" timeString="2021-04-12T01:56:19.090"/>
+    </inkml:context>
+    <inkml:brush xml:id="br0">
+      <inkml:brushProperty name="width" value="0.05292" units="cm"/>
+      <inkml:brushProperty name="height" value="0.05292" units="cm"/>
+      <inkml:brushProperty name="color" value="#FF0000"/>
+    </inkml:brush>
+  </inkml:definitions>
+  <inkml:trace contextRef="#ctx0" brushRef="#br0">2469 6068 0,'36'0'16,"70"0"-1,105 0 1,89 0 15,-106 0-31,18 35 16,264 0-1,124-17 1,-247-18 0,-71 0-1,-35 0 1,0 0 0,-36 0-1,-34 18 1,-71-1-1,-54 1-15</inkml:trace>
+  <inkml:trace contextRef="#ctx0" brushRef="#br0" timeOffset="41955.13">15293 2699 0,'0'53'47,"0"0"-47,-35 0 15,-18 105 1,17-34 0,19-18-1,17-89 1</inkml:trace>
+  <inkml:trace contextRef="#ctx0" brushRef="#br0" timeOffset="43934.13">15275 2699 0,'18'0'63,"0"0"-48,-1 0-15,1 0 16,-1 0-16,36 0 15,0 0 1,0 0 0,-17 0 15,-19 0-15,18 0-1,-17 17 1,0 36-1,17 18 1,0 17 0,1-35-1,-36-35 1,0 52 0,0-17-1,0-18 1,0 18-1,0-35 17,0 0-17,0-1-15,0 1 47,-18-18-31,-17 35-1,-1-35 1,-17 35 0,36-35-16,-1 18 15,-35 0 1,18-18 0,35 17-1,-18-17 1,-17 0-1,-18 0 1,-70 0 15,70 0-15,17 0 0,19 0-16,-1 0 15,1 0 1,-1 0-1,0-35 1,-17 17 0,35-35-1,0 1 1,0 16 0</inkml:trace>
+  <inkml:trace contextRef="#ctx0" brushRef="#br0" timeOffset="45403.38">16581 2822 0,'-18'-17'0,"18"-1"16,-18 18 0,1-18-1,-19 1 1,19 17 0,-1-18-1,0 18 1,-17 0-1,0 0 1,-53 0 0,70 0-1,0 0 1,-34 0 0,-1 18-1,-18-1 1,53 19-1,1-19 1,-19 1 0,19 17-1,-1 0 1,1 18 0,-1 18-1,-17-18 1,17 0-1,0 17 17,18-52-32,0 35 31,0-18-15,18 36-1,35-18 1,-18-36-1,-17-17 1,35 18 0,-18-18-1,0 0 1,36 0 0,-1 0-1,36-53 1,-53 18-1,-18 17 1,-17 0 0,17-17 15,-35 17-15,18 1-1,-18-1 16,18 1 1,-1 17-17</inkml:trace>
+  <inkml:trace contextRef="#ctx0" brushRef="#br0" timeOffset="46578.13">16916 2769 0,'-18'36'16,"0"-19"-16,1 19 15,-1 34 1,-17 1 0,35-1-1,-18-35 1,18 18 0,0-17-1,-17-19 1,17 1-1,0 35 1,-18-36 0,18 1 15,0 0 0,0-1 110,0 1-126,0 0 1,0-1 62,18-17-47,-1 0-15,1 0-16,70 0 16,18 0-1,-36 0 1,-17 0 0,-17 0-1,-19 0 32,1 0-31,0 0-1,-1 0 1,1 0 0</inkml:trace>
+  <inkml:trace contextRef="#ctx0" brushRef="#br0" timeOffset="50242.19">17392 3034 0,'35'0'47,"-17"0"-31,88-18-1,-53 1 1,88-1 0,17-17-1,-52-1 1,-70 36-16,-19 0 16</inkml:trace>
+  <inkml:trace contextRef="#ctx0" brushRef="#br0" timeOffset="50917.24">18045 2663 0,'17'0'47,"1"18"-47,17 0 16,-17-1-1,35 19 1,-53-19-16,35 1 16,-35 0-1,18 17 1,17 0 0,-35-17-1,0 17 1,0 0-1,0 1 1,0-1 0,0-17 15,-53 52-15,18-35-1,-18 18 1,18-35-1,-1 0 1,19-1 0</inkml:trace>
+  <inkml:trace contextRef="#ctx0" brushRef="#br0" timeOffset="51383.59">18768 2505 0,'0'53'15,"0"-18"-15,-18 106 16,1 18 0,-1-36-1,0-17 17,18-35-17,-17-36 1,17-17-1</inkml:trace>
+  <inkml:trace contextRef="#ctx0" brushRef="#br0" timeOffset="52491.12">18803 2716 0,'0'0'16,"18"0"-16,-1 0 16,1 0-1,17 0 1,-17 0-1,0 0 1,-1 0 0,1 0-1,-1 18 17,19 17-17,-1 1 1,-17-1-1,17 35 1,-17-17 0,-18-17-1,0-1 1,0 0 0,0 0-1,0-17 1,-18 0-1,18-1 1,-35 19 0,17-36 15,0 17-15,1 1-1,-19 0 1,19-18-1,-1 0 1,-17 0 0,17 0-1,1 0 1,-19 0 0,19 0-1,-1 0 32,0 0-31,1 0-1,-1 0 17,1 0 14</inkml:trace>
+  <inkml:trace contextRef="#ctx0" brushRef="#br0" timeOffset="56035.7">19350 2681 0,'0'18'47,"0"17"-47,-18 0 16,18 54-1,0-19 1,-17 1 0,17-36-1,0 18 1,0-18 0,0-17-1,-18-1 1,18 1-1</inkml:trace>
+  <inkml:trace contextRef="#ctx0" brushRef="#br0" timeOffset="57102.09">19420 2646 0,'53'0'16,"-35"0"-16,35 0 16,-18 0-1,18 0 1,-35 0-1,-1 0 1,1 0 0,0 17 15,-1 1-15,19 17-1,-1 1 1,0 17-1,-35-36-15,35 36 16,-17-18 0,-18 36-1,0-18 1,0 17 0,0-17-1,-18 0 1,1-17 15,-1-36-31,18 17 16,-18 1-1,1-18-15,-1 0 16,1 17 0,-19 1-1,1-18 1,0 0-1,17 0 1,-17 0 0,-18 0-1,18 0 1,-1 0 0,19 0-1,-19 0 1,19 0-1,17-18 17,-18 18-32,18-17 0,0-1 31,0 1-15,0-1-1,0 0 1,0 1-16</inkml:trace>
+  <inkml:trace contextRef="#ctx0" brushRef="#br0" timeOffset="58211.13">20197 2646 0,'17'0'15,"-17"17"-15,0 36 32,0-17-32,0-1 15,0 53 1,0-17-1,0-1 1,0-34 0,0-1-1,0-18 1,-17 1 0,17 0-1,0-1 1,0 19-1,0-19 1,0 1 0,0 0 46,0-1 48,17-17-79,1 0-31,17 0 15,-17 0-15,17 0 16,53 0 15,-53 0-15,-17 0 0,17 0 15,-17 0-16,0 0 1,17 0 0</inkml:trace>
+  <inkml:trace contextRef="#ctx0" brushRef="#br0" timeOffset="62570.81">20726 3034 0,'17'0'62,"1"0"-62,17 0 16,36 0-1,-18 0 1,53 0 0,-36 0-1,1 0 1,-36 18 0,-17-18-1,-1 0 1</inkml:trace>
+  <inkml:trace contextRef="#ctx0" brushRef="#br0" timeOffset="63562.68">21220 2875 0,'17'0'47,"1"18"-32,0-1 1,-1 1 0,1-18-16,-1 18 15,1-1 1,0 1 0,17-18-1,-17 18 1,17-1-1,-17-17 48,-18 18-32,0 0-15,-18-1-1,0 1 1,1-1 0,-1 19-16,-35 17 15,0 0 1,18-1 0,17-16-1,1-19 1,17 1-1,-18-18 1</inkml:trace>
+  <inkml:trace contextRef="#ctx0" brushRef="#br0" timeOffset="64584.29">22207 2681 0,'-17'0'16,"-1"0"-16,0-18 15,-17 18 17,0 0-17,-18 0 1,18 0-1,-1 0 1,-16 0 0,34 0-1,-17 0 1,17 36 0,-35 17-1,18 0 1,17-18-1,-17 35 1,35-17 0,0 18 15,0-36-15,0 18-1,0 0 1,17-35-1,1-1 1,0-17 0,-1 0-16,19 0 31,-1 0-15,18 0-1,-18-17 1,0-1-1,-17 18 1,-18-18 15,18 1-15,-18-1 0,17 0-1</inkml:trace>
+  <inkml:trace contextRef="#ctx0" brushRef="#br0" timeOffset="65155.03">22225 2734 0,'0'35'47,"0"1"-47,0 52 31,-18 18-15,1-1 0,17-52-1,0-17 1,0-19-1,0 1 1</inkml:trace>
+  <inkml:trace contextRef="#ctx0" brushRef="#br0" timeOffset="66333.97">22225 2716 0,'0'-17'16,"18"17"-1,-18-18-15,17 0 16,19 1 15,-1-1-15,-18 18 0,19 0-1,-19-17 1,1 17-1,0 0 1,-1 0 0,1 0-1,0 0 1,17 17 0,-35 18-1,18 1 1,-18-1-1,0 0 1,0-17-16,0 17 16,0-17 15,-18 0-15,-17 17-1,17-18 1,0 1-1,-17 0 1,0-18 0,-1 0-1,19 17 1,-18-17 0,17 0-1,0 0 16,18-17 32,18 17-32,0 0-15,-1 0-1,1 0 1,17 0-16,-17 0 16,17 17-1,0 19 1,1 17 0,17 17-1,-36-35 1,1 1-1,-1-36 79</inkml:trace>
+  <inkml:trace contextRef="#ctx0" brushRef="#br0" timeOffset="67595.11">22737 2681 0,'0'18'47,"0"-1"-32,0 19-15,0-19 16,0 36-1,0-17 1,0 34 0,0-17-1,0 0 1,0-18 0,0-17-1,0-1-15,17 19 31,1-19-15,-1-17 15,1 18-15,0-18 0,-1 0-1,19 0 1,-19 0-1,1 0 1,0 0 0,-1 0-1,1 0 1,17-18 0,-17 1-1,-1-1 1,1 0-1,17-17 1,-17 0 0,-18-18 15,18 35-15,-18-17-1,0-18 1,0 18-1,17-18 1,-17-18 0,0 54-1,0-1-15,0 0 16,0 1 0</inkml:trace>
+  <inkml:trace contextRef="#ctx0" brushRef="#br0" timeOffset="68170.56">23424 2575 0,'0'0'0,"0"18"16,0 17-16,0 0 15,0 71 17,0-35-17,0 17 1,0 0 0,0-35-1,0 0 1,0-35-1</inkml:trace>
+  <inkml:trace contextRef="#ctx0" brushRef="#br0" timeOffset="69484.24">23513 2593 0,'0'0'16,"17"0"-16,1-18 16,35 18-1,-36 0 1,1 0-1,0 0 48,-1 0-63,1 0 16,35 36-1,-18-1 1,1-18-1,-19 1 1,1 17 0,-1 1-1,1 17 1,0-18 0,-18 0-1,0 18 1,0-18-1,0 1 1,0-1 0,0-17-16,0 34 31,0-16-15,-18-19-1,0 1 1,18 0-1,-35-1 1,18-17 0,-1 18 15,-17 0-15,17-18-1,0 0 1,1 0-1,-1 0 1,-17 0 0,17 0 15,0 0-15,1 0-1,-1 0 1,1 0-1,-1 0 1,0 0 15,18-18-31,-17 18 16,-1-35 0,0 35-1,18-18 1</inkml:trace>
+  <inkml:trace contextRef="#ctx0" brushRef="#br0" timeOffset="74234.24">21784 3616 0,'0'18'63,"-18"-1"-48,1 1 1,-1-18-16,0 35 15,1 0 1,-54 36 0,54-18 15,-1-18-15,0 18-1,18-18 1,0 1-1,0 17 1,0-18 0,18 0-1,17-17 1,-17 17 0,17-35-1</inkml:trace>
+  <inkml:trace contextRef="#ctx0" brushRef="#br0" timeOffset="74698.23">21996 3581 0,'0'53'47,"0"0"-31,0 70-1,0-52-15,-36 70 16,36-53 0,0-53-1</inkml:trace>
+  <inkml:trace contextRef="#ctx0" brushRef="#br0" timeOffset="75419.1">22084 3669 0,'70'0'31,"-52"0"-31,0 0 0,17 0 31,-17 0-15,-1 0 0,19 0-1,-19 35 1,18-17-1,-17 35 1,0 0 0,-18-18-1,0 18 1,0-18 0,0 18-1,-36 18 1,1-18-1,-18-18 1,18-18 0,-18 19 15,18-19-15,-18 1-1,35-18 1,1 0-1,-1 0 1,0 0 0,1-35-1,-1 17 1</inkml:trace>
+  <inkml:trace contextRef="#ctx0" brushRef="#br0" timeOffset="76666.22">22666 3739 0,'0'36'31,"0"-1"-15,0 0-16,0 71 31,-18-18-15,1-35-16,17-35 15,0 0 1,0-54 78,0-17-94,17 18 15,-17-18-15,18 18 16,17-36-1,-17 1 1,-18 17 0,18 35 15,-1 18 47,36 124-62,-35-89-1,35 35 1,-36-34-16,1-19 16,17 19-1,-17-36 16,-1 0-15,1-18 15,35-53-15,0 1 0,-18 17-1,1 0 1,-19 0-1,1 36 1,-18 52 93,0 0-93,0 0-16,0 36 16,0-1 15,0 1-15,0-36-1,0 1 1</inkml:trace>
+  <inkml:trace contextRef="#ctx0" brushRef="#br0" timeOffset="77507.14">23566 3687 0,'0'17'47,"0"18"-47,0 36 31,17 0-15,1-1 0,-18-17-1,17-35 141,1-18-109,0 0-47,-1 0 16,19 0 0,-19 0-1,19 0 1,-1 0-1,0 0 1</inkml:trace>
+  <inkml:trace contextRef="#ctx0" brushRef="#br0" timeOffset="78068.14">24042 3528 0,'17'0'16,"1"0"0,17 0-16,1 53 15,17 0 1,-18 17-1,-18-17 1,1 0 0,-18-18-1,0 18 1,-18-18 0,1 18-1,-1 0 1,1-35-1,17 0 17</inkml:trace>
+</inkml:ink>
+</file>
+
+<file path=ppt/ink/ink17.xml><?xml version="1.0" encoding="utf-8"?>
+<inkml:ink xmlns:inkml="http://www.w3.org/2003/InkML">
+  <inkml:definitions>
+    <inkml:context xml:id="ctx0">
+      <inkml:inkSource xml:id="inkSrc0">
+        <inkml:traceFormat>
+          <inkml:channel name="X" type="integer" max="1920" units="cm"/>
+          <inkml:channel name="Y" type="integer" max="1080" units="cm"/>
+          <inkml:channel name="T" type="integer" max="2.14748E9" units="dev"/>
+        </inkml:traceFormat>
+        <inkml:channelProperties>
+          <inkml:channelProperty channel="X" name="resolution" value="36.43264" units="1/cm"/>
+          <inkml:channelProperty channel="Y" name="resolution" value="36.48649" units="1/cm"/>
+          <inkml:channelProperty channel="T" name="resolution" value="1" units="1/dev"/>
+        </inkml:channelProperties>
+      </inkml:inkSource>
+      <inkml:timestamp xml:id="ts0" timeString="2021-04-12T01:58:43.853"/>
+    </inkml:context>
+    <inkml:brush xml:id="br0">
+      <inkml:brushProperty name="width" value="0.05292" units="cm"/>
+      <inkml:brushProperty name="height" value="0.05292" units="cm"/>
+      <inkml:brushProperty name="color" value="#FF0000"/>
+    </inkml:brush>
+  </inkml:definitions>
+  <inkml:trace contextRef="#ctx0" brushRef="#br0">4780 12294 0,'18'0'109,"-1"0"-93,1 0-16,35 0 31,0 0-31,17 0 31,19 0-15,-19 18 0,1-18-1,-36 0 1,-17 0-1,-1 0 1,19 0 0,17 0-1,-36 0-15,36 0 16,18 0 0,-36 0 15,0 0-16,-17 0-15,17 0 32,-17 0-17,17 0 1,36 18 0,34-1-1,-69-17 1,52 0-1,-35 0 1,0 0 0,0 0-1,0 0 1,-18 0 0,18 0-1,-36 0 1,1 0-1,0 0 17,17 0-17,-17 0 1,-1 0 0</inkml:trace>
+</inkml:ink>
+</file>
+
+<file path=ppt/ink/ink18.xml><?xml version="1.0" encoding="utf-8"?>
 <inkml:ink xmlns:inkml="http://www.w3.org/2003/InkML">
   <inkml:definitions>
     <inkml:context xml:id="ctx0">
@@ -884,8 +965,8 @@
             </emma:emma>
           </inkml:annotationXML>
           <inkml:trace contextRef="#ctx0" brushRef="#br0">32-130 0,'0'33'62,"0"-1"-46,0 1-16,-32 32 16,32-33-16,0 1 15,0 0-15,0-1 16,0 1-16,0 32 15,0-33 1,0 1 15,0-1 63,0 1-78,0 0 15,0-1 0,0 1 157,32-1-157,1-32-15,32 0-16,0 0 15,0 98-15,0-98 16,1 65-16,-34-32 15,1-33 1,-33 32-16,32-32 16</inkml:trace>
-          <inkml:trace contextRef="#ctx0" brushRef="#br0" timeOffset="-1167.7565">586 196 0,'0'32'15,"0"1"1,-65-33 0,32 0-16,1 32 15,-33-32-15,32 0 16,-65 33-16,33-33 16,33 0-16,-1 0 15,0 32 63</inkml:trace>
-          <inkml:trace contextRef="#ctx0" brushRef="#br0" timeOffset="-1775.7136">488 0 0,'-32'0'63,"-1"0"-48,33 33 1,-32-33-1,-1 0 1,0 32 0,1-32-1,-1 33 1,-32 0 15,33-33-31,-1 0 16,0 32-1,1 1 1,-1-33-16,1 0 16</inkml:trace>
+          <inkml:trace contextRef="#ctx0" brushRef="#br0" timeOffset="-1167.76">586 196 0,'0'32'15,"0"1"1,-65-33 0,32 0-16,1 32 15,-33-32-15,32 0 16,-65 33-16,33-33 16,33 0-16,-1 0 15,0 32 63</inkml:trace>
+          <inkml:trace contextRef="#ctx0" brushRef="#br0" timeOffset="-1775.72">488 0 0,'-32'0'63,"-1"0"-48,33 33 1,-32-33-1,-1 0 1,0 32 0,1-32-1,-1 33 1,-32 0 15,33-33-31,-1 0 16,0 32-1,1 1 1,-1-33-16,1 0 16</inkml:trace>
         </inkml:traceGroup>
         <inkml:traceGroup>
           <inkml:annotationXML>
@@ -912,7 +993,7 @@
               </emma:one-of>
             </emma:emma>
           </inkml:annotationXML>
-          <inkml:trace contextRef="#ctx0" brushRef="#br0" timeOffset="2616.0889">-1889 521 0</inkml:trace>
+          <inkml:trace contextRef="#ctx0" brushRef="#br0" timeOffset="2616.08">-1889 521 0</inkml:trace>
         </inkml:traceGroup>
       </inkml:traceGroup>
     </inkml:traceGroup>
@@ -920,7 +1001,7 @@
 </inkml:ink>
 </file>
 
-<file path=ppt/ink/ink17.xml><?xml version="1.0" encoding="utf-8"?>
+<file path=ppt/ink/ink19.xml><?xml version="1.0" encoding="utf-8"?>
 <inkml:ink xmlns:inkml="http://www.w3.org/2003/InkML">
   <inkml:definitions>
     <inkml:context xml:id="ctx0">
@@ -956,86 +1037,6 @@
       </emma:emma>
     </inkml:annotationXML>
     <inkml:trace contextRef="#ctx0" brushRef="#br0">0 0 0,'32'0'47,"1"0"-47,65 0 16,-66 0-16,66 0 15,32 0-15,33 0 16,32 0-16,-32 0 16,65 0-16,-65 0 15,32 0-15,-32 0 16,0 0-16,-33 0 16,-32 0-16,32 0 15,-32 0-15,-66 0 16,33 0-16,1 0 15,-1 0-15,0 0 16,0 0-16,33 0 16,-33 0-16,65 0 15,-97 0-15,64 0 16,34 0 0,-34 0-16,-32 0 15,66 0-15,-99 0 16,66 0-16,0 0 15,-1 0-15,1 0 16,32 0-16,1 0 16,-34 0-16,1 0 15,32 0-15,-32 0 16,-33 0-16,33 0 16,-33 0-16,0 0 15,0 0-15,-32 0 16,-1 0-16,33 0 15,-32 0-15,32 0 16,-32 0-16,-1 0 16,1 0-16,-1 0 15,1 0-15,32 0 16,-32 0 0,-1 0-1,1 0-15,32 0 16,-33 0-1,1 0-15,-1 0 32,1 0 46,0 0-63,-1 0 1,1 0 15,-1 0-15,1 0 0,32 0-1,-32 0-15,32 0 16,-33 0-1,1 0 1,-1 0 0,1 0-1,-1 0-15,1 0 16</inkml:trace>
-  </inkml:traceGroup>
-</inkml:ink>
-</file>
-
-<file path=ppt/ink/ink18.xml><?xml version="1.0" encoding="utf-8"?>
-<inkml:ink xmlns:inkml="http://www.w3.org/2003/InkML">
-  <inkml:definitions>
-    <inkml:context xml:id="ctx0">
-      <inkml:inkSource xml:id="inkSrc0">
-        <inkml:traceFormat>
-          <inkml:channel name="X" type="integer" max="1920" units="cm"/>
-          <inkml:channel name="Y" type="integer" max="1080" units="cm"/>
-          <inkml:channel name="T" type="integer" max="2.14748E9" units="dev"/>
-        </inkml:traceFormat>
-        <inkml:channelProperties>
-          <inkml:channelProperty channel="X" name="resolution" value="36.85221" units="1/cm"/>
-          <inkml:channelProperty channel="Y" name="resolution" value="36.86007" units="1/cm"/>
-          <inkml:channelProperty channel="T" name="resolution" value="1" units="1/dev"/>
-        </inkml:channelProperties>
-      </inkml:inkSource>
-      <inkml:timestamp xml:id="ts0" timeString="2021-04-09T08:18:54.369"/>
-    </inkml:context>
-    <inkml:brush xml:id="br0">
-      <inkml:brushProperty name="width" value="0.06667" units="cm"/>
-      <inkml:brushProperty name="height" value="0.06667" units="cm"/>
-      <inkml:brushProperty name="color" value="#ED1C24"/>
-      <inkml:brushProperty name="fitToCurve" value="1"/>
-    </inkml:brush>
-  </inkml:definitions>
-  <inkml:traceGroup>
-    <inkml:annotationXML>
-      <emma:emma xmlns:emma="http://www.w3.org/2003/04/emma" version="1.0">
-        <emma:interpretation id="{CA743E89-497F-4A81-88E6-1DC5CEA296BC}" emma:medium="tactile" emma:mode="ink">
-          <msink:context xmlns:msink="http://schemas.microsoft.com/ink/2010/main" type="inkDrawing" rotatedBoundingBox="17694,8219 19903,8133 19953,9407 17744,9494" semanticType="enclosure" shapeName="Other"/>
-        </emma:interpretation>
-      </emma:emma>
-    </inkml:annotationXML>
-    <inkml:trace contextRef="#ctx0" brushRef="#br0">1075 1210 0,'-66'0'16,"-31"0"-16,64-32 15,-97-1-15,65 33 16,0-32-16,0 32 16,-1 0-16,34 0 15,-1-33 1,1 1 0,-1 32-16,1 0 15,-1-66-15,0 34 16,1-33-16,-1 32 15,1 1-15,-1-1 16,1-32-16,-1 32 16,33 1-1,0-1-15,-32 1 16,32-1-16,-33 33 16,33-32-16,0-1 15,0-32 1,0 0-1,33 32-15,32 1 16,0-1-16,0 0 16,98-32-16,-66 33 15,66-1-15,33 1 16,-34-1-16,1 0 16,-32 33-16,-1 0 15,0 0-15,-65 0 16,33 0-16,-66 0 15,66 33-15,-65-33 16,32 33-16,-33 32 16,33 0-16,1 0 15,-34 0-15,1 33 16,-33 0-16,32-33 16,-32 32-16,0-32 15,0 1-15,0-34 16,-32 33-16,-1-32 15,-32 32-15,0-32 16,-33-1-16,33 33 16,-33-32-16,-32-33 15,65 32-15,-65 1 16,97-33-16,-32 32 16,33-32-1,-1 0-15,0 0 16,1 0-16</inkml:trace>
-  </inkml:traceGroup>
-</inkml:ink>
-</file>
-
-<file path=ppt/ink/ink19.xml><?xml version="1.0" encoding="utf-8"?>
-<inkml:ink xmlns:inkml="http://www.w3.org/2003/InkML">
-  <inkml:definitions>
-    <inkml:context xml:id="ctx0">
-      <inkml:inkSource xml:id="inkSrc0">
-        <inkml:traceFormat>
-          <inkml:channel name="X" type="integer" max="1920" units="cm"/>
-          <inkml:channel name="Y" type="integer" max="1080" units="cm"/>
-          <inkml:channel name="T" type="integer" max="2.14748E9" units="dev"/>
-        </inkml:traceFormat>
-        <inkml:channelProperties>
-          <inkml:channelProperty channel="X" name="resolution" value="36.85221" units="1/cm"/>
-          <inkml:channelProperty channel="Y" name="resolution" value="36.86007" units="1/cm"/>
-          <inkml:channelProperty channel="T" name="resolution" value="1" units="1/dev"/>
-        </inkml:channelProperties>
-      </inkml:inkSource>
-      <inkml:timestamp xml:id="ts0" timeString="2021-04-09T08:19:37.465"/>
-    </inkml:context>
-    <inkml:brush xml:id="br0">
-      <inkml:brushProperty name="width" value="0.06667" units="cm"/>
-      <inkml:brushProperty name="height" value="0.06667" units="cm"/>
-      <inkml:brushProperty name="color" value="#ED1C24"/>
-      <inkml:brushProperty name="fitToCurve" value="1"/>
-    </inkml:brush>
-  </inkml:definitions>
-  <inkml:traceGroup>
-    <inkml:annotationXML>
-      <emma:emma xmlns:emma="http://www.w3.org/2003/04/emma" version="1.0">
-        <emma:interpretation id="{0FE7B5D9-ABCA-44F0-9F3B-303B4F10AB99}" emma:medium="tactile" emma:mode="ink">
-          <msink:context xmlns:msink="http://schemas.microsoft.com/ink/2010/main" type="inkDrawing" rotatedBoundingBox="12351,6612 12495,8219 11941,8269 11796,6662" semanticType="callout" shapeName="Other">
-            <msink:sourceLink direction="to" ref="{26D03497-33AB-49E9-8980-82C3A430AB41}"/>
-            <msink:sourceLink direction="from" ref="{38026C0C-F65E-4598-8345-023C11581F69}"/>
-          </msink:context>
-        </emma:interpretation>
-      </emma:emma>
-    </inkml:annotationXML>
-    <inkml:trace contextRef="#ctx0" brushRef="#br0">10 0 0,'0'65'16,"0"33"-16,0-1 15,0 1-15,0 32 16,0-32 0,0 0-16,0 0 15,0-33-15,0 0 16,65 32-16,-65-64 15,0 32-15,33 33 16,-33-66-16,0 1 16,0 0-16,32-1 15</inkml:trace>
-    <inkml:trace contextRef="#ctx0" brushRef="#br0" timeOffset="936.5063">-87 1368 0,'32'32'31,"1"-32"-16,32 33 1,-33-1 0,-32 1-1,33-33-15,-1 0 16,-32 32 0,33-32 15,0 0 31,-33 33-46,32-33 0,-32 33 15,33-33 125,-1-33-140,1-32-1,-1 32-15,-32 1 16,66-33 0,-34 32-1,-32 1 32</inkml:trace>
   </inkml:traceGroup>
 </inkml:ink>
 </file>
@@ -1103,7 +1104,7 @@
             </emma:emma>
           </inkml:annotationXML>
           <inkml:trace contextRef="#ctx0" brushRef="#br0">1013-862 0,'-32'0'16,"64"33"-16,-32 32 15,0-33-15,0 33 16,0 0-16,0-32 16,0 32-16,33-32 15,-33-1-15,0 1 16,0-1-1</inkml:trace>
-          <inkml:trace contextRef="#ctx0" brushRef="#br0" timeOffset="-608.6011">590-960 0,'-65'0'0,"-1"0"16,34 0-16,-33 0 15,32-32-15,-32 32 16,0 0 0,0 0-16,0 0 15,32 0-15,-32 0 16,32 0-16,1 0 15,-33 0 1,32 0 0,1 0-1,32 32 17,0 1-17,0-1-15,0 34 16,0-34-16,32 1 15,1-1-15,-1 1 16,1-1 0,32-32-1,-32 0 1,-1 0-16,1 0 31,-1 0-31,1 0 16,32 0-16,-32 0 15,-1 0 1,33 0-16,-32 0 16,32 0-1,0 0-15,-32 0 16,32 0-16,-33 0 16,1 0-16,32 0 15,-32 33 32,-33-1-47,0 34 16,0-34-1,0 1 1,0-1 0,-33-32-1,-32 33 1,32-33-1,1 0-15,-33 32 16,32-32-16,0 0 16,1 0-16,-33 0 15,32 0-15,1 0 16,-1 0 0,1 0-16,-1 0 15,0 0-15,1 0 31,-1 0-15,1 0 31</inkml:trace>
+          <inkml:trace contextRef="#ctx0" brushRef="#br0" timeOffset="-608.61">590-960 0,'-65'0'0,"-1"0"16,34 0-16,-33 0 15,32-32-15,-32 32 16,0 0 0,0 0-16,0 0 15,32 0-15,-32 0 16,32 0-16,1 0 15,-33 0 1,32 0 0,1 0-1,32 32 17,0 1-17,0-1-15,0 34 16,0-34-16,32 1 15,1-1-15,-1 1 16,1-1 0,32-32-1,-32 0 1,-1 0-16,1 0 31,-1 0-31,1 0 16,32 0-16,-32 0 15,-1 0 1,33 0-16,-32 0 16,32 0-1,0 0-15,-32 0 16,32 0-16,-33 0 16,1 0-16,32 0 15,-32 33 32,-33-1-47,0 34 16,0-34-1,0 1 1,0-1 0,-33-32-1,-32 33 1,32-33-1,1 0-15,-33 32 16,32-32-16,0 0 16,1 0-16,-33 0 15,32 0-15,1 0 16,-1 0 0,1 0-16,-1 0 15,0 0-15,1 0 31,-1 0-15,1 0 31</inkml:trace>
         </inkml:traceGroup>
         <inkml:traceGroup>
           <inkml:annotationXML>
@@ -1130,7 +1131,7 @@
               </emma:one-of>
             </emma:emma>
           </inkml:annotationXML>
-          <inkml:trace contextRef="#ctx0" brushRef="#br0" timeOffset="823.6518">981-1057 0,'0'-33'15,"32"33"1,1-33 0,-1 33-1,-32-32 16,65 32-15,0 0 0,-32 0-1,0 0 1,32 0 0,-33 0-1,1 32-15,-1 1 16,1 0-1,-33-1 1,0 1 15,0-1-31,0 1 16,0-1 0,0 1-16,0 0 31,-33-1 16,1-32-32,-1 0 1,1 0 0,-1 0-16,1 0 15,-1 0 1,0 0 15,1 0-31,-1 0 31,1-32-31,-1 32 32</inkml:trace>
+          <inkml:trace contextRef="#ctx0" brushRef="#br0" timeOffset="823.65">981-1057 0,'0'-33'15,"32"33"1,1-33 0,-1 33-1,-32-32 16,65 32-15,0 0 0,-32 0-1,0 0 1,32 0 0,-33 0-1,1 32-15,-1 1 16,1 0-1,-33-1 1,0 1 15,0-1-31,0 1 16,0-1 0,0 1-16,0 0 31,-33-1 16,1-32-32,-1 0 1,1 0 0,-1 0-16,1 0 15,-1 0 1,0 0 15,1 0-31,-1 0 31,1-32-31,-1 32 32</inkml:trace>
         </inkml:traceGroup>
         <inkml:traceGroup>
           <inkml:annotationXML>
@@ -1157,8 +1158,8 @@
               </emma:one-of>
             </emma:emma>
           </inkml:annotationXML>
-          <inkml:trace contextRef="#ctx0" brushRef="#br0" timeOffset="1303.5787">2023-1318 0</inkml:trace>
-          <inkml:trace contextRef="#ctx0" brushRef="#br0" timeOffset="1919.4603">2023-960 0,'0'33'16,"0"-1"0,0 1-1,0 0 17,32-1-32,-32 1 31,0-1-16,0 1 1,0-1 0,33 1-1,-33-1-15,0 1 32,0 0 14,32-33 1</inkml:trace>
+          <inkml:trace contextRef="#ctx0" brushRef="#br0" timeOffset="1303.57">2023-1318 0</inkml:trace>
+          <inkml:trace contextRef="#ctx0" brushRef="#br0" timeOffset="1919.46">2023-960 0,'0'33'16,"0"-1"0,0 1-1,0 0 17,32-1-32,-32 1 31,0-1-16,0 1 1,0-1 0,33 1-1,-33-1-15,0 1 32,0 0 14,32-33 1</inkml:trace>
         </inkml:traceGroup>
       </inkml:traceGroup>
     </inkml:traceGroup>
@@ -1167,6 +1168,86 @@
 </file>
 
 <file path=ppt/ink/ink20.xml><?xml version="1.0" encoding="utf-8"?>
+<inkml:ink xmlns:inkml="http://www.w3.org/2003/InkML">
+  <inkml:definitions>
+    <inkml:context xml:id="ctx0">
+      <inkml:inkSource xml:id="inkSrc0">
+        <inkml:traceFormat>
+          <inkml:channel name="X" type="integer" max="1920" units="cm"/>
+          <inkml:channel name="Y" type="integer" max="1080" units="cm"/>
+          <inkml:channel name="T" type="integer" max="2.14748E9" units="dev"/>
+        </inkml:traceFormat>
+        <inkml:channelProperties>
+          <inkml:channelProperty channel="X" name="resolution" value="36.85221" units="1/cm"/>
+          <inkml:channelProperty channel="Y" name="resolution" value="36.86007" units="1/cm"/>
+          <inkml:channelProperty channel="T" name="resolution" value="1" units="1/dev"/>
+        </inkml:channelProperties>
+      </inkml:inkSource>
+      <inkml:timestamp xml:id="ts0" timeString="2021-04-09T08:18:54.369"/>
+    </inkml:context>
+    <inkml:brush xml:id="br0">
+      <inkml:brushProperty name="width" value="0.06667" units="cm"/>
+      <inkml:brushProperty name="height" value="0.06667" units="cm"/>
+      <inkml:brushProperty name="color" value="#ED1C24"/>
+      <inkml:brushProperty name="fitToCurve" value="1"/>
+    </inkml:brush>
+  </inkml:definitions>
+  <inkml:traceGroup>
+    <inkml:annotationXML>
+      <emma:emma xmlns:emma="http://www.w3.org/2003/04/emma" version="1.0">
+        <emma:interpretation id="{CA743E89-497F-4A81-88E6-1DC5CEA296BC}" emma:medium="tactile" emma:mode="ink">
+          <msink:context xmlns:msink="http://schemas.microsoft.com/ink/2010/main" type="inkDrawing" rotatedBoundingBox="17694,8219 19903,8133 19953,9407 17744,9494" semanticType="enclosure" shapeName="Other"/>
+        </emma:interpretation>
+      </emma:emma>
+    </inkml:annotationXML>
+    <inkml:trace contextRef="#ctx0" brushRef="#br0">1075 1210 0,'-66'0'16,"-31"0"-16,64-32 15,-97-1-15,65 33 16,0-32-16,0 32 16,-1 0-16,34 0 15,-1-33 1,1 1 0,-1 32-16,1 0 15,-1-66-15,0 34 16,1-33-16,-1 32 15,1 1-15,-1-1 16,1-32-16,-1 32 16,33 1-1,0-1-15,-32 1 16,32-1-16,-33 33 16,33-32-16,0-1 15,0-32 1,0 0-1,33 32-15,32 1 16,0-1-16,0 0 16,98-32-16,-66 33 15,66-1-15,33 1 16,-34-1-16,1 0 16,-32 33-16,-1 0 15,0 0-15,-65 0 16,33 0-16,-66 0 15,66 33-15,-65-33 16,32 33-16,-33 32 16,33 0-16,1 0 15,-34 0-15,1 33 16,-33 0-16,32-33 16,-32 32-16,0-32 15,0 1-15,0-34 16,-32 33-16,-1-32 15,-32 32-15,0-32 16,-33-1-16,33 33 16,-33-32-16,-32-33 15,65 32-15,-65 1 16,97-33-16,-32 32 16,33-32-1,-1 0-15,0 0 16,1 0-16</inkml:trace>
+  </inkml:traceGroup>
+</inkml:ink>
+</file>
+
+<file path=ppt/ink/ink21.xml><?xml version="1.0" encoding="utf-8"?>
+<inkml:ink xmlns:inkml="http://www.w3.org/2003/InkML">
+  <inkml:definitions>
+    <inkml:context xml:id="ctx0">
+      <inkml:inkSource xml:id="inkSrc0">
+        <inkml:traceFormat>
+          <inkml:channel name="X" type="integer" max="1920" units="cm"/>
+          <inkml:channel name="Y" type="integer" max="1080" units="cm"/>
+          <inkml:channel name="T" type="integer" max="2.14748E9" units="dev"/>
+        </inkml:traceFormat>
+        <inkml:channelProperties>
+          <inkml:channelProperty channel="X" name="resolution" value="36.85221" units="1/cm"/>
+          <inkml:channelProperty channel="Y" name="resolution" value="36.86007" units="1/cm"/>
+          <inkml:channelProperty channel="T" name="resolution" value="1" units="1/dev"/>
+        </inkml:channelProperties>
+      </inkml:inkSource>
+      <inkml:timestamp xml:id="ts0" timeString="2021-04-09T08:19:37.465"/>
+    </inkml:context>
+    <inkml:brush xml:id="br0">
+      <inkml:brushProperty name="width" value="0.06667" units="cm"/>
+      <inkml:brushProperty name="height" value="0.06667" units="cm"/>
+      <inkml:brushProperty name="color" value="#ED1C24"/>
+      <inkml:brushProperty name="fitToCurve" value="1"/>
+    </inkml:brush>
+  </inkml:definitions>
+  <inkml:traceGroup>
+    <inkml:annotationXML>
+      <emma:emma xmlns:emma="http://www.w3.org/2003/04/emma" version="1.0">
+        <emma:interpretation id="{0FE7B5D9-ABCA-44F0-9F3B-303B4F10AB99}" emma:medium="tactile" emma:mode="ink">
+          <msink:context xmlns:msink="http://schemas.microsoft.com/ink/2010/main" type="inkDrawing" rotatedBoundingBox="12351,6612 12495,8219 11941,8269 11796,6662" semanticType="callout" shapeName="Other">
+            <msink:sourceLink direction="to" ref="{26D03497-33AB-49E9-8980-82C3A430AB41}"/>
+            <msink:sourceLink direction="from" ref="{38026C0C-F65E-4598-8345-023C11581F69}"/>
+          </msink:context>
+        </emma:interpretation>
+      </emma:emma>
+    </inkml:annotationXML>
+    <inkml:trace contextRef="#ctx0" brushRef="#br0">10 0 0,'0'65'16,"0"33"-16,0-1 15,0 1-15,0 32 16,0-32 0,0 0-16,0 0 15,0-33-15,0 0 16,65 32-16,-65-64 15,0 32-15,33 33 16,-33-66-16,0 1 16,0 0-16,32-1 15</inkml:trace>
+    <inkml:trace contextRef="#ctx0" brushRef="#br0" timeOffset="936.5">-87 1368 0,'32'32'31,"1"-32"-16,32 33 1,-33-1 0,-32 1-1,33-33-15,-1 0 16,-32 32 0,33-32 15,0 0 31,-33 33-46,32-33 0,-32 33 15,33-33 125,-1-33-140,1-32-1,-1 32-15,-32 1 16,66-33 0,-34 32-1,-32 1 32</inkml:trace>
+  </inkml:traceGroup>
+</inkml:ink>
+</file>
+
+<file path=ppt/ink/ink22.xml><?xml version="1.0" encoding="utf-8"?>
 <inkml:ink xmlns:inkml="http://www.w3.org/2003/InkML">
   <inkml:definitions>
     <inkml:context xml:id="ctx0">
@@ -1231,12 +1312,12 @@
             </emma:emma>
           </inkml:annotationXML>
           <inkml:trace contextRef="#ctx0" brushRef="#br0">-4201 131 0,'0'-33'16,"32"33"-16,1-32 15,32 32-15,0 0 16,-32 0-16,32 0 16,-33 0-16,1 0 15,0 0 1,-33 65 62,0-33-62,0 1-16,0-1 15</inkml:trace>
-          <inkml:trace contextRef="#ctx0" brushRef="#br0" timeOffset="240.1848">-4136 228 0,'0'33'16,"0"0"-16,0-1 16,0 1 15,0-1-15</inkml:trace>
-          <inkml:trace contextRef="#ctx0" brushRef="#br0" timeOffset="616.2249">-4299 456 0,'33'0'31,"32"0"-31,0 0 16,0 0-16,0 0 15,0 0-15,-32 0 16,32 0-1,-32 0 1,-1 0-16,33 0 16,0 0-16,0 0 15,1 0-15,-34 0 16,1 0-16</inkml:trace>
-          <inkml:trace contextRef="#ctx0" brushRef="#br0" timeOffset="1735.4808">-4038 587 0,'32'0'31,"33"0"-31,-32 0 16,-1 0-16,1 0 16,0 0-16,-1 0 15,1 0 1,-1 32 15,-32 1 0,0-1 1,0 1-17,-32-33 17,-1 0-32,1 0 31,32 32-16,-33-32 1,0 0 0,1 0-1,-1 0-15,1 0 16,-1 0-16,1 0 16,32 66 109,0-34-94,32-32-16,1 0 1,-1 0 0,33 0-1,-65 33 1,66-33 0,-1 0-1,-33 0-15,1 0 16,-1 0-16,1 0 15,-1 0-15,1 0 16</inkml:trace>
-          <inkml:trace contextRef="#ctx0" brushRef="#br0" timeOffset="3032.0878">-3387 163 0,'0'-32'16,"32"32"-1,1 0 1,32 0-1,-32 0-15,-1 0 16,33 0-16,-32 0 16,0 0-16,-1 0 15,-32 65 79,0-33-63,0 1 1,-32-33-32,-1 0 15,0 0 1,-32 0-1,0 0 1,33 0 0,-1 0 15,33 33 63,0 32-79,0 0 1,33-65 0,-1 32-16,-32 1 15,0-1 1,0 34-1,65-66 64,-32 0-64,-1 0 1,1 0-16,65 0 15,-66 0-15,1 0 16,-1 0-16,1 0 16,-1 0 62,-32-33-63</inkml:trace>
-          <inkml:trace contextRef="#ctx0" brushRef="#br0" timeOffset="3455.5727">-2638-65 0,'0'33'16,"0"-1"-16,0 1 15,0 32-15,0 33 16,0-66-16,0 66 16,0-33-16,0 0 15,32 0-15,-32 1 16,0-1-16,0-33 16,0 1-1</inkml:trace>
-          <inkml:trace contextRef="#ctx0" brushRef="#br0" timeOffset="3736.0128">-2606 521 0,'33'-32'31,"0"32"-15,-1 0-1</inkml:trace>
+          <inkml:trace contextRef="#ctx0" brushRef="#br0" timeOffset="240.18">-4136 228 0,'0'33'16,"0"0"-16,0-1 16,0 1 15,0-1-15</inkml:trace>
+          <inkml:trace contextRef="#ctx0" brushRef="#br0" timeOffset="616.22">-4299 456 0,'33'0'31,"32"0"-31,0 0 16,0 0-16,0 0 15,0 0-15,-32 0 16,32 0-1,-32 0 1,-1 0-16,33 0 16,0 0-16,0 0 15,1 0-15,-34 0 16,1 0-16</inkml:trace>
+          <inkml:trace contextRef="#ctx0" brushRef="#br0" timeOffset="1735.48">-4038 587 0,'32'0'31,"33"0"-31,-32 0 16,-1 0-16,1 0 16,0 0-16,-1 0 15,1 0 1,-1 32 15,-32 1 0,0-1 1,0 1-17,-32-33 17,-1 0-32,1 0 31,32 32-16,-33-32 1,0 0 0,1 0-1,-1 0-15,1 0 16,-1 0-16,1 0 16,32 66 109,0-34-94,32-32-16,1 0 1,-1 0 0,33 0-1,-65 33 1,66-33 0,-1 0-1,-33 0-15,1 0 16,-1 0-16,1 0 15,-1 0-15,1 0 16</inkml:trace>
+          <inkml:trace contextRef="#ctx0" brushRef="#br0" timeOffset="3032.08">-3387 163 0,'0'-32'16,"32"32"-1,1 0 1,32 0-1,-32 0-15,-1 0 16,33 0-16,-32 0 16,0 0-16,-1 0 15,-32 65 79,0-33-63,0 1 1,-32-33-32,-1 0 15,0 0 1,-32 0-1,0 0 1,33 0 0,-1 0 15,33 33 63,0 32-79,0 0 1,33-65 0,-1 32-16,-32 1 15,0-1 1,0 34-1,65-66 64,-32 0-64,-1 0 1,1 0-16,65 0 15,-66 0-15,1 0 16,-1 0-16,1 0 16,-1 0 62,-32-33-63</inkml:trace>
+          <inkml:trace contextRef="#ctx0" brushRef="#br0" timeOffset="3455.57">-2638-65 0,'0'33'16,"0"-1"-16,0 1 15,0 32-15,0 33 16,0-66-16,0 66 16,0-33-16,0 0 15,32 0-15,-32 1 16,0-1-16,0-33 16,0 1-1</inkml:trace>
+          <inkml:trace contextRef="#ctx0" brushRef="#br0" timeOffset="3736.01">-2606 521 0,'33'-32'31,"0"32"-15,-1 0-1</inkml:trace>
         </inkml:traceGroup>
         <inkml:traceGroup>
           <inkml:annotationXML>
@@ -1255,20 +1336,20 @@
               </emma:one-of>
             </emma:emma>
           </inkml:annotationXML>
-          <inkml:trace contextRef="#ctx0" brushRef="#br0" timeOffset="-61919.8634">2377 131 0,'65'0'63,"-33"0"-47,1 0-16,0 0 15,-1 0 1</inkml:trace>
-          <inkml:trace contextRef="#ctx0" brushRef="#br0" timeOffset="-62383.8178">2474-65 0,'33'65'31,"-33"1"-16,0-1-15,33 32 16,-33-64-16,0 32 16,0-32-16,0 64 15,0-32 1,32-32-16,-32 0 16,0-1-1,33 1 1,-33-1-16,0 1 31,32-33-15,1 0 15,-1 0 0,1 0 0,-1 0 16</inkml:trace>
-          <inkml:trace contextRef="#ctx0" brushRef="#br0" timeOffset="-65528.0389">1302 326 0,'0'33'16,"0"-1"-16,33 1 15,-33-1-15,32-32 16,-32 33-16,0-1 15,0 1 1,0 0 15,0-1 1,0 1 14,0-1-30,-32-32 0,32 33-16,-33-33 15,33 32-15,-32-32 63,-1 33-48,0-33 32,1 0-31</inkml:trace>
-          <inkml:trace contextRef="#ctx0" brushRef="#br0" timeOffset="-66072.0378">1204 66 0</inkml:trace>
-          <inkml:trace contextRef="#ctx0" brushRef="#br0" timeOffset="-64511.1104">1465 521 0,'32'0'16,"34"0"-1,-34 0-15,1 0 16,-1 0 0,1 0-1,-1 0 1,1 0-1,0 0 1,-1 0 0,-32-32 15,0-1-31,0 1 16,0-1-1,0 1 16,0-1-31,-32 33 32,-1 0-32,0-32 15,-32 32 1,33 0 0,-1 0-1,1 0 16,-1 0 16,0 32-31,33 33 0,0 0-1,0-32 1,0-1-1,0 34-15,0-34 16,0 1-16,0 32 16,33-33-1,-33 1-15,33-33 16,-1 0 0,-32 33-16,33-33 15,-1 0 16,1 0 32,-33-33-47</inkml:trace>
-          <inkml:trace contextRef="#ctx0" brushRef="#br0" timeOffset="-63160.1711">2214 294 0,'0'-33'16,"-33"33"62,1 0-31,-1 0-16,1 0 32,-1 0-48,1 0 1,-1 33 0,0-33 46,33 32-46,0 1 31,0-1-32,0 1 16,0-1-31,0 1 16,0-1 0,0 1-1,33 0 1,0-33 0,-33 32-1,32-32 1,1 33-1,-1-33 1,33 32 0,-32-32 15,-1 0 0,1 0-15,0 0-1</inkml:trace>
-          <inkml:trace contextRef="#ctx0" brushRef="#br0" timeOffset="-61439.105">2735-97 0,'0'32'63</inkml:trace>
+          <inkml:trace contextRef="#ctx0" brushRef="#br0" timeOffset="-61919.87">2377 131 0,'65'0'63,"-33"0"-47,1 0-16,0 0 15,-1 0 1</inkml:trace>
+          <inkml:trace contextRef="#ctx0" brushRef="#br0" timeOffset="-62383.82">2474-65 0,'33'65'31,"-33"1"-16,0-1-15,33 32 16,-33-64-16,0 32 16,0-32-16,0 64 15,0-32 1,32-32-16,-32 0 16,0-1-1,33 1 1,-33-1-16,0 1 31,32-33-15,1 0 15,-1 0 0,1 0 0,-1 0 16</inkml:trace>
+          <inkml:trace contextRef="#ctx0" brushRef="#br0" timeOffset="-65528.04">1302 326 0,'0'33'16,"0"-1"-16,33 1 15,-33-1-15,32-32 16,-32 33-16,0-1 15,0 1 1,0 0 15,0-1 1,0 1 14,0-1-30,-32-32 0,32 33-16,-33-33 15,33 32-15,-32-32 63,-1 33-48,0-33 32,1 0-31</inkml:trace>
+          <inkml:trace contextRef="#ctx0" brushRef="#br0" timeOffset="-66072.04">1204 66 0</inkml:trace>
+          <inkml:trace contextRef="#ctx0" brushRef="#br0" timeOffset="-64511.12">1465 521 0,'32'0'16,"34"0"-1,-34 0-15,1 0 16,-1 0 0,1 0-1,-1 0 1,1 0-1,0 0 1,-1 0 0,-32-32 15,0-1-31,0 1 16,0-1-1,0 1 16,0-1-31,-32 33 32,-1 0-32,0-32 15,-32 32 1,33 0 0,-1 0-1,1 0 16,-1 0 16,0 32-31,33 33 0,0 0-1,0-32 1,0-1-1,0 34-15,0-34 16,0 1-16,0 32 16,33-33-1,-33 1-15,33-33 16,-1 0 0,-32 33-16,33-33 15,-1 0 16,1 0 32,-33-33-47</inkml:trace>
+          <inkml:trace contextRef="#ctx0" brushRef="#br0" timeOffset="-63160.18">2214 294 0,'0'-33'16,"-33"33"62,1 0-31,-1 0-16,1 0 32,-1 0-48,1 0 1,-1 33 0,0-33 46,33 32-46,0 1 31,0-1-32,0 1 16,0-1-31,0 1 16,0-1 0,0 1-1,33 0 1,0-33 0,-33 32-1,32-32 1,1 33-1,-1-33 1,33 32 0,-32-32 15,-1 0 0,1 0-15,0 0-1</inkml:trace>
+          <inkml:trace contextRef="#ctx0" brushRef="#br0" timeOffset="-61439.11">2735-97 0,'0'32'63</inkml:trace>
           <inkml:trace contextRef="#ctx0" brushRef="#br0" timeOffset="-61192.08">2865 424 0,'33'0'0,"-33"32"16,0 1-16,0-1 16,0 34-16,0-34 15,0 1-15,32-1 16,-32 1-16,0-1 16,0 1-16,0 0 15,0-1 1</inkml:trace>
-          <inkml:trace contextRef="#ctx0" brushRef="#br0" timeOffset="-60320.0973">3061 359 0,'0'32'63,"0"1"-48,0-1 1,0 33-16,0-32 15,0 0-15,0 32 16,32-65 0,1 32-16,-33 1 0,32-1 15,1-32-15,-33 33 16,32-33 0,1 0 15,0 0 0,-1 0 0,-32-65-15,0 32 0,0 1-16,0-1 15,0 1-15,-32-1 16,32 0-1,-33 1-15,33-1 32,-33 1-32,1 32 31,-1 0 0,1 0 0</inkml:trace>
-          <inkml:trace contextRef="#ctx0" brushRef="#br0" timeOffset="-59000.0245">3419 359 0,'32'0'16,"-32"32"-1,0 1 1,0 32-16,33 0 16,-33-32-1,0-1 1,32 1-16,-32-1 15,0-64 110,0-33-125,0 32 16,0-32-16,0 0 16,0 0-16,0 32 15,33 1-15,-33-34 16,33 1 0,-33 33-1,32 32 1,1 0 15,-1 0-15,1 32-1,-1 33-15,-32-32 16,33 32-16,-33 33 16,33-66-1,-33 1-15,0 32 16,0-32-1,0-1 1,0 1 0,32-1-1,-32 1 32</inkml:trace>
-          <inkml:trace contextRef="#ctx0" brushRef="#br0" timeOffset="-68824.2538">0 66 0,'0'-33'0,"97"0"31,-64 33-15,-1 0-1,1 0 17,-1 33-32,1 0 15,-33 32 1,0-33-1,0 1-15,0-1 16,0 34-16,0-34 16,-33 1-16,33-1 15,-32-32-15,32 33 16,-33-33-16,1 0 16,-1 0-1,1 0-15,-1 0 16</inkml:trace>
-          <inkml:trace contextRef="#ctx0" brushRef="#br0" timeOffset="-69424.641">32 98 0,'0'65'0,"0"33"16,0 65-16,0-66 15,0 1-15,0-33 16,-32 33-16,32-65 15,0-1-15,0 1 16</inkml:trace>
-          <inkml:trace contextRef="#ctx0" brushRef="#br0" timeOffset="-67688.4147">325 228 0,'0'33'16,"0"65"-16,0-66 15,0 33-15,0-32 16,33 65-16,-33-66 16,0 1-1,0-1 1,0-64 156,32 32-157,-32-33 1,0 1 0,0-1-1,0 0-15,0 1 16,0-1 15,0 1-15,0-1 15,33 33-15,-1 0-1,1 0 16,0 0 1,-1 0-32,1 0 31,-1 0-15</inkml:trace>
-          <inkml:trace contextRef="#ctx0" brushRef="#br0" timeOffset="-66816.0339">716 391 0,'-33'0'15,"1"0"1,32 33 15,0-1-15,0 33-1,0-32 1,0 0 0,32-1-16,1 1 15,0-1 1,-1-32 31,1 0-16,-1 0-15,-32-32 31,0-33-32,0 32 1,0 0-1,0 1-15,-32 32 16,-1-33 0,1 33 15,-1 0-15,0 0-1,1 0 16,-1 0-15</inkml:trace>
+          <inkml:trace contextRef="#ctx0" brushRef="#br0" timeOffset="-60320.1">3061 359 0,'0'32'63,"0"1"-48,0-1 1,0 33-16,0-32 15,0 0-15,0 32 16,32-65 0,1 32-16,-33 1 0,32-1 15,1-32-15,-33 33 16,32-33 0,1 0 15,0 0 0,-1 0 0,-32-65-15,0 32 0,0 1-16,0-1 15,0 1-15,-32-1 16,32 0-1,-33 1-15,33-1 32,-33 1-32,1 32 31,-1 0 0,1 0 0</inkml:trace>
+          <inkml:trace contextRef="#ctx0" brushRef="#br0" timeOffset="-59000.03">3419 359 0,'32'0'16,"-32"32"-1,0 1 1,0 32-16,33 0 16,-33-32-1,0-1 1,32 1-16,-32-1 15,0-64 110,0-33-125,0 32 16,0-32-16,0 0 16,0 0-16,0 32 15,33 1-15,-33-34 16,33 1 0,-33 33-1,32 32 1,1 0 15,-1 0-15,1 32-1,-1 33-15,-32-32 16,33 32-16,-33 33 16,33-66-1,-33 1-15,0 32 16,0-32-1,0-1 1,0 1 0,32-1-1,-32 1 32</inkml:trace>
+          <inkml:trace contextRef="#ctx0" brushRef="#br0" timeOffset="-68824.26">0 66 0,'0'-33'0,"97"0"31,-64 33-15,-1 0-1,1 0 17,-1 33-32,1 0 15,-33 32 1,0-33-1,0 1-15,0-1 16,0 34-16,0-34 16,-33 1-16,33-1 15,-32-32-15,32 33 16,-33-33-16,1 0 16,-1 0-1,1 0-15,-1 0 16</inkml:trace>
+          <inkml:trace contextRef="#ctx0" brushRef="#br0" timeOffset="-69424.65">32 98 0,'0'65'0,"0"33"16,0 65-16,0-66 15,0 1-15,0-33 16,-32 33-16,32-65 15,0-1-15,0 1 16</inkml:trace>
+          <inkml:trace contextRef="#ctx0" brushRef="#br0" timeOffset="-67688.42">325 228 0,'0'33'16,"0"65"-16,0-66 15,0 33-15,0-32 16,33 65-16,-33-66 16,0 1-1,0-1 1,0-64 156,32 32-157,-32-33 1,0 1 0,0-1-1,0 0-15,0 1 16,0-1 15,0 1-15,0-1 15,33 33-15,-1 0-1,1 0 16,0 0 1,-1 0-32,1 0 31,-1 0-15</inkml:trace>
+          <inkml:trace contextRef="#ctx0" brushRef="#br0" timeOffset="-66816.04">716 391 0,'-33'0'15,"1"0"1,32 33 15,0-1-15,0 33-1,0-32 1,0 0 0,32-1-16,1 1 15,0-1 1,-1-32 31,1 0-16,-1 0-15,-32-32 31,0-33-32,0 32 1,0 0-1,0 1-15,-32 32 16,-1-33 0,1 33 15,-1 0-15,0 0-1,1 0 16,-1 0-15</inkml:trace>
         </inkml:traceGroup>
       </inkml:traceGroup>
     </inkml:traceGroup>
@@ -1276,7 +1357,7 @@
 </inkml:ink>
 </file>
 
-<file path=ppt/ink/ink21.xml><?xml version="1.0" encoding="utf-8"?>
+<file path=ppt/ink/ink23.xml><?xml version="1.0" encoding="utf-8"?>
 <inkml:ink xmlns:inkml="http://www.w3.org/2003/InkML">
   <inkml:definitions>
     <inkml:context xml:id="ctx0">
@@ -1316,7 +1397,7 @@
 </inkml:ink>
 </file>
 
-<file path=ppt/ink/ink22.xml><?xml version="1.0" encoding="utf-8"?>
+<file path=ppt/ink/ink24.xml><?xml version="1.0" encoding="utf-8"?>
 <inkml:ink xmlns:inkml="http://www.w3.org/2003/InkML">
   <inkml:definitions>
     <inkml:context xml:id="ctx0">
@@ -1379,12 +1460,12 @@
             </emma:emma>
           </inkml:annotationXML>
           <inkml:trace contextRef="#ctx0" brushRef="#br0">0 0 0,'0'32'15,"0"1"-15,0 0 16,0-1 0,0 1-16,0-1 62,32-32-31,1 0-31,32 0 16,-32 0-16,-1 0 16,1 0-16,32 0 15,-33 0-15,1 0 16,0 0-16,-1 0 16,1 0-1</inkml:trace>
-          <inkml:trace contextRef="#ctx0" brushRef="#br0" timeOffset="432.4109">293-65 0,'0'65'16,"0"-33"-1,0 1-15,0 65 16,32-66-16,-32 33 16,0-32-16,0-1 15,0 1-15</inkml:trace>
-          <inkml:trace contextRef="#ctx0" brushRef="#br0" timeOffset="1528.1444">553-33 0,'33'0'16,"-1"0"31,1 0-47,0 0 15,-1 0 17,-32 33 186,0-1-202,0 1-16,0 0 31,0-1 16,0 1 94</inkml:trace>
-          <inkml:trace contextRef="#ctx0" brushRef="#br0" timeOffset="1920.3509">716 65 0,'33'0'15,"-1"0"16,1 0-31,-1-33 16</inkml:trace>
-          <inkml:trace contextRef="#ctx0" brushRef="#br0" timeOffset="3168.1259">684 423 0,'0'33'63,"0"-1"-63,0 1 15,0-1 16,32-32 48,33 0-33,-32 0-14,-1 0-17,1 0 1,0-32-16,-1 32 16,1 0-1,-1 0 1,-32-33-1,33 33-15</inkml:trace>
-          <inkml:trace contextRef="#ctx0" brushRef="#br0" timeOffset="2272.6335">846-130 0,'0'32'16,"0"1"-1,0 32-15,0-33 16,0 34-16,33-1 15,-33-33-15,0 1 16,0-1 0</inkml:trace>
-          <inkml:trace contextRef="#ctx0" brushRef="#br0" timeOffset="4775.7279">-358-130 0,'32'0'15,"-32"32"1,0 1 15,0-1-31,0 1 16,-32-1-16,32 1 16,0 0-1,-33-1-15,33 1 16,0-1-1,0 1 1,0-1-16,0 1 16,0-1-1,0 34 1,0-34-16,0 1 16,0-1-1,33 1-15,-33-1 16,32-32-16,-32 33 15,33-33-15,-33 33 16,32-33-16,-32 32 16,33-32-1</inkml:trace>
+          <inkml:trace contextRef="#ctx0" brushRef="#br0" timeOffset="432.41">293-65 0,'0'65'16,"0"-33"-1,0 1-15,0 65 16,32-66-16,-32 33 16,0-32-16,0-1 15,0 1-15</inkml:trace>
+          <inkml:trace contextRef="#ctx0" brushRef="#br0" timeOffset="1528.14">553-33 0,'33'0'16,"-1"0"31,1 0-47,0 0 15,-1 0 17,-32 33 186,0-1-202,0 1-16,0 0 31,0-1 16,0 1 94</inkml:trace>
+          <inkml:trace contextRef="#ctx0" brushRef="#br0" timeOffset="1920.35">716 65 0,'33'0'15,"-1"0"16,1 0-31,-1-33 16</inkml:trace>
+          <inkml:trace contextRef="#ctx0" brushRef="#br0" timeOffset="3168.12">684 423 0,'0'33'63,"0"-1"-63,0 1 15,0-1 16,32-32 48,33 0-33,-32 0-14,-1 0-17,1 0 1,0-32-16,-1 32 16,1 0-1,-1 0 1,-32-33-1,33 33-15</inkml:trace>
+          <inkml:trace contextRef="#ctx0" brushRef="#br0" timeOffset="2272.63">846-130 0,'0'32'16,"0"1"-1,0 32-15,0-33 16,0 34-16,33-1 15,-33-33-15,0 1 16,0-1 0</inkml:trace>
+          <inkml:trace contextRef="#ctx0" brushRef="#br0" timeOffset="4775.72">-358-130 0,'32'0'15,"-32"32"1,0 1 15,0-1-31,0 1 16,-32-1-16,32 1 16,0 0-1,-33-1-15,33 1 16,0-1-1,0 1 1,0-1-16,0 1 16,0-1-1,0 34 1,0-34-16,0 1 16,0-1-1,33 1-15,-33-1 16,32-32-16,-32 33 15,33-33-15,-33 33 16,32-33-16,-32 32 16,33-32-1</inkml:trace>
         </inkml:traceGroup>
         <inkml:traceGroup>
           <inkml:annotationXML>
@@ -1411,7 +1492,7 @@
               </emma:one-of>
             </emma:emma>
           </inkml:annotationXML>
-          <inkml:trace contextRef="#ctx0" brushRef="#br0" timeOffset="5696.2346">1107-293 0,'32'0'16,"1"32"15,0 1-15,-33-1-16,32 1 15,-32 0-15,0-1 16,0 33-16,33-32 16,-33-1-16,0 34 15,0-34-15,32 1 16,-32 32-16,0-33 16,33 1-16,-33-1 15,0 34-15,0-1 16,0 0-1,0-33 1,0 1 0,0 0 62</inkml:trace>
+          <inkml:trace contextRef="#ctx0" brushRef="#br0" timeOffset="5696.23">1107-293 0,'32'0'16,"1"32"15,0 1-15,-33-1-16,32 1 15,-32 0-15,0-1 16,0 33-16,33-32 16,-33-1-16,0 34 15,0-34-15,32 1 16,-32 32-16,0-33 16,33 1-16,-33-1 15,0 34-15,0-1 16,0 0-1,0-33 1,0 1 0,0 0 62</inkml:trace>
         </inkml:traceGroup>
       </inkml:traceGroup>
     </inkml:traceGroup>
@@ -1419,7 +1500,7 @@
 </inkml:ink>
 </file>
 
-<file path=ppt/ink/ink23.xml><?xml version="1.0" encoding="utf-8"?>
+<file path=ppt/ink/ink25.xml><?xml version="1.0" encoding="utf-8"?>
 <inkml:ink xmlns:inkml="http://www.w3.org/2003/InkML">
   <inkml:definitions>
     <inkml:context xml:id="ctx0">
@@ -1459,7 +1540,7 @@
 </inkml:ink>
 </file>
 
-<file path=ppt/ink/ink24.xml><?xml version="1.0" encoding="utf-8"?>
+<file path=ppt/ink/ink26.xml><?xml version="1.0" encoding="utf-8"?>
 <inkml:ink xmlns:inkml="http://www.w3.org/2003/InkML">
   <inkml:definitions>
     <inkml:context xml:id="ctx0">
@@ -1499,7 +1580,7 @@
 </inkml:ink>
 </file>
 
-<file path=ppt/ink/ink25.xml><?xml version="1.0" encoding="utf-8"?>
+<file path=ppt/ink/ink27.xml><?xml version="1.0" encoding="utf-8"?>
 <inkml:ink xmlns:inkml="http://www.w3.org/2003/InkML">
   <inkml:definitions>
     <inkml:context xml:id="ctx0">
@@ -1539,7 +1620,7 @@
 </inkml:ink>
 </file>
 
-<file path=ppt/ink/ink26.xml><?xml version="1.0" encoding="utf-8"?>
+<file path=ppt/ink/ink28.xml><?xml version="1.0" encoding="utf-8"?>
 <inkml:ink xmlns:inkml="http://www.w3.org/2003/InkML">
   <inkml:definitions>
     <inkml:context xml:id="ctx0">
@@ -1580,7 +1661,7 @@
 </inkml:ink>
 </file>
 
-<file path=ppt/ink/ink27.xml><?xml version="1.0" encoding="utf-8"?>
+<file path=ppt/ink/ink29.xml><?xml version="1.0" encoding="utf-8"?>
 <inkml:ink xmlns:inkml="http://www.w3.org/2003/InkML">
   <inkml:definitions>
     <inkml:context xml:id="ctx0">
@@ -1617,87 +1698,6 @@
       </emma:emma>
     </inkml:annotationXML>
     <inkml:trace contextRef="#ctx0" brushRef="#br0">4885 0 0,'32'33'78,"-32"0"-63,33-1-15,-1 33 16,-32-32-16,33-1 16,-33 1-16,0 32 15,0-32 1,0-1 0,33 1-1,-33-1-15,0 1 16,0-1-16,0 1 15,32-33-15,-32 33 16,0-1 0,0 1-1,0-1 235,0 1-250,0 32 16,0 0-16,0-32 344,-32-33-329,-1 0-15,-32 0 16,0 0-16,32 0 16,-97 0-16,0 0 15,-66 0-15,-64 0 16,-1 0-1,33 0-15,-32 0 16,-33 0-16,0 0 16,32 0-16,66 0 15,-1 0-15,34 0 16,31 0-16,34 0 16,-1 0-16,0 0 15,66 0-15,-66 0 16,65 0-16,1 0 15,-33 0-15,32 0 16,1 0 0,-1 0-16,-32 0 15,32 0-15,1 0 16,-1 0-16,-32 0 16,33 0-16,-1 0 15,-32 0 1,32 0-16,1 0 15,-33 0-15,-1 0 16,1 0-16,0 0 16,0 0-16,33 0 15,-66 0-15,65 0 32,1 0-17,-1 0 1,1 0 15,-1 0-15,33 32-16,0-64 140,0-1-140,0-32 16,0 0-16,33 0 16,-33 0-16,0 32 15,32 0-15,-32-32 16,0 33-1,0-1-15,0 1 32,0-1-17,0 0 17,0 1-17,0-1 1,0 1-1,0-1 32,33 1-15,-33-1-17,-33 33 141,1 0-156,-66 0 16,65 33-16,1-1 16,-1 1 15</inkml:trace>
-  </inkml:traceGroup>
-</inkml:ink>
-</file>
-
-<file path=ppt/ink/ink28.xml><?xml version="1.0" encoding="utf-8"?>
-<inkml:ink xmlns:inkml="http://www.w3.org/2003/InkML">
-  <inkml:definitions>
-    <inkml:context xml:id="ctx0">
-      <inkml:inkSource xml:id="inkSrc0">
-        <inkml:traceFormat>
-          <inkml:channel name="X" type="integer" max="1920" units="cm"/>
-          <inkml:channel name="Y" type="integer" max="1080" units="cm"/>
-          <inkml:channel name="T" type="integer" max="2.14748E9" units="dev"/>
-        </inkml:traceFormat>
-        <inkml:channelProperties>
-          <inkml:channelProperty channel="X" name="resolution" value="36.85221" units="1/cm"/>
-          <inkml:channelProperty channel="Y" name="resolution" value="36.86007" units="1/cm"/>
-          <inkml:channelProperty channel="T" name="resolution" value="1" units="1/dev"/>
-        </inkml:channelProperties>
-      </inkml:inkSource>
-      <inkml:timestamp xml:id="ts0" timeString="2021-04-09T08:42:16.129"/>
-    </inkml:context>
-    <inkml:brush xml:id="br0">
-      <inkml:brushProperty name="width" value="0.06667" units="cm"/>
-      <inkml:brushProperty name="height" value="0.06667" units="cm"/>
-      <inkml:brushProperty name="color" value="#ED1C24"/>
-      <inkml:brushProperty name="fitToCurve" value="1"/>
-    </inkml:brush>
-  </inkml:definitions>
-  <inkml:traceGroup>
-    <inkml:annotationXML>
-      <emma:emma xmlns:emma="http://www.w3.org/2003/04/emma" version="1.0">
-        <emma:interpretation id="{E19C963A-8276-406E-9006-0C6672920B20}" emma:medium="tactile" emma:mode="ink">
-          <msink:context xmlns:msink="http://schemas.microsoft.com/ink/2010/main" type="inkDrawing" rotatedBoundingBox="13277,9975 14189,9952 14197,10289 13286,10313" semanticType="callout" shapeName="Other">
-            <msink:sourceLink direction="with" ref="{38026C0C-F65E-4598-8345-023C11581F69}"/>
-          </msink:context>
-        </emma:interpretation>
-      </emma:emma>
-    </inkml:annotationXML>
-    <inkml:trace contextRef="#ctx0" brushRef="#br0">508 0 0,'33'0'16,"-1"0"0,1 32-1,0 1-15,-1-1 16,1-32-16,-1 65 16,1-32-16,-1-1 15,1-32-15,-1 33 16,1 0-1,-33-1 1,-65-32 125,32 0-126,1 0-15,-1 0 16,-32 0-16,0 0 16,32 0-1,1 0 1,-33 0-16,0 0 15,32 0-15,-32 0 16,-33 0-16,66 0 16,-1 0-16,-32 0 15,32 0-15,1-32 32,-1 32-1,66 0 219,-1-33-235,1 33-15,-1-33 16,1 33-16,0-32 16,-1-1-16,1 1 15,-1 32-15,1 0 16,-33-33 0,32 1-16,-32-1 31,33 33-31,0-32 31</inkml:trace>
-  </inkml:traceGroup>
-</inkml:ink>
-</file>
-
-<file path=ppt/ink/ink29.xml><?xml version="1.0" encoding="utf-8"?>
-<inkml:ink xmlns:inkml="http://www.w3.org/2003/InkML">
-  <inkml:definitions>
-    <inkml:context xml:id="ctx0">
-      <inkml:inkSource xml:id="inkSrc0">
-        <inkml:traceFormat>
-          <inkml:channel name="X" type="integer" max="1920" units="cm"/>
-          <inkml:channel name="Y" type="integer" max="1080" units="cm"/>
-          <inkml:channel name="T" type="integer" max="2.14748E9" units="dev"/>
-        </inkml:traceFormat>
-        <inkml:channelProperties>
-          <inkml:channelProperty channel="X" name="resolution" value="36.85221" units="1/cm"/>
-          <inkml:channelProperty channel="Y" name="resolution" value="36.86007" units="1/cm"/>
-          <inkml:channelProperty channel="T" name="resolution" value="1" units="1/dev"/>
-        </inkml:channelProperties>
-      </inkml:inkSource>
-      <inkml:timestamp xml:id="ts0" timeString="2021-04-09T08:42:21.721"/>
-    </inkml:context>
-    <inkml:brush xml:id="br0">
-      <inkml:brushProperty name="width" value="0.06667" units="cm"/>
-      <inkml:brushProperty name="height" value="0.06667" units="cm"/>
-      <inkml:brushProperty name="color" value="#ED1C24"/>
-      <inkml:brushProperty name="fitToCurve" value="1"/>
-    </inkml:brush>
-  </inkml:definitions>
-  <inkml:traceGroup>
-    <inkml:annotationXML>
-      <emma:emma xmlns:emma="http://www.w3.org/2003/04/emma" version="1.0">
-        <emma:interpretation id="{77CBD412-233F-433D-884E-A830C22C377E}" emma:medium="tactile" emma:mode="ink">
-          <msink:context xmlns:msink="http://schemas.microsoft.com/ink/2010/main" type="inkDrawing" rotatedBoundingBox="7292,9621 10348,10292 10077,11528 7020,10857" semanticType="callout" shapeName="Other">
-            <msink:sourceLink direction="from" ref="{64C7C004-2D5F-4E4D-83F7-32CA86394D9E}"/>
-            <msink:sourceLink direction="to" ref="{3C460D1B-F7B0-47DD-BA1E-F3681CD8B06D}"/>
-          </msink:context>
-        </emma:interpretation>
-      </emma:emma>
-    </inkml:annotationXML>
-    <inkml:trace contextRef="#ctx0" brushRef="#br0">3061 196 0,'0'32'47,"0"33"-47,0 0 15,0 33-15,0 0 16,0-33-16,0 33 16,0-33-16,0 0 15,0-33-15,0 34 16,-33-34-16,1-32 109,-34 0-93,1 0-16,33 0 15,-33 0-15,-33 0 16,33 0-16,-33 0 16,0 0-16,1 0 15,-1 0-15,-32 0 16,-1 0-16,34 0 16,-66 0-16,33 0 15,32 0-15,0 0 16,-32 0-16,32 0 15,33 0-15,0 0 16,0 0-16,0 0 16,32 0-16,1 0 15,-1 0-15,1 0 32,-1 0 61,0-65 32,33 0-125,-32 0 16,32-33-16,-33-32 16,33 65-16,0 0 15,0 32-15,-32-32 16,32 32-16,0 1 15,0-1 32,0 1 47,0-1-47,-33 33 47,33-33-16,-32 1-63,32-1-15,-33 1 16,1 32 156,-34 32-172,1 1 16,0-1-16,65 1 15,-65 0-15,32-33 16,-32 65-16,33-65 15,-1 32-15,1-32 16,64 0 125,33 0-141,-32 0 15,32 0-15,-32 0 16,64 0-16,1-32 16,-65 32-1,-1 0-15,1 0 16,-1 0-1,33 0-15,0 0 16,-32 0-16,32 0 16,-32 0-16,32 0 15,-33 0 1,1 0 15,0-33 110,-66 33-110,0-32-15,-64-1-1,64 0-15,-32 1 16,32-1-16,1 1 16,-1 32-16,1 0 31,32-33-16,-33 33 173</inkml:trace>
   </inkml:traceGroup>
 </inkml:ink>
 </file>
@@ -1741,6 +1741,87 @@
 </file>
 
 <file path=ppt/ink/ink30.xml><?xml version="1.0" encoding="utf-8"?>
+<inkml:ink xmlns:inkml="http://www.w3.org/2003/InkML">
+  <inkml:definitions>
+    <inkml:context xml:id="ctx0">
+      <inkml:inkSource xml:id="inkSrc0">
+        <inkml:traceFormat>
+          <inkml:channel name="X" type="integer" max="1920" units="cm"/>
+          <inkml:channel name="Y" type="integer" max="1080" units="cm"/>
+          <inkml:channel name="T" type="integer" max="2.14748E9" units="dev"/>
+        </inkml:traceFormat>
+        <inkml:channelProperties>
+          <inkml:channelProperty channel="X" name="resolution" value="36.85221" units="1/cm"/>
+          <inkml:channelProperty channel="Y" name="resolution" value="36.86007" units="1/cm"/>
+          <inkml:channelProperty channel="T" name="resolution" value="1" units="1/dev"/>
+        </inkml:channelProperties>
+      </inkml:inkSource>
+      <inkml:timestamp xml:id="ts0" timeString="2021-04-09T08:42:16.129"/>
+    </inkml:context>
+    <inkml:brush xml:id="br0">
+      <inkml:brushProperty name="width" value="0.06667" units="cm"/>
+      <inkml:brushProperty name="height" value="0.06667" units="cm"/>
+      <inkml:brushProperty name="color" value="#ED1C24"/>
+      <inkml:brushProperty name="fitToCurve" value="1"/>
+    </inkml:brush>
+  </inkml:definitions>
+  <inkml:traceGroup>
+    <inkml:annotationXML>
+      <emma:emma xmlns:emma="http://www.w3.org/2003/04/emma" version="1.0">
+        <emma:interpretation id="{E19C963A-8276-406E-9006-0C6672920B20}" emma:medium="tactile" emma:mode="ink">
+          <msink:context xmlns:msink="http://schemas.microsoft.com/ink/2010/main" type="inkDrawing" rotatedBoundingBox="13277,9975 14189,9952 14197,10289 13286,10313" semanticType="callout" shapeName="Other">
+            <msink:sourceLink direction="with" ref="{38026C0C-F65E-4598-8345-023C11581F69}"/>
+          </msink:context>
+        </emma:interpretation>
+      </emma:emma>
+    </inkml:annotationXML>
+    <inkml:trace contextRef="#ctx0" brushRef="#br0">508 0 0,'33'0'16,"-1"0"0,1 32-1,0 1-15,-1-1 16,1-32-16,-1 65 16,1-32-16,-1-1 15,1-32-15,-1 33 16,1 0-1,-33-1 1,-65-32 125,32 0-126,1 0-15,-1 0 16,-32 0-16,0 0 16,32 0-1,1 0 1,-33 0-16,0 0 15,32 0-15,-32 0 16,-33 0-16,66 0 16,-1 0-16,-32 0 15,32 0-15,1-32 32,-1 32-1,66 0 219,-1-33-235,1 33-15,-1-33 16,1 33-16,0-32 16,-1-1-16,1 1 15,-1 32-15,1 0 16,-33-33 0,32 1-16,-32-1 31,33 33-31,0-32 31</inkml:trace>
+  </inkml:traceGroup>
+</inkml:ink>
+</file>
+
+<file path=ppt/ink/ink31.xml><?xml version="1.0" encoding="utf-8"?>
+<inkml:ink xmlns:inkml="http://www.w3.org/2003/InkML">
+  <inkml:definitions>
+    <inkml:context xml:id="ctx0">
+      <inkml:inkSource xml:id="inkSrc0">
+        <inkml:traceFormat>
+          <inkml:channel name="X" type="integer" max="1920" units="cm"/>
+          <inkml:channel name="Y" type="integer" max="1080" units="cm"/>
+          <inkml:channel name="T" type="integer" max="2.14748E9" units="dev"/>
+        </inkml:traceFormat>
+        <inkml:channelProperties>
+          <inkml:channelProperty channel="X" name="resolution" value="36.85221" units="1/cm"/>
+          <inkml:channelProperty channel="Y" name="resolution" value="36.86007" units="1/cm"/>
+          <inkml:channelProperty channel="T" name="resolution" value="1" units="1/dev"/>
+        </inkml:channelProperties>
+      </inkml:inkSource>
+      <inkml:timestamp xml:id="ts0" timeString="2021-04-09T08:42:21.721"/>
+    </inkml:context>
+    <inkml:brush xml:id="br0">
+      <inkml:brushProperty name="width" value="0.06667" units="cm"/>
+      <inkml:brushProperty name="height" value="0.06667" units="cm"/>
+      <inkml:brushProperty name="color" value="#ED1C24"/>
+      <inkml:brushProperty name="fitToCurve" value="1"/>
+    </inkml:brush>
+  </inkml:definitions>
+  <inkml:traceGroup>
+    <inkml:annotationXML>
+      <emma:emma xmlns:emma="http://www.w3.org/2003/04/emma" version="1.0">
+        <emma:interpretation id="{77CBD412-233F-433D-884E-A830C22C377E}" emma:medium="tactile" emma:mode="ink">
+          <msink:context xmlns:msink="http://schemas.microsoft.com/ink/2010/main" type="inkDrawing" rotatedBoundingBox="7292,9621 10348,10292 10077,11528 7020,10857" semanticType="callout" shapeName="Other">
+            <msink:sourceLink direction="from" ref="{64C7C004-2D5F-4E4D-83F7-32CA86394D9E}"/>
+            <msink:sourceLink direction="to" ref="{3C460D1B-F7B0-47DD-BA1E-F3681CD8B06D}"/>
+          </msink:context>
+        </emma:interpretation>
+      </emma:emma>
+    </inkml:annotationXML>
+    <inkml:trace contextRef="#ctx0" brushRef="#br0">3061 196 0,'0'32'47,"0"33"-47,0 0 15,0 33-15,0 0 16,0-33-16,0 33 16,0-33-16,0 0 15,0-33-15,0 34 16,-33-34-16,1-32 109,-34 0-93,1 0-16,33 0 15,-33 0-15,-33 0 16,33 0-16,-33 0 16,0 0-16,1 0 15,-1 0-15,-32 0 16,-1 0-16,34 0 16,-66 0-16,33 0 15,32 0-15,0 0 16,-32 0-16,32 0 15,33 0-15,0 0 16,0 0-16,0 0 16,32 0-16,1 0 15,-1 0-15,1 0 32,-1 0 61,0-65 32,33 0-125,-32 0 16,32-33-16,-33-32 16,33 65-16,0 0 15,0 32-15,-32-32 16,32 32-16,0 1 15,0-1 32,0 1 47,0-1-47,-33 33 47,33-33-16,-32 1-63,32-1-15,-33 1 16,1 32 156,-34 32-172,1 1 16,0-1-16,65 1 15,-65 0-15,32-33 16,-32 65-16,33-65 15,-1 32-15,1-32 16,64 0 125,33 0-141,-32 0 15,32 0-15,-32 0 16,64 0-16,1-32 16,-65 32-1,-1 0-15,1 0 16,-1 0-1,33 0-15,0 0 16,-32 0-16,32 0 16,-32 0-16,32 0 15,-33 0 1,1 0 15,0-33 110,-66 33-110,0-32-15,-64-1-1,64 0-15,-32 1 16,32-1-16,1 1 16,-1 32-16,1 0 31,32-33-16,-33 33 173</inkml:trace>
+  </inkml:traceGroup>
+</inkml:ink>
+</file>
+
+<file path=ppt/ink/ink32.xml><?xml version="1.0" encoding="utf-8"?>
 <inkml:ink xmlns:inkml="http://www.w3.org/2003/InkML">
   <inkml:definitions>
     <inkml:context xml:id="ctx0">
@@ -1822,7 +1903,7 @@
 </inkml:ink>
 </file>
 
-<file path=ppt/ink/ink31.xml><?xml version="1.0" encoding="utf-8"?>
+<file path=ppt/ink/ink33.xml><?xml version="1.0" encoding="utf-8"?>
 <inkml:ink xmlns:inkml="http://www.w3.org/2003/InkML">
   <inkml:definitions>
     <inkml:context xml:id="ctx0">
@@ -1856,12 +1937,12 @@
       </emma:emma>
     </inkml:annotationXML>
     <inkml:trace contextRef="#ctx0" brushRef="#br0">399 988 0,'-33'0'47,"1"0"-31,-1 0-16,1 0 15,-1-32-15,1 32 32,32-33-32,-33 33 15,33-32 1,-32 32-16,-1-33 16,33 0-1,0 1-15,-33-1 16,33 1-16,-32-1 15,32 1-15,0-1 16,0 0-16,-33 33 16,33-32-16,0-33 31,0 32-15,0 1 15,0-1-16,0 1-15,0-1 16,33 33 0,-1-33-16,34 1 15,-34-1-15,33 1 16,-32 32-16,-1-33 16,1 33-16,-1 0 15,1-65-15,0 65 16,-1-33-1,1 33 1,-1-32-16,1 32 16,-1 0-1,-32-33-15,33 33 32,0 0-17,-1 0 16,1 0-15,-1 0 0,33 0-1,-32 33 1,0-1-16,-33 34 16,32-34-16,-32 1 15,33-1-15,-33 33 16,0-32-16,0 0 15,0 32-15,0-33 16,0 1-16,32-1 16,-32 1-16,0-1 15,0 1-15,0 0 16,0 32-16,0-33 31,0 1-31,0-1 16,0 34-16,0-34 15,0 1 1,-32-1-16,32 33 16,-33-65-16,33 33 15,-32 0-15,-1-33 16,0 65-16,1-65 31,32 32-31,-33-32 31,1 0-15,-1 0 0,1 0 15</inkml:trace>
-    <inkml:trace contextRef="#ctx0" brushRef="#br0" timeOffset="1255.5301">399 956 0,'33'32'47,"-1"1"-31,33-33-16,0 32 15,-32 1-15,0-33 16,-1 0-16,1 0 15,-1 0-15,1 0 16,-1 0 15,1-33-15,-33 1 0,33-1-1</inkml:trace>
+    <inkml:trace contextRef="#ctx0" brushRef="#br0" timeOffset="1255.53">399 956 0,'33'32'47,"-1"1"-31,33-33-16,0 32 15,-32 1-15,0-33 16,-1 0-16,1 0 15,-1 0-15,1 0 16,-1 0 15,1-33-15,-33 1 0,33-1-1</inkml:trace>
   </inkml:traceGroup>
 </inkml:ink>
 </file>
 
-<file path=ppt/ink/ink32.xml><?xml version="1.0" encoding="utf-8"?>
+<file path=ppt/ink/ink34.xml><?xml version="1.0" encoding="utf-8"?>
 <inkml:ink xmlns:inkml="http://www.w3.org/2003/InkML">
   <inkml:definitions>
     <inkml:context xml:id="ctx0">
@@ -1899,7 +1980,7 @@
 </inkml:ink>
 </file>
 
-<file path=ppt/ink/ink33.xml><?xml version="1.0" encoding="utf-8"?>
+<file path=ppt/ink/ink35.xml><?xml version="1.0" encoding="utf-8"?>
 <inkml:ink xmlns:inkml="http://www.w3.org/2003/InkML">
   <inkml:definitions>
     <inkml:context xml:id="ctx0">
@@ -2000,7 +2081,7 @@
               </emma:one-of>
             </emma:emma>
           </inkml:annotationXML>
-          <inkml:trace contextRef="#ctx0" brushRef="#br0" timeOffset="2960.3671">1596 98 0,'33'0'46,"-1"0"-46,1 0 16,32 0-16,0 0 16,0 0-16,-32-32 15,64 32-15,-64 0 16,97-33-16,-65 33 16,33 0-16,-65 0 15,64-33-15,-64 33 16,-1 0-16,1 0 78,32 0-62,-32 0 15,-1 0 0,1 0 0,-1 0 16</inkml:trace>
+          <inkml:trace contextRef="#ctx0" brushRef="#br0" timeOffset="2960.36">1596 98 0,'33'0'46,"-1"0"-46,1 0 16,32 0-16,0 0 16,0 0-16,-32-32 15,64 32-15,-64 0 16,97-33-16,-65 33 16,33 0-16,-65 0 15,64-33-15,-64 33 16,-1 0-16,1 0 78,32 0-62,-32 0 15,-1 0 0,1 0 0,-1 0 16</inkml:trace>
         </inkml:traceGroup>
       </inkml:traceGroup>
     </inkml:traceGroup>
@@ -2008,7 +2089,7 @@
 </inkml:ink>
 </file>
 
-<file path=ppt/ink/ink34.xml><?xml version="1.0" encoding="utf-8"?>
+<file path=ppt/ink/ink36.xml><?xml version="1.0" encoding="utf-8"?>
 <inkml:ink xmlns:inkml="http://www.w3.org/2003/InkML">
   <inkml:definitions>
     <inkml:context xml:id="ctx0">
@@ -2038,8 +2119,8 @@
       <emma:emma xmlns:emma="http://www.w3.org/2003/04/emma" version="1.0">
         <emma:interpretation id="{23EDDAF6-F24E-4579-A975-E34AC93302A3}" emma:medium="tactile" emma:mode="ink">
           <msink:context xmlns:msink="http://schemas.microsoft.com/ink/2010/main" type="inkDrawing" rotatedBoundingBox="1623,11023 4907,10594 4998,11291 1714,11720" semanticType="callout" shapeName="Other">
+            <msink:sourceLink direction="to" ref="{4C66C106-D3D3-42A8-A3F8-1CAF426C9084}"/>
             <msink:sourceLink direction="from" ref="{BCE00E16-FB8B-4D49-8DD1-23AE6A972936}"/>
-            <msink:sourceLink direction="to" ref="{4C66C106-D3D3-42A8-A3F8-1CAF426C9084}"/>
           </msink:context>
         </emma:interpretation>
       </emma:emma>
@@ -2049,7 +2130,7 @@
 </inkml:ink>
 </file>
 
-<file path=ppt/ink/ink35.xml><?xml version="1.0" encoding="utf-8"?>
+<file path=ppt/ink/ink37.xml><?xml version="1.0" encoding="utf-8"?>
 <inkml:ink xmlns:inkml="http://www.w3.org/2003/InkML">
   <inkml:definitions>
     <inkml:context xml:id="ctx0">
@@ -2079,21 +2160,21 @@
       <emma:emma xmlns:emma="http://www.w3.org/2003/04/emma" version="1.0">
         <emma:interpretation id="{4C66C106-D3D3-42A8-A3F8-1CAF426C9084}" emma:medium="tactile" emma:mode="ink">
           <msink:context xmlns:msink="http://schemas.microsoft.com/ink/2010/main" type="inkDrawing" rotatedBoundingBox="547,11218 16411,8299 17892,16349 2028,19268" hotPoints="19731,13172 11044,17441 2050,13865 10737,9596" semanticType="enclosure" shapeName="Ellipse">
+            <msink:sourceLink direction="with" ref="{20E74FA8-B09C-403D-B081-3852A2205C31}"/>
             <msink:sourceLink direction="with" ref="{8E20FC5B-CA45-4DA3-924F-8E2D94A787FB}"/>
-            <msink:sourceLink direction="with" ref="{20E74FA8-B09C-403D-B081-3852A2205C31}"/>
             <msink:destinationLink direction="to" ref="{23EDDAF6-F24E-4579-A975-E34AC93302A3}"/>
           </msink:context>
         </emma:interpretation>
       </emma:emma>
     </inkml:annotationXML>
     <inkml:trace contextRef="#ctx0" brushRef="#br0">0 1857 0,'97'-33'47,"1"33"-31,130-65-16,-65 65 15,65-33 1,65 33-16,32-32 16,34 32-16,-66 0 15,32 0-15,-64 0 16,-1 0-16,-64 0 15,-99 0-15,1 0 16,-33 0-16,-32 0 16,-33-33-16,32 33 62,1 0-31,0-32 1,-1 32-32,1 0 15,-1 0-15,1 0 16,-1 0 0,-32-33 124,0 1-124,0-1-16,0 0 15,0-32-15,0-32 16,0 31-16,0-31 16,0-131-16,-32 32 15,-1-31-15,1-1 16,32 97-16,0 34 16,0 31-16</inkml:trace>
-    <inkml:trace contextRef="#ctx0" brushRef="#br0" timeOffset="-2791.5381">195-3028 0,'0'33'47,"0"64"-32,0 66-15,0 32 16,0 66-16,0 0 16,0-1-16,0 1 15,0-1-15,0-32 16,-65 33-16,32-66 15,33-32-15,-32 65 16,-1-33-16,33 0 16,0 1-16,0-66 15,0 33-15,0 0 16,0-66-16,0 1 16,0 32-1,0-32-15,0 32 16,0-65-16,0 1 15,0-34-15,0 1 16,0-1-16</inkml:trace>
-    <inkml:trace contextRef="#ctx0" brushRef="#br0" timeOffset="94007.9953">1367-3647 0,'33'-32'31,"65"-1"-15,32 1-16,98-34 15,32 1-15,98 0 16,196 33-1,-33-66-15,33 33 16,32 32-16,65-32 16,-65 65-16,-65 0 15,33 0-15,-33 0 16,0 0-16,0-65 16,-65 32-16,0-64 15,-98 64-15,-98 1 16,-32 32-16,-32-65 15,-1 65-15,1 0 16,-66 0-16,65 0 16,-65 0-16,33 0 15,-32 0-15,-66 0 16,65 0-16,-98 0 16,1 0-16,0 0 15,-1 0-15,1 0 16,-1 0-16,1 0 15,-1 0 1,1 0-16,32 0 31,-32 0-15,32 0-16,-33 32 16,66 1-16,32 32 15,-97-65-15,65 65 16,32-33-16,-65 1 15,0 0-15,33 32 16,-66-33-16,1-32 16,32 65-16,0-32 15,-32-33-15,32 65 16,0 0-16,65 0 16,-32 0-16,32 33 15,0 0-15,33-33 16,-98-32-16,98 64 15,-98-32-15,33 1 16,-65-1-16,32 0 16,32 0-16,-31 0 15,31 0-15,-32 0 16,1 66-16,31-34 16,-32 1-16,0 32 15,33 0-15,-33-32 16,0-33-16,1 98 15,-66-130-15,65 32 16,-33 32 0,33 1-16,-32-33 15,-1 33-15,1-33 16,0 33-16,-1-1 16,-32-31-16,0 64 15,33-32-15,-33 32 16,0 33-16,0-66 15,0 1-15,0-33 16,0 33-16,0 0 16,0-33-16,0 32 15,0 1-15,0-33 16,0 65-16,0 1 16,0-66-16,0 33 15,0 32-15,0 0 16,0 0-16,0 1 15,0-34-15,0-32 16,0 33-16,0-65 16,0 64-16,0-64 15,0 65-15,-33-66 16,33 1-16,-32 32 16,-34 0-16,34-65 15,-1 65 1,-64-32-16,64-33 15,-32 65-15,0-33 16,0-32-16,-66 65 16,66-32-16,-32-33 15,-1 33-15,-32-1 16,32-32-16,-32 33 16,32-33-16,-32 32 15,-33-32-15,33 33 16,-33-33-16,33 32 15,-66 1-15,66-33 16,-65 33-16,-1-1 16,33 1-16,1-1 15,-34-32-15,33 33 16,1-1-16,31-32 16,-64 65-16,65-65 15,-66 66-15,1-66 16,32 0-16,-97 65 15,32-65-15,0 65 16,0-65-16,-33 65 16,1-65-16,32 0 15,-33 65 1,1-65-16,-33 0 16,65 0-16,-33 0 15,-64 0-15,-1 0 16,65 0-16,-32 0 15,33 0-15,-1 0 16,33 0-16,-32 0 16,64 0-16,-32 0 15,1 0-15,64 0 16,-33 0-16,34 0 16,-1 0-16,32 0 15,34 0-15,-34 0 16,66 0-16,-32 0 15,32 0-15,-33 0 16,65 0-16,-32 0 16,0 0-16,32 0 15,-32 0-15,33 0 16,-1 0-16,1 0 16,-33 0-16,-1 0 15,1 0-15,0 0 16,33 0-16,-66 0 15,0-32-15,0 32 16,-32 0-16,33-33 16,-34-32-16,34 32 15,31 33 1,-31-32-16,-33 32 16,64-33-16,-64-32 15,65 65-15,-65-33 16,65 1-16,-66-1 15,66 1-15,0 32 16,-33-33-16,66 1 16,-33-1-16,32 33 15,1-32 1,-34 32 0,34-33-16,-1 33 15,1-33 1,-33 33-16,32-32 15,-65-1-15,66 1 16,-33 32-16,-33-65 16,33 32-16,32 33 15,1 0-15,-1 0 16,1-33 31,-1 33-32,0 0 1,-32-32-16,0-1 16,0 1-16,33 32 15,-34 0-15,34 0 16,-1 0-16,-32-33 16,33 33-1,32-32 32,-33 32-31,33-33 31</inkml:trace>
+    <inkml:trace contextRef="#ctx0" brushRef="#br0" timeOffset="-2791.54">195-3028 0,'0'33'47,"0"64"-32,0 66-15,0 32 16,0 66-16,0 0 16,0-1-16,0 1 15,0-1-15,0-32 16,-65 33-16,32-66 15,33-32-15,-32 65 16,-1-33-16,33 0 16,0 1-16,0-66 15,0 33-15,0 0 16,0-66-16,0 1 16,0 32-1,0-32-15,0 32 16,0-65-16,0 1 15,0-34-15,0 1 16,0-1-16</inkml:trace>
+    <inkml:trace contextRef="#ctx0" brushRef="#br0" timeOffset="94007.99">1367-3647 0,'33'-32'31,"65"-1"-15,32 1-16,98-34 15,32 1-15,98 0 16,196 33-1,-33-66-15,33 33 16,32 32-16,65-32 16,-65 65-16,-65 0 15,33 0-15,-33 0 16,0 0-16,0-65 16,-65 32-16,0-64 15,-98 64-15,-98 1 16,-32 32-16,-32-65 15,-1 65-15,1 0 16,-66 0-16,65 0 16,-65 0-16,33 0 15,-32 0-15,-66 0 16,65 0-16,-98 0 16,1 0-16,0 0 15,-1 0-15,1 0 16,-1 0-16,1 0 15,-1 0 1,1 0-16,32 0 31,-32 0-15,32 0-16,-33 32 16,66 1-16,32 32 15,-97-65-15,65 65 16,32-33-16,-65 1 15,0 0-15,33 32 16,-66-33-16,1-32 16,32 65-16,0-32 15,-32-33-15,32 65 16,0 0-16,65 0 16,-32 0-16,32 33 15,0 0-15,33-33 16,-98-32-16,98 64 15,-98-32-15,33 1 16,-65-1-16,32 0 16,32 0-16,-31 0 15,31 0-15,-32 0 16,1 66-16,31-34 16,-32 1-16,0 32 15,33 0-15,-33-32 16,0-33-16,1 98 15,-66-130-15,65 32 16,-33 32 0,33 1-16,-32-33 15,-1 33-15,1-33 16,0 33-16,-1-1 16,-32-31-16,0 64 15,33-32-15,-33 32 16,0 33-16,0-66 15,0 1-15,0-33 16,0 33-16,0 0 16,0-33-16,0 32 15,0 1-15,0-33 16,0 65-16,0 1 16,0-66-16,0 33 15,0 32-15,0 0 16,0 0-16,0 1 15,0-34-15,0-32 16,0 33-16,0-65 16,0 64-16,0-64 15,0 65-15,-33-66 16,33 1-16,-32 32 16,-34 0-16,34-65 15,-1 65 1,-64-32-16,64-33 15,-32 65-15,0-33 16,0-32-16,-66 65 16,66-32-16,-32-33 15,-1 33-15,-32-1 16,32-32-16,-32 33 16,32-33-16,-32 32 15,-33-32-15,33 33 16,-33-33-16,33 32 15,-66 1-15,66-33 16,-65 33-16,-1-1 16,33 1-16,1-1 15,-34-32-15,33 33 16,1-1-16,31-32 16,-64 65-16,65-65 15,-66 66-15,1-66 16,32 0-16,-97 65 15,32-65-15,0 65 16,0-65-16,-33 65 16,1-65-16,32 0 15,-33 65 1,1-65-16,-33 0 16,65 0-16,-33 0 15,-64 0-15,-1 0 16,65 0-16,-32 0 15,33 0-15,-1 0 16,33 0-16,-32 0 16,64 0-16,-32 0 15,1 0-15,64 0 16,-33 0-16,34 0 16,-1 0-16,32 0 15,34 0-15,-34 0 16,66 0-16,-32 0 15,32 0-15,-33 0 16,65 0-16,-32 0 16,0 0-16,32 0 15,-32 0-15,33 0 16,-1 0-16,1 0 16,-33 0-16,-1 0 15,1 0-15,0 0 16,33 0-16,-66 0 15,0-32-15,0 32 16,-32 0-16,33-33 16,-34-32-16,34 32 15,31 33 1,-31-32-16,-33 32 16,64-33-16,-64-32 15,65 65-15,-65-33 16,65 1-16,-66-1 15,66 1-15,0 32 16,-33-33-16,66 1 16,-33-1-16,32 33 15,1-32 1,-34 32 0,34-33-16,-1 33 15,1-33 1,-33 33-16,32-32 15,-65-1-15,66 1 16,-33 32-16,-33-65 16,33 32-16,32 33 15,1 0-15,-1 0 16,1-33 31,-1 33-32,0 0 1,-32-32-16,0-1 16,0 1-16,33 32 15,-34 0-15,34 0 16,-1 0-16,-32-33 16,33 33-1,32-32 32,-33 32-31,33-33 31</inkml:trace>
   </inkml:traceGroup>
 </inkml:ink>
 </file>
 
-<file path=ppt/ink/ink36.xml><?xml version="1.0" encoding="utf-8"?>
+<file path=ppt/ink/ink38.xml><?xml version="1.0" encoding="utf-8"?>
 <inkml:ink xmlns:inkml="http://www.w3.org/2003/InkML">
   <inkml:definitions>
     <inkml:context xml:id="ctx0">
@@ -2133,7 +2214,7 @@
 </inkml:ink>
 </file>
 
-<file path=ppt/ink/ink37.xml><?xml version="1.0" encoding="utf-8"?>
+<file path=ppt/ink/ink39.xml><?xml version="1.0" encoding="utf-8"?>
 <inkml:ink xmlns:inkml="http://www.w3.org/2003/InkML">
   <inkml:definitions>
     <inkml:context xml:id="ctx0">
@@ -2198,8 +2279,8 @@
             </emma:emma>
           </inkml:annotationXML>
           <inkml:trace contextRef="#ctx0" brushRef="#br0">618-180 0,'-32'32'125,"32"1"-109,0-1 0,0 1-16,0 0 15,0-1 1,32-32 0,-32 33-1,33-33 1,0 32-1,-1-32-15,1 0 47,-33-32-15,0-1-17,0 1 1,0-1-1,0 0-15,-33 1 32,1-1-17,-1 33 17</inkml:trace>
-          <inkml:trace contextRef="#ctx0" brushRef="#br0" timeOffset="-1847.1759">32-310 0,'0'32'47,"0"33"-47,0-32 15,0-1-15,0 33 16,0-32 0,0 0-16,0-1 31,0-64 172,33 32-172,-33 32 94,0 1-78,0-1-31,-33-32 15,1 0-15,-1 0 30,1 0 33,32-32-48,0-1-16,32 1 1,1 32 0,-1 0-1,-32-33 1,33 33 0,-1 0-1,-32-33-15,33 33 16,0 0 15,-1 0 16,1 0-31,-1 0 46,1 0-31,-33 33-15,32-33 0,-32 33-1,0-1 1,-32-32 15,-1 0-31,-32 0 31,33 0-15,-1 0 15,0 0 16,1 0 16</inkml:trace>
-          <inkml:trace contextRef="#ctx0" brushRef="#br0" timeOffset="888.5979">781-245 0,'0'65'16,"0"0"-16,33-33 16,-33 34-16,0-1 15,32 0-15,-32-33 16,0 1 0,0 0-16,0-1 15,33 1-15,-33-1 16,33 1-16,-33-261 140,0 195-124,0 1 0,0-1-1,0-32 1,32 32 15,1 1-15,-1-1 15</inkml:trace>
+          <inkml:trace contextRef="#ctx0" brushRef="#br0" timeOffset="-1847.18">32-310 0,'0'32'47,"0"33"-47,0-32 15,0-1-15,0 33 16,0-32 0,0 0-16,0-1 31,0-64 172,33 32-172,-33 32 94,0 1-78,0-1-31,-33-32 15,1 0-15,-1 0 30,1 0 33,32-32-48,0-1-16,32 1 1,1 32 0,-1 0-1,-32-33 1,33 33 0,-1 0-1,-32-33-15,33 33 16,0 0 15,-1 0 16,1 0-31,-1 0 46,1 0-31,-33 33-15,32-33 0,-32 33-1,0-1 1,-32-32 15,-1 0-31,-32 0 31,33 0-15,-1 0 15,0 0 16,1 0 16</inkml:trace>
+          <inkml:trace contextRef="#ctx0" brushRef="#br0" timeOffset="888.59">781-245 0,'0'65'16,"0"0"-16,33-33 16,-33 34-16,0-1 15,32 0-15,-32-33 16,0 1 0,0 0-16,0-1 15,33 1-15,-33-1 16,33 1-16,-33-261 140,0 195-124,0 1 0,0-1-1,0-32 1,32 32 15,1 1-15,-1-1 15</inkml:trace>
         </inkml:traceGroup>
         <inkml:traceGroup>
           <inkml:annotationXML>
@@ -2226,7 +2307,7 @@
               </emma:one-of>
             </emma:emma>
           </inkml:annotationXML>
-          <inkml:trace contextRef="#ctx0" brushRef="#br0" timeOffset="94576.1527">1302-148 0,'0'33'93,"-32"-33"-77,32 32-16,-33 1 16,33 0-1,-32-33 1,32 32 171,32 1-171,1-33 0,-1 32-1,1-32-15,-1 0 16</inkml:trace>
+          <inkml:trace contextRef="#ctx0" brushRef="#br0" timeOffset="94576.15">1302-148 0,'0'33'93,"-32"-33"-77,32 32-16,-33 1 16,33 0-1,-32-33 1,32 32 171,32 1-171,1-33 0,-1 32-1,1-32-15,-1 0 16</inkml:trace>
         </inkml:traceGroup>
         <inkml:traceGroup>
           <inkml:annotationXML>
@@ -2241,10 +2322,10 @@
               </emma:one-of>
             </emma:emma>
           </inkml:annotationXML>
-          <inkml:trace contextRef="#ctx0" brushRef="#br0" timeOffset="-21103.7814">-65 178 0,'32'0'47,"-32"33"-31,33-1-16,-33 1 15,0-1 1,0 1 0</inkml:trace>
-          <inkml:trace contextRef="#ctx0" brushRef="#br0" timeOffset="-759.6304">521-115 0,'-33'-33'16,"1"33"30,-1 0-14,1 0-17,-1 0 1,0 0 0,1 0-16,-1 0 31,33 33 16,0-1-47,0 1 15,33 0 1,-1-33 0,1 0-1,0 32-15,-1-32 16,-32 33-1,33-33-15,-1 0 16,1 0 47,-33-131-1,0 99-46,-33 32-1,33-33 1,-32 33 15</inkml:trace>
-          <inkml:trace contextRef="#ctx0" brushRef="#br0" timeOffset="-19695.0619">0 113 0,'0'-33'47,"32"33"-47,1 0 16,-1 0-1,34-32-15,-1 32 16,-33 0-16,66-33 16,-33 33-16,33 0 15,-66 0-15,33 0 16,1 0-16,-1 0 16,-33 0-1,1 0 48,-1 0-48,1 0 1,32 0 0,0 0-1,-32 0 1,-1 0 109,-32 33-110,0 32-15,0-33 16,0 34-16,0-1 16,0 0-16,0-33 15,0 1-15,0 32 16,-32 0-16,32-32 16,0-1 46,-33-32-31,1 0-31,-1 0 16,1 0-16,-1 0 16,-293 0 46,294 0-62,-1 0 16,1 0-16,-33 0 15,32 0 1,-32 0 0,32 0-1,1 0 1,-1 0-16,1 0 15,-1 0-15,0 0 16,1 0 31,-1 0-16,33-32 125,0-1-140,0-32-16,0 33 16,0-1-16,0 0 15,0-32-15</inkml:trace>
-          <inkml:trace contextRef="#ctx0" brushRef="#br0" timeOffset="1184.2681">912 48 0,'0'32'0,"32"1"16,-32-1-16,0 1 16,65 0-16,-65-1 15,0 1-15,33-1 16,-33 1-1,32-1 1</inkml:trace>
+          <inkml:trace contextRef="#ctx0" brushRef="#br0" timeOffset="-21103.79">-65 178 0,'32'0'47,"-32"33"-31,33-1-16,-33 1 15,0-1 1,0 1 0</inkml:trace>
+          <inkml:trace contextRef="#ctx0" brushRef="#br0" timeOffset="-759.64">521-115 0,'-33'-33'16,"1"33"30,-1 0-14,1 0-17,-1 0 1,0 0 0,1 0-16,-1 0 31,33 33 16,0-1-47,0 1 15,33 0 1,-1-33 0,1 0-1,0 32-15,-1-32 16,-32 33-1,33-33-15,-1 0 16,1 0 47,-33-131-1,0 99-46,-33 32-1,33-33 1,-32 33 15</inkml:trace>
+          <inkml:trace contextRef="#ctx0" brushRef="#br0" timeOffset="-19695.07">0 113 0,'0'-33'47,"32"33"-47,1 0 16,-1 0-1,34-32-15,-1 32 16,-33 0-16,66-33 16,-33 33-16,33 0 15,-66 0-15,33 0 16,1 0-16,-1 0 16,-33 0-1,1 0 48,-1 0-48,1 0 1,32 0 0,0 0-1,-32 0 1,-1 0 109,-32 33-110,0 32-15,0-33 16,0 34-16,0-1 16,0 0-16,0-33 15,0 1-15,0 32 16,-32 0-16,32-32 16,0-1 46,-33-32-31,1 0-31,-1 0 16,1 0-16,-1 0 16,-293 0 46,294 0-62,-1 0 16,1 0-16,-33 0 15,32 0 1,-32 0 0,32 0-1,1 0 1,-1 0-16,1 0 15,-1 0-15,0 0 16,1 0 31,-1 0-16,33-32 125,0-1-140,0-32-16,0 33 16,0-1-16,0 0 15,0-32-15</inkml:trace>
+          <inkml:trace contextRef="#ctx0" brushRef="#br0" timeOffset="1184.26">912 48 0,'0'32'0,"32"1"16,-32-1-16,0 1 16,65 0-16,-65-1 15,0 1-15,33-1 16,-33 1-1,32-1 1</inkml:trace>
         </inkml:traceGroup>
         <inkml:traceGroup>
           <inkml:annotationXML>
@@ -2259,9 +2340,9 @@
               </emma:one-of>
             </emma:emma>
           </inkml:annotationXML>
-          <inkml:trace contextRef="#ctx0" brushRef="#br0" timeOffset="-17551.514">0 1318 0,'32'0'47,"1"0"-32,-1 0-15,34 0 16,-34 0-16,33 0 16,0 0-16,1 0 15,-1 0-15,0 0 16,32 0-16,1 0 16,-33 0-16,-32 0 15,-1 0-15,1 0 16,0 0 46,-1 0 32,1 0-78,-1 0 15,-32 32 47,0 33-62,0 1-1,0-34-15,0 1 16,0 32 0,0-33-16,0 131 78,0-130-78,33-33 31,-33 32-15,-65-32 93,32 0-93,1 0-16,-1 0 15,-32 0-15,32 0 16,-32 0-16,33 0 15,-34 0-15,1 0 16,33 0-16,-33 0 16,32 0-16,1 0 15,-34 0-15,34 0 16,-1 0 0,1 33-1,-1-33 32,1 0-47,-1 0 16,0 32-1,1-32 1,-1 0 0,1 33-1</inkml:trace>
-          <inkml:trace contextRef="#ctx0" brushRef="#br0" timeOffset="-18935.8223">32 1318 0,'0'65'47,"0"0"-47,0-32 16,0 32-16,0-33 15,0 1-15,0 32 16,0-32-1,0-1 1</inkml:trace>
-          <inkml:trace contextRef="#ctx0" brushRef="#br0" timeOffset="-17166.5925">0 1969 0,'0'-33'62,"0"1"-62,0-1 16,0 1-16,0-1 16,0 1-16,0-1 15,0 1-15,0-1 16,0 0 0</inkml:trace>
+          <inkml:trace contextRef="#ctx0" brushRef="#br0" timeOffset="-17551.52">0 1318 0,'32'0'47,"1"0"-32,-1 0-15,34 0 16,-34 0-16,33 0 16,0 0-16,1 0 15,-1 0-15,0 0 16,32 0-16,1 0 16,-33 0-16,-32 0 15,-1 0-15,1 0 16,0 0 46,-1 0 32,1 0-78,-1 0 15,-32 32 47,0 33-62,0 1-1,0-34-15,0 1 16,0 32 0,0-33-16,0 131 78,0-130-78,33-33 31,-33 32-15,-65-32 93,32 0-93,1 0-16,-1 0 15,-32 0-15,32 0 16,-32 0-16,33 0 15,-34 0-15,1 0 16,33 0-16,-33 0 16,32 0-16,1 0 15,-34 0-15,34 0 16,-1 0 0,1 33-1,-1-33 32,1 0-47,-1 0 16,0 32-1,1-32 1,-1 0 0,1 33-1</inkml:trace>
+          <inkml:trace contextRef="#ctx0" brushRef="#br0" timeOffset="-18935.83">32 1318 0,'0'65'47,"0"0"-47,0-32 16,0 32-16,0-33 15,0 1-15,0 32 16,0-32-1,0-1 1</inkml:trace>
+          <inkml:trace contextRef="#ctx0" brushRef="#br0" timeOffset="-17166.6">0 1969 0,'0'-33'62,"0"1"-62,0-1 16,0 1-16,0-1 16,0 1-16,0-1 15,0 1-15,0-1 16,0 0 0</inkml:trace>
         </inkml:traceGroup>
         <inkml:traceGroup>
           <inkml:annotationXML>
@@ -2276,87 +2357,11 @@
               </emma:one-of>
             </emma:emma>
           </inkml:annotationXML>
-          <inkml:trace contextRef="#ctx0" brushRef="#br0" timeOffset="-14215.1528">32 2555 0,'0'-32'63,"65"32"-47,1 0-1,-34 0-15,33 0 16,0 0-16,1 0 15,-1 0-15,0 0 16,0 0-16,0 0 16,-32 0-16,32 0 15,-33 0-15,1 0 16,-1 0 15,1 0-15,0 0-1,-1 0 79,1 0-78,-1 0-16,1 0 15,-1 130 235,1-65-234,-33-32-16,0 32 16,0-33-1,0 33-15,0-32 16,0 0-16,32-1 16,-32 33-16,0-32 15,0-1-15,0 1 16,33-1-16,-33 1 15,0 0 17,-33-33 124,-32 0-140,33 0-1,-33 0-15,0 0 16,32 0-1,-32 0-15,-33 0 16,66 0 0,-1 0-16,-32 0 15,32 0 1,1 0-16,-1 0 16,1 0-1,-1 0-15,1 0 16,-34 0-16,34 0 15,-33 0-15,32 0 16,1 0-16,-1 0 16,0 0 218,33-33-218,0-32-1,0 32-15,0-32 16,0 33-16,0-33 16,0 32-16,0 0 15,0-32-15,0 33 16,0-1-1,0 1 1,0-1 0</inkml:trace>
-          <inkml:trace contextRef="#ctx0" brushRef="#br0" timeOffset="-16103.3379">32 2718 0,'0'33'15,"0"-1"1,0 1-1,0-1-15,0 33 16,33-65-16,-33 33 16,0 0-1,0-1 17</inkml:trace>
+          <inkml:trace contextRef="#ctx0" brushRef="#br0" timeOffset="-14215.16">32 2555 0,'0'-32'63,"65"32"-47,1 0-1,-34 0-15,33 0 16,0 0-16,1 0 15,-1 0-15,0 0 16,0 0-16,0 0 16,-32 0-16,32 0 15,-33 0-15,1 0 16,-1 0 15,1 0-15,0 0-1,-1 0 79,1 0-78,-1 0-16,1 0 15,-1 130 235,1-65-234,-33-32-16,0 32 16,0-33-1,0 33-15,0-32 16,0 0-16,32-1 16,-32 33-16,0-32 15,0-1-15,0 1 16,33-1-16,-33 1 15,0 0 17,-33-33 124,-32 0-140,33 0-1,-33 0-15,0 0 16,32 0-1,-32 0-15,-33 0 16,66 0 0,-1 0-16,-32 0 15,32 0 1,1 0-16,-1 0 16,1 0-1,-1 0-15,1 0 16,-34 0-16,34 0 15,-33 0-15,32 0 16,1 0-16,-1 0 16,0 0 218,33-33-218,0-32-1,0 32-15,0-32 16,0 33-16,0-33 16,0 32-16,0 0 15,0-32-15,0 33 16,0-1-1,0 1 1,0-1 0</inkml:trace>
+          <inkml:trace contextRef="#ctx0" brushRef="#br0" timeOffset="-16103.34">32 2718 0,'0'33'15,"0"-1"1,0 1-1,0-1-15,0 33 16,33-65-16,-33 33 16,0 0-1,0-1 17</inkml:trace>
         </inkml:traceGroup>
       </inkml:traceGroup>
     </inkml:traceGroup>
-  </inkml:traceGroup>
-</inkml:ink>
-</file>
-
-<file path=ppt/ink/ink38.xml><?xml version="1.0" encoding="utf-8"?>
-<inkml:ink xmlns:inkml="http://www.w3.org/2003/InkML">
-  <inkml:definitions>
-    <inkml:context xml:id="ctx0">
-      <inkml:inkSource xml:id="inkSrc0">
-        <inkml:traceFormat>
-          <inkml:channel name="X" type="integer" max="1920" units="cm"/>
-          <inkml:channel name="Y" type="integer" max="1080" units="cm"/>
-          <inkml:channel name="T" type="integer" max="2.14748E9" units="dev"/>
-        </inkml:traceFormat>
-        <inkml:channelProperties>
-          <inkml:channelProperty channel="X" name="resolution" value="36.85221" units="1/cm"/>
-          <inkml:channelProperty channel="Y" name="resolution" value="36.86007" units="1/cm"/>
-          <inkml:channelProperty channel="T" name="resolution" value="1" units="1/dev"/>
-        </inkml:channelProperties>
-      </inkml:inkSource>
-      <inkml:timestamp xml:id="ts0" timeString="2021-04-09T08:49:06.586"/>
-    </inkml:context>
-    <inkml:brush xml:id="br0">
-      <inkml:brushProperty name="width" value="0.06667" units="cm"/>
-      <inkml:brushProperty name="height" value="0.06667" units="cm"/>
-      <inkml:brushProperty name="color" value="#ED1C24"/>
-      <inkml:brushProperty name="fitToCurve" value="1"/>
-    </inkml:brush>
-  </inkml:definitions>
-  <inkml:traceGroup>
-    <inkml:annotationXML>
-      <emma:emma xmlns:emma="http://www.w3.org/2003/04/emma" version="1.0">
-        <emma:interpretation id="{3C6094C3-9AF4-40AA-8828-A15CEDCE9EDA}" emma:medium="tactile" emma:mode="ink">
-          <msink:context xmlns:msink="http://schemas.microsoft.com/ink/2010/main" type="inkDrawing"/>
-        </emma:interpretation>
-      </emma:emma>
-    </inkml:annotationXML>
-    <inkml:trace contextRef="#ctx0" brushRef="#br0">0 0 0</inkml:trace>
-  </inkml:traceGroup>
-</inkml:ink>
-</file>
-
-<file path=ppt/ink/ink39.xml><?xml version="1.0" encoding="utf-8"?>
-<inkml:ink xmlns:inkml="http://www.w3.org/2003/InkML">
-  <inkml:definitions>
-    <inkml:context xml:id="ctx0">
-      <inkml:inkSource xml:id="inkSrc0">
-        <inkml:traceFormat>
-          <inkml:channel name="X" type="integer" max="1920" units="cm"/>
-          <inkml:channel name="Y" type="integer" max="1080" units="cm"/>
-          <inkml:channel name="T" type="integer" max="2.14748E9" units="dev"/>
-        </inkml:traceFormat>
-        <inkml:channelProperties>
-          <inkml:channelProperty channel="X" name="resolution" value="36.85221" units="1/cm"/>
-          <inkml:channelProperty channel="Y" name="resolution" value="36.86007" units="1/cm"/>
-          <inkml:channelProperty channel="T" name="resolution" value="1" units="1/dev"/>
-        </inkml:channelProperties>
-      </inkml:inkSource>
-      <inkml:timestamp xml:id="ts0" timeString="2021-04-09T08:49:08.401"/>
-    </inkml:context>
-    <inkml:brush xml:id="br0">
-      <inkml:brushProperty name="width" value="0.06667" units="cm"/>
-      <inkml:brushProperty name="height" value="0.06667" units="cm"/>
-      <inkml:brushProperty name="color" value="#ED1C24"/>
-      <inkml:brushProperty name="fitToCurve" value="1"/>
-    </inkml:brush>
-  </inkml:definitions>
-  <inkml:traceGroup>
-    <inkml:annotationXML>
-      <emma:emma xmlns:emma="http://www.w3.org/2003/04/emma" version="1.0">
-        <emma:interpretation id="{7E8F46A5-8F3C-44D8-96DC-27023FF76376}" emma:medium="tactile" emma:mode="ink">
-          <msink:context xmlns:msink="http://schemas.microsoft.com/ink/2010/main" type="inkDrawing"/>
-        </emma:interpretation>
-      </emma:emma>
-    </inkml:annotationXML>
-    <inkml:trace contextRef="#ctx0" brushRef="#br0">0 0 0,'33'0'16,"-1"0"0,1 0-1,-1 0 17,1 0-32</inkml:trace>
   </inkml:traceGroup>
 </inkml:ink>
 </file>
@@ -2424,13 +2429,13 @@
             </emma:emma>
           </inkml:annotationXML>
           <inkml:trace contextRef="#ctx0" brushRef="#br0">1276 200 0,'0'-33'15,"0"1"-15,0-1 16,65 0-16,-32-32 16,32 0-16,0 33 15,0-34-15,0 34 16,-32-1-16,-33 1 16,32 32-16</inkml:trace>
-          <inkml:trace contextRef="#ctx0" brushRef="#br0" timeOffset="319.5263">1504 265 0,'33'0'47,"32"-98"-47,-33 33 16,1 32-16,-1 1 15,1-1-15,32 1 16,-65-1 0,33 33-1</inkml:trace>
-          <inkml:trace contextRef="#ctx0" brushRef="#br0" timeOffset="-559.7563">755 753 0,'0'33'31,"-33"-33"-31,1 0 32,-1 0-1,1 0-16,-1 0 1,-32 0 0,32 0-16,1 0 15,-1 0-15,-32 0 32,33-33-32,-1 1 15,1 32-15,-1 0 16,0-33-1,1 1 1,-1 32-16,-32-33 16,65 0-1,-32 33-15,32-65 32,-33 65-17,33-32 1,0-33-1,33 32 1,-1 1-16,-32-1 16,33 0-16,-33 1 15,65-1-15,-33 1 16,1-1 0,0 1-1,-33-1 1,32 33-16,1-65 31,-1 32-15,1 33-16,-1 0 15,33 0 1,-32 0 0,0 0-1,32 0 1,0 0-1,0 33 1,-32-33-16,-1 65 16,66-32-16,-66-1 15,33 1-15,-32-1 16,0 33 0,-1-32-16,1 0 15,-33-1 16,32-32-31,-32 33 16,0 32 0,0-33-1,0 1 1,0-1 0,0 1-16,0 0 15,0-1 1,0 1-16,0-1 15,0 1 1,0-1-16,0 1 16,-32 0-1,-1-1 1,33 1 0,-65-33-1,65 32-15,-33-32 16,-32 33-1,33-33 1,-1 0 0,1 32-16,-1-32 15,1 0-15,-1 0 16,0 0 0,1 0-16,-1 0 15,-32 0 1,33 0-1,-1 0 1,33-32 0,-33-1-16,33 1 15</inkml:trace>
-          <inkml:trace contextRef="#ctx0" brushRef="#br0" timeOffset="1487.813">1862-810 0,'-32'0'15,"-1"33"79,33-1-78,0 1-1,0-1-15,0 1 16,0 0 0,0-1-1,0 1-15,0-1 16,33-32-1,-1 33-15,1-1 16,-1-32 0,1 0 15,-1 33-15,1-33-1,0 0 1,-1 0 31,1 0-47</inkml:trace>
-          <inkml:trace contextRef="#ctx0" brushRef="#br0" timeOffset="1871.7825">2220-842 0,'0'97'31,"0"-64"-15,0 65 0,0-33-16,0-33 15,0 1-15,0-1 16</inkml:trace>
-          <inkml:trace contextRef="#ctx0" brushRef="#br0" timeOffset="2935.9189">2448-647 0,'-32'0'110,"32"65"-79,0-32-15,0-1-1,0 1 1,0-1 0,32 1-1,1 0 1,-1-66 46,1-32-46,-33 32-16,0 1 16,0-1-16,0-32 15,0 32 1,0 66 109,0 0-110,33-1-15,-33 1 16,32-33 15,-32 32-31,33-32 32</inkml:trace>
-          <inkml:trace contextRef="#ctx0" brushRef="#br0" timeOffset="4152.0949">3100-777 0,'-33'-33'15,"0"33"1,1 0 15,-1 0 16,1 0-31,-1 0-1,33 33 110,0-1-109,0 1 0,0-1-1,0 1 1,33-33 31,-1 0-16,1 0-15,-1 0-1,1 0 16,-33 33 1,33-1 15,-33 1-32,0-1 48,-33-32-16,0 0-16,1 0 16</inkml:trace>
-          <inkml:trace contextRef="#ctx0" brushRef="#br0" timeOffset="5543.7767">3653-712 0,'-32'0'32,"-1"0"-32,0 0 31,1 0-16,-1 0 1,1 0-16,-1 0 16,1 0-16,-1 0 15,1 0 1,-1 0 31,33 32 31,33 1-78,-33 0 16,32-33-1,-32 32 1,33-32 15,-1 0 16,1 0-16,-33 33-15,32-33-1,1 0 1,-1 0 0,-32 32 124,0 1-124,-32-1 15,32 1 0,-33-33 1,1 0-17,-1 0 1,1 0 15,-1 0 0,1 0 1</inkml:trace>
+          <inkml:trace contextRef="#ctx0" brushRef="#br0" timeOffset="319.52">1504 265 0,'33'0'47,"32"-98"-47,-33 33 16,1 32-16,-1 1 15,1-1-15,32 1 16,-65-1 0,33 33-1</inkml:trace>
+          <inkml:trace contextRef="#ctx0" brushRef="#br0" timeOffset="-559.76">755 753 0,'0'33'31,"-33"-33"-31,1 0 32,-1 0-1,1 0-16,-1 0 1,-32 0 0,32 0-16,1 0 15,-1 0-15,-32 0 32,33-33-32,-1 1 15,1 32-15,-1 0 16,0-33-1,1 1 1,-1 32-16,-32-33 16,65 0-1,-32 33-15,32-65 32,-33 65-17,33-32 1,0-33-1,33 32 1,-1 1-16,-32-1 16,33 0-16,-33 1 15,65-1-15,-33 1 16,1-1 0,0 1-1,-33-1 1,32 33-16,1-65 31,-1 32-15,1 33-16,-1 0 15,33 0 1,-32 0 0,0 0-1,32 0 1,0 0-1,0 33 1,-32-33-16,-1 65 16,66-32-16,-66-1 15,33 1-15,-32-1 16,0 33 0,-1-32-16,1 0 15,-33-1 16,32-32-31,-32 33 16,0 32 0,0-33-1,0 1 1,0-1 0,0 1-16,0 0 15,0-1 1,0 1-16,0-1 15,0 1 1,0-1-16,0 1 16,-32 0-1,-1-1 1,33 1 0,-65-33-1,65 32-15,-33-32 16,-32 33-1,33-33 1,-1 0 0,1 32-16,-1-32 15,1 0-15,-1 0 16,0 0 0,1 0-16,-1 0 15,-32 0 1,33 0-1,-1 0 1,33-32 0,-33-1-16,33 1 15</inkml:trace>
+          <inkml:trace contextRef="#ctx0" brushRef="#br0" timeOffset="1487.81">1862-810 0,'-32'0'15,"-1"33"79,33-1-78,0 1-1,0-1-15,0 1 16,0 0 0,0-1-1,0 1-15,0-1 16,33-32-1,-1 33-15,1-1 16,-1-32 0,1 0 15,-1 33-15,1-33-1,0 0 1,-1 0 31,1 0-47</inkml:trace>
+          <inkml:trace contextRef="#ctx0" brushRef="#br0" timeOffset="1871.78">2220-842 0,'0'97'31,"0"-64"-15,0 65 0,0-33-16,0-33 15,0 1-15,0-1 16</inkml:trace>
+          <inkml:trace contextRef="#ctx0" brushRef="#br0" timeOffset="2935.91">2448-647 0,'-32'0'110,"32"65"-79,0-32-15,0-1-1,0 1 1,0-1 0,32 1-1,1 0 1,-1-66 46,1-32-46,-33 32-16,0 1 16,0-1-16,0-32 15,0 32 1,0 66 109,0 0-110,33-1-15,-33 1 16,32-33 15,-32 32-31,33-32 32</inkml:trace>
+          <inkml:trace contextRef="#ctx0" brushRef="#br0" timeOffset="4152.09">3100-777 0,'-33'-33'15,"0"33"1,1 0 15,-1 0 16,1 0-31,-1 0-1,33 33 110,0-1-109,0 1 0,0-1-1,0 1 1,33-33 31,-1 0-16,1 0-15,-1 0-1,1 0 16,-33 33 1,33-1 15,-33 1-32,0-1 48,-33-32-16,0 0-16,1 0 16</inkml:trace>
+          <inkml:trace contextRef="#ctx0" brushRef="#br0" timeOffset="5543.77">3653-712 0,'-32'0'32,"-1"0"-32,0 0 31,1 0-16,-1 0 1,1 0-16,-1 0 16,1 0-16,-1 0 15,1 0 1,-1 0 31,33 32 31,33 1-78,-33 0 16,32-33-1,-32 32 1,33-32 15,-1 0 16,1 0-16,-33 33-15,32-33-1,1 0 1,-1 0 0,-32 32 124,0 1-124,-32-1 15,32 1 0,-33-33 1,1 0-17,-1 0 1,1 0 15,-1 0 0,1 0 1</inkml:trace>
         </inkml:traceGroup>
       </inkml:traceGroup>
     </inkml:traceGroup>
@@ -2439,6 +2444,82 @@
 </file>
 
 <file path=ppt/ink/ink40.xml><?xml version="1.0" encoding="utf-8"?>
+<inkml:ink xmlns:inkml="http://www.w3.org/2003/InkML">
+  <inkml:definitions>
+    <inkml:context xml:id="ctx0">
+      <inkml:inkSource xml:id="inkSrc0">
+        <inkml:traceFormat>
+          <inkml:channel name="X" type="integer" max="1920" units="cm"/>
+          <inkml:channel name="Y" type="integer" max="1080" units="cm"/>
+          <inkml:channel name="T" type="integer" max="2.14748E9" units="dev"/>
+        </inkml:traceFormat>
+        <inkml:channelProperties>
+          <inkml:channelProperty channel="X" name="resolution" value="36.85221" units="1/cm"/>
+          <inkml:channelProperty channel="Y" name="resolution" value="36.86007" units="1/cm"/>
+          <inkml:channelProperty channel="T" name="resolution" value="1" units="1/dev"/>
+        </inkml:channelProperties>
+      </inkml:inkSource>
+      <inkml:timestamp xml:id="ts0" timeString="2021-04-09T08:49:06.586"/>
+    </inkml:context>
+    <inkml:brush xml:id="br0">
+      <inkml:brushProperty name="width" value="0.06667" units="cm"/>
+      <inkml:brushProperty name="height" value="0.06667" units="cm"/>
+      <inkml:brushProperty name="color" value="#ED1C24"/>
+      <inkml:brushProperty name="fitToCurve" value="1"/>
+    </inkml:brush>
+  </inkml:definitions>
+  <inkml:traceGroup>
+    <inkml:annotationXML>
+      <emma:emma xmlns:emma="http://www.w3.org/2003/04/emma" version="1.0">
+        <emma:interpretation id="{3C6094C3-9AF4-40AA-8828-A15CEDCE9EDA}" emma:medium="tactile" emma:mode="ink">
+          <msink:context xmlns:msink="http://schemas.microsoft.com/ink/2010/main" type="inkDrawing"/>
+        </emma:interpretation>
+      </emma:emma>
+    </inkml:annotationXML>
+    <inkml:trace contextRef="#ctx0" brushRef="#br0">0 0 0</inkml:trace>
+  </inkml:traceGroup>
+</inkml:ink>
+</file>
+
+<file path=ppt/ink/ink41.xml><?xml version="1.0" encoding="utf-8"?>
+<inkml:ink xmlns:inkml="http://www.w3.org/2003/InkML">
+  <inkml:definitions>
+    <inkml:context xml:id="ctx0">
+      <inkml:inkSource xml:id="inkSrc0">
+        <inkml:traceFormat>
+          <inkml:channel name="X" type="integer" max="1920" units="cm"/>
+          <inkml:channel name="Y" type="integer" max="1080" units="cm"/>
+          <inkml:channel name="T" type="integer" max="2.14748E9" units="dev"/>
+        </inkml:traceFormat>
+        <inkml:channelProperties>
+          <inkml:channelProperty channel="X" name="resolution" value="36.85221" units="1/cm"/>
+          <inkml:channelProperty channel="Y" name="resolution" value="36.86007" units="1/cm"/>
+          <inkml:channelProperty channel="T" name="resolution" value="1" units="1/dev"/>
+        </inkml:channelProperties>
+      </inkml:inkSource>
+      <inkml:timestamp xml:id="ts0" timeString="2021-04-09T08:49:08.401"/>
+    </inkml:context>
+    <inkml:brush xml:id="br0">
+      <inkml:brushProperty name="width" value="0.06667" units="cm"/>
+      <inkml:brushProperty name="height" value="0.06667" units="cm"/>
+      <inkml:brushProperty name="color" value="#ED1C24"/>
+      <inkml:brushProperty name="fitToCurve" value="1"/>
+    </inkml:brush>
+  </inkml:definitions>
+  <inkml:traceGroup>
+    <inkml:annotationXML>
+      <emma:emma xmlns:emma="http://www.w3.org/2003/04/emma" version="1.0">
+        <emma:interpretation id="{7E8F46A5-8F3C-44D8-96DC-27023FF76376}" emma:medium="tactile" emma:mode="ink">
+          <msink:context xmlns:msink="http://schemas.microsoft.com/ink/2010/main" type="inkDrawing"/>
+        </emma:interpretation>
+      </emma:emma>
+    </inkml:annotationXML>
+    <inkml:trace contextRef="#ctx0" brushRef="#br0">0 0 0,'33'0'16,"-1"0"0,1 0-1,-1 0 17,1 0-32</inkml:trace>
+  </inkml:traceGroup>
+</inkml:ink>
+</file>
+
+<file path=ppt/ink/ink42.xml><?xml version="1.0" encoding="utf-8"?>
 <inkml:ink xmlns:inkml="http://www.w3.org/2003/InkML">
   <inkml:definitions>
     <inkml:context xml:id="ctx0">
@@ -2476,7 +2557,7 @@
 </inkml:ink>
 </file>
 
-<file path=ppt/ink/ink41.xml><?xml version="1.0" encoding="utf-8"?>
+<file path=ppt/ink/ink43.xml><?xml version="1.0" encoding="utf-8"?>
 <inkml:ink xmlns:inkml="http://www.w3.org/2003/InkML">
   <inkml:definitions>
     <inkml:context xml:id="ctx0">
@@ -2514,7 +2595,7 @@
 </inkml:ink>
 </file>
 
-<file path=ppt/ink/ink42.xml><?xml version="1.0" encoding="utf-8"?>
+<file path=ppt/ink/ink44.xml><?xml version="1.0" encoding="utf-8"?>
 <inkml:ink xmlns:inkml="http://www.w3.org/2003/InkML">
   <inkml:definitions>
     <inkml:context xml:id="ctx0">
@@ -2552,7 +2633,7 @@
 </inkml:ink>
 </file>
 
-<file path=ppt/ink/ink43.xml><?xml version="1.0" encoding="utf-8"?>
+<file path=ppt/ink/ink45.xml><?xml version="1.0" encoding="utf-8"?>
 <inkml:ink xmlns:inkml="http://www.w3.org/2003/InkML">
   <inkml:definitions>
     <inkml:context xml:id="ctx0">
@@ -2590,7 +2671,7 @@
 </inkml:ink>
 </file>
 
-<file path=ppt/ink/ink44.xml><?xml version="1.0" encoding="utf-8"?>
+<file path=ppt/ink/ink46.xml><?xml version="1.0" encoding="utf-8"?>
 <inkml:ink xmlns:inkml="http://www.w3.org/2003/InkML">
   <inkml:definitions>
     <inkml:context xml:id="ctx0">
@@ -2628,7 +2709,7 @@
 </inkml:ink>
 </file>
 
-<file path=ppt/ink/ink45.xml><?xml version="1.0" encoding="utf-8"?>
+<file path=ppt/ink/ink47.xml><?xml version="1.0" encoding="utf-8"?>
 <inkml:ink xmlns:inkml="http://www.w3.org/2003/InkML">
   <inkml:definitions>
     <inkml:context xml:id="ctx0">
@@ -2666,7 +2747,7 @@
 </inkml:ink>
 </file>
 
-<file path=ppt/ink/ink46.xml><?xml version="1.0" encoding="utf-8"?>
+<file path=ppt/ink/ink48.xml><?xml version="1.0" encoding="utf-8"?>
 <inkml:ink xmlns:inkml="http://www.w3.org/2003/InkML">
   <inkml:definitions>
     <inkml:context xml:id="ctx0">
@@ -2704,7 +2785,7 @@
 </inkml:ink>
 </file>
 
-<file path=ppt/ink/ink47.xml><?xml version="1.0" encoding="utf-8"?>
+<file path=ppt/ink/ink49.xml><?xml version="1.0" encoding="utf-8"?>
 <inkml:ink xmlns:inkml="http://www.w3.org/2003/InkML">
   <inkml:definitions>
     <inkml:context xml:id="ctx0">
@@ -2738,82 +2819,6 @@
       </emma:emma>
     </inkml:annotationXML>
     <inkml:trace contextRef="#ctx0" brushRef="#br0">0 0 0,'33'0'16,"32"0"-1,-33 0-15,1 0 16,32 0-16,0 0 15,-32 0-15,64 0 16,-64 0-16,0 0 16,-1 0-1,-32 33 63,0-1-78,0 1 16,0-1-16,-32 1 16,-1-1-16,33 1 15,-33 0 1,1-33 0,-1 0-1,1 0 1,-1 0-16,1 0 15,-34 0-15,34 0 16,-1 0-16,1 0 16,32 32 62,0 1-63,0-1-15,0 1 16,0-1 0,0 1-16,0-1 15,32-32 110,1 0-125,-1 0 16,1 0-16,0 0 16,-1 0-16,1 0 15,-1 0 1,1 0-16,-1 0 15,1 0 1,0 0 62,-33-32-78</inkml:trace>
-  </inkml:traceGroup>
-</inkml:ink>
-</file>
-
-<file path=ppt/ink/ink48.xml><?xml version="1.0" encoding="utf-8"?>
-<inkml:ink xmlns:inkml="http://www.w3.org/2003/InkML">
-  <inkml:definitions>
-    <inkml:context xml:id="ctx0">
-      <inkml:inkSource xml:id="inkSrc0">
-        <inkml:traceFormat>
-          <inkml:channel name="X" type="integer" max="1920" units="cm"/>
-          <inkml:channel name="Y" type="integer" max="1080" units="cm"/>
-          <inkml:channel name="T" type="integer" max="2.14748E9" units="dev"/>
-        </inkml:traceFormat>
-        <inkml:channelProperties>
-          <inkml:channelProperty channel="X" name="resolution" value="36.85221" units="1/cm"/>
-          <inkml:channelProperty channel="Y" name="resolution" value="36.86007" units="1/cm"/>
-          <inkml:channelProperty channel="T" name="resolution" value="1" units="1/dev"/>
-        </inkml:channelProperties>
-      </inkml:inkSource>
-      <inkml:timestamp xml:id="ts0" timeString="2021-04-09T08:49:12.841"/>
-    </inkml:context>
-    <inkml:brush xml:id="br0">
-      <inkml:brushProperty name="width" value="0.06667" units="cm"/>
-      <inkml:brushProperty name="height" value="0.06667" units="cm"/>
-      <inkml:brushProperty name="color" value="#ED1C24"/>
-      <inkml:brushProperty name="fitToCurve" value="1"/>
-    </inkml:brush>
-  </inkml:definitions>
-  <inkml:traceGroup>
-    <inkml:annotationXML>
-      <emma:emma xmlns:emma="http://www.w3.org/2003/04/emma" version="1.0">
-        <emma:interpretation id="{6399481A-BB47-491A-8C23-77907C035D7B}" emma:medium="tactile" emma:mode="ink">
-          <msink:context xmlns:msink="http://schemas.microsoft.com/ink/2010/main" type="inkDrawing"/>
-        </emma:interpretation>
-      </emma:emma>
-    </inkml:annotationXML>
-    <inkml:trace contextRef="#ctx0" brushRef="#br0">0 0 0,'0'32'15,"33"33"-15,-1 33 16,-32-65-16,0 64 16,33 1-16,-33-33 15,33 0-15,-33 0 16,0 33-16,0-33 15,0 0 1,32-65 0</inkml:trace>
-  </inkml:traceGroup>
-</inkml:ink>
-</file>
-
-<file path=ppt/ink/ink49.xml><?xml version="1.0" encoding="utf-8"?>
-<inkml:ink xmlns:inkml="http://www.w3.org/2003/InkML">
-  <inkml:definitions>
-    <inkml:context xml:id="ctx0">
-      <inkml:inkSource xml:id="inkSrc0">
-        <inkml:traceFormat>
-          <inkml:channel name="X" type="integer" max="1920" units="cm"/>
-          <inkml:channel name="Y" type="integer" max="1080" units="cm"/>
-          <inkml:channel name="T" type="integer" max="2.14748E9" units="dev"/>
-        </inkml:traceFormat>
-        <inkml:channelProperties>
-          <inkml:channelProperty channel="X" name="resolution" value="36.85221" units="1/cm"/>
-          <inkml:channelProperty channel="Y" name="resolution" value="36.86007" units="1/cm"/>
-          <inkml:channelProperty channel="T" name="resolution" value="1" units="1/dev"/>
-        </inkml:channelProperties>
-      </inkml:inkSource>
-      <inkml:timestamp xml:id="ts0" timeString="2021-04-09T08:49:34.225"/>
-    </inkml:context>
-    <inkml:brush xml:id="br0">
-      <inkml:brushProperty name="width" value="0.06667" units="cm"/>
-      <inkml:brushProperty name="height" value="0.06667" units="cm"/>
-      <inkml:brushProperty name="color" value="#ED1C24"/>
-      <inkml:brushProperty name="fitToCurve" value="1"/>
-    </inkml:brush>
-  </inkml:definitions>
-  <inkml:traceGroup>
-    <inkml:annotationXML>
-      <emma:emma xmlns:emma="http://www.w3.org/2003/04/emma" version="1.0">
-        <emma:interpretation id="{B3AFFD79-FD65-415E-93E6-92ECE3922924}" emma:medium="tactile" emma:mode="ink">
-          <msink:context xmlns:msink="http://schemas.microsoft.com/ink/2010/main" type="inkDrawing"/>
-        </emma:interpretation>
-      </emma:emma>
-    </inkml:annotationXML>
-    <inkml:trace contextRef="#ctx0" brushRef="#br0">0 0 0,'65'0'79,"1"0"-79,-1 0 15,65 0-15,33 0 16,0 0-16,32 0 15,66 0-15,-34 0 16,-31 0-16,-1 0 16,-32 0-16,32 0 15,1 0-15,-66 0 16,-65 0-16,33 0 16,0 0-16,-33 0 15,-33 0-15,1 0 16,32 0-16,-32 0 15,-1 0 1,1 0 0</inkml:trace>
   </inkml:traceGroup>
 </inkml:ink>
 </file>
@@ -2881,11 +2886,11 @@
             </emma:emma>
           </inkml:annotationXML>
           <inkml:trace contextRef="#ctx0" brushRef="#br0">-4520 1926 0,'0'32'16,"0"1"-16,0 32 16,0-33-1,0 34 1,0-34 0</inkml:trace>
-          <inkml:trace contextRef="#ctx0" brushRef="#br0" timeOffset="-288.6143">-4520 1339 0</inkml:trace>
-          <inkml:trace contextRef="#ctx0" brushRef="#br0" timeOffset="808.0404">-4292 1633 0,'32'0'15,"1"32"1,-33 33-16,0 0 15,0-32-15,0-1 16,0 34 0,0-34-16,0-64 93,0-1-77,0-32-16,0-33 16,0 66-16,0-1 15,0 1-15,0-1 16,32 33 0,-32-33-16,33 33 15,-1 0 16,1 0 1,-1 98-17,-32-65-15,0 32 16,0-33-16,0 1 16,0-1-16,0 1 31,0 0-31,0-1 31</inkml:trace>
-          <inkml:trace contextRef="#ctx0" brushRef="#br0" timeOffset="1567.3283">-3641 1600 0,'-33'0'16,"1"0"-1,-1 0-15,1 0 16,-34 0-1,34 0-15,32 33 63,0-1-47,0 1-1,32-33 16,-32 32-31,33-32 16,0 0 0,-33 33-1,32-33 1,1 32 15,-1 1-15,-32-1-1,0 1 17,0 0-1,0-1-15,0 1 15,-32-33-16,-1 0-15,1 0 16,-1 0-16,0 0 16,1 0-1,-1 0 1</inkml:trace>
-          <inkml:trace contextRef="#ctx0" brushRef="#br0" timeOffset="2463.7416">-3706 1828 0,'32'0'16,"1"0"-16,32 0 15,-32 0-15,32 0 16,32 0-16,-64 0 15,65 0-15,-33 0 16,0 0 0,-33 0-16,34-33 15,-34 33 1</inkml:trace>
-          <inkml:trace contextRef="#ctx0" brushRef="#br0" timeOffset="2127.6047">-3413 1307 0,'0'32'16,"0"66"-16,0-65 15,0 64-15,-33-31 16,33-34-16,-32 66 16,32-33-16,-33 0 15,1-32-15,32 32 16,0-33 0,0 1-1,0-1 1,0 1 46,32-33-30</inkml:trace>
+          <inkml:trace contextRef="#ctx0" brushRef="#br0" timeOffset="-288.62">-4520 1339 0</inkml:trace>
+          <inkml:trace contextRef="#ctx0" brushRef="#br0" timeOffset="808.04">-4292 1633 0,'32'0'15,"1"32"1,-33 33-16,0 0 15,0-32-15,0-1 16,0 34 0,0-34-16,0-64 93,0-1-77,0-32-16,0-33 16,0 66-16,0-1 15,0 1-15,0-1 16,32 33 0,-32-33-16,33 33 15,-1 0 16,1 0 1,-1 98-17,-32-65-15,0 32 16,0-33-16,0 1 16,0-1-16,0 1 31,0 0-31,0-1 31</inkml:trace>
+          <inkml:trace contextRef="#ctx0" brushRef="#br0" timeOffset="1567.32">-3641 1600 0,'-33'0'16,"1"0"-1,-1 0-15,1 0 16,-34 0-1,34 0-15,32 33 63,0-1-47,0 1-1,32-33 16,-32 32-31,33-32 16,0 0 0,-33 33-1,32-33 1,1 32 15,-1 1-15,-32-1-1,0 1 17,0 0-1,0-1-15,0 1 15,-32-33-16,-1 0-15,1 0 16,-1 0-16,0 0 16,1 0-1,-1 0 1</inkml:trace>
+          <inkml:trace contextRef="#ctx0" brushRef="#br0" timeOffset="2463.74">-3706 1828 0,'32'0'16,"1"0"-16,32 0 15,-32 0-15,32 0 16,32 0-16,-64 0 15,65 0-15,-33 0 16,0 0 0,-33 0-16,34-33 15,-34 33 1</inkml:trace>
+          <inkml:trace contextRef="#ctx0" brushRef="#br0" timeOffset="2127.6">-3413 1307 0,'0'32'16,"0"66"-16,0-65 15,0 64-15,-33-31 16,33-34-16,-32 66 16,32-33-16,-33 0 15,1-32-15,32 32 16,0-33 0,0 1-1,0-1 1,0 1 46,32-33-30</inkml:trace>
         </inkml:traceGroup>
         <inkml:traceGroup>
           <inkml:annotationXML>
@@ -2912,7 +2917,7 @@
               </emma:one-of>
             </emma:emma>
           </inkml:annotationXML>
-          <inkml:trace contextRef="#ctx0" brushRef="#br0" timeOffset="4785.1263">-2990 1763 0,'-32'0'0,"-1"0"31,-32 32-16,65 1 17,0-1-17,0 1-15,0 0 16,0-1 15,32-32 16,1 0-31,0-32-1,-33-1 1,0 0 0,0 1-16,0-1 15,0 66 63,0-1-62,32 1 0,1 0-1,-1-33 63,-32-33-78,0 0 16,0-32-16,33 65 16,-33-32 30,32 32-30,1 0-16,-1 65 16,-32 0-16,0-32 15,0-1-15,0 1 16,0-66 62,0 1-78,0-34 16,33 1-1,0 65 1,-1 0 31,1 0-47,-33 33 15,32-1-15,-32 66 16,33-65-16,-33 32 16,0-33-16,0-64 93,32-1-93,1-32 16,0 0-16,-1 32 16,1 33-16,-1-32 15,33-1-15,-32 33 16,0-32-16,32 32 16,-33 0-16,1 0 15,-66 0 126,1 0-126,-1 0 17,33 32-17,0 1 1,0-1 0,0 34-16,0-34 15,0 1 1,0-1-16,0 1 15,0-1 1,0 1 0,33-33-1,-1 0 17,1 0-17,-1 0 16,1 0-15,-33-33 15,0 1-15,0-1 0,32 1 77,-32-1-30,0 1-63,0-1 15,0 0 1,0 1-16,0-1 31,-32 66 63,32-1-78,0 1-1,0 0 1,0-1 0,0 1-1,0-1-15,32 1 16,-32-1-1,33-32 1,0 0 0,-1 0-1,1 0 32,-1 0-16,-32-32-15,33-1-16,-1 1 16</inkml:trace>
+          <inkml:trace contextRef="#ctx0" brushRef="#br0" timeOffset="4785.12">-2990 1763 0,'-32'0'0,"-1"0"31,-32 32-16,65 1 17,0-1-17,0 1-15,0 0 16,0-1 15,32-32 16,1 0-31,0-32-1,-33-1 1,0 0 0,0 1-16,0-1 15,0 66 63,0-1-62,32 1 0,1 0-1,-1-33 63,-32-33-78,0 0 16,0-32-16,33 65 16,-33-32 30,32 32-30,1 0-16,-1 65 16,-32 0-16,0-32 15,0-1-15,0 1 16,0-66 62,0 1-78,0-34 16,33 1-1,0 65 1,-1 0 31,1 0-47,-33 33 15,32-1-15,-32 66 16,33-65-16,-33 32 16,0-33-16,0-64 93,32-1-93,1-32 16,0 0-16,-1 32 16,1 33-16,-1-32 15,33-1-15,-32 33 16,0-32-16,32 32 16,-33 0-16,1 0 15,-66 0 126,1 0-126,-1 0 17,33 32-17,0 1 1,0-1 0,0 34-16,0-34 15,0 1 1,0-1-16,0 1 15,0-1 1,0 1 0,33-33-1,-1 0 17,1 0-17,-1 0 16,1 0-15,-33-33 15,0 1-15,0-1 0,32 1 77,-32-1-30,0 1-63,0-1 15,0 0 1,0 1-16,0-1 31,-32 66 63,32-1-78,0 1-1,0 0 1,0-1 0,0 1-1,0-1-15,32 1 16,-32-1-1,33-32 1,0 0 0,-1 0-1,1 0 32,-1 0-16,-32-32-15,33-1-16,-1 1 16</inkml:trace>
         </inkml:traceGroup>
         <inkml:traceGroup>
           <inkml:annotationXML>
@@ -2927,8 +2932,8 @@
               </emma:one-of>
             </emma:emma>
           </inkml:annotationXML>
-          <inkml:trace contextRef="#ctx0" brushRef="#br0" timeOffset="-3064.1544">-2078 1926 0,'32'0'47,"1"0"-31,0 0-16,-1 0 15,1 0 1,-1 0-16,1 0 16,-1 0-16,1 0 15,0 0-15,-1 0 16,33 0-16,-32 0 15,-1 0-15,1 0 16,-1 0 0,1 0 31,0 0-32,-1 0 32,1 0-31,32 0-1,0 0-15,-32 0 16,-1 0-16,33 0 16</inkml:trace>
-          <inkml:trace contextRef="#ctx0" brushRef="#br0" timeOffset="-2224.0235">-1199 1730 0,'33'0'15,"-1"33"1,1-1 0,-1-32-16,-32 33 15,33-33 1,0 0-16,-33 32 16,0 1 109,0 0-110,-33-33-15,33 32 16,-33-32-16,33 33 15,-32-1-15,-1 1 16,33-1-16,-32 1 16,-1 0-16,1-33 15,32 32-15,-33-32 16,0 0 0</inkml:trace>
+          <inkml:trace contextRef="#ctx0" brushRef="#br0" timeOffset="-3064.16">-2078 1926 0,'32'0'47,"1"0"-31,0 0-16,-1 0 15,1 0 1,-1 0-16,1 0 16,-1 0-16,1 0 15,0 0-15,-1 0 16,33 0-16,-32 0 15,-1 0-15,1 0 16,-1 0 0,1 0 31,0 0-32,-1 0 32,1 0-31,32 0-1,0 0-15,-32 0 16,-1 0-16,33 0 16</inkml:trace>
+          <inkml:trace contextRef="#ctx0" brushRef="#br0" timeOffset="-2224.03">-1199 1730 0,'33'0'15,"-1"33"1,1-1 0,-1-32-16,-32 33 15,33-33 1,0 0-16,-33 32 16,0 1 109,0 0-110,-33-33-15,33 32 16,-33-32-16,33 33 15,-32-1-15,-1 1 16,33-1-16,-32 1 16,-1 0-16,1-33 15,32 32-15,-33-32 16,0 0 0</inkml:trace>
         </inkml:traceGroup>
       </inkml:traceGroup>
     </inkml:traceGroup>
@@ -2937,6 +2942,82 @@
 </file>
 
 <file path=ppt/ink/ink50.xml><?xml version="1.0" encoding="utf-8"?>
+<inkml:ink xmlns:inkml="http://www.w3.org/2003/InkML">
+  <inkml:definitions>
+    <inkml:context xml:id="ctx0">
+      <inkml:inkSource xml:id="inkSrc0">
+        <inkml:traceFormat>
+          <inkml:channel name="X" type="integer" max="1920" units="cm"/>
+          <inkml:channel name="Y" type="integer" max="1080" units="cm"/>
+          <inkml:channel name="T" type="integer" max="2.14748E9" units="dev"/>
+        </inkml:traceFormat>
+        <inkml:channelProperties>
+          <inkml:channelProperty channel="X" name="resolution" value="36.85221" units="1/cm"/>
+          <inkml:channelProperty channel="Y" name="resolution" value="36.86007" units="1/cm"/>
+          <inkml:channelProperty channel="T" name="resolution" value="1" units="1/dev"/>
+        </inkml:channelProperties>
+      </inkml:inkSource>
+      <inkml:timestamp xml:id="ts0" timeString="2021-04-09T08:49:12.841"/>
+    </inkml:context>
+    <inkml:brush xml:id="br0">
+      <inkml:brushProperty name="width" value="0.06667" units="cm"/>
+      <inkml:brushProperty name="height" value="0.06667" units="cm"/>
+      <inkml:brushProperty name="color" value="#ED1C24"/>
+      <inkml:brushProperty name="fitToCurve" value="1"/>
+    </inkml:brush>
+  </inkml:definitions>
+  <inkml:traceGroup>
+    <inkml:annotationXML>
+      <emma:emma xmlns:emma="http://www.w3.org/2003/04/emma" version="1.0">
+        <emma:interpretation id="{6399481A-BB47-491A-8C23-77907C035D7B}" emma:medium="tactile" emma:mode="ink">
+          <msink:context xmlns:msink="http://schemas.microsoft.com/ink/2010/main" type="inkDrawing"/>
+        </emma:interpretation>
+      </emma:emma>
+    </inkml:annotationXML>
+    <inkml:trace contextRef="#ctx0" brushRef="#br0">0 0 0,'0'32'15,"33"33"-15,-1 33 16,-32-65-16,0 64 16,33 1-16,-33-33 15,33 0-15,-33 0 16,0 33-16,0-33 15,0 0 1,32-65 0</inkml:trace>
+  </inkml:traceGroup>
+</inkml:ink>
+</file>
+
+<file path=ppt/ink/ink51.xml><?xml version="1.0" encoding="utf-8"?>
+<inkml:ink xmlns:inkml="http://www.w3.org/2003/InkML">
+  <inkml:definitions>
+    <inkml:context xml:id="ctx0">
+      <inkml:inkSource xml:id="inkSrc0">
+        <inkml:traceFormat>
+          <inkml:channel name="X" type="integer" max="1920" units="cm"/>
+          <inkml:channel name="Y" type="integer" max="1080" units="cm"/>
+          <inkml:channel name="T" type="integer" max="2.14748E9" units="dev"/>
+        </inkml:traceFormat>
+        <inkml:channelProperties>
+          <inkml:channelProperty channel="X" name="resolution" value="36.85221" units="1/cm"/>
+          <inkml:channelProperty channel="Y" name="resolution" value="36.86007" units="1/cm"/>
+          <inkml:channelProperty channel="T" name="resolution" value="1" units="1/dev"/>
+        </inkml:channelProperties>
+      </inkml:inkSource>
+      <inkml:timestamp xml:id="ts0" timeString="2021-04-09T08:49:34.225"/>
+    </inkml:context>
+    <inkml:brush xml:id="br0">
+      <inkml:brushProperty name="width" value="0.06667" units="cm"/>
+      <inkml:brushProperty name="height" value="0.06667" units="cm"/>
+      <inkml:brushProperty name="color" value="#ED1C24"/>
+      <inkml:brushProperty name="fitToCurve" value="1"/>
+    </inkml:brush>
+  </inkml:definitions>
+  <inkml:traceGroup>
+    <inkml:annotationXML>
+      <emma:emma xmlns:emma="http://www.w3.org/2003/04/emma" version="1.0">
+        <emma:interpretation id="{B3AFFD79-FD65-415E-93E6-92ECE3922924}" emma:medium="tactile" emma:mode="ink">
+          <msink:context xmlns:msink="http://schemas.microsoft.com/ink/2010/main" type="inkDrawing"/>
+        </emma:interpretation>
+      </emma:emma>
+    </inkml:annotationXML>
+    <inkml:trace contextRef="#ctx0" brushRef="#br0">0 0 0,'65'0'79,"1"0"-79,-1 0 15,65 0-15,33 0 16,0 0-16,32 0 15,66 0-15,-34 0 16,-31 0-16,-1 0 16,-32 0-16,32 0 15,1 0-15,-66 0 16,-65 0-16,33 0 16,0 0-16,-33 0 15,-33 0-15,1 0 16,32 0-16,-32 0 15,-1 0 1,1 0 0</inkml:trace>
+  </inkml:traceGroup>
+</inkml:ink>
+</file>
+
+<file path=ppt/ink/ink52.xml><?xml version="1.0" encoding="utf-8"?>
 <inkml:ink xmlns:inkml="http://www.w3.org/2003/InkML">
   <inkml:definitions>
     <inkml:context xml:id="ctx0">
@@ -2965,7 +3046,7 @@
 </inkml:ink>
 </file>
 
-<file path=ppt/ink/ink51.xml><?xml version="1.0" encoding="utf-8"?>
+<file path=ppt/ink/ink53.xml><?xml version="1.0" encoding="utf-8"?>
 <inkml:ink xmlns:inkml="http://www.w3.org/2003/InkML">
   <inkml:definitions>
     <inkml:context xml:id="ctx0">
@@ -3076,7 +3157,7 @@
 </inkml:ink>
 </file>
 
-<file path=ppt/ink/ink52.xml><?xml version="1.0" encoding="utf-8"?>
+<file path=ppt/ink/ink54.xml><?xml version="1.0" encoding="utf-8"?>
 <inkml:ink xmlns:inkml="http://www.w3.org/2003/InkML">
   <inkml:definitions>
     <inkml:context xml:id="ctx0">
@@ -3105,7 +3186,7 @@
 </inkml:ink>
 </file>
 
-<file path=ppt/ink/ink53.xml><?xml version="1.0" encoding="utf-8"?>
+<file path=ppt/ink/ink55.xml><?xml version="1.0" encoding="utf-8"?>
 <inkml:ink xmlns:inkml="http://www.w3.org/2003/InkML">
   <inkml:definitions>
     <inkml:context xml:id="ctx0">
@@ -3134,7 +3215,7 @@
 </inkml:ink>
 </file>
 
-<file path=ppt/ink/ink54.xml><?xml version="1.0" encoding="utf-8"?>
+<file path=ppt/ink/ink56.xml><?xml version="1.0" encoding="utf-8"?>
 <inkml:ink xmlns:inkml="http://www.w3.org/2003/InkML">
   <inkml:definitions>
     <inkml:context xml:id="ctx0">
@@ -3163,7 +3244,7 @@
 </inkml:ink>
 </file>
 
-<file path=ppt/ink/ink55.xml><?xml version="1.0" encoding="utf-8"?>
+<file path=ppt/ink/ink57.xml><?xml version="1.0" encoding="utf-8"?>
 <inkml:ink xmlns:inkml="http://www.w3.org/2003/InkML">
   <inkml:definitions>
     <inkml:context xml:id="ctx0">
@@ -3192,7 +3273,36 @@
 </inkml:ink>
 </file>
 
-<file path=ppt/ink/ink56.xml><?xml version="1.0" encoding="utf-8"?>
+<file path=ppt/ink/ink58.xml><?xml version="1.0" encoding="utf-8"?>
+<inkml:ink xmlns:inkml="http://www.w3.org/2003/InkML">
+  <inkml:definitions>
+    <inkml:context xml:id="ctx0">
+      <inkml:inkSource xml:id="inkSrc0">
+        <inkml:traceFormat>
+          <inkml:channel name="X" type="integer" max="1920" units="cm"/>
+          <inkml:channel name="Y" type="integer" max="1080" units="cm"/>
+          <inkml:channel name="T" type="integer" max="2.14748E9" units="dev"/>
+        </inkml:traceFormat>
+        <inkml:channelProperties>
+          <inkml:channelProperty channel="X" name="resolution" value="36.43264" units="1/cm"/>
+          <inkml:channelProperty channel="Y" name="resolution" value="36.48649" units="1/cm"/>
+          <inkml:channelProperty channel="T" name="resolution" value="1" units="1/dev"/>
+        </inkml:channelProperties>
+      </inkml:inkSource>
+      <inkml:timestamp xml:id="ts0" timeString="2021-04-12T01:59:30.853"/>
+    </inkml:context>
+    <inkml:brush xml:id="br0">
+      <inkml:brushProperty name="width" value="0.05292" units="cm"/>
+      <inkml:brushProperty name="height" value="0.05292" units="cm"/>
+      <inkml:brushProperty name="color" value="#FF0000"/>
+    </inkml:brush>
+  </inkml:definitions>
+  <inkml:trace contextRef="#ctx0" brushRef="#br0">4674 14940 0,'0'18'46,"18"-1"-46,0 1 16,17 17 0,35 18-1,36 35 1,-18-35 0,18 36-1,0-37 1,-53-34-16,88 88 15,0-18 1,71 36 0,0-19-1,-54 1 1,19-35 0,-19 17 15,1-17-16,53 34 1,17-16 0,36-1-1,-18-35 1,0-18 0,-124-17-1,1-18 1,52 0-1,18 0 1,0-18 0,-18-35-1,1-17 17,-124 52-32,53-35 31,35 0-16,0-35 1,70-36 0,-122 71-1,-19 1 1,1-1 0,-1 0-1,54-18 1,-36 1-1,0 17 1,-35 0 0,-35 35-1,17-17 1,-17 17 0</inkml:trace>
+  <inkml:trace contextRef="#ctx0" brushRef="#br0" timeOffset="4479.95">10054 15505 0,'18'0'47,"-1"0"-47,1 0 16,0 0-1,-1 0 1,36 0 0,-35 0-1,52-18 1,-17 18 0,-35 0-1,0 0 16,-1 0 157,1 0-94,-18 18-63,0 17-15,0 35-1,0-34 1,-18-19-16,18 54 15,-17-36 1,-1 18 0,18-35-1,0-1 1</inkml:trace>
+</inkml:ink>
+</file>
+
+<file path=ppt/ink/ink59.xml><?xml version="1.0" encoding="utf-8"?>
 <inkml:ink xmlns:inkml="http://www.w3.org/2003/InkML">
   <inkml:definitions>
     <inkml:context xml:id="ctx0">
@@ -3226,120 +3336,6 @@
       </emma:emma>
     </inkml:annotationXML>
     <inkml:trace contextRef="#ctx0" brushRef="#br0">0 0 0,'98'0'78,"-66"0"-78,66 0 16,32 0-16,33 0 15,-32 0-15,-1 0 16,0 0-16,0 0 15,1 0-15,31 0 16,-64 0-16,65 0 16,-33 0-16,-32 0 15,0 0-15,64 0 16,-64 0-16,32 0 16,33 0-16,-33 0 15,33 0-15,0 0 16,0 0-16,0 0 15,-33 0-15,0 0 16,0 0-16,-32 0 16,-33 0-16,-32 0 15,32 0-15,-33 0 16,34 0-16,-34 0 16,1 0-1,-1 0 1,1 0 15,-1 0-15,1 0-1,32 0 1,0 0 0,-32 0-1,-1 0 1</inkml:trace>
-  </inkml:traceGroup>
-</inkml:ink>
-</file>
-
-<file path=ppt/ink/ink57.xml><?xml version="1.0" encoding="utf-8"?>
-<inkml:ink xmlns:inkml="http://www.w3.org/2003/InkML">
-  <inkml:definitions>
-    <inkml:context xml:id="ctx0">
-      <inkml:inkSource xml:id="inkSrc0">
-        <inkml:traceFormat>
-          <inkml:channel name="X" type="integer" max="1920" units="cm"/>
-          <inkml:channel name="Y" type="integer" max="1080" units="cm"/>
-          <inkml:channel name="T" type="integer" max="2.14748E9" units="dev"/>
-        </inkml:traceFormat>
-        <inkml:channelProperties>
-          <inkml:channelProperty channel="X" name="resolution" value="36.85221" units="1/cm"/>
-          <inkml:channelProperty channel="Y" name="resolution" value="36.86007" units="1/cm"/>
-          <inkml:channelProperty channel="T" name="resolution" value="1" units="1/dev"/>
-        </inkml:channelProperties>
-      </inkml:inkSource>
-      <inkml:timestamp xml:id="ts0" timeString="2021-04-09T08:55:28.249"/>
-    </inkml:context>
-    <inkml:brush xml:id="br0">
-      <inkml:brushProperty name="width" value="0.06667" units="cm"/>
-      <inkml:brushProperty name="height" value="0.06667" units="cm"/>
-      <inkml:brushProperty name="color" value="#ED1C24"/>
-      <inkml:brushProperty name="fitToCurve" value="1"/>
-    </inkml:brush>
-  </inkml:definitions>
-  <inkml:traceGroup>
-    <inkml:annotationXML>
-      <emma:emma xmlns:emma="http://www.w3.org/2003/04/emma" version="1.0">
-        <emma:interpretation id="{4126CEC2-EF52-478F-96FC-AE6031272AED}" emma:medium="tactile" emma:mode="ink">
-          <msink:context xmlns:msink="http://schemas.microsoft.com/ink/2010/main" type="inkDrawing" rotatedBoundingBox="4916,9313 7293,9313 7293,9328 4916,9328" shapeName="Other"/>
-        </emma:interpretation>
-      </emma:emma>
-    </inkml:annotationXML>
-    <inkml:trace contextRef="#ctx0" brushRef="#br0">0 0 0,'33'0'94,"32"0"-78,-32 0-1,-1 0-15,1 0 16,-1 0-16,1 0 16,32 0-16,-33 0 15,34 0-15,-1 0 16,-33 0-16,33 0 16,1 0-16,31 0 15,-64 0-15,64 0 16,-31 0-16,-34 0 15,33 0-15,0 0 16,1 0-16,31 0 16,-32 0-16,33 0 15,-65 0-15,64 0 16,-64 0-16,32 0 16,33 0-16,-66 0 15,33 0-15,1 0 16,-34 0-16,33 0 15,-32 0-15,-1 0 16,1 0 0,-1 0-16,1 0 15,0 0 1,-1 0 0,1 0-16,-1 0 15,1 0 16,-1 0 1</inkml:trace>
-  </inkml:traceGroup>
-</inkml:ink>
-</file>
-
-<file path=ppt/ink/ink58.xml><?xml version="1.0" encoding="utf-8"?>
-<inkml:ink xmlns:inkml="http://www.w3.org/2003/InkML">
-  <inkml:definitions>
-    <inkml:context xml:id="ctx0">
-      <inkml:inkSource xml:id="inkSrc0">
-        <inkml:traceFormat>
-          <inkml:channel name="X" type="integer" max="1920" units="cm"/>
-          <inkml:channel name="Y" type="integer" max="1080" units="cm"/>
-          <inkml:channel name="T" type="integer" max="2.14748E9" units="dev"/>
-        </inkml:traceFormat>
-        <inkml:channelProperties>
-          <inkml:channelProperty channel="X" name="resolution" value="36.85221" units="1/cm"/>
-          <inkml:channelProperty channel="Y" name="resolution" value="36.86007" units="1/cm"/>
-          <inkml:channelProperty channel="T" name="resolution" value="1" units="1/dev"/>
-        </inkml:channelProperties>
-      </inkml:inkSource>
-      <inkml:timestamp xml:id="ts0" timeString="2021-04-09T08:55:33.218"/>
-    </inkml:context>
-    <inkml:brush xml:id="br0">
-      <inkml:brushProperty name="width" value="0.06667" units="cm"/>
-      <inkml:brushProperty name="height" value="0.06667" units="cm"/>
-      <inkml:brushProperty name="color" value="#ED1C24"/>
-      <inkml:brushProperty name="fitToCurve" value="1"/>
-    </inkml:brush>
-  </inkml:definitions>
-  <inkml:traceGroup>
-    <inkml:annotationXML>
-      <emma:emma xmlns:emma="http://www.w3.org/2003/04/emma" version="1.0">
-        <emma:interpretation id="{1E272C08-C152-4586-88EB-3DE20C690C5E}" emma:medium="tactile" emma:mode="ink">
-          <msink:context xmlns:msink="http://schemas.microsoft.com/ink/2010/main" type="inkDrawing" rotatedBoundingBox="7846,9378 10484,9373 10485,9406 7847,9411" shapeName="Other"/>
-        </emma:interpretation>
-      </emma:emma>
-    </inkml:annotationXML>
-    <inkml:trace contextRef="#ctx0" brushRef="#br0">0 33 0,'0'-33'63,"33"33"-48,32 0 1,0 0 0,0 0-16,0 0 15,33 0-15,32 0 16,-32 0-16,-1 0 15,1 0-15,32 0 16,-32 0-16,0 0 16,-1 0-16,-31 0 15,31 0-15,1 0 16,-33 0-16,0 0 16,0 0-16,-32 0 15,65 0-15,-66 0 16,66 0-1,0 0-15,-33 0 16,0 0-16,0 0 16,0 0-16,0 0 15,-32 0-15,32 0 16,0 0 15,-32 0-15,-1 0-1,1 0 1</inkml:trace>
-  </inkml:traceGroup>
-</inkml:ink>
-</file>
-
-<file path=ppt/ink/ink59.xml><?xml version="1.0" encoding="utf-8"?>
-<inkml:ink xmlns:inkml="http://www.w3.org/2003/InkML">
-  <inkml:definitions>
-    <inkml:context xml:id="ctx0">
-      <inkml:inkSource xml:id="inkSrc0">
-        <inkml:traceFormat>
-          <inkml:channel name="X" type="integer" max="1920" units="cm"/>
-          <inkml:channel name="Y" type="integer" max="1080" units="cm"/>
-          <inkml:channel name="T" type="integer" max="2.14748E9" units="dev"/>
-        </inkml:traceFormat>
-        <inkml:channelProperties>
-          <inkml:channelProperty channel="X" name="resolution" value="36.85221" units="1/cm"/>
-          <inkml:channelProperty channel="Y" name="resolution" value="36.86007" units="1/cm"/>
-          <inkml:channelProperty channel="T" name="resolution" value="1" units="1/dev"/>
-        </inkml:channelProperties>
-      </inkml:inkSource>
-      <inkml:timestamp xml:id="ts0" timeString="2021-04-09T08:56:11.330"/>
-    </inkml:context>
-    <inkml:brush xml:id="br0">
-      <inkml:brushProperty name="width" value="0.06667" units="cm"/>
-      <inkml:brushProperty name="height" value="0.06667" units="cm"/>
-      <inkml:brushProperty name="color" value="#ED1C24"/>
-      <inkml:brushProperty name="fitToCurve" value="1"/>
-    </inkml:brush>
-  </inkml:definitions>
-  <inkml:traceGroup>
-    <inkml:annotationXML>
-      <emma:emma xmlns:emma="http://www.w3.org/2003/04/emma" version="1.0">
-        <emma:interpretation id="{178248AC-509B-434C-8048-4C530CCD8E1B}" emma:medium="tactile" emma:mode="ink">
-          <msink:context xmlns:msink="http://schemas.microsoft.com/ink/2010/main" type="inkDrawing" rotatedBoundingBox="9086,13179 13122,13318 13116,13478 9081,13339" shapeName="Other"/>
-        </emma:interpretation>
-      </emma:emma>
-    </inkml:annotationXML>
-    <inkml:trace contextRef="#ctx0" brushRef="#br0">0 0 0,'66'0'109,"-34"0"-93,66 0-16,0 0 16,-1 0-16,33 33 15,-32-33-15,0 0 16,65 33-16,-66-33 15,34 0-15,-66 0 16,32 32-16,-64-32 16,65 0-16,-66 0 15,66 0-15,-65 0 16,32 0-16,-33 0 16,1 0-16,-1 0 15,1 0-15,-1 0 16,1 0-16,0 0 15,-1 0-15,1 0 16,32 0-16,0 33 16,0-33-1,-32 0-15,32 32 16,0-32-16,-32 0 16,32 0-16,0 0 15,-33 0-15,1 0 16,32 0-16,0 0 15,0 0 1,-32 0-16,32 0 16,-32 0-16,32 0 15,-33 0-15,1 0 16,32 0 0,-33 0-16,1 0 15,0 0 1,-1 0-16,33 0 15,0 0 1,-32 0-16,0 0 16,32 0-16,-33 0 15,1 0 1,-1 0-16,1 0 16,0 0-1,-1 0 16,1 0-15,-1 0 0,1 0 31,-1 0 31,1 0-47,-1-32-15,1 32 15,0 0-31,-1 0 31,1-33-31,-1 1 31,1 32 1,-1 0-1</inkml:trace>
   </inkml:traceGroup>
 </inkml:ink>
 </file>
@@ -3407,15 +3403,15 @@
             </emma:emma>
           </inkml:annotationXML>
           <inkml:trace contextRef="#ctx0" brushRef="#br0">261-554 0,'32'0'16,"1"33"-16,-1-33 16,1 65-16,-33-32 15,32-1-15</inkml:trace>
-          <inkml:trace contextRef="#ctx0" brushRef="#br0" timeOffset="-232.4634">293-1075 0,'0'33'16,"0"32"-1,-32-32-15,32 32 16,0 32-16,-33-32 16,33 1-16,-33-1 15,1-33-15,32 1 16</inkml:trace>
-          <inkml:trace contextRef="#ctx0" brushRef="#br0" timeOffset="255.5489">521-879 0,'0'65'0,"33"65"16,-33-65-16,65-32 16,-65 32-16,0-33 15</inkml:trace>
-          <inkml:trace contextRef="#ctx0" brushRef="#br0" timeOffset="431.2704">619-619 0,'0'-32'31,"32"32"-15</inkml:trace>
-          <inkml:trace contextRef="#ctx0" brushRef="#br0" timeOffset="-1208.6283">554 32 0,'-33'0'31,"0"33"-15,1 0 0,-33-1-1,32-32-15,1 33 16,-1-33-16,1 32 16,-1 1-16,0-1 15,1 1 1,-33 0-1,65-1-15,-33-32 16,1 33 0,-1-1 31</inkml:trace>
-          <inkml:trace contextRef="#ctx0" brushRef="#br0" timeOffset="-824.6128">0 0 0,'33'0'0,"-1"0"16,1 32-16,32 34 15,0-1-15,-32-33 16,-1 33-16,1-32 16,-1 32-16,1-65 15,-1 33-15,1-1 16,-1 1 0,-32-1-16</inkml:trace>
-          <inkml:trace contextRef="#ctx0" brushRef="#br0" timeOffset="1001.0927">521-423 0,'0'65'16,"-33"-65"-1,33 32 1,0 1 15,0-1-15,0 1 0,33-33-16,-33 33 15,33-33-15,-1 32 16,1-32-1,-1 0 1,1 0 0,-1 0 15,1 0-15,-33-32-16,0-1 15,0 0 1,0 1-1,0-1 1,0 1 0,0-1-1,-33 33-15,1 0 16,-1-32 0,1 32-1</inkml:trace>
-          <inkml:trace contextRef="#ctx0" brushRef="#br0" timeOffset="2119.3503">879-814 0,'0'32'15,"0"33"-15,0-32 16,0 0 0</inkml:trace>
-          <inkml:trace contextRef="#ctx0" brushRef="#br0" timeOffset="3255.4024">912-423 0,'65'0'31,"0"0"-31,33 0 16,-1 0-16,34 0 15,-1 0-15,-97 0 16,64 0-16,-64 0 16,-1 0-16,1 0 15</inkml:trace>
-          <inkml:trace contextRef="#ctx0" brushRef="#br0" timeOffset="2663.8787">912-489 0,'32'-32'31,"66"32"-15,32 0-16,-32 0 15,-33-33-15,0 33 16,0-32-16</inkml:trace>
+          <inkml:trace contextRef="#ctx0" brushRef="#br0" timeOffset="-232.47">293-1075 0,'0'33'16,"0"32"-1,-32-32-15,32 32 16,0 32-16,-33-32 16,33 1-16,-33-1 15,1-33-15,32 1 16</inkml:trace>
+          <inkml:trace contextRef="#ctx0" brushRef="#br0" timeOffset="255.54">521-879 0,'0'65'0,"33"65"16,-33-65-16,65-32 16,-65 32-16,0-33 15</inkml:trace>
+          <inkml:trace contextRef="#ctx0" brushRef="#br0" timeOffset="431.27">619-619 0,'0'-32'31,"32"32"-15</inkml:trace>
+          <inkml:trace contextRef="#ctx0" brushRef="#br0" timeOffset="-1208.63">554 32 0,'-33'0'31,"0"33"-15,1 0 0,-33-1-1,32-32-15,1 33 16,-1-33-16,1 32 16,-1 1-16,0-1 15,1 1 1,-33 0-1,65-1-15,-33-32 16,1 33 0,-1-1 31</inkml:trace>
+          <inkml:trace contextRef="#ctx0" brushRef="#br0" timeOffset="-824.62">0 0 0,'33'0'0,"-1"0"16,1 32-16,32 34 15,0-1-15,-32-33 16,-1 33-16,1-32 16,-1 32-16,1-65 15,-1 33-15,1-1 16,-1 1 0,-32-1-16</inkml:trace>
+          <inkml:trace contextRef="#ctx0" brushRef="#br0" timeOffset="1001.09">521-423 0,'0'65'16,"-33"-65"-1,33 32 1,0 1 15,0-1-15,0 1 0,33-33-16,-33 33 15,33-33-15,-1 32 16,1-32-1,-1 0 1,1 0 0,-1 0 15,1 0-15,-33-32-16,0-1 15,0 0 1,0 1-1,0-1 1,0 1 0,0-1-1,-33 33-15,1 0 16,-1-32 0,1 32-1</inkml:trace>
+          <inkml:trace contextRef="#ctx0" brushRef="#br0" timeOffset="2119.35">879-814 0,'0'32'15,"0"33"-15,0-32 16,0 0 0</inkml:trace>
+          <inkml:trace contextRef="#ctx0" brushRef="#br0" timeOffset="3255.4">912-423 0,'65'0'31,"0"0"-31,33 0 16,-1 0-16,34 0 15,-1 0-15,-97 0 16,64 0-16,-64 0 16,-1 0-16,1 0 15</inkml:trace>
+          <inkml:trace contextRef="#ctx0" brushRef="#br0" timeOffset="2663.87">912-489 0,'32'-32'31,"66"32"-15,32 0-16,-32 0 15,-33-33-15,0 33 16,0-32-16</inkml:trace>
         </inkml:traceGroup>
         <inkml:traceGroup>
           <inkml:annotationXML>
@@ -3442,7 +3438,7 @@
               </emma:one-of>
             </emma:emma>
           </inkml:annotationXML>
-          <inkml:trace contextRef="#ctx0" brushRef="#br0" timeOffset="4351.3976">1172-163 0,'33'0'16,"-1"0"-16,34 0 16,-1 0-16,0 0 15,0 0-15,0 0 16,-32 0-16,64 33 15,-64-33-15,-1 0 16,1 0-16,-33 32 78,0 1-62,0-1-1,-33 1 1,33-1-16,-32 1 63,-1-33-32,1 0-31,-1 0 15,-32 0-15,0 0 16,-65 0-16,32 0 16,33 0-16,-65 0 15,97 0-15,1 0 16</inkml:trace>
+          <inkml:trace contextRef="#ctx0" brushRef="#br0" timeOffset="4351.39">1172-163 0,'33'0'16,"-1"0"-16,34 0 16,-1 0-16,0 0 15,0 0-15,0 0 16,-32 0-16,64 33 15,-64-33-15,-1 0 16,1 0-16,-33 32 78,0 1-62,0-1-1,-33 1 1,33-1-16,-32 1 63,-1-33-32,1 0-31,-1 0 15,-32 0-15,0 0 16,-65 0-16,32 0 16,33 0-16,-65 0 15,97 0-15,1 0 16</inkml:trace>
         </inkml:traceGroup>
         <inkml:traceGroup>
           <inkml:annotationXML>
@@ -3457,8 +3453,8 @@
               </emma:one-of>
             </emma:emma>
           </inkml:annotationXML>
-          <inkml:trace contextRef="#ctx0" brushRef="#br0" timeOffset="1784.1626">912-977 0,'65'0'15,"33"0"-15,-66 0 16,1 0-16,-1 0 16</inkml:trace>
-          <inkml:trace contextRef="#ctx0" brushRef="#br0" timeOffset="2344.9507">1010-684 0,'0'33'31,"0"-1"-15,0 1-16,0-1 15,0 1 1</inkml:trace>
+          <inkml:trace contextRef="#ctx0" brushRef="#br0" timeOffset="1784.16">912-977 0,'65'0'15,"33"0"-15,-66 0 16,1 0-16,-1 0 16</inkml:trace>
+          <inkml:trace contextRef="#ctx0" brushRef="#br0" timeOffset="2344.95">1010-684 0,'0'33'31,"0"-1"-15,0 1-16,0-1 15,0 1 1</inkml:trace>
         </inkml:traceGroup>
         <inkml:traceGroup>
           <inkml:annotationXML>
@@ -3485,7 +3481,7 @@
               </emma:one-of>
             </emma:emma>
           </inkml:annotationXML>
-          <inkml:trace contextRef="#ctx0" brushRef="#br0" timeOffset="3815.664">1107-163 0,'33'33'0,"-33"-1"16,32 1-16,-32-1 16</inkml:trace>
+          <inkml:trace contextRef="#ctx0" brushRef="#br0" timeOffset="3815.66">1107-163 0,'33'33'0,"-33"-1"16,32 1-16,-32-1 16</inkml:trace>
         </inkml:traceGroup>
         <inkml:traceGroup>
           <inkml:annotationXML>
@@ -3500,7 +3496,7 @@
               </emma:one-of>
             </emma:emma>
           </inkml:annotationXML>
-          <inkml:trace contextRef="#ctx0" brushRef="#br0" timeOffset="3520.2082">1237-326 0,'0'33'0,"0"-1"15,0 1 1,0 0 0,0-1-1</inkml:trace>
+          <inkml:trace contextRef="#ctx0" brushRef="#br0" timeOffset="3520.2">1237-326 0,'0'33'0,"0"-1"15,0 1 1,0 0 0,0-1-1</inkml:trace>
         </inkml:traceGroup>
       </inkml:traceGroup>
     </inkml:traceGroup>
@@ -3509,6 +3505,120 @@
 </file>
 
 <file path=ppt/ink/ink60.xml><?xml version="1.0" encoding="utf-8"?>
+<inkml:ink xmlns:inkml="http://www.w3.org/2003/InkML">
+  <inkml:definitions>
+    <inkml:context xml:id="ctx0">
+      <inkml:inkSource xml:id="inkSrc0">
+        <inkml:traceFormat>
+          <inkml:channel name="X" type="integer" max="1920" units="cm"/>
+          <inkml:channel name="Y" type="integer" max="1080" units="cm"/>
+          <inkml:channel name="T" type="integer" max="2.14748E9" units="dev"/>
+        </inkml:traceFormat>
+        <inkml:channelProperties>
+          <inkml:channelProperty channel="X" name="resolution" value="36.85221" units="1/cm"/>
+          <inkml:channelProperty channel="Y" name="resolution" value="36.86007" units="1/cm"/>
+          <inkml:channelProperty channel="T" name="resolution" value="1" units="1/dev"/>
+        </inkml:channelProperties>
+      </inkml:inkSource>
+      <inkml:timestamp xml:id="ts0" timeString="2021-04-09T08:55:28.249"/>
+    </inkml:context>
+    <inkml:brush xml:id="br0">
+      <inkml:brushProperty name="width" value="0.06667" units="cm"/>
+      <inkml:brushProperty name="height" value="0.06667" units="cm"/>
+      <inkml:brushProperty name="color" value="#ED1C24"/>
+      <inkml:brushProperty name="fitToCurve" value="1"/>
+    </inkml:brush>
+  </inkml:definitions>
+  <inkml:traceGroup>
+    <inkml:annotationXML>
+      <emma:emma xmlns:emma="http://www.w3.org/2003/04/emma" version="1.0">
+        <emma:interpretation id="{4126CEC2-EF52-478F-96FC-AE6031272AED}" emma:medium="tactile" emma:mode="ink">
+          <msink:context xmlns:msink="http://schemas.microsoft.com/ink/2010/main" type="inkDrawing" rotatedBoundingBox="4916,9313 7293,9313 7293,9328 4916,9328" shapeName="Other"/>
+        </emma:interpretation>
+      </emma:emma>
+    </inkml:annotationXML>
+    <inkml:trace contextRef="#ctx0" brushRef="#br0">0 0 0,'33'0'94,"32"0"-78,-32 0-1,-1 0-15,1 0 16,-1 0-16,1 0 16,32 0-16,-33 0 15,34 0-15,-1 0 16,-33 0-16,33 0 16,1 0-16,31 0 15,-64 0-15,64 0 16,-31 0-16,-34 0 15,33 0-15,0 0 16,1 0-16,31 0 16,-32 0-16,33 0 15,-65 0-15,64 0 16,-64 0-16,32 0 16,33 0-16,-66 0 15,33 0-15,1 0 16,-34 0-16,33 0 15,-32 0-15,-1 0 16,1 0 0,-1 0-16,1 0 15,0 0 1,-1 0 0,1 0-16,-1 0 15,1 0 16,-1 0 1</inkml:trace>
+  </inkml:traceGroup>
+</inkml:ink>
+</file>
+
+<file path=ppt/ink/ink61.xml><?xml version="1.0" encoding="utf-8"?>
+<inkml:ink xmlns:inkml="http://www.w3.org/2003/InkML">
+  <inkml:definitions>
+    <inkml:context xml:id="ctx0">
+      <inkml:inkSource xml:id="inkSrc0">
+        <inkml:traceFormat>
+          <inkml:channel name="X" type="integer" max="1920" units="cm"/>
+          <inkml:channel name="Y" type="integer" max="1080" units="cm"/>
+          <inkml:channel name="T" type="integer" max="2.14748E9" units="dev"/>
+        </inkml:traceFormat>
+        <inkml:channelProperties>
+          <inkml:channelProperty channel="X" name="resolution" value="36.85221" units="1/cm"/>
+          <inkml:channelProperty channel="Y" name="resolution" value="36.86007" units="1/cm"/>
+          <inkml:channelProperty channel="T" name="resolution" value="1" units="1/dev"/>
+        </inkml:channelProperties>
+      </inkml:inkSource>
+      <inkml:timestamp xml:id="ts0" timeString="2021-04-09T08:55:33.218"/>
+    </inkml:context>
+    <inkml:brush xml:id="br0">
+      <inkml:brushProperty name="width" value="0.06667" units="cm"/>
+      <inkml:brushProperty name="height" value="0.06667" units="cm"/>
+      <inkml:brushProperty name="color" value="#ED1C24"/>
+      <inkml:brushProperty name="fitToCurve" value="1"/>
+    </inkml:brush>
+  </inkml:definitions>
+  <inkml:traceGroup>
+    <inkml:annotationXML>
+      <emma:emma xmlns:emma="http://www.w3.org/2003/04/emma" version="1.0">
+        <emma:interpretation id="{1E272C08-C152-4586-88EB-3DE20C690C5E}" emma:medium="tactile" emma:mode="ink">
+          <msink:context xmlns:msink="http://schemas.microsoft.com/ink/2010/main" type="inkDrawing" rotatedBoundingBox="7846,9378 10484,9373 10485,9406 7847,9411" shapeName="Other"/>
+        </emma:interpretation>
+      </emma:emma>
+    </inkml:annotationXML>
+    <inkml:trace contextRef="#ctx0" brushRef="#br0">0 33 0,'0'-33'63,"33"33"-48,32 0 1,0 0 0,0 0-16,0 0 15,33 0-15,32 0 16,-32 0-16,-1 0 15,1 0-15,32 0 16,-32 0-16,0 0 16,-1 0-16,-31 0 15,31 0-15,1 0 16,-33 0-16,0 0 16,0 0-16,-32 0 15,65 0-15,-66 0 16,66 0-1,0 0-15,-33 0 16,0 0-16,0 0 16,0 0-16,0 0 15,-32 0-15,32 0 16,0 0 15,-32 0-15,-1 0-1,1 0 1</inkml:trace>
+  </inkml:traceGroup>
+</inkml:ink>
+</file>
+
+<file path=ppt/ink/ink62.xml><?xml version="1.0" encoding="utf-8"?>
+<inkml:ink xmlns:inkml="http://www.w3.org/2003/InkML">
+  <inkml:definitions>
+    <inkml:context xml:id="ctx0">
+      <inkml:inkSource xml:id="inkSrc0">
+        <inkml:traceFormat>
+          <inkml:channel name="X" type="integer" max="1920" units="cm"/>
+          <inkml:channel name="Y" type="integer" max="1080" units="cm"/>
+          <inkml:channel name="T" type="integer" max="2.14748E9" units="dev"/>
+        </inkml:traceFormat>
+        <inkml:channelProperties>
+          <inkml:channelProperty channel="X" name="resolution" value="36.85221" units="1/cm"/>
+          <inkml:channelProperty channel="Y" name="resolution" value="36.86007" units="1/cm"/>
+          <inkml:channelProperty channel="T" name="resolution" value="1" units="1/dev"/>
+        </inkml:channelProperties>
+      </inkml:inkSource>
+      <inkml:timestamp xml:id="ts0" timeString="2021-04-09T08:56:11.330"/>
+    </inkml:context>
+    <inkml:brush xml:id="br0">
+      <inkml:brushProperty name="width" value="0.06667" units="cm"/>
+      <inkml:brushProperty name="height" value="0.06667" units="cm"/>
+      <inkml:brushProperty name="color" value="#ED1C24"/>
+      <inkml:brushProperty name="fitToCurve" value="1"/>
+    </inkml:brush>
+  </inkml:definitions>
+  <inkml:traceGroup>
+    <inkml:annotationXML>
+      <emma:emma xmlns:emma="http://www.w3.org/2003/04/emma" version="1.0">
+        <emma:interpretation id="{178248AC-509B-434C-8048-4C530CCD8E1B}" emma:medium="tactile" emma:mode="ink">
+          <msink:context xmlns:msink="http://schemas.microsoft.com/ink/2010/main" type="inkDrawing" rotatedBoundingBox="9086,13179 13122,13318 13116,13478 9081,13339" shapeName="Other"/>
+        </emma:interpretation>
+      </emma:emma>
+    </inkml:annotationXML>
+    <inkml:trace contextRef="#ctx0" brushRef="#br0">0 0 0,'66'0'109,"-34"0"-93,66 0-16,0 0 16,-1 0-16,33 33 15,-32-33-15,0 0 16,65 33-16,-66-33 15,34 0-15,-66 0 16,32 32-16,-64-32 16,65 0-16,-66 0 15,66 0-15,-65 0 16,32 0-16,-33 0 16,1 0-16,-1 0 15,1 0-15,-1 0 16,1 0-16,0 0 15,-1 0-15,1 0 16,32 0-16,0 33 16,0-33-1,-32 0-15,32 32 16,0-32-16,-32 0 16,32 0-16,0 0 15,-33 0-15,1 0 16,32 0-16,0 0 15,0 0 1,-32 0-16,32 0 16,-32 0-16,32 0 15,-33 0-15,1 0 16,32 0 0,-33 0-16,1 0 15,0 0 1,-1 0-16,33 0 15,0 0 1,-32 0-16,0 0 16,32 0-16,-33 0 15,1 0 1,-1 0-16,1 0 16,0 0-1,-1 0 16,1 0-15,-1 0 0,1 0 31,-1 0 31,1 0-47,-1-32-15,1 32 15,0 0-31,-1 0 31,1-33-31,-1 1 31,1 32 1,-1 0-1</inkml:trace>
+  </inkml:traceGroup>
+</inkml:ink>
+</file>
+
+<file path=ppt/ink/ink63.xml><?xml version="1.0" encoding="utf-8"?>
 <inkml:ink xmlns:inkml="http://www.w3.org/2003/InkML">
   <inkml:definitions>
     <inkml:context xml:id="ctx0">
@@ -3590,7 +3700,7 @@
 </inkml:ink>
 </file>
 
-<file path=ppt/ink/ink61.xml><?xml version="1.0" encoding="utf-8"?>
+<file path=ppt/ink/ink64.xml><?xml version="1.0" encoding="utf-8"?>
 <inkml:ink xmlns:inkml="http://www.w3.org/2003/InkML">
   <inkml:definitions>
     <inkml:context xml:id="ctx0">
@@ -3628,7 +3738,7 @@
 </inkml:ink>
 </file>
 
-<file path=ppt/ink/ink62.xml><?xml version="1.0" encoding="utf-8"?>
+<file path=ppt/ink/ink65.xml><?xml version="1.0" encoding="utf-8"?>
 <inkml:ink xmlns:inkml="http://www.w3.org/2003/InkML">
   <inkml:definitions>
     <inkml:context xml:id="ctx0">
@@ -3666,7 +3776,7 @@
 </inkml:ink>
 </file>
 
-<file path=ppt/ink/ink63.xml><?xml version="1.0" encoding="utf-8"?>
+<file path=ppt/ink/ink66.xml><?xml version="1.0" encoding="utf-8"?>
 <inkml:ink xmlns:inkml="http://www.w3.org/2003/InkML">
   <inkml:definitions>
     <inkml:context xml:id="ctx0">
@@ -3704,7 +3814,7 @@
 </inkml:ink>
 </file>
 
-<file path=ppt/ink/ink64.xml><?xml version="1.0" encoding="utf-8"?>
+<file path=ppt/ink/ink67.xml><?xml version="1.0" encoding="utf-8"?>
 <inkml:ink xmlns:inkml="http://www.w3.org/2003/InkML">
   <inkml:definitions>
     <inkml:context xml:id="ctx0">
@@ -3742,7 +3852,7 @@
 </inkml:ink>
 </file>
 
-<file path=ppt/ink/ink65.xml><?xml version="1.0" encoding="utf-8"?>
+<file path=ppt/ink/ink68.xml><?xml version="1.0" encoding="utf-8"?>
 <inkml:ink xmlns:inkml="http://www.w3.org/2003/InkML">
   <inkml:definitions>
     <inkml:context xml:id="ctx0">
@@ -3780,7 +3890,7 @@
 </inkml:ink>
 </file>
 
-<file path=ppt/ink/ink66.xml><?xml version="1.0" encoding="utf-8"?>
+<file path=ppt/ink/ink69.xml><?xml version="1.0" encoding="utf-8"?>
 <inkml:ink xmlns:inkml="http://www.w3.org/2003/InkML">
   <inkml:definitions>
     <inkml:context xml:id="ctx0">
@@ -3814,120 +3924,6 @@
       </emma:emma>
     </inkml:annotationXML>
     <inkml:trace contextRef="#ctx0" brushRef="#br0">0 0 0,'65'0'32,"65"0"-17,66 0-15,32 0 16,0 0-16,97 0 16,66 0-16,97 0 15,-64 0 1,-66 0-16,130 0 15,-64 0-15,-99 0 16,-32 0-16,-32 0 16,0 0-16,-99 0 15,34 0-15,-33 0 16,-66 0-16,-32 0 16,-32 0-16,-1 0 15,34 0-15</inkml:trace>
-  </inkml:traceGroup>
-</inkml:ink>
-</file>
-
-<file path=ppt/ink/ink67.xml><?xml version="1.0" encoding="utf-8"?>
-<inkml:ink xmlns:inkml="http://www.w3.org/2003/InkML">
-  <inkml:definitions>
-    <inkml:context xml:id="ctx0">
-      <inkml:inkSource xml:id="inkSrc0">
-        <inkml:traceFormat>
-          <inkml:channel name="X" type="integer" max="1920" units="cm"/>
-          <inkml:channel name="Y" type="integer" max="1080" units="cm"/>
-          <inkml:channel name="T" type="integer" max="2.14748E9" units="dev"/>
-        </inkml:traceFormat>
-        <inkml:channelProperties>
-          <inkml:channelProperty channel="X" name="resolution" value="36.85221" units="1/cm"/>
-          <inkml:channelProperty channel="Y" name="resolution" value="36.86007" units="1/cm"/>
-          <inkml:channelProperty channel="T" name="resolution" value="1" units="1/dev"/>
-        </inkml:channelProperties>
-      </inkml:inkSource>
-      <inkml:timestamp xml:id="ts0" timeString="2021-04-09T09:02:59.226"/>
-    </inkml:context>
-    <inkml:brush xml:id="br0">
-      <inkml:brushProperty name="width" value="0.06667" units="cm"/>
-      <inkml:brushProperty name="height" value="0.06667" units="cm"/>
-      <inkml:brushProperty name="color" value="#ED1C24"/>
-      <inkml:brushProperty name="fitToCurve" value="1"/>
-    </inkml:brush>
-  </inkml:definitions>
-  <inkml:traceGroup>
-    <inkml:annotationXML>
-      <emma:emma xmlns:emma="http://www.w3.org/2003/04/emma" version="1.0">
-        <emma:interpretation id="{E1ACFAD9-C8EB-4BF9-9FAC-1E9C839152AA}" emma:medium="tactile" emma:mode="ink">
-          <msink:context xmlns:msink="http://schemas.microsoft.com/ink/2010/main" type="inkDrawing" rotatedBoundingBox="17453,8857 23348,8857 23348,8872 17453,8872" shapeName="Other"/>
-        </emma:interpretation>
-      </emma:emma>
-    </inkml:annotationXML>
-    <inkml:trace contextRef="#ctx0" brushRef="#br0">0 0 0,'33'0'16,"0"0"1109,-1 0-1109,1 0 30,-1 0 1,1 0 0,-1 0-16,1 0 1,0 0-1,-1 0-15,1 0-1,-1 0 1,1 0-1,-1 0 1,1 0-16,-1 0 16,1 0-16,0 0 15,-1 0 1,33 0-16,-32 0 16,-1 0-16,1 0 15,0 0-15,-1 0 16,1 0-16,-1 0 15,1 0-15,-1 0 16,1 0 0,-1 0-16,1 0 15,0 0-15,-1 0 16,1 0 0,-1 0-16,1 0 15,-1 0 1,1 0-1,32 0 1,-32 0-16,-1 0 16,1 0-16,-1 0 15,1 0 17,0 0-17,-1 0-15,33 0 16,-32 0-1,-1 0-15,33 0 16,-32 0-16,0 0 16,32 0-16,-33 0 15,1 0 1,-1 0 0,1 0-1,0 0 1,-1 0-1,1 0 1,-1 0 0,1 0-1,-1 0 1,1 0 15,-1 0-31,1 0 47,0 0-31,-1 0-1,1 0 17,-1 0-32,1 0 15,-1 0 1,1 0-1,0 0 1,-1 0-16,1 0 16,-1 0-16,1 0 15,-1 0-15,1 0 16,32 0 0,-32 0-16,-1 0 15,33 0-15,0 0 16,1 0-16,-34 0 15,33 0-15,-32 0 16,32 0-16,-32 0 16,-1 0-16,33 0 15,-32 0-15,-1 0 16,1 0 0,-1 0-16,1 0 15,0 0 1,-1 0-16,1 0 15,-1 0 1,1 0-16,32 0 16,-32 0-16,-1 0 15,1 0-15,-1 0 16,1 0-16,-1 0 16,1 0-16,0 0 15,32 0 1,-33 0-16,1 0 15,-1 0-15,1 0 16,32 0-16,-32 0 16,64 0-16,-32 0 15,-32 0-15,0 0 16,64 0-16,-64 0 16,-1 0-16,1 0 15,32 0-15,-32 0 16,-1 0-1,1 0-15,-1 0 16,1 0-16,-1 0 16,1 0-16,32 0 15,0 0 1,0 0 0,1 0-1,-34 0-15,1 0 16,-1 0-16,1 0 15,-1 0-15,1 0 16,-1 0 0,1 0-16,0 0 15,-1 0-15,1 0 16,-1 0-16,1 0 16,-1 0-16,1 0 15,0 0 16</inkml:trace>
-  </inkml:traceGroup>
-</inkml:ink>
-</file>
-
-<file path=ppt/ink/ink68.xml><?xml version="1.0" encoding="utf-8"?>
-<inkml:ink xmlns:inkml="http://www.w3.org/2003/InkML">
-  <inkml:definitions>
-    <inkml:context xml:id="ctx0">
-      <inkml:inkSource xml:id="inkSrc0">
-        <inkml:traceFormat>
-          <inkml:channel name="X" type="integer" max="1920" units="cm"/>
-          <inkml:channel name="Y" type="integer" max="1080" units="cm"/>
-          <inkml:channel name="T" type="integer" max="2.14748E9" units="dev"/>
-        </inkml:traceFormat>
-        <inkml:channelProperties>
-          <inkml:channelProperty channel="X" name="resolution" value="36.85221" units="1/cm"/>
-          <inkml:channelProperty channel="Y" name="resolution" value="36.86007" units="1/cm"/>
-          <inkml:channelProperty channel="T" name="resolution" value="1" units="1/dev"/>
-        </inkml:channelProperties>
-      </inkml:inkSource>
-      <inkml:timestamp xml:id="ts0" timeString="2021-04-09T09:03:01.553"/>
-    </inkml:context>
-    <inkml:brush xml:id="br0">
-      <inkml:brushProperty name="width" value="0.06667" units="cm"/>
-      <inkml:brushProperty name="height" value="0.06667" units="cm"/>
-      <inkml:brushProperty name="color" value="#ED1C24"/>
-      <inkml:brushProperty name="fitToCurve" value="1"/>
-    </inkml:brush>
-  </inkml:definitions>
-  <inkml:traceGroup>
-    <inkml:annotationXML>
-      <emma:emma xmlns:emma="http://www.w3.org/2003/04/emma" version="1.0">
-        <emma:interpretation id="{469E0115-60EE-41E1-8713-FBD7D1FB8561}" emma:medium="tactile" emma:mode="ink">
-          <msink:context xmlns:msink="http://schemas.microsoft.com/ink/2010/main" type="inkDrawing" rotatedBoundingBox="13284,8999 18397,8920 18399,9040 13286,9119" shapeName="Other"/>
-        </emma:interpretation>
-      </emma:emma>
-    </inkml:annotationXML>
-    <inkml:trace contextRef="#ctx0" brushRef="#br0">0 131 0,'33'0'62,"32"0"-62,33 0 16,32 0-16,-32 0 15,64 0-15,34 0 16,32 0-16,0 0 16,0 0-16,32 0 15,-64 0-15,31 0 16,1 0-16,0 0 16,-65 0-16,0 0 15,0 0-15,0 0 16,-33 0-16,-32 0 15,-1 0-15,-64 0 16,32 0-16,0 0 16,0 0-16,-32 0 15,-1 0-15,66 0 16,-33 0-16,0 0 16,-32 0-16,32 0 15,0 0-15,0 0 16,0-33-16,-32 33 15,0 0-15,32 0 16,-33 0 0,1 0-16,32-32 15,0 32 1,-32 0 0,-1 0-1,1 0 1,-1-33-1,1 33 17,32 0-32,0-33 15,-32 33 1,-1 0 0,1 0-1</inkml:trace>
-  </inkml:traceGroup>
-</inkml:ink>
-</file>
-
-<file path=ppt/ink/ink69.xml><?xml version="1.0" encoding="utf-8"?>
-<inkml:ink xmlns:inkml="http://www.w3.org/2003/InkML">
-  <inkml:definitions>
-    <inkml:context xml:id="ctx0">
-      <inkml:inkSource xml:id="inkSrc0">
-        <inkml:traceFormat>
-          <inkml:channel name="X" type="integer" max="1920" units="cm"/>
-          <inkml:channel name="Y" type="integer" max="1080" units="cm"/>
-          <inkml:channel name="T" type="integer" max="2.14748E9" units="dev"/>
-        </inkml:traceFormat>
-        <inkml:channelProperties>
-          <inkml:channelProperty channel="X" name="resolution" value="36.85221" units="1/cm"/>
-          <inkml:channelProperty channel="Y" name="resolution" value="36.86007" units="1/cm"/>
-          <inkml:channelProperty channel="T" name="resolution" value="1" units="1/dev"/>
-        </inkml:channelProperties>
-      </inkml:inkSource>
-      <inkml:timestamp xml:id="ts0" timeString="2021-04-09T09:03:05.618"/>
-    </inkml:context>
-    <inkml:brush xml:id="br0">
-      <inkml:brushProperty name="width" value="0.06667" units="cm"/>
-      <inkml:brushProperty name="height" value="0.06667" units="cm"/>
-      <inkml:brushProperty name="color" value="#ED1C24"/>
-      <inkml:brushProperty name="fitToCurve" value="1"/>
-    </inkml:brush>
-  </inkml:definitions>
-  <inkml:traceGroup>
-    <inkml:annotationXML>
-      <emma:emma xmlns:emma="http://www.w3.org/2003/04/emma" version="1.0">
-        <emma:interpretation id="{4DD9A09D-EEC9-4E1B-A9C4-4B679C99B33E}" emma:medium="tactile" emma:mode="ink">
-          <msink:context xmlns:msink="http://schemas.microsoft.com/ink/2010/main" type="inkDrawing" rotatedBoundingBox="3896,8729 6135,8841 6066,10213 3828,10101" hotPoints="6045,9544 4762,9996 3667,9190 4950,8738" semanticType="enclosure" shapeName="Ellipse"/>
-        </emma:interpretation>
-      </emma:emma>
-    </inkml:annotationXML>
-    <inkml:trace contextRef="#ctx0" brushRef="#br0">465 1351 0,'-32'-65'0,"-1"65"16,0-65-16,33 33 16,0-1-16,0-32 15,0 32-15,0 1 16,0-1-16,0 1 15,0-34-15,0 34 16,0-33-16,0 32 16,33-32-16,-33 0 15,65 32 1,-32 1-16,32-33 16,-65 32-16,65 1 15,0-1-15,0 0 16,0 1-16,33 32 15,-65 0-15,64-33 16,1 1-16,0 32 16,-33-33-16,32 33 15,-64 0-15,32 0 16,0 0-16,0 0 16,33 0-16,-65 33 15,64 32-15,1 0 16,0 0-16,-66-32 15,1-1-15,32 1 16,-65-1-16,33-32 16,-33 33-16,0-1 15,0 1 1,0 0-16,0 32 16,0-33-1,0 1-15,0 32 16,0-32-16,0-1 15,-33 1-15,0-1 16,1 1-16,-1-33 31,1 32-31,-1-32 16,1 33-16,-1 0 16,0-33-16,1 32 15,-1-32-15,1 0 16,-1 0-16,-64 33 15,64-33-15,-32 0 16,0 0-16,-33 65 16,33-65-16,-33 0 15,1 0-15,31 0 16,-31 0-16,-1 0 16,0 0-16,1 0 15,64 0-15,-65 0 16,33-33-16,0 33 15,0 0-15,32-32 16,1-1 0,-1 33-16,1-65 15,-1 0-15,1 0 16,-1-33-16,33 33 16,-33-33-16,33 0 15,0 33-15,0 33 16,0-33-1,0 32-15,0-32 16,0 32 0,0 1-1,0-1-15,33 1 16,-33-1 0,33 1-16,-1-1 15,33 0-15,-32 33 16,-1-32-16,66-1 15,-33 33-15,-32 0 16,64-32-16,-64 32 16,32-33-16,-32 33 15,32 0-15,0 0 16,-32 0-16,32 0 16,-33 0-16,1 0 15,65 0-15,-66 0 16,33 0-16,0 33 15,33-1-15,-33 1 16,33-1-16,-33 1 16,0 0-16,0-1 15,-32 1 1,-1-1-16,33 1 16,-32-33-16,0 32 15,-33 1 1,32 32-1,1 0 1,-33-32 0,0 32-16,0-33 15,0 1 1,0 0-16,0-1 16,0 33-16,0-32 15,0-1-15,0 1 16,0 0-16,-33-1 15,1 1-15,-1-1 16,0 1-16,1-1 16,-1-32-1,1 33-15,-33 0 16,32-1 0,-32-32-1,32 0 1,-32 0-16,33 0 15,-1 0-15,-65 0 16,66 0 0,-66 0-16,-32 0 15,32 0-15,33 0 16,-65 0-16,65 0 16,0-32-16,-33 32 15,65-33-15,1 33 16,-33-33-16,32 33 15,-32 0-15,0-32 16,32-1-16,-32 33 16,0-32-16,32-1 15,1 33 1,-1-32 0,1-34-1,32 1 1,-33 0-1,33 33-15,0-34 16,0 34-16,0-33 16,0 32-16,0-32 15,0 0-15,65 0 16,-32 32 0,-33 1-16,32-1 15</inkml:trace>
   </inkml:traceGroup>
 </inkml:ink>
 </file>
@@ -4021,8 +4017,8 @@
               </emma:one-of>
             </emma:emma>
           </inkml:annotationXML>
-          <inkml:trace contextRef="#ctx0" brushRef="#br0" timeOffset="-194743.8695">-33 814 0,'98'0'0,"-66"0"16,1 0-16,-1 0 16,34 0-16,-34 0 15,33 0 1,-32 0-16,-1 0 15,34 0-15,-34 0 32,1 0-1,-1 0-15,1 0-1,-1 0 1,1 0 15</inkml:trace>
-          <inkml:trace contextRef="#ctx0" brushRef="#br0" timeOffset="-195864.0793">0 0 0,'32'0'16,"1"0"0,-1 0-16,33 0 15,1 0 1,-34 0 15</inkml:trace>
+          <inkml:trace contextRef="#ctx0" brushRef="#br0" timeOffset="-194743.87">-33 814 0,'98'0'0,"-66"0"16,1 0-16,-1 0 16,34 0-16,-34 0 15,33 0 1,-32 0-16,-1 0 15,34 0-15,-34 0 32,1 0-1,-1 0-15,1 0-1,-1 0 1,1 0 15</inkml:trace>
+          <inkml:trace contextRef="#ctx0" brushRef="#br0" timeOffset="-195864.08">0 0 0,'32'0'16,"1"0"0,-1 0-16,33 0 15,1 0 1,-34 0 15</inkml:trace>
         </inkml:traceGroup>
         <inkml:traceGroup>
           <inkml:annotationXML>
@@ -4037,8 +4033,8 @@
               </emma:one-of>
             </emma:emma>
           </inkml:annotationXML>
-          <inkml:trace contextRef="#ctx0" brushRef="#br0" timeOffset="-160423.9322">4233-1661 0,'-33'0'16,"-32"0"-16,33 0 15,-1 0 1,1 0-16,-34 0 16,34-32-1,-1 32 1,1 0-16,-1-33 16,-32 33-1,32-32 1,1 32-1,-33-33-15,32 1 16,1 32 0,-1-33-16,1 0 15,-34 1 1,34-1 0,32 1-1,-33-1 1,33 1-1,0-1 1,0 1 0,0-1 15,0 0-15,0 1-16,33-1 15,-1 33-15,1 0 16,32-65-1,0 65-15,0 0 16,0-32-16,1 32 16,31 0-16,-64 0 15,65 0-15,-66 0 16,33 0-16,-32 0 16,-1 0-16,34 0 15,-1 32-15,-33 1 16,1-33-16,32 32 15,-33 1-15,1-1 16,32-32-16,-32 33 16,-1 0-16,1-1 15,-1-32-15,-32 33 16,33-1-16,0-32 16,-33 33-1,0-1 16,0 1-15,0-1 0,0 1 15,-66 0-31,34-33 16,-1 32-1,-32-32-15,33 0 16,-66 33-16,65-33 15,-32 32-15,0 1 16</inkml:trace>
-          <inkml:trace contextRef="#ctx0" brushRef="#br0" timeOffset="-52856.0356">4819-1791 0,'33'0'47,"-1"0"-32,1 0 1,-1 0 0,1 0-1,-1 0 1,1 0 0,0 0 46</inkml:trace>
+          <inkml:trace contextRef="#ctx0" brushRef="#br0" timeOffset="-160423.94">4233-1661 0,'-33'0'16,"-32"0"-16,33 0 15,-1 0 1,1 0-16,-34 0 16,34-32-1,-1 32 1,1 0-16,-1-33 16,-32 33-1,32-32 1,1 32-1,-33-33-15,32 1 16,1 32 0,-1-33-16,1 0 15,-34 1 1,34-1 0,32 1-1,-33-1 1,33 1-1,0-1 1,0 1 0,0-1 15,0 0-15,0 1-16,33-1 15,-1 33-15,1 0 16,32-65-1,0 65-15,0 0 16,0-32-16,1 32 16,31 0-16,-64 0 15,65 0-15,-66 0 16,33 0-16,-32 0 16,-1 0-16,34 0 15,-1 32-15,-33 1 16,1-33-16,32 32 15,-33 1-15,1-1 16,32-32-16,-32 33 16,-1 0-16,1-1 15,-1-32-15,-32 33 16,33-1-16,0-32 16,-33 33-1,0-1 16,0 1-15,0-1 0,0 1 15,-66 0-31,34-33 16,-1 32-1,-32-32-15,33 0 16,-66 33-16,65-33 15,-32 32-15,0 1 16</inkml:trace>
+          <inkml:trace contextRef="#ctx0" brushRef="#br0" timeOffset="-52856.04">4819-1791 0,'33'0'47,"-1"0"-32,1 0 1,-1 0 0,1 0-1,-1 0 1,1 0 0,0 0 46</inkml:trace>
         </inkml:traceGroup>
       </inkml:traceGroup>
     </inkml:traceGroup>
@@ -4047,6 +4043,120 @@
 </file>
 
 <file path=ppt/ink/ink70.xml><?xml version="1.0" encoding="utf-8"?>
+<inkml:ink xmlns:inkml="http://www.w3.org/2003/InkML">
+  <inkml:definitions>
+    <inkml:context xml:id="ctx0">
+      <inkml:inkSource xml:id="inkSrc0">
+        <inkml:traceFormat>
+          <inkml:channel name="X" type="integer" max="1920" units="cm"/>
+          <inkml:channel name="Y" type="integer" max="1080" units="cm"/>
+          <inkml:channel name="T" type="integer" max="2.14748E9" units="dev"/>
+        </inkml:traceFormat>
+        <inkml:channelProperties>
+          <inkml:channelProperty channel="X" name="resolution" value="36.85221" units="1/cm"/>
+          <inkml:channelProperty channel="Y" name="resolution" value="36.86007" units="1/cm"/>
+          <inkml:channelProperty channel="T" name="resolution" value="1" units="1/dev"/>
+        </inkml:channelProperties>
+      </inkml:inkSource>
+      <inkml:timestamp xml:id="ts0" timeString="2021-04-09T09:02:59.226"/>
+    </inkml:context>
+    <inkml:brush xml:id="br0">
+      <inkml:brushProperty name="width" value="0.06667" units="cm"/>
+      <inkml:brushProperty name="height" value="0.06667" units="cm"/>
+      <inkml:brushProperty name="color" value="#ED1C24"/>
+      <inkml:brushProperty name="fitToCurve" value="1"/>
+    </inkml:brush>
+  </inkml:definitions>
+  <inkml:traceGroup>
+    <inkml:annotationXML>
+      <emma:emma xmlns:emma="http://www.w3.org/2003/04/emma" version="1.0">
+        <emma:interpretation id="{E1ACFAD9-C8EB-4BF9-9FAC-1E9C839152AA}" emma:medium="tactile" emma:mode="ink">
+          <msink:context xmlns:msink="http://schemas.microsoft.com/ink/2010/main" type="inkDrawing" rotatedBoundingBox="17453,8857 23348,8857 23348,8872 17453,8872" shapeName="Other"/>
+        </emma:interpretation>
+      </emma:emma>
+    </inkml:annotationXML>
+    <inkml:trace contextRef="#ctx0" brushRef="#br0">0 0 0,'33'0'16,"0"0"1109,-1 0-1109,1 0 30,-1 0 1,1 0 0,-1 0-16,1 0 1,0 0-1,-1 0-15,1 0-1,-1 0 1,1 0-1,-1 0 1,1 0-16,-1 0 16,1 0-16,0 0 15,-1 0 1,33 0-16,-32 0 16,-1 0-16,1 0 15,0 0-15,-1 0 16,1 0-16,-1 0 15,1 0-15,-1 0 16,1 0 0,-1 0-16,1 0 15,0 0-15,-1 0 16,1 0 0,-1 0-16,1 0 15,-1 0 1,1 0-1,32 0 1,-32 0-16,-1 0 16,1 0-16,-1 0 15,1 0 17,0 0-17,-1 0-15,33 0 16,-32 0-1,-1 0-15,33 0 16,-32 0-16,0 0 16,32 0-16,-33 0 15,1 0 1,-1 0 0,1 0-1,0 0 1,-1 0-1,1 0 1,-1 0 0,1 0-1,-1 0 1,1 0 15,-1 0-31,1 0 47,0 0-31,-1 0-1,1 0 17,-1 0-32,1 0 15,-1 0 1,1 0-1,0 0 1,-1 0-16,1 0 16,-1 0-16,1 0 15,-1 0-15,1 0 16,32 0 0,-32 0-16,-1 0 15,33 0-15,0 0 16,1 0-16,-34 0 15,33 0-15,-32 0 16,32 0-16,-32 0 16,-1 0-16,33 0 15,-32 0-15,-1 0 16,1 0 0,-1 0-16,1 0 15,0 0 1,-1 0-16,1 0 15,-1 0 1,1 0-16,32 0 16,-32 0-16,-1 0 15,1 0-15,-1 0 16,1 0-16,-1 0 16,1 0-16,0 0 15,32 0 1,-33 0-16,1 0 15,-1 0-15,1 0 16,32 0-16,-32 0 16,64 0-16,-32 0 15,-32 0-15,0 0 16,64 0-16,-64 0 16,-1 0-16,1 0 15,32 0-15,-32 0 16,-1 0-1,1 0-15,-1 0 16,1 0-16,-1 0 16,1 0-16,32 0 15,0 0 1,0 0 0,1 0-1,-34 0-15,1 0 16,-1 0-16,1 0 15,-1 0-15,1 0 16,-1 0 0,1 0-16,0 0 15,-1 0-15,1 0 16,-1 0-16,1 0 16,-1 0-16,1 0 15,0 0 16</inkml:trace>
+  </inkml:traceGroup>
+</inkml:ink>
+</file>
+
+<file path=ppt/ink/ink71.xml><?xml version="1.0" encoding="utf-8"?>
+<inkml:ink xmlns:inkml="http://www.w3.org/2003/InkML">
+  <inkml:definitions>
+    <inkml:context xml:id="ctx0">
+      <inkml:inkSource xml:id="inkSrc0">
+        <inkml:traceFormat>
+          <inkml:channel name="X" type="integer" max="1920" units="cm"/>
+          <inkml:channel name="Y" type="integer" max="1080" units="cm"/>
+          <inkml:channel name="T" type="integer" max="2.14748E9" units="dev"/>
+        </inkml:traceFormat>
+        <inkml:channelProperties>
+          <inkml:channelProperty channel="X" name="resolution" value="36.85221" units="1/cm"/>
+          <inkml:channelProperty channel="Y" name="resolution" value="36.86007" units="1/cm"/>
+          <inkml:channelProperty channel="T" name="resolution" value="1" units="1/dev"/>
+        </inkml:channelProperties>
+      </inkml:inkSource>
+      <inkml:timestamp xml:id="ts0" timeString="2021-04-09T09:03:01.553"/>
+    </inkml:context>
+    <inkml:brush xml:id="br0">
+      <inkml:brushProperty name="width" value="0.06667" units="cm"/>
+      <inkml:brushProperty name="height" value="0.06667" units="cm"/>
+      <inkml:brushProperty name="color" value="#ED1C24"/>
+      <inkml:brushProperty name="fitToCurve" value="1"/>
+    </inkml:brush>
+  </inkml:definitions>
+  <inkml:traceGroup>
+    <inkml:annotationXML>
+      <emma:emma xmlns:emma="http://www.w3.org/2003/04/emma" version="1.0">
+        <emma:interpretation id="{469E0115-60EE-41E1-8713-FBD7D1FB8561}" emma:medium="tactile" emma:mode="ink">
+          <msink:context xmlns:msink="http://schemas.microsoft.com/ink/2010/main" type="inkDrawing" rotatedBoundingBox="13284,8999 18397,8920 18399,9040 13286,9119" shapeName="Other"/>
+        </emma:interpretation>
+      </emma:emma>
+    </inkml:annotationXML>
+    <inkml:trace contextRef="#ctx0" brushRef="#br0">0 131 0,'33'0'62,"32"0"-62,33 0 16,32 0-16,-32 0 15,64 0-15,34 0 16,32 0-16,0 0 16,0 0-16,32 0 15,-64 0-15,31 0 16,1 0-16,0 0 16,-65 0-16,0 0 15,0 0-15,0 0 16,-33 0-16,-32 0 15,-1 0-15,-64 0 16,32 0-16,0 0 16,0 0-16,-32 0 15,-1 0-15,66 0 16,-33 0-16,0 0 16,-32 0-16,32 0 15,0 0-15,0 0 16,0-33-16,-32 33 15,0 0-15,32 0 16,-33 0 0,1 0-16,32-32 15,0 32 1,-32 0 0,-1 0-1,1 0 1,-1-33-1,1 33 17,32 0-32,0-33 15,-32 33 1,-1 0 0,1 0-1</inkml:trace>
+  </inkml:traceGroup>
+</inkml:ink>
+</file>
+
+<file path=ppt/ink/ink72.xml><?xml version="1.0" encoding="utf-8"?>
+<inkml:ink xmlns:inkml="http://www.w3.org/2003/InkML">
+  <inkml:definitions>
+    <inkml:context xml:id="ctx0">
+      <inkml:inkSource xml:id="inkSrc0">
+        <inkml:traceFormat>
+          <inkml:channel name="X" type="integer" max="1920" units="cm"/>
+          <inkml:channel name="Y" type="integer" max="1080" units="cm"/>
+          <inkml:channel name="T" type="integer" max="2.14748E9" units="dev"/>
+        </inkml:traceFormat>
+        <inkml:channelProperties>
+          <inkml:channelProperty channel="X" name="resolution" value="36.85221" units="1/cm"/>
+          <inkml:channelProperty channel="Y" name="resolution" value="36.86007" units="1/cm"/>
+          <inkml:channelProperty channel="T" name="resolution" value="1" units="1/dev"/>
+        </inkml:channelProperties>
+      </inkml:inkSource>
+      <inkml:timestamp xml:id="ts0" timeString="2021-04-09T09:03:05.618"/>
+    </inkml:context>
+    <inkml:brush xml:id="br0">
+      <inkml:brushProperty name="width" value="0.06667" units="cm"/>
+      <inkml:brushProperty name="height" value="0.06667" units="cm"/>
+      <inkml:brushProperty name="color" value="#ED1C24"/>
+      <inkml:brushProperty name="fitToCurve" value="1"/>
+    </inkml:brush>
+  </inkml:definitions>
+  <inkml:traceGroup>
+    <inkml:annotationXML>
+      <emma:emma xmlns:emma="http://www.w3.org/2003/04/emma" version="1.0">
+        <emma:interpretation id="{4DD9A09D-EEC9-4E1B-A9C4-4B679C99B33E}" emma:medium="tactile" emma:mode="ink">
+          <msink:context xmlns:msink="http://schemas.microsoft.com/ink/2010/main" type="inkDrawing" rotatedBoundingBox="3896,8729 6135,8841 6066,10213 3828,10101" hotPoints="6045,9544 4762,9996 3667,9190 4950,8738" semanticType="enclosure" shapeName="Ellipse"/>
+        </emma:interpretation>
+      </emma:emma>
+    </inkml:annotationXML>
+    <inkml:trace contextRef="#ctx0" brushRef="#br0">465 1351 0,'-32'-65'0,"-1"65"16,0-65-16,33 33 16,0-1-16,0-32 15,0 32-15,0 1 16,0-1-16,0 1 15,0-34-15,0 34 16,0-33-16,0 32 16,33-32-16,-33 0 15,65 32 1,-32 1-16,32-33 16,-65 32-16,65 1 15,0-1-15,0 0 16,0 1-16,33 32 15,-65 0-15,64-33 16,1 1-16,0 32 16,-33-33-16,32 33 15,-64 0-15,32 0 16,0 0-16,0 0 16,33 0-16,-65 33 15,64 32-15,1 0 16,0 0-16,-66-32 15,1-1-15,32 1 16,-65-1-16,33-32 16,-33 33-16,0-1 15,0 1 1,0 0-16,0 32 16,0-33-1,0 1-15,0 32 16,0-32-16,0-1 15,-33 1-15,0-1 16,1 1-16,-1-33 31,1 32-31,-1-32 16,1 33-16,-1 0 16,0-33-16,1 32 15,-1-32-15,1 0 16,-1 0-16,-64 33 15,64-33-15,-32 0 16,0 0-16,-33 65 16,33-65-16,-33 0 15,1 0-15,31 0 16,-31 0-16,-1 0 16,0 0-16,1 0 15,64 0-15,-65 0 16,33-33-16,0 33 15,0 0-15,32-32 16,1-1 0,-1 33-16,1-65 15,-1 0-15,1 0 16,-1-33-16,33 33 16,-33-33-16,33 0 15,0 33-15,0 33 16,0-33-1,0 32-15,0-32 16,0 32 0,0 1-1,0-1-15,33 1 16,-33-1 0,33 1-16,-1-1 15,33 0-15,-32 33 16,-1-32-16,66-1 15,-33 33-15,-32 0 16,64-32-16,-64 32 16,32-33-16,-32 33 15,32 0-15,0 0 16,-32 0-16,32 0 16,-33 0-16,1 0 15,65 0-15,-66 0 16,33 0-16,0 33 15,33-1-15,-33 1 16,33-1-16,-33 1 16,0 0-16,0-1 15,-32 1 1,-1-1-16,33 1 16,-32-33-16,0 32 15,-33 1 1,32 32-1,1 0 1,-33-32 0,0 32-16,0-33 15,0 1 1,0 0-16,0-1 16,0 33-16,0-32 15,0-1-15,0 1 16,0 0-16,-33-1 15,1 1-15,-1-1 16,0 1-16,1-1 16,-1-32-1,1 33-15,-33 0 16,32-1 0,-32-32-1,32 0 1,-32 0-16,33 0 15,-1 0-15,-65 0 16,66 0 0,-66 0-16,-32 0 15,32 0-15,33 0 16,-65 0-16,65 0 16,0-32-16,-33 32 15,65-33-15,1 33 16,-33-33-16,32 33 15,-32 0-15,0-32 16,32-1-16,-32 33 16,0-32-16,32-1 15,1 33 1,-1-32 0,1-34-1,32 1 1,-33 0-1,33 33-15,0-34 16,0 34-16,0-33 16,0 32-16,0-32 15,0 0-15,65 0 16,-32 32 0,-33 1-16,32-1 15</inkml:trace>
+  </inkml:traceGroup>
+</inkml:ink>
+</file>
+
+<file path=ppt/ink/ink73.xml><?xml version="1.0" encoding="utf-8"?>
 <inkml:ink xmlns:inkml="http://www.w3.org/2003/InkML">
   <inkml:definitions>
     <inkml:context xml:id="ctx0">
@@ -4082,12 +4192,12 @@
       </emma:emma>
     </inkml:annotationXML>
     <inkml:trace contextRef="#ctx0" brushRef="#br0">0 0 0,'0'33'0,"65"97"15,0 33-15,-65 65 16,65 32-16,-65-32 16,65 33-16,-65-1 15,0 1 1,0-33-16,0-1 0,0 1 16,0-65-1,-32 33-15,-33 32 16,32-33-16,0 33 15,1 0-15,32-65 16,0 32-16,0-65 16,0-32-16,0-65 15,0-1 1</inkml:trace>
-    <inkml:trace contextRef="#ctx0" brushRef="#br0" timeOffset="4976.0149">-131 261 0,'33'0'16,"-33"-33"0,33 33-1,32-33 1,32 1-16,-31 32 16,31 0-16,1-33 15,65 1-15,-66 32 16,99 0-16,-66 0 15,65 0-15,-32 0 16,33 0-16,-33 0 16,32-65-16,33 65 15,0 0-15,0 0 16,-33-66-16,66 66 16,-66 0-16,33 0 15,0 0-15,0 0 16,-33 0-16,33 0 15,-32-65-15,-1 65 16,-32 0-16,97-65 16,-129 65-16,-1 0 15,-32 0-15,-1 0 16,-64 0-16,32 0 16,-33 0-1,1 0 32,260 0 31,-228 0-78,-32 0 0,-1 0 16,1 0-1,-33 98 95,0 0-110,0-1 15,0 1-15,0-33 16,0 33-16,0-1 16,0 34-1,0 32-15,0-33 16,0-33-16,0 66 16,0-32-16,0-1 15,0 33-15,0-33 16,-33 33-16,33-66 15,0 1-15,0 0 16,0-66-16,0 33 16,0 1-16,0-1 15,0 0-15,0 0 16,0 33-16,0-1 16,0 1-16,0-33 15,0 33-15,-32-33 16,32 65-16,-33-97 15,33 32-15,0 0 16,0-32-16,0 32 16,0-33-16,0 66 15,0-33-15,0-32 16,0 32-16,0 33 16,0-33-16,0 0 15,0 65-15,0-65 16,0 0-1,0 0-15,0 33 16,0-65-16,0 64 16,0-64-16,0 32 15,0 0-15,0-32 16,0 64-16,0-31 16,33 31-16,-33-32 15,32-32-15,-32 65 16,33-66-16,-33 33 15,0-32 1,0 0-16,0-1 16,0 1-1,0-1 1,0 1-16,0-1 94,0 1-79,0-1 17,0 1 14,-33-33-14,1 0-17,-1 0-15,1 0 16,-1 0-16,-65-33 16,1 33-16,32 0 15,-98 0-15,-33-32 16,34 32-16,-66 0 15,0 0-15,-33 0 16,1 0-16,97 0 16,-65 0-16,0 0 15,65 0-15,0 0 16,0-33-16,66 33 16,-1 0-16,-32 0 15,65 0-15,0 0 16,-1 0-16,1 0 15,33 0-15,-66 0 16,65 0 0,1 0-16,-33 0 15,32 0 1,1 0-16,-33 0 16,32 0-16,-32 0 15,0 0-15,0 0 16,-1 0-1,34 0-15,-1 0 16,1 0-16,-33 0 16,32 0-16,1 0 15,-1 0-15,0 0 16,1 0-16,-1 0 16,1 0-1,-1 0-15,-32 0 16,0 0-1,0 0-15,32 0 16,1 0-16,-1 0 16,0 0-16,1 0 15,-1 0 1,1 0 0,-1 0 30,1 0-14,-1 0-32,1 0 15,-1 0-15,0 0 16,-32 0-16,33 0 16,-1 0-16,1 0 15,-1 0-15,0 0 31,1 0-31,-1 0 16,1 0 0,-33 0-16,0 0 15,32 0-15,-32 0 16,32 0-16,1 0 16,-1 0-1,1 0-15,-1 0 16,0 0-16,1 33 15,-1-33 1,1 0 172,32-33-173,0 1 1,0-33-16,0 32 15,-33-65 1,33 66-16,0-1 16,0 1-16,0-1 15,-32-32 1,32 32 0,0 1-1,0-1 1,0 1-16,0-1 31,0 1 0,0-1-15,0 0 0,0 1-1,0-1-15,0 1 16,0-33-1,0 32 17,0-32-17,0 32 1,0 1 0,0-1-1,0 1 1,0-1-16,0 1 15,0-1-15,0 0 16,-33 1-16,33-1 16,0 1-16,0-1 15,0 1-15,0-1 16,0-32 0,0 32-1,0 1 1,0-1-16,0 1 15,0-1 1,0-32-16,0 32 16,0 1-16,0-1 15,0-32-15,0 33 16,0-1-16,0 0 16,0 1-16,0-33 15,0 32-15,0-32 16,0 33-16,0-1 15,0-32-15,0 0 16,0 0-16,0 32 16,0-32-16,0 0 15,0-33-15,0 66 16,0-66-16,0 65 16,0 1-16,0-33 15,0 32 1,0 0-16,0-32 15,0 33-15,-33-66 16,33 65-16,-32-32 16,32 33-16,0-66 15,0 66 1,0-1-16,0 0 16,0-32-16,-33 33 15,33-1-15,0-32 16,-32 32-16,32 1 15,-33-66-15,33 33 16,0 0 0,0 0-1,0 32 1,0-32 0,0 33-16,0-1 15,0 0-15,0 1 16,0-1-16,0 1 15,0-1-15,-32 1 16,32-1 0,0-32-1,0 32-15,0 1 16,0-1-16,0 1 16,0-1-1,0-32 1,0 32-1,0 1 1,0-1 15,0 1 1,0-1-17,0 1-15,0-1 16,0 0 15,0 1 0,0-1-15,0 1 62,0-1-62,0 1-16,32 32 250,1 0-235,-1 0-15,33 0 16,-32 0-16,0 0 16,32 0-16,-33 0 15,66 0-15,-33 0 16,0-33-16,-32 33 15,32 0-15,-32-32 16,32 32-16,-33 0 16,1 0-1,-1 0 1,1-33 0,-1 33-1</inkml:trace>
+    <inkml:trace contextRef="#ctx0" brushRef="#br0" timeOffset="4976.01">-131 261 0,'33'0'16,"-33"-33"0,33 33-1,32-33 1,32 1-16,-31 32 16,31 0-16,1-33 15,65 1-15,-66 32 16,99 0-16,-66 0 15,65 0-15,-32 0 16,33 0-16,-33 0 16,32-65-16,33 65 15,0 0-15,0 0 16,-33-66-16,66 66 16,-66 0-16,33 0 15,0 0-15,0 0 16,-33 0-16,33 0 15,-32-65-15,-1 65 16,-32 0-16,97-65 16,-129 65-16,-1 0 15,-32 0-15,-1 0 16,-64 0-16,32 0 16,-33 0-1,1 0 32,260 0 31,-228 0-78,-32 0 0,-1 0 16,1 0-1,-33 98 95,0 0-110,0-1 15,0 1-15,0-33 16,0 33-16,0-1 16,0 34-1,0 32-15,0-33 16,0-33-16,0 66 16,0-32-16,0-1 15,0 33-15,0-33 16,-33 33-16,33-66 15,0 1-15,0 0 16,0-66-16,0 33 16,0 1-16,0-1 15,0 0-15,0 0 16,0 33-16,0-1 16,0 1-16,0-33 15,0 33-15,-32-33 16,32 65-16,-33-97 15,33 32-15,0 0 16,0-32-16,0 32 16,0-33-16,0 66 15,0-33-15,0-32 16,0 32-16,0 33 16,0-33-16,0 0 15,0 65-15,0-65 16,0 0-1,0 0-15,0 33 16,0-65-16,0 64 16,0-64-16,0 32 15,0 0-15,0-32 16,0 64-16,0-31 16,33 31-16,-33-32 15,32-32-15,-32 65 16,33-66-16,-33 33 15,0-32 1,0 0-16,0-1 16,0 1-1,0-1 1,0 1-16,0-1 94,0 1-79,0-1 17,0 1 14,-33-33-14,1 0-17,-1 0-15,1 0 16,-1 0-16,-65-33 16,1 33-16,32 0 15,-98 0-15,-33-32 16,34 32-16,-66 0 15,0 0-15,-33 0 16,1 0-16,97 0 16,-65 0-16,0 0 15,65 0-15,0 0 16,0-33-16,66 33 16,-1 0-16,-32 0 15,65 0-15,0 0 16,-1 0-16,1 0 15,33 0-15,-66 0 16,65 0 0,1 0-16,-33 0 15,32 0 1,1 0-16,-33 0 16,32 0-16,-32 0 15,0 0-15,0 0 16,-1 0-1,34 0-15,-1 0 16,1 0-16,-33 0 16,32 0-16,1 0 15,-1 0-15,0 0 16,1 0-16,-1 0 16,1 0-1,-1 0-15,-32 0 16,0 0-1,0 0-15,32 0 16,1 0-16,-1 0 16,0 0-16,1 0 15,-1 0 1,1 0 0,-1 0 30,1 0-14,-1 0-32,1 0 15,-1 0-15,0 0 16,-32 0-16,33 0 16,-1 0-16,1 0 15,-1 0-15,0 0 31,1 0-31,-1 0 16,1 0 0,-33 0-16,0 0 15,32 0-15,-32 0 16,32 0-16,1 0 16,-1 0-1,1 0-15,-1 0 16,0 0-16,1 33 15,-1-33 1,1 0 172,32-33-173,0 1 1,0-33-16,0 32 15,-33-65 1,33 66-16,0-1 16,0 1-16,0-1 15,-32-32 1,32 32 0,0 1-1,0-1 1,0 1-16,0-1 31,0 1 0,0-1-15,0 0 0,0 1-1,0-1-15,0 1 16,0-33-1,0 32 17,0-32-17,0 32 1,0 1 0,0-1-1,0 1 1,0-1-16,0 1 15,0-1-15,0 0 16,-33 1-16,33-1 16,0 1-16,0-1 15,0 1-15,0-1 16,0-32 0,0 32-1,0 1 1,0-1-16,0 1 15,0-1 1,0-32-16,0 32 16,0 1-16,0-1 15,0-32-15,0 33 16,0-1-16,0 0 16,0 1-16,0-33 15,0 32-15,0-32 16,0 33-16,0-1 15,0-32-15,0 0 16,0 0-16,0 32 16,0-32-16,0 0 15,0-33-15,0 66 16,0-66-16,0 65 16,0 1-16,0-33 15,0 32 1,0 0-16,0-32 15,0 33-15,-33-66 16,33 65-16,-32-32 16,32 33-16,0-66 15,0 66 1,0-1-16,0 0 16,0-32-16,-33 33 15,33-1-15,0-32 16,-32 32-16,32 1 15,-33-66-15,33 33 16,0 0 0,0 0-1,0 32 1,0-32 0,0 33-16,0-1 15,0 0-15,0 1 16,0-1-16,0 1 15,0-1-15,-32 1 16,32-1 0,0-32-1,0 32-15,0 1 16,0-1-16,0 1 16,0-1-1,0-32 1,0 32-1,0 1 1,0-1 15,0 1 1,0-1-17,0 1-15,0-1 16,0 0 15,0 1 0,0-1-15,0 1 62,0-1-62,0 1-16,32 32 250,1 0-235,-1 0-15,33 0 16,-32 0-16,0 0 16,32 0-16,-33 0 15,66 0-15,-33 0 16,0-33-16,-32 33 15,32 0-15,-32-32 16,32 32-16,-33 0 16,1 0-1,-1 0 1,1-33 0,-1 33-1</inkml:trace>
   </inkml:traceGroup>
 </inkml:ink>
 </file>
 
-<file path=ppt/ink/ink71.xml><?xml version="1.0" encoding="utf-8"?>
+<file path=ppt/ink/ink74.xml><?xml version="1.0" encoding="utf-8"?>
 <inkml:ink xmlns:inkml="http://www.w3.org/2003/InkML">
   <inkml:definitions>
     <inkml:context xml:id="ctx0">
@@ -4152,13 +4262,13 @@
             </emma:emma>
           </inkml:annotationXML>
           <inkml:trace contextRef="#ctx0" brushRef="#br0">489-65 0,'0'33'16,"32"97"0,1 0-16,-33-32 15,32 0-15,-32-66 16,0 66-16,33-66 16,-33 1-16,0 0 15,0-1-15,0 1 16,0-1-1</inkml:trace>
-          <inkml:trace contextRef="#ctx0" brushRef="#br0" timeOffset="-311.6938">261 391 0,'65'0'15,"-33"0"1,1 0-16,-1 0 16,1 0-16,0 0 15,-33-32 32</inkml:trace>
-          <inkml:trace contextRef="#ctx0" brushRef="#br0" timeOffset="-871.535">195 0 0,'0'33'47,"0"97"-47,0-65 16,-65 66-16,33-66 16,-1 0-16,1 0 15,-1-33 1</inkml:trace>
-          <inkml:trace contextRef="#ctx0" brushRef="#br0" timeOffset="-607.7828">130 424 0,'65'65'15,"-65"-33"-15,33 1 16,0-1-16,-33 34 15</inkml:trace>
-          <inkml:trace contextRef="#ctx0" brushRef="#br0" timeOffset="744.0033">489 782 0,'-33'0'16,"0"0"0,1 0-1,-1 32 1,1-32 0,-1 0-1,33 33 16,0 32-15,0-32 0,0-1-16,0 1 15,0-1-15,0 1 16,33 0-16,-1-33 16,33 0-1,-32 0 1,0 0-1,-1 0 17,1 0-17,-1 0-15,1-33 16,-33 0-16,0 1 16,32-1-16,-32 1 15,-32-131 63,-1 163-62,1 0 15,-1 0-15</inkml:trace>
-          <inkml:trace contextRef="#ctx0" brushRef="#br0" timeOffset="2175.715">782 424 0,'32'0'15,"1"0"1,-1 0-16,33 0 16,-32 0-16,32 0 15,0 0-15,0 0 16,-32 0-16,0 0 16,64 0-16,-64 0 15,-1 0-15,33 0 16,-32 0-16,0 0 15,-1 0 17</inkml:trace>
-          <inkml:trace contextRef="#ctx0" brushRef="#br0" timeOffset="3383.9697">1172 619 0,'0'33'31,"-32"-33"-15,-1 32 0,33 66 77,0-66-77,33-32 0,-1 0-1,-32 33-15,33-33 16,0 0-16,-1 0 15,1 0 1,-1 33 0,1-33 15,-1 0 0,1 0 0,-1-33 1,-32 0-17,0 1-15,0-1 16,0 1 0,0-1-16,-32 33 15,32-32 1,-33 32-1,1 0-15,-1 0 16,1 0 15,-1 0 1,1 0-1,-1 0 0,0 0 94,1 0-62</inkml:trace>
-          <inkml:trace contextRef="#ctx0" brushRef="#br0" timeOffset="1544.4801">814-130 0,'0'65'31,"0"0"-31,0-32 16,0-1-16,0 34 16,0-34-16,0 1 15,0-1 1,0 1 46,33-33-62,32 0 32,-33 0-17,1 0 1,0 0-16,-1 0 15</inkml:trace>
+          <inkml:trace contextRef="#ctx0" brushRef="#br0" timeOffset="-311.7">261 391 0,'65'0'15,"-33"0"1,1 0-16,-1 0 16,1 0-16,0 0 15,-33-32 32</inkml:trace>
+          <inkml:trace contextRef="#ctx0" brushRef="#br0" timeOffset="-871.54">195 0 0,'0'33'47,"0"97"-47,0-65 16,-65 66-16,33-66 16,-1 0-16,1 0 15,-1-33 1</inkml:trace>
+          <inkml:trace contextRef="#ctx0" brushRef="#br0" timeOffset="-607.79">130 424 0,'65'65'15,"-65"-33"-15,33 1 16,0-1-16,-33 34 15</inkml:trace>
+          <inkml:trace contextRef="#ctx0" brushRef="#br0" timeOffset="744">489 782 0,'-33'0'16,"0"0"0,1 0-1,-1 32 1,1-32 0,-1 0-1,33 33 16,0 32-15,0-32 0,0-1-16,0 1 15,0-1-15,0 1 16,33 0-16,-1-33 16,33 0-1,-32 0 1,0 0-1,-1 0 17,1 0-17,-1 0-15,1-33 16,-33 0-16,0 1 16,32-1-16,-32 1 15,-32-131 63,-1 163-62,1 0 15,-1 0-15</inkml:trace>
+          <inkml:trace contextRef="#ctx0" brushRef="#br0" timeOffset="2175.71">782 424 0,'32'0'15,"1"0"1,-1 0-16,33 0 16,-32 0-16,32 0 15,0 0-15,0 0 16,-32 0-16,0 0 16,64 0-16,-64 0 15,-1 0-15,33 0 16,-32 0-16,0 0 15,-1 0 17</inkml:trace>
+          <inkml:trace contextRef="#ctx0" brushRef="#br0" timeOffset="3383.96">1172 619 0,'0'33'31,"-32"-33"-15,-1 32 0,33 66 77,0-66-77,33-32 0,-1 0-1,-32 33-15,33-33 16,0 0-16,-1 0 15,1 0 1,-1 33 0,1-33 15,-1 0 0,1 0 0,-1-33 1,-32 0-17,0 1-15,0-1 16,0 1 0,0-1-16,-32 33 15,32-32 1,-33 32-1,1 0-15,-1 0 16,1 0 15,-1 0 1,1 0-1,-1 0 0,0 0 94,1 0-62</inkml:trace>
+          <inkml:trace contextRef="#ctx0" brushRef="#br0" timeOffset="1544.48">814-130 0,'0'65'31,"0"0"-31,0-32 16,0-1-16,0 34 16,0-34-16,0 1 15,0-1 1,0 1 46,33-33-62,32 0 32,-33 0-17,1 0 1,0 0-16,-1 0 15</inkml:trace>
         </inkml:traceGroup>
       </inkml:traceGroup>
     </inkml:traceGroup>
@@ -4166,7 +4276,7 @@
 </inkml:ink>
 </file>
 
-<file path=ppt/ink/ink72.xml><?xml version="1.0" encoding="utf-8"?>
+<file path=ppt/ink/ink75.xml><?xml version="1.0" encoding="utf-8"?>
 <inkml:ink xmlns:inkml="http://www.w3.org/2003/InkML">
   <inkml:definitions>
     <inkml:context xml:id="ctx0">
@@ -4204,7 +4314,7 @@
 </inkml:ink>
 </file>
 
-<file path=ppt/ink/ink73.xml><?xml version="1.0" encoding="utf-8"?>
+<file path=ppt/ink/ink76.xml><?xml version="1.0" encoding="utf-8"?>
 <inkml:ink xmlns:inkml="http://www.w3.org/2003/InkML">
   <inkml:definitions>
     <inkml:context xml:id="ctx0">
@@ -4242,7 +4352,7 @@
 </inkml:ink>
 </file>
 
-<file path=ppt/ink/ink74.xml><?xml version="1.0" encoding="utf-8"?>
+<file path=ppt/ink/ink77.xml><?xml version="1.0" encoding="utf-8"?>
 <inkml:ink xmlns:inkml="http://www.w3.org/2003/InkML">
   <inkml:definitions>
     <inkml:context xml:id="ctx0">
@@ -4271,7 +4381,7 @@
 </inkml:ink>
 </file>
 
-<file path=ppt/ink/ink75.xml><?xml version="1.0" encoding="utf-8"?>
+<file path=ppt/ink/ink78.xml><?xml version="1.0" encoding="utf-8"?>
 <inkml:ink xmlns:inkml="http://www.w3.org/2003/InkML">
   <inkml:definitions>
     <inkml:context xml:id="ctx0">
@@ -4377,12 +4487,12 @@
               </emma:one-of>
             </emma:emma>
           </inkml:annotationXML>
-          <inkml:trace contextRef="#ctx0" brushRef="#br0" timeOffset="-145304.3655">-32 1107 0</inkml:trace>
-          <inkml:trace contextRef="#ctx0" brushRef="#br0" timeOffset="-144440.1994">359 1498 0</inkml:trace>
-          <inkml:trace contextRef="#ctx0" brushRef="#br0" timeOffset="-145672.4685">-65 1823 0,'0'33'16</inkml:trace>
-          <inkml:trace contextRef="#ctx0" brushRef="#br0" timeOffset="-160496.1841">-1888-1726 0,'-33'0'62,"1"32"-62,-34 33 16,1-32-1,33-33-15,-33 65 16,32-32 0,0-1-16,-32 1 15,65-1-15,-32 1 16,-1-33 0,33 33-16,-32-1 15,-1 1 16,0-1-31,1 1 16,32 32 0,-33-65-16,1 65 15,32-32-15,-65-1 16,65 33-16,0-32 16,-33-1-16,33 34 15,-32-34-15,32 1 16,0-1-16,0 1 15,0 32-15,0-32 16,0 64-16,0-32 16,0-32-16,0 32 15,0 0-15,0-32 16,0 32-16,0-33 16,0 1-16,0 0 15,0-1-15,0 33 16,0-32-1,0-1 1,0 34-16,0-34 16,0 33-16,0-32 15,0 32-15,0-33 16,0 1-16,32 0 16,-32-1-16,0 1 15,0-1 1,0 33-1,33 1-15,-33-1 16,0-33 0,32 33-1,1-32 1,-33-1 0,0 1-16,32 32 31,1 0-16,-33-32-15,0-1 16,32 34-16,-32-34 16,33 1-1,0-1 1,-33 1-16,0-1 16,32-32-1,-32 33 1,33 0-16,-33-1 15,0 1 1,32-1 0,1 1-16,-33-1 15,32-32 1,1 33-16,-33-1 16,33-32-1,-33 33 1,32 0-1,-32-1-15,33-32 16,-1 33-16,1-1 31,-1-32-31,1 33 16,-33-1 0,33-32 15,-33 33 0,32-33-15,1 33-16,-33-1 15,32-32 1</inkml:trace>
-          <inkml:trace contextRef="#ctx0" brushRef="#br0" timeOffset="-146616.0296">0 0 0</inkml:trace>
-          <inkml:trace contextRef="#ctx0" brushRef="#br0" timeOffset="-146232.0132">65-1140 0</inkml:trace>
+          <inkml:trace contextRef="#ctx0" brushRef="#br0" timeOffset="-145304.37">-32 1107 0</inkml:trace>
+          <inkml:trace contextRef="#ctx0" brushRef="#br0" timeOffset="-144440.2">359 1498 0</inkml:trace>
+          <inkml:trace contextRef="#ctx0" brushRef="#br0" timeOffset="-145672.47">-65 1823 0,'0'33'16</inkml:trace>
+          <inkml:trace contextRef="#ctx0" brushRef="#br0" timeOffset="-160496.19">-1888-1726 0,'-33'0'62,"1"32"-62,-34 33 16,1-32-1,33-33-15,-33 65 16,32-32 0,0-1-16,-32 1 15,65-1-15,-32 1 16,-1-33 0,33 33-16,-32-1 15,-1 1 16,0-1-31,1 1 16,32 32 0,-33-65-16,1 65 15,32-32-15,-65-1 16,65 33-16,0-32 16,-33-1-16,33 34 15,-32-34-15,32 1 16,0-1-16,0 1 15,0 32-15,0-32 16,0 64-16,0-32 16,0-32-16,0 32 15,0 0-15,0-32 16,0 32-16,0-33 16,0 1-16,0 0 15,0-1-15,0 33 16,0-32-1,0-1 1,0 34-16,0-34 16,0 33-16,0-32 15,0 32-15,0-33 16,0 1-16,32 0 16,-32-1-16,0 1 15,0-1 1,0 33-1,33 1-15,-33-1 16,0-33 0,32 33-1,1-32 1,-33-1 0,0 1-16,32 32 31,1 0-16,-33-32-15,0-1 16,32 34-16,-32-34 16,33 1-1,0-1 1,-33 1-16,0-1 16,32-32-1,-32 33 1,33 0-16,-33-1 15,0 1 1,32-1 0,1 1-16,-33-1 15,32-32 1,1 33-16,-33-1 16,33-32-1,-33 33 1,32 0-1,-32-1-15,33-32 16,-1 33-16,1-1 31,-1-32-31,1 33 16,-33-1 0,33-32 15,-33 33 0,32-33-15,1 33-16,-33-1 15,32-32 1</inkml:trace>
+          <inkml:trace contextRef="#ctx0" brushRef="#br0" timeOffset="-146616.03">0 0 0</inkml:trace>
+          <inkml:trace contextRef="#ctx0" brushRef="#br0" timeOffset="-146232.02">65-1140 0</inkml:trace>
         </inkml:traceGroup>
         <inkml:traceGroup>
           <inkml:annotationXML>
@@ -4397,8 +4507,8 @@
               </emma:one-of>
             </emma:emma>
           </inkml:annotationXML>
-          <inkml:trace contextRef="#ctx0" brushRef="#br0" timeOffset="2.39178E6">4331 3451 0</inkml:trace>
-          <inkml:trace contextRef="#ctx0" brushRef="#br0" timeOffset="-139351.5855">1824 3321 0,'33'0'63,"-1"0"-47,1 0-16,-1 0 15,33-32-15,33 32 16,-65 0-16,64 0 15,-64 0-15,32 0 16,-32 0-16,-1 0 16,1 0-16,-1 0 15,1 0 32,-1 0 0,1 0-16,-1 0-15,1 0-16,0 0 31,-1 0 16,1 0-31,-1 0 15,1 0 0,-1 0 0,1 0 32,0 0-16,-1 0-16,1 0 32,-1 0 30,1 0-30</inkml:trace>
+          <inkml:trace contextRef="#ctx0" brushRef="#br0" timeOffset="-185200.38">4331 3451 0</inkml:trace>
+          <inkml:trace contextRef="#ctx0" brushRef="#br0" timeOffset="-139351.59">1824 3321 0,'33'0'63,"-1"0"-47,1 0-16,-1 0 15,33-32-15,33 32 16,-65 0-16,64 0 15,-64 0-15,32 0 16,-32 0-16,-1 0 16,1 0-16,-1 0 15,1 0 32,-1 0 0,1 0-16,-1 0-15,1 0-16,0 0 31,-1 0 16,1 0-31,-1 0 15,1 0 0,-1 0 0,1 0 32,0 0-16,-1 0-16,1 0 32,-1 0 30,1 0-30</inkml:trace>
         </inkml:traceGroup>
         <inkml:traceGroup>
           <inkml:annotationXML>
@@ -4413,7 +4523,7 @@
               </emma:one-of>
             </emma:emma>
           </inkml:annotationXML>
-          <inkml:trace contextRef="#ctx0" brushRef="#br0" timeOffset="2.39264E6">5797 3549 0</inkml:trace>
+          <inkml:trace contextRef="#ctx0" brushRef="#br0" timeOffset="-184340.39">5797 3549 0</inkml:trace>
         </inkml:traceGroup>
         <inkml:traceGroup>
           <inkml:annotationXML>
@@ -4440,7 +4550,7 @@
               </emma:one-of>
             </emma:emma>
           </inkml:annotationXML>
-          <inkml:trace contextRef="#ctx0" brushRef="#br0" timeOffset="2.39433E6">7685 3549 0</inkml:trace>
+          <inkml:trace contextRef="#ctx0" brushRef="#br0" timeOffset="-182650.38">7685 3549 0</inkml:trace>
         </inkml:traceGroup>
         <inkml:traceGroup>
           <inkml:annotationXML>
@@ -4467,7 +4577,7 @@
               </emma:one-of>
             </emma:emma>
           </inkml:annotationXML>
-          <inkml:trace contextRef="#ctx0" brushRef="#br0" timeOffset="2.39512E6">9411 3614 0</inkml:trace>
+          <inkml:trace contextRef="#ctx0" brushRef="#br0" timeOffset="-181860.38">9411 3614 0</inkml:trace>
         </inkml:traceGroup>
       </inkml:traceGroup>
     </inkml:traceGroup>
@@ -4540,14 +4650,14 @@
             </emma:emma>
           </inkml:annotationXML>
           <inkml:trace contextRef="#ctx0" brushRef="#br0">196 0 0,'-33'65'46,"1"66"-46,-33-34 16,65-32-16,-33 0 16,0-32-1</inkml:trace>
-          <inkml:trace contextRef="#ctx0" brushRef="#br0" timeOffset="1080.417">196 65 0,'32'0'16,"-32"-32"30,33 32-14,-1-33-17,1 33 17,0 0-32,-1 0 31,1 0 0,-33 33-15,32-1-1,-32 1 1,0-1-16,0 1 16,0 0-1,0-1 16,0 1-31,0-1 32,-32-32-32,-1 33 47,1-33-16,32 32-16,-33 1 17,0-33-1,1 0-31,-1 0 31,1 32-31,-1-32 31,33 33 16,-32-33-15,-1 0 14,1 0-14</inkml:trace>
-          <inkml:trace contextRef="#ctx0" brushRef="#br0" timeOffset="5288.9168">-130-130 0,'-32'0'16,"32"65"31,0 0-32,0 0-15,0 0 16,0 1-16,0-34 15,0 66-15,0-66 16,0 33-16,-33 1 16,33-1-16,0-33 15,0 1 1,0-1-16,0 1 31</inkml:trace>
-          <inkml:trace contextRef="#ctx0" brushRef="#br0" timeOffset="6520.8857">-162-195 0,'32'0'31,"33"-65"-15,-32 65-16,32 0 15,65 0-15,0 0 16,33 0-16,-32 0 16,-1 0-16,0 0 15,0 0-15,-32 0 16,-33 0-16,0 0 15,0 0-15,-32 0 16,0 0-16,-1 0 16,1 0-16,-1 0 15,1 0-15,32 0 16,-33 0-16,1 0 16,0 0-16,-1 0 15,1 0-15,-1 0 16,1 0-16,32 0 15,-32 0 17,-33 32 140,0 1-157,0 32 1,0 0-16,0 0 0,0 0 15,32-32-15,-32 65 16,0-66-16,0 33 16,0 0-1,0-32 1,0-1 0,0 1-1,0 32 1,0-32-1,0-1 1,0 1 78</inkml:trace>
-          <inkml:trace contextRef="#ctx0" brushRef="#br0" timeOffset="7928.199">-97 814 0,'32'0'62,"1"0"-46,32 0-1,33 0-15,-1 0 16,34 0-16,31 0 16,-31 0-16,31 0 15,-64 0-15,32 0 16,-32 0-16,-65 0 16,32 0-16,-33 0 15,1 0 1,0 0-16,-1 0 15,33 0 1,0 0-16,-32 0 16,32 0-16,-32 0 15,32 0-15,-33 0 16,1 0-16,-1 0 16,1 0-16,0 0 15,-1 0 16,1-32 235,-33-1-203,0 1 140</inkml:trace>
-          <inkml:trace contextRef="#ctx0" brushRef="#br0" timeOffset="2192.8454">1010 65 0,'-33'-32'47,"1"32"-16,-1 0-15,1 0-16,-1 0 16,0 0-1,1 0 1,-1 0-1,1 0 1,32 32 62,-33-32-62,33 33-1,0-1 1,-32 1-16,32 0 16,0-1-1,0 1 17,0-1-17,0 1 1,0-1-1,0 33 1,0-32 15,32-33-31,1 0 16,-1 33 0,1-33-1,-1 0 1,1 0 15,0 0-15,-1 0-1,1 0 1,-1 0 0,1 0-16,-1 0 15,1-33-15,-33 0 47</inkml:trace>
-          <inkml:trace contextRef="#ctx0" brushRef="#br0" timeOffset="3416.3574">1238 33 0,'0'32'47,"0"33"-31,32 1-16,-32-1 15,0-33 1,0 1-16,0-1 15,0 1 32,33-33 0,-33 32 0,0 1 47,0 0-79,33-33 220,-1 0-235,33 0 15,-32 0 1,-1 0-16,1 0 16,-1-33-1,1 33-15,0 0 16,-1 0 0,1-33 46</inkml:trace>
-          <inkml:trace contextRef="#ctx0" brushRef="#br0" timeOffset="42656.4024">-781 228 0,'32'0'46,"1"0"-46,0 0 16,-1 0 0,1 0-16,-1 0 15,1 0 1,-1 0 46</inkml:trace>
-          <inkml:trace contextRef="#ctx0" brushRef="#br0" timeOffset="46536.7907">-846 391 0,'0'-33'47,"0"1"-16,0-1 0,0 1 47</inkml:trace>
+          <inkml:trace contextRef="#ctx0" brushRef="#br0" timeOffset="1080.41">196 65 0,'32'0'16,"-32"-32"30,33 32-14,-1-33-17,1 33 17,0 0-32,-1 0 31,1 0 0,-33 33-15,32-1-1,-32 1 1,0-1-16,0 1 16,0 0-1,0-1 16,0 1-31,0-1 32,-32-32-32,-1 33 47,1-33-16,32 32-16,-33 1 17,0-33-1,1 0-31,-1 0 31,1 32-31,-1-32 31,33 33 16,-32-33-15,-1 0 14,1 0-14</inkml:trace>
+          <inkml:trace contextRef="#ctx0" brushRef="#br0" timeOffset="5288.91">-130-130 0,'-32'0'16,"32"65"31,0 0-32,0 0-15,0 0 16,0 1-16,0-34 15,0 66-15,0-66 16,0 33-16,-33 1 16,33-1-16,0-33 15,0 1 1,0-1-16,0 1 31</inkml:trace>
+          <inkml:trace contextRef="#ctx0" brushRef="#br0" timeOffset="6520.88">-162-195 0,'32'0'31,"33"-65"-15,-32 65-16,32 0 15,65 0-15,0 0 16,33 0-16,-32 0 16,-1 0-16,0 0 15,0 0-15,-32 0 16,-33 0-16,0 0 15,0 0-15,-32 0 16,0 0-16,-1 0 16,1 0-16,-1 0 15,1 0-15,32 0 16,-33 0-16,1 0 16,0 0-16,-1 0 15,1 0-15,-1 0 16,1 0-16,32 0 15,-32 0 17,-33 32 140,0 1-157,0 32 1,0 0-16,0 0 0,0 0 15,32-32-15,-32 65 16,0-66-16,0 33 16,0 0-1,0-32 1,0-1 0,0 1-1,0 32 1,0-32-1,0-1 1,0 1 78</inkml:trace>
+          <inkml:trace contextRef="#ctx0" brushRef="#br0" timeOffset="7928.19">-97 814 0,'32'0'62,"1"0"-46,32 0-1,33 0-15,-1 0 16,34 0-16,31 0 16,-31 0-16,31 0 15,-64 0-15,32 0 16,-32 0-16,-65 0 16,32 0-16,-33 0 15,1 0 1,0 0-16,-1 0 15,33 0 1,0 0-16,-32 0 16,32 0-16,-32 0 15,32 0-15,-33 0 16,1 0-16,-1 0 16,1 0-16,0 0 15,-1 0 16,1-32 235,-33-1-203,0 1 140</inkml:trace>
+          <inkml:trace contextRef="#ctx0" brushRef="#br0" timeOffset="2192.84">1010 65 0,'-33'-32'47,"1"32"-16,-1 0-15,1 0-16,-1 0 16,0 0-1,1 0 1,-1 0-1,1 0 1,32 32 62,-33-32-62,33 33-1,0-1 1,-32 1-16,32 0 16,0-1-1,0 1 17,0-1-17,0 1 1,0-1-1,0 33 1,0-32 15,32-33-31,1 0 16,-1 33 0,1-33-1,-1 0 1,1 0 15,0 0-15,-1 0-1,1 0 1,-1 0 0,1 0-16,-1 0 15,1-33-15,-33 0 47</inkml:trace>
+          <inkml:trace contextRef="#ctx0" brushRef="#br0" timeOffset="3416.35">1238 33 0,'0'32'47,"0"33"-31,32 1-16,-32-1 15,0-33 1,0 1-16,0-1 15,0 1 32,33-33 0,-33 32 0,0 1 47,0 0-79,33-33 220,-1 0-235,33 0 15,-32 0 1,-1 0-16,1 0 16,-1-33-1,1 33-15,0 0 16,-1 0 0,1-33 46</inkml:trace>
+          <inkml:trace contextRef="#ctx0" brushRef="#br0" timeOffset="42656.4">-781 228 0,'32'0'46,"1"0"-46,0 0 16,-1 0 0,1 0-16,-1 0 15,1 0 1,-1 0 46</inkml:trace>
+          <inkml:trace contextRef="#ctx0" brushRef="#br0" timeOffset="46536.79">-846 391 0,'0'-33'47,"0"1"-16,0-1 0,0 1 47</inkml:trace>
         </inkml:traceGroup>
       </inkml:traceGroup>
     </inkml:traceGroup>
@@ -6544,7 +6654,7 @@
           </a:lstStyle>
           <a:p>
             <a:r>
-              <a:rPr lang="ko-KR" altLang="en-US" smtClean="0"/>
+              <a:rPr lang="ko-KR" altLang="en-US"/>
               <a:t>마스터 제목 스타일 편집</a:t>
             </a:r>
             <a:endParaRPr lang="en-US"/>
@@ -6677,7 +6787,7 @@
           </a:lstStyle>
           <a:p>
             <a:r>
-              <a:rPr lang="ko-KR" altLang="en-US" smtClean="0"/>
+              <a:rPr lang="ko-KR" altLang="en-US"/>
               <a:t>마스터 부제목 스타일 편집</a:t>
             </a:r>
             <a:endParaRPr lang="en-US"/>
@@ -6702,7 +6812,7 @@
             <a:fld id="{11B2AAEE-0ECC-4F9E-94C1-A5210D63F3AE}" type="datetimeFigureOut">
               <a:rPr lang="en-US" smtClean="0"/>
               <a:pPr/>
-              <a:t>4/9/2021</a:t>
+              <a:t>4/12/2021</a:t>
             </a:fld>
             <a:endParaRPr lang="en-US"/>
           </a:p>
@@ -8303,7 +8413,7 @@
           </a:lstStyle>
           <a:p>
             <a:r>
-              <a:rPr lang="ko-KR" altLang="en-US" smtClean="0"/>
+              <a:rPr lang="ko-KR" altLang="en-US"/>
               <a:t>마스터 제목 스타일 편집</a:t>
             </a:r>
             <a:endParaRPr lang="en-US"/>
@@ -8335,35 +8445,35 @@
           <a:p>
             <a:pPr lvl="0"/>
             <a:r>
-              <a:rPr lang="ko-KR" altLang="en-US" smtClean="0"/>
+              <a:rPr lang="ko-KR" altLang="en-US"/>
               <a:t>마스터 텍스트 스타일을 편집합니다</a:t>
             </a:r>
           </a:p>
           <a:p>
             <a:pPr lvl="1"/>
             <a:r>
-              <a:rPr lang="ko-KR" altLang="en-US" smtClean="0"/>
+              <a:rPr lang="ko-KR" altLang="en-US"/>
               <a:t>둘째 수준</a:t>
             </a:r>
           </a:p>
           <a:p>
             <a:pPr lvl="2"/>
             <a:r>
-              <a:rPr lang="ko-KR" altLang="en-US" smtClean="0"/>
+              <a:rPr lang="ko-KR" altLang="en-US"/>
               <a:t>셋째 수준</a:t>
             </a:r>
           </a:p>
           <a:p>
             <a:pPr lvl="3"/>
             <a:r>
-              <a:rPr lang="ko-KR" altLang="en-US" smtClean="0"/>
+              <a:rPr lang="ko-KR" altLang="en-US"/>
               <a:t>넷째 수준</a:t>
             </a:r>
           </a:p>
           <a:p>
             <a:pPr lvl="4"/>
             <a:r>
-              <a:rPr lang="ko-KR" altLang="en-US" smtClean="0"/>
+              <a:rPr lang="ko-KR" altLang="en-US"/>
               <a:t>다섯째 수준</a:t>
             </a:r>
             <a:endParaRPr lang="en-US"/>
@@ -8388,7 +8498,7 @@
             <a:fld id="{11B2AAEE-0ECC-4F9E-94C1-A5210D63F3AE}" type="datetimeFigureOut">
               <a:rPr lang="en-US" smtClean="0"/>
               <a:pPr/>
-              <a:t>4/9/2021</a:t>
+              <a:t>4/12/2021</a:t>
             </a:fld>
             <a:endParaRPr lang="en-US"/>
           </a:p>
@@ -9989,7 +10099,7 @@
           </a:lstStyle>
           <a:p>
             <a:r>
-              <a:rPr lang="ko-KR" altLang="en-US" smtClean="0"/>
+              <a:rPr lang="ko-KR" altLang="en-US"/>
               <a:t>마스터 제목 스타일 편집</a:t>
             </a:r>
             <a:endParaRPr lang="en-US"/>
@@ -10021,35 +10131,35 @@
           <a:p>
             <a:pPr lvl="0"/>
             <a:r>
-              <a:rPr lang="ko-KR" altLang="en-US" smtClean="0"/>
+              <a:rPr lang="ko-KR" altLang="en-US"/>
               <a:t>마스터 텍스트 스타일을 편집합니다</a:t>
             </a:r>
           </a:p>
           <a:p>
             <a:pPr lvl="1"/>
             <a:r>
-              <a:rPr lang="ko-KR" altLang="en-US" smtClean="0"/>
+              <a:rPr lang="ko-KR" altLang="en-US"/>
               <a:t>둘째 수준</a:t>
             </a:r>
           </a:p>
           <a:p>
             <a:pPr lvl="2"/>
             <a:r>
-              <a:rPr lang="ko-KR" altLang="en-US" smtClean="0"/>
+              <a:rPr lang="ko-KR" altLang="en-US"/>
               <a:t>셋째 수준</a:t>
             </a:r>
           </a:p>
           <a:p>
             <a:pPr lvl="3"/>
             <a:r>
-              <a:rPr lang="ko-KR" altLang="en-US" smtClean="0"/>
+              <a:rPr lang="ko-KR" altLang="en-US"/>
               <a:t>넷째 수준</a:t>
             </a:r>
           </a:p>
           <a:p>
             <a:pPr lvl="4"/>
             <a:r>
-              <a:rPr lang="ko-KR" altLang="en-US" smtClean="0"/>
+              <a:rPr lang="ko-KR" altLang="en-US"/>
               <a:t>다섯째 수준</a:t>
             </a:r>
             <a:endParaRPr lang="en-US"/>
@@ -10082,7 +10192,7 @@
             <a:fld id="{11B2AAEE-0ECC-4F9E-94C1-A5210D63F3AE}" type="datetimeFigureOut">
               <a:rPr lang="en-US" smtClean="0"/>
               <a:pPr/>
-              <a:t>4/9/2021</a:t>
+              <a:t>4/12/2021</a:t>
             </a:fld>
             <a:endParaRPr lang="en-US"/>
           </a:p>
@@ -10363,35 +10473,35 @@
           <a:p>
             <a:pPr lvl="0"/>
             <a:r>
-              <a:rPr lang="ko-KR" altLang="en-US" dirty="0" smtClean="0"/>
+              <a:rPr lang="ko-KR" altLang="en-US" dirty="0"/>
               <a:t>마스터 텍스트 스타일을 편집합니다</a:t>
             </a:r>
           </a:p>
           <a:p>
             <a:pPr lvl="1"/>
             <a:r>
-              <a:rPr lang="ko-KR" altLang="en-US" dirty="0" smtClean="0"/>
+              <a:rPr lang="ko-KR" altLang="en-US" dirty="0"/>
               <a:t>둘째 수준</a:t>
             </a:r>
           </a:p>
           <a:p>
             <a:pPr lvl="2"/>
             <a:r>
-              <a:rPr lang="ko-KR" altLang="en-US" dirty="0" smtClean="0"/>
+              <a:rPr lang="ko-KR" altLang="en-US" dirty="0"/>
               <a:t>셋째 수준</a:t>
             </a:r>
           </a:p>
           <a:p>
             <a:pPr lvl="3"/>
             <a:r>
-              <a:rPr lang="ko-KR" altLang="en-US" dirty="0" smtClean="0"/>
+              <a:rPr lang="ko-KR" altLang="en-US" dirty="0"/>
               <a:t>넷째 수준</a:t>
             </a:r>
           </a:p>
           <a:p>
             <a:pPr lvl="4"/>
             <a:r>
-              <a:rPr lang="ko-KR" altLang="en-US" dirty="0" smtClean="0"/>
+              <a:rPr lang="ko-KR" altLang="en-US" dirty="0"/>
               <a:t>다섯째 수준</a:t>
             </a:r>
             <a:endParaRPr lang="en-US" dirty="0"/>
@@ -10416,7 +10526,7 @@
             <a:fld id="{11B2AAEE-0ECC-4F9E-94C1-A5210D63F3AE}" type="datetimeFigureOut">
               <a:rPr lang="en-US" smtClean="0"/>
               <a:pPr/>
-              <a:t>4/9/2021</a:t>
+              <a:t>4/12/2021</a:t>
             </a:fld>
             <a:endParaRPr lang="en-US"/>
           </a:p>
@@ -10748,7 +10858,7 @@
           </a:lstStyle>
           <a:p>
             <a:r>
-              <a:rPr lang="ko-KR" altLang="en-US" dirty="0" smtClean="0"/>
+              <a:rPr lang="ko-KR" altLang="en-US" dirty="0"/>
               <a:t>마스터 제목 스타일 편집</a:t>
             </a:r>
             <a:endParaRPr lang="en-US" dirty="0"/>
@@ -12030,7 +12140,7 @@
           </a:lstStyle>
           <a:p>
             <a:r>
-              <a:rPr lang="ko-KR" altLang="en-US" smtClean="0"/>
+              <a:rPr lang="ko-KR" altLang="en-US"/>
               <a:t>마스터 제목 스타일 편집</a:t>
             </a:r>
             <a:endParaRPr lang="en-US"/>
@@ -12153,7 +12263,7 @@
           <a:p>
             <a:pPr lvl="0"/>
             <a:r>
-              <a:rPr lang="ko-KR" altLang="en-US" smtClean="0"/>
+              <a:rPr lang="ko-KR" altLang="en-US"/>
               <a:t>마스터 텍스트 스타일을 편집합니다</a:t>
             </a:r>
           </a:p>
@@ -12177,7 +12287,7 @@
             <a:fld id="{11B2AAEE-0ECC-4F9E-94C1-A5210D63F3AE}" type="datetimeFigureOut">
               <a:rPr lang="en-US" smtClean="0"/>
               <a:pPr/>
-              <a:t>4/9/2021</a:t>
+              <a:t>4/12/2021</a:t>
             </a:fld>
             <a:endParaRPr lang="en-US"/>
           </a:p>
@@ -12976,7 +13086,7 @@
           <a:lstStyle/>
           <a:p>
             <a:r>
-              <a:rPr lang="ko-KR" altLang="en-US" smtClean="0"/>
+              <a:rPr lang="ko-KR" altLang="en-US"/>
               <a:t>마스터 제목 스타일 편집</a:t>
             </a:r>
             <a:endParaRPr lang="en-US"/>
@@ -13036,35 +13146,35 @@
           <a:p>
             <a:pPr lvl="0"/>
             <a:r>
-              <a:rPr lang="ko-KR" altLang="en-US" smtClean="0"/>
+              <a:rPr lang="ko-KR" altLang="en-US"/>
               <a:t>마스터 텍스트 스타일을 편집합니다</a:t>
             </a:r>
           </a:p>
           <a:p>
             <a:pPr lvl="1"/>
             <a:r>
-              <a:rPr lang="ko-KR" altLang="en-US" smtClean="0"/>
+              <a:rPr lang="ko-KR" altLang="en-US"/>
               <a:t>둘째 수준</a:t>
             </a:r>
           </a:p>
           <a:p>
             <a:pPr lvl="2"/>
             <a:r>
-              <a:rPr lang="ko-KR" altLang="en-US" smtClean="0"/>
+              <a:rPr lang="ko-KR" altLang="en-US"/>
               <a:t>셋째 수준</a:t>
             </a:r>
           </a:p>
           <a:p>
             <a:pPr lvl="3"/>
             <a:r>
-              <a:rPr lang="ko-KR" altLang="en-US" smtClean="0"/>
+              <a:rPr lang="ko-KR" altLang="en-US"/>
               <a:t>넷째 수준</a:t>
             </a:r>
           </a:p>
           <a:p>
             <a:pPr lvl="4"/>
             <a:r>
-              <a:rPr lang="ko-KR" altLang="en-US" smtClean="0"/>
+              <a:rPr lang="ko-KR" altLang="en-US"/>
               <a:t>다섯째 수준</a:t>
             </a:r>
             <a:endParaRPr lang="en-US"/>
@@ -13124,35 +13234,35 @@
           <a:p>
             <a:pPr lvl="0"/>
             <a:r>
-              <a:rPr lang="ko-KR" altLang="en-US" smtClean="0"/>
+              <a:rPr lang="ko-KR" altLang="en-US"/>
               <a:t>마스터 텍스트 스타일을 편집합니다</a:t>
             </a:r>
           </a:p>
           <a:p>
             <a:pPr lvl="1"/>
             <a:r>
-              <a:rPr lang="ko-KR" altLang="en-US" smtClean="0"/>
+              <a:rPr lang="ko-KR" altLang="en-US"/>
               <a:t>둘째 수준</a:t>
             </a:r>
           </a:p>
           <a:p>
             <a:pPr lvl="2"/>
             <a:r>
-              <a:rPr lang="ko-KR" altLang="en-US" smtClean="0"/>
+              <a:rPr lang="ko-KR" altLang="en-US"/>
               <a:t>셋째 수준</a:t>
             </a:r>
           </a:p>
           <a:p>
             <a:pPr lvl="3"/>
             <a:r>
-              <a:rPr lang="ko-KR" altLang="en-US" smtClean="0"/>
+              <a:rPr lang="ko-KR" altLang="en-US"/>
               <a:t>넷째 수준</a:t>
             </a:r>
           </a:p>
           <a:p>
             <a:pPr lvl="4"/>
             <a:r>
-              <a:rPr lang="ko-KR" altLang="en-US" smtClean="0"/>
+              <a:rPr lang="ko-KR" altLang="en-US"/>
               <a:t>다섯째 수준</a:t>
             </a:r>
             <a:endParaRPr lang="en-US"/>
@@ -13177,7 +13287,7 @@
             <a:fld id="{11B2AAEE-0ECC-4F9E-94C1-A5210D63F3AE}" type="datetimeFigureOut">
               <a:rPr lang="en-US" smtClean="0"/>
               <a:pPr/>
-              <a:t>4/9/2021</a:t>
+              <a:t>4/12/2021</a:t>
             </a:fld>
             <a:endParaRPr lang="en-US"/>
           </a:p>
@@ -13314,35 +13424,35 @@
           <a:p>
             <a:pPr lvl="0"/>
             <a:r>
-              <a:rPr lang="ko-KR" altLang="en-US" smtClean="0"/>
+              <a:rPr lang="ko-KR" altLang="en-US"/>
               <a:t>마스터 텍스트 스타일을 편집합니다</a:t>
             </a:r>
           </a:p>
           <a:p>
             <a:pPr lvl="1"/>
             <a:r>
-              <a:rPr lang="ko-KR" altLang="en-US" smtClean="0"/>
+              <a:rPr lang="ko-KR" altLang="en-US"/>
               <a:t>둘째 수준</a:t>
             </a:r>
           </a:p>
           <a:p>
             <a:pPr lvl="2"/>
             <a:r>
-              <a:rPr lang="ko-KR" altLang="en-US" smtClean="0"/>
+              <a:rPr lang="ko-KR" altLang="en-US"/>
               <a:t>셋째 수준</a:t>
             </a:r>
           </a:p>
           <a:p>
             <a:pPr lvl="3"/>
             <a:r>
-              <a:rPr lang="ko-KR" altLang="en-US" smtClean="0"/>
+              <a:rPr lang="ko-KR" altLang="en-US"/>
               <a:t>넷째 수준</a:t>
             </a:r>
           </a:p>
           <a:p>
             <a:pPr lvl="4"/>
             <a:r>
-              <a:rPr lang="ko-KR" altLang="en-US" smtClean="0"/>
+              <a:rPr lang="ko-KR" altLang="en-US"/>
               <a:t>다섯째 수준</a:t>
             </a:r>
             <a:endParaRPr lang="en-US"/>
@@ -13402,35 +13512,35 @@
           <a:p>
             <a:pPr lvl="0"/>
             <a:r>
-              <a:rPr lang="ko-KR" altLang="en-US" smtClean="0"/>
+              <a:rPr lang="ko-KR" altLang="en-US"/>
               <a:t>마스터 텍스트 스타일을 편집합니다</a:t>
             </a:r>
           </a:p>
           <a:p>
             <a:pPr lvl="1"/>
             <a:r>
-              <a:rPr lang="ko-KR" altLang="en-US" smtClean="0"/>
+              <a:rPr lang="ko-KR" altLang="en-US"/>
               <a:t>둘째 수준</a:t>
             </a:r>
           </a:p>
           <a:p>
             <a:pPr lvl="2"/>
             <a:r>
-              <a:rPr lang="ko-KR" altLang="en-US" smtClean="0"/>
+              <a:rPr lang="ko-KR" altLang="en-US"/>
               <a:t>셋째 수준</a:t>
             </a:r>
           </a:p>
           <a:p>
             <a:pPr lvl="3"/>
             <a:r>
-              <a:rPr lang="ko-KR" altLang="en-US" smtClean="0"/>
+              <a:rPr lang="ko-KR" altLang="en-US"/>
               <a:t>넷째 수준</a:t>
             </a:r>
           </a:p>
           <a:p>
             <a:pPr lvl="4"/>
             <a:r>
-              <a:rPr lang="ko-KR" altLang="en-US" smtClean="0"/>
+              <a:rPr lang="ko-KR" altLang="en-US"/>
               <a:t>다섯째 수준</a:t>
             </a:r>
             <a:endParaRPr lang="en-US"/>
@@ -13455,7 +13565,7 @@
             <a:fld id="{11B2AAEE-0ECC-4F9E-94C1-A5210D63F3AE}" type="datetimeFigureOut">
               <a:rPr lang="en-US" smtClean="0"/>
               <a:pPr/>
-              <a:t>4/9/2021</a:t>
+              <a:t>4/12/2021</a:t>
             </a:fld>
             <a:endParaRPr lang="en-US"/>
           </a:p>
@@ -13717,7 +13827,7 @@
           </a:lstStyle>
           <a:p>
             <a:r>
-              <a:rPr lang="ko-KR" altLang="en-US" smtClean="0"/>
+              <a:rPr lang="ko-KR" altLang="en-US"/>
               <a:t>마스터 제목 스타일 편집</a:t>
             </a:r>
             <a:endParaRPr lang="en-US"/>
@@ -13790,7 +13900,7 @@
           <a:p>
             <a:pPr lvl="0"/>
             <a:r>
-              <a:rPr lang="ko-KR" altLang="en-US" smtClean="0"/>
+              <a:rPr lang="ko-KR" altLang="en-US"/>
               <a:t>마스터 텍스트 스타일을 편집합니다</a:t>
             </a:r>
           </a:p>
@@ -13862,7 +13972,7 @@
           <a:p>
             <a:pPr lvl="0"/>
             <a:r>
-              <a:rPr lang="ko-KR" altLang="en-US" smtClean="0"/>
+              <a:rPr lang="ko-KR" altLang="en-US"/>
               <a:t>마스터 텍스트 스타일을 편집합니다</a:t>
             </a:r>
           </a:p>
@@ -14565,7 +14675,7 @@
             <a:fld id="{11B2AAEE-0ECC-4F9E-94C1-A5210D63F3AE}" type="datetimeFigureOut">
               <a:rPr lang="en-US" smtClean="0"/>
               <a:pPr/>
-              <a:t>4/9/2021</a:t>
+              <a:t>4/12/2021</a:t>
             </a:fld>
             <a:endParaRPr lang="en-US"/>
           </a:p>
@@ -15496,7 +15606,7 @@
           </a:lstStyle>
           <a:p>
             <a:r>
-              <a:rPr lang="ko-KR" altLang="en-US" smtClean="0"/>
+              <a:rPr lang="ko-KR" altLang="en-US"/>
               <a:t>마스터 제목 스타일 편집</a:t>
             </a:r>
             <a:endParaRPr lang="en-US"/>
@@ -15551,7 +15661,7 @@
             <a:fld id="{11B2AAEE-0ECC-4F9E-94C1-A5210D63F3AE}" type="datetimeFigureOut">
               <a:rPr lang="en-US" smtClean="0"/>
               <a:pPr/>
-              <a:t>4/9/2021</a:t>
+              <a:t>4/12/2021</a:t>
             </a:fld>
             <a:endParaRPr lang="en-US"/>
           </a:p>
@@ -18885,7 +18995,7 @@
           </a:lstStyle>
           <a:p>
             <a:r>
-              <a:rPr lang="ko-KR" altLang="en-US" smtClean="0"/>
+              <a:rPr lang="ko-KR" altLang="en-US"/>
               <a:t>마스터 제목 스타일 편집</a:t>
             </a:r>
             <a:endParaRPr lang="en-US"/>
@@ -18945,35 +19055,35 @@
           <a:p>
             <a:pPr lvl="0"/>
             <a:r>
-              <a:rPr lang="ko-KR" altLang="en-US" smtClean="0"/>
+              <a:rPr lang="ko-KR" altLang="en-US"/>
               <a:t>마스터 텍스트 스타일을 편집합니다</a:t>
             </a:r>
           </a:p>
           <a:p>
             <a:pPr lvl="1"/>
             <a:r>
-              <a:rPr lang="ko-KR" altLang="en-US" smtClean="0"/>
+              <a:rPr lang="ko-KR" altLang="en-US"/>
               <a:t>둘째 수준</a:t>
             </a:r>
           </a:p>
           <a:p>
             <a:pPr lvl="2"/>
             <a:r>
-              <a:rPr lang="ko-KR" altLang="en-US" smtClean="0"/>
+              <a:rPr lang="ko-KR" altLang="en-US"/>
               <a:t>셋째 수준</a:t>
             </a:r>
           </a:p>
           <a:p>
             <a:pPr lvl="3"/>
             <a:r>
-              <a:rPr lang="ko-KR" altLang="en-US" smtClean="0"/>
+              <a:rPr lang="ko-KR" altLang="en-US"/>
               <a:t>넷째 수준</a:t>
             </a:r>
           </a:p>
           <a:p>
             <a:pPr lvl="4"/>
             <a:r>
-              <a:rPr lang="ko-KR" altLang="en-US" smtClean="0"/>
+              <a:rPr lang="ko-KR" altLang="en-US"/>
               <a:t>다섯째 수준</a:t>
             </a:r>
             <a:endParaRPr lang="en-US"/>
@@ -19042,7 +19152,7 @@
           <a:p>
             <a:pPr lvl="0"/>
             <a:r>
-              <a:rPr lang="ko-KR" altLang="en-US" smtClean="0"/>
+              <a:rPr lang="ko-KR" altLang="en-US"/>
               <a:t>마스터 텍스트 스타일을 편집합니다</a:t>
             </a:r>
           </a:p>
@@ -19071,7 +19181,7 @@
             <a:fld id="{11B2AAEE-0ECC-4F9E-94C1-A5210D63F3AE}" type="datetimeFigureOut">
               <a:rPr lang="en-US" smtClean="0"/>
               <a:pPr/>
-              <a:t>4/9/2021</a:t>
+              <a:t>4/12/2021</a:t>
             </a:fld>
             <a:endParaRPr lang="en-US"/>
           </a:p>
@@ -19184,7 +19294,7 @@
           </a:lstStyle>
           <a:p>
             <a:r>
-              <a:rPr lang="ko-KR" altLang="en-US" smtClean="0"/>
+              <a:rPr lang="ko-KR" altLang="en-US"/>
               <a:t>마스터 제목 스타일 편집</a:t>
             </a:r>
             <a:endParaRPr lang="en-US"/>
@@ -19252,7 +19362,7 @@
           </a:lstStyle>
           <a:p>
             <a:r>
-              <a:rPr lang="ko-KR" altLang="en-US" smtClean="0"/>
+              <a:rPr lang="ko-KR" altLang="en-US"/>
               <a:t>그림을 추가하려면 아이콘을 클릭하십시오</a:t>
             </a:r>
             <a:endParaRPr lang="en-US"/>
@@ -19321,7 +19431,7 @@
           <a:p>
             <a:pPr lvl="0"/>
             <a:r>
-              <a:rPr lang="ko-KR" altLang="en-US" smtClean="0"/>
+              <a:rPr lang="ko-KR" altLang="en-US"/>
               <a:t>마스터 텍스트 스타일을 편집합니다</a:t>
             </a:r>
           </a:p>
@@ -19350,7 +19460,7 @@
             <a:fld id="{11B2AAEE-0ECC-4F9E-94C1-A5210D63F3AE}" type="datetimeFigureOut">
               <a:rPr lang="en-US" smtClean="0"/>
               <a:pPr/>
-              <a:t>4/9/2021</a:t>
+              <a:t>4/12/2021</a:t>
             </a:fld>
             <a:endParaRPr lang="en-US"/>
           </a:p>
@@ -22120,7 +22230,7 @@
               <a:pPr lvl="0">
                 <a:defRPr lang="ko-KR" altLang="en-US"/>
               </a:pPr>
-              <a:t>4/9/2021</a:t>
+              <a:t>4/12/2021</a:t>
             </a:fld>
             <a:endParaRPr lang="en-US"/>
           </a:p>
@@ -22897,23 +23007,19 @@
               <a:t>제</a:t>
             </a:r>
             <a:r>
-              <a:rPr lang="en-US" altLang="ko-KR" sz="3600" i="1" dirty="0" smtClean="0">
+              <a:rPr lang="en-US" altLang="ko-KR" sz="3600" i="1" dirty="0">
                 <a:latin typeface="Comic Sans MS"/>
                 <a:ea typeface="HY엽서L"/>
               </a:rPr>
               <a:t>19</a:t>
             </a:r>
             <a:r>
-              <a:rPr lang="ko-KR" altLang="en-US" sz="3600" i="1" dirty="0" smtClean="0">
+              <a:rPr lang="ko-KR" altLang="en-US" sz="3600" i="1" dirty="0">
                 <a:latin typeface="Comic Sans MS"/>
                 <a:ea typeface="HY엽서L"/>
               </a:rPr>
               <a:t>장 데이터베이스 프로그래밍</a:t>
             </a:r>
-            <a:endParaRPr lang="ko-KR" altLang="en-US" sz="3600" i="1" dirty="0">
-              <a:latin typeface="Comic Sans MS"/>
-              <a:ea typeface="HY엽서L"/>
-            </a:endParaRPr>
           </a:p>
         </p:txBody>
       </p:sp>
@@ -23318,6 +23424,57 @@
           </a:extLst>
         </p:spPr>
       </p:pic>
+      <mc:AlternateContent xmlns:mc="http://schemas.openxmlformats.org/markup-compatibility/2006">
+        <mc:Choice xmlns:p14="http://schemas.microsoft.com/office/powerpoint/2010/main" Requires="p14">
+          <p:contentPart p14:bwMode="auto" r:id="rId3">
+            <p14:nvContentPartPr>
+              <p14:cNvPr id="2" name="잉크 1">
+                <a:extLst>
+                  <a:ext uri="{FF2B5EF4-FFF2-40B4-BE49-F238E27FC236}">
+                    <a16:creationId xmlns:a16="http://schemas.microsoft.com/office/drawing/2014/main" id="{4BD40ADB-9EE9-4254-8A5A-C2C31DD27BF6}"/>
+                  </a:ext>
+                </a:extLst>
+              </p14:cNvPr>
+              <p14:cNvContentPartPr/>
+              <p14:nvPr/>
+            </p14:nvContentPartPr>
+            <p14:xfrm>
+              <a:off x="1720800" y="4425840"/>
+              <a:ext cx="597240" cy="19440"/>
+            </p14:xfrm>
+          </p:contentPart>
+        </mc:Choice>
+        <mc:Fallback>
+          <p:pic>
+            <p:nvPicPr>
+              <p:cNvPr id="2" name="잉크 1">
+                <a:extLst>
+                  <a:ext uri="{FF2B5EF4-FFF2-40B4-BE49-F238E27FC236}">
+                    <a16:creationId xmlns:a16="http://schemas.microsoft.com/office/drawing/2014/main" id="{4BD40ADB-9EE9-4254-8A5A-C2C31DD27BF6}"/>
+                  </a:ext>
+                </a:extLst>
+              </p:cNvPr>
+              <p:cNvPicPr/>
+              <p:nvPr/>
+            </p:nvPicPr>
+            <p:blipFill>
+              <a:blip r:embed="rId4"/>
+              <a:stretch>
+                <a:fillRect/>
+              </a:stretch>
+            </p:blipFill>
+            <p:spPr>
+              <a:xfrm>
+                <a:off x="1711440" y="4416480"/>
+                <a:ext cx="615960" cy="38160"/>
+              </a:xfrm>
+              <a:prstGeom prst="rect">
+                <a:avLst/>
+              </a:prstGeom>
+            </p:spPr>
+          </p:pic>
+        </mc:Fallback>
+      </mc:AlternateContent>
     </p:spTree>
     <p:extLst>
       <p:ext uri="{BB962C8B-B14F-4D97-AF65-F5344CB8AC3E}">
@@ -23328,14 +23485,6 @@
   <p:clrMapOvr>
     <a:masterClrMapping/>
   </p:clrMapOvr>
-  <mc:AlternateContent xmlns:mc="http://schemas.openxmlformats.org/markup-compatibility/2006" xmlns:p14="http://schemas.microsoft.com/office/powerpoint/2010/main">
-    <mc:Choice Requires="p14">
-      <p:transition spd="slow" p14:dur="2000"/>
-    </mc:Choice>
-    <mc:Fallback xmlns="">
-      <p:transition spd="slow"/>
-    </mc:Fallback>
-  </mc:AlternateContent>
 </p:sld>
 </file>
 
@@ -23455,28 +23604,24 @@
           <a:lstStyle/>
           <a:p>
             <a:r>
-              <a:rPr lang="en-US" altLang="ko-KR" sz="1600" dirty="0" smtClean="0">
+              <a:rPr lang="en-US" altLang="ko-KR" sz="1600" dirty="0">
                 <a:latin typeface="HY바다L" pitchFamily="18" charset="-127"/>
                 <a:ea typeface="HY바다L" pitchFamily="18" charset="-127"/>
               </a:rPr>
               <a:t>New Book( ) </a:t>
             </a:r>
             <a:r>
-              <a:rPr lang="ko-KR" altLang="en-US" sz="1600" dirty="0" smtClean="0">
+              <a:rPr lang="ko-KR" altLang="en-US" sz="1600" dirty="0">
                 <a:latin typeface="HY바다L" pitchFamily="18" charset="-127"/>
                 <a:ea typeface="HY바다L" pitchFamily="18" charset="-127"/>
               </a:rPr>
               <a:t>느낌</a:t>
             </a:r>
-            <a:endParaRPr lang="ko-KR" altLang="en-US" sz="1600" dirty="0" smtClean="0">
-              <a:latin typeface="HY바다L" pitchFamily="18" charset="-127"/>
-              <a:ea typeface="HY바다L" pitchFamily="18" charset="-127"/>
-            </a:endParaRPr>
           </a:p>
         </p:txBody>
       </p:sp>
-      <mc:AlternateContent xmlns:mc="http://schemas.openxmlformats.org/markup-compatibility/2006">
-        <mc:Choice xmlns:p14="http://schemas.microsoft.com/office/powerpoint/2010/main" Requires="p14">
+      <mc:AlternateContent xmlns:mc="http://schemas.openxmlformats.org/markup-compatibility/2006" xmlns:p14="http://schemas.microsoft.com/office/powerpoint/2010/main">
+        <mc:Choice Requires="p14">
           <p:contentPart p14:bwMode="auto" r:id="rId3">
             <p14:nvContentPartPr>
               <p14:cNvPr id="5" name="잉크 4"/>
@@ -23489,7 +23634,7 @@
             </p14:xfrm>
           </p:contentPart>
         </mc:Choice>
-        <mc:Fallback>
+        <mc:Fallback xmlns="">
           <p:pic>
             <p:nvPicPr>
               <p:cNvPr id="5" name="잉크 4"/>
@@ -23524,14 +23669,6 @@
   <p:clrMapOvr>
     <a:masterClrMapping/>
   </p:clrMapOvr>
-  <mc:AlternateContent xmlns:mc="http://schemas.openxmlformats.org/markup-compatibility/2006" xmlns:p14="http://schemas.microsoft.com/office/powerpoint/2010/main">
-    <mc:Choice Requires="p14">
-      <p:transition spd="slow" p14:dur="2000"/>
-    </mc:Choice>
-    <mc:Fallback xmlns="">
-      <p:transition spd="slow"/>
-    </mc:Fallback>
-  </mc:AlternateContent>
 </p:sld>
 </file>
 
@@ -23628,8 +23765,8 @@
           </a:extLst>
         </p:spPr>
       </p:pic>
-      <mc:AlternateContent xmlns:mc="http://schemas.openxmlformats.org/markup-compatibility/2006">
-        <mc:Choice xmlns:p14="http://schemas.microsoft.com/office/powerpoint/2010/main" Requires="p14">
+      <mc:AlternateContent xmlns:mc="http://schemas.openxmlformats.org/markup-compatibility/2006" xmlns:p14="http://schemas.microsoft.com/office/powerpoint/2010/main">
+        <mc:Choice Requires="p14">
           <p:contentPart p14:bwMode="auto" r:id="rId3">
             <p14:nvContentPartPr>
               <p14:cNvPr id="3" name="잉크 2"/>
@@ -23642,7 +23779,7 @@
             </p14:xfrm>
           </p:contentPart>
         </mc:Choice>
-        <mc:Fallback>
+        <mc:Fallback xmlns="">
           <p:pic>
             <p:nvPicPr>
               <p:cNvPr id="3" name="잉크 2"/>
@@ -23667,8 +23804,8 @@
           </p:pic>
         </mc:Fallback>
       </mc:AlternateContent>
-      <mc:AlternateContent xmlns:mc="http://schemas.openxmlformats.org/markup-compatibility/2006">
-        <mc:Choice xmlns:p14="http://schemas.microsoft.com/office/powerpoint/2010/main" Requires="p14">
+      <mc:AlternateContent xmlns:mc="http://schemas.openxmlformats.org/markup-compatibility/2006" xmlns:p14="http://schemas.microsoft.com/office/powerpoint/2010/main">
+        <mc:Choice Requires="p14">
           <p:contentPart p14:bwMode="auto" r:id="rId5">
             <p14:nvContentPartPr>
               <p14:cNvPr id="5" name="잉크 4"/>
@@ -23681,7 +23818,7 @@
             </p14:xfrm>
           </p:contentPart>
         </mc:Choice>
-        <mc:Fallback>
+        <mc:Fallback xmlns="">
           <p:pic>
             <p:nvPicPr>
               <p:cNvPr id="5" name="잉크 4"/>
@@ -23729,7 +23866,7 @@
           <a:lstStyle/>
           <a:p>
             <a:r>
-              <a:rPr lang="ko-KR" altLang="en-US" sz="1600" dirty="0" smtClean="0">
+              <a:rPr lang="ko-KR" altLang="en-US" sz="1600" dirty="0">
                 <a:solidFill>
                   <a:srgbClr val="FF0000"/>
                 </a:solidFill>
@@ -23738,18 +23875,11 @@
               </a:rPr>
               <a:t>전체 레코드에 대하여</a:t>
             </a:r>
-            <a:endParaRPr lang="ko-KR" altLang="en-US" sz="1600" dirty="0" smtClean="0">
-              <a:solidFill>
-                <a:srgbClr val="FF0000"/>
-              </a:solidFill>
-              <a:latin typeface="HY바다L" pitchFamily="18" charset="-127"/>
-              <a:ea typeface="HY바다L" pitchFamily="18" charset="-127"/>
-            </a:endParaRPr>
           </a:p>
         </p:txBody>
       </p:sp>
-      <mc:AlternateContent xmlns:mc="http://schemas.openxmlformats.org/markup-compatibility/2006">
-        <mc:Choice xmlns:p14="http://schemas.microsoft.com/office/powerpoint/2010/main" Requires="p14">
+      <mc:AlternateContent xmlns:mc="http://schemas.openxmlformats.org/markup-compatibility/2006" xmlns:p14="http://schemas.microsoft.com/office/powerpoint/2010/main">
+        <mc:Choice Requires="p14">
           <p:contentPart p14:bwMode="auto" r:id="rId7">
             <p14:nvContentPartPr>
               <p14:cNvPr id="9" name="잉크 8"/>
@@ -23762,7 +23892,7 @@
             </p14:xfrm>
           </p:contentPart>
         </mc:Choice>
-        <mc:Fallback>
+        <mc:Fallback xmlns="">
           <p:pic>
             <p:nvPicPr>
               <p:cNvPr id="9" name="잉크 8"/>
@@ -23787,8 +23917,8 @@
           </p:pic>
         </mc:Fallback>
       </mc:AlternateContent>
-      <mc:AlternateContent xmlns:mc="http://schemas.openxmlformats.org/markup-compatibility/2006">
-        <mc:Choice xmlns:p14="http://schemas.microsoft.com/office/powerpoint/2010/main" Requires="p14">
+      <mc:AlternateContent xmlns:mc="http://schemas.openxmlformats.org/markup-compatibility/2006" xmlns:p14="http://schemas.microsoft.com/office/powerpoint/2010/main">
+        <mc:Choice Requires="p14">
           <p:contentPart p14:bwMode="auto" r:id="rId9">
             <p14:nvContentPartPr>
               <p14:cNvPr id="12" name="잉크 11"/>
@@ -23801,7 +23931,7 @@
             </p14:xfrm>
           </p:contentPart>
         </mc:Choice>
-        <mc:Fallback>
+        <mc:Fallback xmlns="">
           <p:pic>
             <p:nvPicPr>
               <p:cNvPr id="12" name="잉크 11"/>
@@ -23826,8 +23956,8 @@
           </p:pic>
         </mc:Fallback>
       </mc:AlternateContent>
-      <mc:AlternateContent xmlns:mc="http://schemas.openxmlformats.org/markup-compatibility/2006">
-        <mc:Choice xmlns:p14="http://schemas.microsoft.com/office/powerpoint/2010/main" Requires="p14">
+      <mc:AlternateContent xmlns:mc="http://schemas.openxmlformats.org/markup-compatibility/2006" xmlns:p14="http://schemas.microsoft.com/office/powerpoint/2010/main">
+        <mc:Choice Requires="p14">
           <p:contentPart p14:bwMode="auto" r:id="rId11">
             <p14:nvContentPartPr>
               <p14:cNvPr id="35" name="잉크 34"/>
@@ -23840,7 +23970,7 @@
             </p14:xfrm>
           </p:contentPart>
         </mc:Choice>
-        <mc:Fallback>
+        <mc:Fallback xmlns="">
           <p:pic>
             <p:nvPicPr>
               <p:cNvPr id="35" name="잉크 34"/>
@@ -23865,8 +23995,8 @@
           </p:pic>
         </mc:Fallback>
       </mc:AlternateContent>
-      <mc:AlternateContent xmlns:mc="http://schemas.openxmlformats.org/markup-compatibility/2006">
-        <mc:Choice xmlns:p14="http://schemas.microsoft.com/office/powerpoint/2010/main" Requires="p14">
+      <mc:AlternateContent xmlns:mc="http://schemas.openxmlformats.org/markup-compatibility/2006" xmlns:p14="http://schemas.microsoft.com/office/powerpoint/2010/main">
+        <mc:Choice Requires="p14">
           <p:contentPart p14:bwMode="auto" r:id="rId13">
             <p14:nvContentPartPr>
               <p14:cNvPr id="38" name="잉크 37"/>
@@ -23879,7 +24009,7 @@
             </p14:xfrm>
           </p:contentPart>
         </mc:Choice>
-        <mc:Fallback>
+        <mc:Fallback xmlns="">
           <p:pic>
             <p:nvPicPr>
               <p:cNvPr id="38" name="잉크 37"/>
@@ -23904,8 +24034,8 @@
           </p:pic>
         </mc:Fallback>
       </mc:AlternateContent>
-      <mc:AlternateContent xmlns:mc="http://schemas.openxmlformats.org/markup-compatibility/2006">
-        <mc:Choice xmlns:p14="http://schemas.microsoft.com/office/powerpoint/2010/main" Requires="p14">
+      <mc:AlternateContent xmlns:mc="http://schemas.openxmlformats.org/markup-compatibility/2006" xmlns:p14="http://schemas.microsoft.com/office/powerpoint/2010/main">
+        <mc:Choice Requires="p14">
           <p:contentPart p14:bwMode="auto" r:id="rId15">
             <p14:nvContentPartPr>
               <p14:cNvPr id="46" name="잉크 45"/>
@@ -23918,7 +24048,7 @@
             </p14:xfrm>
           </p:contentPart>
         </mc:Choice>
-        <mc:Fallback>
+        <mc:Fallback xmlns="">
           <p:pic>
             <p:nvPicPr>
               <p:cNvPr id="46" name="잉크 45"/>
@@ -23943,8 +24073,8 @@
           </p:pic>
         </mc:Fallback>
       </mc:AlternateContent>
-      <mc:AlternateContent xmlns:mc="http://schemas.openxmlformats.org/markup-compatibility/2006">
-        <mc:Choice xmlns:p14="http://schemas.microsoft.com/office/powerpoint/2010/main" Requires="p14">
+      <mc:AlternateContent xmlns:mc="http://schemas.openxmlformats.org/markup-compatibility/2006" xmlns:p14="http://schemas.microsoft.com/office/powerpoint/2010/main">
+        <mc:Choice Requires="p14">
           <p:contentPart p14:bwMode="auto" r:id="rId17">
             <p14:nvContentPartPr>
               <p14:cNvPr id="48" name="잉크 47"/>
@@ -23957,7 +24087,7 @@
             </p14:xfrm>
           </p:contentPart>
         </mc:Choice>
-        <mc:Fallback>
+        <mc:Fallback xmlns="">
           <p:pic>
             <p:nvPicPr>
               <p:cNvPr id="48" name="잉크 47"/>
@@ -23982,8 +24112,8 @@
           </p:pic>
         </mc:Fallback>
       </mc:AlternateContent>
-      <mc:AlternateContent xmlns:mc="http://schemas.openxmlformats.org/markup-compatibility/2006">
-        <mc:Choice xmlns:p14="http://schemas.microsoft.com/office/powerpoint/2010/main" Requires="p14">
+      <mc:AlternateContent xmlns:mc="http://schemas.openxmlformats.org/markup-compatibility/2006" xmlns:p14="http://schemas.microsoft.com/office/powerpoint/2010/main">
+        <mc:Choice Requires="p14">
           <p:contentPart p14:bwMode="auto" r:id="rId19">
             <p14:nvContentPartPr>
               <p14:cNvPr id="50" name="잉크 49"/>
@@ -23996,7 +24126,7 @@
             </p14:xfrm>
           </p:contentPart>
         </mc:Choice>
-        <mc:Fallback>
+        <mc:Fallback xmlns="">
           <p:pic>
             <p:nvPicPr>
               <p:cNvPr id="50" name="잉크 49"/>
@@ -24021,8 +24151,8 @@
           </p:pic>
         </mc:Fallback>
       </mc:AlternateContent>
-      <mc:AlternateContent xmlns:mc="http://schemas.openxmlformats.org/markup-compatibility/2006">
-        <mc:Choice xmlns:p14="http://schemas.microsoft.com/office/powerpoint/2010/main" Requires="p14">
+      <mc:AlternateContent xmlns:mc="http://schemas.openxmlformats.org/markup-compatibility/2006" xmlns:p14="http://schemas.microsoft.com/office/powerpoint/2010/main">
+        <mc:Choice Requires="p14">
           <p:contentPart p14:bwMode="auto" r:id="rId21">
             <p14:nvContentPartPr>
               <p14:cNvPr id="51" name="잉크 50"/>
@@ -24035,7 +24165,7 @@
             </p14:xfrm>
           </p:contentPart>
         </mc:Choice>
-        <mc:Fallback>
+        <mc:Fallback xmlns="">
           <p:pic>
             <p:nvPicPr>
               <p:cNvPr id="51" name="잉크 50"/>
@@ -24060,8 +24190,8 @@
           </p:pic>
         </mc:Fallback>
       </mc:AlternateContent>
-      <mc:AlternateContent xmlns:mc="http://schemas.openxmlformats.org/markup-compatibility/2006">
-        <mc:Choice xmlns:p14="http://schemas.microsoft.com/office/powerpoint/2010/main" Requires="p14">
+      <mc:AlternateContent xmlns:mc="http://schemas.openxmlformats.org/markup-compatibility/2006" xmlns:p14="http://schemas.microsoft.com/office/powerpoint/2010/main">
+        <mc:Choice Requires="p14">
           <p:contentPart p14:bwMode="auto" r:id="rId23">
             <p14:nvContentPartPr>
               <p14:cNvPr id="53" name="잉크 52"/>
@@ -24074,7 +24204,7 @@
             </p14:xfrm>
           </p:contentPart>
         </mc:Choice>
-        <mc:Fallback>
+        <mc:Fallback xmlns="">
           <p:pic>
             <p:nvPicPr>
               <p:cNvPr id="53" name="잉크 52"/>
@@ -24099,8 +24229,8 @@
           </p:pic>
         </mc:Fallback>
       </mc:AlternateContent>
-      <mc:AlternateContent xmlns:mc="http://schemas.openxmlformats.org/markup-compatibility/2006">
-        <mc:Choice xmlns:p14="http://schemas.microsoft.com/office/powerpoint/2010/main" Requires="p14">
+      <mc:AlternateContent xmlns:mc="http://schemas.openxmlformats.org/markup-compatibility/2006" xmlns:p14="http://schemas.microsoft.com/office/powerpoint/2010/main">
+        <mc:Choice Requires="p14">
           <p:contentPart p14:bwMode="auto" r:id="rId25">
             <p14:nvContentPartPr>
               <p14:cNvPr id="55" name="잉크 54"/>
@@ -24113,7 +24243,7 @@
             </p14:xfrm>
           </p:contentPart>
         </mc:Choice>
-        <mc:Fallback>
+        <mc:Fallback xmlns="">
           <p:pic>
             <p:nvPicPr>
               <p:cNvPr id="55" name="잉크 54"/>
@@ -24138,8 +24268,8 @@
           </p:pic>
         </mc:Fallback>
       </mc:AlternateContent>
-      <mc:AlternateContent xmlns:mc="http://schemas.openxmlformats.org/markup-compatibility/2006">
-        <mc:Choice xmlns:p14="http://schemas.microsoft.com/office/powerpoint/2010/main" Requires="p14">
+      <mc:AlternateContent xmlns:mc="http://schemas.openxmlformats.org/markup-compatibility/2006" xmlns:p14="http://schemas.microsoft.com/office/powerpoint/2010/main">
+        <mc:Choice Requires="p14">
           <p:contentPart p14:bwMode="auto" r:id="rId27">
             <p14:nvContentPartPr>
               <p14:cNvPr id="57" name="잉크 56"/>
@@ -24152,7 +24282,7 @@
             </p14:xfrm>
           </p:contentPart>
         </mc:Choice>
-        <mc:Fallback>
+        <mc:Fallback xmlns="">
           <p:pic>
             <p:nvPicPr>
               <p:cNvPr id="57" name="잉크 56"/>
@@ -24187,14 +24317,6 @@
   <p:clrMapOvr>
     <a:masterClrMapping/>
   </p:clrMapOvr>
-  <mc:AlternateContent xmlns:mc="http://schemas.openxmlformats.org/markup-compatibility/2006" xmlns:p14="http://schemas.microsoft.com/office/powerpoint/2010/main">
-    <mc:Choice Requires="p14">
-      <p:transition spd="slow" p14:dur="2000"/>
-    </mc:Choice>
-    <mc:Fallback xmlns="">
-      <p:transition spd="slow"/>
-    </mc:Fallback>
-  </mc:AlternateContent>
 </p:sld>
 </file>
 
@@ -24291,8 +24413,8 @@
           </a:extLst>
         </p:spPr>
       </p:pic>
-      <mc:AlternateContent xmlns:mc="http://schemas.openxmlformats.org/markup-compatibility/2006">
-        <mc:Choice xmlns:p14="http://schemas.microsoft.com/office/powerpoint/2010/main" Requires="p14">
+      <mc:AlternateContent xmlns:mc="http://schemas.openxmlformats.org/markup-compatibility/2006" xmlns:p14="http://schemas.microsoft.com/office/powerpoint/2010/main">
+        <mc:Choice Requires="p14">
           <p:contentPart p14:bwMode="auto" r:id="rId3">
             <p14:nvContentPartPr>
               <p14:cNvPr id="3" name="잉크 2"/>
@@ -24305,7 +24427,7 @@
             </p14:xfrm>
           </p:contentPart>
         </mc:Choice>
-        <mc:Fallback>
+        <mc:Fallback xmlns="">
           <p:pic>
             <p:nvPicPr>
               <p:cNvPr id="3" name="잉크 2"/>
@@ -24340,14 +24462,6 @@
   <p:clrMapOvr>
     <a:masterClrMapping/>
   </p:clrMapOvr>
-  <mc:AlternateContent xmlns:mc="http://schemas.openxmlformats.org/markup-compatibility/2006" xmlns:p14="http://schemas.microsoft.com/office/powerpoint/2010/main">
-    <mc:Choice Requires="p14">
-      <p:transition spd="slow" p14:dur="2000"/>
-    </mc:Choice>
-    <mc:Fallback xmlns="">
-      <p:transition spd="slow"/>
-    </mc:Fallback>
-  </mc:AlternateContent>
 </p:sld>
 </file>
 
@@ -24384,18 +24498,17 @@
           <a:lstStyle/>
           <a:p>
             <a:r>
-              <a:rPr lang="ko-KR" altLang="en-US" sz="3600" dirty="0" smtClean="0"/>
+              <a:rPr lang="ko-KR" altLang="en-US" sz="3600" dirty="0"/>
               <a:t>범위</a:t>
             </a:r>
             <a:r>
-              <a:rPr altLang="ko-KR" sz="3600" smtClean="0"/>
+              <a:rPr altLang="ko-KR" sz="3600"/>
               <a:t> </a:t>
             </a:r>
             <a:r>
-              <a:rPr lang="ko-KR" altLang="en-US" sz="3600" dirty="0" smtClean="0"/>
+              <a:rPr lang="ko-KR" altLang="en-US" sz="3600" dirty="0"/>
               <a:t>지정 검색 하려면</a:t>
             </a:r>
-            <a:endParaRPr lang="ko-KR" altLang="en-US" sz="3600" dirty="0"/>
           </a:p>
         </p:txBody>
       </p:sp>
@@ -24453,8 +24566,8 @@
           </a:extLst>
         </p:spPr>
       </p:pic>
-      <mc:AlternateContent xmlns:mc="http://schemas.openxmlformats.org/markup-compatibility/2006">
-        <mc:Choice xmlns:p14="http://schemas.microsoft.com/office/powerpoint/2010/main" Requires="p14">
+      <mc:AlternateContent xmlns:mc="http://schemas.openxmlformats.org/markup-compatibility/2006" xmlns:p14="http://schemas.microsoft.com/office/powerpoint/2010/main">
+        <mc:Choice Requires="p14">
           <p:contentPart p14:bwMode="auto" r:id="rId3">
             <p14:nvContentPartPr>
               <p14:cNvPr id="6" name="잉크 5"/>
@@ -24467,7 +24580,7 @@
             </p14:xfrm>
           </p:contentPart>
         </mc:Choice>
-        <mc:Fallback>
+        <mc:Fallback xmlns="">
           <p:pic>
             <p:nvPicPr>
               <p:cNvPr id="6" name="잉크 5"/>
@@ -24492,8 +24605,8 @@
           </p:pic>
         </mc:Fallback>
       </mc:AlternateContent>
-      <mc:AlternateContent xmlns:mc="http://schemas.openxmlformats.org/markup-compatibility/2006">
-        <mc:Choice xmlns:p14="http://schemas.microsoft.com/office/powerpoint/2010/main" Requires="p14">
+      <mc:AlternateContent xmlns:mc="http://schemas.openxmlformats.org/markup-compatibility/2006" xmlns:p14="http://schemas.microsoft.com/office/powerpoint/2010/main">
+        <mc:Choice Requires="p14">
           <p:contentPart p14:bwMode="auto" r:id="rId5">
             <p14:nvContentPartPr>
               <p14:cNvPr id="7" name="잉크 6"/>
@@ -24506,7 +24619,7 @@
             </p14:xfrm>
           </p:contentPart>
         </mc:Choice>
-        <mc:Fallback>
+        <mc:Fallback xmlns="">
           <p:pic>
             <p:nvPicPr>
               <p:cNvPr id="7" name="잉크 6"/>
@@ -24541,14 +24654,6 @@
   <p:clrMapOvr>
     <a:masterClrMapping/>
   </p:clrMapOvr>
-  <mc:AlternateContent xmlns:mc="http://schemas.openxmlformats.org/markup-compatibility/2006" xmlns:p14="http://schemas.microsoft.com/office/powerpoint/2010/main">
-    <mc:Choice Requires="p14">
-      <p:transition spd="slow" p14:dur="2000"/>
-    </mc:Choice>
-    <mc:Fallback xmlns="">
-      <p:transition spd="slow"/>
-    </mc:Fallback>
-  </mc:AlternateContent>
 </p:sld>
 </file>
 
@@ -24646,8 +24751,8 @@
           </a:extLst>
         </p:spPr>
       </p:pic>
-      <mc:AlternateContent xmlns:mc="http://schemas.openxmlformats.org/markup-compatibility/2006">
-        <mc:Choice xmlns:p14="http://schemas.microsoft.com/office/powerpoint/2010/main" Requires="p14">
+      <mc:AlternateContent xmlns:mc="http://schemas.openxmlformats.org/markup-compatibility/2006" xmlns:p14="http://schemas.microsoft.com/office/powerpoint/2010/main">
+        <mc:Choice Requires="p14">
           <p:contentPart p14:bwMode="auto" r:id="rId3">
             <p14:nvContentPartPr>
               <p14:cNvPr id="4" name="잉크 3"/>
@@ -24660,7 +24765,7 @@
             </p14:xfrm>
           </p:contentPart>
         </mc:Choice>
-        <mc:Fallback>
+        <mc:Fallback xmlns="">
           <p:pic>
             <p:nvPicPr>
               <p:cNvPr id="4" name="잉크 3"/>
@@ -24695,14 +24800,6 @@
   <p:clrMapOvr>
     <a:masterClrMapping/>
   </p:clrMapOvr>
-  <mc:AlternateContent xmlns:mc="http://schemas.openxmlformats.org/markup-compatibility/2006" xmlns:p14="http://schemas.microsoft.com/office/powerpoint/2010/main">
-    <mc:Choice Requires="p14">
-      <p:transition spd="slow" p14:dur="2000"/>
-    </mc:Choice>
-    <mc:Fallback xmlns="">
-      <p:transition spd="slow"/>
-    </mc:Fallback>
-  </mc:AlternateContent>
 </p:sld>
 </file>
 
@@ -24809,14 +24906,6 @@
   <p:clrMapOvr>
     <a:masterClrMapping/>
   </p:clrMapOvr>
-  <mc:AlternateContent xmlns:mc="http://schemas.openxmlformats.org/markup-compatibility/2006" xmlns:p14="http://schemas.microsoft.com/office/powerpoint/2010/main">
-    <mc:Choice Requires="p14">
-      <p:transition spd="slow" p14:dur="2000"/>
-    </mc:Choice>
-    <mc:Fallback xmlns="">
-      <p:transition spd="slow"/>
-    </mc:Fallback>
-  </mc:AlternateContent>
 </p:sld>
 </file>
 
@@ -24902,24 +24991,19 @@
             </a:r>
             <a:r>
               <a:rPr lang="ko-KR" altLang="en-US" dirty="0"/>
-              <a:t>는 결과 집합의 레코드들을 포함하고 있는 파일에 대한 </a:t>
-            </a:r>
-            <a:r>
-              <a:rPr lang="ko-KR" altLang="en-US" dirty="0" smtClean="0"/>
-              <a:t>포인터</a:t>
-            </a:r>
-            <a:r>
-              <a:rPr altLang="ko-KR" dirty="0" smtClean="0"/>
+              <a:t>는 결과 집합의 레코드들을 포함하고 있는 파일에 대한 포인터</a:t>
+            </a:r>
+            <a:r>
+              <a:rPr altLang="ko-KR" dirty="0"/>
               <a:t>. </a:t>
             </a:r>
           </a:p>
           <a:p>
             <a:pPr lvl="1"/>
             <a:r>
-              <a:rPr lang="ko-KR" altLang="en-US" dirty="0" smtClean="0"/>
+              <a:rPr lang="ko-KR" altLang="en-US" dirty="0"/>
               <a:t>한 레코드 씩 앞으로 또는 뒤로 움직이면서 처리할 수 있도록 지원</a:t>
             </a:r>
-            <a:endParaRPr lang="ko-KR" altLang="en-US" dirty="0"/>
           </a:p>
         </p:txBody>
       </p:sp>
@@ -25814,8 +25898,8 @@
           </a:p>
         </p:txBody>
       </p:sp>
-      <mc:AlternateContent xmlns:mc="http://schemas.openxmlformats.org/markup-compatibility/2006">
-        <mc:Choice xmlns:p14="http://schemas.microsoft.com/office/powerpoint/2010/main" Requires="p14">
+      <mc:AlternateContent xmlns:mc="http://schemas.openxmlformats.org/markup-compatibility/2006" xmlns:p14="http://schemas.microsoft.com/office/powerpoint/2010/main">
+        <mc:Choice Requires="p14">
           <p:contentPart p14:bwMode="auto" r:id="rId2">
             <p14:nvContentPartPr>
               <p14:cNvPr id="4" name="잉크 3"/>
@@ -25828,7 +25912,7 @@
             </p14:xfrm>
           </p:contentPart>
         </mc:Choice>
-        <mc:Fallback>
+        <mc:Fallback xmlns="">
           <p:pic>
             <p:nvPicPr>
               <p:cNvPr id="4" name="잉크 3"/>
@@ -25853,8 +25937,8 @@
           </p:pic>
         </mc:Fallback>
       </mc:AlternateContent>
-      <mc:AlternateContent xmlns:mc="http://schemas.openxmlformats.org/markup-compatibility/2006">
-        <mc:Choice xmlns:p14="http://schemas.microsoft.com/office/powerpoint/2010/main" Requires="p14">
+      <mc:AlternateContent xmlns:mc="http://schemas.openxmlformats.org/markup-compatibility/2006" xmlns:p14="http://schemas.microsoft.com/office/powerpoint/2010/main">
+        <mc:Choice Requires="p14">
           <p:contentPart p14:bwMode="auto" r:id="rId4">
             <p14:nvContentPartPr>
               <p14:cNvPr id="10" name="잉크 9"/>
@@ -25867,7 +25951,7 @@
             </p14:xfrm>
           </p:contentPart>
         </mc:Choice>
-        <mc:Fallback>
+        <mc:Fallback xmlns="">
           <p:pic>
             <p:nvPicPr>
               <p:cNvPr id="10" name="잉크 9"/>
@@ -25892,8 +25976,8 @@
           </p:pic>
         </mc:Fallback>
       </mc:AlternateContent>
-      <mc:AlternateContent xmlns:mc="http://schemas.openxmlformats.org/markup-compatibility/2006">
-        <mc:Choice xmlns:p14="http://schemas.microsoft.com/office/powerpoint/2010/main" Requires="p14">
+      <mc:AlternateContent xmlns:mc="http://schemas.openxmlformats.org/markup-compatibility/2006" xmlns:p14="http://schemas.microsoft.com/office/powerpoint/2010/main">
+        <mc:Choice Requires="p14">
           <p:contentPart p14:bwMode="auto" r:id="rId6">
             <p14:nvContentPartPr>
               <p14:cNvPr id="11" name="잉크 10"/>
@@ -25906,7 +25990,7 @@
             </p14:xfrm>
           </p:contentPart>
         </mc:Choice>
-        <mc:Fallback>
+        <mc:Fallback xmlns="">
           <p:pic>
             <p:nvPicPr>
               <p:cNvPr id="11" name="잉크 10"/>
@@ -25931,8 +26015,8 @@
           </p:pic>
         </mc:Fallback>
       </mc:AlternateContent>
-      <mc:AlternateContent xmlns:mc="http://schemas.openxmlformats.org/markup-compatibility/2006">
-        <mc:Choice xmlns:p14="http://schemas.microsoft.com/office/powerpoint/2010/main" Requires="p14">
+      <mc:AlternateContent xmlns:mc="http://schemas.openxmlformats.org/markup-compatibility/2006" xmlns:p14="http://schemas.microsoft.com/office/powerpoint/2010/main">
+        <mc:Choice Requires="p14">
           <p:contentPart p14:bwMode="auto" r:id="rId8">
             <p14:nvContentPartPr>
               <p14:cNvPr id="14" name="잉크 13"/>
@@ -25945,7 +26029,7 @@
             </p14:xfrm>
           </p:contentPart>
         </mc:Choice>
-        <mc:Fallback>
+        <mc:Fallback xmlns="">
           <p:pic>
             <p:nvPicPr>
               <p:cNvPr id="14" name="잉크 13"/>
@@ -25970,8 +26054,8 @@
           </p:pic>
         </mc:Fallback>
       </mc:AlternateContent>
-      <mc:AlternateContent xmlns:mc="http://schemas.openxmlformats.org/markup-compatibility/2006">
-        <mc:Choice xmlns:p14="http://schemas.microsoft.com/office/powerpoint/2010/main" Requires="p14">
+      <mc:AlternateContent xmlns:mc="http://schemas.openxmlformats.org/markup-compatibility/2006" xmlns:p14="http://schemas.microsoft.com/office/powerpoint/2010/main">
+        <mc:Choice Requires="p14">
           <p:contentPart p14:bwMode="auto" r:id="rId10">
             <p14:nvContentPartPr>
               <p14:cNvPr id="25" name="잉크 24"/>
@@ -25984,7 +26068,7 @@
             </p14:xfrm>
           </p:contentPart>
         </mc:Choice>
-        <mc:Fallback>
+        <mc:Fallback xmlns="">
           <p:pic>
             <p:nvPicPr>
               <p:cNvPr id="25" name="잉크 24"/>
@@ -26009,8 +26093,8 @@
           </p:pic>
         </mc:Fallback>
       </mc:AlternateContent>
-      <mc:AlternateContent xmlns:mc="http://schemas.openxmlformats.org/markup-compatibility/2006">
-        <mc:Choice xmlns:p14="http://schemas.microsoft.com/office/powerpoint/2010/main" Requires="p14">
+      <mc:AlternateContent xmlns:mc="http://schemas.openxmlformats.org/markup-compatibility/2006" xmlns:p14="http://schemas.microsoft.com/office/powerpoint/2010/main">
+        <mc:Choice Requires="p14">
           <p:contentPart p14:bwMode="auto" r:id="rId12">
             <p14:nvContentPartPr>
               <p14:cNvPr id="27" name="잉크 26"/>
@@ -26023,7 +26107,7 @@
             </p14:xfrm>
           </p:contentPart>
         </mc:Choice>
-        <mc:Fallback>
+        <mc:Fallback xmlns="">
           <p:pic>
             <p:nvPicPr>
               <p:cNvPr id="27" name="잉크 26"/>
@@ -26048,8 +26132,8 @@
           </p:pic>
         </mc:Fallback>
       </mc:AlternateContent>
-      <mc:AlternateContent xmlns:mc="http://schemas.openxmlformats.org/markup-compatibility/2006">
-        <mc:Choice xmlns:p14="http://schemas.microsoft.com/office/powerpoint/2010/main" Requires="p14">
+      <mc:AlternateContent xmlns:mc="http://schemas.openxmlformats.org/markup-compatibility/2006" xmlns:p14="http://schemas.microsoft.com/office/powerpoint/2010/main">
+        <mc:Choice Requires="p14">
           <p:contentPart p14:bwMode="auto" r:id="rId14">
             <p14:nvContentPartPr>
               <p14:cNvPr id="28" name="잉크 27"/>
@@ -26062,7 +26146,7 @@
             </p14:xfrm>
           </p:contentPart>
         </mc:Choice>
-        <mc:Fallback>
+        <mc:Fallback xmlns="">
           <p:pic>
             <p:nvPicPr>
               <p:cNvPr id="28" name="잉크 27"/>
@@ -26087,8 +26171,8 @@
           </p:pic>
         </mc:Fallback>
       </mc:AlternateContent>
-      <mc:AlternateContent xmlns:mc="http://schemas.openxmlformats.org/markup-compatibility/2006">
-        <mc:Choice xmlns:p14="http://schemas.microsoft.com/office/powerpoint/2010/main" Requires="p14">
+      <mc:AlternateContent xmlns:mc="http://schemas.openxmlformats.org/markup-compatibility/2006" xmlns:p14="http://schemas.microsoft.com/office/powerpoint/2010/main">
+        <mc:Choice Requires="p14">
           <p:contentPart p14:bwMode="auto" r:id="rId16">
             <p14:nvContentPartPr>
               <p14:cNvPr id="29" name="잉크 28"/>
@@ -26101,7 +26185,7 @@
             </p14:xfrm>
           </p:contentPart>
         </mc:Choice>
-        <mc:Fallback>
+        <mc:Fallback xmlns="">
           <p:pic>
             <p:nvPicPr>
               <p:cNvPr id="29" name="잉크 28"/>
@@ -26126,8 +26210,8 @@
           </p:pic>
         </mc:Fallback>
       </mc:AlternateContent>
-      <mc:AlternateContent xmlns:mc="http://schemas.openxmlformats.org/markup-compatibility/2006">
-        <mc:Choice xmlns:p14="http://schemas.microsoft.com/office/powerpoint/2010/main" Requires="p14">
+      <mc:AlternateContent xmlns:mc="http://schemas.openxmlformats.org/markup-compatibility/2006" xmlns:p14="http://schemas.microsoft.com/office/powerpoint/2010/main">
+        <mc:Choice Requires="p14">
           <p:contentPart p14:bwMode="auto" r:id="rId18">
             <p14:nvContentPartPr>
               <p14:cNvPr id="30" name="잉크 29"/>
@@ -26140,7 +26224,7 @@
             </p14:xfrm>
           </p:contentPart>
         </mc:Choice>
-        <mc:Fallback>
+        <mc:Fallback xmlns="">
           <p:pic>
             <p:nvPicPr>
               <p:cNvPr id="30" name="잉크 29"/>
@@ -26165,8 +26249,8 @@
           </p:pic>
         </mc:Fallback>
       </mc:AlternateContent>
-      <mc:AlternateContent xmlns:mc="http://schemas.openxmlformats.org/markup-compatibility/2006">
-        <mc:Choice xmlns:p14="http://schemas.microsoft.com/office/powerpoint/2010/main" Requires="p14">
+      <mc:AlternateContent xmlns:mc="http://schemas.openxmlformats.org/markup-compatibility/2006" xmlns:p14="http://schemas.microsoft.com/office/powerpoint/2010/main">
+        <mc:Choice Requires="p14">
           <p:contentPart p14:bwMode="auto" r:id="rId20">
             <p14:nvContentPartPr>
               <p14:cNvPr id="31" name="잉크 30"/>
@@ -26179,7 +26263,7 @@
             </p14:xfrm>
           </p:contentPart>
         </mc:Choice>
-        <mc:Fallback>
+        <mc:Fallback xmlns="">
           <p:pic>
             <p:nvPicPr>
               <p:cNvPr id="31" name="잉크 30"/>
@@ -26204,8 +26288,8 @@
           </p:pic>
         </mc:Fallback>
       </mc:AlternateContent>
-      <mc:AlternateContent xmlns:mc="http://schemas.openxmlformats.org/markup-compatibility/2006">
-        <mc:Choice xmlns:p14="http://schemas.microsoft.com/office/powerpoint/2010/main" Requires="p14">
+      <mc:AlternateContent xmlns:mc="http://schemas.openxmlformats.org/markup-compatibility/2006" xmlns:p14="http://schemas.microsoft.com/office/powerpoint/2010/main">
+        <mc:Choice Requires="p14">
           <p:contentPart p14:bwMode="auto" r:id="rId22">
             <p14:nvContentPartPr>
               <p14:cNvPr id="32" name="잉크 31"/>
@@ -26218,7 +26302,7 @@
             </p14:xfrm>
           </p:contentPart>
         </mc:Choice>
-        <mc:Fallback>
+        <mc:Fallback xmlns="">
           <p:pic>
             <p:nvPicPr>
               <p:cNvPr id="32" name="잉크 31"/>
@@ -26243,8 +26327,8 @@
           </p:pic>
         </mc:Fallback>
       </mc:AlternateContent>
-      <mc:AlternateContent xmlns:mc="http://schemas.openxmlformats.org/markup-compatibility/2006">
-        <mc:Choice xmlns:p14="http://schemas.microsoft.com/office/powerpoint/2010/main" Requires="p14">
+      <mc:AlternateContent xmlns:mc="http://schemas.openxmlformats.org/markup-compatibility/2006" xmlns:p14="http://schemas.microsoft.com/office/powerpoint/2010/main">
+        <mc:Choice Requires="p14">
           <p:contentPart p14:bwMode="auto" r:id="rId24">
             <p14:nvContentPartPr>
               <p14:cNvPr id="33" name="잉크 32"/>
@@ -26257,7 +26341,7 @@
             </p14:xfrm>
           </p:contentPart>
         </mc:Choice>
-        <mc:Fallback>
+        <mc:Fallback xmlns="">
           <p:pic>
             <p:nvPicPr>
               <p:cNvPr id="33" name="잉크 32"/>
@@ -26282,8 +26366,8 @@
           </p:pic>
         </mc:Fallback>
       </mc:AlternateContent>
-      <mc:AlternateContent xmlns:mc="http://schemas.openxmlformats.org/markup-compatibility/2006">
-        <mc:Choice xmlns:p14="http://schemas.microsoft.com/office/powerpoint/2010/main" Requires="p14">
+      <mc:AlternateContent xmlns:mc="http://schemas.openxmlformats.org/markup-compatibility/2006" xmlns:p14="http://schemas.microsoft.com/office/powerpoint/2010/main">
+        <mc:Choice Requires="p14">
           <p:contentPart p14:bwMode="auto" r:id="rId26">
             <p14:nvContentPartPr>
               <p14:cNvPr id="34" name="잉크 33"/>
@@ -26296,7 +26380,7 @@
             </p14:xfrm>
           </p:contentPart>
         </mc:Choice>
-        <mc:Fallback>
+        <mc:Fallback xmlns="">
           <p:pic>
             <p:nvPicPr>
               <p:cNvPr id="34" name="잉크 33"/>
@@ -26321,8 +26405,8 @@
           </p:pic>
         </mc:Fallback>
       </mc:AlternateContent>
-      <mc:AlternateContent xmlns:mc="http://schemas.openxmlformats.org/markup-compatibility/2006">
-        <mc:Choice xmlns:p14="http://schemas.microsoft.com/office/powerpoint/2010/main" Requires="p14">
+      <mc:AlternateContent xmlns:mc="http://schemas.openxmlformats.org/markup-compatibility/2006" xmlns:p14="http://schemas.microsoft.com/office/powerpoint/2010/main">
+        <mc:Choice Requires="p14">
           <p:contentPart p14:bwMode="auto" r:id="rId28">
             <p14:nvContentPartPr>
               <p14:cNvPr id="35" name="잉크 34"/>
@@ -26335,7 +26419,7 @@
             </p14:xfrm>
           </p:contentPart>
         </mc:Choice>
-        <mc:Fallback>
+        <mc:Fallback xmlns="">
           <p:pic>
             <p:nvPicPr>
               <p:cNvPr id="35" name="잉크 34"/>
@@ -26360,8 +26444,8 @@
           </p:pic>
         </mc:Fallback>
       </mc:AlternateContent>
-      <mc:AlternateContent xmlns:mc="http://schemas.openxmlformats.org/markup-compatibility/2006">
-        <mc:Choice xmlns:p14="http://schemas.microsoft.com/office/powerpoint/2010/main" Requires="p14">
+      <mc:AlternateContent xmlns:mc="http://schemas.openxmlformats.org/markup-compatibility/2006" xmlns:p14="http://schemas.microsoft.com/office/powerpoint/2010/main">
+        <mc:Choice Requires="p14">
           <p:contentPart p14:bwMode="auto" r:id="rId30">
             <p14:nvContentPartPr>
               <p14:cNvPr id="36" name="잉크 35"/>
@@ -26374,7 +26458,7 @@
             </p14:xfrm>
           </p:contentPart>
         </mc:Choice>
-        <mc:Fallback>
+        <mc:Fallback xmlns="">
           <p:pic>
             <p:nvPicPr>
               <p:cNvPr id="36" name="잉크 35"/>
@@ -26399,8 +26483,8 @@
           </p:pic>
         </mc:Fallback>
       </mc:AlternateContent>
-      <mc:AlternateContent xmlns:mc="http://schemas.openxmlformats.org/markup-compatibility/2006">
-        <mc:Choice xmlns:p14="http://schemas.microsoft.com/office/powerpoint/2010/main" Requires="p14">
+      <mc:AlternateContent xmlns:mc="http://schemas.openxmlformats.org/markup-compatibility/2006" xmlns:p14="http://schemas.microsoft.com/office/powerpoint/2010/main">
+        <mc:Choice Requires="p14">
           <p:contentPart p14:bwMode="auto" r:id="rId32">
             <p14:nvContentPartPr>
               <p14:cNvPr id="38" name="잉크 37"/>
@@ -26413,7 +26497,7 @@
             </p14:xfrm>
           </p:contentPart>
         </mc:Choice>
-        <mc:Fallback>
+        <mc:Fallback xmlns="">
           <p:pic>
             <p:nvPicPr>
               <p:cNvPr id="38" name="잉크 37"/>
@@ -26438,8 +26522,8 @@
           </p:pic>
         </mc:Fallback>
       </mc:AlternateContent>
-      <mc:AlternateContent xmlns:mc="http://schemas.openxmlformats.org/markup-compatibility/2006">
-        <mc:Choice xmlns:p14="http://schemas.microsoft.com/office/powerpoint/2010/main" Requires="p14">
+      <mc:AlternateContent xmlns:mc="http://schemas.openxmlformats.org/markup-compatibility/2006" xmlns:p14="http://schemas.microsoft.com/office/powerpoint/2010/main">
+        <mc:Choice Requires="p14">
           <p:contentPart p14:bwMode="auto" r:id="rId34">
             <p14:nvContentPartPr>
               <p14:cNvPr id="40" name="잉크 39"/>
@@ -26452,7 +26536,7 @@
             </p14:xfrm>
           </p:contentPart>
         </mc:Choice>
-        <mc:Fallback>
+        <mc:Fallback xmlns="">
           <p:pic>
             <p:nvPicPr>
               <p:cNvPr id="40" name="잉크 39"/>
@@ -26477,8 +26561,8 @@
           </p:pic>
         </mc:Fallback>
       </mc:AlternateContent>
-      <mc:AlternateContent xmlns:mc="http://schemas.openxmlformats.org/markup-compatibility/2006">
-        <mc:Choice xmlns:p14="http://schemas.microsoft.com/office/powerpoint/2010/main" Requires="p14">
+      <mc:AlternateContent xmlns:mc="http://schemas.openxmlformats.org/markup-compatibility/2006" xmlns:p14="http://schemas.microsoft.com/office/powerpoint/2010/main">
+        <mc:Choice Requires="p14">
           <p:contentPart p14:bwMode="auto" r:id="rId36">
             <p14:nvContentPartPr>
               <p14:cNvPr id="41" name="잉크 40"/>
@@ -26491,7 +26575,7 @@
             </p14:xfrm>
           </p:contentPart>
         </mc:Choice>
-        <mc:Fallback>
+        <mc:Fallback xmlns="">
           <p:pic>
             <p:nvPicPr>
               <p:cNvPr id="41" name="잉크 40"/>
@@ -26516,8 +26600,8 @@
           </p:pic>
         </mc:Fallback>
       </mc:AlternateContent>
-      <mc:AlternateContent xmlns:mc="http://schemas.openxmlformats.org/markup-compatibility/2006">
-        <mc:Choice xmlns:p14="http://schemas.microsoft.com/office/powerpoint/2010/main" Requires="p14">
+      <mc:AlternateContent xmlns:mc="http://schemas.openxmlformats.org/markup-compatibility/2006" xmlns:p14="http://schemas.microsoft.com/office/powerpoint/2010/main">
+        <mc:Choice Requires="p14">
           <p:contentPart p14:bwMode="auto" r:id="rId38">
             <p14:nvContentPartPr>
               <p14:cNvPr id="42" name="잉크 41"/>
@@ -26530,7 +26614,7 @@
             </p14:xfrm>
           </p:contentPart>
         </mc:Choice>
-        <mc:Fallback>
+        <mc:Fallback xmlns="">
           <p:pic>
             <p:nvPicPr>
               <p:cNvPr id="42" name="잉크 41"/>
@@ -26555,8 +26639,8 @@
           </p:pic>
         </mc:Fallback>
       </mc:AlternateContent>
-      <mc:AlternateContent xmlns:mc="http://schemas.openxmlformats.org/markup-compatibility/2006">
-        <mc:Choice xmlns:p14="http://schemas.microsoft.com/office/powerpoint/2010/main" Requires="p14">
+      <mc:AlternateContent xmlns:mc="http://schemas.openxmlformats.org/markup-compatibility/2006" xmlns:p14="http://schemas.microsoft.com/office/powerpoint/2010/main">
+        <mc:Choice Requires="p14">
           <p:contentPart p14:bwMode="auto" r:id="rId40">
             <p14:nvContentPartPr>
               <p14:cNvPr id="43" name="잉크 42"/>
@@ -26569,7 +26653,7 @@
             </p14:xfrm>
           </p:contentPart>
         </mc:Choice>
-        <mc:Fallback>
+        <mc:Fallback xmlns="">
           <p:pic>
             <p:nvPicPr>
               <p:cNvPr id="43" name="잉크 42"/>
@@ -26594,8 +26678,8 @@
           </p:pic>
         </mc:Fallback>
       </mc:AlternateContent>
-      <mc:AlternateContent xmlns:mc="http://schemas.openxmlformats.org/markup-compatibility/2006">
-        <mc:Choice xmlns:p14="http://schemas.microsoft.com/office/powerpoint/2010/main" Requires="p14">
+      <mc:AlternateContent xmlns:mc="http://schemas.openxmlformats.org/markup-compatibility/2006" xmlns:p14="http://schemas.microsoft.com/office/powerpoint/2010/main">
+        <mc:Choice Requires="p14">
           <p:contentPart p14:bwMode="auto" r:id="rId42">
             <p14:nvContentPartPr>
               <p14:cNvPr id="44" name="잉크 43"/>
@@ -26608,7 +26692,7 @@
             </p14:xfrm>
           </p:contentPart>
         </mc:Choice>
-        <mc:Fallback>
+        <mc:Fallback xmlns="">
           <p:pic>
             <p:nvPicPr>
               <p:cNvPr id="44" name="잉크 43"/>
@@ -26633,8 +26717,8 @@
           </p:pic>
         </mc:Fallback>
       </mc:AlternateContent>
-      <mc:AlternateContent xmlns:mc="http://schemas.openxmlformats.org/markup-compatibility/2006">
-        <mc:Choice xmlns:p14="http://schemas.microsoft.com/office/powerpoint/2010/main" Requires="p14">
+      <mc:AlternateContent xmlns:mc="http://schemas.openxmlformats.org/markup-compatibility/2006" xmlns:p14="http://schemas.microsoft.com/office/powerpoint/2010/main">
+        <mc:Choice Requires="p14">
           <p:contentPart p14:bwMode="auto" r:id="rId44">
             <p14:nvContentPartPr>
               <p14:cNvPr id="45" name="잉크 44"/>
@@ -26647,7 +26731,7 @@
             </p14:xfrm>
           </p:contentPart>
         </mc:Choice>
-        <mc:Fallback>
+        <mc:Fallback xmlns="">
           <p:pic>
             <p:nvPicPr>
               <p:cNvPr id="45" name="잉크 44"/>
@@ -26695,7 +26779,7 @@
           <a:lstStyle/>
           <a:p>
             <a:r>
-              <a:rPr lang="en-US" altLang="ko-KR" sz="1600" dirty="0" smtClean="0">
+              <a:rPr lang="en-US" altLang="ko-KR" sz="1600" dirty="0">
                 <a:latin typeface="HY바다L" pitchFamily="18" charset="-127"/>
                 <a:ea typeface="HY바다L" pitchFamily="18" charset="-127"/>
               </a:rPr>
@@ -26703,13 +26787,64 @@
             </a:r>
           </a:p>
           <a:p>
-            <a:endParaRPr lang="ko-KR" altLang="en-US" sz="1600" dirty="0" smtClean="0">
+            <a:endParaRPr lang="ko-KR" altLang="en-US" sz="1600" dirty="0">
               <a:latin typeface="HY바다L" pitchFamily="18" charset="-127"/>
               <a:ea typeface="HY바다L" pitchFamily="18" charset="-127"/>
             </a:endParaRPr>
           </a:p>
         </p:txBody>
       </p:sp>
+      <mc:AlternateContent xmlns:mc="http://schemas.openxmlformats.org/markup-compatibility/2006">
+        <mc:Choice xmlns:p14="http://schemas.microsoft.com/office/powerpoint/2010/main" Requires="p14">
+          <p:contentPart p14:bwMode="auto" r:id="rId46">
+            <p14:nvContentPartPr>
+              <p14:cNvPr id="2" name="잉크 1">
+                <a:extLst>
+                  <a:ext uri="{FF2B5EF4-FFF2-40B4-BE49-F238E27FC236}">
+                    <a16:creationId xmlns:a16="http://schemas.microsoft.com/office/drawing/2014/main" id="{6223F761-2454-4156-AB5F-D96DA5C1D273}"/>
+                  </a:ext>
+                </a:extLst>
+              </p14:cNvPr>
+              <p14:cNvContentPartPr/>
+              <p14:nvPr/>
+            </p14:nvContentPartPr>
+            <p14:xfrm>
+              <a:off x="1682640" y="5378400"/>
+              <a:ext cx="2064240" cy="572040"/>
+            </p14:xfrm>
+          </p:contentPart>
+        </mc:Choice>
+        <mc:Fallback>
+          <p:pic>
+            <p:nvPicPr>
+              <p:cNvPr id="2" name="잉크 1">
+                <a:extLst>
+                  <a:ext uri="{FF2B5EF4-FFF2-40B4-BE49-F238E27FC236}">
+                    <a16:creationId xmlns:a16="http://schemas.microsoft.com/office/drawing/2014/main" id="{6223F761-2454-4156-AB5F-D96DA5C1D273}"/>
+                  </a:ext>
+                </a:extLst>
+              </p:cNvPr>
+              <p:cNvPicPr/>
+              <p:nvPr/>
+            </p:nvPicPr>
+            <p:blipFill>
+              <a:blip r:embed="rId47"/>
+              <a:stretch>
+                <a:fillRect/>
+              </a:stretch>
+            </p:blipFill>
+            <p:spPr>
+              <a:xfrm>
+                <a:off x="1673280" y="5369040"/>
+                <a:ext cx="2082960" cy="590760"/>
+              </a:xfrm>
+              <a:prstGeom prst="rect">
+                <a:avLst/>
+              </a:prstGeom>
+            </p:spPr>
+          </p:pic>
+        </mc:Fallback>
+      </mc:AlternateContent>
     </p:spTree>
     <p:extLst>
       <p:ext uri="{BB962C8B-B14F-4D97-AF65-F5344CB8AC3E}">
@@ -26720,14 +26855,6 @@
   <p:clrMapOvr>
     <a:masterClrMapping/>
   </p:clrMapOvr>
-  <mc:AlternateContent xmlns:mc="http://schemas.openxmlformats.org/markup-compatibility/2006" xmlns:p14="http://schemas.microsoft.com/office/powerpoint/2010/main">
-    <mc:Choice Requires="p14">
-      <p:transition spd="slow" p14:dur="2000"/>
-    </mc:Choice>
-    <mc:Fallback xmlns="">
-      <p:transition spd="slow"/>
-    </mc:Fallback>
-  </mc:AlternateContent>
 </p:sld>
 </file>
 
@@ -26806,12 +26933,8 @@
               <a:t>/downloads/connector/j/</a:t>
             </a:r>
             <a:r>
-              <a:rPr lang="ko-KR" altLang="en-US" dirty="0" smtClean="0"/>
-              <a:t>로부터 </a:t>
-            </a:r>
-            <a:r>
               <a:rPr lang="ko-KR" altLang="en-US" dirty="0"/>
-              <a:t>드라이버를 </a:t>
+              <a:t>로부터 드라이버를 </a:t>
             </a:r>
             <a:r>
               <a:rPr lang="ko-KR" altLang="en-US" dirty="0" err="1"/>
@@ -26961,14 +27084,6 @@
   <p:clrMapOvr>
     <a:masterClrMapping/>
   </p:clrMapOvr>
-  <mc:AlternateContent xmlns:mc="http://schemas.openxmlformats.org/markup-compatibility/2006" xmlns:p14="http://schemas.microsoft.com/office/powerpoint/2010/main">
-    <mc:Choice Requires="p14">
-      <p:transition spd="slow" p14:dur="2000"/>
-    </mc:Choice>
-    <mc:Fallback xmlns="">
-      <p:transition spd="slow"/>
-    </mc:Fallback>
-  </mc:AlternateContent>
 </p:sld>
 </file>
 
@@ -27043,8 +27158,8 @@
           </a:extLst>
         </p:spPr>
       </p:pic>
-      <mc:AlternateContent xmlns:mc="http://schemas.openxmlformats.org/markup-compatibility/2006">
-        <mc:Choice xmlns:p14="http://schemas.microsoft.com/office/powerpoint/2010/main" Requires="p14">
+      <mc:AlternateContent xmlns:mc="http://schemas.openxmlformats.org/markup-compatibility/2006" xmlns:p14="http://schemas.microsoft.com/office/powerpoint/2010/main">
+        <mc:Choice Requires="p14">
           <p:contentPart p14:bwMode="auto" r:id="rId3">
             <p14:nvContentPartPr>
               <p14:cNvPr id="3" name="잉크 2"/>
@@ -27057,7 +27172,7 @@
             </p14:xfrm>
           </p:contentPart>
         </mc:Choice>
-        <mc:Fallback>
+        <mc:Fallback xmlns="">
           <p:pic>
             <p:nvPicPr>
               <p:cNvPr id="3" name="잉크 2"/>
@@ -27082,8 +27197,8 @@
           </p:pic>
         </mc:Fallback>
       </mc:AlternateContent>
-      <mc:AlternateContent xmlns:mc="http://schemas.openxmlformats.org/markup-compatibility/2006">
-        <mc:Choice xmlns:p14="http://schemas.microsoft.com/office/powerpoint/2010/main" Requires="p14">
+      <mc:AlternateContent xmlns:mc="http://schemas.openxmlformats.org/markup-compatibility/2006" xmlns:p14="http://schemas.microsoft.com/office/powerpoint/2010/main">
+        <mc:Choice Requires="p14">
           <p:contentPart p14:bwMode="auto" r:id="rId5">
             <p14:nvContentPartPr>
               <p14:cNvPr id="5" name="잉크 4"/>
@@ -27096,7 +27211,7 @@
             </p14:xfrm>
           </p:contentPart>
         </mc:Choice>
-        <mc:Fallback>
+        <mc:Fallback xmlns="">
           <p:pic>
             <p:nvPicPr>
               <p:cNvPr id="5" name="잉크 4"/>
@@ -27121,8 +27236,8 @@
           </p:pic>
         </mc:Fallback>
       </mc:AlternateContent>
-      <mc:AlternateContent xmlns:mc="http://schemas.openxmlformats.org/markup-compatibility/2006">
-        <mc:Choice xmlns:p14="http://schemas.microsoft.com/office/powerpoint/2010/main" Requires="p14">
+      <mc:AlternateContent xmlns:mc="http://schemas.openxmlformats.org/markup-compatibility/2006" xmlns:p14="http://schemas.microsoft.com/office/powerpoint/2010/main">
+        <mc:Choice Requires="p14">
           <p:contentPart p14:bwMode="auto" r:id="rId7">
             <p14:nvContentPartPr>
               <p14:cNvPr id="7" name="잉크 6"/>
@@ -27135,7 +27250,7 @@
             </p14:xfrm>
           </p:contentPart>
         </mc:Choice>
-        <mc:Fallback>
+        <mc:Fallback xmlns="">
           <p:pic>
             <p:nvPicPr>
               <p:cNvPr id="7" name="잉크 6"/>
@@ -27160,8 +27275,8 @@
           </p:pic>
         </mc:Fallback>
       </mc:AlternateContent>
-      <mc:AlternateContent xmlns:mc="http://schemas.openxmlformats.org/markup-compatibility/2006">
-        <mc:Choice xmlns:p14="http://schemas.microsoft.com/office/powerpoint/2010/main" Requires="p14">
+      <mc:AlternateContent xmlns:mc="http://schemas.openxmlformats.org/markup-compatibility/2006" xmlns:p14="http://schemas.microsoft.com/office/powerpoint/2010/main">
+        <mc:Choice Requires="p14">
           <p:contentPart p14:bwMode="auto" r:id="rId9">
             <p14:nvContentPartPr>
               <p14:cNvPr id="9" name="잉크 8"/>
@@ -27174,7 +27289,7 @@
             </p14:xfrm>
           </p:contentPart>
         </mc:Choice>
-        <mc:Fallback>
+        <mc:Fallback xmlns="">
           <p:pic>
             <p:nvPicPr>
               <p:cNvPr id="9" name="잉크 8"/>
@@ -27199,8 +27314,8 @@
           </p:pic>
         </mc:Fallback>
       </mc:AlternateContent>
-      <mc:AlternateContent xmlns:mc="http://schemas.openxmlformats.org/markup-compatibility/2006">
-        <mc:Choice xmlns:p14="http://schemas.microsoft.com/office/powerpoint/2010/main" Requires="p14">
+      <mc:AlternateContent xmlns:mc="http://schemas.openxmlformats.org/markup-compatibility/2006" xmlns:p14="http://schemas.microsoft.com/office/powerpoint/2010/main">
+        <mc:Choice Requires="p14">
           <p:contentPart p14:bwMode="auto" r:id="rId11">
             <p14:nvContentPartPr>
               <p14:cNvPr id="11" name="잉크 10"/>
@@ -27213,7 +27328,7 @@
             </p14:xfrm>
           </p:contentPart>
         </mc:Choice>
-        <mc:Fallback>
+        <mc:Fallback xmlns="">
           <p:pic>
             <p:nvPicPr>
               <p:cNvPr id="11" name="잉크 10"/>
@@ -27248,14 +27363,6 @@
   <p:clrMapOvr>
     <a:masterClrMapping/>
   </p:clrMapOvr>
-  <mc:AlternateContent xmlns:mc="http://schemas.openxmlformats.org/markup-compatibility/2006" xmlns:p14="http://schemas.microsoft.com/office/powerpoint/2010/main">
-    <mc:Choice Requires="p14">
-      <p:transition spd="slow" p14:dur="2000"/>
-    </mc:Choice>
-    <mc:Fallback xmlns="">
-      <p:transition spd="slow"/>
-    </mc:Fallback>
-  </mc:AlternateContent>
 </p:sld>
 </file>
 
@@ -27292,10 +27399,9 @@
           <a:lstStyle/>
           <a:p>
             <a:r>
-              <a:rPr lang="ko-KR" altLang="en-US" dirty="0" smtClean="0"/>
+              <a:rPr lang="ko-KR" altLang="en-US" dirty="0"/>
               <a:t>데이터베이스</a:t>
             </a:r>
-            <a:endParaRPr lang="ko-KR" altLang="en-US" dirty="0"/>
           </a:p>
         </p:txBody>
       </p:sp>
@@ -27402,7 +27508,7 @@
           <a:p>
             <a:pPr algn="ctr"/>
             <a:r>
-              <a:rPr lang="ko-KR" altLang="en-US" sz="1400" dirty="0" smtClean="0">
+              <a:rPr lang="ko-KR" altLang="en-US" sz="1400" dirty="0">
                 <a:solidFill>
                   <a:schemeClr val="tx1">
                     <a:lumMod val="95000"/>
@@ -27414,21 +27520,11 @@
               </a:rPr>
               <a:t>영속 정보 관리 장치</a:t>
             </a:r>
-            <a:endParaRPr lang="ko-KR" altLang="en-US" sz="1400" dirty="0">
-              <a:solidFill>
-                <a:schemeClr val="tx1">
-                  <a:lumMod val="95000"/>
-                  <a:lumOff val="5000"/>
-                </a:schemeClr>
-              </a:solidFill>
-              <a:latin typeface="HY바다L" pitchFamily="18" charset="-127"/>
-              <a:ea typeface="HY바다L" pitchFamily="18" charset="-127"/>
-            </a:endParaRPr>
           </a:p>
         </p:txBody>
       </p:sp>
-      <mc:AlternateContent xmlns:mc="http://schemas.openxmlformats.org/markup-compatibility/2006">
-        <mc:Choice xmlns:p14="http://schemas.microsoft.com/office/powerpoint/2010/main" Requires="p14">
+      <mc:AlternateContent xmlns:mc="http://schemas.openxmlformats.org/markup-compatibility/2006" xmlns:p14="http://schemas.microsoft.com/office/powerpoint/2010/main">
+        <mc:Choice Requires="p14">
           <p:contentPart p14:bwMode="auto" r:id="rId3">
             <p14:nvContentPartPr>
               <p14:cNvPr id="3" name="잉크 2"/>
@@ -27441,7 +27537,7 @@
             </p14:xfrm>
           </p:contentPart>
         </mc:Choice>
-        <mc:Fallback>
+        <mc:Fallback xmlns="">
           <p:pic>
             <p:nvPicPr>
               <p:cNvPr id="3" name="잉크 2"/>
@@ -28018,14 +28114,6 @@
   <p:clrMapOvr>
     <a:masterClrMapping/>
   </p:clrMapOvr>
-  <mc:AlternateContent xmlns:mc="http://schemas.openxmlformats.org/markup-compatibility/2006" xmlns:p14="http://schemas.microsoft.com/office/powerpoint/2010/main">
-    <mc:Choice Requires="p14">
-      <p:transition spd="slow" p14:dur="2000"/>
-    </mc:Choice>
-    <mc:Fallback xmlns="">
-      <p:transition spd="slow"/>
-    </mc:Fallback>
-  </mc:AlternateContent>
 </p:sld>
 </file>
 
@@ -28492,14 +28580,6 @@
   <p:clrMapOvr>
     <a:masterClrMapping/>
   </p:clrMapOvr>
-  <mc:AlternateContent xmlns:mc="http://schemas.openxmlformats.org/markup-compatibility/2006" xmlns:p14="http://schemas.microsoft.com/office/powerpoint/2010/main">
-    <mc:Choice Requires="p14">
-      <p:transition spd="slow" p14:dur="2000"/>
-    </mc:Choice>
-    <mc:Fallback xmlns="">
-      <p:transition spd="slow"/>
-    </mc:Fallback>
-  </mc:AlternateContent>
 </p:sld>
 </file>
 
@@ -28745,7 +28825,7 @@
               <a:buNone/>
             </a:pPr>
             <a:r>
-              <a:rPr lang="en-US" altLang="ko-KR" sz="1400" b="1">
+              <a:rPr lang="en-US" altLang="ko-KR" sz="1400" b="1" dirty="0">
                 <a:solidFill>
                   <a:srgbClr val="7F0055"/>
                 </a:solidFill>
@@ -28754,13 +28834,31 @@
               <a:t>import</a:t>
             </a:r>
             <a:r>
-              <a:rPr lang="en-US" altLang="ko-KR" sz="1400">
+              <a:rPr lang="en-US" altLang="ko-KR" sz="1400" dirty="0">
                 <a:solidFill>
                   <a:srgbClr val="008000"/>
                 </a:solidFill>
                 <a:latin typeface="+mn-lt"/>
               </a:rPr>
-              <a:t> java.sql.*;</a:t>
+              <a:t> </a:t>
+            </a:r>
+            <a:r>
+              <a:rPr lang="en-US" altLang="ko-KR" sz="1400" dirty="0" err="1">
+                <a:solidFill>
+                  <a:srgbClr val="008000"/>
+                </a:solidFill>
+                <a:latin typeface="+mn-lt"/>
+              </a:rPr>
+              <a:t>java.sql</a:t>
+            </a:r>
+            <a:r>
+              <a:rPr lang="en-US" altLang="ko-KR" sz="1400" dirty="0">
+                <a:solidFill>
+                  <a:srgbClr val="008000"/>
+                </a:solidFill>
+                <a:latin typeface="+mn-lt"/>
+              </a:rPr>
+              <a:t>.*;</a:t>
             </a:r>
           </a:p>
           <a:p>
@@ -28769,7 +28867,7 @@
               <a:buNone/>
             </a:pPr>
             <a:r>
-              <a:rPr lang="en-US" altLang="ko-KR" sz="1400" b="1">
+              <a:rPr lang="en-US" altLang="ko-KR" sz="1400" b="1" dirty="0">
                 <a:solidFill>
                   <a:srgbClr val="7F0055"/>
                 </a:solidFill>
@@ -28778,7 +28876,7 @@
               <a:t>public</a:t>
             </a:r>
             <a:r>
-              <a:rPr lang="en-US" altLang="ko-KR" sz="1400">
+              <a:rPr lang="en-US" altLang="ko-KR" sz="1400" dirty="0">
                 <a:solidFill>
                   <a:srgbClr val="008000"/>
                 </a:solidFill>
@@ -28787,7 +28885,7 @@
               <a:t> </a:t>
             </a:r>
             <a:r>
-              <a:rPr lang="en-US" altLang="ko-KR" sz="1400" b="1">
+              <a:rPr lang="en-US" altLang="ko-KR" sz="1400" b="1" dirty="0">
                 <a:solidFill>
                   <a:srgbClr val="7F0055"/>
                 </a:solidFill>
@@ -28796,13 +28894,31 @@
               <a:t>class</a:t>
             </a:r>
             <a:r>
-              <a:rPr lang="en-US" altLang="ko-KR" sz="1400">
+              <a:rPr lang="en-US" altLang="ko-KR" sz="1400" dirty="0">
                 <a:solidFill>
                   <a:srgbClr val="008000"/>
                 </a:solidFill>
                 <a:latin typeface="+mn-lt"/>
               </a:rPr>
-              <a:t> ConnectDatabase {</a:t>
+              <a:t> </a:t>
+            </a:r>
+            <a:r>
+              <a:rPr lang="en-US" altLang="ko-KR" sz="1400" dirty="0" err="1">
+                <a:solidFill>
+                  <a:srgbClr val="008000"/>
+                </a:solidFill>
+                <a:latin typeface="+mn-lt"/>
+              </a:rPr>
+              <a:t>ConnectDatabase</a:t>
+            </a:r>
+            <a:r>
+              <a:rPr lang="en-US" altLang="ko-KR" sz="1400" dirty="0">
+                <a:solidFill>
+                  <a:srgbClr val="008000"/>
+                </a:solidFill>
+                <a:latin typeface="+mn-lt"/>
+              </a:rPr>
+              <a:t> {</a:t>
             </a:r>
           </a:p>
           <a:p>
@@ -28811,7 +28927,7 @@
               <a:buNone/>
             </a:pPr>
             <a:r>
-              <a:rPr lang="en-US" altLang="ko-KR" sz="1400">
+              <a:rPr lang="en-US" altLang="ko-KR" sz="1400" dirty="0">
                 <a:solidFill>
                   <a:srgbClr val="008000"/>
                 </a:solidFill>
@@ -28820,7 +28936,7 @@
               <a:t>       </a:t>
             </a:r>
             <a:r>
-              <a:rPr lang="en-US" altLang="ko-KR" sz="1400" b="1">
+              <a:rPr lang="en-US" altLang="ko-KR" sz="1400" b="1" dirty="0">
                 <a:solidFill>
                   <a:srgbClr val="7F0055"/>
                 </a:solidFill>
@@ -28829,7 +28945,7 @@
               <a:t>public</a:t>
             </a:r>
             <a:r>
-              <a:rPr lang="en-US" altLang="ko-KR" sz="1400">
+              <a:rPr lang="en-US" altLang="ko-KR" sz="1400" dirty="0">
                 <a:solidFill>
                   <a:srgbClr val="008000"/>
                 </a:solidFill>
@@ -28838,7 +28954,7 @@
               <a:t> </a:t>
             </a:r>
             <a:r>
-              <a:rPr lang="en-US" altLang="ko-KR" sz="1400" b="1">
+              <a:rPr lang="en-US" altLang="ko-KR" sz="1400" b="1" dirty="0">
                 <a:solidFill>
                   <a:srgbClr val="7F0055"/>
                 </a:solidFill>
@@ -28847,13 +28963,31 @@
               <a:t>static</a:t>
             </a:r>
             <a:r>
-              <a:rPr lang="en-US" altLang="ko-KR" sz="1400">
+              <a:rPr lang="en-US" altLang="ko-KR" sz="1400" dirty="0">
                 <a:solidFill>
                   <a:srgbClr val="008000"/>
                 </a:solidFill>
                 <a:latin typeface="+mn-lt"/>
               </a:rPr>
-              <a:t> Connection makeConnection()</a:t>
+              <a:t> Connection </a:t>
+            </a:r>
+            <a:r>
+              <a:rPr lang="en-US" altLang="ko-KR" sz="1400" dirty="0" err="1">
+                <a:solidFill>
+                  <a:srgbClr val="008000"/>
+                </a:solidFill>
+                <a:latin typeface="+mn-lt"/>
+              </a:rPr>
+              <a:t>makeConnection</a:t>
+            </a:r>
+            <a:r>
+              <a:rPr lang="en-US" altLang="ko-KR" sz="1400" dirty="0">
+                <a:solidFill>
+                  <a:srgbClr val="008000"/>
+                </a:solidFill>
+                <a:latin typeface="+mn-lt"/>
+              </a:rPr>
+              <a:t>()</a:t>
             </a:r>
           </a:p>
           <a:p>
@@ -28862,7 +28996,7 @@
               <a:buNone/>
             </a:pPr>
             <a:r>
-              <a:rPr lang="en-US" altLang="ko-KR" sz="1400">
+              <a:rPr lang="en-US" altLang="ko-KR" sz="1400" dirty="0">
                 <a:solidFill>
                   <a:srgbClr val="008000"/>
                 </a:solidFill>
@@ -28877,25 +29011,79 @@
               <a:buNone/>
             </a:pPr>
             <a:r>
-              <a:rPr lang="en-US" altLang="ko-KR" sz="1400">
+              <a:rPr lang="en-US" altLang="ko-KR" sz="1400" dirty="0">
                 <a:solidFill>
                   <a:srgbClr val="008000"/>
                 </a:solidFill>
                 <a:latin typeface="+mn-lt"/>
               </a:rPr>
-              <a:t>             String url = </a:t>
-            </a:r>
-            <a:r>
-              <a:rPr lang="en-US" altLang="ko-KR" sz="1400">
+              <a:t>             String </a:t>
+            </a:r>
+            <a:r>
+              <a:rPr lang="en-US" altLang="ko-KR" sz="1400" dirty="0" err="1">
+                <a:solidFill>
+                  <a:srgbClr val="008000"/>
+                </a:solidFill>
+                <a:latin typeface="+mn-lt"/>
+              </a:rPr>
+              <a:t>url</a:t>
+            </a:r>
+            <a:r>
+              <a:rPr lang="en-US" altLang="ko-KR" sz="1400" dirty="0">
+                <a:solidFill>
+                  <a:srgbClr val="008000"/>
+                </a:solidFill>
+                <a:latin typeface="+mn-lt"/>
+              </a:rPr>
+              <a:t> = </a:t>
+            </a:r>
+            <a:r>
+              <a:rPr lang="en-US" altLang="ko-KR" sz="1400" dirty="0">
                 <a:solidFill>
                   <a:srgbClr val="2A00FF"/>
                 </a:solidFill>
                 <a:latin typeface="+mn-lt"/>
               </a:rPr>
-              <a:t>"jdbc:mysql://localhost/book_db"</a:t>
-            </a:r>
-            <a:r>
-              <a:rPr lang="en-US" altLang="ko-KR" sz="1400">
+              <a:t>"</a:t>
+            </a:r>
+            <a:r>
+              <a:rPr lang="en-US" altLang="ko-KR" sz="1400" dirty="0" err="1">
+                <a:solidFill>
+                  <a:srgbClr val="2A00FF"/>
+                </a:solidFill>
+                <a:latin typeface="+mn-lt"/>
+              </a:rPr>
+              <a:t>jdbc:mysql</a:t>
+            </a:r>
+            <a:r>
+              <a:rPr lang="en-US" altLang="ko-KR" sz="1400" dirty="0">
+                <a:solidFill>
+                  <a:srgbClr val="2A00FF"/>
+                </a:solidFill>
+                <a:latin typeface="+mn-lt"/>
+              </a:rPr>
+              <a:t>://localhost/</a:t>
+            </a:r>
+            <a:r>
+              <a:rPr lang="en-US" altLang="ko-KR" sz="1400" dirty="0" err="1">
+                <a:solidFill>
+                  <a:srgbClr val="2A00FF"/>
+                </a:solidFill>
+                <a:latin typeface="+mn-lt"/>
+              </a:rPr>
+              <a:t>book_db</a:t>
+            </a:r>
+            <a:r>
+              <a:rPr lang="en-US" altLang="ko-KR" sz="1400" dirty="0">
+                <a:solidFill>
+                  <a:srgbClr val="2A00FF"/>
+                </a:solidFill>
+                <a:latin typeface="+mn-lt"/>
+              </a:rPr>
+              <a:t>"</a:t>
+            </a:r>
+            <a:r>
+              <a:rPr lang="en-US" altLang="ko-KR" sz="1400" dirty="0">
                 <a:solidFill>
                   <a:srgbClr val="008000"/>
                 </a:solidFill>
@@ -28910,7 +29098,7 @@
               <a:buNone/>
             </a:pPr>
             <a:r>
-              <a:rPr lang="en-US" altLang="ko-KR" sz="1400">
+              <a:rPr lang="en-US" altLang="ko-KR" sz="1400" dirty="0">
                 <a:solidFill>
                   <a:srgbClr val="008000"/>
                 </a:solidFill>
@@ -28919,7 +29107,7 @@
               <a:t>             String id = </a:t>
             </a:r>
             <a:r>
-              <a:rPr lang="en-US" altLang="ko-KR" sz="1400">
+              <a:rPr lang="en-US" altLang="ko-KR" sz="1400" dirty="0">
                 <a:solidFill>
                   <a:srgbClr val="2A00FF"/>
                 </a:solidFill>
@@ -28928,7 +29116,7 @@
               <a:t>"root"</a:t>
             </a:r>
             <a:r>
-              <a:rPr lang="en-US" altLang="ko-KR" sz="1400">
+              <a:rPr lang="en-US" altLang="ko-KR" sz="1400" dirty="0">
                 <a:solidFill>
                   <a:srgbClr val="008000"/>
                 </a:solidFill>
@@ -28943,7 +29131,7 @@
               <a:buNone/>
             </a:pPr>
             <a:r>
-              <a:rPr lang="en-US" altLang="ko-KR" sz="1400">
+              <a:rPr lang="en-US" altLang="ko-KR" sz="1400" dirty="0">
                 <a:solidFill>
                   <a:srgbClr val="008000"/>
                 </a:solidFill>
@@ -28952,7 +29140,7 @@
               <a:t>             String password = </a:t>
             </a:r>
             <a:r>
-              <a:rPr lang="en-US" altLang="ko-KR" sz="1400">
+              <a:rPr lang="en-US" altLang="ko-KR" sz="1400" dirty="0">
                 <a:solidFill>
                   <a:srgbClr val="2A00FF"/>
                 </a:solidFill>
@@ -28961,7 +29149,7 @@
               <a:t>"password"</a:t>
             </a:r>
             <a:r>
-              <a:rPr lang="en-US" altLang="ko-KR" sz="1400">
+              <a:rPr lang="en-US" altLang="ko-KR" sz="1400" dirty="0">
                 <a:solidFill>
                   <a:srgbClr val="008000"/>
                 </a:solidFill>
@@ -28976,7 +29164,7 @@
               <a:buNone/>
             </a:pPr>
             <a:r>
-              <a:rPr lang="en-US" altLang="ko-KR" sz="1400">
+              <a:rPr lang="en-US" altLang="ko-KR" sz="1400" dirty="0">
                 <a:solidFill>
                   <a:srgbClr val="008000"/>
                 </a:solidFill>
@@ -28985,7 +29173,7 @@
               <a:t>             Connection con = </a:t>
             </a:r>
             <a:r>
-              <a:rPr lang="en-US" altLang="ko-KR" sz="1400" b="1">
+              <a:rPr lang="en-US" altLang="ko-KR" sz="1400" b="1" dirty="0">
                 <a:solidFill>
                   <a:srgbClr val="7F0055"/>
                 </a:solidFill>
@@ -28994,7 +29182,7 @@
               <a:t>null</a:t>
             </a:r>
             <a:r>
-              <a:rPr lang="en-US" altLang="ko-KR" sz="1400">
+              <a:rPr lang="en-US" altLang="ko-KR" sz="1400" dirty="0">
                 <a:solidFill>
                   <a:srgbClr val="008000"/>
                 </a:solidFill>
@@ -29009,7 +29197,7 @@
               <a:buNone/>
             </a:pPr>
             <a:r>
-              <a:rPr lang="en-US" altLang="ko-KR" sz="1400">
+              <a:rPr lang="en-US" altLang="ko-KR" sz="1400" dirty="0">
                 <a:solidFill>
                   <a:srgbClr val="008000"/>
                 </a:solidFill>
@@ -29018,7 +29206,7 @@
               <a:t>             </a:t>
             </a:r>
             <a:r>
-              <a:rPr lang="en-US" altLang="ko-KR" sz="1400" b="1">
+              <a:rPr lang="en-US" altLang="ko-KR" sz="1400" b="1" dirty="0">
                 <a:solidFill>
                   <a:srgbClr val="7F0055"/>
                 </a:solidFill>
@@ -29027,7 +29215,7 @@
               <a:t>try</a:t>
             </a:r>
             <a:r>
-              <a:rPr lang="en-US" altLang="ko-KR" sz="1400">
+              <a:rPr lang="en-US" altLang="ko-KR" sz="1400" dirty="0">
                 <a:solidFill>
                   <a:srgbClr val="008000"/>
                 </a:solidFill>
@@ -29042,25 +29230,34 @@
               <a:buNone/>
             </a:pPr>
             <a:r>
-              <a:rPr lang="en-US" altLang="ko-KR" sz="1400">
+              <a:rPr lang="en-US" altLang="ko-KR" sz="1400" dirty="0">
                 <a:solidFill>
                   <a:srgbClr val="008000"/>
                 </a:solidFill>
                 <a:latin typeface="+mn-lt"/>
               </a:rPr>
-              <a:t>                    Class.</a:t>
-            </a:r>
-            <a:r>
-              <a:rPr lang="en-US" altLang="ko-KR" sz="1400" i="1">
+              <a:t>                    </a:t>
+            </a:r>
+            <a:r>
+              <a:rPr lang="en-US" altLang="ko-KR" sz="1400" dirty="0" err="1">
                 <a:solidFill>
                   <a:srgbClr val="008000"/>
                 </a:solidFill>
                 <a:latin typeface="+mn-lt"/>
               </a:rPr>
+              <a:t>Class.</a:t>
+            </a:r>
+            <a:r>
+              <a:rPr lang="en-US" altLang="ko-KR" sz="1400" i="1" dirty="0" err="1">
+                <a:solidFill>
+                  <a:srgbClr val="008000"/>
+                </a:solidFill>
+                <a:latin typeface="+mn-lt"/>
+              </a:rPr>
               <a:t>forName</a:t>
             </a:r>
             <a:r>
-              <a:rPr lang="en-US" altLang="ko-KR" sz="1400">
+              <a:rPr lang="en-US" altLang="ko-KR" sz="1400" dirty="0">
                 <a:solidFill>
                   <a:srgbClr val="008000"/>
                 </a:solidFill>
@@ -29069,16 +29266,34 @@
               <a:t>(</a:t>
             </a:r>
             <a:r>
-              <a:rPr lang="en-US" altLang="ko-KR" sz="1400">
+              <a:rPr lang="en-US" altLang="ko-KR" sz="1400" dirty="0">
                 <a:solidFill>
                   <a:srgbClr val="2A00FF"/>
                 </a:solidFill>
                 <a:latin typeface="+mn-lt"/>
               </a:rPr>
-              <a:t>"com.mysql.jdbc.Driver"</a:t>
-            </a:r>
-            <a:r>
-              <a:rPr lang="en-US" altLang="ko-KR" sz="1400">
+              <a:t>"</a:t>
+            </a:r>
+            <a:r>
+              <a:rPr lang="en-US" altLang="ko-KR" sz="1400" dirty="0" err="1">
+                <a:solidFill>
+                  <a:srgbClr val="2A00FF"/>
+                </a:solidFill>
+                <a:latin typeface="+mn-lt"/>
+              </a:rPr>
+              <a:t>com.mysql.jdbc.Driver</a:t>
+            </a:r>
+            <a:r>
+              <a:rPr lang="en-US" altLang="ko-KR" sz="1400" dirty="0">
+                <a:solidFill>
+                  <a:srgbClr val="2A00FF"/>
+                </a:solidFill>
+                <a:latin typeface="+mn-lt"/>
+              </a:rPr>
+              <a:t>"</a:t>
+            </a:r>
+            <a:r>
+              <a:rPr lang="en-US" altLang="ko-KR" sz="1400" dirty="0">
                 <a:solidFill>
                   <a:srgbClr val="008000"/>
                 </a:solidFill>
@@ -29093,16 +29308,25 @@
               <a:buNone/>
             </a:pPr>
             <a:r>
-              <a:rPr lang="en-US" altLang="ko-KR" sz="1400">
+              <a:rPr lang="en-US" altLang="ko-KR" sz="1400" dirty="0">
                 <a:solidFill>
                   <a:srgbClr val="008000"/>
                 </a:solidFill>
                 <a:latin typeface="+mn-lt"/>
               </a:rPr>
-              <a:t>                    System.</a:t>
-            </a:r>
-            <a:r>
-              <a:rPr lang="en-US" altLang="ko-KR" sz="1400" i="1">
+              <a:t>                    </a:t>
+            </a:r>
+            <a:r>
+              <a:rPr lang="en-US" altLang="ko-KR" sz="1400" dirty="0" err="1">
+                <a:solidFill>
+                  <a:srgbClr val="008000"/>
+                </a:solidFill>
+                <a:latin typeface="+mn-lt"/>
+              </a:rPr>
+              <a:t>System.</a:t>
+            </a:r>
+            <a:r>
+              <a:rPr lang="en-US" altLang="ko-KR" sz="1400" i="1" dirty="0" err="1">
                 <a:solidFill>
                   <a:srgbClr val="0000C0"/>
                 </a:solidFill>
@@ -29111,16 +29335,25 @@
               <a:t>out</a:t>
             </a:r>
             <a:r>
-              <a:rPr lang="en-US" altLang="ko-KR" sz="1400">
+              <a:rPr lang="en-US" altLang="ko-KR" sz="1400" dirty="0" err="1">
                 <a:solidFill>
                   <a:srgbClr val="008000"/>
                 </a:solidFill>
                 <a:latin typeface="+mn-lt"/>
               </a:rPr>
-              <a:t>.println(</a:t>
-            </a:r>
-            <a:r>
-              <a:rPr lang="en-US" altLang="ko-KR" sz="1400">
+              <a:t>.println</a:t>
+            </a:r>
+            <a:r>
+              <a:rPr lang="en-US" altLang="ko-KR" sz="1400" dirty="0">
+                <a:solidFill>
+                  <a:srgbClr val="008000"/>
+                </a:solidFill>
+                <a:latin typeface="+mn-lt"/>
+              </a:rPr>
+              <a:t>(</a:t>
+            </a:r>
+            <a:r>
+              <a:rPr lang="en-US" altLang="ko-KR" sz="1400" dirty="0">
                 <a:solidFill>
                   <a:srgbClr val="2A00FF"/>
                 </a:solidFill>
@@ -29129,7 +29362,7 @@
               <a:t>"</a:t>
             </a:r>
             <a:r>
-              <a:rPr lang="ko-KR" altLang="en-US" sz="1400">
+              <a:rPr lang="ko-KR" altLang="en-US" sz="1400" dirty="0">
                 <a:solidFill>
                   <a:srgbClr val="2A00FF"/>
                 </a:solidFill>
@@ -29138,7 +29371,7 @@
               <a:t>드라이버 적재 성공</a:t>
             </a:r>
             <a:r>
-              <a:rPr lang="en-US" altLang="ko-KR" sz="1400">
+              <a:rPr lang="en-US" altLang="ko-KR" sz="1400" dirty="0">
                 <a:solidFill>
                   <a:srgbClr val="2A00FF"/>
                 </a:solidFill>
@@ -29147,7 +29380,7 @@
               <a:t>"</a:t>
             </a:r>
             <a:r>
-              <a:rPr lang="en-US" altLang="ko-KR" sz="1400">
+              <a:rPr lang="en-US" altLang="ko-KR" sz="1400" dirty="0">
                 <a:solidFill>
                   <a:srgbClr val="008000"/>
                 </a:solidFill>
@@ -29162,31 +29395,58 @@
               <a:buNone/>
             </a:pPr>
             <a:r>
-              <a:rPr lang="en-US" altLang="ko-KR" sz="1400">
+              <a:rPr lang="en-US" altLang="ko-KR" sz="1400" dirty="0">
                 <a:solidFill>
                   <a:srgbClr val="008000"/>
                 </a:solidFill>
                 <a:latin typeface="+mn-lt"/>
               </a:rPr>
-              <a:t>                    con = DriverManager.</a:t>
-            </a:r>
-            <a:r>
-              <a:rPr lang="en-US" altLang="ko-KR" sz="1400" i="1">
+              <a:t>                    con = </a:t>
+            </a:r>
+            <a:r>
+              <a:rPr lang="en-US" altLang="ko-KR" sz="1400" dirty="0" err="1">
                 <a:solidFill>
                   <a:srgbClr val="008000"/>
                 </a:solidFill>
                 <a:latin typeface="+mn-lt"/>
               </a:rPr>
+              <a:t>DriverManager.</a:t>
+            </a:r>
+            <a:r>
+              <a:rPr lang="en-US" altLang="ko-KR" sz="1400" i="1" dirty="0" err="1">
+                <a:solidFill>
+                  <a:srgbClr val="008000"/>
+                </a:solidFill>
+                <a:latin typeface="+mn-lt"/>
+              </a:rPr>
               <a:t>getConnection</a:t>
             </a:r>
             <a:r>
-              <a:rPr lang="en-US" altLang="ko-KR" sz="1400">
+              <a:rPr lang="en-US" altLang="ko-KR" sz="1400" dirty="0">
                 <a:solidFill>
                   <a:srgbClr val="008000"/>
                 </a:solidFill>
                 <a:latin typeface="+mn-lt"/>
               </a:rPr>
-              <a:t>(url, id, password);</a:t>
+              <a:t>(</a:t>
+            </a:r>
+            <a:r>
+              <a:rPr lang="en-US" altLang="ko-KR" sz="1400" dirty="0" err="1">
+                <a:solidFill>
+                  <a:srgbClr val="008000"/>
+                </a:solidFill>
+                <a:latin typeface="+mn-lt"/>
+              </a:rPr>
+              <a:t>url</a:t>
+            </a:r>
+            <a:r>
+              <a:rPr lang="en-US" altLang="ko-KR" sz="1400" dirty="0">
+                <a:solidFill>
+                  <a:srgbClr val="008000"/>
+                </a:solidFill>
+                <a:latin typeface="+mn-lt"/>
+              </a:rPr>
+              <a:t>, id, password);</a:t>
             </a:r>
           </a:p>
           <a:p>
@@ -29195,16 +29455,25 @@
               <a:buNone/>
             </a:pPr>
             <a:r>
-              <a:rPr lang="en-US" altLang="ko-KR" sz="1400">
+              <a:rPr lang="en-US" altLang="ko-KR" sz="1400" dirty="0">
                 <a:solidFill>
                   <a:srgbClr val="008000"/>
                 </a:solidFill>
                 <a:latin typeface="+mn-lt"/>
               </a:rPr>
-              <a:t>                    System.</a:t>
-            </a:r>
-            <a:r>
-              <a:rPr lang="en-US" altLang="ko-KR" sz="1400" i="1">
+              <a:t>                    </a:t>
+            </a:r>
+            <a:r>
+              <a:rPr lang="en-US" altLang="ko-KR" sz="1400" dirty="0" err="1">
+                <a:solidFill>
+                  <a:srgbClr val="008000"/>
+                </a:solidFill>
+                <a:latin typeface="+mn-lt"/>
+              </a:rPr>
+              <a:t>System.</a:t>
+            </a:r>
+            <a:r>
+              <a:rPr lang="en-US" altLang="ko-KR" sz="1400" i="1" dirty="0" err="1">
                 <a:solidFill>
                   <a:srgbClr val="0000C0"/>
                 </a:solidFill>
@@ -29213,16 +29482,25 @@
               <a:t>out</a:t>
             </a:r>
             <a:r>
-              <a:rPr lang="en-US" altLang="ko-KR" sz="1400">
+              <a:rPr lang="en-US" altLang="ko-KR" sz="1400" dirty="0" err="1">
                 <a:solidFill>
                   <a:srgbClr val="008000"/>
                 </a:solidFill>
                 <a:latin typeface="+mn-lt"/>
               </a:rPr>
-              <a:t>.println(</a:t>
-            </a:r>
-            <a:r>
-              <a:rPr lang="en-US" altLang="ko-KR" sz="1400">
+              <a:t>.println</a:t>
+            </a:r>
+            <a:r>
+              <a:rPr lang="en-US" altLang="ko-KR" sz="1400" dirty="0">
+                <a:solidFill>
+                  <a:srgbClr val="008000"/>
+                </a:solidFill>
+                <a:latin typeface="+mn-lt"/>
+              </a:rPr>
+              <a:t>(</a:t>
+            </a:r>
+            <a:r>
+              <a:rPr lang="en-US" altLang="ko-KR" sz="1400" dirty="0">
                 <a:solidFill>
                   <a:srgbClr val="2A00FF"/>
                 </a:solidFill>
@@ -29231,7 +29509,7 @@
               <a:t>"</a:t>
             </a:r>
             <a:r>
-              <a:rPr lang="ko-KR" altLang="en-US" sz="1400">
+              <a:rPr lang="ko-KR" altLang="en-US" sz="1400" dirty="0">
                 <a:solidFill>
                   <a:srgbClr val="2A00FF"/>
                 </a:solidFill>
@@ -29240,7 +29518,7 @@
               <a:t>데이터베이스 연결 성공</a:t>
             </a:r>
             <a:r>
-              <a:rPr lang="en-US" altLang="ko-KR" sz="1400">
+              <a:rPr lang="en-US" altLang="ko-KR" sz="1400" dirty="0">
                 <a:solidFill>
                   <a:srgbClr val="2A00FF"/>
                 </a:solidFill>
@@ -29249,7 +29527,7 @@
               <a:t>"</a:t>
             </a:r>
             <a:r>
-              <a:rPr lang="en-US" altLang="ko-KR" sz="1400">
+              <a:rPr lang="en-US" altLang="ko-KR" sz="1400" dirty="0">
                 <a:solidFill>
                   <a:srgbClr val="008000"/>
                 </a:solidFill>
@@ -29264,7 +29542,7 @@
               <a:buNone/>
             </a:pPr>
             <a:r>
-              <a:rPr lang="en-US" altLang="ko-KR" sz="1400">
+              <a:rPr lang="en-US" altLang="ko-KR" sz="1400" dirty="0">
                 <a:solidFill>
                   <a:srgbClr val="008000"/>
                 </a:solidFill>
@@ -29273,7 +29551,7 @@
               <a:t>             } </a:t>
             </a:r>
             <a:r>
-              <a:rPr lang="en-US" altLang="ko-KR" sz="1400" b="1">
+              <a:rPr lang="en-US" altLang="ko-KR" sz="1400" b="1" dirty="0">
                 <a:solidFill>
                   <a:srgbClr val="7F0055"/>
                 </a:solidFill>
@@ -29282,13 +29560,31 @@
               <a:t>catch</a:t>
             </a:r>
             <a:r>
-              <a:rPr lang="en-US" altLang="ko-KR" sz="1400">
+              <a:rPr lang="en-US" altLang="ko-KR" sz="1400" dirty="0">
                 <a:solidFill>
                   <a:srgbClr val="008000"/>
                 </a:solidFill>
                 <a:latin typeface="+mn-lt"/>
               </a:rPr>
-              <a:t> (ClassNotFoundException e) {</a:t>
+              <a:t> (</a:t>
+            </a:r>
+            <a:r>
+              <a:rPr lang="en-US" altLang="ko-KR" sz="1400" dirty="0" err="1">
+                <a:solidFill>
+                  <a:srgbClr val="008000"/>
+                </a:solidFill>
+                <a:latin typeface="+mn-lt"/>
+              </a:rPr>
+              <a:t>ClassNotFoundException</a:t>
+            </a:r>
+            <a:r>
+              <a:rPr lang="en-US" altLang="ko-KR" sz="1400" dirty="0">
+                <a:solidFill>
+                  <a:srgbClr val="008000"/>
+                </a:solidFill>
+                <a:latin typeface="+mn-lt"/>
+              </a:rPr>
+              <a:t> e) {</a:t>
             </a:r>
           </a:p>
           <a:p>
@@ -29297,16 +29593,25 @@
               <a:buNone/>
             </a:pPr>
             <a:r>
-              <a:rPr lang="en-US" altLang="ko-KR" sz="1400">
+              <a:rPr lang="en-US" altLang="ko-KR" sz="1400" dirty="0">
                 <a:solidFill>
                   <a:srgbClr val="008000"/>
                 </a:solidFill>
                 <a:latin typeface="+mn-lt"/>
               </a:rPr>
-              <a:t>                    System.</a:t>
-            </a:r>
-            <a:r>
-              <a:rPr lang="en-US" altLang="ko-KR" sz="1400" i="1">
+              <a:t>                    </a:t>
+            </a:r>
+            <a:r>
+              <a:rPr lang="en-US" altLang="ko-KR" sz="1400" dirty="0" err="1">
+                <a:solidFill>
+                  <a:srgbClr val="008000"/>
+                </a:solidFill>
+                <a:latin typeface="+mn-lt"/>
+              </a:rPr>
+              <a:t>System.</a:t>
+            </a:r>
+            <a:r>
+              <a:rPr lang="en-US" altLang="ko-KR" sz="1400" i="1" dirty="0" err="1">
                 <a:solidFill>
                   <a:srgbClr val="0000C0"/>
                 </a:solidFill>
@@ -29315,16 +29620,25 @@
               <a:t>out</a:t>
             </a:r>
             <a:r>
-              <a:rPr lang="en-US" altLang="ko-KR" sz="1400">
+              <a:rPr lang="en-US" altLang="ko-KR" sz="1400" dirty="0" err="1">
                 <a:solidFill>
                   <a:srgbClr val="008000"/>
                 </a:solidFill>
                 <a:latin typeface="+mn-lt"/>
               </a:rPr>
-              <a:t>.println(</a:t>
-            </a:r>
-            <a:r>
-              <a:rPr lang="en-US" altLang="ko-KR" sz="1400">
+              <a:t>.println</a:t>
+            </a:r>
+            <a:r>
+              <a:rPr lang="en-US" altLang="ko-KR" sz="1400" dirty="0">
+                <a:solidFill>
+                  <a:srgbClr val="008000"/>
+                </a:solidFill>
+                <a:latin typeface="+mn-lt"/>
+              </a:rPr>
+              <a:t>(</a:t>
+            </a:r>
+            <a:r>
+              <a:rPr lang="en-US" altLang="ko-KR" sz="1400" dirty="0">
                 <a:solidFill>
                   <a:srgbClr val="2A00FF"/>
                 </a:solidFill>
@@ -29333,7 +29647,7 @@
               <a:t>"</a:t>
             </a:r>
             <a:r>
-              <a:rPr lang="ko-KR" altLang="en-US" sz="1400">
+              <a:rPr lang="ko-KR" altLang="en-US" sz="1400" dirty="0">
                 <a:solidFill>
                   <a:srgbClr val="2A00FF"/>
                 </a:solidFill>
@@ -29342,7 +29656,7 @@
               <a:t>드라이버를 찾을 수 없습니다</a:t>
             </a:r>
             <a:r>
-              <a:rPr lang="en-US" altLang="ko-KR" sz="1400">
+              <a:rPr lang="en-US" altLang="ko-KR" sz="1400" dirty="0">
                 <a:solidFill>
                   <a:srgbClr val="2A00FF"/>
                 </a:solidFill>
@@ -29351,7 +29665,7 @@
               <a:t>."</a:t>
             </a:r>
             <a:r>
-              <a:rPr lang="en-US" altLang="ko-KR" sz="1400">
+              <a:rPr lang="en-US" altLang="ko-KR" sz="1400" dirty="0">
                 <a:solidFill>
                   <a:srgbClr val="008000"/>
                 </a:solidFill>
@@ -29366,7 +29680,7 @@
               <a:buNone/>
             </a:pPr>
             <a:r>
-              <a:rPr lang="en-US" altLang="ko-KR" sz="1400">
+              <a:rPr lang="en-US" altLang="ko-KR" sz="1400" dirty="0">
                 <a:solidFill>
                   <a:srgbClr val="008000"/>
                 </a:solidFill>
@@ -29375,7 +29689,7 @@
               <a:t>             } </a:t>
             </a:r>
             <a:r>
-              <a:rPr lang="en-US" altLang="ko-KR" sz="1400" b="1">
+              <a:rPr lang="en-US" altLang="ko-KR" sz="1400" b="1" dirty="0">
                 <a:solidFill>
                   <a:srgbClr val="7F0055"/>
                 </a:solidFill>
@@ -29384,13 +29698,31 @@
               <a:t>catch</a:t>
             </a:r>
             <a:r>
-              <a:rPr lang="en-US" altLang="ko-KR" sz="1400">
+              <a:rPr lang="en-US" altLang="ko-KR" sz="1400" dirty="0">
                 <a:solidFill>
                   <a:srgbClr val="008000"/>
                 </a:solidFill>
                 <a:latin typeface="+mn-lt"/>
               </a:rPr>
-              <a:t> (SQLException e) {</a:t>
+              <a:t> (</a:t>
+            </a:r>
+            <a:r>
+              <a:rPr lang="en-US" altLang="ko-KR" sz="1400" dirty="0" err="1">
+                <a:solidFill>
+                  <a:srgbClr val="008000"/>
+                </a:solidFill>
+                <a:latin typeface="+mn-lt"/>
+              </a:rPr>
+              <a:t>SQLException</a:t>
+            </a:r>
+            <a:r>
+              <a:rPr lang="en-US" altLang="ko-KR" sz="1400" dirty="0">
+                <a:solidFill>
+                  <a:srgbClr val="008000"/>
+                </a:solidFill>
+                <a:latin typeface="+mn-lt"/>
+              </a:rPr>
+              <a:t> e) {</a:t>
             </a:r>
           </a:p>
           <a:p>
@@ -29399,16 +29731,25 @@
               <a:buNone/>
             </a:pPr>
             <a:r>
-              <a:rPr lang="en-US" altLang="ko-KR" sz="1400">
+              <a:rPr lang="en-US" altLang="ko-KR" sz="1400" dirty="0">
                 <a:solidFill>
                   <a:srgbClr val="008000"/>
                 </a:solidFill>
                 <a:latin typeface="+mn-lt"/>
               </a:rPr>
-              <a:t>                    System.</a:t>
-            </a:r>
-            <a:r>
-              <a:rPr lang="en-US" altLang="ko-KR" sz="1400" i="1">
+              <a:t>                    </a:t>
+            </a:r>
+            <a:r>
+              <a:rPr lang="en-US" altLang="ko-KR" sz="1400" dirty="0" err="1">
+                <a:solidFill>
+                  <a:srgbClr val="008000"/>
+                </a:solidFill>
+                <a:latin typeface="+mn-lt"/>
+              </a:rPr>
+              <a:t>System.</a:t>
+            </a:r>
+            <a:r>
+              <a:rPr lang="en-US" altLang="ko-KR" sz="1400" i="1" dirty="0" err="1">
                 <a:solidFill>
                   <a:srgbClr val="0000C0"/>
                 </a:solidFill>
@@ -29417,16 +29758,25 @@
               <a:t>out</a:t>
             </a:r>
             <a:r>
-              <a:rPr lang="en-US" altLang="ko-KR" sz="1400">
+              <a:rPr lang="en-US" altLang="ko-KR" sz="1400" dirty="0" err="1">
                 <a:solidFill>
                   <a:srgbClr val="008000"/>
                 </a:solidFill>
                 <a:latin typeface="+mn-lt"/>
               </a:rPr>
-              <a:t>.println(</a:t>
-            </a:r>
-            <a:r>
-              <a:rPr lang="en-US" altLang="ko-KR" sz="1400">
+              <a:t>.println</a:t>
+            </a:r>
+            <a:r>
+              <a:rPr lang="en-US" altLang="ko-KR" sz="1400" dirty="0">
+                <a:solidFill>
+                  <a:srgbClr val="008000"/>
+                </a:solidFill>
+                <a:latin typeface="+mn-lt"/>
+              </a:rPr>
+              <a:t>(</a:t>
+            </a:r>
+            <a:r>
+              <a:rPr lang="en-US" altLang="ko-KR" sz="1400" dirty="0">
                 <a:solidFill>
                   <a:srgbClr val="2A00FF"/>
                 </a:solidFill>
@@ -29435,7 +29785,7 @@
               <a:t>"</a:t>
             </a:r>
             <a:r>
-              <a:rPr lang="ko-KR" altLang="en-US" sz="1400">
+              <a:rPr lang="ko-KR" altLang="en-US" sz="1400" dirty="0">
                 <a:solidFill>
                   <a:srgbClr val="2A00FF"/>
                 </a:solidFill>
@@ -29444,7 +29794,7 @@
               <a:t>연결에 실패하였습니다</a:t>
             </a:r>
             <a:r>
-              <a:rPr lang="en-US" altLang="ko-KR" sz="1400">
+              <a:rPr lang="en-US" altLang="ko-KR" sz="1400" dirty="0">
                 <a:solidFill>
                   <a:srgbClr val="2A00FF"/>
                 </a:solidFill>
@@ -29453,7 +29803,7 @@
               <a:t>."</a:t>
             </a:r>
             <a:r>
-              <a:rPr lang="en-US" altLang="ko-KR" sz="1400">
+              <a:rPr lang="en-US" altLang="ko-KR" sz="1400" dirty="0">
                 <a:solidFill>
                   <a:srgbClr val="008000"/>
                 </a:solidFill>
@@ -29468,7 +29818,7 @@
               <a:buNone/>
             </a:pPr>
             <a:r>
-              <a:rPr lang="en-US" altLang="ko-KR" sz="1400">
+              <a:rPr lang="en-US" altLang="ko-KR" sz="1400" dirty="0">
                 <a:solidFill>
                   <a:srgbClr val="008000"/>
                 </a:solidFill>
@@ -29483,7 +29833,7 @@
               <a:buNone/>
             </a:pPr>
             <a:r>
-              <a:rPr lang="en-US" altLang="ko-KR" sz="1400">
+              <a:rPr lang="en-US" altLang="ko-KR" sz="1400" dirty="0">
                 <a:solidFill>
                   <a:srgbClr val="008000"/>
                 </a:solidFill>
@@ -29492,7 +29842,7 @@
               <a:t>             </a:t>
             </a:r>
             <a:r>
-              <a:rPr lang="en-US" altLang="ko-KR" sz="1400" b="1">
+              <a:rPr lang="en-US" altLang="ko-KR" sz="1400" b="1" dirty="0">
                 <a:solidFill>
                   <a:srgbClr val="7F0055"/>
                 </a:solidFill>
@@ -29501,7 +29851,7 @@
               <a:t>return</a:t>
             </a:r>
             <a:r>
-              <a:rPr lang="en-US" altLang="ko-KR" sz="1400">
+              <a:rPr lang="en-US" altLang="ko-KR" sz="1400" dirty="0">
                 <a:solidFill>
                   <a:srgbClr val="008000"/>
                 </a:solidFill>
@@ -29516,7 +29866,7 @@
               <a:buNone/>
             </a:pPr>
             <a:r>
-              <a:rPr lang="en-US" altLang="ko-KR" sz="1400">
+              <a:rPr lang="en-US" altLang="ko-KR" sz="1400" dirty="0">
                 <a:solidFill>
                   <a:srgbClr val="008000"/>
                 </a:solidFill>
@@ -29537,14 +29887,6 @@
   <p:clrMapOvr>
     <a:masterClrMapping/>
   </p:clrMapOvr>
-  <mc:AlternateContent xmlns:mc="http://schemas.openxmlformats.org/markup-compatibility/2006" xmlns:p14="http://schemas.microsoft.com/office/powerpoint/2010/main">
-    <mc:Choice Requires="p14">
-      <p:transition spd="slow" p14:dur="2000"/>
-    </mc:Choice>
-    <mc:Fallback xmlns="">
-      <p:transition spd="slow"/>
-    </mc:Fallback>
-  </mc:AlternateContent>
 </p:sld>
 </file>
 
@@ -30036,14 +30378,6 @@
   <p:clrMapOvr>
     <a:masterClrMapping/>
   </p:clrMapOvr>
-  <mc:AlternateContent xmlns:mc="http://schemas.openxmlformats.org/markup-compatibility/2006" xmlns:p14="http://schemas.microsoft.com/office/powerpoint/2010/main">
-    <mc:Choice Requires="p14">
-      <p:transition spd="slow" p14:dur="2000"/>
-    </mc:Choice>
-    <mc:Fallback xmlns="">
-      <p:transition spd="slow"/>
-    </mc:Fallback>
-  </mc:AlternateContent>
   <p:timing>
     <p:tnLst>
       <p:par>
@@ -30232,14 +30566,6 @@
   <p:clrMapOvr>
     <a:masterClrMapping/>
   </p:clrMapOvr>
-  <mc:AlternateContent xmlns:mc="http://schemas.openxmlformats.org/markup-compatibility/2006" xmlns:p14="http://schemas.microsoft.com/office/powerpoint/2010/main">
-    <mc:Choice Requires="p14">
-      <p:transition spd="slow" p14:dur="2000"/>
-    </mc:Choice>
-    <mc:Fallback xmlns="">
-      <p:transition spd="slow"/>
-    </mc:Fallback>
-  </mc:AlternateContent>
 </p:sld>
 </file>
 
@@ -30723,14 +31049,6 @@
   <p:clrMapOvr>
     <a:masterClrMapping/>
   </p:clrMapOvr>
-  <mc:AlternateContent xmlns:mc="http://schemas.openxmlformats.org/markup-compatibility/2006" xmlns:p14="http://schemas.microsoft.com/office/powerpoint/2010/main">
-    <mc:Choice Requires="p14">
-      <p:transition spd="slow" p14:dur="2000"/>
-    </mc:Choice>
-    <mc:Fallback xmlns="">
-      <p:transition spd="slow"/>
-    </mc:Fallback>
-  </mc:AlternateContent>
 </p:sld>
 </file>
 
@@ -31772,14 +32090,6 @@
   <p:clrMapOvr>
     <a:masterClrMapping/>
   </p:clrMapOvr>
-  <mc:AlternateContent xmlns:mc="http://schemas.openxmlformats.org/markup-compatibility/2006" xmlns:p14="http://schemas.microsoft.com/office/powerpoint/2010/main">
-    <mc:Choice Requires="p14">
-      <p:transition spd="slow" p14:dur="2000"/>
-    </mc:Choice>
-    <mc:Fallback xmlns="">
-      <p:transition spd="slow"/>
-    </mc:Fallback>
-  </mc:AlternateContent>
 </p:sld>
 </file>
 
@@ -32003,14 +32313,6 @@
   <p:clrMapOvr>
     <a:masterClrMapping/>
   </p:clrMapOvr>
-  <mc:AlternateContent xmlns:mc="http://schemas.openxmlformats.org/markup-compatibility/2006" xmlns:p14="http://schemas.microsoft.com/office/powerpoint/2010/main">
-    <mc:Choice Requires="p14">
-      <p:transition spd="slow" p14:dur="2000"/>
-    </mc:Choice>
-    <mc:Fallback xmlns="">
-      <p:transition spd="slow"/>
-    </mc:Fallback>
-  </mc:AlternateContent>
   <p:timing>
     <p:tnLst>
       <p:par>
@@ -32774,14 +33076,6 @@
   <p:clrMapOvr>
     <a:masterClrMapping/>
   </p:clrMapOvr>
-  <mc:AlternateContent xmlns:mc="http://schemas.openxmlformats.org/markup-compatibility/2006" xmlns:p14="http://schemas.microsoft.com/office/powerpoint/2010/main">
-    <mc:Choice Requires="p14">
-      <p:transition spd="slow" p14:dur="2000"/>
-    </mc:Choice>
-    <mc:Fallback xmlns="">
-      <p:transition spd="slow"/>
-    </mc:Fallback>
-  </mc:AlternateContent>
 </p:sld>
 </file>
 
@@ -33852,14 +34146,6 @@
   <p:clrMapOvr>
     <a:masterClrMapping/>
   </p:clrMapOvr>
-  <mc:AlternateContent xmlns:mc="http://schemas.openxmlformats.org/markup-compatibility/2006" xmlns:p14="http://schemas.microsoft.com/office/powerpoint/2010/main">
-    <mc:Choice Requires="p14">
-      <p:transition spd="slow" p14:dur="2000"/>
-    </mc:Choice>
-    <mc:Fallback xmlns="">
-      <p:transition spd="slow"/>
-    </mc:Fallback>
-  </mc:AlternateContent>
 </p:sld>
 </file>
 
@@ -34019,7 +34305,7 @@
           <a:p>
             <a:pPr algn="ctr"/>
             <a:r>
-              <a:rPr lang="en-US" altLang="ko-KR" sz="1400" dirty="0" smtClean="0">
+              <a:rPr lang="en-US" altLang="ko-KR" sz="1400" dirty="0">
                 <a:latin typeface="HY바다L" pitchFamily="18" charset="-127"/>
                 <a:ea typeface="HY바다L" pitchFamily="18" charset="-127"/>
               </a:rPr>
@@ -34029,7 +34315,7 @@
           <a:p>
             <a:pPr algn="ctr"/>
             <a:r>
-              <a:rPr lang="en-US" altLang="ko-KR" sz="1400" dirty="0" smtClean="0">
+              <a:rPr lang="en-US" altLang="ko-KR" sz="1400" dirty="0">
                 <a:latin typeface="HY바다L" pitchFamily="18" charset="-127"/>
                 <a:ea typeface="HY바다L" pitchFamily="18" charset="-127"/>
               </a:rPr>
@@ -34111,21 +34397,17 @@
           <a:lstStyle/>
           <a:p>
             <a:r>
-              <a:rPr lang="ko-KR" altLang="en-US" sz="1600" smtClean="0">
+              <a:rPr lang="ko-KR" altLang="en-US" sz="1600">
                 <a:latin typeface="HY바다L" pitchFamily="18" charset="-127"/>
                 <a:ea typeface="HY바다L" pitchFamily="18" charset="-127"/>
               </a:rPr>
               <a:t>표준화 명세</a:t>
             </a:r>
-            <a:endParaRPr lang="ko-KR" altLang="en-US" sz="1600">
-              <a:latin typeface="HY바다L" pitchFamily="18" charset="-127"/>
-              <a:ea typeface="HY바다L" pitchFamily="18" charset="-127"/>
-            </a:endParaRPr>
           </a:p>
         </p:txBody>
       </p:sp>
-      <mc:AlternateContent xmlns:mc="http://schemas.openxmlformats.org/markup-compatibility/2006">
-        <mc:Choice xmlns:p14="http://schemas.microsoft.com/office/powerpoint/2010/main" Requires="p14">
+      <mc:AlternateContent xmlns:mc="http://schemas.openxmlformats.org/markup-compatibility/2006" xmlns:p14="http://schemas.microsoft.com/office/powerpoint/2010/main">
+        <mc:Choice Requires="p14">
           <p:contentPart p14:bwMode="auto" r:id="rId3">
             <p14:nvContentPartPr>
               <p14:cNvPr id="10" name="잉크 9"/>
@@ -34138,7 +34420,7 @@
             </p14:xfrm>
           </p:contentPart>
         </mc:Choice>
-        <mc:Fallback>
+        <mc:Fallback xmlns="">
           <p:pic>
             <p:nvPicPr>
               <p:cNvPr id="10" name="잉크 9"/>
@@ -34163,8 +34445,8 @@
           </p:pic>
         </mc:Fallback>
       </mc:AlternateContent>
-      <mc:AlternateContent xmlns:mc="http://schemas.openxmlformats.org/markup-compatibility/2006">
-        <mc:Choice xmlns:p14="http://schemas.microsoft.com/office/powerpoint/2010/main" Requires="p14">
+      <mc:AlternateContent xmlns:mc="http://schemas.openxmlformats.org/markup-compatibility/2006" xmlns:p14="http://schemas.microsoft.com/office/powerpoint/2010/main">
+        <mc:Choice Requires="p14">
           <p:contentPart p14:bwMode="auto" r:id="rId5">
             <p14:nvContentPartPr>
               <p14:cNvPr id="13" name="잉크 12"/>
@@ -34177,7 +34459,7 @@
             </p14:xfrm>
           </p:contentPart>
         </mc:Choice>
-        <mc:Fallback>
+        <mc:Fallback xmlns="">
           <p:pic>
             <p:nvPicPr>
               <p:cNvPr id="13" name="잉크 12"/>
@@ -34212,14 +34494,6 @@
   <p:clrMapOvr>
     <a:masterClrMapping/>
   </p:clrMapOvr>
-  <mc:AlternateContent xmlns:mc="http://schemas.openxmlformats.org/markup-compatibility/2006" xmlns:p14="http://schemas.microsoft.com/office/powerpoint/2010/main">
-    <mc:Choice Requires="p14">
-      <p:transition spd="slow" p14:dur="2000"/>
-    </mc:Choice>
-    <mc:Fallback xmlns="">
-      <p:transition spd="slow"/>
-    </mc:Fallback>
-  </mc:AlternateContent>
 </p:sld>
 </file>
 
@@ -34419,14 +34693,6 @@
   <p:clrMapOvr>
     <a:masterClrMapping/>
   </p:clrMapOvr>
-  <mc:AlternateContent xmlns:mc="http://schemas.openxmlformats.org/markup-compatibility/2006" xmlns:p14="http://schemas.microsoft.com/office/powerpoint/2010/main">
-    <mc:Choice Requires="p14">
-      <p:transition spd="slow" p14:dur="2000"/>
-    </mc:Choice>
-    <mc:Fallback xmlns="">
-      <p:transition spd="slow"/>
-    </mc:Fallback>
-  </mc:AlternateContent>
   <p:timing>
     <p:tnLst>
       <p:par>
@@ -34541,57 +34807,57 @@
           <a:lstStyle/>
           <a:p>
             <a:r>
-              <a:rPr altLang="ko-KR" dirty="0" smtClean="0"/>
+              <a:rPr altLang="ko-KR" dirty="0"/>
               <a:t>DBMS</a:t>
             </a:r>
             <a:r>
-              <a:rPr lang="ko-KR" altLang="en-US" dirty="0" smtClean="0"/>
+              <a:rPr lang="ko-KR" altLang="en-US" dirty="0"/>
               <a:t>에게 전달된 </a:t>
             </a:r>
             <a:r>
-              <a:rPr altLang="ko-KR" dirty="0" smtClean="0"/>
+              <a:rPr altLang="ko-KR" dirty="0"/>
               <a:t>SQL </a:t>
             </a:r>
             <a:r>
-              <a:rPr lang="ko-KR" altLang="en-US" dirty="0" smtClean="0"/>
+              <a:rPr lang="ko-KR" altLang="en-US" dirty="0"/>
               <a:t>문장은 </a:t>
             </a:r>
             <a:r>
-              <a:rPr altLang="ko-KR" dirty="0" smtClean="0"/>
+              <a:rPr altLang="ko-KR" dirty="0"/>
               <a:t>DBMS </a:t>
             </a:r>
             <a:r>
-              <a:rPr lang="ko-KR" altLang="en-US" dirty="0" smtClean="0"/>
+              <a:rPr lang="ko-KR" altLang="en-US" dirty="0"/>
               <a:t>내부에서 </a:t>
             </a:r>
             <a:r>
-              <a:rPr altLang="ko-KR" dirty="0" smtClean="0"/>
+              <a:rPr altLang="ko-KR" dirty="0"/>
               <a:t>Parsing, </a:t>
             </a:r>
             <a:r>
-              <a:rPr lang="ko-KR" altLang="en-US" dirty="0" smtClean="0"/>
+              <a:rPr lang="ko-KR" altLang="en-US" dirty="0"/>
               <a:t>최적화 등 여러 과정을 거쳐 실행 준비 단계와 실질 실행 단계로 이루어 진다</a:t>
             </a:r>
             <a:r>
-              <a:rPr altLang="ko-KR" dirty="0" smtClean="0"/>
+              <a:rPr altLang="ko-KR" dirty="0"/>
               <a:t>.</a:t>
             </a:r>
           </a:p>
           <a:p>
             <a:r>
-              <a:rPr altLang="ko-KR" dirty="0" smtClean="0"/>
+              <a:rPr altLang="ko-KR" dirty="0"/>
               <a:t>PreparedStatement</a:t>
             </a:r>
             <a:r>
-              <a:rPr lang="ko-KR" altLang="en-US" dirty="0" err="1" smtClean="0"/>
+              <a:rPr lang="ko-KR" altLang="en-US" dirty="0" err="1"/>
               <a:t>를</a:t>
             </a:r>
             <a:r>
-              <a:rPr lang="ko-KR" altLang="en-US" dirty="0" smtClean="0"/>
+              <a:rPr lang="ko-KR" altLang="en-US" dirty="0"/>
               <a:t> 사용하면 준비 단계를 한번만 하도록 하여 전체 성능을 높이는 방안이다</a:t>
             </a:r>
             <a:r>
-              <a:rPr altLang="ko-KR" dirty="0" smtClean="0"/>
+              <a:rPr altLang="ko-KR" dirty="0"/>
               <a:t>.</a:t>
             </a:r>
             <a:endParaRPr lang="ko-KR" altLang="en-US" dirty="0"/>
@@ -34614,19 +34880,18 @@
           <a:lstStyle/>
           <a:p>
             <a:r>
-              <a:rPr altLang="ko-KR" smtClean="0"/>
+              <a:rPr altLang="ko-KR"/>
               <a:t>Prepared Statements </a:t>
             </a:r>
             <a:r>
-              <a:rPr lang="ko-KR" altLang="en-US" dirty="0" smtClean="0"/>
+              <a:rPr lang="ko-KR" altLang="en-US" dirty="0"/>
               <a:t>사용하기</a:t>
             </a:r>
-            <a:endParaRPr lang="ko-KR" altLang="en-US" dirty="0"/>
           </a:p>
         </p:txBody>
       </p:sp>
-      <mc:AlternateContent xmlns:mc="http://schemas.openxmlformats.org/markup-compatibility/2006">
-        <mc:Choice xmlns:p14="http://schemas.microsoft.com/office/powerpoint/2010/main" Requires="p14">
+      <mc:AlternateContent xmlns:mc="http://schemas.openxmlformats.org/markup-compatibility/2006" xmlns:p14="http://schemas.microsoft.com/office/powerpoint/2010/main">
+        <mc:Choice Requires="p14">
           <p:contentPart p14:bwMode="auto" r:id="rId2">
             <p14:nvContentPartPr>
               <p14:cNvPr id="5" name="잉크 4"/>
@@ -34639,7 +34904,7 @@
             </p14:xfrm>
           </p:contentPart>
         </mc:Choice>
-        <mc:Fallback>
+        <mc:Fallback xmlns="">
           <p:pic>
             <p:nvPicPr>
               <p:cNvPr id="5" name="잉크 4"/>
@@ -34664,8 +34929,8 @@
           </p:pic>
         </mc:Fallback>
       </mc:AlternateContent>
-      <mc:AlternateContent xmlns:mc="http://schemas.openxmlformats.org/markup-compatibility/2006">
-        <mc:Choice xmlns:p14="http://schemas.microsoft.com/office/powerpoint/2010/main" Requires="p14">
+      <mc:AlternateContent xmlns:mc="http://schemas.openxmlformats.org/markup-compatibility/2006" xmlns:p14="http://schemas.microsoft.com/office/powerpoint/2010/main">
+        <mc:Choice Requires="p14">
           <p:contentPart p14:bwMode="auto" r:id="rId4">
             <p14:nvContentPartPr>
               <p14:cNvPr id="7" name="잉크 6"/>
@@ -34678,7 +34943,7 @@
             </p14:xfrm>
           </p:contentPart>
         </mc:Choice>
-        <mc:Fallback>
+        <mc:Fallback xmlns="">
           <p:pic>
             <p:nvPicPr>
               <p:cNvPr id="7" name="잉크 6"/>
@@ -34703,8 +34968,8 @@
           </p:pic>
         </mc:Fallback>
       </mc:AlternateContent>
-      <mc:AlternateContent xmlns:mc="http://schemas.openxmlformats.org/markup-compatibility/2006">
-        <mc:Choice xmlns:p14="http://schemas.microsoft.com/office/powerpoint/2010/main" Requires="p14">
+      <mc:AlternateContent xmlns:mc="http://schemas.openxmlformats.org/markup-compatibility/2006" xmlns:p14="http://schemas.microsoft.com/office/powerpoint/2010/main">
+        <mc:Choice Requires="p14">
           <p:contentPart p14:bwMode="auto" r:id="rId6">
             <p14:nvContentPartPr>
               <p14:cNvPr id="9" name="잉크 8"/>
@@ -34717,7 +34982,7 @@
             </p14:xfrm>
           </p:contentPart>
         </mc:Choice>
-        <mc:Fallback>
+        <mc:Fallback xmlns="">
           <p:pic>
             <p:nvPicPr>
               <p:cNvPr id="9" name="잉크 8"/>
@@ -34742,8 +35007,8 @@
           </p:pic>
         </mc:Fallback>
       </mc:AlternateContent>
-      <mc:AlternateContent xmlns:mc="http://schemas.openxmlformats.org/markup-compatibility/2006">
-        <mc:Choice xmlns:p14="http://schemas.microsoft.com/office/powerpoint/2010/main" Requires="p14">
+      <mc:AlternateContent xmlns:mc="http://schemas.openxmlformats.org/markup-compatibility/2006" xmlns:p14="http://schemas.microsoft.com/office/powerpoint/2010/main">
+        <mc:Choice Requires="p14">
           <p:contentPart p14:bwMode="auto" r:id="rId8">
             <p14:nvContentPartPr>
               <p14:cNvPr id="12" name="잉크 11"/>
@@ -34756,7 +35021,7 @@
             </p14:xfrm>
           </p:contentPart>
         </mc:Choice>
-        <mc:Fallback>
+        <mc:Fallback xmlns="">
           <p:pic>
             <p:nvPicPr>
               <p:cNvPr id="12" name="잉크 11"/>
@@ -34781,8 +35046,8 @@
           </p:pic>
         </mc:Fallback>
       </mc:AlternateContent>
-      <mc:AlternateContent xmlns:mc="http://schemas.openxmlformats.org/markup-compatibility/2006">
-        <mc:Choice xmlns:p14="http://schemas.microsoft.com/office/powerpoint/2010/main" Requires="p14">
+      <mc:AlternateContent xmlns:mc="http://schemas.openxmlformats.org/markup-compatibility/2006" xmlns:p14="http://schemas.microsoft.com/office/powerpoint/2010/main">
+        <mc:Choice Requires="p14">
           <p:contentPart p14:bwMode="auto" r:id="rId10">
             <p14:nvContentPartPr>
               <p14:cNvPr id="13" name="잉크 12"/>
@@ -34795,7 +35060,7 @@
             </p14:xfrm>
           </p:contentPart>
         </mc:Choice>
-        <mc:Fallback>
+        <mc:Fallback xmlns="">
           <p:pic>
             <p:nvPicPr>
               <p:cNvPr id="13" name="잉크 12"/>
@@ -34820,8 +35085,8 @@
           </p:pic>
         </mc:Fallback>
       </mc:AlternateContent>
-      <mc:AlternateContent xmlns:mc="http://schemas.openxmlformats.org/markup-compatibility/2006">
-        <mc:Choice xmlns:p14="http://schemas.microsoft.com/office/powerpoint/2010/main" Requires="p14">
+      <mc:AlternateContent xmlns:mc="http://schemas.openxmlformats.org/markup-compatibility/2006" xmlns:p14="http://schemas.microsoft.com/office/powerpoint/2010/main">
+        <mc:Choice Requires="p14">
           <p:contentPart p14:bwMode="auto" r:id="rId12">
             <p14:nvContentPartPr>
               <p14:cNvPr id="15" name="잉크 14"/>
@@ -34834,7 +35099,7 @@
             </p14:xfrm>
           </p:contentPart>
         </mc:Choice>
-        <mc:Fallback>
+        <mc:Fallback xmlns="">
           <p:pic>
             <p:nvPicPr>
               <p:cNvPr id="15" name="잉크 14"/>
@@ -34859,8 +35124,8 @@
           </p:pic>
         </mc:Fallback>
       </mc:AlternateContent>
-      <mc:AlternateContent xmlns:mc="http://schemas.openxmlformats.org/markup-compatibility/2006">
-        <mc:Choice xmlns:p14="http://schemas.microsoft.com/office/powerpoint/2010/main" Requires="p14">
+      <mc:AlternateContent xmlns:mc="http://schemas.openxmlformats.org/markup-compatibility/2006" xmlns:p14="http://schemas.microsoft.com/office/powerpoint/2010/main">
+        <mc:Choice Requires="p14">
           <p:contentPart p14:bwMode="auto" r:id="rId14">
             <p14:nvContentPartPr>
               <p14:cNvPr id="18" name="잉크 17"/>
@@ -34873,7 +35138,7 @@
             </p14:xfrm>
           </p:contentPart>
         </mc:Choice>
-        <mc:Fallback>
+        <mc:Fallback xmlns="">
           <p:pic>
             <p:nvPicPr>
               <p:cNvPr id="18" name="잉크 17"/>
@@ -34898,8 +35163,8 @@
           </p:pic>
         </mc:Fallback>
       </mc:AlternateContent>
-      <mc:AlternateContent xmlns:mc="http://schemas.openxmlformats.org/markup-compatibility/2006">
-        <mc:Choice xmlns:p14="http://schemas.microsoft.com/office/powerpoint/2010/main" Requires="p14">
+      <mc:AlternateContent xmlns:mc="http://schemas.openxmlformats.org/markup-compatibility/2006" xmlns:p14="http://schemas.microsoft.com/office/powerpoint/2010/main">
+        <mc:Choice Requires="p14">
           <p:contentPart p14:bwMode="auto" r:id="rId16">
             <p14:nvContentPartPr>
               <p14:cNvPr id="19" name="잉크 18"/>
@@ -34912,7 +35177,7 @@
             </p14:xfrm>
           </p:contentPart>
         </mc:Choice>
-        <mc:Fallback>
+        <mc:Fallback xmlns="">
           <p:pic>
             <p:nvPicPr>
               <p:cNvPr id="19" name="잉크 18"/>
@@ -34937,8 +35202,8 @@
           </p:pic>
         </mc:Fallback>
       </mc:AlternateContent>
-      <mc:AlternateContent xmlns:mc="http://schemas.openxmlformats.org/markup-compatibility/2006">
-        <mc:Choice xmlns:p14="http://schemas.microsoft.com/office/powerpoint/2010/main" Requires="p14">
+      <mc:AlternateContent xmlns:mc="http://schemas.openxmlformats.org/markup-compatibility/2006" xmlns:p14="http://schemas.microsoft.com/office/powerpoint/2010/main">
+        <mc:Choice Requires="p14">
           <p:contentPart p14:bwMode="auto" r:id="rId18">
             <p14:nvContentPartPr>
               <p14:cNvPr id="23" name="잉크 22"/>
@@ -34951,7 +35216,7 @@
             </p14:xfrm>
           </p:contentPart>
         </mc:Choice>
-        <mc:Fallback>
+        <mc:Fallback xmlns="">
           <p:pic>
             <p:nvPicPr>
               <p:cNvPr id="23" name="잉크 22"/>
@@ -34976,8 +35241,8 @@
           </p:pic>
         </mc:Fallback>
       </mc:AlternateContent>
-      <mc:AlternateContent xmlns:mc="http://schemas.openxmlformats.org/markup-compatibility/2006">
-        <mc:Choice xmlns:p14="http://schemas.microsoft.com/office/powerpoint/2010/main" Requires="p14">
+      <mc:AlternateContent xmlns:mc="http://schemas.openxmlformats.org/markup-compatibility/2006" xmlns:p14="http://schemas.microsoft.com/office/powerpoint/2010/main">
+        <mc:Choice Requires="p14">
           <p:contentPart p14:bwMode="auto" r:id="rId20">
             <p14:nvContentPartPr>
               <p14:cNvPr id="24" name="잉크 23"/>
@@ -34990,7 +35255,7 @@
             </p14:xfrm>
           </p:contentPart>
         </mc:Choice>
-        <mc:Fallback>
+        <mc:Fallback xmlns="">
           <p:pic>
             <p:nvPicPr>
               <p:cNvPr id="24" name="잉크 23"/>
@@ -35015,8 +35280,8 @@
           </p:pic>
         </mc:Fallback>
       </mc:AlternateContent>
-      <mc:AlternateContent xmlns:mc="http://schemas.openxmlformats.org/markup-compatibility/2006">
-        <mc:Choice xmlns:p14="http://schemas.microsoft.com/office/powerpoint/2010/main" Requires="p14">
+      <mc:AlternateContent xmlns:mc="http://schemas.openxmlformats.org/markup-compatibility/2006" xmlns:p14="http://schemas.microsoft.com/office/powerpoint/2010/main">
+        <mc:Choice Requires="p14">
           <p:contentPart p14:bwMode="auto" r:id="rId22">
             <p14:nvContentPartPr>
               <p14:cNvPr id="30" name="잉크 29"/>
@@ -35029,7 +35294,7 @@
             </p14:xfrm>
           </p:contentPart>
         </mc:Choice>
-        <mc:Fallback>
+        <mc:Fallback xmlns="">
           <p:pic>
             <p:nvPicPr>
               <p:cNvPr id="30" name="잉크 29"/>
@@ -35054,8 +35319,8 @@
           </p:pic>
         </mc:Fallback>
       </mc:AlternateContent>
-      <mc:AlternateContent xmlns:mc="http://schemas.openxmlformats.org/markup-compatibility/2006">
-        <mc:Choice xmlns:p14="http://schemas.microsoft.com/office/powerpoint/2010/main" Requires="p14">
+      <mc:AlternateContent xmlns:mc="http://schemas.openxmlformats.org/markup-compatibility/2006" xmlns:p14="http://schemas.microsoft.com/office/powerpoint/2010/main">
+        <mc:Choice Requires="p14">
           <p:contentPart p14:bwMode="auto" r:id="rId24">
             <p14:nvContentPartPr>
               <p14:cNvPr id="37" name="잉크 36"/>
@@ -35068,7 +35333,7 @@
             </p14:xfrm>
           </p:contentPart>
         </mc:Choice>
-        <mc:Fallback>
+        <mc:Fallback xmlns="">
           <p:pic>
             <p:nvPicPr>
               <p:cNvPr id="37" name="잉크 36"/>
@@ -35093,8 +35358,8 @@
           </p:pic>
         </mc:Fallback>
       </mc:AlternateContent>
-      <mc:AlternateContent xmlns:mc="http://schemas.openxmlformats.org/markup-compatibility/2006">
-        <mc:Choice xmlns:p14="http://schemas.microsoft.com/office/powerpoint/2010/main" Requires="p14">
+      <mc:AlternateContent xmlns:mc="http://schemas.openxmlformats.org/markup-compatibility/2006" xmlns:p14="http://schemas.microsoft.com/office/powerpoint/2010/main">
+        <mc:Choice Requires="p14">
           <p:contentPart p14:bwMode="auto" r:id="rId26">
             <p14:nvContentPartPr>
               <p14:cNvPr id="38" name="잉크 37"/>
@@ -35107,7 +35372,7 @@
             </p14:xfrm>
           </p:contentPart>
         </mc:Choice>
-        <mc:Fallback>
+        <mc:Fallback xmlns="">
           <p:pic>
             <p:nvPicPr>
               <p:cNvPr id="38" name="잉크 37"/>
@@ -35155,21 +35420,21 @@
           <a:lstStyle/>
           <a:p>
             <a:r>
-              <a:rPr lang="en-US" altLang="ko-KR" sz="1600" dirty="0" smtClean="0">
+              <a:rPr lang="en-US" altLang="ko-KR" sz="1600" dirty="0">
                 <a:latin typeface="HY바다L" pitchFamily="18" charset="-127"/>
                 <a:ea typeface="HY바다L" pitchFamily="18" charset="-127"/>
               </a:rPr>
               <a:t>&lt;</a:t>
             </a:r>
             <a:r>
-              <a:rPr lang="ko-KR" altLang="en-US" sz="1600" dirty="0" err="1" smtClean="0">
+              <a:rPr lang="ko-KR" altLang="en-US" sz="1600" dirty="0" err="1">
                 <a:latin typeface="HY바다L" pitchFamily="18" charset="-127"/>
                 <a:ea typeface="HY바다L" pitchFamily="18" charset="-127"/>
               </a:rPr>
               <a:t>자바세상</a:t>
             </a:r>
             <a:r>
-              <a:rPr lang="en-US" altLang="ko-KR" sz="1600" dirty="0" smtClean="0">
+              <a:rPr lang="en-US" altLang="ko-KR" sz="1600" dirty="0">
                 <a:latin typeface="HY바다L" pitchFamily="18" charset="-127"/>
                 <a:ea typeface="HY바다L" pitchFamily="18" charset="-127"/>
               </a:rPr>
@@ -35178,7 +35443,7 @@
           </a:p>
           <a:p>
             <a:r>
-              <a:rPr lang="en-US" altLang="ko-KR" sz="1600" dirty="0" smtClean="0">
+              <a:rPr lang="en-US" altLang="ko-KR" sz="1600" dirty="0">
                 <a:latin typeface="HY바다L" pitchFamily="18" charset="-127"/>
                 <a:ea typeface="HY바다L" pitchFamily="18" charset="-127"/>
               </a:rPr>
@@ -35187,7 +35452,7 @@
           </a:p>
           <a:p>
             <a:r>
-              <a:rPr lang="en-US" altLang="ko-KR" sz="1600" dirty="0" smtClean="0">
+              <a:rPr lang="en-US" altLang="ko-KR" sz="1600" dirty="0">
                 <a:latin typeface="HY바다L" pitchFamily="18" charset="-127"/>
                 <a:ea typeface="HY바다L" pitchFamily="18" charset="-127"/>
               </a:rPr>
@@ -35200,7 +35465,7 @@
               <a:buChar char="-"/>
             </a:pPr>
             <a:r>
-              <a:rPr lang="en-US" altLang="ko-KR" sz="1600" dirty="0" smtClean="0">
+              <a:rPr lang="en-US" altLang="ko-KR" sz="1600" dirty="0">
                 <a:latin typeface="HY바다L" pitchFamily="18" charset="-127"/>
                 <a:ea typeface="HY바다L" pitchFamily="18" charset="-127"/>
               </a:rPr>
@@ -35213,25 +35478,18 @@
               <a:buChar char="-"/>
             </a:pPr>
             <a:r>
-              <a:rPr lang="ko-KR" altLang="en-US" sz="1600" dirty="0" smtClean="0">
+              <a:rPr lang="ko-KR" altLang="en-US" sz="1600" dirty="0">
                 <a:latin typeface="HY바다L" pitchFamily="18" charset="-127"/>
                 <a:ea typeface="HY바다L" pitchFamily="18" charset="-127"/>
               </a:rPr>
               <a:t>정렬</a:t>
             </a:r>
             <a:r>
-              <a:rPr lang="en-US" altLang="ko-KR" sz="1600" dirty="0" smtClean="0">
+              <a:rPr lang="en-US" altLang="ko-KR" sz="1600" dirty="0">
                 <a:latin typeface="HY바다L" pitchFamily="18" charset="-127"/>
                 <a:ea typeface="HY바다L" pitchFamily="18" charset="-127"/>
               </a:rPr>
-              <a:t>(</a:t>
-            </a:r>
-            <a:r>
-              <a:rPr lang="en-US" altLang="ko-KR" sz="1600" dirty="0" smtClean="0">
-                <a:latin typeface="HY바다L" pitchFamily="18" charset="-127"/>
-                <a:ea typeface="HY바다L" pitchFamily="18" charset="-127"/>
-              </a:rPr>
-              <a:t>sort)</a:t>
+              <a:t>(sort)</a:t>
             </a:r>
           </a:p>
           <a:p>
@@ -35240,27 +35498,27 @@
               <a:buChar char="-"/>
             </a:pPr>
             <a:r>
-              <a:rPr lang="ko-KR" altLang="en-US" sz="1600" dirty="0" err="1" smtClean="0">
+              <a:rPr lang="ko-KR" altLang="en-US" sz="1600" dirty="0" err="1">
                 <a:latin typeface="HY바다L" pitchFamily="18" charset="-127"/>
                 <a:ea typeface="HY바다L" pitchFamily="18" charset="-127"/>
               </a:rPr>
               <a:t>연산복잡도</a:t>
             </a:r>
             <a:r>
-              <a:rPr lang="ko-KR" altLang="en-US" sz="1600" dirty="0" smtClean="0">
+              <a:rPr lang="ko-KR" altLang="en-US" sz="1600" dirty="0">
                 <a:latin typeface="HY바다L" pitchFamily="18" charset="-127"/>
                 <a:ea typeface="HY바다L" pitchFamily="18" charset="-127"/>
               </a:rPr>
               <a:t> 낮추기</a:t>
             </a:r>
-            <a:endParaRPr lang="en-US" altLang="ko-KR" sz="1600" dirty="0" smtClean="0">
+            <a:endParaRPr lang="en-US" altLang="ko-KR" sz="1600" dirty="0">
               <a:latin typeface="HY바다L" pitchFamily="18" charset="-127"/>
               <a:ea typeface="HY바다L" pitchFamily="18" charset="-127"/>
             </a:endParaRPr>
           </a:p>
           <a:p>
             <a:r>
-              <a:rPr lang="en-US" altLang="ko-KR" sz="1600" dirty="0" smtClean="0">
+              <a:rPr lang="en-US" altLang="ko-KR" sz="1600" dirty="0">
                 <a:latin typeface="HY바다L" pitchFamily="18" charset="-127"/>
                 <a:ea typeface="HY바다L" pitchFamily="18" charset="-127"/>
               </a:rPr>
@@ -35269,13 +35527,13 @@
           </a:p>
           <a:p>
             <a:r>
-              <a:rPr lang="en-US" altLang="ko-KR" sz="1600" dirty="0" smtClean="0">
+              <a:rPr lang="en-US" altLang="ko-KR" sz="1600" dirty="0">
                 <a:latin typeface="HY바다L" pitchFamily="18" charset="-127"/>
                 <a:ea typeface="HY바다L" pitchFamily="18" charset="-127"/>
               </a:rPr>
               <a:t>-PreparedStatement</a:t>
             </a:r>
-            <a:endParaRPr lang="ko-KR" altLang="en-US" sz="1600" dirty="0" smtClean="0">
+            <a:endParaRPr lang="ko-KR" altLang="en-US" sz="1600" dirty="0">
               <a:latin typeface="HY바다L" pitchFamily="18" charset="-127"/>
               <a:ea typeface="HY바다L" pitchFamily="18" charset="-127"/>
             </a:endParaRPr>
@@ -35329,15 +35587,7 @@
           <a:p>
             <a:r>
               <a:rPr lang="ko-KR" altLang="en-US" dirty="0"/>
-              <a:t>다음과 같이 그래픽 사용자 인터페이스를 이용하여 데이터베이스 테이블의 </a:t>
-            </a:r>
-            <a:r>
-              <a:rPr lang="ko-KR" altLang="en-US" dirty="0" smtClean="0"/>
-              <a:t>내용을 화면에 </a:t>
-            </a:r>
-            <a:r>
-              <a:rPr lang="ko-KR" altLang="en-US" dirty="0"/>
-              <a:t>표시하는 프로그램을 작성하여 보자</a:t>
+              <a:t>다음과 같이 그래픽 사용자 인터페이스를 이용하여 데이터베이스 테이블의 내용을 화면에 표시하는 프로그램을 작성하여 보자</a:t>
             </a:r>
             <a:r>
               <a:rPr lang="en-US" altLang="ko-KR" dirty="0"/>
@@ -35363,7 +35613,7 @@
           <a:lstStyle/>
           <a:p>
             <a:r>
-              <a:rPr lang="en-US" altLang="ko-KR" dirty="0" smtClean="0"/>
+              <a:rPr lang="en-US" altLang="ko-KR" dirty="0"/>
               <a:t>LAB: </a:t>
             </a:r>
             <a:r>
@@ -35482,7 +35732,7 @@
           <a:lstStyle/>
           <a:p>
             <a:r>
-              <a:rPr lang="en-US" altLang="ko-KR" sz="3600" dirty="0" smtClean="0"/>
+              <a:rPr lang="en-US" altLang="ko-KR" sz="3600" dirty="0"/>
               <a:t>SOLUTION</a:t>
             </a:r>
             <a:endParaRPr lang="ko-KR" altLang="en-US" sz="3600" dirty="0"/>
@@ -36697,8 +36947,8 @@
           </a:p>
         </p:txBody>
       </p:sp>
-      <mc:AlternateContent xmlns:mc="http://schemas.openxmlformats.org/markup-compatibility/2006">
-        <mc:Choice xmlns:p14="http://schemas.microsoft.com/office/powerpoint/2010/main" Requires="p14">
+      <mc:AlternateContent xmlns:mc="http://schemas.openxmlformats.org/markup-compatibility/2006" xmlns:p14="http://schemas.microsoft.com/office/powerpoint/2010/main">
+        <mc:Choice Requires="p14">
           <p:contentPart p14:bwMode="auto" r:id="rId2">
             <p14:nvContentPartPr>
               <p14:cNvPr id="2" name="잉크 1"/>
@@ -36711,7 +36961,7 @@
             </p14:xfrm>
           </p:contentPart>
         </mc:Choice>
-        <mc:Fallback>
+        <mc:Fallback xmlns="">
           <p:pic>
             <p:nvPicPr>
               <p:cNvPr id="2" name="잉크 1"/>
@@ -36736,8 +36986,8 @@
           </p:pic>
         </mc:Fallback>
       </mc:AlternateContent>
-      <mc:AlternateContent xmlns:mc="http://schemas.openxmlformats.org/markup-compatibility/2006">
-        <mc:Choice xmlns:p14="http://schemas.microsoft.com/office/powerpoint/2010/main" Requires="p14">
+      <mc:AlternateContent xmlns:mc="http://schemas.openxmlformats.org/markup-compatibility/2006" xmlns:p14="http://schemas.microsoft.com/office/powerpoint/2010/main">
+        <mc:Choice Requires="p14">
           <p:contentPart p14:bwMode="auto" r:id="rId4">
             <p14:nvContentPartPr>
               <p14:cNvPr id="3" name="잉크 2"/>
@@ -36750,7 +37000,7 @@
             </p14:xfrm>
           </p:contentPart>
         </mc:Choice>
-        <mc:Fallback>
+        <mc:Fallback xmlns="">
           <p:pic>
             <p:nvPicPr>
               <p:cNvPr id="3" name="잉크 2"/>
@@ -36785,14 +37035,6 @@
   <p:clrMapOvr>
     <a:masterClrMapping/>
   </p:clrMapOvr>
-  <mc:AlternateContent xmlns:mc="http://schemas.openxmlformats.org/markup-compatibility/2006" xmlns:p14="http://schemas.microsoft.com/office/powerpoint/2010/main">
-    <mc:Choice Requires="p14">
-      <p:transition spd="slow" p14:dur="2000"/>
-    </mc:Choice>
-    <mc:Fallback xmlns="">
-      <p:transition spd="slow"/>
-    </mc:Fallback>
-  </mc:AlternateContent>
 </p:sld>
 </file>
 
@@ -36829,7 +37071,7 @@
           <a:lstStyle/>
           <a:p>
             <a:r>
-              <a:rPr lang="en-US" altLang="ko-KR" sz="3600" dirty="0" smtClean="0"/>
+              <a:rPr lang="en-US" altLang="ko-KR" sz="3600" dirty="0"/>
               <a:t>SOLUTION</a:t>
             </a:r>
             <a:endParaRPr lang="ko-KR" altLang="en-US" sz="3600" dirty="0"/>
@@ -37541,14 +37783,6 @@
   <p:clrMapOvr>
     <a:masterClrMapping/>
   </p:clrMapOvr>
-  <mc:AlternateContent xmlns:mc="http://schemas.openxmlformats.org/markup-compatibility/2006" xmlns:p14="http://schemas.microsoft.com/office/powerpoint/2010/main">
-    <mc:Choice Requires="p14">
-      <p:transition spd="slow" p14:dur="2000"/>
-    </mc:Choice>
-    <mc:Fallback xmlns="">
-      <p:transition spd="slow"/>
-    </mc:Fallback>
-  </mc:AlternateContent>
 </p:sld>
 </file>
 
@@ -37585,7 +37819,7 @@
           <a:lstStyle/>
           <a:p>
             <a:r>
-              <a:rPr lang="en-US" altLang="ko-KR" sz="3600" dirty="0" smtClean="0"/>
+              <a:rPr lang="en-US" altLang="ko-KR" sz="3600" dirty="0"/>
               <a:t>SOLUTION</a:t>
             </a:r>
             <a:endParaRPr lang="ko-KR" altLang="en-US" sz="3600" dirty="0"/>
@@ -38464,14 +38698,6 @@
   <p:clrMapOvr>
     <a:masterClrMapping/>
   </p:clrMapOvr>
-  <mc:AlternateContent xmlns:mc="http://schemas.openxmlformats.org/markup-compatibility/2006" xmlns:p14="http://schemas.microsoft.com/office/powerpoint/2010/main">
-    <mc:Choice Requires="p14">
-      <p:transition spd="slow" p14:dur="2000"/>
-    </mc:Choice>
-    <mc:Fallback xmlns="">
-      <p:transition spd="slow"/>
-    </mc:Fallback>
-  </mc:AlternateContent>
 </p:sld>
 </file>
 
@@ -38508,7 +38734,7 @@
           <a:lstStyle/>
           <a:p>
             <a:r>
-              <a:rPr lang="en-US" altLang="ko-KR" sz="3600" dirty="0" smtClean="0"/>
+              <a:rPr lang="en-US" altLang="ko-KR" sz="3600" dirty="0"/>
               <a:t>SOLUTION</a:t>
             </a:r>
             <a:endParaRPr lang="ko-KR" altLang="en-US" sz="3600" dirty="0"/>
@@ -39521,14 +39747,6 @@
   <p:clrMapOvr>
     <a:masterClrMapping/>
   </p:clrMapOvr>
-  <mc:AlternateContent xmlns:mc="http://schemas.openxmlformats.org/markup-compatibility/2006" xmlns:p14="http://schemas.microsoft.com/office/powerpoint/2010/main">
-    <mc:Choice Requires="p14">
-      <p:transition spd="slow" p14:dur="2000"/>
-    </mc:Choice>
-    <mc:Fallback xmlns="">
-      <p:transition spd="slow"/>
-    </mc:Fallback>
-  </mc:AlternateContent>
 </p:sld>
 </file>
 
@@ -39668,21 +39886,6 @@
   <p:clrMapOvr>
     <a:masterClrMapping/>
   </p:clrMapOvr>
-  <mc:AlternateContent xmlns:mc="http://schemas.openxmlformats.org/markup-compatibility/2006" xmlns:p14="http://schemas.microsoft.com/office/powerpoint/2010/main">
-    <mc:Choice Requires="p14">
-      <p:transition spd="slow" p14:dur="2000"/>
-    </mc:Choice>
-    <mc:Fallback xmlns="">
-      <p:transition spd="slow"/>
-    </mc:Fallback>
-  </mc:AlternateContent>
-  <p:timing>
-    <p:tnLst>
-      <p:par>
-        <p:cTn id="1" dur="indefinite" restart="never" nodeType="tmRoot"/>
-      </p:par>
-    </p:tnLst>
-  </p:timing>
 </p:sld>
 </file>
 
@@ -39980,14 +40183,6 @@
   <p:clrMapOvr>
     <a:masterClrMapping/>
   </p:clrMapOvr>
-  <mc:AlternateContent xmlns:mc="http://schemas.openxmlformats.org/markup-compatibility/2006" xmlns:p14="http://schemas.microsoft.com/office/powerpoint/2010/main">
-    <mc:Choice Requires="p14">
-      <p:transition spd="slow" p14:dur="2000"/>
-    </mc:Choice>
-    <mc:Fallback xmlns="">
-      <p:transition spd="slow"/>
-    </mc:Fallback>
-  </mc:AlternateContent>
 </p:sld>
 </file>
 
@@ -40024,52 +40219,52 @@
           <a:lstStyle/>
           <a:p>
             <a:r>
-              <a:rPr lang="ko-KR" altLang="en-US" smtClean="0"/>
+              <a:rPr lang="ko-KR" altLang="en-US"/>
               <a:t>관계형 데이터베이스</a:t>
             </a:r>
             <a:r>
-              <a:rPr lang="en-US" altLang="ko-KR" smtClean="0"/>
+              <a:rPr lang="en-US" altLang="ko-KR"/>
               <a:t>(database)</a:t>
             </a:r>
             <a:r>
-              <a:rPr lang="ko-KR" altLang="en-US" smtClean="0"/>
+              <a:rPr lang="ko-KR" altLang="en-US"/>
               <a:t>는 데이터를 여러 개의 테이블에 나누어서 저장한다</a:t>
             </a:r>
             <a:r>
-              <a:rPr lang="en-US" altLang="ko-KR" smtClean="0"/>
+              <a:rPr lang="en-US" altLang="ko-KR"/>
               <a:t>.</a:t>
             </a:r>
           </a:p>
           <a:p>
             <a:r>
-              <a:rPr lang="ko-KR" altLang="en-US" smtClean="0"/>
+              <a:rPr lang="ko-KR" altLang="en-US"/>
               <a:t>가장 많이 사용되는 </a:t>
             </a:r>
             <a:r>
-              <a:rPr lang="en-US" altLang="ko-KR" smtClean="0"/>
+              <a:rPr lang="en-US" altLang="ko-KR"/>
               <a:t>DBMS</a:t>
             </a:r>
           </a:p>
           <a:p>
             <a:pPr lvl="1"/>
             <a:r>
-              <a:rPr lang="en-US" altLang="ko-KR" smtClean="0"/>
+              <a:rPr lang="en-US" altLang="ko-KR"/>
               <a:t>IBM, </a:t>
             </a:r>
             <a:r>
-              <a:rPr lang="ko-KR" altLang="en-US" smtClean="0"/>
+              <a:rPr lang="ko-KR" altLang="en-US"/>
               <a:t>오라클</a:t>
             </a:r>
             <a:r>
-              <a:rPr lang="en-US" altLang="ko-KR" smtClean="0"/>
+              <a:rPr lang="en-US" altLang="ko-KR"/>
               <a:t>, MS SQL Server, </a:t>
             </a:r>
             <a:r>
-              <a:rPr lang="ko-KR" altLang="en-US" smtClean="0"/>
+              <a:rPr lang="ko-KR" altLang="en-US"/>
               <a:t>사이베이스</a:t>
             </a:r>
             <a:r>
-              <a:rPr lang="en-US" altLang="ko-KR" smtClean="0"/>
+              <a:rPr lang="en-US" altLang="ko-KR"/>
               <a:t>, MySQL, postgreSQL</a:t>
             </a:r>
             <a:endParaRPr lang="ko-KR" altLang="en-US" dirty="0"/>
@@ -40092,14 +40287,13 @@
           <a:lstStyle/>
           <a:p>
             <a:r>
-              <a:rPr lang="ko-KR" altLang="en-US" smtClean="0"/>
+              <a:rPr lang="ko-KR" altLang="en-US"/>
               <a:t>데이터베이스란</a:t>
             </a:r>
             <a:r>
-              <a:rPr lang="en-US" altLang="ko-KR" smtClean="0"/>
+              <a:rPr lang="en-US" altLang="ko-KR"/>
               <a:t>?</a:t>
             </a:r>
-            <a:endParaRPr lang="en-US" altLang="ko-KR"/>
           </a:p>
         </p:txBody>
       </p:sp>
@@ -40157,8 +40351,8 @@
           </a:extLst>
         </p:spPr>
       </p:pic>
-      <mc:AlternateContent xmlns:mc="http://schemas.openxmlformats.org/markup-compatibility/2006">
-        <mc:Choice xmlns:p14="http://schemas.microsoft.com/office/powerpoint/2010/main" Requires="p14">
+      <mc:AlternateContent xmlns:mc="http://schemas.openxmlformats.org/markup-compatibility/2006" xmlns:p14="http://schemas.microsoft.com/office/powerpoint/2010/main">
+        <mc:Choice Requires="p14">
           <p:contentPart p14:bwMode="auto" r:id="rId3">
             <p14:nvContentPartPr>
               <p14:cNvPr id="5" name="잉크 4"/>
@@ -40171,7 +40365,7 @@
             </p14:xfrm>
           </p:contentPart>
         </mc:Choice>
-        <mc:Fallback>
+        <mc:Fallback xmlns="">
           <p:pic>
             <p:nvPicPr>
               <p:cNvPr id="5" name="잉크 4"/>
@@ -40196,8 +40390,8 @@
           </p:pic>
         </mc:Fallback>
       </mc:AlternateContent>
-      <mc:AlternateContent xmlns:mc="http://schemas.openxmlformats.org/markup-compatibility/2006">
-        <mc:Choice xmlns:p14="http://schemas.microsoft.com/office/powerpoint/2010/main" Requires="p14">
+      <mc:AlternateContent xmlns:mc="http://schemas.openxmlformats.org/markup-compatibility/2006" xmlns:p14="http://schemas.microsoft.com/office/powerpoint/2010/main">
+        <mc:Choice Requires="p14">
           <p:contentPart p14:bwMode="auto" r:id="rId5">
             <p14:nvContentPartPr>
               <p14:cNvPr id="18" name="잉크 17"/>
@@ -40210,7 +40404,7 @@
             </p14:xfrm>
           </p:contentPart>
         </mc:Choice>
-        <mc:Fallback>
+        <mc:Fallback xmlns="">
           <p:pic>
             <p:nvPicPr>
               <p:cNvPr id="18" name="잉크 17"/>
@@ -40235,8 +40429,8 @@
           </p:pic>
         </mc:Fallback>
       </mc:AlternateContent>
-      <mc:AlternateContent xmlns:mc="http://schemas.openxmlformats.org/markup-compatibility/2006">
-        <mc:Choice xmlns:p14="http://schemas.microsoft.com/office/powerpoint/2010/main" Requires="p14">
+      <mc:AlternateContent xmlns:mc="http://schemas.openxmlformats.org/markup-compatibility/2006" xmlns:p14="http://schemas.microsoft.com/office/powerpoint/2010/main">
+        <mc:Choice Requires="p14">
           <p:contentPart p14:bwMode="auto" r:id="rId7">
             <p14:nvContentPartPr>
               <p14:cNvPr id="24" name="잉크 23"/>
@@ -40249,7 +40443,7 @@
             </p14:xfrm>
           </p:contentPart>
         </mc:Choice>
-        <mc:Fallback>
+        <mc:Fallback xmlns="">
           <p:pic>
             <p:nvPicPr>
               <p:cNvPr id="24" name="잉크 23"/>
@@ -40284,14 +40478,6 @@
   <p:clrMapOvr>
     <a:masterClrMapping/>
   </p:clrMapOvr>
-  <mc:AlternateContent xmlns:mc="http://schemas.openxmlformats.org/markup-compatibility/2006" xmlns:p14="http://schemas.microsoft.com/office/powerpoint/2010/main">
-    <mc:Choice Requires="p14">
-      <p:transition spd="slow" p14:dur="2000"/>
-    </mc:Choice>
-    <mc:Fallback xmlns="">
-      <p:transition spd="slow"/>
-    </mc:Fallback>
-  </mc:AlternateContent>
 </p:sld>
 </file>
 
@@ -40333,18 +40519,14 @@
           <a:lstStyle/>
           <a:p>
             <a:r>
-              <a:rPr altLang="ko-KR" dirty="0" smtClean="0"/>
+              <a:rPr altLang="ko-KR" dirty="0"/>
               <a:t>OR-Mapping</a:t>
             </a:r>
           </a:p>
           <a:p>
             <a:r>
-              <a:rPr lang="ko-KR" altLang="en-US" dirty="0" smtClean="0"/>
-              <a:t>테이블의 </a:t>
-            </a:r>
-            <a:r>
               <a:rPr lang="ko-KR" altLang="en-US" dirty="0"/>
-              <a:t>하나의 행</a:t>
+              <a:t>테이블의 하나의 행</a:t>
             </a:r>
             <a:r>
               <a:rPr lang="en-US" altLang="ko-KR" dirty="0"/>
@@ -40371,16 +40553,12 @@
               <a:t>이 레코드는 여러 개의 </a:t>
             </a:r>
             <a:r>
-              <a:rPr lang="ko-KR" altLang="en-US" dirty="0" err="1" smtClean="0"/>
+              <a:rPr lang="ko-KR" altLang="en-US" dirty="0" err="1"/>
               <a:t>컬럼</a:t>
             </a:r>
             <a:r>
-              <a:rPr lang="en-US" altLang="ko-KR" dirty="0" smtClean="0"/>
-              <a:t>(</a:t>
-            </a:r>
-            <a:r>
               <a:rPr lang="en-US" altLang="ko-KR" dirty="0"/>
-              <a:t>column)</a:t>
+              <a:t>(column)</a:t>
             </a:r>
             <a:r>
               <a:rPr lang="ko-KR" altLang="en-US" dirty="0"/>
@@ -40481,8 +40659,8 @@
           </a:extLst>
         </p:spPr>
       </p:pic>
-      <mc:AlternateContent xmlns:mc="http://schemas.openxmlformats.org/markup-compatibility/2006">
-        <mc:Choice xmlns:p14="http://schemas.microsoft.com/office/powerpoint/2010/main" Requires="p14">
+      <mc:AlternateContent xmlns:mc="http://schemas.openxmlformats.org/markup-compatibility/2006" xmlns:p14="http://schemas.microsoft.com/office/powerpoint/2010/main">
+        <mc:Choice Requires="p14">
           <p:contentPart p14:bwMode="auto" r:id="rId3">
             <p14:nvContentPartPr>
               <p14:cNvPr id="4" name="잉크 3"/>
@@ -40495,7 +40673,7 @@
             </p14:xfrm>
           </p:contentPart>
         </mc:Choice>
-        <mc:Fallback>
+        <mc:Fallback xmlns="">
           <p:pic>
             <p:nvPicPr>
               <p:cNvPr id="4" name="잉크 3"/>
@@ -40543,51 +40721,40 @@
           <a:lstStyle/>
           <a:p>
             <a:r>
-              <a:rPr lang="ko-KR" altLang="en-US" sz="1600" dirty="0" smtClean="0">
-                <a:latin typeface="HY바다L" pitchFamily="18" charset="-127"/>
-                <a:ea typeface="HY바다L" pitchFamily="18" charset="-127"/>
-              </a:rPr>
-              <a:t>행 </a:t>
-            </a:r>
-            <a:r>
-              <a:rPr lang="en-US" altLang="ko-KR" sz="1600" dirty="0" smtClean="0">
-                <a:latin typeface="HY바다L" pitchFamily="18" charset="-127"/>
-                <a:ea typeface="HY바다L" pitchFamily="18" charset="-127"/>
-              </a:rPr>
-              <a:t>= </a:t>
-            </a:r>
-            <a:r>
               <a:rPr lang="ko-KR" altLang="en-US" sz="1600" dirty="0">
                 <a:latin typeface="HY바다L" pitchFamily="18" charset="-127"/>
                 <a:ea typeface="HY바다L" pitchFamily="18" charset="-127"/>
               </a:rPr>
-              <a:t>레</a:t>
-            </a:r>
-            <a:r>
-              <a:rPr lang="ko-KR" altLang="en-US" sz="1600" dirty="0" smtClean="0">
+              <a:t>행 </a:t>
+            </a:r>
+            <a:r>
+              <a:rPr lang="en-US" altLang="ko-KR" sz="1600" dirty="0">
                 <a:latin typeface="HY바다L" pitchFamily="18" charset="-127"/>
                 <a:ea typeface="HY바다L" pitchFamily="18" charset="-127"/>
               </a:rPr>
-              <a:t>코드 </a:t>
-            </a:r>
-            <a:r>
-              <a:rPr lang="en-US" altLang="ko-KR" sz="1600" dirty="0" smtClean="0">
+              <a:t>= </a:t>
+            </a:r>
+            <a:r>
+              <a:rPr lang="ko-KR" altLang="en-US" sz="1600" dirty="0">
                 <a:latin typeface="HY바다L" pitchFamily="18" charset="-127"/>
                 <a:ea typeface="HY바다L" pitchFamily="18" charset="-127"/>
               </a:rPr>
-              <a:t>= instance </a:t>
-            </a:r>
-            <a:r>
-              <a:rPr lang="ko-KR" altLang="en-US" sz="1600" dirty="0" smtClean="0">
+              <a:t>레코드 </a:t>
+            </a:r>
+            <a:r>
+              <a:rPr lang="en-US" altLang="ko-KR" sz="1600" dirty="0">
                 <a:latin typeface="HY바다L" pitchFamily="18" charset="-127"/>
                 <a:ea typeface="HY바다L" pitchFamily="18" charset="-127"/>
               </a:rPr>
+              <a:t>= instance </a:t>
+            </a:r>
+            <a:r>
+              <a:rPr lang="ko-KR" altLang="en-US" sz="1600" dirty="0">
+                <a:latin typeface="HY바다L" pitchFamily="18" charset="-127"/>
+                <a:ea typeface="HY바다L" pitchFamily="18" charset="-127"/>
+              </a:rPr>
               <a:t>객체</a:t>
             </a:r>
-            <a:endParaRPr lang="ko-KR" altLang="en-US" sz="1600" dirty="0" smtClean="0">
-              <a:latin typeface="HY바다L" pitchFamily="18" charset="-127"/>
-              <a:ea typeface="HY바다L" pitchFamily="18" charset="-127"/>
-            </a:endParaRPr>
           </a:p>
         </p:txBody>
       </p:sp>
@@ -40601,14 +40768,6 @@
   <p:clrMapOvr>
     <a:masterClrMapping/>
   </p:clrMapOvr>
-  <mc:AlternateContent xmlns:mc="http://schemas.openxmlformats.org/markup-compatibility/2006" xmlns:p14="http://schemas.microsoft.com/office/powerpoint/2010/main">
-    <mc:Choice Requires="p14">
-      <p:transition spd="slow" p14:dur="2000"/>
-    </mc:Choice>
-    <mc:Fallback xmlns="">
-      <p:transition spd="slow"/>
-    </mc:Fallback>
-  </mc:AlternateContent>
 </p:sld>
 </file>
 
@@ -40684,13 +40843,8 @@
             </a:r>
             <a:r>
               <a:rPr lang="ko-KR" altLang="en-US" dirty="0"/>
-              <a:t>에서 </a:t>
-            </a:r>
-            <a:r>
-              <a:rPr lang="ko-KR" altLang="en-US" dirty="0" smtClean="0"/>
-              <a:t>다운로드</a:t>
-            </a:r>
-            <a:endParaRPr lang="ko-KR" altLang="en-US" dirty="0"/>
+              <a:t>에서 다운로드</a:t>
+            </a:r>
           </a:p>
         </p:txBody>
       </p:sp>
@@ -40771,7 +40925,7 @@
           <a:lstStyle/>
           <a:p>
             <a:r>
-              <a:rPr lang="en-US" altLang="ko-KR" sz="2800" dirty="0" smtClean="0">
+              <a:rPr lang="en-US" altLang="ko-KR" sz="2800" dirty="0">
                 <a:solidFill>
                   <a:srgbClr val="FF0000"/>
                 </a:solidFill>
@@ -40780,7 +40934,7 @@
               </a:rPr>
               <a:t>Postgres</a:t>
             </a:r>
-            <a:endParaRPr lang="ko-KR" altLang="en-US" sz="2800" dirty="0" smtClean="0">
+            <a:endParaRPr lang="ko-KR" altLang="en-US" sz="2800" dirty="0">
               <a:solidFill>
                 <a:srgbClr val="FF0000"/>
               </a:solidFill>
@@ -40800,14 +40954,6 @@
   <p:clrMapOvr>
     <a:masterClrMapping/>
   </p:clrMapOvr>
-  <mc:AlternateContent xmlns:mc="http://schemas.openxmlformats.org/markup-compatibility/2006" xmlns:p14="http://schemas.microsoft.com/office/powerpoint/2010/main">
-    <mc:Choice Requires="p14">
-      <p:transition spd="slow" p14:dur="2000"/>
-    </mc:Choice>
-    <mc:Fallback xmlns="">
-      <p:transition spd="slow"/>
-    </mc:Fallback>
-  </mc:AlternateContent>
 </p:sld>
 </file>
 
@@ -40957,13 +41103,13 @@
           <a:lstStyle/>
           <a:p>
             <a:r>
-              <a:rPr lang="en-US" altLang="ko-KR" sz="1600" dirty="0" smtClean="0">
+              <a:rPr lang="en-US" altLang="ko-KR" sz="1600" dirty="0">
                 <a:latin typeface="HY바다L" pitchFamily="18" charset="-127"/>
                 <a:ea typeface="HY바다L" pitchFamily="18" charset="-127"/>
               </a:rPr>
               <a:t>DDL</a:t>
             </a:r>
-            <a:endParaRPr lang="ko-KR" altLang="en-US" sz="1600" dirty="0" smtClean="0">
+            <a:endParaRPr lang="ko-KR" altLang="en-US" sz="1600" dirty="0">
               <a:latin typeface="HY바다L" pitchFamily="18" charset="-127"/>
               <a:ea typeface="HY바다L" pitchFamily="18" charset="-127"/>
             </a:endParaRPr>
@@ -40993,13 +41139,13 @@
           <a:lstStyle/>
           <a:p>
             <a:r>
-              <a:rPr lang="en-US" altLang="ko-KR" sz="1600" dirty="0" smtClean="0">
+              <a:rPr lang="en-US" altLang="ko-KR" sz="1600" dirty="0">
                 <a:latin typeface="HY바다L" pitchFamily="18" charset="-127"/>
                 <a:ea typeface="HY바다L" pitchFamily="18" charset="-127"/>
               </a:rPr>
               <a:t>DML</a:t>
             </a:r>
-            <a:endParaRPr lang="ko-KR" altLang="en-US" sz="1600" dirty="0" smtClean="0">
+            <a:endParaRPr lang="ko-KR" altLang="en-US" sz="1600" dirty="0">
               <a:latin typeface="HY바다L" pitchFamily="18" charset="-127"/>
               <a:ea typeface="HY바다L" pitchFamily="18" charset="-127"/>
             </a:endParaRPr>
@@ -41029,21 +41175,21 @@
           <a:lstStyle/>
           <a:p>
             <a:r>
-              <a:rPr lang="en-US" altLang="ko-KR" sz="1600" dirty="0" smtClean="0">
+              <a:rPr lang="en-US" altLang="ko-KR" sz="1600" dirty="0">
                 <a:latin typeface="HY바다L" pitchFamily="18" charset="-127"/>
                 <a:ea typeface="HY바다L" pitchFamily="18" charset="-127"/>
               </a:rPr>
               <a:t>CRUD(Create, read, update, delete)</a:t>
             </a:r>
-            <a:endParaRPr lang="ko-KR" altLang="en-US" sz="1600" dirty="0" smtClean="0">
+            <a:endParaRPr lang="ko-KR" altLang="en-US" sz="1600" dirty="0">
               <a:latin typeface="HY바다L" pitchFamily="18" charset="-127"/>
               <a:ea typeface="HY바다L" pitchFamily="18" charset="-127"/>
             </a:endParaRPr>
           </a:p>
         </p:txBody>
       </p:sp>
-      <mc:AlternateContent xmlns:mc="http://schemas.openxmlformats.org/markup-compatibility/2006">
-        <mc:Choice xmlns:p14="http://schemas.microsoft.com/office/powerpoint/2010/main" Requires="p14">
+      <mc:AlternateContent xmlns:mc="http://schemas.openxmlformats.org/markup-compatibility/2006" xmlns:p14="http://schemas.microsoft.com/office/powerpoint/2010/main">
+        <mc:Choice Requires="p14">
           <p:contentPart p14:bwMode="auto" r:id="rId3">
             <p14:nvContentPartPr>
               <p14:cNvPr id="20" name="잉크 19"/>
@@ -41056,7 +41202,7 @@
             </p14:xfrm>
           </p:contentPart>
         </mc:Choice>
-        <mc:Fallback>
+        <mc:Fallback xmlns="">
           <p:pic>
             <p:nvPicPr>
               <p:cNvPr id="20" name="잉크 19"/>
@@ -41081,8 +41227,8 @@
           </p:pic>
         </mc:Fallback>
       </mc:AlternateContent>
-      <mc:AlternateContent xmlns:mc="http://schemas.openxmlformats.org/markup-compatibility/2006">
-        <mc:Choice xmlns:p14="http://schemas.microsoft.com/office/powerpoint/2010/main" Requires="p14">
+      <mc:AlternateContent xmlns:mc="http://schemas.openxmlformats.org/markup-compatibility/2006" xmlns:p14="http://schemas.microsoft.com/office/powerpoint/2010/main">
+        <mc:Choice Requires="p14">
           <p:contentPart p14:bwMode="auto" r:id="rId5">
             <p14:nvContentPartPr>
               <p14:cNvPr id="28" name="잉크 27"/>
@@ -41095,7 +41241,7 @@
             </p14:xfrm>
           </p:contentPart>
         </mc:Choice>
-        <mc:Fallback>
+        <mc:Fallback xmlns="">
           <p:pic>
             <p:nvPicPr>
               <p:cNvPr id="28" name="잉크 27"/>
@@ -41120,8 +41266,8 @@
           </p:pic>
         </mc:Fallback>
       </mc:AlternateContent>
-      <mc:AlternateContent xmlns:mc="http://schemas.openxmlformats.org/markup-compatibility/2006">
-        <mc:Choice xmlns:p14="http://schemas.microsoft.com/office/powerpoint/2010/main" Requires="p14">
+      <mc:AlternateContent xmlns:mc="http://schemas.openxmlformats.org/markup-compatibility/2006" xmlns:p14="http://schemas.microsoft.com/office/powerpoint/2010/main">
+        <mc:Choice Requires="p14">
           <p:contentPart p14:bwMode="auto" r:id="rId7">
             <p14:nvContentPartPr>
               <p14:cNvPr id="37" name="잉크 36"/>
@@ -41134,7 +41280,7 @@
             </p14:xfrm>
           </p:contentPart>
         </mc:Choice>
-        <mc:Fallback>
+        <mc:Fallback xmlns="">
           <p:pic>
             <p:nvPicPr>
               <p:cNvPr id="37" name="잉크 36"/>
@@ -41159,8 +41305,8 @@
           </p:pic>
         </mc:Fallback>
       </mc:AlternateContent>
-      <mc:AlternateContent xmlns:mc="http://schemas.openxmlformats.org/markup-compatibility/2006">
-        <mc:Choice xmlns:p14="http://schemas.microsoft.com/office/powerpoint/2010/main" Requires="p14">
+      <mc:AlternateContent xmlns:mc="http://schemas.openxmlformats.org/markup-compatibility/2006" xmlns:p14="http://schemas.microsoft.com/office/powerpoint/2010/main">
+        <mc:Choice Requires="p14">
           <p:contentPart p14:bwMode="auto" r:id="rId9">
             <p14:nvContentPartPr>
               <p14:cNvPr id="38" name="잉크 37"/>
@@ -41173,7 +41319,7 @@
             </p14:xfrm>
           </p:contentPart>
         </mc:Choice>
-        <mc:Fallback>
+        <mc:Fallback xmlns="">
           <p:pic>
             <p:nvPicPr>
               <p:cNvPr id="38" name="잉크 37"/>
@@ -41198,8 +41344,8 @@
           </p:pic>
         </mc:Fallback>
       </mc:AlternateContent>
-      <mc:AlternateContent xmlns:mc="http://schemas.openxmlformats.org/markup-compatibility/2006">
-        <mc:Choice xmlns:p14="http://schemas.microsoft.com/office/powerpoint/2010/main" Requires="p14">
+      <mc:AlternateContent xmlns:mc="http://schemas.openxmlformats.org/markup-compatibility/2006" xmlns:p14="http://schemas.microsoft.com/office/powerpoint/2010/main">
+        <mc:Choice Requires="p14">
           <p:contentPart p14:bwMode="auto" r:id="rId11">
             <p14:nvContentPartPr>
               <p14:cNvPr id="39" name="잉크 38"/>
@@ -41212,7 +41358,7 @@
             </p14:xfrm>
           </p:contentPart>
         </mc:Choice>
-        <mc:Fallback>
+        <mc:Fallback xmlns="">
           <p:pic>
             <p:nvPicPr>
               <p:cNvPr id="39" name="잉크 38"/>
@@ -41237,8 +41383,8 @@
           </p:pic>
         </mc:Fallback>
       </mc:AlternateContent>
-      <mc:AlternateContent xmlns:mc="http://schemas.openxmlformats.org/markup-compatibility/2006">
-        <mc:Choice xmlns:p14="http://schemas.microsoft.com/office/powerpoint/2010/main" Requires="p14">
+      <mc:AlternateContent xmlns:mc="http://schemas.openxmlformats.org/markup-compatibility/2006" xmlns:p14="http://schemas.microsoft.com/office/powerpoint/2010/main">
+        <mc:Choice Requires="p14">
           <p:contentPart p14:bwMode="auto" r:id="rId13">
             <p14:nvContentPartPr>
               <p14:cNvPr id="42" name="잉크 41"/>
@@ -41251,7 +41397,7 @@
             </p14:xfrm>
           </p:contentPart>
         </mc:Choice>
-        <mc:Fallback>
+        <mc:Fallback xmlns="">
           <p:pic>
             <p:nvPicPr>
               <p:cNvPr id="42" name="잉크 41"/>
@@ -41276,8 +41422,8 @@
           </p:pic>
         </mc:Fallback>
       </mc:AlternateContent>
-      <mc:AlternateContent xmlns:mc="http://schemas.openxmlformats.org/markup-compatibility/2006">
-        <mc:Choice xmlns:p14="http://schemas.microsoft.com/office/powerpoint/2010/main" Requires="p14">
+      <mc:AlternateContent xmlns:mc="http://schemas.openxmlformats.org/markup-compatibility/2006" xmlns:p14="http://schemas.microsoft.com/office/powerpoint/2010/main">
+        <mc:Choice Requires="p14">
           <p:contentPart p14:bwMode="auto" r:id="rId15">
             <p14:nvContentPartPr>
               <p14:cNvPr id="44" name="잉크 43"/>
@@ -41290,7 +41436,7 @@
             </p14:xfrm>
           </p:contentPart>
         </mc:Choice>
-        <mc:Fallback>
+        <mc:Fallback xmlns="">
           <p:pic>
             <p:nvPicPr>
               <p:cNvPr id="44" name="잉크 43"/>
@@ -41338,7 +41484,7 @@
           <a:lstStyle/>
           <a:p>
             <a:r>
-              <a:rPr lang="en-US" altLang="ko-KR" sz="2000" dirty="0" smtClean="0">
+              <a:rPr lang="en-US" altLang="ko-KR" sz="2000" dirty="0">
                 <a:solidFill>
                   <a:srgbClr val="FF0000"/>
                 </a:solidFill>
@@ -41349,7 +41495,7 @@
             </a:r>
           </a:p>
           <a:p>
-            <a:endParaRPr lang="ko-KR" altLang="en-US" sz="2000" dirty="0" smtClean="0">
+            <a:endParaRPr lang="ko-KR" altLang="en-US" sz="2000" dirty="0">
               <a:solidFill>
                 <a:srgbClr val="FF0000"/>
               </a:solidFill>
@@ -41359,8 +41505,8 @@
           </a:p>
         </p:txBody>
       </p:sp>
-      <mc:AlternateContent xmlns:mc="http://schemas.openxmlformats.org/markup-compatibility/2006">
-        <mc:Choice xmlns:p14="http://schemas.microsoft.com/office/powerpoint/2010/main" Requires="p14">
+      <mc:AlternateContent xmlns:mc="http://schemas.openxmlformats.org/markup-compatibility/2006" xmlns:p14="http://schemas.microsoft.com/office/powerpoint/2010/main">
+        <mc:Choice Requires="p14">
           <p:contentPart p14:bwMode="auto" r:id="rId17">
             <p14:nvContentPartPr>
               <p14:cNvPr id="47" name="잉크 46"/>
@@ -41373,7 +41519,7 @@
             </p14:xfrm>
           </p:contentPart>
         </mc:Choice>
-        <mc:Fallback>
+        <mc:Fallback xmlns="">
           <p:pic>
             <p:nvPicPr>
               <p:cNvPr id="47" name="잉크 46"/>
@@ -41398,6 +41544,57 @@
           </p:pic>
         </mc:Fallback>
       </mc:AlternateContent>
+      <mc:AlternateContent xmlns:mc="http://schemas.openxmlformats.org/markup-compatibility/2006">
+        <mc:Choice xmlns:p14="http://schemas.microsoft.com/office/powerpoint/2010/main" Requires="p14">
+          <p:contentPart p14:bwMode="auto" r:id="rId19">
+            <p14:nvContentPartPr>
+              <p14:cNvPr id="2" name="잉크 1">
+                <a:extLst>
+                  <a:ext uri="{FF2B5EF4-FFF2-40B4-BE49-F238E27FC236}">
+                    <a16:creationId xmlns:a16="http://schemas.microsoft.com/office/drawing/2014/main" id="{D6E785C8-E179-429D-A2B9-4B6FCB522F40}"/>
+                  </a:ext>
+                </a:extLst>
+              </p14:cNvPr>
+              <p14:cNvContentPartPr/>
+              <p14:nvPr/>
+            </p14:nvContentPartPr>
+            <p14:xfrm>
+              <a:off x="888840" y="901800"/>
+              <a:ext cx="7849080" cy="1333800"/>
+            </p14:xfrm>
+          </p:contentPart>
+        </mc:Choice>
+        <mc:Fallback>
+          <p:pic>
+            <p:nvPicPr>
+              <p:cNvPr id="2" name="잉크 1">
+                <a:extLst>
+                  <a:ext uri="{FF2B5EF4-FFF2-40B4-BE49-F238E27FC236}">
+                    <a16:creationId xmlns:a16="http://schemas.microsoft.com/office/drawing/2014/main" id="{D6E785C8-E179-429D-A2B9-4B6FCB522F40}"/>
+                  </a:ext>
+                </a:extLst>
+              </p:cNvPr>
+              <p:cNvPicPr/>
+              <p:nvPr/>
+            </p:nvPicPr>
+            <p:blipFill>
+              <a:blip r:embed="rId20"/>
+              <a:stretch>
+                <a:fillRect/>
+              </a:stretch>
+            </p:blipFill>
+            <p:spPr>
+              <a:xfrm>
+                <a:off x="879480" y="892440"/>
+                <a:ext cx="7867800" cy="1352520"/>
+              </a:xfrm>
+              <a:prstGeom prst="rect">
+                <a:avLst/>
+              </a:prstGeom>
+            </p:spPr>
+          </p:pic>
+        </mc:Fallback>
+      </mc:AlternateContent>
     </p:spTree>
     <p:extLst>
       <p:ext uri="{BB962C8B-B14F-4D97-AF65-F5344CB8AC3E}">
@@ -41408,14 +41605,6 @@
   <p:clrMapOvr>
     <a:masterClrMapping/>
   </p:clrMapOvr>
-  <mc:AlternateContent xmlns:mc="http://schemas.openxmlformats.org/markup-compatibility/2006" xmlns:p14="http://schemas.microsoft.com/office/powerpoint/2010/main">
-    <mc:Choice Requires="p14">
-      <p:transition spd="slow" p14:dur="2000"/>
-    </mc:Choice>
-    <mc:Fallback xmlns="">
-      <p:transition spd="slow"/>
-    </mc:Fallback>
-  </mc:AlternateContent>
 </p:sld>
 </file>
 
@@ -41625,14 +41814,6 @@
   <p:clrMapOvr>
     <a:masterClrMapping/>
   </p:clrMapOvr>
-  <mc:AlternateContent xmlns:mc="http://schemas.openxmlformats.org/markup-compatibility/2006" xmlns:p14="http://schemas.microsoft.com/office/powerpoint/2010/main">
-    <mc:Choice Requires="p14">
-      <p:transition spd="slow" p14:dur="2000"/>
-    </mc:Choice>
-    <mc:Fallback xmlns="">
-      <p:transition spd="slow"/>
-    </mc:Fallback>
-  </mc:AlternateContent>
 </p:sld>
 </file>
 
